--- a/week4/week4_slides.pptx
+++ b/week4/week4_slides.pptx
@@ -6,10 +6,10 @@
     <p:sldMasterId id="2147483651" r:id="rId3"/>
   </p:sldMasterIdLst>
   <p:notesMasterIdLst>
-    <p:notesMasterId r:id="rId20"/>
+    <p:notesMasterId r:id="rId33"/>
   </p:notesMasterIdLst>
   <p:handoutMasterIdLst>
-    <p:handoutMasterId r:id="rId21"/>
+    <p:handoutMasterId r:id="rId34"/>
   </p:handoutMasterIdLst>
   <p:sldIdLst>
     <p:sldId id="256" r:id="rId4"/>
@@ -17,17 +17,30 @@
     <p:sldId id="293" r:id="rId6"/>
     <p:sldId id="442" r:id="rId7"/>
     <p:sldId id="441" r:id="rId8"/>
-    <p:sldId id="473" r:id="rId9"/>
+    <p:sldId id="484" r:id="rId9"/>
     <p:sldId id="443" r:id="rId10"/>
     <p:sldId id="474" r:id="rId11"/>
-    <p:sldId id="444" r:id="rId12"/>
-    <p:sldId id="475" r:id="rId13"/>
-    <p:sldId id="478" r:id="rId14"/>
-    <p:sldId id="479" r:id="rId15"/>
-    <p:sldId id="378" r:id="rId16"/>
-    <p:sldId id="480" r:id="rId17"/>
-    <p:sldId id="457" r:id="rId18"/>
-    <p:sldId id="289" r:id="rId19"/>
+    <p:sldId id="485" r:id="rId12"/>
+    <p:sldId id="486" r:id="rId13"/>
+    <p:sldId id="490" r:id="rId14"/>
+    <p:sldId id="444" r:id="rId15"/>
+    <p:sldId id="475" r:id="rId16"/>
+    <p:sldId id="491" r:id="rId17"/>
+    <p:sldId id="489" r:id="rId18"/>
+    <p:sldId id="492" r:id="rId19"/>
+    <p:sldId id="493" r:id="rId20"/>
+    <p:sldId id="494" r:id="rId21"/>
+    <p:sldId id="497" r:id="rId22"/>
+    <p:sldId id="496" r:id="rId23"/>
+    <p:sldId id="478" r:id="rId24"/>
+    <p:sldId id="479" r:id="rId25"/>
+    <p:sldId id="498" r:id="rId26"/>
+    <p:sldId id="499" r:id="rId27"/>
+    <p:sldId id="378" r:id="rId28"/>
+    <p:sldId id="488" r:id="rId29"/>
+    <p:sldId id="480" r:id="rId30"/>
+    <p:sldId id="457" r:id="rId31"/>
+    <p:sldId id="289" r:id="rId32"/>
   </p:sldIdLst>
   <p:sldSz cx="12192000" cy="6858000"/>
   <p:notesSz cx="6858000" cy="9144000"/>
@@ -5118,7 +5131,7 @@
                 <a:cs typeface="+mn-cs"/>
                 <a:sym typeface="+mn-ea"/>
               </a:rPr>
-              <a:t>Title</a:t>
+              <a:t>Linked List</a:t>
             </a:r>
             <a:endParaRPr kumimoji="0" lang="en-US" altLang="zh-CN" sz="2800" b="1" i="0" u="none" strike="noStrike" kern="1200" cap="none" spc="0" normalizeH="0" baseline="0" noProof="0" dirty="0">
               <a:ln>
@@ -5153,6 +5166,66 @@
         <p:txBody>
           <a:bodyPr/>
           <a:p>
+            <a:r>
+              <a:rPr lang="en-US"/>
+              <a:t>Specifically in Python, linked lists and array lists have very similar memory performance</a:t>
+            </a:r>
+            <a:endParaRPr lang="en-US"/>
+          </a:p>
+          <a:p>
+            <a:r>
+              <a:rPr lang="en-US"/>
+              <a:t>No native indexing (ie retrieve value at index n), but there are workarounds</a:t>
+            </a:r>
+            <a:endParaRPr lang="en-US"/>
+          </a:p>
+          <a:p>
+            <a:pPr lvl="1"/>
+            <a:r>
+              <a:rPr lang="en-US"/>
+              <a:t>Basic implementation of Linked Lists has O(n) retrieval/search time</a:t>
+            </a:r>
+            <a:endParaRPr lang="en-US"/>
+          </a:p>
+          <a:p>
+            <a:r>
+              <a:rPr lang="en-US"/>
+              <a:t>O(1) Insertion/Deletion of elements, anywhere in the list</a:t>
+            </a:r>
+            <a:endParaRPr lang="en-US"/>
+          </a:p>
+          <a:p>
+            <a:r>
+              <a:rPr lang="en-US"/>
+              <a:t>Linked Lists are especially useful for implementing:</a:t>
+            </a:r>
+            <a:endParaRPr lang="en-US"/>
+          </a:p>
+          <a:p>
+            <a:pPr lvl="1"/>
+            <a:r>
+              <a:rPr lang="en-US" sz="2400"/>
+              <a:t>Stacks and Queues</a:t>
+            </a:r>
+            <a:endParaRPr lang="en-US" sz="2400"/>
+          </a:p>
+          <a:p>
+            <a:pPr lvl="1"/>
+            <a:r>
+              <a:rPr lang="en-US"/>
+              <a:t>Hashtables (in some cases)</a:t>
+            </a:r>
+            <a:endParaRPr lang="en-US"/>
+          </a:p>
+          <a:p>
+            <a:pPr lvl="1"/>
+            <a:r>
+              <a:rPr lang="en-US"/>
+              <a:t>Trees and Graphs</a:t>
+            </a:r>
+            <a:endParaRPr lang="en-US"/>
+          </a:p>
+          <a:p>
             <a:endParaRPr lang="en-US"/>
           </a:p>
         </p:txBody>
@@ -5169,6 +5242,368 @@
 </file>
 
 <file path=ppt/slides/slide11.xml><?xml version="1.0" encoding="utf-8"?>
+<p:sld xmlns:a="http://schemas.openxmlformats.org/drawingml/2006/main" xmlns:r="http://schemas.openxmlformats.org/officeDocument/2006/relationships" xmlns:p="http://schemas.openxmlformats.org/presentationml/2006/main">
+  <p:cSld>
+    <p:spTree>
+      <p:nvGrpSpPr>
+        <p:cNvPr id="1" name=""/>
+        <p:cNvGrpSpPr/>
+        <p:nvPr/>
+      </p:nvGrpSpPr>
+      <p:grpSpPr/>
+      <p:sp>
+        <p:nvSpPr>
+          <p:cNvPr id="15" name="任意多边形 14"/>
+          <p:cNvSpPr/>
+          <p:nvPr/>
+        </p:nvSpPr>
+        <p:spPr>
+          <a:xfrm>
+            <a:off x="0" y="274638"/>
+            <a:ext cx="890588" cy="639763"/>
+          </a:xfrm>
+          <a:custGeom>
+            <a:avLst/>
+            <a:gdLst>
+              <a:gd name="connsiteX0" fmla="*/ 0 w 1029743"/>
+              <a:gd name="connsiteY0" fmla="*/ 0 h 739718"/>
+              <a:gd name="connsiteX1" fmla="*/ 659884 w 1029743"/>
+              <a:gd name="connsiteY1" fmla="*/ 0 h 739718"/>
+              <a:gd name="connsiteX2" fmla="*/ 1029743 w 1029743"/>
+              <a:gd name="connsiteY2" fmla="*/ 369859 h 739718"/>
+              <a:gd name="connsiteX3" fmla="*/ 659884 w 1029743"/>
+              <a:gd name="connsiteY3" fmla="*/ 739718 h 739718"/>
+              <a:gd name="connsiteX4" fmla="*/ 0 w 1029743"/>
+              <a:gd name="connsiteY4" fmla="*/ 739718 h 739718"/>
+            </a:gdLst>
+            <a:ahLst/>
+            <a:cxnLst>
+              <a:cxn ang="0">
+                <a:pos x="connsiteX0" y="connsiteY0"/>
+              </a:cxn>
+              <a:cxn ang="0">
+                <a:pos x="connsiteX1" y="connsiteY1"/>
+              </a:cxn>
+              <a:cxn ang="0">
+                <a:pos x="connsiteX2" y="connsiteY2"/>
+              </a:cxn>
+              <a:cxn ang="0">
+                <a:pos x="connsiteX3" y="connsiteY3"/>
+              </a:cxn>
+              <a:cxn ang="0">
+                <a:pos x="connsiteX4" y="connsiteY4"/>
+              </a:cxn>
+            </a:cxnLst>
+            <a:rect l="l" t="t" r="r" b="b"/>
+            <a:pathLst>
+              <a:path w="1029743" h="739718">
+                <a:moveTo>
+                  <a:pt x="0" y="0"/>
+                </a:moveTo>
+                <a:lnTo>
+                  <a:pt x="659884" y="0"/>
+                </a:lnTo>
+                <a:cubicBezTo>
+                  <a:pt x="864151" y="0"/>
+                  <a:pt x="1029743" y="165592"/>
+                  <a:pt x="1029743" y="369859"/>
+                </a:cubicBezTo>
+                <a:cubicBezTo>
+                  <a:pt x="1029743" y="574126"/>
+                  <a:pt x="864151" y="739718"/>
+                  <a:pt x="659884" y="739718"/>
+                </a:cubicBezTo>
+                <a:lnTo>
+                  <a:pt x="0" y="739718"/>
+                </a:lnTo>
+                <a:close/>
+              </a:path>
+            </a:pathLst>
+          </a:custGeom>
+          <a:solidFill>
+            <a:srgbClr val="05B780"/>
+          </a:solidFill>
+          <a:ln>
+            <a:noFill/>
+          </a:ln>
+        </p:spPr>
+        <p:style>
+          <a:lnRef idx="2">
+            <a:schemeClr val="accent1">
+              <a:shade val="50000"/>
+            </a:schemeClr>
+          </a:lnRef>
+          <a:fillRef idx="1">
+            <a:schemeClr val="accent1"/>
+          </a:fillRef>
+          <a:effectRef idx="0">
+            <a:schemeClr val="accent1"/>
+          </a:effectRef>
+          <a:fontRef idx="minor">
+            <a:schemeClr val="lt1"/>
+          </a:fontRef>
+        </p:style>
+        <p:txBody>
+          <a:bodyPr anchor="ctr"/>
+          <a:lstStyle/>
+          <a:p>
+            <a:pPr marL="0" marR="0" lvl="0" indent="0" algn="ctr" defTabSz="914400" rtl="0" eaLnBrk="1" fontAlgn="auto" latinLnBrk="0" hangingPunct="1">
+              <a:lnSpc>
+                <a:spcPct val="100000"/>
+              </a:lnSpc>
+              <a:spcBef>
+                <a:spcPts val="0"/>
+              </a:spcBef>
+              <a:spcAft>
+                <a:spcPts val="0"/>
+              </a:spcAft>
+              <a:buClrTx/>
+              <a:buSzTx/>
+              <a:buFontTx/>
+              <a:buNone/>
+              <a:defRPr/>
+            </a:pPr>
+            <a:endParaRPr kumimoji="0" lang="zh-CN" altLang="en-US" sz="1800" b="0" i="0" u="none" strike="noStrike" kern="1200" cap="none" spc="0" normalizeH="0" baseline="0" noProof="0">
+              <a:ln>
+                <a:noFill/>
+              </a:ln>
+              <a:solidFill>
+                <a:schemeClr val="bg1"/>
+              </a:solidFill>
+              <a:effectLst/>
+              <a:uLnTx/>
+              <a:uFillTx/>
+              <a:latin typeface="+mn-lt"/>
+              <a:ea typeface="+mn-ea"/>
+              <a:cs typeface="+mn-cs"/>
+            </a:endParaRPr>
+          </a:p>
+        </p:txBody>
+      </p:sp>
+      <p:sp>
+        <p:nvSpPr>
+          <p:cNvPr id="7170" name="文本框 156"/>
+          <p:cNvSpPr txBox="1"/>
+          <p:nvPr/>
+        </p:nvSpPr>
+        <p:spPr>
+          <a:xfrm>
+            <a:off x="0" y="350838"/>
+            <a:ext cx="814388" cy="521970"/>
+          </a:xfrm>
+          <a:prstGeom prst="rect">
+            <a:avLst/>
+          </a:prstGeom>
+          <a:noFill/>
+          <a:ln w="9525">
+            <a:noFill/>
+          </a:ln>
+        </p:spPr>
+        <p:txBody>
+          <a:bodyPr anchor="t" anchorCtr="0">
+            <a:spAutoFit/>
+          </a:bodyPr>
+          <a:p>
+            <a:pPr>
+              <a:buFont typeface="Arial" panose="020B0604020202020204" pitchFamily="34" charset="0"/>
+            </a:pPr>
+            <a:r>
+              <a:rPr lang="en-US" altLang="zh-CN" sz="2800" b="1" dirty="0">
+                <a:solidFill>
+                  <a:schemeClr val="bg1"/>
+                </a:solidFill>
+                <a:latin typeface="Microsoft YaHei" panose="020B0503020204020204" pitchFamily="34" charset="-122"/>
+                <a:ea typeface="Microsoft YaHei" panose="020B0503020204020204" pitchFamily="34" charset="-122"/>
+              </a:rPr>
+              <a:t>1.1</a:t>
+            </a:r>
+            <a:endParaRPr lang="en-US" altLang="zh-CN" sz="2800" b="1" dirty="0">
+              <a:solidFill>
+                <a:schemeClr val="bg1"/>
+              </a:solidFill>
+              <a:latin typeface="Microsoft YaHei" panose="020B0503020204020204" pitchFamily="34" charset="-122"/>
+              <a:ea typeface="Microsoft YaHei" panose="020B0503020204020204" pitchFamily="34" charset="-122"/>
+            </a:endParaRPr>
+          </a:p>
+        </p:txBody>
+      </p:sp>
+      <p:sp>
+        <p:nvSpPr>
+          <p:cNvPr id="16" name="Rectangle 6"/>
+          <p:cNvSpPr>
+            <a:spLocks noChangeArrowheads="1"/>
+          </p:cNvSpPr>
+          <p:nvPr/>
+        </p:nvSpPr>
+        <p:spPr bwMode="black">
+          <a:xfrm>
+            <a:off x="1021080" y="351155"/>
+            <a:ext cx="6515735" cy="521970"/>
+          </a:xfrm>
+          <a:prstGeom prst="rect">
+            <a:avLst/>
+          </a:prstGeom>
+          <a:noFill/>
+          <a:ln>
+            <a:noFill/>
+          </a:ln>
+          <a:effectLst/>
+          <a:extLst>
+            <a:ext uri="{909E8E84-426E-40DD-AFC4-6F175D3DCCD1}">
+              <a14:hiddenFill xmlns:a14="http://schemas.microsoft.com/office/drawing/2010/main">
+                <a:solidFill>
+                  <a:schemeClr val="accent1"/>
+                </a:solidFill>
+              </a14:hiddenFill>
+            </a:ext>
+            <a:ext uri="{91240B29-F687-4F45-9708-019B960494DF}">
+              <a14:hiddenLine xmlns:a14="http://schemas.microsoft.com/office/drawing/2010/main" w="9525">
+                <a:solidFill>
+                  <a:schemeClr val="tx1"/>
+                </a:solidFill>
+                <a:miter lim="800000"/>
+                <a:headEnd/>
+                <a:tailEnd/>
+              </a14:hiddenLine>
+            </a:ext>
+            <a:ext uri="{AF507438-7753-43E0-B8FC-AC1667EBCBE1}">
+              <a14:hiddenEffects xmlns:a14="http://schemas.microsoft.com/office/drawing/2010/main">
+                <a:effectLst>
+                  <a:outerShdw dist="35921" dir="2700000" algn="ctr" rotWithShape="0">
+                    <a:schemeClr val="bg2"/>
+                  </a:outerShdw>
+                </a:effectLst>
+              </a14:hiddenEffects>
+            </a:ext>
+          </a:extLst>
+        </p:spPr>
+        <p:txBody>
+          <a:bodyPr wrap="square">
+            <a:spAutoFit/>
+          </a:bodyPr>
+          <a:lstStyle/>
+          <a:p>
+            <a:pPr marL="0" marR="0" lvl="0" indent="0" algn="l" defTabSz="914400" rtl="0" eaLnBrk="0" fontAlgn="auto" latinLnBrk="0" hangingPunct="0">
+              <a:lnSpc>
+                <a:spcPct val="100000"/>
+              </a:lnSpc>
+              <a:spcBef>
+                <a:spcPts val="0"/>
+              </a:spcBef>
+              <a:spcAft>
+                <a:spcPts val="0"/>
+              </a:spcAft>
+              <a:buClrTx/>
+              <a:buSzTx/>
+              <a:buFontTx/>
+              <a:buNone/>
+              <a:defRPr/>
+            </a:pPr>
+            <a:r>
+              <a:rPr kumimoji="0" lang="en-US" altLang="zh-CN" sz="2800" b="1" i="0" u="none" strike="noStrike" kern="1200" cap="none" spc="0" normalizeH="0" baseline="0" noProof="0" dirty="0">
+                <a:ln>
+                  <a:noFill/>
+                </a:ln>
+                <a:solidFill>
+                  <a:schemeClr val="tx1">
+                    <a:lumMod val="85000"/>
+                    <a:lumOff val="15000"/>
+                  </a:schemeClr>
+                </a:solidFill>
+                <a:effectLst/>
+                <a:uLnTx/>
+                <a:uFillTx/>
+                <a:latin typeface="Microsoft YaHei" panose="020B0503020204020204" pitchFamily="34" charset="-122"/>
+                <a:ea typeface="Microsoft YaHei" panose="020B0503020204020204" pitchFamily="34" charset="-122"/>
+                <a:cs typeface="+mn-cs"/>
+                <a:sym typeface="+mn-ea"/>
+              </a:rPr>
+              <a:t>Hybrid Data Structures</a:t>
+            </a:r>
+            <a:endParaRPr kumimoji="0" lang="en-US" altLang="zh-CN" sz="2800" b="1" i="0" u="none" strike="noStrike" kern="1200" cap="none" spc="0" normalizeH="0" baseline="0" noProof="0" dirty="0">
+              <a:ln>
+                <a:noFill/>
+              </a:ln>
+              <a:solidFill>
+                <a:schemeClr val="tx1">
+                  <a:lumMod val="85000"/>
+                  <a:lumOff val="15000"/>
+                </a:schemeClr>
+              </a:solidFill>
+              <a:effectLst/>
+              <a:uLnTx/>
+              <a:uFillTx/>
+              <a:latin typeface="Microsoft YaHei" panose="020B0503020204020204" pitchFamily="34" charset="-122"/>
+              <a:ea typeface="Microsoft YaHei" panose="020B0503020204020204" pitchFamily="34" charset="-122"/>
+              <a:cs typeface="+mn-cs"/>
+              <a:sym typeface="+mn-ea"/>
+            </a:endParaRPr>
+          </a:p>
+        </p:txBody>
+      </p:sp>
+      <p:sp>
+        <p:nvSpPr>
+          <p:cNvPr id="3" name="Content Placeholder 2"/>
+          <p:cNvSpPr/>
+          <p:nvPr>
+            <p:ph idx="1"/>
+          </p:nvPr>
+        </p:nvSpPr>
+        <p:spPr/>
+        <p:txBody>
+          <a:bodyPr/>
+          <a:p>
+            <a:r>
+              <a:rPr lang="en-US"/>
+              <a:t>Many basic data structures are often provided by the programming language libraries.</a:t>
+            </a:r>
+            <a:endParaRPr lang="en-US"/>
+          </a:p>
+          <a:p>
+            <a:pPr lvl="1"/>
+            <a:r>
+              <a:rPr lang="en-US"/>
+              <a:t>List, dequeue, dictionary, and so on</a:t>
+            </a:r>
+            <a:endParaRPr lang="en-US"/>
+          </a:p>
+          <a:p>
+            <a:r>
+              <a:rPr lang="en-US"/>
+              <a:t>But sometimes a hybrid structure needs to be implemented for a particular application.</a:t>
+            </a:r>
+            <a:endParaRPr lang="en-US"/>
+          </a:p>
+          <a:p>
+            <a:pPr lvl="1"/>
+            <a:r>
+              <a:rPr lang="en-US"/>
+              <a:t>We need fast lookup of names but also want to maintain the order in which the names were entered into the system</a:t>
+            </a:r>
+            <a:endParaRPr lang="en-US"/>
+          </a:p>
+          <a:p>
+            <a:pPr lvl="2"/>
+            <a:r>
+              <a:rPr lang="en-US"/>
+              <a:t>Linked list running through a hash table</a:t>
+            </a:r>
+            <a:endParaRPr lang="en-US"/>
+          </a:p>
+        </p:txBody>
+      </p:sp>
+    </p:spTree>
+  </p:cSld>
+  <p:clrMapOvr>
+    <a:masterClrMapping/>
+  </p:clrMapOvr>
+  <p:transition spd="slow">
+    <p:wipe/>
+  </p:transition>
+</p:sld>
+</file>
+
+<file path=ppt/slides/slide12.xml><?xml version="1.0" encoding="utf-8"?>
 <p:sld xmlns:a="http://schemas.openxmlformats.org/drawingml/2006/main" xmlns:r="http://schemas.openxmlformats.org/officeDocument/2006/relationships" xmlns:p="http://schemas.openxmlformats.org/presentationml/2006/main">
   <p:cSld>
     <p:spTree>
@@ -5464,7 +5899,7 @@
                 <a:latin typeface="Microsoft YaHei" panose="020B0503020204020204" pitchFamily="34" charset="-122"/>
                 <a:ea typeface="Microsoft YaHei" panose="020B0503020204020204" pitchFamily="34" charset="-122"/>
               </a:rPr>
-              <a:t>N-ary Tree</a:t>
+              <a:t>Binary Tree</a:t>
             </a:r>
             <a:endParaRPr lang="en-US" altLang="zh-CN" sz="3200" b="1" dirty="0">
               <a:solidFill>
@@ -5626,7 +6061,7 @@
 </p:sld>
 </file>
 
-<file path=ppt/slides/slide12.xml><?xml version="1.0" encoding="utf-8"?>
+<file path=ppt/slides/slide13.xml><?xml version="1.0" encoding="utf-8"?>
 <p:sld xmlns:a="http://schemas.openxmlformats.org/drawingml/2006/main" xmlns:r="http://schemas.openxmlformats.org/officeDocument/2006/relationships" xmlns:p="http://schemas.openxmlformats.org/presentationml/2006/main">
   <p:cSld>
     <p:spTree>
@@ -5903,7 +6338,7 @@
                 <a:cs typeface="+mn-cs"/>
                 <a:sym typeface="+mn-ea"/>
               </a:rPr>
-              <a:t>Title</a:t>
+              <a:t>Binary Tree</a:t>
             </a:r>
             <a:endParaRPr kumimoji="0" lang="en-US" altLang="zh-CN" sz="2800" b="1" i="0" u="none" strike="noStrike" kern="1200" cap="none" spc="0" normalizeH="0" baseline="0" noProof="0" dirty="0">
               <a:ln>
@@ -5938,467 +6373,54 @@
         <p:txBody>
           <a:bodyPr/>
           <a:p>
+            <a:r>
+              <a:rPr lang="en-US"/>
+              <a:t>Terminology: Tree</a:t>
+            </a:r>
+            <a:endParaRPr lang="en-US"/>
+          </a:p>
+          <a:p>
+            <a:pPr lvl="1"/>
+            <a:r>
+              <a:rPr lang="en-US"/>
+              <a:t>A tree is a directed graph with no cycles</a:t>
+            </a:r>
+            <a:endParaRPr lang="en-US"/>
+          </a:p>
+          <a:p>
+            <a:pPr lvl="1"/>
+            <a:r>
+              <a:rPr lang="en-US"/>
+              <a:t>Trees, like Graphs, are non-linear data structures that represent nodes connected by edges</a:t>
+            </a:r>
+            <a:endParaRPr lang="en-US"/>
+          </a:p>
+          <a:p>
+            <a:pPr lvl="0"/>
+            <a:r>
+              <a:rPr lang="en-US"/>
+              <a:t>In the case of binary trees, every parent node will have up to two child nodes</a:t>
+            </a:r>
+            <a:endParaRPr lang="en-US"/>
+          </a:p>
+          <a:p>
+            <a:pPr lvl="0"/>
+            <a:r>
+              <a:rPr lang="en-US"/>
+              <a:t>Some other terminologies:</a:t>
+            </a:r>
+            <a:endParaRPr lang="en-US"/>
+          </a:p>
+          <a:p>
+            <a:pPr lvl="1"/>
+            <a:r>
+              <a:rPr lang="en-US"/>
+              <a:t>Leaf, internal node, sibling, parent, child, ancestor, descendant, degree, full tree, complete tree, height, depth</a:t>
+            </a:r>
             <a:endParaRPr lang="en-US"/>
           </a:p>
         </p:txBody>
       </p:sp>
-    </p:spTree>
-  </p:cSld>
-  <p:clrMapOvr>
-    <a:masterClrMapping/>
-  </p:clrMapOvr>
-  <p:transition spd="slow">
-    <p:wipe/>
-  </p:transition>
-</p:sld>
-</file>
-
-<file path=ppt/slides/slide13.xml><?xml version="1.0" encoding="utf-8"?>
-<p:sld xmlns:a="http://schemas.openxmlformats.org/drawingml/2006/main" xmlns:r="http://schemas.openxmlformats.org/officeDocument/2006/relationships" xmlns:p="http://schemas.openxmlformats.org/presentationml/2006/main">
-  <p:cSld>
-    <p:spTree>
-      <p:nvGrpSpPr>
-        <p:cNvPr id="1" name=""/>
-        <p:cNvGrpSpPr/>
-        <p:nvPr/>
-      </p:nvGrpSpPr>
-      <p:grpSpPr/>
-      <p:sp>
-        <p:nvSpPr>
-          <p:cNvPr id="46" name="任意多边形 45"/>
-          <p:cNvSpPr/>
-          <p:nvPr/>
-        </p:nvSpPr>
-        <p:spPr>
-          <a:xfrm>
-            <a:off x="0" y="260350"/>
-            <a:ext cx="3922395" cy="739775"/>
-          </a:xfrm>
-          <a:custGeom>
-            <a:avLst/>
-            <a:gdLst>
-              <a:gd name="connsiteX0" fmla="*/ 0 w 2091831"/>
-              <a:gd name="connsiteY0" fmla="*/ 0 h 739718"/>
-              <a:gd name="connsiteX1" fmla="*/ 1721972 w 2091831"/>
-              <a:gd name="connsiteY1" fmla="*/ 0 h 739718"/>
-              <a:gd name="connsiteX2" fmla="*/ 2091831 w 2091831"/>
-              <a:gd name="connsiteY2" fmla="*/ 369859 h 739718"/>
-              <a:gd name="connsiteX3" fmla="*/ 1721972 w 2091831"/>
-              <a:gd name="connsiteY3" fmla="*/ 739718 h 739718"/>
-              <a:gd name="connsiteX4" fmla="*/ 0 w 2091831"/>
-              <a:gd name="connsiteY4" fmla="*/ 739718 h 739718"/>
-            </a:gdLst>
-            <a:ahLst/>
-            <a:cxnLst>
-              <a:cxn ang="0">
-                <a:pos x="connsiteX0" y="connsiteY0"/>
-              </a:cxn>
-              <a:cxn ang="0">
-                <a:pos x="connsiteX1" y="connsiteY1"/>
-              </a:cxn>
-              <a:cxn ang="0">
-                <a:pos x="connsiteX2" y="connsiteY2"/>
-              </a:cxn>
-              <a:cxn ang="0">
-                <a:pos x="connsiteX3" y="connsiteY3"/>
-              </a:cxn>
-              <a:cxn ang="0">
-                <a:pos x="connsiteX4" y="connsiteY4"/>
-              </a:cxn>
-            </a:cxnLst>
-            <a:rect l="l" t="t" r="r" b="b"/>
-            <a:pathLst>
-              <a:path w="2091831" h="739718">
-                <a:moveTo>
-                  <a:pt x="0" y="0"/>
-                </a:moveTo>
-                <a:lnTo>
-                  <a:pt x="1721972" y="0"/>
-                </a:lnTo>
-                <a:cubicBezTo>
-                  <a:pt x="1926239" y="0"/>
-                  <a:pt x="2091831" y="165592"/>
-                  <a:pt x="2091831" y="369859"/>
-                </a:cubicBezTo>
-                <a:cubicBezTo>
-                  <a:pt x="2091831" y="574126"/>
-                  <a:pt x="1926239" y="739718"/>
-                  <a:pt x="1721972" y="739718"/>
-                </a:cubicBezTo>
-                <a:lnTo>
-                  <a:pt x="0" y="739718"/>
-                </a:lnTo>
-                <a:close/>
-              </a:path>
-            </a:pathLst>
-          </a:custGeom>
-          <a:solidFill>
-            <a:srgbClr val="05B780"/>
-          </a:solidFill>
-          <a:ln>
-            <a:noFill/>
-          </a:ln>
-        </p:spPr>
-        <p:style>
-          <a:lnRef idx="2">
-            <a:schemeClr val="accent1">
-              <a:shade val="50000"/>
-            </a:schemeClr>
-          </a:lnRef>
-          <a:fillRef idx="1">
-            <a:schemeClr val="accent1"/>
-          </a:fillRef>
-          <a:effectRef idx="0">
-            <a:schemeClr val="accent1"/>
-          </a:effectRef>
-          <a:fontRef idx="minor">
-            <a:schemeClr val="lt1"/>
-          </a:fontRef>
-        </p:style>
-        <p:txBody>
-          <a:bodyPr anchor="ctr"/>
-          <a:lstStyle/>
-          <a:p>
-            <a:pPr marL="0" marR="0" lvl="0" indent="0" algn="ctr" defTabSz="914400" rtl="0" eaLnBrk="1" fontAlgn="auto" latinLnBrk="0" hangingPunct="1">
-              <a:lnSpc>
-                <a:spcPct val="100000"/>
-              </a:lnSpc>
-              <a:spcBef>
-                <a:spcPts val="0"/>
-              </a:spcBef>
-              <a:spcAft>
-                <a:spcPts val="0"/>
-              </a:spcAft>
-              <a:buClrTx/>
-              <a:buSzTx/>
-              <a:buFontTx/>
-              <a:buNone/>
-              <a:defRPr/>
-            </a:pPr>
-            <a:endParaRPr kumimoji="0" lang="zh-CN" altLang="en-US" sz="1800" b="0" i="0" u="none" strike="noStrike" kern="1200" cap="none" spc="0" normalizeH="0" baseline="0" noProof="0">
-              <a:ln>
-                <a:noFill/>
-              </a:ln>
-              <a:solidFill>
-                <a:schemeClr val="lt1"/>
-              </a:solidFill>
-              <a:effectLst/>
-              <a:uLnTx/>
-              <a:uFillTx/>
-              <a:latin typeface="+mn-lt"/>
-              <a:ea typeface="+mn-ea"/>
-              <a:cs typeface="+mn-cs"/>
-            </a:endParaRPr>
-          </a:p>
-        </p:txBody>
-      </p:sp>
-      <p:sp>
-        <p:nvSpPr>
-          <p:cNvPr id="6146" name="文本框 101"/>
-          <p:cNvSpPr txBox="1"/>
-          <p:nvPr/>
-        </p:nvSpPr>
-        <p:spPr>
-          <a:xfrm>
-            <a:off x="22225" y="336550"/>
-            <a:ext cx="3985895" cy="583565"/>
-          </a:xfrm>
-          <a:prstGeom prst="rect">
-            <a:avLst/>
-          </a:prstGeom>
-          <a:noFill/>
-          <a:ln w="9525">
-            <a:noFill/>
-          </a:ln>
-        </p:spPr>
-        <p:txBody>
-          <a:bodyPr wrap="square" anchor="t" anchorCtr="0">
-            <a:spAutoFit/>
-          </a:bodyPr>
-          <a:p>
-            <a:pPr>
-              <a:buFont typeface="Arial" panose="020B0604020202020204" pitchFamily="34" charset="0"/>
-            </a:pPr>
-            <a:r>
-              <a:rPr lang="en-US" altLang="zh-CN" sz="3200" b="1" dirty="0">
-                <a:solidFill>
-                  <a:schemeClr val="bg1"/>
-                </a:solidFill>
-                <a:latin typeface="Microsoft YaHei" panose="020B0503020204020204" pitchFamily="34" charset="-122"/>
-                <a:ea typeface="Microsoft YaHei" panose="020B0503020204020204" pitchFamily="34" charset="-122"/>
-              </a:rPr>
-              <a:t>Class Exercise</a:t>
-            </a:r>
-            <a:endParaRPr lang="en-US" altLang="zh-CN" sz="3200" b="1" dirty="0">
-              <a:solidFill>
-                <a:schemeClr val="bg1"/>
-              </a:solidFill>
-              <a:latin typeface="Microsoft YaHei" panose="020B0503020204020204" pitchFamily="34" charset="-122"/>
-              <a:ea typeface="Microsoft YaHei" panose="020B0503020204020204" pitchFamily="34" charset="-122"/>
-            </a:endParaRPr>
-          </a:p>
-        </p:txBody>
-      </p:sp>
-      <p:sp>
-        <p:nvSpPr>
-          <p:cNvPr id="15" name="矩形 14"/>
-          <p:cNvSpPr/>
-          <p:nvPr/>
-        </p:nvSpPr>
-        <p:spPr>
-          <a:xfrm>
-            <a:off x="3719513" y="2454275"/>
-            <a:ext cx="5913438" cy="973138"/>
-          </a:xfrm>
-          <a:prstGeom prst="rect">
-            <a:avLst/>
-          </a:prstGeom>
-          <a:noFill/>
-          <a:ln>
-            <a:solidFill>
-              <a:srgbClr val="05B780"/>
-            </a:solidFill>
-          </a:ln>
-        </p:spPr>
-        <p:style>
-          <a:lnRef idx="2">
-            <a:schemeClr val="accent1">
-              <a:shade val="50000"/>
-            </a:schemeClr>
-          </a:lnRef>
-          <a:fillRef idx="1">
-            <a:schemeClr val="accent1"/>
-          </a:fillRef>
-          <a:effectRef idx="0">
-            <a:schemeClr val="accent1"/>
-          </a:effectRef>
-          <a:fontRef idx="minor">
-            <a:schemeClr val="lt1"/>
-          </a:fontRef>
-        </p:style>
-        <p:txBody>
-          <a:bodyPr anchor="ctr"/>
-          <a:lstStyle/>
-          <a:p>
-            <a:pPr marL="0" marR="0" lvl="0" indent="0" algn="ctr" defTabSz="914400" rtl="0" eaLnBrk="1" fontAlgn="auto" latinLnBrk="0" hangingPunct="1">
-              <a:lnSpc>
-                <a:spcPct val="100000"/>
-              </a:lnSpc>
-              <a:spcBef>
-                <a:spcPts val="0"/>
-              </a:spcBef>
-              <a:spcAft>
-                <a:spcPts val="0"/>
-              </a:spcAft>
-              <a:buClrTx/>
-              <a:buSzTx/>
-              <a:buFontTx/>
-              <a:buNone/>
-              <a:defRPr/>
-            </a:pPr>
-            <a:endParaRPr kumimoji="0" lang="zh-CN" altLang="en-US" sz="4400" b="0" i="0" u="none" strike="noStrike" kern="1200" cap="none" spc="0" normalizeH="0" baseline="0" noProof="0">
-              <a:ln>
-                <a:noFill/>
-              </a:ln>
-              <a:solidFill>
-                <a:schemeClr val="lt1"/>
-              </a:solidFill>
-              <a:effectLst/>
-              <a:uLnTx/>
-              <a:uFillTx/>
-              <a:latin typeface="+mn-lt"/>
-              <a:ea typeface="+mn-ea"/>
-              <a:cs typeface="+mn-cs"/>
-            </a:endParaRPr>
-          </a:p>
-        </p:txBody>
-      </p:sp>
-      <p:sp>
-        <p:nvSpPr>
-          <p:cNvPr id="6153" name="文本框 15"/>
-          <p:cNvSpPr txBox="1"/>
-          <p:nvPr/>
-        </p:nvSpPr>
-        <p:spPr>
-          <a:xfrm>
-            <a:off x="4319588" y="2556510"/>
-            <a:ext cx="5067300" cy="583565"/>
-          </a:xfrm>
-          <a:prstGeom prst="rect">
-            <a:avLst/>
-          </a:prstGeom>
-          <a:noFill/>
-          <a:ln w="9525">
-            <a:noFill/>
-          </a:ln>
-        </p:spPr>
-        <p:txBody>
-          <a:bodyPr wrap="square" anchor="t" anchorCtr="0">
-            <a:spAutoFit/>
-          </a:bodyPr>
-          <a:p>
-            <a:pPr>
-              <a:buFont typeface="Arial" panose="020B0604020202020204" pitchFamily="34" charset="0"/>
-            </a:pPr>
-            <a:r>
-              <a:rPr lang="en-US" altLang="zh-CN" sz="3200" b="1" dirty="0">
-                <a:solidFill>
-                  <a:srgbClr val="05B780"/>
-                </a:solidFill>
-                <a:latin typeface="Microsoft YaHei" panose="020B0503020204020204" pitchFamily="34" charset="-122"/>
-                <a:ea typeface="Microsoft YaHei" panose="020B0503020204020204" pitchFamily="34" charset="-122"/>
-              </a:rPr>
-              <a:t>Class Exercises</a:t>
-            </a:r>
-            <a:endParaRPr lang="en-US" altLang="zh-CN" sz="3200" b="1" dirty="0">
-              <a:solidFill>
-                <a:srgbClr val="05B780"/>
-              </a:solidFill>
-              <a:latin typeface="Microsoft YaHei" panose="020B0503020204020204" pitchFamily="34" charset="-122"/>
-              <a:ea typeface="Microsoft YaHei" panose="020B0503020204020204" pitchFamily="34" charset="-122"/>
-            </a:endParaRPr>
-          </a:p>
-        </p:txBody>
-      </p:sp>
-      <p:grpSp>
-        <p:nvGrpSpPr>
-          <p:cNvPr id="6154" name="组合 16"/>
-          <p:cNvGrpSpPr/>
-          <p:nvPr/>
-        </p:nvGrpSpPr>
-        <p:grpSpPr>
-          <a:xfrm>
-            <a:off x="2179628" y="2022465"/>
-            <a:ext cx="1742436" cy="1839913"/>
-            <a:chOff x="1473123" y="1521447"/>
-            <a:chExt cx="645926" cy="681967"/>
-          </a:xfrm>
-        </p:grpSpPr>
-        <p:sp>
-          <p:nvSpPr>
-            <p:cNvPr id="18" name="六边形 17"/>
-            <p:cNvSpPr/>
-            <p:nvPr/>
-          </p:nvSpPr>
-          <p:spPr>
-            <a:xfrm rot="5400000">
-              <a:off x="1426090" y="1568479"/>
-              <a:ext cx="681967" cy="587902"/>
-            </a:xfrm>
-            <a:prstGeom prst="hexagon">
-              <a:avLst>
-                <a:gd name="adj" fmla="val 27469"/>
-                <a:gd name="vf" fmla="val 115470"/>
-              </a:avLst>
-            </a:prstGeom>
-            <a:solidFill>
-              <a:srgbClr val="05B780"/>
-            </a:solidFill>
-            <a:ln>
-              <a:noFill/>
-            </a:ln>
-          </p:spPr>
-          <p:style>
-            <a:lnRef idx="2">
-              <a:schemeClr val="accent1">
-                <a:shade val="50000"/>
-              </a:schemeClr>
-            </a:lnRef>
-            <a:fillRef idx="1">
-              <a:schemeClr val="accent1"/>
-            </a:fillRef>
-            <a:effectRef idx="0">
-              <a:schemeClr val="accent1"/>
-            </a:effectRef>
-            <a:fontRef idx="minor">
-              <a:schemeClr val="lt1"/>
-            </a:fontRef>
-          </p:style>
-          <p:txBody>
-            <a:bodyPr anchor="ctr"/>
-            <a:lstStyle/>
-            <a:p>
-              <a:pPr marL="0" marR="0" lvl="0" indent="0" algn="ctr" defTabSz="914400" rtl="0" eaLnBrk="1" fontAlgn="auto" latinLnBrk="0" hangingPunct="1">
-                <a:lnSpc>
-                  <a:spcPct val="100000"/>
-                </a:lnSpc>
-                <a:spcBef>
-                  <a:spcPts val="0"/>
-                </a:spcBef>
-                <a:spcAft>
-                  <a:spcPts val="0"/>
-                </a:spcAft>
-                <a:buClrTx/>
-                <a:buSzTx/>
-                <a:buFontTx/>
-                <a:buNone/>
-                <a:defRPr/>
-              </a:pPr>
-              <a:endParaRPr kumimoji="0" lang="zh-CN" altLang="en-US" sz="4400" b="0" i="0" u="none" strike="noStrike" kern="1200" cap="none" spc="0" normalizeH="0" baseline="0" noProof="0">
-                <a:ln>
-                  <a:noFill/>
-                </a:ln>
-                <a:solidFill>
-                  <a:schemeClr val="lt1"/>
-                </a:solidFill>
-                <a:effectLst/>
-                <a:uLnTx/>
-                <a:uFillTx/>
-                <a:latin typeface="+mn-lt"/>
-                <a:ea typeface="+mn-ea"/>
-                <a:cs typeface="+mn-cs"/>
-              </a:endParaRPr>
-            </a:p>
-          </p:txBody>
-        </p:sp>
-        <p:sp>
-          <p:nvSpPr>
-            <p:cNvPr id="6156" name="文本框 18"/>
-            <p:cNvSpPr txBox="1"/>
-            <p:nvPr/>
-          </p:nvSpPr>
-          <p:spPr>
-            <a:xfrm>
-              <a:off x="1532912" y="1719387"/>
-              <a:ext cx="586137" cy="284790"/>
-            </a:xfrm>
-            <a:prstGeom prst="rect">
-              <a:avLst/>
-            </a:prstGeom>
-            <a:noFill/>
-            <a:ln w="9525">
-              <a:noFill/>
-            </a:ln>
-          </p:spPr>
-          <p:txBody>
-            <a:bodyPr wrap="square" anchor="t" anchorCtr="0">
-              <a:spAutoFit/>
-            </a:bodyPr>
-            <a:p>
-              <a:pPr>
-                <a:buFont typeface="Arial" panose="020B0604020202020204" pitchFamily="34" charset="0"/>
-              </a:pPr>
-              <a:r>
-                <a:rPr lang="en-US" altLang="zh-CN" sz="4400" b="1" dirty="0">
-                  <a:solidFill>
-                    <a:schemeClr val="bg1"/>
-                  </a:solidFill>
-                  <a:latin typeface="Microsoft YaHei" panose="020B0503020204020204" pitchFamily="34" charset="-122"/>
-                  <a:ea typeface="Microsoft YaHei" panose="020B0503020204020204" pitchFamily="34" charset="-122"/>
-                </a:rPr>
-                <a:t>04</a:t>
-              </a:r>
-              <a:endParaRPr lang="en-US" altLang="zh-CN" sz="4400" b="1" dirty="0">
-                <a:solidFill>
-                  <a:schemeClr val="bg1"/>
-                </a:solidFill>
-                <a:latin typeface="Microsoft YaHei" panose="020B0503020204020204" pitchFamily="34" charset="-122"/>
-                <a:ea typeface="Microsoft YaHei" panose="020B0503020204020204" pitchFamily="34" charset="-122"/>
-              </a:endParaRPr>
-            </a:p>
-          </p:txBody>
-        </p:sp>
-      </p:grpSp>
     </p:spTree>
   </p:cSld>
   <p:clrMapOvr>
@@ -6687,7 +6709,7 @@
                 <a:cs typeface="+mn-cs"/>
                 <a:sym typeface="+mn-ea"/>
               </a:rPr>
-              <a:t>Title</a:t>
+              <a:t>Definitions</a:t>
             </a:r>
             <a:endParaRPr kumimoji="0" lang="en-US" altLang="zh-CN" sz="2800" b="1" i="0" u="none" strike="noStrike" kern="1200" cap="none" spc="0" normalizeH="0" baseline="0" noProof="0" dirty="0">
               <a:ln>
@@ -6718,14 +6740,92 @@
             <p:ph idx="1"/>
           </p:nvPr>
         </p:nvSpPr>
-        <p:spPr/>
+        <p:spPr>
+          <a:xfrm>
+            <a:off x="838200" y="1289685"/>
+            <a:ext cx="10515600" cy="4887595"/>
+          </a:xfrm>
+        </p:spPr>
         <p:txBody>
           <a:bodyPr/>
           <a:p>
+            <a:r>
+              <a:rPr lang="en-US"/>
+              <a:t>There exists a path from the root to any node</a:t>
+            </a:r>
+            <a:endParaRPr lang="en-US"/>
+          </a:p>
+          <a:p>
+            <a:r>
+              <a:rPr lang="en-US"/>
+              <a:t>The tree has N-1 Edges, where N is the number of nodes in the tree</a:t>
+            </a:r>
+            <a:endParaRPr lang="en-US"/>
+          </a:p>
+          <a:p>
+            <a:r>
+              <a:rPr lang="en-US"/>
+              <a:t>Each node has exactly one parent node, except the root node</a:t>
+            </a:r>
+            <a:endParaRPr lang="en-US"/>
+          </a:p>
+          <a:p>
+            <a:r>
+              <a:rPr lang="en-US"/>
+              <a:t>Each parent has up to two children nodes</a:t>
+            </a:r>
             <a:endParaRPr lang="en-US"/>
           </a:p>
         </p:txBody>
       </p:sp>
+      <p:pic>
+        <p:nvPicPr>
+          <p:cNvPr id="2" name="Picture 1"/>
+          <p:cNvPicPr>
+            <a:picLocks noChangeAspect="1"/>
+          </p:cNvPicPr>
+          <p:nvPr/>
+        </p:nvPicPr>
+        <p:blipFill>
+          <a:blip r:embed="rId1"/>
+          <a:stretch>
+            <a:fillRect/>
+          </a:stretch>
+        </p:blipFill>
+        <p:spPr>
+          <a:xfrm>
+            <a:off x="429260" y="3892550"/>
+            <a:ext cx="5429250" cy="2847975"/>
+          </a:xfrm>
+          <a:prstGeom prst="rect">
+            <a:avLst/>
+          </a:prstGeom>
+        </p:spPr>
+      </p:pic>
+      <p:pic>
+        <p:nvPicPr>
+          <p:cNvPr id="4" name="Picture 3"/>
+          <p:cNvPicPr>
+            <a:picLocks noChangeAspect="1"/>
+          </p:cNvPicPr>
+          <p:nvPr/>
+        </p:nvPicPr>
+        <p:blipFill>
+          <a:blip r:embed="rId2"/>
+          <a:stretch>
+            <a:fillRect/>
+          </a:stretch>
+        </p:blipFill>
+        <p:spPr>
+          <a:xfrm>
+            <a:off x="6446520" y="3940175"/>
+            <a:ext cx="5495925" cy="2800350"/>
+          </a:xfrm>
+          <a:prstGeom prst="rect">
+            <a:avLst/>
+          </a:prstGeom>
+        </p:spPr>
+      </p:pic>
     </p:spTree>
   </p:cSld>
   <p:clrMapOvr>
@@ -6911,7 +7011,7 @@
                 <a:latin typeface="Microsoft YaHei" panose="020B0503020204020204" pitchFamily="34" charset="-122"/>
                 <a:ea typeface="Microsoft YaHei" panose="020B0503020204020204" pitchFamily="34" charset="-122"/>
               </a:rPr>
-              <a:t>4.4</a:t>
+              <a:t>1.1</a:t>
             </a:r>
             <a:endParaRPr lang="en-US" altLang="zh-CN" sz="2800" b="1" dirty="0">
               <a:solidFill>
@@ -6933,8 +7033,8 @@
         </p:nvSpPr>
         <p:spPr bwMode="black">
           <a:xfrm>
-            <a:off x="1021080" y="334010"/>
-            <a:ext cx="8777605" cy="521970"/>
+            <a:off x="1021080" y="351155"/>
+            <a:ext cx="6515735" cy="521970"/>
           </a:xfrm>
           <a:prstGeom prst="rect">
             <a:avLst/>
@@ -7014,7 +7114,7 @@
                 <a:cs typeface="+mn-cs"/>
                 <a:sym typeface="+mn-ea"/>
               </a:rPr>
-              <a:t>Homework</a:t>
+              <a:t>Definitions</a:t>
             </a:r>
             <a:endParaRPr kumimoji="0" lang="en-US" altLang="zh-CN" sz="2800" b="1" i="0" u="none" strike="noStrike" kern="1200" cap="none" spc="0" normalizeH="0" baseline="0" noProof="0" dirty="0">
               <a:ln>
@@ -7037,24 +7137,97 @@
           </a:p>
         </p:txBody>
       </p:sp>
-      <p:sp>
-        <p:nvSpPr>
-          <p:cNvPr id="3" name="Content Placeholder 2"/>
-          <p:cNvSpPr/>
+      <p:pic>
+        <p:nvPicPr>
+          <p:cNvPr id="2" name="Content Placeholder 1"/>
+          <p:cNvPicPr>
+            <a:picLocks noChangeAspect="1"/>
+          </p:cNvPicPr>
           <p:nvPr>
             <p:ph idx="1"/>
           </p:nvPr>
+        </p:nvPicPr>
+        <p:blipFill>
+          <a:blip r:embed="rId1"/>
+          <a:stretch>
+            <a:fillRect/>
+          </a:stretch>
+        </p:blipFill>
+        <p:spPr>
+          <a:xfrm>
+            <a:off x="1426845" y="2063115"/>
+            <a:ext cx="4200525" cy="3086100"/>
+          </a:xfrm>
+          <a:prstGeom prst="rect">
+            <a:avLst/>
+          </a:prstGeom>
+        </p:spPr>
+      </p:pic>
+      <p:pic>
+        <p:nvPicPr>
+          <p:cNvPr id="4" name="Picture 3"/>
+          <p:cNvPicPr>
+            <a:picLocks noChangeAspect="1"/>
+          </p:cNvPicPr>
+          <p:nvPr/>
+        </p:nvPicPr>
+        <p:blipFill>
+          <a:blip r:embed="rId2"/>
+          <a:stretch>
+            <a:fillRect/>
+          </a:stretch>
+        </p:blipFill>
+        <p:spPr>
+          <a:xfrm>
+            <a:off x="6803390" y="2063115"/>
+            <a:ext cx="4124325" cy="3209925"/>
+          </a:xfrm>
+          <a:prstGeom prst="rect">
+            <a:avLst/>
+          </a:prstGeom>
+        </p:spPr>
+      </p:pic>
+      <p:sp>
+        <p:nvSpPr>
+          <p:cNvPr id="5" name="Text Box 4"/>
+          <p:cNvSpPr txBox="1"/>
+          <p:nvPr/>
         </p:nvSpPr>
         <p:spPr>
           <a:xfrm>
-            <a:off x="890905" y="1183640"/>
-            <a:ext cx="10515600" cy="4351338"/>
+            <a:off x="1426845" y="1162050"/>
+            <a:ext cx="7514590" cy="645160"/>
           </a:xfrm>
+          <a:prstGeom prst="rect">
+            <a:avLst/>
+          </a:prstGeom>
+          <a:noFill/>
         </p:spPr>
         <p:txBody>
-          <a:bodyPr/>
-          <a:p>
-            <a:endParaRPr lang="en-US" sz="1710"/>
+          <a:bodyPr wrap="square" rtlCol="0" anchor="t">
+            <a:spAutoFit/>
+          </a:bodyPr>
+          <a:p>
+            <a:r>
+              <a:rPr lang="en-US" b="1"/>
+              <a:t>Internal node</a:t>
+            </a:r>
+            <a:r>
+              <a:rPr lang="en-US"/>
+              <a:t>: every node in a tree that has at least one child node.</a:t>
+            </a:r>
+            <a:endParaRPr lang="en-US"/>
+          </a:p>
+          <a:p>
+            <a:r>
+              <a:rPr lang="en-US" b="1"/>
+              <a:t>Leaf node</a:t>
+            </a:r>
+            <a:r>
+              <a:rPr lang="en-US"/>
+              <a:t>: every node in a tree that has no child nodes.</a:t>
+            </a:r>
+            <a:endParaRPr lang="en-US"/>
           </a:p>
         </p:txBody>
       </p:sp>
@@ -7081,58 +7254,28 @@
       <p:grpSpPr/>
       <p:sp>
         <p:nvSpPr>
-          <p:cNvPr id="27" name="任意多边形 26"/>
+          <p:cNvPr id="15" name="任意多边形 14"/>
           <p:cNvSpPr/>
           <p:nvPr/>
         </p:nvSpPr>
         <p:spPr>
-          <a:xfrm rot="1105229">
-            <a:off x="879475" y="-420687"/>
-            <a:ext cx="10955338" cy="8162925"/>
+          <a:xfrm>
+            <a:off x="0" y="274638"/>
+            <a:ext cx="890588" cy="639763"/>
           </a:xfrm>
           <a:custGeom>
             <a:avLst/>
             <a:gdLst>
-              <a:gd name="connsiteX0" fmla="*/ 592396 w 10955364"/>
-              <a:gd name="connsiteY0" fmla="*/ 1850814 h 8163749"/>
-              <a:gd name="connsiteX1" fmla="*/ 1543995 w 10955364"/>
-              <a:gd name="connsiteY1" fmla="*/ 1533881 h 8163749"/>
-              <a:gd name="connsiteX2" fmla="*/ 6955594 w 10955364"/>
-              <a:gd name="connsiteY2" fmla="*/ 1533882 h 8163749"/>
-              <a:gd name="connsiteX3" fmla="*/ 5829846 w 10955364"/>
-              <a:gd name="connsiteY3" fmla="*/ 106467 h 8163749"/>
-              <a:gd name="connsiteX4" fmla="*/ 6149516 w 10955364"/>
-              <a:gd name="connsiteY4" fmla="*/ 0 h 8163749"/>
-              <a:gd name="connsiteX5" fmla="*/ 9448032 w 10955364"/>
-              <a:gd name="connsiteY5" fmla="*/ 4182420 h 8163749"/>
-              <a:gd name="connsiteX6" fmla="*/ 10818039 w 10955364"/>
-              <a:gd name="connsiteY6" fmla="*/ 1649166 h 8163749"/>
-              <a:gd name="connsiteX7" fmla="*/ 10955364 w 10955364"/>
-              <a:gd name="connsiteY7" fmla="*/ 2061488 h 8163749"/>
-              <a:gd name="connsiteX8" fmla="*/ 8602988 w 10955364"/>
-              <a:gd name="connsiteY8" fmla="*/ 6411222 h 8163749"/>
-              <a:gd name="connsiteX9" fmla="*/ 8163520 w 10955364"/>
-              <a:gd name="connsiteY9" fmla="*/ 6557588 h 8163749"/>
-              <a:gd name="connsiteX10" fmla="*/ 9283839 w 10955364"/>
-              <a:gd name="connsiteY10" fmla="*/ 4486027 h 8163749"/>
-              <a:gd name="connsiteX11" fmla="*/ 7205549 w 10955364"/>
-              <a:gd name="connsiteY11" fmla="*/ 1850816 h 8163749"/>
-              <a:gd name="connsiteX12" fmla="*/ 3551417 w 10955364"/>
-              <a:gd name="connsiteY12" fmla="*/ 1850816 h 8163749"/>
-              <a:gd name="connsiteX13" fmla="*/ 1816446 w 10955364"/>
-              <a:gd name="connsiteY13" fmla="*/ 5058920 h 8163749"/>
-              <a:gd name="connsiteX14" fmla="*/ 4088911 w 10955364"/>
-              <a:gd name="connsiteY14" fmla="*/ 7914648 h 8163749"/>
-              <a:gd name="connsiteX15" fmla="*/ 3768735 w 10955364"/>
-              <a:gd name="connsiteY15" fmla="*/ 8021284 h 8163749"/>
-              <a:gd name="connsiteX16" fmla="*/ 1652559 w 10955364"/>
-              <a:gd name="connsiteY16" fmla="*/ 5361960 h 8163749"/>
-              <a:gd name="connsiteX17" fmla="*/ 137325 w 10955364"/>
-              <a:gd name="connsiteY17" fmla="*/ 8163749 h 8163749"/>
-              <a:gd name="connsiteX18" fmla="*/ 0 w 10955364"/>
-              <a:gd name="connsiteY18" fmla="*/ 7751427 h 8163749"/>
-              <a:gd name="connsiteX19" fmla="*/ 3191107 w 10955364"/>
-              <a:gd name="connsiteY19" fmla="*/ 1850815 h 8163749"/>
+              <a:gd name="connsiteX0" fmla="*/ 0 w 1029743"/>
+              <a:gd name="connsiteY0" fmla="*/ 0 h 739718"/>
+              <a:gd name="connsiteX1" fmla="*/ 659884 w 1029743"/>
+              <a:gd name="connsiteY1" fmla="*/ 0 h 739718"/>
+              <a:gd name="connsiteX2" fmla="*/ 1029743 w 1029743"/>
+              <a:gd name="connsiteY2" fmla="*/ 369859 h 739718"/>
+              <a:gd name="connsiteX3" fmla="*/ 659884 w 1029743"/>
+              <a:gd name="connsiteY3" fmla="*/ 739718 h 739718"/>
+              <a:gd name="connsiteX4" fmla="*/ 0 w 1029743"/>
+              <a:gd name="connsiteY4" fmla="*/ 739718 h 739718"/>
             </a:gdLst>
             <a:ahLst/>
             <a:cxnLst>
@@ -7151,114 +7294,28 @@
               <a:cxn ang="0">
                 <a:pos x="connsiteX4" y="connsiteY4"/>
               </a:cxn>
-              <a:cxn ang="0">
-                <a:pos x="connsiteX5" y="connsiteY5"/>
-              </a:cxn>
-              <a:cxn ang="0">
-                <a:pos x="connsiteX6" y="connsiteY6"/>
-              </a:cxn>
-              <a:cxn ang="0">
-                <a:pos x="connsiteX7" y="connsiteY7"/>
-              </a:cxn>
-              <a:cxn ang="0">
-                <a:pos x="connsiteX8" y="connsiteY8"/>
-              </a:cxn>
-              <a:cxn ang="0">
-                <a:pos x="connsiteX9" y="connsiteY9"/>
-              </a:cxn>
-              <a:cxn ang="0">
-                <a:pos x="connsiteX10" y="connsiteY10"/>
-              </a:cxn>
-              <a:cxn ang="0">
-                <a:pos x="connsiteX11" y="connsiteY11"/>
-              </a:cxn>
-              <a:cxn ang="0">
-                <a:pos x="connsiteX12" y="connsiteY12"/>
-              </a:cxn>
-              <a:cxn ang="0">
-                <a:pos x="connsiteX13" y="connsiteY13"/>
-              </a:cxn>
-              <a:cxn ang="0">
-                <a:pos x="connsiteX14" y="connsiteY14"/>
-              </a:cxn>
-              <a:cxn ang="0">
-                <a:pos x="connsiteX15" y="connsiteY15"/>
-              </a:cxn>
-              <a:cxn ang="0">
-                <a:pos x="connsiteX16" y="connsiteY16"/>
-              </a:cxn>
-              <a:cxn ang="0">
-                <a:pos x="connsiteX17" y="connsiteY17"/>
-              </a:cxn>
-              <a:cxn ang="0">
-                <a:pos x="connsiteX18" y="connsiteY18"/>
-              </a:cxn>
-              <a:cxn ang="0">
-                <a:pos x="connsiteX19" y="connsiteY19"/>
-              </a:cxn>
             </a:cxnLst>
             <a:rect l="l" t="t" r="r" b="b"/>
             <a:pathLst>
-              <a:path w="10955364" h="8163749">
+              <a:path w="1029743" h="739718">
                 <a:moveTo>
-                  <a:pt x="592396" y="1850814"/>
+                  <a:pt x="0" y="0"/>
                 </a:moveTo>
                 <a:lnTo>
-                  <a:pt x="1543995" y="1533881"/>
+                  <a:pt x="659884" y="0"/>
                 </a:lnTo>
+                <a:cubicBezTo>
+                  <a:pt x="864151" y="0"/>
+                  <a:pt x="1029743" y="165592"/>
+                  <a:pt x="1029743" y="369859"/>
+                </a:cubicBezTo>
+                <a:cubicBezTo>
+                  <a:pt x="1029743" y="574126"/>
+                  <a:pt x="864151" y="739718"/>
+                  <a:pt x="659884" y="739718"/>
+                </a:cubicBezTo>
                 <a:lnTo>
-                  <a:pt x="6955594" y="1533882"/>
-                </a:lnTo>
-                <a:lnTo>
-                  <a:pt x="5829846" y="106467"/>
-                </a:lnTo>
-                <a:lnTo>
-                  <a:pt x="6149516" y="0"/>
-                </a:lnTo>
-                <a:lnTo>
-                  <a:pt x="9448032" y="4182420"/>
-                </a:lnTo>
-                <a:lnTo>
-                  <a:pt x="10818039" y="1649166"/>
-                </a:lnTo>
-                <a:lnTo>
-                  <a:pt x="10955364" y="2061488"/>
-                </a:lnTo>
-                <a:lnTo>
-                  <a:pt x="8602988" y="6411222"/>
-                </a:lnTo>
-                <a:lnTo>
-                  <a:pt x="8163520" y="6557588"/>
-                </a:lnTo>
-                <a:lnTo>
-                  <a:pt x="9283839" y="4486027"/>
-                </a:lnTo>
-                <a:lnTo>
-                  <a:pt x="7205549" y="1850816"/>
-                </a:lnTo>
-                <a:lnTo>
-                  <a:pt x="3551417" y="1850816"/>
-                </a:lnTo>
-                <a:lnTo>
-                  <a:pt x="1816446" y="5058920"/>
-                </a:lnTo>
-                <a:lnTo>
-                  <a:pt x="4088911" y="7914648"/>
-                </a:lnTo>
-                <a:lnTo>
-                  <a:pt x="3768735" y="8021284"/>
-                </a:lnTo>
-                <a:lnTo>
-                  <a:pt x="1652559" y="5361960"/>
-                </a:lnTo>
-                <a:lnTo>
-                  <a:pt x="137325" y="8163749"/>
-                </a:lnTo>
-                <a:lnTo>
-                  <a:pt x="0" y="7751427"/>
-                </a:lnTo>
-                <a:lnTo>
-                  <a:pt x="3191107" y="1850815"/>
+                  <a:pt x="0" y="739718"/>
                 </a:lnTo>
                 <a:close/>
               </a:path>
@@ -7312,7 +7369,7 @@
                 <a:noFill/>
               </a:ln>
               <a:solidFill>
-                <a:schemeClr val="lt1"/>
+                <a:schemeClr val="bg1"/>
               </a:solidFill>
               <a:effectLst/>
               <a:uLnTx/>
@@ -7326,923 +7383,14 @@
       </p:sp>
       <p:sp>
         <p:nvSpPr>
-          <p:cNvPr id="33794" name="Freeform 21"/>
-          <p:cNvSpPr/>
-          <p:nvPr/>
-        </p:nvSpPr>
-        <p:spPr>
-          <a:xfrm>
-            <a:off x="5489575" y="2338388"/>
-            <a:ext cx="1212850" cy="844550"/>
-          </a:xfrm>
-          <a:custGeom>
-            <a:avLst/>
-            <a:gdLst/>
-            <a:ahLst/>
-            <a:cxnLst>
-              <a:cxn ang="0">
-                <a:pos x="1100886755" y="0"/>
-              </a:cxn>
-              <a:cxn ang="0">
-                <a:pos x="901305125" y="0"/>
-              </a:cxn>
-              <a:cxn ang="0">
-                <a:pos x="748202390" y="0"/>
-              </a:cxn>
-              <a:cxn ang="0">
-                <a:pos x="648867110" y="132852886"/>
-              </a:cxn>
-              <a:cxn ang="0">
-                <a:pos x="561379560" y="307852838"/>
-              </a:cxn>
-              <a:cxn ang="0">
-                <a:pos x="476625220" y="476439190"/>
-              </a:cxn>
-              <a:cxn ang="0">
-                <a:pos x="402807540" y="624868373"/>
-              </a:cxn>
-              <a:cxn ang="0">
-                <a:pos x="349039130" y="518586256"/>
-              </a:cxn>
-              <a:cxn ang="0">
-                <a:pos x="241502310" y="302355603"/>
-              </a:cxn>
-              <a:cxn ang="0">
-                <a:pos x="155837855" y="131937478"/>
-              </a:cxn>
-              <a:cxn ang="0">
-                <a:pos x="145813220" y="110863944"/>
-              </a:cxn>
-              <a:cxn ang="0">
-                <a:pos x="311674755" y="110863944"/>
-              </a:cxn>
-              <a:cxn ang="0">
-                <a:pos x="375467800" y="110863944"/>
-              </a:cxn>
-              <a:cxn ang="0">
-                <a:pos x="424679905" y="208900687"/>
-              </a:cxn>
-              <a:cxn ang="0">
-                <a:pos x="501231750" y="362827106"/>
-              </a:cxn>
-              <a:cxn ang="0">
-                <a:pos x="556822300" y="253795893"/>
-              </a:cxn>
-              <a:cxn ang="0">
-                <a:pos x="559556465" y="232722360"/>
-              </a:cxn>
-              <a:cxn ang="0">
-                <a:pos x="485738785" y="86125907"/>
-              </a:cxn>
-              <a:cxn ang="0">
-                <a:pos x="395517070" y="0"/>
-              </a:cxn>
-              <a:cxn ang="0">
-                <a:pos x="114827290" y="0"/>
-              </a:cxn>
-              <a:cxn ang="0">
-                <a:pos x="40098540" y="2749096"/>
-              </a:cxn>
-              <a:cxn ang="0">
-                <a:pos x="7290470" y="80628671"/>
-              </a:cxn>
-              <a:cxn ang="0">
-                <a:pos x="54679480" y="174999952"/>
-              </a:cxn>
-              <a:cxn ang="0">
-                <a:pos x="154925830" y="375654308"/>
-              </a:cxn>
-              <a:cxn ang="0">
-                <a:pos x="264285745" y="594633100"/>
-              </a:cxn>
-              <a:cxn ang="0">
-                <a:pos x="339926520" y="745811381"/>
-              </a:cxn>
-              <a:cxn ang="0">
-                <a:pos x="370000425" y="793454725"/>
-              </a:cxn>
-              <a:cxn ang="0">
-                <a:pos x="453842740" y="768716687"/>
-              </a:cxn>
-              <a:cxn ang="0">
-                <a:pos x="516723760" y="642277402"/>
-              </a:cxn>
-              <a:cxn ang="0">
-                <a:pos x="578694665" y="518586256"/>
-              </a:cxn>
-              <a:cxn ang="0">
-                <a:pos x="668916380" y="338089069"/>
-              </a:cxn>
-              <a:cxn ang="0">
-                <a:pos x="716305390" y="242800465"/>
-              </a:cxn>
-              <a:cxn ang="0">
-                <a:pos x="781921530" y="110863944"/>
-              </a:cxn>
-              <a:cxn ang="0">
-                <a:pos x="920443325" y="110863944"/>
-              </a:cxn>
-              <a:cxn ang="0">
-                <a:pos x="1010665040" y="110863944"/>
-              </a:cxn>
-              <a:cxn ang="0">
-                <a:pos x="986970535" y="162172751"/>
-              </a:cxn>
-              <a:cxn ang="0">
-                <a:pos x="888547280" y="359161644"/>
-              </a:cxn>
-              <a:cxn ang="0">
-                <a:pos x="786477835" y="561648731"/>
-              </a:cxn>
-              <a:cxn ang="0">
-                <a:pos x="755492860" y="623952008"/>
-              </a:cxn>
-              <a:cxn ang="0">
-                <a:pos x="668005310" y="450784787"/>
-              </a:cxn>
-              <a:cxn ang="0">
-                <a:pos x="597832865" y="543324294"/>
-              </a:cxn>
-              <a:cxn ang="0">
-                <a:pos x="634286170" y="629450201"/>
-              </a:cxn>
-              <a:cxn ang="0">
-                <a:pos x="708103850" y="776963019"/>
-              </a:cxn>
-              <a:cxn ang="0">
-                <a:pos x="808350200" y="764135817"/>
-              </a:cxn>
-              <a:cxn ang="0">
-                <a:pos x="873054315" y="636780167"/>
-              </a:cxn>
-              <a:cxn ang="0">
-                <a:pos x="985148395" y="411386816"/>
-              </a:cxn>
-              <a:cxn ang="0">
-                <a:pos x="1094507355" y="191491658"/>
-              </a:cxn>
-              <a:cxn ang="0">
-                <a:pos x="1150098860" y="81544079"/>
-              </a:cxn>
-            </a:cxnLst>
-            <a:pathLst>
-              <a:path w="1270" h="882">
-                <a:moveTo>
-                  <a:pt x="1268" y="57"/>
-                </a:moveTo>
-                <a:cubicBezTo>
-                  <a:pt x="1268" y="40"/>
-                  <a:pt x="1259" y="24"/>
-                  <a:pt x="1246" y="14"/>
-                </a:cubicBezTo>
-                <a:cubicBezTo>
-                  <a:pt x="1235" y="5"/>
-                  <a:pt x="1222" y="1"/>
-                  <a:pt x="1208" y="0"/>
-                </a:cubicBezTo>
-                <a:cubicBezTo>
-                  <a:pt x="1203" y="0"/>
-                  <a:pt x="1199" y="0"/>
-                  <a:pt x="1194" y="0"/>
-                </a:cubicBezTo>
-                <a:cubicBezTo>
-                  <a:pt x="1165" y="0"/>
-                  <a:pt x="1137" y="0"/>
-                  <a:pt x="1109" y="0"/>
-                </a:cubicBezTo>
-                <a:cubicBezTo>
-                  <a:pt x="1069" y="0"/>
-                  <a:pt x="1029" y="0"/>
-                  <a:pt x="989" y="0"/>
-                </a:cubicBezTo>
-                <a:cubicBezTo>
-                  <a:pt x="952" y="0"/>
-                  <a:pt x="915" y="0"/>
-                  <a:pt x="878" y="0"/>
-                </a:cubicBezTo>
-                <a:cubicBezTo>
-                  <a:pt x="859" y="0"/>
-                  <a:pt x="841" y="0"/>
-                  <a:pt x="822" y="0"/>
-                </a:cubicBezTo>
-                <a:cubicBezTo>
-                  <a:pt x="822" y="0"/>
-                  <a:pt x="822" y="0"/>
-                  <a:pt x="821" y="0"/>
-                </a:cubicBezTo>
-                <a:cubicBezTo>
-                  <a:pt x="798" y="1"/>
-                  <a:pt x="778" y="14"/>
-                  <a:pt x="767" y="35"/>
-                </a:cubicBezTo>
-                <a:cubicBezTo>
-                  <a:pt x="763" y="42"/>
-                  <a:pt x="760" y="49"/>
-                  <a:pt x="756" y="56"/>
-                </a:cubicBezTo>
-                <a:cubicBezTo>
-                  <a:pt x="741" y="86"/>
-                  <a:pt x="726" y="115"/>
-                  <a:pt x="712" y="145"/>
-                </a:cubicBezTo>
-                <a:cubicBezTo>
-                  <a:pt x="699" y="171"/>
-                  <a:pt x="686" y="197"/>
-                  <a:pt x="673" y="223"/>
-                </a:cubicBezTo>
-                <a:cubicBezTo>
-                  <a:pt x="668" y="232"/>
-                  <a:pt x="663" y="242"/>
-                  <a:pt x="658" y="251"/>
-                </a:cubicBezTo>
-                <a:cubicBezTo>
-                  <a:pt x="644" y="279"/>
-                  <a:pt x="630" y="308"/>
-                  <a:pt x="616" y="336"/>
-                </a:cubicBezTo>
-                <a:cubicBezTo>
-                  <a:pt x="601" y="365"/>
-                  <a:pt x="586" y="395"/>
-                  <a:pt x="571" y="424"/>
-                </a:cubicBezTo>
-                <a:cubicBezTo>
-                  <a:pt x="566" y="435"/>
-                  <a:pt x="561" y="445"/>
-                  <a:pt x="556" y="455"/>
-                </a:cubicBezTo>
-                <a:cubicBezTo>
-                  <a:pt x="545" y="477"/>
-                  <a:pt x="534" y="498"/>
-                  <a:pt x="523" y="520"/>
-                </a:cubicBezTo>
-                <a:cubicBezTo>
-                  <a:pt x="507" y="552"/>
-                  <a:pt x="491" y="584"/>
-                  <a:pt x="475" y="616"/>
-                </a:cubicBezTo>
-                <a:cubicBezTo>
-                  <a:pt x="464" y="637"/>
-                  <a:pt x="454" y="658"/>
-                  <a:pt x="443" y="679"/>
-                </a:cubicBezTo>
-                <a:cubicBezTo>
-                  <a:pt x="443" y="680"/>
-                  <a:pt x="442" y="681"/>
-                  <a:pt x="442" y="682"/>
-                </a:cubicBezTo>
-                <a:cubicBezTo>
-                  <a:pt x="439" y="677"/>
-                  <a:pt x="437" y="672"/>
-                  <a:pt x="434" y="667"/>
-                </a:cubicBezTo>
-                <a:cubicBezTo>
-                  <a:pt x="427" y="654"/>
-                  <a:pt x="421" y="640"/>
-                  <a:pt x="414" y="627"/>
-                </a:cubicBezTo>
-                <a:cubicBezTo>
-                  <a:pt x="404" y="606"/>
-                  <a:pt x="394" y="586"/>
-                  <a:pt x="383" y="566"/>
-                </a:cubicBezTo>
-                <a:cubicBezTo>
-                  <a:pt x="371" y="542"/>
-                  <a:pt x="359" y="517"/>
-                  <a:pt x="346" y="492"/>
-                </a:cubicBezTo>
-                <a:cubicBezTo>
-                  <a:pt x="333" y="466"/>
-                  <a:pt x="319" y="439"/>
-                  <a:pt x="306" y="412"/>
-                </a:cubicBezTo>
-                <a:cubicBezTo>
-                  <a:pt x="292" y="385"/>
-                  <a:pt x="279" y="357"/>
-                  <a:pt x="265" y="330"/>
-                </a:cubicBezTo>
-                <a:cubicBezTo>
-                  <a:pt x="252" y="305"/>
-                  <a:pt x="240" y="280"/>
-                  <a:pt x="227" y="254"/>
-                </a:cubicBezTo>
-                <a:cubicBezTo>
-                  <a:pt x="216" y="233"/>
-                  <a:pt x="205" y="211"/>
-                  <a:pt x="195" y="190"/>
-                </a:cubicBezTo>
-                <a:cubicBezTo>
-                  <a:pt x="187" y="175"/>
-                  <a:pt x="179" y="159"/>
-                  <a:pt x="171" y="144"/>
-                </a:cubicBezTo>
-                <a:cubicBezTo>
-                  <a:pt x="169" y="139"/>
-                  <a:pt x="167" y="134"/>
-                  <a:pt x="164" y="130"/>
-                </a:cubicBezTo>
-                <a:cubicBezTo>
-                  <a:pt x="163" y="127"/>
-                  <a:pt x="161" y="124"/>
-                  <a:pt x="160" y="122"/>
-                </a:cubicBezTo>
-                <a:cubicBezTo>
-                  <a:pt x="160" y="122"/>
-                  <a:pt x="160" y="121"/>
-                  <a:pt x="160" y="121"/>
-                </a:cubicBezTo>
-                <a:cubicBezTo>
-                  <a:pt x="170" y="121"/>
-                  <a:pt x="180" y="121"/>
-                  <a:pt x="191" y="121"/>
-                </a:cubicBezTo>
-                <a:cubicBezTo>
-                  <a:pt x="214" y="121"/>
-                  <a:pt x="238" y="121"/>
-                  <a:pt x="261" y="121"/>
-                </a:cubicBezTo>
-                <a:cubicBezTo>
-                  <a:pt x="288" y="121"/>
-                  <a:pt x="315" y="121"/>
-                  <a:pt x="342" y="121"/>
-                </a:cubicBezTo>
-                <a:cubicBezTo>
-                  <a:pt x="361" y="121"/>
-                  <a:pt x="381" y="121"/>
-                  <a:pt x="400" y="121"/>
-                </a:cubicBezTo>
-                <a:cubicBezTo>
-                  <a:pt x="403" y="121"/>
-                  <a:pt x="405" y="121"/>
-                  <a:pt x="408" y="121"/>
-                </a:cubicBezTo>
-                <a:cubicBezTo>
-                  <a:pt x="409" y="121"/>
-                  <a:pt x="411" y="121"/>
-                  <a:pt x="412" y="121"/>
-                </a:cubicBezTo>
-                <a:cubicBezTo>
-                  <a:pt x="413" y="122"/>
-                  <a:pt x="413" y="124"/>
-                  <a:pt x="414" y="125"/>
-                </a:cubicBezTo>
-                <a:cubicBezTo>
-                  <a:pt x="420" y="138"/>
-                  <a:pt x="427" y="151"/>
-                  <a:pt x="433" y="163"/>
-                </a:cubicBezTo>
-                <a:cubicBezTo>
-                  <a:pt x="444" y="185"/>
-                  <a:pt x="455" y="207"/>
-                  <a:pt x="466" y="228"/>
-                </a:cubicBezTo>
-                <a:cubicBezTo>
-                  <a:pt x="478" y="253"/>
-                  <a:pt x="490" y="277"/>
-                  <a:pt x="502" y="301"/>
-                </a:cubicBezTo>
-                <a:cubicBezTo>
-                  <a:pt x="513" y="322"/>
-                  <a:pt x="523" y="342"/>
-                  <a:pt x="533" y="363"/>
-                </a:cubicBezTo>
-                <a:cubicBezTo>
-                  <a:pt x="539" y="374"/>
-                  <a:pt x="544" y="385"/>
-                  <a:pt x="550" y="396"/>
-                </a:cubicBezTo>
-                <a:cubicBezTo>
-                  <a:pt x="550" y="396"/>
-                  <a:pt x="550" y="397"/>
-                  <a:pt x="551" y="397"/>
-                </a:cubicBezTo>
-                <a:cubicBezTo>
-                  <a:pt x="563" y="373"/>
-                  <a:pt x="575" y="348"/>
-                  <a:pt x="588" y="323"/>
-                </a:cubicBezTo>
-                <a:cubicBezTo>
-                  <a:pt x="596" y="308"/>
-                  <a:pt x="603" y="292"/>
-                  <a:pt x="611" y="277"/>
-                </a:cubicBezTo>
-                <a:cubicBezTo>
-                  <a:pt x="613" y="273"/>
-                  <a:pt x="615" y="269"/>
-                  <a:pt x="617" y="265"/>
-                </a:cubicBezTo>
-                <a:cubicBezTo>
-                  <a:pt x="618" y="263"/>
-                  <a:pt x="618" y="263"/>
-                  <a:pt x="618" y="262"/>
-                </a:cubicBezTo>
-                <a:cubicBezTo>
-                  <a:pt x="617" y="259"/>
-                  <a:pt x="615" y="257"/>
-                  <a:pt x="614" y="254"/>
-                </a:cubicBezTo>
-                <a:cubicBezTo>
-                  <a:pt x="612" y="250"/>
-                  <a:pt x="609" y="245"/>
-                  <a:pt x="607" y="240"/>
-                </a:cubicBezTo>
-                <a:cubicBezTo>
-                  <a:pt x="600" y="226"/>
-                  <a:pt x="593" y="212"/>
-                  <a:pt x="586" y="198"/>
-                </a:cubicBezTo>
-                <a:cubicBezTo>
-                  <a:pt x="568" y="163"/>
-                  <a:pt x="551" y="128"/>
-                  <a:pt x="533" y="94"/>
-                </a:cubicBezTo>
-                <a:cubicBezTo>
-                  <a:pt x="523" y="74"/>
-                  <a:pt x="514" y="54"/>
-                  <a:pt x="503" y="34"/>
-                </a:cubicBezTo>
-                <a:cubicBezTo>
-                  <a:pt x="492" y="13"/>
-                  <a:pt x="472" y="1"/>
-                  <a:pt x="449" y="0"/>
-                </a:cubicBezTo>
-                <a:cubicBezTo>
-                  <a:pt x="444" y="0"/>
-                  <a:pt x="439" y="0"/>
-                  <a:pt x="434" y="0"/>
-                </a:cubicBezTo>
-                <a:cubicBezTo>
-                  <a:pt x="406" y="0"/>
-                  <a:pt x="379" y="0"/>
-                  <a:pt x="352" y="0"/>
-                </a:cubicBezTo>
-                <a:cubicBezTo>
-                  <a:pt x="313" y="0"/>
-                  <a:pt x="274" y="0"/>
-                  <a:pt x="236" y="0"/>
-                </a:cubicBezTo>
-                <a:cubicBezTo>
-                  <a:pt x="199" y="0"/>
-                  <a:pt x="163" y="0"/>
-                  <a:pt x="126" y="0"/>
-                </a:cubicBezTo>
-                <a:cubicBezTo>
-                  <a:pt x="106" y="0"/>
-                  <a:pt x="85" y="0"/>
-                  <a:pt x="65" y="0"/>
-                </a:cubicBezTo>
-                <a:cubicBezTo>
-                  <a:pt x="64" y="0"/>
-                  <a:pt x="63" y="0"/>
-                  <a:pt x="62" y="0"/>
-                </a:cubicBezTo>
-                <a:cubicBezTo>
-                  <a:pt x="56" y="1"/>
-                  <a:pt x="50" y="1"/>
-                  <a:pt x="44" y="3"/>
-                </a:cubicBezTo>
-                <a:cubicBezTo>
-                  <a:pt x="38" y="5"/>
-                  <a:pt x="33" y="8"/>
-                  <a:pt x="28" y="11"/>
-                </a:cubicBezTo>
-                <a:cubicBezTo>
-                  <a:pt x="16" y="19"/>
-                  <a:pt x="8" y="31"/>
-                  <a:pt x="4" y="44"/>
-                </a:cubicBezTo>
-                <a:cubicBezTo>
-                  <a:pt x="0" y="60"/>
-                  <a:pt x="2" y="74"/>
-                  <a:pt x="8" y="88"/>
-                </a:cubicBezTo>
-                <a:cubicBezTo>
-                  <a:pt x="11" y="94"/>
-                  <a:pt x="14" y="99"/>
-                  <a:pt x="16" y="104"/>
-                </a:cubicBezTo>
-                <a:cubicBezTo>
-                  <a:pt x="22" y="116"/>
-                  <a:pt x="28" y="128"/>
-                  <a:pt x="34" y="139"/>
-                </a:cubicBezTo>
-                <a:cubicBezTo>
-                  <a:pt x="43" y="157"/>
-                  <a:pt x="52" y="174"/>
-                  <a:pt x="60" y="191"/>
-                </a:cubicBezTo>
-                <a:cubicBezTo>
-                  <a:pt x="71" y="213"/>
-                  <a:pt x="82" y="234"/>
-                  <a:pt x="93" y="256"/>
-                </a:cubicBezTo>
-                <a:cubicBezTo>
-                  <a:pt x="105" y="281"/>
-                  <a:pt x="118" y="305"/>
-                  <a:pt x="130" y="330"/>
-                </a:cubicBezTo>
-                <a:cubicBezTo>
-                  <a:pt x="143" y="357"/>
-                  <a:pt x="157" y="383"/>
-                  <a:pt x="170" y="410"/>
-                </a:cubicBezTo>
-                <a:cubicBezTo>
-                  <a:pt x="184" y="437"/>
-                  <a:pt x="198" y="465"/>
-                  <a:pt x="211" y="492"/>
-                </a:cubicBezTo>
-                <a:cubicBezTo>
-                  <a:pt x="225" y="519"/>
-                  <a:pt x="238" y="546"/>
-                  <a:pt x="252" y="573"/>
-                </a:cubicBezTo>
-                <a:cubicBezTo>
-                  <a:pt x="265" y="598"/>
-                  <a:pt x="277" y="624"/>
-                  <a:pt x="290" y="649"/>
-                </a:cubicBezTo>
-                <a:cubicBezTo>
-                  <a:pt x="302" y="672"/>
-                  <a:pt x="313" y="694"/>
-                  <a:pt x="324" y="717"/>
-                </a:cubicBezTo>
-                <a:cubicBezTo>
-                  <a:pt x="334" y="736"/>
-                  <a:pt x="343" y="755"/>
-                  <a:pt x="353" y="773"/>
-                </a:cubicBezTo>
-                <a:cubicBezTo>
-                  <a:pt x="359" y="787"/>
-                  <a:pt x="366" y="801"/>
-                  <a:pt x="373" y="814"/>
-                </a:cubicBezTo>
-                <a:cubicBezTo>
-                  <a:pt x="377" y="822"/>
-                  <a:pt x="381" y="829"/>
-                  <a:pt x="384" y="836"/>
-                </a:cubicBezTo>
-                <a:cubicBezTo>
-                  <a:pt x="385" y="837"/>
-                  <a:pt x="385" y="838"/>
-                  <a:pt x="386" y="839"/>
-                </a:cubicBezTo>
-                <a:cubicBezTo>
-                  <a:pt x="391" y="850"/>
-                  <a:pt x="397" y="859"/>
-                  <a:pt x="406" y="866"/>
-                </a:cubicBezTo>
-                <a:cubicBezTo>
-                  <a:pt x="417" y="874"/>
-                  <a:pt x="430" y="877"/>
-                  <a:pt x="442" y="877"/>
-                </a:cubicBezTo>
-                <a:cubicBezTo>
-                  <a:pt x="455" y="877"/>
-                  <a:pt x="467" y="873"/>
-                  <a:pt x="478" y="866"/>
-                </a:cubicBezTo>
-                <a:cubicBezTo>
-                  <a:pt x="487" y="859"/>
-                  <a:pt x="493" y="850"/>
-                  <a:pt x="498" y="839"/>
-                </a:cubicBezTo>
-                <a:cubicBezTo>
-                  <a:pt x="499" y="837"/>
-                  <a:pt x="500" y="834"/>
-                  <a:pt x="502" y="832"/>
-                </a:cubicBezTo>
-                <a:cubicBezTo>
-                  <a:pt x="510" y="814"/>
-                  <a:pt x="519" y="797"/>
-                  <a:pt x="528" y="780"/>
-                </a:cubicBezTo>
-                <a:cubicBezTo>
-                  <a:pt x="541" y="754"/>
-                  <a:pt x="554" y="728"/>
-                  <a:pt x="567" y="701"/>
-                </a:cubicBezTo>
-                <a:cubicBezTo>
-                  <a:pt x="580" y="676"/>
-                  <a:pt x="593" y="650"/>
-                  <a:pt x="606" y="624"/>
-                </a:cubicBezTo>
-                <a:cubicBezTo>
-                  <a:pt x="615" y="607"/>
-                  <a:pt x="623" y="590"/>
-                  <a:pt x="632" y="573"/>
-                </a:cubicBezTo>
-                <a:cubicBezTo>
-                  <a:pt x="633" y="570"/>
-                  <a:pt x="634" y="568"/>
-                  <a:pt x="635" y="566"/>
-                </a:cubicBezTo>
-                <a:cubicBezTo>
-                  <a:pt x="635" y="566"/>
-                  <a:pt x="635" y="566"/>
-                  <a:pt x="636" y="566"/>
-                </a:cubicBezTo>
-                <a:cubicBezTo>
-                  <a:pt x="648" y="541"/>
-                  <a:pt x="661" y="516"/>
-                  <a:pt x="673" y="490"/>
-                </a:cubicBezTo>
-                <a:cubicBezTo>
-                  <a:pt x="693" y="450"/>
-                  <a:pt x="714" y="410"/>
-                  <a:pt x="734" y="369"/>
-                </a:cubicBezTo>
-                <a:cubicBezTo>
-                  <a:pt x="738" y="360"/>
-                  <a:pt x="743" y="351"/>
-                  <a:pt x="748" y="341"/>
-                </a:cubicBezTo>
-                <a:cubicBezTo>
-                  <a:pt x="748" y="341"/>
-                  <a:pt x="748" y="341"/>
-                  <a:pt x="748" y="342"/>
-                </a:cubicBezTo>
-                <a:cubicBezTo>
-                  <a:pt x="761" y="316"/>
-                  <a:pt x="773" y="291"/>
-                  <a:pt x="786" y="265"/>
-                </a:cubicBezTo>
-                <a:cubicBezTo>
-                  <a:pt x="806" y="226"/>
-                  <a:pt x="826" y="186"/>
-                  <a:pt x="846" y="146"/>
-                </a:cubicBezTo>
-                <a:cubicBezTo>
-                  <a:pt x="849" y="140"/>
-                  <a:pt x="852" y="135"/>
-                  <a:pt x="855" y="129"/>
-                </a:cubicBezTo>
-                <a:cubicBezTo>
-                  <a:pt x="855" y="127"/>
-                  <a:pt x="857" y="122"/>
-                  <a:pt x="858" y="121"/>
-                </a:cubicBezTo>
-                <a:cubicBezTo>
-                  <a:pt x="859" y="121"/>
-                  <a:pt x="862" y="121"/>
-                  <a:pt x="864" y="121"/>
-                </a:cubicBezTo>
-                <a:cubicBezTo>
-                  <a:pt x="869" y="121"/>
-                  <a:pt x="875" y="121"/>
-                  <a:pt x="880" y="121"/>
-                </a:cubicBezTo>
-                <a:cubicBezTo>
-                  <a:pt x="923" y="121"/>
-                  <a:pt x="966" y="121"/>
-                  <a:pt x="1010" y="121"/>
-                </a:cubicBezTo>
-                <a:cubicBezTo>
-                  <a:pt x="1031" y="121"/>
-                  <a:pt x="1052" y="121"/>
-                  <a:pt x="1074" y="121"/>
-                </a:cubicBezTo>
-                <a:cubicBezTo>
-                  <a:pt x="1081" y="121"/>
-                  <a:pt x="1089" y="121"/>
-                  <a:pt x="1097" y="121"/>
-                </a:cubicBezTo>
-                <a:cubicBezTo>
-                  <a:pt x="1101" y="121"/>
-                  <a:pt x="1105" y="121"/>
-                  <a:pt x="1109" y="121"/>
-                </a:cubicBezTo>
-                <a:cubicBezTo>
-                  <a:pt x="1110" y="121"/>
-                  <a:pt x="1110" y="121"/>
-                  <a:pt x="1111" y="121"/>
-                </a:cubicBezTo>
-                <a:cubicBezTo>
-                  <a:pt x="1108" y="126"/>
-                  <a:pt x="1106" y="131"/>
-                  <a:pt x="1103" y="136"/>
-                </a:cubicBezTo>
-                <a:cubicBezTo>
-                  <a:pt x="1096" y="150"/>
-                  <a:pt x="1089" y="163"/>
-                  <a:pt x="1083" y="177"/>
-                </a:cubicBezTo>
-                <a:cubicBezTo>
-                  <a:pt x="1073" y="197"/>
-                  <a:pt x="1062" y="217"/>
-                  <a:pt x="1052" y="237"/>
-                </a:cubicBezTo>
-                <a:cubicBezTo>
-                  <a:pt x="1040" y="262"/>
-                  <a:pt x="1028" y="286"/>
-                  <a:pt x="1015" y="311"/>
-                </a:cubicBezTo>
-                <a:cubicBezTo>
-                  <a:pt x="1002" y="338"/>
-                  <a:pt x="988" y="365"/>
-                  <a:pt x="975" y="392"/>
-                </a:cubicBezTo>
-                <a:cubicBezTo>
-                  <a:pt x="961" y="419"/>
-                  <a:pt x="948" y="446"/>
-                  <a:pt x="934" y="473"/>
-                </a:cubicBezTo>
-                <a:cubicBezTo>
-                  <a:pt x="921" y="498"/>
-                  <a:pt x="908" y="524"/>
-                  <a:pt x="896" y="549"/>
-                </a:cubicBezTo>
-                <a:cubicBezTo>
-                  <a:pt x="885" y="570"/>
-                  <a:pt x="874" y="592"/>
-                  <a:pt x="863" y="613"/>
-                </a:cubicBezTo>
-                <a:cubicBezTo>
-                  <a:pt x="856" y="629"/>
-                  <a:pt x="848" y="644"/>
-                  <a:pt x="840" y="659"/>
-                </a:cubicBezTo>
-                <a:cubicBezTo>
-                  <a:pt x="838" y="664"/>
-                  <a:pt x="835" y="669"/>
-                  <a:pt x="833" y="674"/>
-                </a:cubicBezTo>
-                <a:cubicBezTo>
-                  <a:pt x="832" y="676"/>
-                  <a:pt x="831" y="679"/>
-                  <a:pt x="829" y="681"/>
-                </a:cubicBezTo>
-                <a:cubicBezTo>
-                  <a:pt x="829" y="682"/>
-                  <a:pt x="829" y="682"/>
-                  <a:pt x="829" y="682"/>
-                </a:cubicBezTo>
-                <a:cubicBezTo>
-                  <a:pt x="817" y="658"/>
-                  <a:pt x="804" y="633"/>
-                  <a:pt x="792" y="609"/>
-                </a:cubicBezTo>
-                <a:cubicBezTo>
-                  <a:pt x="772" y="570"/>
-                  <a:pt x="753" y="531"/>
-                  <a:pt x="733" y="492"/>
-                </a:cubicBezTo>
-                <a:cubicBezTo>
-                  <a:pt x="729" y="483"/>
-                  <a:pt x="724" y="474"/>
-                  <a:pt x="720" y="465"/>
-                </a:cubicBezTo>
-                <a:cubicBezTo>
-                  <a:pt x="711" y="483"/>
-                  <a:pt x="702" y="501"/>
-                  <a:pt x="693" y="519"/>
-                </a:cubicBezTo>
-                <a:cubicBezTo>
-                  <a:pt x="681" y="543"/>
-                  <a:pt x="668" y="568"/>
-                  <a:pt x="656" y="593"/>
-                </a:cubicBezTo>
-                <a:cubicBezTo>
-                  <a:pt x="655" y="596"/>
-                  <a:pt x="652" y="598"/>
-                  <a:pt x="653" y="601"/>
-                </a:cubicBezTo>
-                <a:cubicBezTo>
-                  <a:pt x="655" y="607"/>
-                  <a:pt x="659" y="612"/>
-                  <a:pt x="661" y="617"/>
-                </a:cubicBezTo>
-                <a:cubicBezTo>
-                  <a:pt x="673" y="641"/>
-                  <a:pt x="685" y="664"/>
-                  <a:pt x="696" y="687"/>
-                </a:cubicBezTo>
-                <a:cubicBezTo>
-                  <a:pt x="711" y="716"/>
-                  <a:pt x="725" y="744"/>
-                  <a:pt x="739" y="772"/>
-                </a:cubicBezTo>
-                <a:cubicBezTo>
-                  <a:pt x="749" y="792"/>
-                  <a:pt x="759" y="812"/>
-                  <a:pt x="769" y="832"/>
-                </a:cubicBezTo>
-                <a:cubicBezTo>
-                  <a:pt x="772" y="837"/>
-                  <a:pt x="774" y="843"/>
-                  <a:pt x="777" y="848"/>
-                </a:cubicBezTo>
-                <a:cubicBezTo>
-                  <a:pt x="791" y="871"/>
-                  <a:pt x="819" y="882"/>
-                  <a:pt x="846" y="875"/>
-                </a:cubicBezTo>
-                <a:cubicBezTo>
-                  <a:pt x="865" y="870"/>
-                  <a:pt x="877" y="857"/>
-                  <a:pt x="885" y="839"/>
-                </a:cubicBezTo>
-                <a:cubicBezTo>
-                  <a:pt x="886" y="838"/>
-                  <a:pt x="887" y="836"/>
-                  <a:pt x="887" y="834"/>
-                </a:cubicBezTo>
-                <a:cubicBezTo>
-                  <a:pt x="892" y="825"/>
-                  <a:pt x="897" y="816"/>
-                  <a:pt x="901" y="806"/>
-                </a:cubicBezTo>
-                <a:cubicBezTo>
-                  <a:pt x="909" y="791"/>
-                  <a:pt x="917" y="775"/>
-                  <a:pt x="925" y="759"/>
-                </a:cubicBezTo>
-                <a:cubicBezTo>
-                  <a:pt x="936" y="737"/>
-                  <a:pt x="947" y="716"/>
-                  <a:pt x="958" y="695"/>
-                </a:cubicBezTo>
-                <a:cubicBezTo>
-                  <a:pt x="970" y="669"/>
-                  <a:pt x="983" y="644"/>
-                  <a:pt x="996" y="619"/>
-                </a:cubicBezTo>
-                <a:cubicBezTo>
-                  <a:pt x="1010" y="591"/>
-                  <a:pt x="1024" y="563"/>
-                  <a:pt x="1038" y="535"/>
-                </a:cubicBezTo>
-                <a:cubicBezTo>
-                  <a:pt x="1052" y="507"/>
-                  <a:pt x="1067" y="478"/>
-                  <a:pt x="1081" y="449"/>
-                </a:cubicBezTo>
-                <a:cubicBezTo>
-                  <a:pt x="1096" y="420"/>
-                  <a:pt x="1110" y="391"/>
-                  <a:pt x="1124" y="363"/>
-                </a:cubicBezTo>
-                <a:cubicBezTo>
-                  <a:pt x="1138" y="335"/>
-                  <a:pt x="1152" y="308"/>
-                  <a:pt x="1165" y="281"/>
-                </a:cubicBezTo>
-                <a:cubicBezTo>
-                  <a:pt x="1177" y="257"/>
-                  <a:pt x="1189" y="233"/>
-                  <a:pt x="1201" y="209"/>
-                </a:cubicBezTo>
-                <a:cubicBezTo>
-                  <a:pt x="1211" y="189"/>
-                  <a:pt x="1221" y="170"/>
-                  <a:pt x="1231" y="150"/>
-                </a:cubicBezTo>
-                <a:cubicBezTo>
-                  <a:pt x="1238" y="136"/>
-                  <a:pt x="1245" y="123"/>
-                  <a:pt x="1252" y="109"/>
-                </a:cubicBezTo>
-                <a:cubicBezTo>
-                  <a:pt x="1255" y="102"/>
-                  <a:pt x="1259" y="96"/>
-                  <a:pt x="1262" y="89"/>
-                </a:cubicBezTo>
-                <a:cubicBezTo>
-                  <a:pt x="1266" y="79"/>
-                  <a:pt x="1270" y="68"/>
-                  <a:pt x="1268" y="57"/>
-                </a:cubicBezTo>
-                <a:cubicBezTo>
-                  <a:pt x="1268" y="55"/>
-                  <a:pt x="1268" y="58"/>
-                  <a:pt x="1268" y="57"/>
-                </a:cubicBezTo>
-                <a:close/>
-              </a:path>
-            </a:pathLst>
-          </a:custGeom>
-          <a:solidFill>
-            <a:srgbClr val="05B780"/>
-          </a:solidFill>
-          <a:ln w="9525">
-            <a:noFill/>
-          </a:ln>
-        </p:spPr>
-        <p:txBody>
-          <a:bodyPr/>
-          <a:p>
-            <a:endParaRPr lang="en-US"/>
-          </a:p>
-        </p:txBody>
-      </p:sp>
-      <p:sp>
-        <p:nvSpPr>
-          <p:cNvPr id="33795" name="文本框 29"/>
+          <p:cNvPr id="7170" name="文本框 156"/>
           <p:cNvSpPr txBox="1"/>
           <p:nvPr/>
         </p:nvSpPr>
         <p:spPr>
           <a:xfrm>
-            <a:off x="3733800" y="4125913"/>
-            <a:ext cx="4722813" cy="708025"/>
+            <a:off x="0" y="350838"/>
+            <a:ext cx="814388" cy="521970"/>
           </a:xfrm>
           <a:prstGeom prst="rect">
             <a:avLst/>
@@ -8257,24 +7405,1323 @@
             <a:spAutoFit/>
           </a:bodyPr>
           <a:p>
-            <a:pPr algn="dist"/>
+            <a:pPr>
+              <a:buFont typeface="Arial" panose="020B0604020202020204" pitchFamily="34" charset="0"/>
+            </a:pPr>
             <a:r>
-              <a:rPr lang="en-US" altLang="zh-CN" sz="4000" dirty="0">
+              <a:rPr lang="en-US" altLang="zh-CN" sz="2800" b="1" dirty="0">
                 <a:solidFill>
-                  <a:srgbClr val="262626"/>
+                  <a:schemeClr val="bg1"/>
                 </a:solidFill>
                 <a:latin typeface="Microsoft YaHei" panose="020B0503020204020204" pitchFamily="34" charset="-122"/>
                 <a:ea typeface="Microsoft YaHei" panose="020B0503020204020204" pitchFamily="34" charset="-122"/>
               </a:rPr>
-              <a:t>THANK YOU</a:t>
+              <a:t>1.1</a:t>
             </a:r>
-            <a:endParaRPr lang="zh-CN" altLang="en-US" sz="4000" dirty="0">
+            <a:endParaRPr lang="en-US" altLang="zh-CN" sz="2800" b="1" dirty="0">
               <a:solidFill>
-                <a:srgbClr val="262626"/>
+                <a:schemeClr val="bg1"/>
               </a:solidFill>
               <a:latin typeface="Microsoft YaHei" panose="020B0503020204020204" pitchFamily="34" charset="-122"/>
               <a:ea typeface="Microsoft YaHei" panose="020B0503020204020204" pitchFamily="34" charset="-122"/>
             </a:endParaRPr>
+          </a:p>
+        </p:txBody>
+      </p:sp>
+      <p:sp>
+        <p:nvSpPr>
+          <p:cNvPr id="16" name="Rectangle 6"/>
+          <p:cNvSpPr>
+            <a:spLocks noChangeArrowheads="1"/>
+          </p:cNvSpPr>
+          <p:nvPr/>
+        </p:nvSpPr>
+        <p:spPr bwMode="black">
+          <a:xfrm>
+            <a:off x="1021080" y="351155"/>
+            <a:ext cx="6515735" cy="521970"/>
+          </a:xfrm>
+          <a:prstGeom prst="rect">
+            <a:avLst/>
+          </a:prstGeom>
+          <a:noFill/>
+          <a:ln>
+            <a:noFill/>
+          </a:ln>
+          <a:effectLst/>
+          <a:extLst>
+            <a:ext uri="{909E8E84-426E-40DD-AFC4-6F175D3DCCD1}">
+              <a14:hiddenFill xmlns:a14="http://schemas.microsoft.com/office/drawing/2010/main">
+                <a:solidFill>
+                  <a:schemeClr val="accent1"/>
+                </a:solidFill>
+              </a14:hiddenFill>
+            </a:ext>
+            <a:ext uri="{91240B29-F687-4F45-9708-019B960494DF}">
+              <a14:hiddenLine xmlns:a14="http://schemas.microsoft.com/office/drawing/2010/main" w="9525">
+                <a:solidFill>
+                  <a:schemeClr val="tx1"/>
+                </a:solidFill>
+                <a:miter lim="800000"/>
+                <a:headEnd/>
+                <a:tailEnd/>
+              </a14:hiddenLine>
+            </a:ext>
+            <a:ext uri="{AF507438-7753-43E0-B8FC-AC1667EBCBE1}">
+              <a14:hiddenEffects xmlns:a14="http://schemas.microsoft.com/office/drawing/2010/main">
+                <a:effectLst>
+                  <a:outerShdw dist="35921" dir="2700000" algn="ctr" rotWithShape="0">
+                    <a:schemeClr val="bg2"/>
+                  </a:outerShdw>
+                </a:effectLst>
+              </a14:hiddenEffects>
+            </a:ext>
+          </a:extLst>
+        </p:spPr>
+        <p:txBody>
+          <a:bodyPr wrap="square">
+            <a:spAutoFit/>
+          </a:bodyPr>
+          <a:lstStyle/>
+          <a:p>
+            <a:pPr marL="0" marR="0" lvl="0" indent="0" algn="l" defTabSz="914400" rtl="0" eaLnBrk="0" fontAlgn="auto" latinLnBrk="0" hangingPunct="0">
+              <a:lnSpc>
+                <a:spcPct val="100000"/>
+              </a:lnSpc>
+              <a:spcBef>
+                <a:spcPts val="0"/>
+              </a:spcBef>
+              <a:spcAft>
+                <a:spcPts val="0"/>
+              </a:spcAft>
+              <a:buClrTx/>
+              <a:buSzTx/>
+              <a:buFontTx/>
+              <a:buNone/>
+              <a:defRPr/>
+            </a:pPr>
+            <a:r>
+              <a:rPr kumimoji="0" lang="en-US" altLang="zh-CN" sz="2800" b="1" i="0" u="none" strike="noStrike" kern="1200" cap="none" spc="0" normalizeH="0" baseline="0" noProof="0" dirty="0">
+                <a:ln>
+                  <a:noFill/>
+                </a:ln>
+                <a:solidFill>
+                  <a:schemeClr val="tx1">
+                    <a:lumMod val="85000"/>
+                    <a:lumOff val="15000"/>
+                  </a:schemeClr>
+                </a:solidFill>
+                <a:effectLst/>
+                <a:uLnTx/>
+                <a:uFillTx/>
+                <a:latin typeface="Microsoft YaHei" panose="020B0503020204020204" pitchFamily="34" charset="-122"/>
+                <a:ea typeface="Microsoft YaHei" panose="020B0503020204020204" pitchFamily="34" charset="-122"/>
+                <a:cs typeface="+mn-cs"/>
+                <a:sym typeface="+mn-ea"/>
+              </a:rPr>
+              <a:t>Definitions</a:t>
+            </a:r>
+            <a:endParaRPr kumimoji="0" lang="en-US" altLang="zh-CN" sz="2800" b="1" i="0" u="none" strike="noStrike" kern="1200" cap="none" spc="0" normalizeH="0" baseline="0" noProof="0" dirty="0">
+              <a:ln>
+                <a:noFill/>
+              </a:ln>
+              <a:solidFill>
+                <a:schemeClr val="tx1">
+                  <a:lumMod val="85000"/>
+                  <a:lumOff val="15000"/>
+                </a:schemeClr>
+              </a:solidFill>
+              <a:effectLst/>
+              <a:uLnTx/>
+              <a:uFillTx/>
+              <a:latin typeface="Microsoft YaHei" panose="020B0503020204020204" pitchFamily="34" charset="-122"/>
+              <a:ea typeface="Microsoft YaHei" panose="020B0503020204020204" pitchFamily="34" charset="-122"/>
+              <a:cs typeface="+mn-cs"/>
+              <a:sym typeface="+mn-ea"/>
+            </a:endParaRPr>
+          </a:p>
+        </p:txBody>
+      </p:sp>
+      <p:pic>
+        <p:nvPicPr>
+          <p:cNvPr id="6" name="Content Placeholder 5"/>
+          <p:cNvPicPr>
+            <a:picLocks noChangeAspect="1"/>
+          </p:cNvPicPr>
+          <p:nvPr>
+            <p:ph idx="1"/>
+          </p:nvPr>
+        </p:nvPicPr>
+        <p:blipFill>
+          <a:blip r:embed="rId1"/>
+          <a:stretch>
+            <a:fillRect/>
+          </a:stretch>
+        </p:blipFill>
+        <p:spPr>
+          <a:xfrm>
+            <a:off x="732155" y="3306445"/>
+            <a:ext cx="5248275" cy="3048000"/>
+          </a:xfrm>
+          <a:prstGeom prst="rect">
+            <a:avLst/>
+          </a:prstGeom>
+        </p:spPr>
+      </p:pic>
+      <p:pic>
+        <p:nvPicPr>
+          <p:cNvPr id="7" name="Picture 6"/>
+          <p:cNvPicPr>
+            <a:picLocks noChangeAspect="1"/>
+          </p:cNvPicPr>
+          <p:nvPr/>
+        </p:nvPicPr>
+        <p:blipFill>
+          <a:blip r:embed="rId2"/>
+          <a:stretch>
+            <a:fillRect/>
+          </a:stretch>
+        </p:blipFill>
+        <p:spPr>
+          <a:xfrm>
+            <a:off x="5923280" y="3282950"/>
+            <a:ext cx="6010275" cy="3095625"/>
+          </a:xfrm>
+          <a:prstGeom prst="rect">
+            <a:avLst/>
+          </a:prstGeom>
+        </p:spPr>
+      </p:pic>
+      <p:sp>
+        <p:nvSpPr>
+          <p:cNvPr id="8" name="Text Box 7"/>
+          <p:cNvSpPr txBox="1"/>
+          <p:nvPr/>
+        </p:nvSpPr>
+        <p:spPr>
+          <a:xfrm>
+            <a:off x="1021080" y="1390015"/>
+            <a:ext cx="10447655" cy="1753235"/>
+          </a:xfrm>
+          <a:prstGeom prst="rect">
+            <a:avLst/>
+          </a:prstGeom>
+          <a:noFill/>
+        </p:spPr>
+        <p:txBody>
+          <a:bodyPr wrap="square" rtlCol="0" anchor="t">
+            <a:spAutoFit/>
+          </a:bodyPr>
+          <a:p>
+            <a:r>
+              <a:rPr lang="en-US" b="1"/>
+              <a:t>Ancestor</a:t>
+            </a:r>
+            <a:r>
+              <a:rPr lang="en-US"/>
+              <a:t>: all the nodes that are between the path from the root to the current node are the ancestors of the current node. An ancestor node of the current node is either the parent of the current node or the parent of another ancestor of the node.</a:t>
+            </a:r>
+            <a:endParaRPr lang="en-US"/>
+          </a:p>
+          <a:p>
+            <a:r>
+              <a:rPr lang="en-US" b="1"/>
+              <a:t>Descendent</a:t>
+            </a:r>
+            <a:r>
+              <a:rPr lang="en-US"/>
+              <a:t>: all the nodes that are reachable from the current node when moving down the tree are the descendants of the current node. A descendant of the current node is either a child of the node or a child of another descendant of the node.</a:t>
+            </a:r>
+            <a:endParaRPr lang="en-US"/>
+          </a:p>
+        </p:txBody>
+      </p:sp>
+    </p:spTree>
+  </p:cSld>
+  <p:clrMapOvr>
+    <a:masterClrMapping/>
+  </p:clrMapOvr>
+  <p:transition spd="slow">
+    <p:wipe/>
+  </p:transition>
+</p:sld>
+</file>
+
+<file path=ppt/slides/slide17.xml><?xml version="1.0" encoding="utf-8"?>
+<p:sld xmlns:a="http://schemas.openxmlformats.org/drawingml/2006/main" xmlns:r="http://schemas.openxmlformats.org/officeDocument/2006/relationships" xmlns:p="http://schemas.openxmlformats.org/presentationml/2006/main">
+  <p:cSld>
+    <p:spTree>
+      <p:nvGrpSpPr>
+        <p:cNvPr id="1" name=""/>
+        <p:cNvGrpSpPr/>
+        <p:nvPr/>
+      </p:nvGrpSpPr>
+      <p:grpSpPr/>
+      <p:sp>
+        <p:nvSpPr>
+          <p:cNvPr id="15" name="任意多边形 14"/>
+          <p:cNvSpPr/>
+          <p:nvPr/>
+        </p:nvSpPr>
+        <p:spPr>
+          <a:xfrm>
+            <a:off x="0" y="274638"/>
+            <a:ext cx="890588" cy="639763"/>
+          </a:xfrm>
+          <a:custGeom>
+            <a:avLst/>
+            <a:gdLst>
+              <a:gd name="connsiteX0" fmla="*/ 0 w 1029743"/>
+              <a:gd name="connsiteY0" fmla="*/ 0 h 739718"/>
+              <a:gd name="connsiteX1" fmla="*/ 659884 w 1029743"/>
+              <a:gd name="connsiteY1" fmla="*/ 0 h 739718"/>
+              <a:gd name="connsiteX2" fmla="*/ 1029743 w 1029743"/>
+              <a:gd name="connsiteY2" fmla="*/ 369859 h 739718"/>
+              <a:gd name="connsiteX3" fmla="*/ 659884 w 1029743"/>
+              <a:gd name="connsiteY3" fmla="*/ 739718 h 739718"/>
+              <a:gd name="connsiteX4" fmla="*/ 0 w 1029743"/>
+              <a:gd name="connsiteY4" fmla="*/ 739718 h 739718"/>
+            </a:gdLst>
+            <a:ahLst/>
+            <a:cxnLst>
+              <a:cxn ang="0">
+                <a:pos x="connsiteX0" y="connsiteY0"/>
+              </a:cxn>
+              <a:cxn ang="0">
+                <a:pos x="connsiteX1" y="connsiteY1"/>
+              </a:cxn>
+              <a:cxn ang="0">
+                <a:pos x="connsiteX2" y="connsiteY2"/>
+              </a:cxn>
+              <a:cxn ang="0">
+                <a:pos x="connsiteX3" y="connsiteY3"/>
+              </a:cxn>
+              <a:cxn ang="0">
+                <a:pos x="connsiteX4" y="connsiteY4"/>
+              </a:cxn>
+            </a:cxnLst>
+            <a:rect l="l" t="t" r="r" b="b"/>
+            <a:pathLst>
+              <a:path w="1029743" h="739718">
+                <a:moveTo>
+                  <a:pt x="0" y="0"/>
+                </a:moveTo>
+                <a:lnTo>
+                  <a:pt x="659884" y="0"/>
+                </a:lnTo>
+                <a:cubicBezTo>
+                  <a:pt x="864151" y="0"/>
+                  <a:pt x="1029743" y="165592"/>
+                  <a:pt x="1029743" y="369859"/>
+                </a:cubicBezTo>
+                <a:cubicBezTo>
+                  <a:pt x="1029743" y="574126"/>
+                  <a:pt x="864151" y="739718"/>
+                  <a:pt x="659884" y="739718"/>
+                </a:cubicBezTo>
+                <a:lnTo>
+                  <a:pt x="0" y="739718"/>
+                </a:lnTo>
+                <a:close/>
+              </a:path>
+            </a:pathLst>
+          </a:custGeom>
+          <a:solidFill>
+            <a:srgbClr val="05B780"/>
+          </a:solidFill>
+          <a:ln>
+            <a:noFill/>
+          </a:ln>
+        </p:spPr>
+        <p:style>
+          <a:lnRef idx="2">
+            <a:schemeClr val="accent1">
+              <a:shade val="50000"/>
+            </a:schemeClr>
+          </a:lnRef>
+          <a:fillRef idx="1">
+            <a:schemeClr val="accent1"/>
+          </a:fillRef>
+          <a:effectRef idx="0">
+            <a:schemeClr val="accent1"/>
+          </a:effectRef>
+          <a:fontRef idx="minor">
+            <a:schemeClr val="lt1"/>
+          </a:fontRef>
+        </p:style>
+        <p:txBody>
+          <a:bodyPr anchor="ctr"/>
+          <a:lstStyle/>
+          <a:p>
+            <a:pPr marL="0" marR="0" lvl="0" indent="0" algn="ctr" defTabSz="914400" rtl="0" eaLnBrk="1" fontAlgn="auto" latinLnBrk="0" hangingPunct="1">
+              <a:lnSpc>
+                <a:spcPct val="100000"/>
+              </a:lnSpc>
+              <a:spcBef>
+                <a:spcPts val="0"/>
+              </a:spcBef>
+              <a:spcAft>
+                <a:spcPts val="0"/>
+              </a:spcAft>
+              <a:buClrTx/>
+              <a:buSzTx/>
+              <a:buFontTx/>
+              <a:buNone/>
+              <a:defRPr/>
+            </a:pPr>
+            <a:endParaRPr kumimoji="0" lang="zh-CN" altLang="en-US" sz="1800" b="0" i="0" u="none" strike="noStrike" kern="1200" cap="none" spc="0" normalizeH="0" baseline="0" noProof="0">
+              <a:ln>
+                <a:noFill/>
+              </a:ln>
+              <a:solidFill>
+                <a:schemeClr val="bg1"/>
+              </a:solidFill>
+              <a:effectLst/>
+              <a:uLnTx/>
+              <a:uFillTx/>
+              <a:latin typeface="+mn-lt"/>
+              <a:ea typeface="+mn-ea"/>
+              <a:cs typeface="+mn-cs"/>
+            </a:endParaRPr>
+          </a:p>
+        </p:txBody>
+      </p:sp>
+      <p:sp>
+        <p:nvSpPr>
+          <p:cNvPr id="7170" name="文本框 156"/>
+          <p:cNvSpPr txBox="1"/>
+          <p:nvPr/>
+        </p:nvSpPr>
+        <p:spPr>
+          <a:xfrm>
+            <a:off x="0" y="350838"/>
+            <a:ext cx="814388" cy="521970"/>
+          </a:xfrm>
+          <a:prstGeom prst="rect">
+            <a:avLst/>
+          </a:prstGeom>
+          <a:noFill/>
+          <a:ln w="9525">
+            <a:noFill/>
+          </a:ln>
+        </p:spPr>
+        <p:txBody>
+          <a:bodyPr anchor="t" anchorCtr="0">
+            <a:spAutoFit/>
+          </a:bodyPr>
+          <a:p>
+            <a:pPr>
+              <a:buFont typeface="Arial" panose="020B0604020202020204" pitchFamily="34" charset="0"/>
+            </a:pPr>
+            <a:r>
+              <a:rPr lang="en-US" altLang="zh-CN" sz="2800" b="1" dirty="0">
+                <a:solidFill>
+                  <a:schemeClr val="bg1"/>
+                </a:solidFill>
+                <a:latin typeface="Microsoft YaHei" panose="020B0503020204020204" pitchFamily="34" charset="-122"/>
+                <a:ea typeface="Microsoft YaHei" panose="020B0503020204020204" pitchFamily="34" charset="-122"/>
+              </a:rPr>
+              <a:t>1.1</a:t>
+            </a:r>
+            <a:endParaRPr lang="en-US" altLang="zh-CN" sz="2800" b="1" dirty="0">
+              <a:solidFill>
+                <a:schemeClr val="bg1"/>
+              </a:solidFill>
+              <a:latin typeface="Microsoft YaHei" panose="020B0503020204020204" pitchFamily="34" charset="-122"/>
+              <a:ea typeface="Microsoft YaHei" panose="020B0503020204020204" pitchFamily="34" charset="-122"/>
+            </a:endParaRPr>
+          </a:p>
+        </p:txBody>
+      </p:sp>
+      <p:sp>
+        <p:nvSpPr>
+          <p:cNvPr id="16" name="Rectangle 6"/>
+          <p:cNvSpPr>
+            <a:spLocks noChangeArrowheads="1"/>
+          </p:cNvSpPr>
+          <p:nvPr/>
+        </p:nvSpPr>
+        <p:spPr bwMode="black">
+          <a:xfrm>
+            <a:off x="1021080" y="351155"/>
+            <a:ext cx="6515735" cy="521970"/>
+          </a:xfrm>
+          <a:prstGeom prst="rect">
+            <a:avLst/>
+          </a:prstGeom>
+          <a:noFill/>
+          <a:ln>
+            <a:noFill/>
+          </a:ln>
+          <a:effectLst/>
+          <a:extLst>
+            <a:ext uri="{909E8E84-426E-40DD-AFC4-6F175D3DCCD1}">
+              <a14:hiddenFill xmlns:a14="http://schemas.microsoft.com/office/drawing/2010/main">
+                <a:solidFill>
+                  <a:schemeClr val="accent1"/>
+                </a:solidFill>
+              </a14:hiddenFill>
+            </a:ext>
+            <a:ext uri="{91240B29-F687-4F45-9708-019B960494DF}">
+              <a14:hiddenLine xmlns:a14="http://schemas.microsoft.com/office/drawing/2010/main" w="9525">
+                <a:solidFill>
+                  <a:schemeClr val="tx1"/>
+                </a:solidFill>
+                <a:miter lim="800000"/>
+                <a:headEnd/>
+                <a:tailEnd/>
+              </a14:hiddenLine>
+            </a:ext>
+            <a:ext uri="{AF507438-7753-43E0-B8FC-AC1667EBCBE1}">
+              <a14:hiddenEffects xmlns:a14="http://schemas.microsoft.com/office/drawing/2010/main">
+                <a:effectLst>
+                  <a:outerShdw dist="35921" dir="2700000" algn="ctr" rotWithShape="0">
+                    <a:schemeClr val="bg2"/>
+                  </a:outerShdw>
+                </a:effectLst>
+              </a14:hiddenEffects>
+            </a:ext>
+          </a:extLst>
+        </p:spPr>
+        <p:txBody>
+          <a:bodyPr wrap="square">
+            <a:spAutoFit/>
+          </a:bodyPr>
+          <a:lstStyle/>
+          <a:p>
+            <a:pPr marL="0" marR="0" lvl="0" indent="0" algn="l" defTabSz="914400" rtl="0" eaLnBrk="0" fontAlgn="auto" latinLnBrk="0" hangingPunct="0">
+              <a:lnSpc>
+                <a:spcPct val="100000"/>
+              </a:lnSpc>
+              <a:spcBef>
+                <a:spcPts val="0"/>
+              </a:spcBef>
+              <a:spcAft>
+                <a:spcPts val="0"/>
+              </a:spcAft>
+              <a:buClrTx/>
+              <a:buSzTx/>
+              <a:buFontTx/>
+              <a:buNone/>
+              <a:defRPr/>
+            </a:pPr>
+            <a:r>
+              <a:rPr kumimoji="0" lang="en-US" altLang="zh-CN" sz="2800" b="1" i="0" u="none" strike="noStrike" kern="1200" cap="none" spc="0" normalizeH="0" baseline="0" noProof="0" dirty="0">
+                <a:ln>
+                  <a:noFill/>
+                </a:ln>
+                <a:solidFill>
+                  <a:schemeClr val="tx1">
+                    <a:lumMod val="85000"/>
+                    <a:lumOff val="15000"/>
+                  </a:schemeClr>
+                </a:solidFill>
+                <a:effectLst/>
+                <a:uLnTx/>
+                <a:uFillTx/>
+                <a:latin typeface="Microsoft YaHei" panose="020B0503020204020204" pitchFamily="34" charset="-122"/>
+                <a:ea typeface="Microsoft YaHei" panose="020B0503020204020204" pitchFamily="34" charset="-122"/>
+                <a:cs typeface="+mn-cs"/>
+                <a:sym typeface="+mn-ea"/>
+              </a:rPr>
+              <a:t>Definitions</a:t>
+            </a:r>
+            <a:endParaRPr kumimoji="0" lang="en-US" altLang="zh-CN" sz="2800" b="1" i="0" u="none" strike="noStrike" kern="1200" cap="none" spc="0" normalizeH="0" baseline="0" noProof="0" dirty="0">
+              <a:ln>
+                <a:noFill/>
+              </a:ln>
+              <a:solidFill>
+                <a:schemeClr val="tx1">
+                  <a:lumMod val="85000"/>
+                  <a:lumOff val="15000"/>
+                </a:schemeClr>
+              </a:solidFill>
+              <a:effectLst/>
+              <a:uLnTx/>
+              <a:uFillTx/>
+              <a:latin typeface="Microsoft YaHei" panose="020B0503020204020204" pitchFamily="34" charset="-122"/>
+              <a:ea typeface="Microsoft YaHei" panose="020B0503020204020204" pitchFamily="34" charset="-122"/>
+              <a:cs typeface="+mn-cs"/>
+              <a:sym typeface="+mn-ea"/>
+            </a:endParaRPr>
+          </a:p>
+        </p:txBody>
+      </p:sp>
+      <p:pic>
+        <p:nvPicPr>
+          <p:cNvPr id="3" name="Content Placeholder 2"/>
+          <p:cNvPicPr>
+            <a:picLocks noChangeAspect="1"/>
+          </p:cNvPicPr>
+          <p:nvPr>
+            <p:ph idx="1"/>
+          </p:nvPr>
+        </p:nvPicPr>
+        <p:blipFill>
+          <a:blip r:embed="rId1"/>
+          <a:stretch>
+            <a:fillRect/>
+          </a:stretch>
+        </p:blipFill>
+        <p:spPr>
+          <a:xfrm>
+            <a:off x="306070" y="3261360"/>
+            <a:ext cx="6229350" cy="3095625"/>
+          </a:xfrm>
+          <a:prstGeom prst="rect">
+            <a:avLst/>
+          </a:prstGeom>
+        </p:spPr>
+      </p:pic>
+      <p:pic>
+        <p:nvPicPr>
+          <p:cNvPr id="4" name="Picture 3"/>
+          <p:cNvPicPr>
+            <a:picLocks noChangeAspect="1"/>
+          </p:cNvPicPr>
+          <p:nvPr/>
+        </p:nvPicPr>
+        <p:blipFill>
+          <a:blip r:embed="rId2"/>
+          <a:stretch>
+            <a:fillRect/>
+          </a:stretch>
+        </p:blipFill>
+        <p:spPr>
+          <a:xfrm>
+            <a:off x="6892925" y="3318510"/>
+            <a:ext cx="5038725" cy="3038475"/>
+          </a:xfrm>
+          <a:prstGeom prst="rect">
+            <a:avLst/>
+          </a:prstGeom>
+        </p:spPr>
+      </p:pic>
+      <p:sp>
+        <p:nvSpPr>
+          <p:cNvPr id="5" name="Text Box 4"/>
+          <p:cNvSpPr txBox="1"/>
+          <p:nvPr/>
+        </p:nvSpPr>
+        <p:spPr>
+          <a:xfrm>
+            <a:off x="704215" y="1467485"/>
+            <a:ext cx="8951595" cy="368300"/>
+          </a:xfrm>
+          <a:prstGeom prst="rect">
+            <a:avLst/>
+          </a:prstGeom>
+          <a:noFill/>
+        </p:spPr>
+        <p:txBody>
+          <a:bodyPr wrap="square" rtlCol="0" anchor="t">
+            <a:spAutoFit/>
+          </a:bodyPr>
+          <a:p>
+            <a:r>
+              <a:rPr lang="en-US" b="1"/>
+              <a:t>Depth</a:t>
+            </a:r>
+            <a:r>
+              <a:rPr lang="en-US"/>
+              <a:t>: the depth of a node is the number of edges on the path from the root to that node.</a:t>
+            </a:r>
+            <a:endParaRPr lang="en-US"/>
+          </a:p>
+        </p:txBody>
+      </p:sp>
+    </p:spTree>
+  </p:cSld>
+  <p:clrMapOvr>
+    <a:masterClrMapping/>
+  </p:clrMapOvr>
+  <p:transition spd="slow">
+    <p:wipe/>
+  </p:transition>
+</p:sld>
+</file>
+
+<file path=ppt/slides/slide18.xml><?xml version="1.0" encoding="utf-8"?>
+<p:sld xmlns:a="http://schemas.openxmlformats.org/drawingml/2006/main" xmlns:r="http://schemas.openxmlformats.org/officeDocument/2006/relationships" xmlns:p="http://schemas.openxmlformats.org/presentationml/2006/main">
+  <p:cSld>
+    <p:spTree>
+      <p:nvGrpSpPr>
+        <p:cNvPr id="1" name=""/>
+        <p:cNvGrpSpPr/>
+        <p:nvPr/>
+      </p:nvGrpSpPr>
+      <p:grpSpPr/>
+      <p:sp>
+        <p:nvSpPr>
+          <p:cNvPr id="15" name="任意多边形 14"/>
+          <p:cNvSpPr/>
+          <p:nvPr/>
+        </p:nvSpPr>
+        <p:spPr>
+          <a:xfrm>
+            <a:off x="0" y="274638"/>
+            <a:ext cx="890588" cy="639763"/>
+          </a:xfrm>
+          <a:custGeom>
+            <a:avLst/>
+            <a:gdLst>
+              <a:gd name="connsiteX0" fmla="*/ 0 w 1029743"/>
+              <a:gd name="connsiteY0" fmla="*/ 0 h 739718"/>
+              <a:gd name="connsiteX1" fmla="*/ 659884 w 1029743"/>
+              <a:gd name="connsiteY1" fmla="*/ 0 h 739718"/>
+              <a:gd name="connsiteX2" fmla="*/ 1029743 w 1029743"/>
+              <a:gd name="connsiteY2" fmla="*/ 369859 h 739718"/>
+              <a:gd name="connsiteX3" fmla="*/ 659884 w 1029743"/>
+              <a:gd name="connsiteY3" fmla="*/ 739718 h 739718"/>
+              <a:gd name="connsiteX4" fmla="*/ 0 w 1029743"/>
+              <a:gd name="connsiteY4" fmla="*/ 739718 h 739718"/>
+            </a:gdLst>
+            <a:ahLst/>
+            <a:cxnLst>
+              <a:cxn ang="0">
+                <a:pos x="connsiteX0" y="connsiteY0"/>
+              </a:cxn>
+              <a:cxn ang="0">
+                <a:pos x="connsiteX1" y="connsiteY1"/>
+              </a:cxn>
+              <a:cxn ang="0">
+                <a:pos x="connsiteX2" y="connsiteY2"/>
+              </a:cxn>
+              <a:cxn ang="0">
+                <a:pos x="connsiteX3" y="connsiteY3"/>
+              </a:cxn>
+              <a:cxn ang="0">
+                <a:pos x="connsiteX4" y="connsiteY4"/>
+              </a:cxn>
+            </a:cxnLst>
+            <a:rect l="l" t="t" r="r" b="b"/>
+            <a:pathLst>
+              <a:path w="1029743" h="739718">
+                <a:moveTo>
+                  <a:pt x="0" y="0"/>
+                </a:moveTo>
+                <a:lnTo>
+                  <a:pt x="659884" y="0"/>
+                </a:lnTo>
+                <a:cubicBezTo>
+                  <a:pt x="864151" y="0"/>
+                  <a:pt x="1029743" y="165592"/>
+                  <a:pt x="1029743" y="369859"/>
+                </a:cubicBezTo>
+                <a:cubicBezTo>
+                  <a:pt x="1029743" y="574126"/>
+                  <a:pt x="864151" y="739718"/>
+                  <a:pt x="659884" y="739718"/>
+                </a:cubicBezTo>
+                <a:lnTo>
+                  <a:pt x="0" y="739718"/>
+                </a:lnTo>
+                <a:close/>
+              </a:path>
+            </a:pathLst>
+          </a:custGeom>
+          <a:solidFill>
+            <a:srgbClr val="05B780"/>
+          </a:solidFill>
+          <a:ln>
+            <a:noFill/>
+          </a:ln>
+        </p:spPr>
+        <p:style>
+          <a:lnRef idx="2">
+            <a:schemeClr val="accent1">
+              <a:shade val="50000"/>
+            </a:schemeClr>
+          </a:lnRef>
+          <a:fillRef idx="1">
+            <a:schemeClr val="accent1"/>
+          </a:fillRef>
+          <a:effectRef idx="0">
+            <a:schemeClr val="accent1"/>
+          </a:effectRef>
+          <a:fontRef idx="minor">
+            <a:schemeClr val="lt1"/>
+          </a:fontRef>
+        </p:style>
+        <p:txBody>
+          <a:bodyPr anchor="ctr"/>
+          <a:lstStyle/>
+          <a:p>
+            <a:pPr marL="0" marR="0" lvl="0" indent="0" algn="ctr" defTabSz="914400" rtl="0" eaLnBrk="1" fontAlgn="auto" latinLnBrk="0" hangingPunct="1">
+              <a:lnSpc>
+                <a:spcPct val="100000"/>
+              </a:lnSpc>
+              <a:spcBef>
+                <a:spcPts val="0"/>
+              </a:spcBef>
+              <a:spcAft>
+                <a:spcPts val="0"/>
+              </a:spcAft>
+              <a:buClrTx/>
+              <a:buSzTx/>
+              <a:buFontTx/>
+              <a:buNone/>
+              <a:defRPr/>
+            </a:pPr>
+            <a:endParaRPr kumimoji="0" lang="zh-CN" altLang="en-US" sz="1800" b="0" i="0" u="none" strike="noStrike" kern="1200" cap="none" spc="0" normalizeH="0" baseline="0" noProof="0">
+              <a:ln>
+                <a:noFill/>
+              </a:ln>
+              <a:solidFill>
+                <a:schemeClr val="bg1"/>
+              </a:solidFill>
+              <a:effectLst/>
+              <a:uLnTx/>
+              <a:uFillTx/>
+              <a:latin typeface="+mn-lt"/>
+              <a:ea typeface="+mn-ea"/>
+              <a:cs typeface="+mn-cs"/>
+            </a:endParaRPr>
+          </a:p>
+        </p:txBody>
+      </p:sp>
+      <p:sp>
+        <p:nvSpPr>
+          <p:cNvPr id="7170" name="文本框 156"/>
+          <p:cNvSpPr txBox="1"/>
+          <p:nvPr/>
+        </p:nvSpPr>
+        <p:spPr>
+          <a:xfrm>
+            <a:off x="0" y="350838"/>
+            <a:ext cx="814388" cy="521970"/>
+          </a:xfrm>
+          <a:prstGeom prst="rect">
+            <a:avLst/>
+          </a:prstGeom>
+          <a:noFill/>
+          <a:ln w="9525">
+            <a:noFill/>
+          </a:ln>
+        </p:spPr>
+        <p:txBody>
+          <a:bodyPr anchor="t" anchorCtr="0">
+            <a:spAutoFit/>
+          </a:bodyPr>
+          <a:p>
+            <a:pPr>
+              <a:buFont typeface="Arial" panose="020B0604020202020204" pitchFamily="34" charset="0"/>
+            </a:pPr>
+            <a:r>
+              <a:rPr lang="en-US" altLang="zh-CN" sz="2800" b="1" dirty="0">
+                <a:solidFill>
+                  <a:schemeClr val="bg1"/>
+                </a:solidFill>
+                <a:latin typeface="Microsoft YaHei" panose="020B0503020204020204" pitchFamily="34" charset="-122"/>
+                <a:ea typeface="Microsoft YaHei" panose="020B0503020204020204" pitchFamily="34" charset="-122"/>
+              </a:rPr>
+              <a:t>1.1</a:t>
+            </a:r>
+            <a:endParaRPr lang="en-US" altLang="zh-CN" sz="2800" b="1" dirty="0">
+              <a:solidFill>
+                <a:schemeClr val="bg1"/>
+              </a:solidFill>
+              <a:latin typeface="Microsoft YaHei" panose="020B0503020204020204" pitchFamily="34" charset="-122"/>
+              <a:ea typeface="Microsoft YaHei" panose="020B0503020204020204" pitchFamily="34" charset="-122"/>
+            </a:endParaRPr>
+          </a:p>
+        </p:txBody>
+      </p:sp>
+      <p:sp>
+        <p:nvSpPr>
+          <p:cNvPr id="16" name="Rectangle 6"/>
+          <p:cNvSpPr>
+            <a:spLocks noChangeArrowheads="1"/>
+          </p:cNvSpPr>
+          <p:nvPr/>
+        </p:nvSpPr>
+        <p:spPr bwMode="black">
+          <a:xfrm>
+            <a:off x="1021080" y="351155"/>
+            <a:ext cx="6515735" cy="521970"/>
+          </a:xfrm>
+          <a:prstGeom prst="rect">
+            <a:avLst/>
+          </a:prstGeom>
+          <a:noFill/>
+          <a:ln>
+            <a:noFill/>
+          </a:ln>
+          <a:effectLst/>
+          <a:extLst>
+            <a:ext uri="{909E8E84-426E-40DD-AFC4-6F175D3DCCD1}">
+              <a14:hiddenFill xmlns:a14="http://schemas.microsoft.com/office/drawing/2010/main">
+                <a:solidFill>
+                  <a:schemeClr val="accent1"/>
+                </a:solidFill>
+              </a14:hiddenFill>
+            </a:ext>
+            <a:ext uri="{91240B29-F687-4F45-9708-019B960494DF}">
+              <a14:hiddenLine xmlns:a14="http://schemas.microsoft.com/office/drawing/2010/main" w="9525">
+                <a:solidFill>
+                  <a:schemeClr val="tx1"/>
+                </a:solidFill>
+                <a:miter lim="800000"/>
+                <a:headEnd/>
+                <a:tailEnd/>
+              </a14:hiddenLine>
+            </a:ext>
+            <a:ext uri="{AF507438-7753-43E0-B8FC-AC1667EBCBE1}">
+              <a14:hiddenEffects xmlns:a14="http://schemas.microsoft.com/office/drawing/2010/main">
+                <a:effectLst>
+                  <a:outerShdw dist="35921" dir="2700000" algn="ctr" rotWithShape="0">
+                    <a:schemeClr val="bg2"/>
+                  </a:outerShdw>
+                </a:effectLst>
+              </a14:hiddenEffects>
+            </a:ext>
+          </a:extLst>
+        </p:spPr>
+        <p:txBody>
+          <a:bodyPr wrap="square">
+            <a:spAutoFit/>
+          </a:bodyPr>
+          <a:lstStyle/>
+          <a:p>
+            <a:pPr marL="0" marR="0" lvl="0" indent="0" algn="l" defTabSz="914400" rtl="0" eaLnBrk="0" fontAlgn="auto" latinLnBrk="0" hangingPunct="0">
+              <a:lnSpc>
+                <a:spcPct val="100000"/>
+              </a:lnSpc>
+              <a:spcBef>
+                <a:spcPts val="0"/>
+              </a:spcBef>
+              <a:spcAft>
+                <a:spcPts val="0"/>
+              </a:spcAft>
+              <a:buClrTx/>
+              <a:buSzTx/>
+              <a:buFontTx/>
+              <a:buNone/>
+              <a:defRPr/>
+            </a:pPr>
+            <a:r>
+              <a:rPr kumimoji="0" lang="en-US" altLang="zh-CN" sz="2800" b="1" i="0" u="none" strike="noStrike" kern="1200" cap="none" spc="0" normalizeH="0" baseline="0" noProof="0" dirty="0">
+                <a:ln>
+                  <a:noFill/>
+                </a:ln>
+                <a:solidFill>
+                  <a:schemeClr val="tx1">
+                    <a:lumMod val="85000"/>
+                    <a:lumOff val="15000"/>
+                  </a:schemeClr>
+                </a:solidFill>
+                <a:effectLst/>
+                <a:uLnTx/>
+                <a:uFillTx/>
+                <a:latin typeface="Microsoft YaHei" panose="020B0503020204020204" pitchFamily="34" charset="-122"/>
+                <a:ea typeface="Microsoft YaHei" panose="020B0503020204020204" pitchFamily="34" charset="-122"/>
+                <a:cs typeface="+mn-cs"/>
+                <a:sym typeface="+mn-ea"/>
+              </a:rPr>
+              <a:t>Balanced Binary Trees</a:t>
+            </a:r>
+            <a:endParaRPr kumimoji="0" lang="en-US" altLang="zh-CN" sz="2800" b="1" i="0" u="none" strike="noStrike" kern="1200" cap="none" spc="0" normalizeH="0" baseline="0" noProof="0" dirty="0">
+              <a:ln>
+                <a:noFill/>
+              </a:ln>
+              <a:solidFill>
+                <a:schemeClr val="tx1">
+                  <a:lumMod val="85000"/>
+                  <a:lumOff val="15000"/>
+                </a:schemeClr>
+              </a:solidFill>
+              <a:effectLst/>
+              <a:uLnTx/>
+              <a:uFillTx/>
+              <a:latin typeface="Microsoft YaHei" panose="020B0503020204020204" pitchFamily="34" charset="-122"/>
+              <a:ea typeface="Microsoft YaHei" panose="020B0503020204020204" pitchFamily="34" charset="-122"/>
+              <a:cs typeface="+mn-cs"/>
+              <a:sym typeface="+mn-ea"/>
+            </a:endParaRPr>
+          </a:p>
+        </p:txBody>
+      </p:sp>
+      <p:sp>
+        <p:nvSpPr>
+          <p:cNvPr id="2" name="Content Placeholder 1"/>
+          <p:cNvSpPr/>
+          <p:nvPr>
+            <p:ph idx="1"/>
+          </p:nvPr>
+        </p:nvSpPr>
+        <p:spPr>
+          <a:xfrm>
+            <a:off x="814705" y="1061085"/>
+            <a:ext cx="10515600" cy="4351338"/>
+          </a:xfrm>
+        </p:spPr>
+        <p:txBody>
+          <a:bodyPr/>
+          <a:p>
+            <a:r>
+              <a:rPr lang="en-US"/>
+              <a:t>Every node in a balanced binary tree fullfills the condition</a:t>
+            </a:r>
+            <a:endParaRPr lang="en-US"/>
+          </a:p>
+          <a:p>
+            <a:pPr lvl="1"/>
+            <a:r>
+              <a:rPr lang="en-US"/>
+              <a:t>the height difference of the left and right subtree of the node is not more than 1. Searching, insertion, and deletion in a balanced binary tree takes O(log n) instead of O(n) in an unbalanced binary tree. This is an example of a balanced binary tree:</a:t>
+            </a:r>
+            <a:endParaRPr lang="en-US"/>
+          </a:p>
+        </p:txBody>
+      </p:sp>
+      <p:pic>
+        <p:nvPicPr>
+          <p:cNvPr id="6" name="Picture 5"/>
+          <p:cNvPicPr>
+            <a:picLocks noChangeAspect="1"/>
+          </p:cNvPicPr>
+          <p:nvPr/>
+        </p:nvPicPr>
+        <p:blipFill>
+          <a:blip r:embed="rId1"/>
+          <a:stretch>
+            <a:fillRect/>
+          </a:stretch>
+        </p:blipFill>
+        <p:spPr>
+          <a:xfrm>
+            <a:off x="5167630" y="2607945"/>
+            <a:ext cx="3524250" cy="4114800"/>
+          </a:xfrm>
+          <a:prstGeom prst="rect">
+            <a:avLst/>
+          </a:prstGeom>
+        </p:spPr>
+      </p:pic>
+    </p:spTree>
+  </p:cSld>
+  <p:clrMapOvr>
+    <a:masterClrMapping/>
+  </p:clrMapOvr>
+  <p:transition spd="slow">
+    <p:wipe/>
+  </p:transition>
+</p:sld>
+</file>
+
+<file path=ppt/slides/slide19.xml><?xml version="1.0" encoding="utf-8"?>
+<p:sld xmlns:a="http://schemas.openxmlformats.org/drawingml/2006/main" xmlns:r="http://schemas.openxmlformats.org/officeDocument/2006/relationships" xmlns:p="http://schemas.openxmlformats.org/presentationml/2006/main">
+  <p:cSld>
+    <p:spTree>
+      <p:nvGrpSpPr>
+        <p:cNvPr id="1" name=""/>
+        <p:cNvGrpSpPr/>
+        <p:nvPr/>
+      </p:nvGrpSpPr>
+      <p:grpSpPr/>
+      <p:sp>
+        <p:nvSpPr>
+          <p:cNvPr id="15" name="任意多边形 14"/>
+          <p:cNvSpPr/>
+          <p:nvPr/>
+        </p:nvSpPr>
+        <p:spPr>
+          <a:xfrm>
+            <a:off x="0" y="274638"/>
+            <a:ext cx="890588" cy="639763"/>
+          </a:xfrm>
+          <a:custGeom>
+            <a:avLst/>
+            <a:gdLst>
+              <a:gd name="connsiteX0" fmla="*/ 0 w 1029743"/>
+              <a:gd name="connsiteY0" fmla="*/ 0 h 739718"/>
+              <a:gd name="connsiteX1" fmla="*/ 659884 w 1029743"/>
+              <a:gd name="connsiteY1" fmla="*/ 0 h 739718"/>
+              <a:gd name="connsiteX2" fmla="*/ 1029743 w 1029743"/>
+              <a:gd name="connsiteY2" fmla="*/ 369859 h 739718"/>
+              <a:gd name="connsiteX3" fmla="*/ 659884 w 1029743"/>
+              <a:gd name="connsiteY3" fmla="*/ 739718 h 739718"/>
+              <a:gd name="connsiteX4" fmla="*/ 0 w 1029743"/>
+              <a:gd name="connsiteY4" fmla="*/ 739718 h 739718"/>
+            </a:gdLst>
+            <a:ahLst/>
+            <a:cxnLst>
+              <a:cxn ang="0">
+                <a:pos x="connsiteX0" y="connsiteY0"/>
+              </a:cxn>
+              <a:cxn ang="0">
+                <a:pos x="connsiteX1" y="connsiteY1"/>
+              </a:cxn>
+              <a:cxn ang="0">
+                <a:pos x="connsiteX2" y="connsiteY2"/>
+              </a:cxn>
+              <a:cxn ang="0">
+                <a:pos x="connsiteX3" y="connsiteY3"/>
+              </a:cxn>
+              <a:cxn ang="0">
+                <a:pos x="connsiteX4" y="connsiteY4"/>
+              </a:cxn>
+            </a:cxnLst>
+            <a:rect l="l" t="t" r="r" b="b"/>
+            <a:pathLst>
+              <a:path w="1029743" h="739718">
+                <a:moveTo>
+                  <a:pt x="0" y="0"/>
+                </a:moveTo>
+                <a:lnTo>
+                  <a:pt x="659884" y="0"/>
+                </a:lnTo>
+                <a:cubicBezTo>
+                  <a:pt x="864151" y="0"/>
+                  <a:pt x="1029743" y="165592"/>
+                  <a:pt x="1029743" y="369859"/>
+                </a:cubicBezTo>
+                <a:cubicBezTo>
+                  <a:pt x="1029743" y="574126"/>
+                  <a:pt x="864151" y="739718"/>
+                  <a:pt x="659884" y="739718"/>
+                </a:cubicBezTo>
+                <a:lnTo>
+                  <a:pt x="0" y="739718"/>
+                </a:lnTo>
+                <a:close/>
+              </a:path>
+            </a:pathLst>
+          </a:custGeom>
+          <a:solidFill>
+            <a:srgbClr val="05B780"/>
+          </a:solidFill>
+          <a:ln>
+            <a:noFill/>
+          </a:ln>
+        </p:spPr>
+        <p:style>
+          <a:lnRef idx="2">
+            <a:schemeClr val="accent1">
+              <a:shade val="50000"/>
+            </a:schemeClr>
+          </a:lnRef>
+          <a:fillRef idx="1">
+            <a:schemeClr val="accent1"/>
+          </a:fillRef>
+          <a:effectRef idx="0">
+            <a:schemeClr val="accent1"/>
+          </a:effectRef>
+          <a:fontRef idx="minor">
+            <a:schemeClr val="lt1"/>
+          </a:fontRef>
+        </p:style>
+        <p:txBody>
+          <a:bodyPr anchor="ctr"/>
+          <a:lstStyle/>
+          <a:p>
+            <a:pPr marL="0" marR="0" lvl="0" indent="0" algn="ctr" defTabSz="914400" rtl="0" eaLnBrk="1" fontAlgn="auto" latinLnBrk="0" hangingPunct="1">
+              <a:lnSpc>
+                <a:spcPct val="100000"/>
+              </a:lnSpc>
+              <a:spcBef>
+                <a:spcPts val="0"/>
+              </a:spcBef>
+              <a:spcAft>
+                <a:spcPts val="0"/>
+              </a:spcAft>
+              <a:buClrTx/>
+              <a:buSzTx/>
+              <a:buFontTx/>
+              <a:buNone/>
+              <a:defRPr/>
+            </a:pPr>
+            <a:endParaRPr kumimoji="0" lang="zh-CN" altLang="en-US" sz="1800" b="0" i="0" u="none" strike="noStrike" kern="1200" cap="none" spc="0" normalizeH="0" baseline="0" noProof="0">
+              <a:ln>
+                <a:noFill/>
+              </a:ln>
+              <a:solidFill>
+                <a:schemeClr val="bg1"/>
+              </a:solidFill>
+              <a:effectLst/>
+              <a:uLnTx/>
+              <a:uFillTx/>
+              <a:latin typeface="+mn-lt"/>
+              <a:ea typeface="+mn-ea"/>
+              <a:cs typeface="+mn-cs"/>
+            </a:endParaRPr>
+          </a:p>
+        </p:txBody>
+      </p:sp>
+      <p:sp>
+        <p:nvSpPr>
+          <p:cNvPr id="7170" name="文本框 156"/>
+          <p:cNvSpPr txBox="1"/>
+          <p:nvPr/>
+        </p:nvSpPr>
+        <p:spPr>
+          <a:xfrm>
+            <a:off x="0" y="350838"/>
+            <a:ext cx="814388" cy="521970"/>
+          </a:xfrm>
+          <a:prstGeom prst="rect">
+            <a:avLst/>
+          </a:prstGeom>
+          <a:noFill/>
+          <a:ln w="9525">
+            <a:noFill/>
+          </a:ln>
+        </p:spPr>
+        <p:txBody>
+          <a:bodyPr anchor="t" anchorCtr="0">
+            <a:spAutoFit/>
+          </a:bodyPr>
+          <a:p>
+            <a:pPr>
+              <a:buFont typeface="Arial" panose="020B0604020202020204" pitchFamily="34" charset="0"/>
+            </a:pPr>
+            <a:r>
+              <a:rPr lang="en-US" altLang="zh-CN" sz="2800" b="1" dirty="0">
+                <a:solidFill>
+                  <a:schemeClr val="bg1"/>
+                </a:solidFill>
+                <a:latin typeface="Microsoft YaHei" panose="020B0503020204020204" pitchFamily="34" charset="-122"/>
+                <a:ea typeface="Microsoft YaHei" panose="020B0503020204020204" pitchFamily="34" charset="-122"/>
+              </a:rPr>
+              <a:t>1.1</a:t>
+            </a:r>
+            <a:endParaRPr lang="en-US" altLang="zh-CN" sz="2800" b="1" dirty="0">
+              <a:solidFill>
+                <a:schemeClr val="bg1"/>
+              </a:solidFill>
+              <a:latin typeface="Microsoft YaHei" panose="020B0503020204020204" pitchFamily="34" charset="-122"/>
+              <a:ea typeface="Microsoft YaHei" panose="020B0503020204020204" pitchFamily="34" charset="-122"/>
+            </a:endParaRPr>
+          </a:p>
+        </p:txBody>
+      </p:sp>
+      <p:sp>
+        <p:nvSpPr>
+          <p:cNvPr id="16" name="Rectangle 6"/>
+          <p:cNvSpPr>
+            <a:spLocks noChangeArrowheads="1"/>
+          </p:cNvSpPr>
+          <p:nvPr/>
+        </p:nvSpPr>
+        <p:spPr bwMode="black">
+          <a:xfrm>
+            <a:off x="1021080" y="351155"/>
+            <a:ext cx="6515735" cy="521970"/>
+          </a:xfrm>
+          <a:prstGeom prst="rect">
+            <a:avLst/>
+          </a:prstGeom>
+          <a:noFill/>
+          <a:ln>
+            <a:noFill/>
+          </a:ln>
+          <a:effectLst/>
+          <a:extLst>
+            <a:ext uri="{909E8E84-426E-40DD-AFC4-6F175D3DCCD1}">
+              <a14:hiddenFill xmlns:a14="http://schemas.microsoft.com/office/drawing/2010/main">
+                <a:solidFill>
+                  <a:schemeClr val="accent1"/>
+                </a:solidFill>
+              </a14:hiddenFill>
+            </a:ext>
+            <a:ext uri="{91240B29-F687-4F45-9708-019B960494DF}">
+              <a14:hiddenLine xmlns:a14="http://schemas.microsoft.com/office/drawing/2010/main" w="9525">
+                <a:solidFill>
+                  <a:schemeClr val="tx1"/>
+                </a:solidFill>
+                <a:miter lim="800000"/>
+                <a:headEnd/>
+                <a:tailEnd/>
+              </a14:hiddenLine>
+            </a:ext>
+            <a:ext uri="{AF507438-7753-43E0-B8FC-AC1667EBCBE1}">
+              <a14:hiddenEffects xmlns:a14="http://schemas.microsoft.com/office/drawing/2010/main">
+                <a:effectLst>
+                  <a:outerShdw dist="35921" dir="2700000" algn="ctr" rotWithShape="0">
+                    <a:schemeClr val="bg2"/>
+                  </a:outerShdw>
+                </a:effectLst>
+              </a14:hiddenEffects>
+            </a:ext>
+          </a:extLst>
+        </p:spPr>
+        <p:txBody>
+          <a:bodyPr wrap="square">
+            <a:spAutoFit/>
+          </a:bodyPr>
+          <a:lstStyle/>
+          <a:p>
+            <a:pPr marL="0" marR="0" lvl="0" indent="0" algn="l" defTabSz="914400" rtl="0" eaLnBrk="0" fontAlgn="auto" latinLnBrk="0" hangingPunct="0">
+              <a:lnSpc>
+                <a:spcPct val="100000"/>
+              </a:lnSpc>
+              <a:spcBef>
+                <a:spcPts val="0"/>
+              </a:spcBef>
+              <a:spcAft>
+                <a:spcPts val="0"/>
+              </a:spcAft>
+              <a:buClrTx/>
+              <a:buSzTx/>
+              <a:buFontTx/>
+              <a:buNone/>
+              <a:defRPr/>
+            </a:pPr>
+            <a:r>
+              <a:rPr kumimoji="0" lang="en-US" altLang="zh-CN" sz="2800" b="1" i="0" u="none" strike="noStrike" kern="1200" cap="none" spc="0" normalizeH="0" baseline="0" noProof="0" dirty="0">
+                <a:ln>
+                  <a:noFill/>
+                </a:ln>
+                <a:solidFill>
+                  <a:schemeClr val="tx1">
+                    <a:lumMod val="85000"/>
+                    <a:lumOff val="15000"/>
+                  </a:schemeClr>
+                </a:solidFill>
+                <a:effectLst/>
+                <a:uLnTx/>
+                <a:uFillTx/>
+                <a:latin typeface="Microsoft YaHei" panose="020B0503020204020204" pitchFamily="34" charset="-122"/>
+                <a:ea typeface="Microsoft YaHei" panose="020B0503020204020204" pitchFamily="34" charset="-122"/>
+                <a:cs typeface="+mn-cs"/>
+                <a:sym typeface="+mn-ea"/>
+              </a:rPr>
+              <a:t>Implementation of Binary Trees</a:t>
+            </a:r>
+            <a:endParaRPr kumimoji="0" lang="en-US" altLang="zh-CN" sz="2800" b="1" i="0" u="none" strike="noStrike" kern="1200" cap="none" spc="0" normalizeH="0" baseline="0" noProof="0" dirty="0">
+              <a:ln>
+                <a:noFill/>
+              </a:ln>
+              <a:solidFill>
+                <a:schemeClr val="tx1">
+                  <a:lumMod val="85000"/>
+                  <a:lumOff val="15000"/>
+                </a:schemeClr>
+              </a:solidFill>
+              <a:effectLst/>
+              <a:uLnTx/>
+              <a:uFillTx/>
+              <a:latin typeface="Microsoft YaHei" panose="020B0503020204020204" pitchFamily="34" charset="-122"/>
+              <a:ea typeface="Microsoft YaHei" panose="020B0503020204020204" pitchFamily="34" charset="-122"/>
+              <a:cs typeface="+mn-cs"/>
+              <a:sym typeface="+mn-ea"/>
+            </a:endParaRPr>
+          </a:p>
+        </p:txBody>
+      </p:sp>
+      <p:sp>
+        <p:nvSpPr>
+          <p:cNvPr id="3" name="Content Placeholder 2"/>
+          <p:cNvSpPr/>
+          <p:nvPr>
+            <p:ph idx="1"/>
+          </p:nvPr>
+        </p:nvSpPr>
+        <p:spPr/>
+        <p:txBody>
+          <a:bodyPr/>
+          <a:p>
+            <a:endParaRPr lang="en-US"/>
           </a:p>
         </p:txBody>
       </p:sp>
@@ -9494,8 +9941,8 @@
         </p:nvSpPr>
         <p:spPr>
           <a:xfrm>
-            <a:off x="2156778" y="3789998"/>
-            <a:ext cx="2497137" cy="460375"/>
+            <a:off x="2157095" y="3790315"/>
+            <a:ext cx="4546600" cy="460375"/>
           </a:xfrm>
           <a:prstGeom prst="rect">
             <a:avLst/>
@@ -9521,7 +9968,7 @@
                 <a:latin typeface="Microsoft YaHei" panose="020B0503020204020204" pitchFamily="34" charset="-122"/>
                 <a:ea typeface="Microsoft YaHei" panose="020B0503020204020204" pitchFamily="34" charset="-122"/>
               </a:rPr>
-              <a:t>Binary Tree</a:t>
+              <a:t>Binary/N-ary Tree</a:t>
             </a:r>
             <a:endParaRPr lang="en-US" altLang="zh-CN" sz="2400" b="1" dirty="0">
               <a:solidFill>
@@ -9780,7 +10227,7 @@
                 <a:latin typeface="Microsoft YaHei" panose="020B0503020204020204" pitchFamily="34" charset="-122"/>
                 <a:ea typeface="Microsoft YaHei" panose="020B0503020204020204" pitchFamily="34" charset="-122"/>
               </a:rPr>
-              <a:t>N-ary Tree</a:t>
+              <a:t>Tree Traversal</a:t>
             </a:r>
             <a:endParaRPr lang="en-US" altLang="zh-CN" sz="2400" b="1" dirty="0">
               <a:solidFill>
@@ -9930,6 +10377,4463 @@
           </p:txBody>
         </p:sp>
       </p:grpSp>
+    </p:spTree>
+  </p:cSld>
+  <p:clrMapOvr>
+    <a:masterClrMapping/>
+  </p:clrMapOvr>
+  <p:transition spd="slow">
+    <p:wipe/>
+  </p:transition>
+</p:sld>
+</file>
+
+<file path=ppt/slides/slide20.xml><?xml version="1.0" encoding="utf-8"?>
+<p:sld xmlns:a="http://schemas.openxmlformats.org/drawingml/2006/main" xmlns:r="http://schemas.openxmlformats.org/officeDocument/2006/relationships" xmlns:p="http://schemas.openxmlformats.org/presentationml/2006/main">
+  <p:cSld>
+    <p:spTree>
+      <p:nvGrpSpPr>
+        <p:cNvPr id="1" name=""/>
+        <p:cNvGrpSpPr/>
+        <p:nvPr/>
+      </p:nvGrpSpPr>
+      <p:grpSpPr/>
+      <p:sp>
+        <p:nvSpPr>
+          <p:cNvPr id="15" name="任意多边形 14"/>
+          <p:cNvSpPr/>
+          <p:nvPr/>
+        </p:nvSpPr>
+        <p:spPr>
+          <a:xfrm>
+            <a:off x="0" y="274638"/>
+            <a:ext cx="890588" cy="639763"/>
+          </a:xfrm>
+          <a:custGeom>
+            <a:avLst/>
+            <a:gdLst>
+              <a:gd name="connsiteX0" fmla="*/ 0 w 1029743"/>
+              <a:gd name="connsiteY0" fmla="*/ 0 h 739718"/>
+              <a:gd name="connsiteX1" fmla="*/ 659884 w 1029743"/>
+              <a:gd name="connsiteY1" fmla="*/ 0 h 739718"/>
+              <a:gd name="connsiteX2" fmla="*/ 1029743 w 1029743"/>
+              <a:gd name="connsiteY2" fmla="*/ 369859 h 739718"/>
+              <a:gd name="connsiteX3" fmla="*/ 659884 w 1029743"/>
+              <a:gd name="connsiteY3" fmla="*/ 739718 h 739718"/>
+              <a:gd name="connsiteX4" fmla="*/ 0 w 1029743"/>
+              <a:gd name="connsiteY4" fmla="*/ 739718 h 739718"/>
+            </a:gdLst>
+            <a:ahLst/>
+            <a:cxnLst>
+              <a:cxn ang="0">
+                <a:pos x="connsiteX0" y="connsiteY0"/>
+              </a:cxn>
+              <a:cxn ang="0">
+                <a:pos x="connsiteX1" y="connsiteY1"/>
+              </a:cxn>
+              <a:cxn ang="0">
+                <a:pos x="connsiteX2" y="connsiteY2"/>
+              </a:cxn>
+              <a:cxn ang="0">
+                <a:pos x="connsiteX3" y="connsiteY3"/>
+              </a:cxn>
+              <a:cxn ang="0">
+                <a:pos x="connsiteX4" y="connsiteY4"/>
+              </a:cxn>
+            </a:cxnLst>
+            <a:rect l="l" t="t" r="r" b="b"/>
+            <a:pathLst>
+              <a:path w="1029743" h="739718">
+                <a:moveTo>
+                  <a:pt x="0" y="0"/>
+                </a:moveTo>
+                <a:lnTo>
+                  <a:pt x="659884" y="0"/>
+                </a:lnTo>
+                <a:cubicBezTo>
+                  <a:pt x="864151" y="0"/>
+                  <a:pt x="1029743" y="165592"/>
+                  <a:pt x="1029743" y="369859"/>
+                </a:cubicBezTo>
+                <a:cubicBezTo>
+                  <a:pt x="1029743" y="574126"/>
+                  <a:pt x="864151" y="739718"/>
+                  <a:pt x="659884" y="739718"/>
+                </a:cubicBezTo>
+                <a:lnTo>
+                  <a:pt x="0" y="739718"/>
+                </a:lnTo>
+                <a:close/>
+              </a:path>
+            </a:pathLst>
+          </a:custGeom>
+          <a:solidFill>
+            <a:srgbClr val="05B780"/>
+          </a:solidFill>
+          <a:ln>
+            <a:noFill/>
+          </a:ln>
+        </p:spPr>
+        <p:style>
+          <a:lnRef idx="2">
+            <a:schemeClr val="accent1">
+              <a:shade val="50000"/>
+            </a:schemeClr>
+          </a:lnRef>
+          <a:fillRef idx="1">
+            <a:schemeClr val="accent1"/>
+          </a:fillRef>
+          <a:effectRef idx="0">
+            <a:schemeClr val="accent1"/>
+          </a:effectRef>
+          <a:fontRef idx="minor">
+            <a:schemeClr val="lt1"/>
+          </a:fontRef>
+        </p:style>
+        <p:txBody>
+          <a:bodyPr anchor="ctr"/>
+          <a:lstStyle/>
+          <a:p>
+            <a:pPr marL="0" marR="0" lvl="0" indent="0" algn="ctr" defTabSz="914400" rtl="0" eaLnBrk="1" fontAlgn="auto" latinLnBrk="0" hangingPunct="1">
+              <a:lnSpc>
+                <a:spcPct val="100000"/>
+              </a:lnSpc>
+              <a:spcBef>
+                <a:spcPts val="0"/>
+              </a:spcBef>
+              <a:spcAft>
+                <a:spcPts val="0"/>
+              </a:spcAft>
+              <a:buClrTx/>
+              <a:buSzTx/>
+              <a:buFontTx/>
+              <a:buNone/>
+              <a:defRPr/>
+            </a:pPr>
+            <a:endParaRPr kumimoji="0" lang="zh-CN" altLang="en-US" sz="1800" b="0" i="0" u="none" strike="noStrike" kern="1200" cap="none" spc="0" normalizeH="0" baseline="0" noProof="0">
+              <a:ln>
+                <a:noFill/>
+              </a:ln>
+              <a:solidFill>
+                <a:schemeClr val="bg1"/>
+              </a:solidFill>
+              <a:effectLst/>
+              <a:uLnTx/>
+              <a:uFillTx/>
+              <a:latin typeface="+mn-lt"/>
+              <a:ea typeface="+mn-ea"/>
+              <a:cs typeface="+mn-cs"/>
+            </a:endParaRPr>
+          </a:p>
+        </p:txBody>
+      </p:sp>
+      <p:sp>
+        <p:nvSpPr>
+          <p:cNvPr id="7170" name="文本框 156"/>
+          <p:cNvSpPr txBox="1"/>
+          <p:nvPr/>
+        </p:nvSpPr>
+        <p:spPr>
+          <a:xfrm>
+            <a:off x="0" y="350838"/>
+            <a:ext cx="814388" cy="521970"/>
+          </a:xfrm>
+          <a:prstGeom prst="rect">
+            <a:avLst/>
+          </a:prstGeom>
+          <a:noFill/>
+          <a:ln w="9525">
+            <a:noFill/>
+          </a:ln>
+        </p:spPr>
+        <p:txBody>
+          <a:bodyPr anchor="t" anchorCtr="0">
+            <a:spAutoFit/>
+          </a:bodyPr>
+          <a:p>
+            <a:pPr>
+              <a:buFont typeface="Arial" panose="020B0604020202020204" pitchFamily="34" charset="0"/>
+            </a:pPr>
+            <a:r>
+              <a:rPr lang="en-US" altLang="zh-CN" sz="2800" b="1" dirty="0">
+                <a:solidFill>
+                  <a:schemeClr val="bg1"/>
+                </a:solidFill>
+                <a:latin typeface="Microsoft YaHei" panose="020B0503020204020204" pitchFamily="34" charset="-122"/>
+                <a:ea typeface="Microsoft YaHei" panose="020B0503020204020204" pitchFamily="34" charset="-122"/>
+              </a:rPr>
+              <a:t>1.1</a:t>
+            </a:r>
+            <a:endParaRPr lang="en-US" altLang="zh-CN" sz="2800" b="1" dirty="0">
+              <a:solidFill>
+                <a:schemeClr val="bg1"/>
+              </a:solidFill>
+              <a:latin typeface="Microsoft YaHei" panose="020B0503020204020204" pitchFamily="34" charset="-122"/>
+              <a:ea typeface="Microsoft YaHei" panose="020B0503020204020204" pitchFamily="34" charset="-122"/>
+            </a:endParaRPr>
+          </a:p>
+        </p:txBody>
+      </p:sp>
+      <p:sp>
+        <p:nvSpPr>
+          <p:cNvPr id="16" name="Rectangle 6"/>
+          <p:cNvSpPr>
+            <a:spLocks noChangeArrowheads="1"/>
+          </p:cNvSpPr>
+          <p:nvPr/>
+        </p:nvSpPr>
+        <p:spPr bwMode="black">
+          <a:xfrm>
+            <a:off x="1021080" y="351155"/>
+            <a:ext cx="6515735" cy="521970"/>
+          </a:xfrm>
+          <a:prstGeom prst="rect">
+            <a:avLst/>
+          </a:prstGeom>
+          <a:noFill/>
+          <a:ln>
+            <a:noFill/>
+          </a:ln>
+          <a:effectLst/>
+          <a:extLst>
+            <a:ext uri="{909E8E84-426E-40DD-AFC4-6F175D3DCCD1}">
+              <a14:hiddenFill xmlns:a14="http://schemas.microsoft.com/office/drawing/2010/main">
+                <a:solidFill>
+                  <a:schemeClr val="accent1"/>
+                </a:solidFill>
+              </a14:hiddenFill>
+            </a:ext>
+            <a:ext uri="{91240B29-F687-4F45-9708-019B960494DF}">
+              <a14:hiddenLine xmlns:a14="http://schemas.microsoft.com/office/drawing/2010/main" w="9525">
+                <a:solidFill>
+                  <a:schemeClr val="tx1"/>
+                </a:solidFill>
+                <a:miter lim="800000"/>
+                <a:headEnd/>
+                <a:tailEnd/>
+              </a14:hiddenLine>
+            </a:ext>
+            <a:ext uri="{AF507438-7753-43E0-B8FC-AC1667EBCBE1}">
+              <a14:hiddenEffects xmlns:a14="http://schemas.microsoft.com/office/drawing/2010/main">
+                <a:effectLst>
+                  <a:outerShdw dist="35921" dir="2700000" algn="ctr" rotWithShape="0">
+                    <a:schemeClr val="bg2"/>
+                  </a:outerShdw>
+                </a:effectLst>
+              </a14:hiddenEffects>
+            </a:ext>
+          </a:extLst>
+        </p:spPr>
+        <p:txBody>
+          <a:bodyPr wrap="square">
+            <a:spAutoFit/>
+          </a:bodyPr>
+          <a:lstStyle/>
+          <a:p>
+            <a:pPr marL="0" marR="0" lvl="0" indent="0" algn="l" defTabSz="914400" rtl="0" eaLnBrk="0" fontAlgn="auto" latinLnBrk="0" hangingPunct="0">
+              <a:lnSpc>
+                <a:spcPct val="100000"/>
+              </a:lnSpc>
+              <a:spcBef>
+                <a:spcPts val="0"/>
+              </a:spcBef>
+              <a:spcAft>
+                <a:spcPts val="0"/>
+              </a:spcAft>
+              <a:buClrTx/>
+              <a:buSzTx/>
+              <a:buFontTx/>
+              <a:buNone/>
+              <a:defRPr/>
+            </a:pPr>
+            <a:r>
+              <a:rPr kumimoji="0" lang="en-US" altLang="zh-CN" sz="2800" b="1" i="0" u="none" strike="noStrike" kern="1200" cap="none" spc="0" normalizeH="0" baseline="0" noProof="0" dirty="0">
+                <a:ln>
+                  <a:noFill/>
+                </a:ln>
+                <a:solidFill>
+                  <a:schemeClr val="tx1">
+                    <a:lumMod val="85000"/>
+                    <a:lumOff val="15000"/>
+                  </a:schemeClr>
+                </a:solidFill>
+                <a:effectLst/>
+                <a:uLnTx/>
+                <a:uFillTx/>
+                <a:latin typeface="Microsoft YaHei" panose="020B0503020204020204" pitchFamily="34" charset="-122"/>
+                <a:ea typeface="Microsoft YaHei" panose="020B0503020204020204" pitchFamily="34" charset="-122"/>
+                <a:cs typeface="+mn-cs"/>
+                <a:sym typeface="+mn-ea"/>
+              </a:rPr>
+              <a:t>N-Ary Trees</a:t>
+            </a:r>
+            <a:endParaRPr kumimoji="0" lang="en-US" altLang="zh-CN" sz="2800" b="1" i="0" u="none" strike="noStrike" kern="1200" cap="none" spc="0" normalizeH="0" baseline="0" noProof="0" dirty="0">
+              <a:ln>
+                <a:noFill/>
+              </a:ln>
+              <a:solidFill>
+                <a:schemeClr val="tx1">
+                  <a:lumMod val="85000"/>
+                  <a:lumOff val="15000"/>
+                </a:schemeClr>
+              </a:solidFill>
+              <a:effectLst/>
+              <a:uLnTx/>
+              <a:uFillTx/>
+              <a:latin typeface="Microsoft YaHei" panose="020B0503020204020204" pitchFamily="34" charset="-122"/>
+              <a:ea typeface="Microsoft YaHei" panose="020B0503020204020204" pitchFamily="34" charset="-122"/>
+              <a:cs typeface="+mn-cs"/>
+              <a:sym typeface="+mn-ea"/>
+            </a:endParaRPr>
+          </a:p>
+        </p:txBody>
+      </p:sp>
+      <p:sp>
+        <p:nvSpPr>
+          <p:cNvPr id="3" name="Content Placeholder 2"/>
+          <p:cNvSpPr/>
+          <p:nvPr>
+            <p:ph idx="1"/>
+          </p:nvPr>
+        </p:nvSpPr>
+        <p:spPr/>
+        <p:txBody>
+          <a:bodyPr/>
+          <a:p>
+            <a:endParaRPr lang="en-US"/>
+          </a:p>
+        </p:txBody>
+      </p:sp>
+    </p:spTree>
+  </p:cSld>
+  <p:clrMapOvr>
+    <a:masterClrMapping/>
+  </p:clrMapOvr>
+  <p:transition spd="slow">
+    <p:wipe/>
+  </p:transition>
+</p:sld>
+</file>
+
+<file path=ppt/slides/slide21.xml><?xml version="1.0" encoding="utf-8"?>
+<p:sld xmlns:a="http://schemas.openxmlformats.org/drawingml/2006/main" xmlns:r="http://schemas.openxmlformats.org/officeDocument/2006/relationships" xmlns:p="http://schemas.openxmlformats.org/presentationml/2006/main">
+  <p:cSld>
+    <p:spTree>
+      <p:nvGrpSpPr>
+        <p:cNvPr id="1" name=""/>
+        <p:cNvGrpSpPr/>
+        <p:nvPr/>
+      </p:nvGrpSpPr>
+      <p:grpSpPr/>
+      <p:sp>
+        <p:nvSpPr>
+          <p:cNvPr id="46" name="任意多边形 45"/>
+          <p:cNvSpPr/>
+          <p:nvPr/>
+        </p:nvSpPr>
+        <p:spPr>
+          <a:xfrm>
+            <a:off x="0" y="260350"/>
+            <a:ext cx="3922395" cy="739775"/>
+          </a:xfrm>
+          <a:custGeom>
+            <a:avLst/>
+            <a:gdLst>
+              <a:gd name="connsiteX0" fmla="*/ 0 w 2091831"/>
+              <a:gd name="connsiteY0" fmla="*/ 0 h 739718"/>
+              <a:gd name="connsiteX1" fmla="*/ 1721972 w 2091831"/>
+              <a:gd name="connsiteY1" fmla="*/ 0 h 739718"/>
+              <a:gd name="connsiteX2" fmla="*/ 2091831 w 2091831"/>
+              <a:gd name="connsiteY2" fmla="*/ 369859 h 739718"/>
+              <a:gd name="connsiteX3" fmla="*/ 1721972 w 2091831"/>
+              <a:gd name="connsiteY3" fmla="*/ 739718 h 739718"/>
+              <a:gd name="connsiteX4" fmla="*/ 0 w 2091831"/>
+              <a:gd name="connsiteY4" fmla="*/ 739718 h 739718"/>
+            </a:gdLst>
+            <a:ahLst/>
+            <a:cxnLst>
+              <a:cxn ang="0">
+                <a:pos x="connsiteX0" y="connsiteY0"/>
+              </a:cxn>
+              <a:cxn ang="0">
+                <a:pos x="connsiteX1" y="connsiteY1"/>
+              </a:cxn>
+              <a:cxn ang="0">
+                <a:pos x="connsiteX2" y="connsiteY2"/>
+              </a:cxn>
+              <a:cxn ang="0">
+                <a:pos x="connsiteX3" y="connsiteY3"/>
+              </a:cxn>
+              <a:cxn ang="0">
+                <a:pos x="connsiteX4" y="connsiteY4"/>
+              </a:cxn>
+            </a:cxnLst>
+            <a:rect l="l" t="t" r="r" b="b"/>
+            <a:pathLst>
+              <a:path w="2091831" h="739718">
+                <a:moveTo>
+                  <a:pt x="0" y="0"/>
+                </a:moveTo>
+                <a:lnTo>
+                  <a:pt x="1721972" y="0"/>
+                </a:lnTo>
+                <a:cubicBezTo>
+                  <a:pt x="1926239" y="0"/>
+                  <a:pt x="2091831" y="165592"/>
+                  <a:pt x="2091831" y="369859"/>
+                </a:cubicBezTo>
+                <a:cubicBezTo>
+                  <a:pt x="2091831" y="574126"/>
+                  <a:pt x="1926239" y="739718"/>
+                  <a:pt x="1721972" y="739718"/>
+                </a:cubicBezTo>
+                <a:lnTo>
+                  <a:pt x="0" y="739718"/>
+                </a:lnTo>
+                <a:close/>
+              </a:path>
+            </a:pathLst>
+          </a:custGeom>
+          <a:solidFill>
+            <a:srgbClr val="05B780"/>
+          </a:solidFill>
+          <a:ln>
+            <a:noFill/>
+          </a:ln>
+        </p:spPr>
+        <p:style>
+          <a:lnRef idx="2">
+            <a:schemeClr val="accent1">
+              <a:shade val="50000"/>
+            </a:schemeClr>
+          </a:lnRef>
+          <a:fillRef idx="1">
+            <a:schemeClr val="accent1"/>
+          </a:fillRef>
+          <a:effectRef idx="0">
+            <a:schemeClr val="accent1"/>
+          </a:effectRef>
+          <a:fontRef idx="minor">
+            <a:schemeClr val="lt1"/>
+          </a:fontRef>
+        </p:style>
+        <p:txBody>
+          <a:bodyPr anchor="ctr"/>
+          <a:lstStyle/>
+          <a:p>
+            <a:pPr marL="0" marR="0" lvl="0" indent="0" algn="ctr" defTabSz="914400" rtl="0" eaLnBrk="1" fontAlgn="auto" latinLnBrk="0" hangingPunct="1">
+              <a:lnSpc>
+                <a:spcPct val="100000"/>
+              </a:lnSpc>
+              <a:spcBef>
+                <a:spcPts val="0"/>
+              </a:spcBef>
+              <a:spcAft>
+                <a:spcPts val="0"/>
+              </a:spcAft>
+              <a:buClrTx/>
+              <a:buSzTx/>
+              <a:buFontTx/>
+              <a:buNone/>
+              <a:defRPr/>
+            </a:pPr>
+            <a:endParaRPr kumimoji="0" lang="zh-CN" altLang="en-US" sz="1800" b="0" i="0" u="none" strike="noStrike" kern="1200" cap="none" spc="0" normalizeH="0" baseline="0" noProof="0">
+              <a:ln>
+                <a:noFill/>
+              </a:ln>
+              <a:solidFill>
+                <a:schemeClr val="lt1"/>
+              </a:solidFill>
+              <a:effectLst/>
+              <a:uLnTx/>
+              <a:uFillTx/>
+              <a:latin typeface="+mn-lt"/>
+              <a:ea typeface="+mn-ea"/>
+              <a:cs typeface="+mn-cs"/>
+            </a:endParaRPr>
+          </a:p>
+        </p:txBody>
+      </p:sp>
+      <p:sp>
+        <p:nvSpPr>
+          <p:cNvPr id="6146" name="文本框 101"/>
+          <p:cNvSpPr txBox="1"/>
+          <p:nvPr/>
+        </p:nvSpPr>
+        <p:spPr>
+          <a:xfrm>
+            <a:off x="0" y="338455"/>
+            <a:ext cx="3255645" cy="583565"/>
+          </a:xfrm>
+          <a:prstGeom prst="rect">
+            <a:avLst/>
+          </a:prstGeom>
+          <a:noFill/>
+          <a:ln w="9525">
+            <a:noFill/>
+          </a:ln>
+        </p:spPr>
+        <p:txBody>
+          <a:bodyPr wrap="square" anchor="t" anchorCtr="0">
+            <a:spAutoFit/>
+          </a:bodyPr>
+          <a:p>
+            <a:pPr>
+              <a:buFont typeface="Arial" panose="020B0604020202020204" pitchFamily="34" charset="0"/>
+            </a:pPr>
+            <a:r>
+              <a:rPr lang="en-US" altLang="zh-CN" sz="3200" b="1" dirty="0">
+                <a:solidFill>
+                  <a:schemeClr val="bg1"/>
+                </a:solidFill>
+                <a:latin typeface="Microsoft YaHei" panose="020B0503020204020204" pitchFamily="34" charset="-122"/>
+                <a:ea typeface="Microsoft YaHei" panose="020B0503020204020204" pitchFamily="34" charset="-122"/>
+                <a:sym typeface="+mn-ea"/>
+              </a:rPr>
+              <a:t>Data Structure</a:t>
+            </a:r>
+            <a:endParaRPr lang="en-US" altLang="zh-CN" sz="3200" b="1" dirty="0">
+              <a:solidFill>
+                <a:schemeClr val="bg1"/>
+              </a:solidFill>
+              <a:latin typeface="Microsoft YaHei" panose="020B0503020204020204" pitchFamily="34" charset="-122"/>
+              <a:ea typeface="Microsoft YaHei" panose="020B0503020204020204" pitchFamily="34" charset="-122"/>
+            </a:endParaRPr>
+          </a:p>
+        </p:txBody>
+      </p:sp>
+      <p:sp>
+        <p:nvSpPr>
+          <p:cNvPr id="15" name="矩形 14"/>
+          <p:cNvSpPr/>
+          <p:nvPr/>
+        </p:nvSpPr>
+        <p:spPr>
+          <a:xfrm>
+            <a:off x="3719513" y="2454275"/>
+            <a:ext cx="5913438" cy="973138"/>
+          </a:xfrm>
+          <a:prstGeom prst="rect">
+            <a:avLst/>
+          </a:prstGeom>
+          <a:noFill/>
+          <a:ln>
+            <a:solidFill>
+              <a:srgbClr val="05B780"/>
+            </a:solidFill>
+          </a:ln>
+        </p:spPr>
+        <p:style>
+          <a:lnRef idx="2">
+            <a:schemeClr val="accent1">
+              <a:shade val="50000"/>
+            </a:schemeClr>
+          </a:lnRef>
+          <a:fillRef idx="1">
+            <a:schemeClr val="accent1"/>
+          </a:fillRef>
+          <a:effectRef idx="0">
+            <a:schemeClr val="accent1"/>
+          </a:effectRef>
+          <a:fontRef idx="minor">
+            <a:schemeClr val="lt1"/>
+          </a:fontRef>
+        </p:style>
+        <p:txBody>
+          <a:bodyPr anchor="ctr"/>
+          <a:lstStyle/>
+          <a:p>
+            <a:pPr marL="0" marR="0" lvl="0" indent="0" algn="ctr" defTabSz="914400" rtl="0" eaLnBrk="1" fontAlgn="auto" latinLnBrk="0" hangingPunct="1">
+              <a:lnSpc>
+                <a:spcPct val="100000"/>
+              </a:lnSpc>
+              <a:spcBef>
+                <a:spcPts val="0"/>
+              </a:spcBef>
+              <a:spcAft>
+                <a:spcPts val="0"/>
+              </a:spcAft>
+              <a:buClrTx/>
+              <a:buSzTx/>
+              <a:buFontTx/>
+              <a:buNone/>
+              <a:defRPr/>
+            </a:pPr>
+            <a:endParaRPr kumimoji="0" lang="zh-CN" altLang="en-US" sz="4400" b="0" i="0" u="none" strike="noStrike" kern="1200" cap="none" spc="0" normalizeH="0" baseline="0" noProof="0">
+              <a:ln>
+                <a:noFill/>
+              </a:ln>
+              <a:solidFill>
+                <a:schemeClr val="lt1"/>
+              </a:solidFill>
+              <a:effectLst/>
+              <a:uLnTx/>
+              <a:uFillTx/>
+              <a:latin typeface="+mn-lt"/>
+              <a:ea typeface="+mn-ea"/>
+              <a:cs typeface="+mn-cs"/>
+            </a:endParaRPr>
+          </a:p>
+        </p:txBody>
+      </p:sp>
+      <p:sp>
+        <p:nvSpPr>
+          <p:cNvPr id="6153" name="文本框 15"/>
+          <p:cNvSpPr txBox="1"/>
+          <p:nvPr/>
+        </p:nvSpPr>
+        <p:spPr>
+          <a:xfrm>
+            <a:off x="4319588" y="2498725"/>
+            <a:ext cx="5067300" cy="583565"/>
+          </a:xfrm>
+          <a:prstGeom prst="rect">
+            <a:avLst/>
+          </a:prstGeom>
+          <a:noFill/>
+          <a:ln w="9525">
+            <a:noFill/>
+          </a:ln>
+        </p:spPr>
+        <p:txBody>
+          <a:bodyPr wrap="square" anchor="t" anchorCtr="0">
+            <a:spAutoFit/>
+          </a:bodyPr>
+          <a:p>
+            <a:pPr>
+              <a:buFont typeface="Arial" panose="020B0604020202020204" pitchFamily="34" charset="0"/>
+            </a:pPr>
+            <a:r>
+              <a:rPr lang="en-US" altLang="zh-CN" sz="3200" b="1" dirty="0">
+                <a:solidFill>
+                  <a:srgbClr val="05B780"/>
+                </a:solidFill>
+                <a:latin typeface="Microsoft YaHei" panose="020B0503020204020204" pitchFamily="34" charset="-122"/>
+                <a:ea typeface="Microsoft YaHei" panose="020B0503020204020204" pitchFamily="34" charset="-122"/>
+              </a:rPr>
+              <a:t>Tree Traversal</a:t>
+            </a:r>
+            <a:endParaRPr lang="en-US" altLang="zh-CN" sz="3200" b="1" dirty="0">
+              <a:solidFill>
+                <a:srgbClr val="05B780"/>
+              </a:solidFill>
+              <a:latin typeface="Microsoft YaHei" panose="020B0503020204020204" pitchFamily="34" charset="-122"/>
+              <a:ea typeface="Microsoft YaHei" panose="020B0503020204020204" pitchFamily="34" charset="-122"/>
+            </a:endParaRPr>
+          </a:p>
+        </p:txBody>
+      </p:sp>
+      <p:grpSp>
+        <p:nvGrpSpPr>
+          <p:cNvPr id="6154" name="组合 16"/>
+          <p:cNvGrpSpPr/>
+          <p:nvPr/>
+        </p:nvGrpSpPr>
+        <p:grpSpPr>
+          <a:xfrm>
+            <a:off x="2179628" y="2022465"/>
+            <a:ext cx="1742436" cy="1839913"/>
+            <a:chOff x="1473123" y="1521447"/>
+            <a:chExt cx="645926" cy="681967"/>
+          </a:xfrm>
+        </p:grpSpPr>
+        <p:sp>
+          <p:nvSpPr>
+            <p:cNvPr id="18" name="六边形 17"/>
+            <p:cNvSpPr/>
+            <p:nvPr/>
+          </p:nvSpPr>
+          <p:spPr>
+            <a:xfrm rot="5400000">
+              <a:off x="1426090" y="1568479"/>
+              <a:ext cx="681967" cy="587902"/>
+            </a:xfrm>
+            <a:prstGeom prst="hexagon">
+              <a:avLst>
+                <a:gd name="adj" fmla="val 27469"/>
+                <a:gd name="vf" fmla="val 115470"/>
+              </a:avLst>
+            </a:prstGeom>
+            <a:solidFill>
+              <a:srgbClr val="05B780"/>
+            </a:solidFill>
+            <a:ln>
+              <a:noFill/>
+            </a:ln>
+          </p:spPr>
+          <p:style>
+            <a:lnRef idx="2">
+              <a:schemeClr val="accent1">
+                <a:shade val="50000"/>
+              </a:schemeClr>
+            </a:lnRef>
+            <a:fillRef idx="1">
+              <a:schemeClr val="accent1"/>
+            </a:fillRef>
+            <a:effectRef idx="0">
+              <a:schemeClr val="accent1"/>
+            </a:effectRef>
+            <a:fontRef idx="minor">
+              <a:schemeClr val="lt1"/>
+            </a:fontRef>
+          </p:style>
+          <p:txBody>
+            <a:bodyPr anchor="ctr"/>
+            <a:lstStyle/>
+            <a:p>
+              <a:pPr marL="0" marR="0" lvl="0" indent="0" algn="ctr" defTabSz="914400" rtl="0" eaLnBrk="1" fontAlgn="auto" latinLnBrk="0" hangingPunct="1">
+                <a:lnSpc>
+                  <a:spcPct val="100000"/>
+                </a:lnSpc>
+                <a:spcBef>
+                  <a:spcPts val="0"/>
+                </a:spcBef>
+                <a:spcAft>
+                  <a:spcPts val="0"/>
+                </a:spcAft>
+                <a:buClrTx/>
+                <a:buSzTx/>
+                <a:buFontTx/>
+                <a:buNone/>
+                <a:defRPr/>
+              </a:pPr>
+              <a:endParaRPr kumimoji="0" lang="zh-CN" altLang="en-US" sz="4400" b="0" i="0" u="none" strike="noStrike" kern="1200" cap="none" spc="0" normalizeH="0" baseline="0" noProof="0">
+                <a:ln>
+                  <a:noFill/>
+                </a:ln>
+                <a:solidFill>
+                  <a:schemeClr val="lt1"/>
+                </a:solidFill>
+                <a:effectLst/>
+                <a:uLnTx/>
+                <a:uFillTx/>
+                <a:latin typeface="+mn-lt"/>
+                <a:ea typeface="+mn-ea"/>
+                <a:cs typeface="+mn-cs"/>
+              </a:endParaRPr>
+            </a:p>
+          </p:txBody>
+        </p:sp>
+        <p:sp>
+          <p:nvSpPr>
+            <p:cNvPr id="6156" name="文本框 18"/>
+            <p:cNvSpPr txBox="1"/>
+            <p:nvPr/>
+          </p:nvSpPr>
+          <p:spPr>
+            <a:xfrm>
+              <a:off x="1532912" y="1719387"/>
+              <a:ext cx="586137" cy="284790"/>
+            </a:xfrm>
+            <a:prstGeom prst="rect">
+              <a:avLst/>
+            </a:prstGeom>
+            <a:noFill/>
+            <a:ln w="9525">
+              <a:noFill/>
+            </a:ln>
+          </p:spPr>
+          <p:txBody>
+            <a:bodyPr wrap="square" anchor="t" anchorCtr="0">
+              <a:spAutoFit/>
+            </a:bodyPr>
+            <a:p>
+              <a:pPr>
+                <a:buFont typeface="Arial" panose="020B0604020202020204" pitchFamily="34" charset="0"/>
+              </a:pPr>
+              <a:r>
+                <a:rPr lang="en-US" altLang="zh-CN" sz="4400" b="1" dirty="0">
+                  <a:solidFill>
+                    <a:schemeClr val="bg1"/>
+                  </a:solidFill>
+                  <a:latin typeface="Microsoft YaHei" panose="020B0503020204020204" pitchFamily="34" charset="-122"/>
+                  <a:ea typeface="Microsoft YaHei" panose="020B0503020204020204" pitchFamily="34" charset="-122"/>
+                </a:rPr>
+                <a:t>03</a:t>
+              </a:r>
+              <a:endParaRPr lang="en-US" altLang="zh-CN" sz="4400" b="1" dirty="0">
+                <a:solidFill>
+                  <a:schemeClr val="bg1"/>
+                </a:solidFill>
+                <a:latin typeface="Microsoft YaHei" panose="020B0503020204020204" pitchFamily="34" charset="-122"/>
+                <a:ea typeface="Microsoft YaHei" panose="020B0503020204020204" pitchFamily="34" charset="-122"/>
+              </a:endParaRPr>
+            </a:p>
+          </p:txBody>
+        </p:sp>
+      </p:grpSp>
+    </p:spTree>
+  </p:cSld>
+  <p:clrMapOvr>
+    <a:masterClrMapping/>
+  </p:clrMapOvr>
+  <p:transition spd="slow">
+    <p:wipe/>
+  </p:transition>
+</p:sld>
+</file>
+
+<file path=ppt/slides/slide22.xml><?xml version="1.0" encoding="utf-8"?>
+<p:sld xmlns:a="http://schemas.openxmlformats.org/drawingml/2006/main" xmlns:r="http://schemas.openxmlformats.org/officeDocument/2006/relationships" xmlns:p="http://schemas.openxmlformats.org/presentationml/2006/main">
+  <p:cSld>
+    <p:spTree>
+      <p:nvGrpSpPr>
+        <p:cNvPr id="1" name=""/>
+        <p:cNvGrpSpPr/>
+        <p:nvPr/>
+      </p:nvGrpSpPr>
+      <p:grpSpPr/>
+      <p:sp>
+        <p:nvSpPr>
+          <p:cNvPr id="15" name="任意多边形 14"/>
+          <p:cNvSpPr/>
+          <p:nvPr/>
+        </p:nvSpPr>
+        <p:spPr>
+          <a:xfrm>
+            <a:off x="0" y="274638"/>
+            <a:ext cx="890588" cy="639763"/>
+          </a:xfrm>
+          <a:custGeom>
+            <a:avLst/>
+            <a:gdLst>
+              <a:gd name="connsiteX0" fmla="*/ 0 w 1029743"/>
+              <a:gd name="connsiteY0" fmla="*/ 0 h 739718"/>
+              <a:gd name="connsiteX1" fmla="*/ 659884 w 1029743"/>
+              <a:gd name="connsiteY1" fmla="*/ 0 h 739718"/>
+              <a:gd name="connsiteX2" fmla="*/ 1029743 w 1029743"/>
+              <a:gd name="connsiteY2" fmla="*/ 369859 h 739718"/>
+              <a:gd name="connsiteX3" fmla="*/ 659884 w 1029743"/>
+              <a:gd name="connsiteY3" fmla="*/ 739718 h 739718"/>
+              <a:gd name="connsiteX4" fmla="*/ 0 w 1029743"/>
+              <a:gd name="connsiteY4" fmla="*/ 739718 h 739718"/>
+            </a:gdLst>
+            <a:ahLst/>
+            <a:cxnLst>
+              <a:cxn ang="0">
+                <a:pos x="connsiteX0" y="connsiteY0"/>
+              </a:cxn>
+              <a:cxn ang="0">
+                <a:pos x="connsiteX1" y="connsiteY1"/>
+              </a:cxn>
+              <a:cxn ang="0">
+                <a:pos x="connsiteX2" y="connsiteY2"/>
+              </a:cxn>
+              <a:cxn ang="0">
+                <a:pos x="connsiteX3" y="connsiteY3"/>
+              </a:cxn>
+              <a:cxn ang="0">
+                <a:pos x="connsiteX4" y="connsiteY4"/>
+              </a:cxn>
+            </a:cxnLst>
+            <a:rect l="l" t="t" r="r" b="b"/>
+            <a:pathLst>
+              <a:path w="1029743" h="739718">
+                <a:moveTo>
+                  <a:pt x="0" y="0"/>
+                </a:moveTo>
+                <a:lnTo>
+                  <a:pt x="659884" y="0"/>
+                </a:lnTo>
+                <a:cubicBezTo>
+                  <a:pt x="864151" y="0"/>
+                  <a:pt x="1029743" y="165592"/>
+                  <a:pt x="1029743" y="369859"/>
+                </a:cubicBezTo>
+                <a:cubicBezTo>
+                  <a:pt x="1029743" y="574126"/>
+                  <a:pt x="864151" y="739718"/>
+                  <a:pt x="659884" y="739718"/>
+                </a:cubicBezTo>
+                <a:lnTo>
+                  <a:pt x="0" y="739718"/>
+                </a:lnTo>
+                <a:close/>
+              </a:path>
+            </a:pathLst>
+          </a:custGeom>
+          <a:solidFill>
+            <a:srgbClr val="05B780"/>
+          </a:solidFill>
+          <a:ln>
+            <a:noFill/>
+          </a:ln>
+        </p:spPr>
+        <p:style>
+          <a:lnRef idx="2">
+            <a:schemeClr val="accent1">
+              <a:shade val="50000"/>
+            </a:schemeClr>
+          </a:lnRef>
+          <a:fillRef idx="1">
+            <a:schemeClr val="accent1"/>
+          </a:fillRef>
+          <a:effectRef idx="0">
+            <a:schemeClr val="accent1"/>
+          </a:effectRef>
+          <a:fontRef idx="minor">
+            <a:schemeClr val="lt1"/>
+          </a:fontRef>
+        </p:style>
+        <p:txBody>
+          <a:bodyPr anchor="ctr"/>
+          <a:lstStyle/>
+          <a:p>
+            <a:pPr marL="0" marR="0" lvl="0" indent="0" algn="ctr" defTabSz="914400" rtl="0" eaLnBrk="1" fontAlgn="auto" latinLnBrk="0" hangingPunct="1">
+              <a:lnSpc>
+                <a:spcPct val="100000"/>
+              </a:lnSpc>
+              <a:spcBef>
+                <a:spcPts val="0"/>
+              </a:spcBef>
+              <a:spcAft>
+                <a:spcPts val="0"/>
+              </a:spcAft>
+              <a:buClrTx/>
+              <a:buSzTx/>
+              <a:buFontTx/>
+              <a:buNone/>
+              <a:defRPr/>
+            </a:pPr>
+            <a:endParaRPr kumimoji="0" lang="zh-CN" altLang="en-US" sz="1800" b="0" i="0" u="none" strike="noStrike" kern="1200" cap="none" spc="0" normalizeH="0" baseline="0" noProof="0">
+              <a:ln>
+                <a:noFill/>
+              </a:ln>
+              <a:solidFill>
+                <a:schemeClr val="bg1"/>
+              </a:solidFill>
+              <a:effectLst/>
+              <a:uLnTx/>
+              <a:uFillTx/>
+              <a:latin typeface="+mn-lt"/>
+              <a:ea typeface="+mn-ea"/>
+              <a:cs typeface="+mn-cs"/>
+            </a:endParaRPr>
+          </a:p>
+        </p:txBody>
+      </p:sp>
+      <p:sp>
+        <p:nvSpPr>
+          <p:cNvPr id="7170" name="文本框 156"/>
+          <p:cNvSpPr txBox="1"/>
+          <p:nvPr/>
+        </p:nvSpPr>
+        <p:spPr>
+          <a:xfrm>
+            <a:off x="0" y="350838"/>
+            <a:ext cx="814388" cy="521970"/>
+          </a:xfrm>
+          <a:prstGeom prst="rect">
+            <a:avLst/>
+          </a:prstGeom>
+          <a:noFill/>
+          <a:ln w="9525">
+            <a:noFill/>
+          </a:ln>
+        </p:spPr>
+        <p:txBody>
+          <a:bodyPr anchor="t" anchorCtr="0">
+            <a:spAutoFit/>
+          </a:bodyPr>
+          <a:p>
+            <a:pPr>
+              <a:buFont typeface="Arial" panose="020B0604020202020204" pitchFamily="34" charset="0"/>
+            </a:pPr>
+            <a:r>
+              <a:rPr lang="en-US" altLang="zh-CN" sz="2800" b="1" dirty="0">
+                <a:solidFill>
+                  <a:schemeClr val="bg1"/>
+                </a:solidFill>
+                <a:latin typeface="Microsoft YaHei" panose="020B0503020204020204" pitchFamily="34" charset="-122"/>
+                <a:ea typeface="Microsoft YaHei" panose="020B0503020204020204" pitchFamily="34" charset="-122"/>
+              </a:rPr>
+              <a:t>1.1</a:t>
+            </a:r>
+            <a:endParaRPr lang="en-US" altLang="zh-CN" sz="2800" b="1" dirty="0">
+              <a:solidFill>
+                <a:schemeClr val="bg1"/>
+              </a:solidFill>
+              <a:latin typeface="Microsoft YaHei" panose="020B0503020204020204" pitchFamily="34" charset="-122"/>
+              <a:ea typeface="Microsoft YaHei" panose="020B0503020204020204" pitchFamily="34" charset="-122"/>
+            </a:endParaRPr>
+          </a:p>
+        </p:txBody>
+      </p:sp>
+      <p:sp>
+        <p:nvSpPr>
+          <p:cNvPr id="16" name="Rectangle 6"/>
+          <p:cNvSpPr>
+            <a:spLocks noChangeArrowheads="1"/>
+          </p:cNvSpPr>
+          <p:nvPr/>
+        </p:nvSpPr>
+        <p:spPr bwMode="black">
+          <a:xfrm>
+            <a:off x="1021080" y="351155"/>
+            <a:ext cx="6515735" cy="521970"/>
+          </a:xfrm>
+          <a:prstGeom prst="rect">
+            <a:avLst/>
+          </a:prstGeom>
+          <a:noFill/>
+          <a:ln>
+            <a:noFill/>
+          </a:ln>
+          <a:effectLst/>
+          <a:extLst>
+            <a:ext uri="{909E8E84-426E-40DD-AFC4-6F175D3DCCD1}">
+              <a14:hiddenFill xmlns:a14="http://schemas.microsoft.com/office/drawing/2010/main">
+                <a:solidFill>
+                  <a:schemeClr val="accent1"/>
+                </a:solidFill>
+              </a14:hiddenFill>
+            </a:ext>
+            <a:ext uri="{91240B29-F687-4F45-9708-019B960494DF}">
+              <a14:hiddenLine xmlns:a14="http://schemas.microsoft.com/office/drawing/2010/main" w="9525">
+                <a:solidFill>
+                  <a:schemeClr val="tx1"/>
+                </a:solidFill>
+                <a:miter lim="800000"/>
+                <a:headEnd/>
+                <a:tailEnd/>
+              </a14:hiddenLine>
+            </a:ext>
+            <a:ext uri="{AF507438-7753-43E0-B8FC-AC1667EBCBE1}">
+              <a14:hiddenEffects xmlns:a14="http://schemas.microsoft.com/office/drawing/2010/main">
+                <a:effectLst>
+                  <a:outerShdw dist="35921" dir="2700000" algn="ctr" rotWithShape="0">
+                    <a:schemeClr val="bg2"/>
+                  </a:outerShdw>
+                </a:effectLst>
+              </a14:hiddenEffects>
+            </a:ext>
+          </a:extLst>
+        </p:spPr>
+        <p:txBody>
+          <a:bodyPr wrap="square">
+            <a:spAutoFit/>
+          </a:bodyPr>
+          <a:lstStyle/>
+          <a:p>
+            <a:pPr marL="0" marR="0" lvl="0" indent="0" algn="l" defTabSz="914400" rtl="0" eaLnBrk="0" fontAlgn="auto" latinLnBrk="0" hangingPunct="0">
+              <a:lnSpc>
+                <a:spcPct val="100000"/>
+              </a:lnSpc>
+              <a:spcBef>
+                <a:spcPts val="0"/>
+              </a:spcBef>
+              <a:spcAft>
+                <a:spcPts val="0"/>
+              </a:spcAft>
+              <a:buClrTx/>
+              <a:buSzTx/>
+              <a:buFontTx/>
+              <a:buNone/>
+              <a:defRPr/>
+            </a:pPr>
+            <a:r>
+              <a:rPr kumimoji="0" lang="en-US" altLang="zh-CN" sz="2800" b="1" i="0" u="none" strike="noStrike" kern="1200" cap="none" spc="0" normalizeH="0" baseline="0" noProof="0" dirty="0">
+                <a:ln>
+                  <a:noFill/>
+                </a:ln>
+                <a:solidFill>
+                  <a:schemeClr val="tx1">
+                    <a:lumMod val="85000"/>
+                    <a:lumOff val="15000"/>
+                  </a:schemeClr>
+                </a:solidFill>
+                <a:effectLst/>
+                <a:uLnTx/>
+                <a:uFillTx/>
+                <a:latin typeface="Microsoft YaHei" panose="020B0503020204020204" pitchFamily="34" charset="-122"/>
+                <a:ea typeface="Microsoft YaHei" panose="020B0503020204020204" pitchFamily="34" charset="-122"/>
+                <a:cs typeface="+mn-cs"/>
+                <a:sym typeface="+mn-ea"/>
+              </a:rPr>
+              <a:t>In-order Traversal</a:t>
+            </a:r>
+            <a:endParaRPr kumimoji="0" lang="en-US" altLang="zh-CN" sz="2800" b="1" i="0" u="none" strike="noStrike" kern="1200" cap="none" spc="0" normalizeH="0" baseline="0" noProof="0" dirty="0">
+              <a:ln>
+                <a:noFill/>
+              </a:ln>
+              <a:solidFill>
+                <a:schemeClr val="tx1">
+                  <a:lumMod val="85000"/>
+                  <a:lumOff val="15000"/>
+                </a:schemeClr>
+              </a:solidFill>
+              <a:effectLst/>
+              <a:uLnTx/>
+              <a:uFillTx/>
+              <a:latin typeface="Microsoft YaHei" panose="020B0503020204020204" pitchFamily="34" charset="-122"/>
+              <a:ea typeface="Microsoft YaHei" panose="020B0503020204020204" pitchFamily="34" charset="-122"/>
+              <a:cs typeface="+mn-cs"/>
+              <a:sym typeface="+mn-ea"/>
+            </a:endParaRPr>
+          </a:p>
+        </p:txBody>
+      </p:sp>
+      <p:sp>
+        <p:nvSpPr>
+          <p:cNvPr id="3" name="Content Placeholder 2"/>
+          <p:cNvSpPr/>
+          <p:nvPr>
+            <p:ph idx="1"/>
+          </p:nvPr>
+        </p:nvSpPr>
+        <p:spPr/>
+        <p:txBody>
+          <a:bodyPr/>
+          <a:p>
+            <a:endParaRPr lang="en-US"/>
+          </a:p>
+        </p:txBody>
+      </p:sp>
+    </p:spTree>
+  </p:cSld>
+  <p:clrMapOvr>
+    <a:masterClrMapping/>
+  </p:clrMapOvr>
+  <p:transition spd="slow">
+    <p:wipe/>
+  </p:transition>
+</p:sld>
+</file>
+
+<file path=ppt/slides/slide23.xml><?xml version="1.0" encoding="utf-8"?>
+<p:sld xmlns:a="http://schemas.openxmlformats.org/drawingml/2006/main" xmlns:r="http://schemas.openxmlformats.org/officeDocument/2006/relationships" xmlns:p="http://schemas.openxmlformats.org/presentationml/2006/main">
+  <p:cSld>
+    <p:spTree>
+      <p:nvGrpSpPr>
+        <p:cNvPr id="1" name=""/>
+        <p:cNvGrpSpPr/>
+        <p:nvPr/>
+      </p:nvGrpSpPr>
+      <p:grpSpPr/>
+      <p:sp>
+        <p:nvSpPr>
+          <p:cNvPr id="15" name="任意多边形 14"/>
+          <p:cNvSpPr/>
+          <p:nvPr/>
+        </p:nvSpPr>
+        <p:spPr>
+          <a:xfrm>
+            <a:off x="0" y="274638"/>
+            <a:ext cx="890588" cy="639763"/>
+          </a:xfrm>
+          <a:custGeom>
+            <a:avLst/>
+            <a:gdLst>
+              <a:gd name="connsiteX0" fmla="*/ 0 w 1029743"/>
+              <a:gd name="connsiteY0" fmla="*/ 0 h 739718"/>
+              <a:gd name="connsiteX1" fmla="*/ 659884 w 1029743"/>
+              <a:gd name="connsiteY1" fmla="*/ 0 h 739718"/>
+              <a:gd name="connsiteX2" fmla="*/ 1029743 w 1029743"/>
+              <a:gd name="connsiteY2" fmla="*/ 369859 h 739718"/>
+              <a:gd name="connsiteX3" fmla="*/ 659884 w 1029743"/>
+              <a:gd name="connsiteY3" fmla="*/ 739718 h 739718"/>
+              <a:gd name="connsiteX4" fmla="*/ 0 w 1029743"/>
+              <a:gd name="connsiteY4" fmla="*/ 739718 h 739718"/>
+            </a:gdLst>
+            <a:ahLst/>
+            <a:cxnLst>
+              <a:cxn ang="0">
+                <a:pos x="connsiteX0" y="connsiteY0"/>
+              </a:cxn>
+              <a:cxn ang="0">
+                <a:pos x="connsiteX1" y="connsiteY1"/>
+              </a:cxn>
+              <a:cxn ang="0">
+                <a:pos x="connsiteX2" y="connsiteY2"/>
+              </a:cxn>
+              <a:cxn ang="0">
+                <a:pos x="connsiteX3" y="connsiteY3"/>
+              </a:cxn>
+              <a:cxn ang="0">
+                <a:pos x="connsiteX4" y="connsiteY4"/>
+              </a:cxn>
+            </a:cxnLst>
+            <a:rect l="l" t="t" r="r" b="b"/>
+            <a:pathLst>
+              <a:path w="1029743" h="739718">
+                <a:moveTo>
+                  <a:pt x="0" y="0"/>
+                </a:moveTo>
+                <a:lnTo>
+                  <a:pt x="659884" y="0"/>
+                </a:lnTo>
+                <a:cubicBezTo>
+                  <a:pt x="864151" y="0"/>
+                  <a:pt x="1029743" y="165592"/>
+                  <a:pt x="1029743" y="369859"/>
+                </a:cubicBezTo>
+                <a:cubicBezTo>
+                  <a:pt x="1029743" y="574126"/>
+                  <a:pt x="864151" y="739718"/>
+                  <a:pt x="659884" y="739718"/>
+                </a:cubicBezTo>
+                <a:lnTo>
+                  <a:pt x="0" y="739718"/>
+                </a:lnTo>
+                <a:close/>
+              </a:path>
+            </a:pathLst>
+          </a:custGeom>
+          <a:solidFill>
+            <a:srgbClr val="05B780"/>
+          </a:solidFill>
+          <a:ln>
+            <a:noFill/>
+          </a:ln>
+        </p:spPr>
+        <p:style>
+          <a:lnRef idx="2">
+            <a:schemeClr val="accent1">
+              <a:shade val="50000"/>
+            </a:schemeClr>
+          </a:lnRef>
+          <a:fillRef idx="1">
+            <a:schemeClr val="accent1"/>
+          </a:fillRef>
+          <a:effectRef idx="0">
+            <a:schemeClr val="accent1"/>
+          </a:effectRef>
+          <a:fontRef idx="minor">
+            <a:schemeClr val="lt1"/>
+          </a:fontRef>
+        </p:style>
+        <p:txBody>
+          <a:bodyPr anchor="ctr"/>
+          <a:lstStyle/>
+          <a:p>
+            <a:pPr marL="0" marR="0" lvl="0" indent="0" algn="ctr" defTabSz="914400" rtl="0" eaLnBrk="1" fontAlgn="auto" latinLnBrk="0" hangingPunct="1">
+              <a:lnSpc>
+                <a:spcPct val="100000"/>
+              </a:lnSpc>
+              <a:spcBef>
+                <a:spcPts val="0"/>
+              </a:spcBef>
+              <a:spcAft>
+                <a:spcPts val="0"/>
+              </a:spcAft>
+              <a:buClrTx/>
+              <a:buSzTx/>
+              <a:buFontTx/>
+              <a:buNone/>
+              <a:defRPr/>
+            </a:pPr>
+            <a:endParaRPr kumimoji="0" lang="zh-CN" altLang="en-US" sz="1800" b="0" i="0" u="none" strike="noStrike" kern="1200" cap="none" spc="0" normalizeH="0" baseline="0" noProof="0">
+              <a:ln>
+                <a:noFill/>
+              </a:ln>
+              <a:solidFill>
+                <a:schemeClr val="bg1"/>
+              </a:solidFill>
+              <a:effectLst/>
+              <a:uLnTx/>
+              <a:uFillTx/>
+              <a:latin typeface="+mn-lt"/>
+              <a:ea typeface="+mn-ea"/>
+              <a:cs typeface="+mn-cs"/>
+            </a:endParaRPr>
+          </a:p>
+        </p:txBody>
+      </p:sp>
+      <p:sp>
+        <p:nvSpPr>
+          <p:cNvPr id="7170" name="文本框 156"/>
+          <p:cNvSpPr txBox="1"/>
+          <p:nvPr/>
+        </p:nvSpPr>
+        <p:spPr>
+          <a:xfrm>
+            <a:off x="0" y="350838"/>
+            <a:ext cx="814388" cy="521970"/>
+          </a:xfrm>
+          <a:prstGeom prst="rect">
+            <a:avLst/>
+          </a:prstGeom>
+          <a:noFill/>
+          <a:ln w="9525">
+            <a:noFill/>
+          </a:ln>
+        </p:spPr>
+        <p:txBody>
+          <a:bodyPr anchor="t" anchorCtr="0">
+            <a:spAutoFit/>
+          </a:bodyPr>
+          <a:p>
+            <a:pPr>
+              <a:buFont typeface="Arial" panose="020B0604020202020204" pitchFamily="34" charset="0"/>
+            </a:pPr>
+            <a:r>
+              <a:rPr lang="en-US" altLang="zh-CN" sz="2800" b="1" dirty="0">
+                <a:solidFill>
+                  <a:schemeClr val="bg1"/>
+                </a:solidFill>
+                <a:latin typeface="Microsoft YaHei" panose="020B0503020204020204" pitchFamily="34" charset="-122"/>
+                <a:ea typeface="Microsoft YaHei" panose="020B0503020204020204" pitchFamily="34" charset="-122"/>
+              </a:rPr>
+              <a:t>1.1</a:t>
+            </a:r>
+            <a:endParaRPr lang="en-US" altLang="zh-CN" sz="2800" b="1" dirty="0">
+              <a:solidFill>
+                <a:schemeClr val="bg1"/>
+              </a:solidFill>
+              <a:latin typeface="Microsoft YaHei" panose="020B0503020204020204" pitchFamily="34" charset="-122"/>
+              <a:ea typeface="Microsoft YaHei" panose="020B0503020204020204" pitchFamily="34" charset="-122"/>
+            </a:endParaRPr>
+          </a:p>
+        </p:txBody>
+      </p:sp>
+      <p:sp>
+        <p:nvSpPr>
+          <p:cNvPr id="16" name="Rectangle 6"/>
+          <p:cNvSpPr>
+            <a:spLocks noChangeArrowheads="1"/>
+          </p:cNvSpPr>
+          <p:nvPr/>
+        </p:nvSpPr>
+        <p:spPr bwMode="black">
+          <a:xfrm>
+            <a:off x="1021080" y="351155"/>
+            <a:ext cx="6515735" cy="521970"/>
+          </a:xfrm>
+          <a:prstGeom prst="rect">
+            <a:avLst/>
+          </a:prstGeom>
+          <a:noFill/>
+          <a:ln>
+            <a:noFill/>
+          </a:ln>
+          <a:effectLst/>
+          <a:extLst>
+            <a:ext uri="{909E8E84-426E-40DD-AFC4-6F175D3DCCD1}">
+              <a14:hiddenFill xmlns:a14="http://schemas.microsoft.com/office/drawing/2010/main">
+                <a:solidFill>
+                  <a:schemeClr val="accent1"/>
+                </a:solidFill>
+              </a14:hiddenFill>
+            </a:ext>
+            <a:ext uri="{91240B29-F687-4F45-9708-019B960494DF}">
+              <a14:hiddenLine xmlns:a14="http://schemas.microsoft.com/office/drawing/2010/main" w="9525">
+                <a:solidFill>
+                  <a:schemeClr val="tx1"/>
+                </a:solidFill>
+                <a:miter lim="800000"/>
+                <a:headEnd/>
+                <a:tailEnd/>
+              </a14:hiddenLine>
+            </a:ext>
+            <a:ext uri="{AF507438-7753-43E0-B8FC-AC1667EBCBE1}">
+              <a14:hiddenEffects xmlns:a14="http://schemas.microsoft.com/office/drawing/2010/main">
+                <a:effectLst>
+                  <a:outerShdw dist="35921" dir="2700000" algn="ctr" rotWithShape="0">
+                    <a:schemeClr val="bg2"/>
+                  </a:outerShdw>
+                </a:effectLst>
+              </a14:hiddenEffects>
+            </a:ext>
+          </a:extLst>
+        </p:spPr>
+        <p:txBody>
+          <a:bodyPr wrap="square">
+            <a:spAutoFit/>
+          </a:bodyPr>
+          <a:lstStyle/>
+          <a:p>
+            <a:pPr marL="0" marR="0" lvl="0" indent="0" algn="l" defTabSz="914400" rtl="0" eaLnBrk="0" fontAlgn="auto" latinLnBrk="0" hangingPunct="0">
+              <a:lnSpc>
+                <a:spcPct val="100000"/>
+              </a:lnSpc>
+              <a:spcBef>
+                <a:spcPts val="0"/>
+              </a:spcBef>
+              <a:spcAft>
+                <a:spcPts val="0"/>
+              </a:spcAft>
+              <a:buClrTx/>
+              <a:buSzTx/>
+              <a:buFontTx/>
+              <a:buNone/>
+              <a:defRPr/>
+            </a:pPr>
+            <a:r>
+              <a:rPr kumimoji="0" lang="en-US" altLang="zh-CN" sz="2800" b="1" i="0" u="none" strike="noStrike" kern="1200" cap="none" spc="0" normalizeH="0" baseline="0" noProof="0" dirty="0">
+                <a:ln>
+                  <a:noFill/>
+                </a:ln>
+                <a:solidFill>
+                  <a:schemeClr val="tx1">
+                    <a:lumMod val="85000"/>
+                    <a:lumOff val="15000"/>
+                  </a:schemeClr>
+                </a:solidFill>
+                <a:effectLst/>
+                <a:uLnTx/>
+                <a:uFillTx/>
+                <a:latin typeface="Microsoft YaHei" panose="020B0503020204020204" pitchFamily="34" charset="-122"/>
+                <a:ea typeface="Microsoft YaHei" panose="020B0503020204020204" pitchFamily="34" charset="-122"/>
+                <a:cs typeface="+mn-cs"/>
+                <a:sym typeface="+mn-ea"/>
+              </a:rPr>
+              <a:t>Pre-order Traversal</a:t>
+            </a:r>
+            <a:endParaRPr kumimoji="0" lang="en-US" altLang="zh-CN" sz="2800" b="1" i="0" u="none" strike="noStrike" kern="1200" cap="none" spc="0" normalizeH="0" baseline="0" noProof="0" dirty="0">
+              <a:ln>
+                <a:noFill/>
+              </a:ln>
+              <a:solidFill>
+                <a:schemeClr val="tx1">
+                  <a:lumMod val="85000"/>
+                  <a:lumOff val="15000"/>
+                </a:schemeClr>
+              </a:solidFill>
+              <a:effectLst/>
+              <a:uLnTx/>
+              <a:uFillTx/>
+              <a:latin typeface="Microsoft YaHei" panose="020B0503020204020204" pitchFamily="34" charset="-122"/>
+              <a:ea typeface="Microsoft YaHei" panose="020B0503020204020204" pitchFamily="34" charset="-122"/>
+              <a:cs typeface="+mn-cs"/>
+              <a:sym typeface="+mn-ea"/>
+            </a:endParaRPr>
+          </a:p>
+        </p:txBody>
+      </p:sp>
+      <p:sp>
+        <p:nvSpPr>
+          <p:cNvPr id="3" name="Content Placeholder 2"/>
+          <p:cNvSpPr/>
+          <p:nvPr>
+            <p:ph idx="1"/>
+          </p:nvPr>
+        </p:nvSpPr>
+        <p:spPr/>
+        <p:txBody>
+          <a:bodyPr/>
+          <a:p>
+            <a:endParaRPr lang="en-US"/>
+          </a:p>
+        </p:txBody>
+      </p:sp>
+    </p:spTree>
+  </p:cSld>
+  <p:clrMapOvr>
+    <a:masterClrMapping/>
+  </p:clrMapOvr>
+  <p:transition spd="slow">
+    <p:wipe/>
+  </p:transition>
+</p:sld>
+</file>
+
+<file path=ppt/slides/slide24.xml><?xml version="1.0" encoding="utf-8"?>
+<p:sld xmlns:a="http://schemas.openxmlformats.org/drawingml/2006/main" xmlns:r="http://schemas.openxmlformats.org/officeDocument/2006/relationships" xmlns:p="http://schemas.openxmlformats.org/presentationml/2006/main">
+  <p:cSld>
+    <p:spTree>
+      <p:nvGrpSpPr>
+        <p:cNvPr id="1" name=""/>
+        <p:cNvGrpSpPr/>
+        <p:nvPr/>
+      </p:nvGrpSpPr>
+      <p:grpSpPr/>
+      <p:sp>
+        <p:nvSpPr>
+          <p:cNvPr id="15" name="任意多边形 14"/>
+          <p:cNvSpPr/>
+          <p:nvPr/>
+        </p:nvSpPr>
+        <p:spPr>
+          <a:xfrm>
+            <a:off x="0" y="274638"/>
+            <a:ext cx="890588" cy="639763"/>
+          </a:xfrm>
+          <a:custGeom>
+            <a:avLst/>
+            <a:gdLst>
+              <a:gd name="connsiteX0" fmla="*/ 0 w 1029743"/>
+              <a:gd name="connsiteY0" fmla="*/ 0 h 739718"/>
+              <a:gd name="connsiteX1" fmla="*/ 659884 w 1029743"/>
+              <a:gd name="connsiteY1" fmla="*/ 0 h 739718"/>
+              <a:gd name="connsiteX2" fmla="*/ 1029743 w 1029743"/>
+              <a:gd name="connsiteY2" fmla="*/ 369859 h 739718"/>
+              <a:gd name="connsiteX3" fmla="*/ 659884 w 1029743"/>
+              <a:gd name="connsiteY3" fmla="*/ 739718 h 739718"/>
+              <a:gd name="connsiteX4" fmla="*/ 0 w 1029743"/>
+              <a:gd name="connsiteY4" fmla="*/ 739718 h 739718"/>
+            </a:gdLst>
+            <a:ahLst/>
+            <a:cxnLst>
+              <a:cxn ang="0">
+                <a:pos x="connsiteX0" y="connsiteY0"/>
+              </a:cxn>
+              <a:cxn ang="0">
+                <a:pos x="connsiteX1" y="connsiteY1"/>
+              </a:cxn>
+              <a:cxn ang="0">
+                <a:pos x="connsiteX2" y="connsiteY2"/>
+              </a:cxn>
+              <a:cxn ang="0">
+                <a:pos x="connsiteX3" y="connsiteY3"/>
+              </a:cxn>
+              <a:cxn ang="0">
+                <a:pos x="connsiteX4" y="connsiteY4"/>
+              </a:cxn>
+            </a:cxnLst>
+            <a:rect l="l" t="t" r="r" b="b"/>
+            <a:pathLst>
+              <a:path w="1029743" h="739718">
+                <a:moveTo>
+                  <a:pt x="0" y="0"/>
+                </a:moveTo>
+                <a:lnTo>
+                  <a:pt x="659884" y="0"/>
+                </a:lnTo>
+                <a:cubicBezTo>
+                  <a:pt x="864151" y="0"/>
+                  <a:pt x="1029743" y="165592"/>
+                  <a:pt x="1029743" y="369859"/>
+                </a:cubicBezTo>
+                <a:cubicBezTo>
+                  <a:pt x="1029743" y="574126"/>
+                  <a:pt x="864151" y="739718"/>
+                  <a:pt x="659884" y="739718"/>
+                </a:cubicBezTo>
+                <a:lnTo>
+                  <a:pt x="0" y="739718"/>
+                </a:lnTo>
+                <a:close/>
+              </a:path>
+            </a:pathLst>
+          </a:custGeom>
+          <a:solidFill>
+            <a:srgbClr val="05B780"/>
+          </a:solidFill>
+          <a:ln>
+            <a:noFill/>
+          </a:ln>
+        </p:spPr>
+        <p:style>
+          <a:lnRef idx="2">
+            <a:schemeClr val="accent1">
+              <a:shade val="50000"/>
+            </a:schemeClr>
+          </a:lnRef>
+          <a:fillRef idx="1">
+            <a:schemeClr val="accent1"/>
+          </a:fillRef>
+          <a:effectRef idx="0">
+            <a:schemeClr val="accent1"/>
+          </a:effectRef>
+          <a:fontRef idx="minor">
+            <a:schemeClr val="lt1"/>
+          </a:fontRef>
+        </p:style>
+        <p:txBody>
+          <a:bodyPr anchor="ctr"/>
+          <a:lstStyle/>
+          <a:p>
+            <a:pPr marL="0" marR="0" lvl="0" indent="0" algn="ctr" defTabSz="914400" rtl="0" eaLnBrk="1" fontAlgn="auto" latinLnBrk="0" hangingPunct="1">
+              <a:lnSpc>
+                <a:spcPct val="100000"/>
+              </a:lnSpc>
+              <a:spcBef>
+                <a:spcPts val="0"/>
+              </a:spcBef>
+              <a:spcAft>
+                <a:spcPts val="0"/>
+              </a:spcAft>
+              <a:buClrTx/>
+              <a:buSzTx/>
+              <a:buFontTx/>
+              <a:buNone/>
+              <a:defRPr/>
+            </a:pPr>
+            <a:endParaRPr kumimoji="0" lang="zh-CN" altLang="en-US" sz="1800" b="0" i="0" u="none" strike="noStrike" kern="1200" cap="none" spc="0" normalizeH="0" baseline="0" noProof="0">
+              <a:ln>
+                <a:noFill/>
+              </a:ln>
+              <a:solidFill>
+                <a:schemeClr val="bg1"/>
+              </a:solidFill>
+              <a:effectLst/>
+              <a:uLnTx/>
+              <a:uFillTx/>
+              <a:latin typeface="+mn-lt"/>
+              <a:ea typeface="+mn-ea"/>
+              <a:cs typeface="+mn-cs"/>
+            </a:endParaRPr>
+          </a:p>
+        </p:txBody>
+      </p:sp>
+      <p:sp>
+        <p:nvSpPr>
+          <p:cNvPr id="7170" name="文本框 156"/>
+          <p:cNvSpPr txBox="1"/>
+          <p:nvPr/>
+        </p:nvSpPr>
+        <p:spPr>
+          <a:xfrm>
+            <a:off x="0" y="350838"/>
+            <a:ext cx="814388" cy="521970"/>
+          </a:xfrm>
+          <a:prstGeom prst="rect">
+            <a:avLst/>
+          </a:prstGeom>
+          <a:noFill/>
+          <a:ln w="9525">
+            <a:noFill/>
+          </a:ln>
+        </p:spPr>
+        <p:txBody>
+          <a:bodyPr anchor="t" anchorCtr="0">
+            <a:spAutoFit/>
+          </a:bodyPr>
+          <a:p>
+            <a:pPr>
+              <a:buFont typeface="Arial" panose="020B0604020202020204" pitchFamily="34" charset="0"/>
+            </a:pPr>
+            <a:r>
+              <a:rPr lang="en-US" altLang="zh-CN" sz="2800" b="1" dirty="0">
+                <a:solidFill>
+                  <a:schemeClr val="bg1"/>
+                </a:solidFill>
+                <a:latin typeface="Microsoft YaHei" panose="020B0503020204020204" pitchFamily="34" charset="-122"/>
+                <a:ea typeface="Microsoft YaHei" panose="020B0503020204020204" pitchFamily="34" charset="-122"/>
+              </a:rPr>
+              <a:t>1.1</a:t>
+            </a:r>
+            <a:endParaRPr lang="en-US" altLang="zh-CN" sz="2800" b="1" dirty="0">
+              <a:solidFill>
+                <a:schemeClr val="bg1"/>
+              </a:solidFill>
+              <a:latin typeface="Microsoft YaHei" panose="020B0503020204020204" pitchFamily="34" charset="-122"/>
+              <a:ea typeface="Microsoft YaHei" panose="020B0503020204020204" pitchFamily="34" charset="-122"/>
+            </a:endParaRPr>
+          </a:p>
+        </p:txBody>
+      </p:sp>
+      <p:sp>
+        <p:nvSpPr>
+          <p:cNvPr id="16" name="Rectangle 6"/>
+          <p:cNvSpPr>
+            <a:spLocks noChangeArrowheads="1"/>
+          </p:cNvSpPr>
+          <p:nvPr/>
+        </p:nvSpPr>
+        <p:spPr bwMode="black">
+          <a:xfrm>
+            <a:off x="1021080" y="351155"/>
+            <a:ext cx="6515735" cy="521970"/>
+          </a:xfrm>
+          <a:prstGeom prst="rect">
+            <a:avLst/>
+          </a:prstGeom>
+          <a:noFill/>
+          <a:ln>
+            <a:noFill/>
+          </a:ln>
+          <a:effectLst/>
+          <a:extLst>
+            <a:ext uri="{909E8E84-426E-40DD-AFC4-6F175D3DCCD1}">
+              <a14:hiddenFill xmlns:a14="http://schemas.microsoft.com/office/drawing/2010/main">
+                <a:solidFill>
+                  <a:schemeClr val="accent1"/>
+                </a:solidFill>
+              </a14:hiddenFill>
+            </a:ext>
+            <a:ext uri="{91240B29-F687-4F45-9708-019B960494DF}">
+              <a14:hiddenLine xmlns:a14="http://schemas.microsoft.com/office/drawing/2010/main" w="9525">
+                <a:solidFill>
+                  <a:schemeClr val="tx1"/>
+                </a:solidFill>
+                <a:miter lim="800000"/>
+                <a:headEnd/>
+                <a:tailEnd/>
+              </a14:hiddenLine>
+            </a:ext>
+            <a:ext uri="{AF507438-7753-43E0-B8FC-AC1667EBCBE1}">
+              <a14:hiddenEffects xmlns:a14="http://schemas.microsoft.com/office/drawing/2010/main">
+                <a:effectLst>
+                  <a:outerShdw dist="35921" dir="2700000" algn="ctr" rotWithShape="0">
+                    <a:schemeClr val="bg2"/>
+                  </a:outerShdw>
+                </a:effectLst>
+              </a14:hiddenEffects>
+            </a:ext>
+          </a:extLst>
+        </p:spPr>
+        <p:txBody>
+          <a:bodyPr wrap="square">
+            <a:spAutoFit/>
+          </a:bodyPr>
+          <a:lstStyle/>
+          <a:p>
+            <a:pPr marL="0" marR="0" lvl="0" indent="0" algn="l" defTabSz="914400" rtl="0" eaLnBrk="0" fontAlgn="auto" latinLnBrk="0" hangingPunct="0">
+              <a:lnSpc>
+                <a:spcPct val="100000"/>
+              </a:lnSpc>
+              <a:spcBef>
+                <a:spcPts val="0"/>
+              </a:spcBef>
+              <a:spcAft>
+                <a:spcPts val="0"/>
+              </a:spcAft>
+              <a:buClrTx/>
+              <a:buSzTx/>
+              <a:buFontTx/>
+              <a:buNone/>
+              <a:defRPr/>
+            </a:pPr>
+            <a:r>
+              <a:rPr kumimoji="0" lang="en-US" altLang="zh-CN" sz="2800" b="1" i="0" u="none" strike="noStrike" kern="1200" cap="none" spc="0" normalizeH="0" baseline="0" noProof="0" dirty="0">
+                <a:ln>
+                  <a:noFill/>
+                </a:ln>
+                <a:solidFill>
+                  <a:schemeClr val="tx1">
+                    <a:lumMod val="85000"/>
+                    <a:lumOff val="15000"/>
+                  </a:schemeClr>
+                </a:solidFill>
+                <a:effectLst/>
+                <a:uLnTx/>
+                <a:uFillTx/>
+                <a:latin typeface="Microsoft YaHei" panose="020B0503020204020204" pitchFamily="34" charset="-122"/>
+                <a:ea typeface="Microsoft YaHei" panose="020B0503020204020204" pitchFamily="34" charset="-122"/>
+                <a:cs typeface="+mn-cs"/>
+                <a:sym typeface="+mn-ea"/>
+              </a:rPr>
+              <a:t>Post-order Traversal</a:t>
+            </a:r>
+            <a:endParaRPr kumimoji="0" lang="en-US" altLang="zh-CN" sz="2800" b="1" i="0" u="none" strike="noStrike" kern="1200" cap="none" spc="0" normalizeH="0" baseline="0" noProof="0" dirty="0">
+              <a:ln>
+                <a:noFill/>
+              </a:ln>
+              <a:solidFill>
+                <a:schemeClr val="tx1">
+                  <a:lumMod val="85000"/>
+                  <a:lumOff val="15000"/>
+                </a:schemeClr>
+              </a:solidFill>
+              <a:effectLst/>
+              <a:uLnTx/>
+              <a:uFillTx/>
+              <a:latin typeface="Microsoft YaHei" panose="020B0503020204020204" pitchFamily="34" charset="-122"/>
+              <a:ea typeface="Microsoft YaHei" panose="020B0503020204020204" pitchFamily="34" charset="-122"/>
+              <a:cs typeface="+mn-cs"/>
+              <a:sym typeface="+mn-ea"/>
+            </a:endParaRPr>
+          </a:p>
+        </p:txBody>
+      </p:sp>
+      <p:sp>
+        <p:nvSpPr>
+          <p:cNvPr id="3" name="Content Placeholder 2"/>
+          <p:cNvSpPr/>
+          <p:nvPr>
+            <p:ph idx="1"/>
+          </p:nvPr>
+        </p:nvSpPr>
+        <p:spPr/>
+        <p:txBody>
+          <a:bodyPr/>
+          <a:p>
+            <a:endParaRPr lang="en-US"/>
+          </a:p>
+        </p:txBody>
+      </p:sp>
+    </p:spTree>
+  </p:cSld>
+  <p:clrMapOvr>
+    <a:masterClrMapping/>
+  </p:clrMapOvr>
+  <p:transition spd="slow">
+    <p:wipe/>
+  </p:transition>
+</p:sld>
+</file>
+
+<file path=ppt/slides/slide25.xml><?xml version="1.0" encoding="utf-8"?>
+<p:sld xmlns:a="http://schemas.openxmlformats.org/drawingml/2006/main" xmlns:r="http://schemas.openxmlformats.org/officeDocument/2006/relationships" xmlns:p="http://schemas.openxmlformats.org/presentationml/2006/main">
+  <p:cSld>
+    <p:spTree>
+      <p:nvGrpSpPr>
+        <p:cNvPr id="1" name=""/>
+        <p:cNvGrpSpPr/>
+        <p:nvPr/>
+      </p:nvGrpSpPr>
+      <p:grpSpPr/>
+      <p:sp>
+        <p:nvSpPr>
+          <p:cNvPr id="46" name="任意多边形 45"/>
+          <p:cNvSpPr/>
+          <p:nvPr/>
+        </p:nvSpPr>
+        <p:spPr>
+          <a:xfrm>
+            <a:off x="0" y="260350"/>
+            <a:ext cx="3922395" cy="739775"/>
+          </a:xfrm>
+          <a:custGeom>
+            <a:avLst/>
+            <a:gdLst>
+              <a:gd name="connsiteX0" fmla="*/ 0 w 2091831"/>
+              <a:gd name="connsiteY0" fmla="*/ 0 h 739718"/>
+              <a:gd name="connsiteX1" fmla="*/ 1721972 w 2091831"/>
+              <a:gd name="connsiteY1" fmla="*/ 0 h 739718"/>
+              <a:gd name="connsiteX2" fmla="*/ 2091831 w 2091831"/>
+              <a:gd name="connsiteY2" fmla="*/ 369859 h 739718"/>
+              <a:gd name="connsiteX3" fmla="*/ 1721972 w 2091831"/>
+              <a:gd name="connsiteY3" fmla="*/ 739718 h 739718"/>
+              <a:gd name="connsiteX4" fmla="*/ 0 w 2091831"/>
+              <a:gd name="connsiteY4" fmla="*/ 739718 h 739718"/>
+            </a:gdLst>
+            <a:ahLst/>
+            <a:cxnLst>
+              <a:cxn ang="0">
+                <a:pos x="connsiteX0" y="connsiteY0"/>
+              </a:cxn>
+              <a:cxn ang="0">
+                <a:pos x="connsiteX1" y="connsiteY1"/>
+              </a:cxn>
+              <a:cxn ang="0">
+                <a:pos x="connsiteX2" y="connsiteY2"/>
+              </a:cxn>
+              <a:cxn ang="0">
+                <a:pos x="connsiteX3" y="connsiteY3"/>
+              </a:cxn>
+              <a:cxn ang="0">
+                <a:pos x="connsiteX4" y="connsiteY4"/>
+              </a:cxn>
+            </a:cxnLst>
+            <a:rect l="l" t="t" r="r" b="b"/>
+            <a:pathLst>
+              <a:path w="2091831" h="739718">
+                <a:moveTo>
+                  <a:pt x="0" y="0"/>
+                </a:moveTo>
+                <a:lnTo>
+                  <a:pt x="1721972" y="0"/>
+                </a:lnTo>
+                <a:cubicBezTo>
+                  <a:pt x="1926239" y="0"/>
+                  <a:pt x="2091831" y="165592"/>
+                  <a:pt x="2091831" y="369859"/>
+                </a:cubicBezTo>
+                <a:cubicBezTo>
+                  <a:pt x="2091831" y="574126"/>
+                  <a:pt x="1926239" y="739718"/>
+                  <a:pt x="1721972" y="739718"/>
+                </a:cubicBezTo>
+                <a:lnTo>
+                  <a:pt x="0" y="739718"/>
+                </a:lnTo>
+                <a:close/>
+              </a:path>
+            </a:pathLst>
+          </a:custGeom>
+          <a:solidFill>
+            <a:srgbClr val="05B780"/>
+          </a:solidFill>
+          <a:ln>
+            <a:noFill/>
+          </a:ln>
+        </p:spPr>
+        <p:style>
+          <a:lnRef idx="2">
+            <a:schemeClr val="accent1">
+              <a:shade val="50000"/>
+            </a:schemeClr>
+          </a:lnRef>
+          <a:fillRef idx="1">
+            <a:schemeClr val="accent1"/>
+          </a:fillRef>
+          <a:effectRef idx="0">
+            <a:schemeClr val="accent1"/>
+          </a:effectRef>
+          <a:fontRef idx="minor">
+            <a:schemeClr val="lt1"/>
+          </a:fontRef>
+        </p:style>
+        <p:txBody>
+          <a:bodyPr anchor="ctr"/>
+          <a:lstStyle/>
+          <a:p>
+            <a:pPr marL="0" marR="0" lvl="0" indent="0" algn="ctr" defTabSz="914400" rtl="0" eaLnBrk="1" fontAlgn="auto" latinLnBrk="0" hangingPunct="1">
+              <a:lnSpc>
+                <a:spcPct val="100000"/>
+              </a:lnSpc>
+              <a:spcBef>
+                <a:spcPts val="0"/>
+              </a:spcBef>
+              <a:spcAft>
+                <a:spcPts val="0"/>
+              </a:spcAft>
+              <a:buClrTx/>
+              <a:buSzTx/>
+              <a:buFontTx/>
+              <a:buNone/>
+              <a:defRPr/>
+            </a:pPr>
+            <a:endParaRPr kumimoji="0" lang="zh-CN" altLang="en-US" sz="1800" b="0" i="0" u="none" strike="noStrike" kern="1200" cap="none" spc="0" normalizeH="0" baseline="0" noProof="0">
+              <a:ln>
+                <a:noFill/>
+              </a:ln>
+              <a:solidFill>
+                <a:schemeClr val="lt1"/>
+              </a:solidFill>
+              <a:effectLst/>
+              <a:uLnTx/>
+              <a:uFillTx/>
+              <a:latin typeface="+mn-lt"/>
+              <a:ea typeface="+mn-ea"/>
+              <a:cs typeface="+mn-cs"/>
+            </a:endParaRPr>
+          </a:p>
+        </p:txBody>
+      </p:sp>
+      <p:sp>
+        <p:nvSpPr>
+          <p:cNvPr id="6146" name="文本框 101"/>
+          <p:cNvSpPr txBox="1"/>
+          <p:nvPr/>
+        </p:nvSpPr>
+        <p:spPr>
+          <a:xfrm>
+            <a:off x="22225" y="336550"/>
+            <a:ext cx="3985895" cy="583565"/>
+          </a:xfrm>
+          <a:prstGeom prst="rect">
+            <a:avLst/>
+          </a:prstGeom>
+          <a:noFill/>
+          <a:ln w="9525">
+            <a:noFill/>
+          </a:ln>
+        </p:spPr>
+        <p:txBody>
+          <a:bodyPr wrap="square" anchor="t" anchorCtr="0">
+            <a:spAutoFit/>
+          </a:bodyPr>
+          <a:p>
+            <a:pPr>
+              <a:buFont typeface="Arial" panose="020B0604020202020204" pitchFamily="34" charset="0"/>
+            </a:pPr>
+            <a:r>
+              <a:rPr lang="en-US" altLang="zh-CN" sz="3200" b="1" dirty="0">
+                <a:solidFill>
+                  <a:schemeClr val="bg1"/>
+                </a:solidFill>
+                <a:latin typeface="Microsoft YaHei" panose="020B0503020204020204" pitchFamily="34" charset="-122"/>
+                <a:ea typeface="Microsoft YaHei" panose="020B0503020204020204" pitchFamily="34" charset="-122"/>
+              </a:rPr>
+              <a:t>Class Exercise</a:t>
+            </a:r>
+            <a:endParaRPr lang="en-US" altLang="zh-CN" sz="3200" b="1" dirty="0">
+              <a:solidFill>
+                <a:schemeClr val="bg1"/>
+              </a:solidFill>
+              <a:latin typeface="Microsoft YaHei" panose="020B0503020204020204" pitchFamily="34" charset="-122"/>
+              <a:ea typeface="Microsoft YaHei" panose="020B0503020204020204" pitchFamily="34" charset="-122"/>
+            </a:endParaRPr>
+          </a:p>
+        </p:txBody>
+      </p:sp>
+      <p:sp>
+        <p:nvSpPr>
+          <p:cNvPr id="15" name="矩形 14"/>
+          <p:cNvSpPr/>
+          <p:nvPr/>
+        </p:nvSpPr>
+        <p:spPr>
+          <a:xfrm>
+            <a:off x="3719513" y="2454275"/>
+            <a:ext cx="5913438" cy="973138"/>
+          </a:xfrm>
+          <a:prstGeom prst="rect">
+            <a:avLst/>
+          </a:prstGeom>
+          <a:noFill/>
+          <a:ln>
+            <a:solidFill>
+              <a:srgbClr val="05B780"/>
+            </a:solidFill>
+          </a:ln>
+        </p:spPr>
+        <p:style>
+          <a:lnRef idx="2">
+            <a:schemeClr val="accent1">
+              <a:shade val="50000"/>
+            </a:schemeClr>
+          </a:lnRef>
+          <a:fillRef idx="1">
+            <a:schemeClr val="accent1"/>
+          </a:fillRef>
+          <a:effectRef idx="0">
+            <a:schemeClr val="accent1"/>
+          </a:effectRef>
+          <a:fontRef idx="minor">
+            <a:schemeClr val="lt1"/>
+          </a:fontRef>
+        </p:style>
+        <p:txBody>
+          <a:bodyPr anchor="ctr"/>
+          <a:lstStyle/>
+          <a:p>
+            <a:pPr marL="0" marR="0" lvl="0" indent="0" algn="ctr" defTabSz="914400" rtl="0" eaLnBrk="1" fontAlgn="auto" latinLnBrk="0" hangingPunct="1">
+              <a:lnSpc>
+                <a:spcPct val="100000"/>
+              </a:lnSpc>
+              <a:spcBef>
+                <a:spcPts val="0"/>
+              </a:spcBef>
+              <a:spcAft>
+                <a:spcPts val="0"/>
+              </a:spcAft>
+              <a:buClrTx/>
+              <a:buSzTx/>
+              <a:buFontTx/>
+              <a:buNone/>
+              <a:defRPr/>
+            </a:pPr>
+            <a:endParaRPr kumimoji="0" lang="zh-CN" altLang="en-US" sz="4400" b="0" i="0" u="none" strike="noStrike" kern="1200" cap="none" spc="0" normalizeH="0" baseline="0" noProof="0">
+              <a:ln>
+                <a:noFill/>
+              </a:ln>
+              <a:solidFill>
+                <a:schemeClr val="lt1"/>
+              </a:solidFill>
+              <a:effectLst/>
+              <a:uLnTx/>
+              <a:uFillTx/>
+              <a:latin typeface="+mn-lt"/>
+              <a:ea typeface="+mn-ea"/>
+              <a:cs typeface="+mn-cs"/>
+            </a:endParaRPr>
+          </a:p>
+        </p:txBody>
+      </p:sp>
+      <p:sp>
+        <p:nvSpPr>
+          <p:cNvPr id="6153" name="文本框 15"/>
+          <p:cNvSpPr txBox="1"/>
+          <p:nvPr/>
+        </p:nvSpPr>
+        <p:spPr>
+          <a:xfrm>
+            <a:off x="4319588" y="2556510"/>
+            <a:ext cx="5067300" cy="583565"/>
+          </a:xfrm>
+          <a:prstGeom prst="rect">
+            <a:avLst/>
+          </a:prstGeom>
+          <a:noFill/>
+          <a:ln w="9525">
+            <a:noFill/>
+          </a:ln>
+        </p:spPr>
+        <p:txBody>
+          <a:bodyPr wrap="square" anchor="t" anchorCtr="0">
+            <a:spAutoFit/>
+          </a:bodyPr>
+          <a:p>
+            <a:pPr>
+              <a:buFont typeface="Arial" panose="020B0604020202020204" pitchFamily="34" charset="0"/>
+            </a:pPr>
+            <a:r>
+              <a:rPr lang="en-US" altLang="zh-CN" sz="3200" b="1" dirty="0">
+                <a:solidFill>
+                  <a:srgbClr val="05B780"/>
+                </a:solidFill>
+                <a:latin typeface="Microsoft YaHei" panose="020B0503020204020204" pitchFamily="34" charset="-122"/>
+                <a:ea typeface="Microsoft YaHei" panose="020B0503020204020204" pitchFamily="34" charset="-122"/>
+              </a:rPr>
+              <a:t>Class Exercises</a:t>
+            </a:r>
+            <a:endParaRPr lang="en-US" altLang="zh-CN" sz="3200" b="1" dirty="0">
+              <a:solidFill>
+                <a:srgbClr val="05B780"/>
+              </a:solidFill>
+              <a:latin typeface="Microsoft YaHei" panose="020B0503020204020204" pitchFamily="34" charset="-122"/>
+              <a:ea typeface="Microsoft YaHei" panose="020B0503020204020204" pitchFamily="34" charset="-122"/>
+            </a:endParaRPr>
+          </a:p>
+        </p:txBody>
+      </p:sp>
+      <p:grpSp>
+        <p:nvGrpSpPr>
+          <p:cNvPr id="6154" name="组合 16"/>
+          <p:cNvGrpSpPr/>
+          <p:nvPr/>
+        </p:nvGrpSpPr>
+        <p:grpSpPr>
+          <a:xfrm>
+            <a:off x="2179628" y="2022465"/>
+            <a:ext cx="1742436" cy="1839913"/>
+            <a:chOff x="1473123" y="1521447"/>
+            <a:chExt cx="645926" cy="681967"/>
+          </a:xfrm>
+        </p:grpSpPr>
+        <p:sp>
+          <p:nvSpPr>
+            <p:cNvPr id="18" name="六边形 17"/>
+            <p:cNvSpPr/>
+            <p:nvPr/>
+          </p:nvSpPr>
+          <p:spPr>
+            <a:xfrm rot="5400000">
+              <a:off x="1426090" y="1568479"/>
+              <a:ext cx="681967" cy="587902"/>
+            </a:xfrm>
+            <a:prstGeom prst="hexagon">
+              <a:avLst>
+                <a:gd name="adj" fmla="val 27469"/>
+                <a:gd name="vf" fmla="val 115470"/>
+              </a:avLst>
+            </a:prstGeom>
+            <a:solidFill>
+              <a:srgbClr val="05B780"/>
+            </a:solidFill>
+            <a:ln>
+              <a:noFill/>
+            </a:ln>
+          </p:spPr>
+          <p:style>
+            <a:lnRef idx="2">
+              <a:schemeClr val="accent1">
+                <a:shade val="50000"/>
+              </a:schemeClr>
+            </a:lnRef>
+            <a:fillRef idx="1">
+              <a:schemeClr val="accent1"/>
+            </a:fillRef>
+            <a:effectRef idx="0">
+              <a:schemeClr val="accent1"/>
+            </a:effectRef>
+            <a:fontRef idx="minor">
+              <a:schemeClr val="lt1"/>
+            </a:fontRef>
+          </p:style>
+          <p:txBody>
+            <a:bodyPr anchor="ctr"/>
+            <a:lstStyle/>
+            <a:p>
+              <a:pPr marL="0" marR="0" lvl="0" indent="0" algn="ctr" defTabSz="914400" rtl="0" eaLnBrk="1" fontAlgn="auto" latinLnBrk="0" hangingPunct="1">
+                <a:lnSpc>
+                  <a:spcPct val="100000"/>
+                </a:lnSpc>
+                <a:spcBef>
+                  <a:spcPts val="0"/>
+                </a:spcBef>
+                <a:spcAft>
+                  <a:spcPts val="0"/>
+                </a:spcAft>
+                <a:buClrTx/>
+                <a:buSzTx/>
+                <a:buFontTx/>
+                <a:buNone/>
+                <a:defRPr/>
+              </a:pPr>
+              <a:endParaRPr kumimoji="0" lang="zh-CN" altLang="en-US" sz="4400" b="0" i="0" u="none" strike="noStrike" kern="1200" cap="none" spc="0" normalizeH="0" baseline="0" noProof="0">
+                <a:ln>
+                  <a:noFill/>
+                </a:ln>
+                <a:solidFill>
+                  <a:schemeClr val="lt1"/>
+                </a:solidFill>
+                <a:effectLst/>
+                <a:uLnTx/>
+                <a:uFillTx/>
+                <a:latin typeface="+mn-lt"/>
+                <a:ea typeface="+mn-ea"/>
+                <a:cs typeface="+mn-cs"/>
+              </a:endParaRPr>
+            </a:p>
+          </p:txBody>
+        </p:sp>
+        <p:sp>
+          <p:nvSpPr>
+            <p:cNvPr id="6156" name="文本框 18"/>
+            <p:cNvSpPr txBox="1"/>
+            <p:nvPr/>
+          </p:nvSpPr>
+          <p:spPr>
+            <a:xfrm>
+              <a:off x="1532912" y="1719387"/>
+              <a:ext cx="586137" cy="284790"/>
+            </a:xfrm>
+            <a:prstGeom prst="rect">
+              <a:avLst/>
+            </a:prstGeom>
+            <a:noFill/>
+            <a:ln w="9525">
+              <a:noFill/>
+            </a:ln>
+          </p:spPr>
+          <p:txBody>
+            <a:bodyPr wrap="square" anchor="t" anchorCtr="0">
+              <a:spAutoFit/>
+            </a:bodyPr>
+            <a:p>
+              <a:pPr>
+                <a:buFont typeface="Arial" panose="020B0604020202020204" pitchFamily="34" charset="0"/>
+              </a:pPr>
+              <a:r>
+                <a:rPr lang="en-US" altLang="zh-CN" sz="4400" b="1" dirty="0">
+                  <a:solidFill>
+                    <a:schemeClr val="bg1"/>
+                  </a:solidFill>
+                  <a:latin typeface="Microsoft YaHei" panose="020B0503020204020204" pitchFamily="34" charset="-122"/>
+                  <a:ea typeface="Microsoft YaHei" panose="020B0503020204020204" pitchFamily="34" charset="-122"/>
+                </a:rPr>
+                <a:t>04</a:t>
+              </a:r>
+              <a:endParaRPr lang="en-US" altLang="zh-CN" sz="4400" b="1" dirty="0">
+                <a:solidFill>
+                  <a:schemeClr val="bg1"/>
+                </a:solidFill>
+                <a:latin typeface="Microsoft YaHei" panose="020B0503020204020204" pitchFamily="34" charset="-122"/>
+                <a:ea typeface="Microsoft YaHei" panose="020B0503020204020204" pitchFamily="34" charset="-122"/>
+              </a:endParaRPr>
+            </a:p>
+          </p:txBody>
+        </p:sp>
+      </p:grpSp>
+    </p:spTree>
+  </p:cSld>
+  <p:clrMapOvr>
+    <a:masterClrMapping/>
+  </p:clrMapOvr>
+  <p:transition spd="slow">
+    <p:wipe/>
+  </p:transition>
+</p:sld>
+</file>
+
+<file path=ppt/slides/slide26.xml><?xml version="1.0" encoding="utf-8"?>
+<p:sld xmlns:a="http://schemas.openxmlformats.org/drawingml/2006/main" xmlns:r="http://schemas.openxmlformats.org/officeDocument/2006/relationships" xmlns:p="http://schemas.openxmlformats.org/presentationml/2006/main">
+  <p:cSld>
+    <p:spTree>
+      <p:nvGrpSpPr>
+        <p:cNvPr id="1" name=""/>
+        <p:cNvGrpSpPr/>
+        <p:nvPr/>
+      </p:nvGrpSpPr>
+      <p:grpSpPr/>
+      <p:sp>
+        <p:nvSpPr>
+          <p:cNvPr id="15" name="任意多边形 14"/>
+          <p:cNvSpPr/>
+          <p:nvPr/>
+        </p:nvSpPr>
+        <p:spPr>
+          <a:xfrm>
+            <a:off x="0" y="274638"/>
+            <a:ext cx="890588" cy="639763"/>
+          </a:xfrm>
+          <a:custGeom>
+            <a:avLst/>
+            <a:gdLst>
+              <a:gd name="connsiteX0" fmla="*/ 0 w 1029743"/>
+              <a:gd name="connsiteY0" fmla="*/ 0 h 739718"/>
+              <a:gd name="connsiteX1" fmla="*/ 659884 w 1029743"/>
+              <a:gd name="connsiteY1" fmla="*/ 0 h 739718"/>
+              <a:gd name="connsiteX2" fmla="*/ 1029743 w 1029743"/>
+              <a:gd name="connsiteY2" fmla="*/ 369859 h 739718"/>
+              <a:gd name="connsiteX3" fmla="*/ 659884 w 1029743"/>
+              <a:gd name="connsiteY3" fmla="*/ 739718 h 739718"/>
+              <a:gd name="connsiteX4" fmla="*/ 0 w 1029743"/>
+              <a:gd name="connsiteY4" fmla="*/ 739718 h 739718"/>
+            </a:gdLst>
+            <a:ahLst/>
+            <a:cxnLst>
+              <a:cxn ang="0">
+                <a:pos x="connsiteX0" y="connsiteY0"/>
+              </a:cxn>
+              <a:cxn ang="0">
+                <a:pos x="connsiteX1" y="connsiteY1"/>
+              </a:cxn>
+              <a:cxn ang="0">
+                <a:pos x="connsiteX2" y="connsiteY2"/>
+              </a:cxn>
+              <a:cxn ang="0">
+                <a:pos x="connsiteX3" y="connsiteY3"/>
+              </a:cxn>
+              <a:cxn ang="0">
+                <a:pos x="connsiteX4" y="connsiteY4"/>
+              </a:cxn>
+            </a:cxnLst>
+            <a:rect l="l" t="t" r="r" b="b"/>
+            <a:pathLst>
+              <a:path w="1029743" h="739718">
+                <a:moveTo>
+                  <a:pt x="0" y="0"/>
+                </a:moveTo>
+                <a:lnTo>
+                  <a:pt x="659884" y="0"/>
+                </a:lnTo>
+                <a:cubicBezTo>
+                  <a:pt x="864151" y="0"/>
+                  <a:pt x="1029743" y="165592"/>
+                  <a:pt x="1029743" y="369859"/>
+                </a:cubicBezTo>
+                <a:cubicBezTo>
+                  <a:pt x="1029743" y="574126"/>
+                  <a:pt x="864151" y="739718"/>
+                  <a:pt x="659884" y="739718"/>
+                </a:cubicBezTo>
+                <a:lnTo>
+                  <a:pt x="0" y="739718"/>
+                </a:lnTo>
+                <a:close/>
+              </a:path>
+            </a:pathLst>
+          </a:custGeom>
+          <a:solidFill>
+            <a:srgbClr val="05B780"/>
+          </a:solidFill>
+          <a:ln>
+            <a:noFill/>
+          </a:ln>
+        </p:spPr>
+        <p:style>
+          <a:lnRef idx="2">
+            <a:schemeClr val="accent1">
+              <a:shade val="50000"/>
+            </a:schemeClr>
+          </a:lnRef>
+          <a:fillRef idx="1">
+            <a:schemeClr val="accent1"/>
+          </a:fillRef>
+          <a:effectRef idx="0">
+            <a:schemeClr val="accent1"/>
+          </a:effectRef>
+          <a:fontRef idx="minor">
+            <a:schemeClr val="lt1"/>
+          </a:fontRef>
+        </p:style>
+        <p:txBody>
+          <a:bodyPr anchor="ctr"/>
+          <a:lstStyle/>
+          <a:p>
+            <a:pPr marL="0" marR="0" lvl="0" indent="0" algn="ctr" defTabSz="914400" rtl="0" eaLnBrk="1" fontAlgn="auto" latinLnBrk="0" hangingPunct="1">
+              <a:lnSpc>
+                <a:spcPct val="100000"/>
+              </a:lnSpc>
+              <a:spcBef>
+                <a:spcPts val="0"/>
+              </a:spcBef>
+              <a:spcAft>
+                <a:spcPts val="0"/>
+              </a:spcAft>
+              <a:buClrTx/>
+              <a:buSzTx/>
+              <a:buFontTx/>
+              <a:buNone/>
+              <a:defRPr/>
+            </a:pPr>
+            <a:endParaRPr kumimoji="0" lang="zh-CN" altLang="en-US" sz="1800" b="0" i="0" u="none" strike="noStrike" kern="1200" cap="none" spc="0" normalizeH="0" baseline="0" noProof="0">
+              <a:ln>
+                <a:noFill/>
+              </a:ln>
+              <a:solidFill>
+                <a:schemeClr val="bg1"/>
+              </a:solidFill>
+              <a:effectLst/>
+              <a:uLnTx/>
+              <a:uFillTx/>
+              <a:latin typeface="+mn-lt"/>
+              <a:ea typeface="+mn-ea"/>
+              <a:cs typeface="+mn-cs"/>
+            </a:endParaRPr>
+          </a:p>
+        </p:txBody>
+      </p:sp>
+      <p:sp>
+        <p:nvSpPr>
+          <p:cNvPr id="7170" name="文本框 156"/>
+          <p:cNvSpPr txBox="1"/>
+          <p:nvPr/>
+        </p:nvSpPr>
+        <p:spPr>
+          <a:xfrm>
+            <a:off x="0" y="350838"/>
+            <a:ext cx="814388" cy="521970"/>
+          </a:xfrm>
+          <a:prstGeom prst="rect">
+            <a:avLst/>
+          </a:prstGeom>
+          <a:noFill/>
+          <a:ln w="9525">
+            <a:noFill/>
+          </a:ln>
+        </p:spPr>
+        <p:txBody>
+          <a:bodyPr anchor="t" anchorCtr="0">
+            <a:spAutoFit/>
+          </a:bodyPr>
+          <a:p>
+            <a:pPr>
+              <a:buFont typeface="Arial" panose="020B0604020202020204" pitchFamily="34" charset="0"/>
+            </a:pPr>
+            <a:r>
+              <a:rPr lang="en-US" altLang="zh-CN" sz="2800" b="1" dirty="0">
+                <a:solidFill>
+                  <a:schemeClr val="bg1"/>
+                </a:solidFill>
+                <a:latin typeface="Microsoft YaHei" panose="020B0503020204020204" pitchFamily="34" charset="-122"/>
+                <a:ea typeface="Microsoft YaHei" panose="020B0503020204020204" pitchFamily="34" charset="-122"/>
+              </a:rPr>
+              <a:t>1.1</a:t>
+            </a:r>
+            <a:endParaRPr lang="en-US" altLang="zh-CN" sz="2800" b="1" dirty="0">
+              <a:solidFill>
+                <a:schemeClr val="bg1"/>
+              </a:solidFill>
+              <a:latin typeface="Microsoft YaHei" panose="020B0503020204020204" pitchFamily="34" charset="-122"/>
+              <a:ea typeface="Microsoft YaHei" panose="020B0503020204020204" pitchFamily="34" charset="-122"/>
+            </a:endParaRPr>
+          </a:p>
+        </p:txBody>
+      </p:sp>
+      <p:sp>
+        <p:nvSpPr>
+          <p:cNvPr id="16" name="Rectangle 6"/>
+          <p:cNvSpPr>
+            <a:spLocks noChangeArrowheads="1"/>
+          </p:cNvSpPr>
+          <p:nvPr/>
+        </p:nvSpPr>
+        <p:spPr bwMode="black">
+          <a:xfrm>
+            <a:off x="1021080" y="351155"/>
+            <a:ext cx="6515735" cy="521970"/>
+          </a:xfrm>
+          <a:prstGeom prst="rect">
+            <a:avLst/>
+          </a:prstGeom>
+          <a:noFill/>
+          <a:ln>
+            <a:noFill/>
+          </a:ln>
+          <a:effectLst/>
+          <a:extLst>
+            <a:ext uri="{909E8E84-426E-40DD-AFC4-6F175D3DCCD1}">
+              <a14:hiddenFill xmlns:a14="http://schemas.microsoft.com/office/drawing/2010/main">
+                <a:solidFill>
+                  <a:schemeClr val="accent1"/>
+                </a:solidFill>
+              </a14:hiddenFill>
+            </a:ext>
+            <a:ext uri="{91240B29-F687-4F45-9708-019B960494DF}">
+              <a14:hiddenLine xmlns:a14="http://schemas.microsoft.com/office/drawing/2010/main" w="9525">
+                <a:solidFill>
+                  <a:schemeClr val="tx1"/>
+                </a:solidFill>
+                <a:miter lim="800000"/>
+                <a:headEnd/>
+                <a:tailEnd/>
+              </a14:hiddenLine>
+            </a:ext>
+            <a:ext uri="{AF507438-7753-43E0-B8FC-AC1667EBCBE1}">
+              <a14:hiddenEffects xmlns:a14="http://schemas.microsoft.com/office/drawing/2010/main">
+                <a:effectLst>
+                  <a:outerShdw dist="35921" dir="2700000" algn="ctr" rotWithShape="0">
+                    <a:schemeClr val="bg2"/>
+                  </a:outerShdw>
+                </a:effectLst>
+              </a14:hiddenEffects>
+            </a:ext>
+          </a:extLst>
+        </p:spPr>
+        <p:txBody>
+          <a:bodyPr wrap="square">
+            <a:spAutoFit/>
+          </a:bodyPr>
+          <a:lstStyle/>
+          <a:p>
+            <a:pPr marL="0" marR="0" lvl="0" indent="0" algn="l" defTabSz="914400" rtl="0" eaLnBrk="0" fontAlgn="auto" latinLnBrk="0" hangingPunct="0">
+              <a:lnSpc>
+                <a:spcPct val="100000"/>
+              </a:lnSpc>
+              <a:spcBef>
+                <a:spcPts val="0"/>
+              </a:spcBef>
+              <a:spcAft>
+                <a:spcPts val="0"/>
+              </a:spcAft>
+              <a:buClrTx/>
+              <a:buSzTx/>
+              <a:buFontTx/>
+              <a:buNone/>
+              <a:defRPr/>
+            </a:pPr>
+            <a:r>
+              <a:rPr kumimoji="0" lang="en-US" altLang="zh-CN" sz="2800" b="1" i="0" u="none" strike="noStrike" kern="1200" cap="none" spc="0" normalizeH="0" baseline="0" noProof="0" dirty="0">
+                <a:ln>
+                  <a:noFill/>
+                </a:ln>
+                <a:solidFill>
+                  <a:schemeClr val="tx1">
+                    <a:lumMod val="85000"/>
+                    <a:lumOff val="15000"/>
+                  </a:schemeClr>
+                </a:solidFill>
+                <a:effectLst/>
+                <a:uLnTx/>
+                <a:uFillTx/>
+                <a:latin typeface="Microsoft YaHei" panose="020B0503020204020204" pitchFamily="34" charset="-122"/>
+                <a:ea typeface="Microsoft YaHei" panose="020B0503020204020204" pitchFamily="34" charset="-122"/>
+                <a:cs typeface="+mn-cs"/>
+                <a:sym typeface="+mn-ea"/>
+              </a:rPr>
+              <a:t>Delete Duplicates in Linked List</a:t>
+            </a:r>
+            <a:endParaRPr kumimoji="0" lang="en-US" altLang="zh-CN" sz="2800" b="1" i="0" u="none" strike="noStrike" kern="1200" cap="none" spc="0" normalizeH="0" baseline="0" noProof="0" dirty="0">
+              <a:ln>
+                <a:noFill/>
+              </a:ln>
+              <a:solidFill>
+                <a:schemeClr val="tx1">
+                  <a:lumMod val="85000"/>
+                  <a:lumOff val="15000"/>
+                </a:schemeClr>
+              </a:solidFill>
+              <a:effectLst/>
+              <a:uLnTx/>
+              <a:uFillTx/>
+              <a:latin typeface="Microsoft YaHei" panose="020B0503020204020204" pitchFamily="34" charset="-122"/>
+              <a:ea typeface="Microsoft YaHei" panose="020B0503020204020204" pitchFamily="34" charset="-122"/>
+              <a:cs typeface="+mn-cs"/>
+              <a:sym typeface="+mn-ea"/>
+            </a:endParaRPr>
+          </a:p>
+        </p:txBody>
+      </p:sp>
+      <p:sp>
+        <p:nvSpPr>
+          <p:cNvPr id="3" name="Content Placeholder 2"/>
+          <p:cNvSpPr/>
+          <p:nvPr>
+            <p:ph idx="1"/>
+          </p:nvPr>
+        </p:nvSpPr>
+        <p:spPr/>
+        <p:txBody>
+          <a:bodyPr/>
+          <a:p>
+            <a:r>
+              <a:rPr lang="en-US"/>
+              <a:t>Given the head of a sorted linked list, delete all duplicates such that each element appears only once. Return the linked list sorted as well.</a:t>
+            </a:r>
+            <a:endParaRPr lang="en-US"/>
+          </a:p>
+        </p:txBody>
+      </p:sp>
+      <p:pic>
+        <p:nvPicPr>
+          <p:cNvPr id="2" name="Picture 1"/>
+          <p:cNvPicPr>
+            <a:picLocks noChangeAspect="1"/>
+          </p:cNvPicPr>
+          <p:nvPr/>
+        </p:nvPicPr>
+        <p:blipFill>
+          <a:blip r:embed="rId1"/>
+          <a:stretch>
+            <a:fillRect/>
+          </a:stretch>
+        </p:blipFill>
+        <p:spPr>
+          <a:xfrm>
+            <a:off x="3463290" y="2954020"/>
+            <a:ext cx="5534025" cy="3057525"/>
+          </a:xfrm>
+          <a:prstGeom prst="rect">
+            <a:avLst/>
+          </a:prstGeom>
+        </p:spPr>
+      </p:pic>
+    </p:spTree>
+  </p:cSld>
+  <p:clrMapOvr>
+    <a:masterClrMapping/>
+  </p:clrMapOvr>
+  <p:transition spd="slow">
+    <p:wipe/>
+  </p:transition>
+</p:sld>
+</file>
+
+<file path=ppt/slides/slide27.xml><?xml version="1.0" encoding="utf-8"?>
+<p:sld xmlns:a="http://schemas.openxmlformats.org/drawingml/2006/main" xmlns:r="http://schemas.openxmlformats.org/officeDocument/2006/relationships" xmlns:p="http://schemas.openxmlformats.org/presentationml/2006/main">
+  <p:cSld>
+    <p:spTree>
+      <p:nvGrpSpPr>
+        <p:cNvPr id="1" name=""/>
+        <p:cNvGrpSpPr/>
+        <p:nvPr/>
+      </p:nvGrpSpPr>
+      <p:grpSpPr/>
+      <p:sp>
+        <p:nvSpPr>
+          <p:cNvPr id="15" name="任意多边形 14"/>
+          <p:cNvSpPr/>
+          <p:nvPr/>
+        </p:nvSpPr>
+        <p:spPr>
+          <a:xfrm>
+            <a:off x="0" y="274638"/>
+            <a:ext cx="890588" cy="639763"/>
+          </a:xfrm>
+          <a:custGeom>
+            <a:avLst/>
+            <a:gdLst>
+              <a:gd name="connsiteX0" fmla="*/ 0 w 1029743"/>
+              <a:gd name="connsiteY0" fmla="*/ 0 h 739718"/>
+              <a:gd name="connsiteX1" fmla="*/ 659884 w 1029743"/>
+              <a:gd name="connsiteY1" fmla="*/ 0 h 739718"/>
+              <a:gd name="connsiteX2" fmla="*/ 1029743 w 1029743"/>
+              <a:gd name="connsiteY2" fmla="*/ 369859 h 739718"/>
+              <a:gd name="connsiteX3" fmla="*/ 659884 w 1029743"/>
+              <a:gd name="connsiteY3" fmla="*/ 739718 h 739718"/>
+              <a:gd name="connsiteX4" fmla="*/ 0 w 1029743"/>
+              <a:gd name="connsiteY4" fmla="*/ 739718 h 739718"/>
+            </a:gdLst>
+            <a:ahLst/>
+            <a:cxnLst>
+              <a:cxn ang="0">
+                <a:pos x="connsiteX0" y="connsiteY0"/>
+              </a:cxn>
+              <a:cxn ang="0">
+                <a:pos x="connsiteX1" y="connsiteY1"/>
+              </a:cxn>
+              <a:cxn ang="0">
+                <a:pos x="connsiteX2" y="connsiteY2"/>
+              </a:cxn>
+              <a:cxn ang="0">
+                <a:pos x="connsiteX3" y="connsiteY3"/>
+              </a:cxn>
+              <a:cxn ang="0">
+                <a:pos x="connsiteX4" y="connsiteY4"/>
+              </a:cxn>
+            </a:cxnLst>
+            <a:rect l="l" t="t" r="r" b="b"/>
+            <a:pathLst>
+              <a:path w="1029743" h="739718">
+                <a:moveTo>
+                  <a:pt x="0" y="0"/>
+                </a:moveTo>
+                <a:lnTo>
+                  <a:pt x="659884" y="0"/>
+                </a:lnTo>
+                <a:cubicBezTo>
+                  <a:pt x="864151" y="0"/>
+                  <a:pt x="1029743" y="165592"/>
+                  <a:pt x="1029743" y="369859"/>
+                </a:cubicBezTo>
+                <a:cubicBezTo>
+                  <a:pt x="1029743" y="574126"/>
+                  <a:pt x="864151" y="739718"/>
+                  <a:pt x="659884" y="739718"/>
+                </a:cubicBezTo>
+                <a:lnTo>
+                  <a:pt x="0" y="739718"/>
+                </a:lnTo>
+                <a:close/>
+              </a:path>
+            </a:pathLst>
+          </a:custGeom>
+          <a:solidFill>
+            <a:srgbClr val="05B780"/>
+          </a:solidFill>
+          <a:ln>
+            <a:noFill/>
+          </a:ln>
+        </p:spPr>
+        <p:style>
+          <a:lnRef idx="2">
+            <a:schemeClr val="accent1">
+              <a:shade val="50000"/>
+            </a:schemeClr>
+          </a:lnRef>
+          <a:fillRef idx="1">
+            <a:schemeClr val="accent1"/>
+          </a:fillRef>
+          <a:effectRef idx="0">
+            <a:schemeClr val="accent1"/>
+          </a:effectRef>
+          <a:fontRef idx="minor">
+            <a:schemeClr val="lt1"/>
+          </a:fontRef>
+        </p:style>
+        <p:txBody>
+          <a:bodyPr anchor="ctr"/>
+          <a:lstStyle/>
+          <a:p>
+            <a:pPr marL="0" marR="0" lvl="0" indent="0" algn="ctr" defTabSz="914400" rtl="0" eaLnBrk="1" fontAlgn="auto" latinLnBrk="0" hangingPunct="1">
+              <a:lnSpc>
+                <a:spcPct val="100000"/>
+              </a:lnSpc>
+              <a:spcBef>
+                <a:spcPts val="0"/>
+              </a:spcBef>
+              <a:spcAft>
+                <a:spcPts val="0"/>
+              </a:spcAft>
+              <a:buClrTx/>
+              <a:buSzTx/>
+              <a:buFontTx/>
+              <a:buNone/>
+              <a:defRPr/>
+            </a:pPr>
+            <a:endParaRPr kumimoji="0" lang="zh-CN" altLang="en-US" sz="1800" b="0" i="0" u="none" strike="noStrike" kern="1200" cap="none" spc="0" normalizeH="0" baseline="0" noProof="0">
+              <a:ln>
+                <a:noFill/>
+              </a:ln>
+              <a:solidFill>
+                <a:schemeClr val="bg1"/>
+              </a:solidFill>
+              <a:effectLst/>
+              <a:uLnTx/>
+              <a:uFillTx/>
+              <a:latin typeface="+mn-lt"/>
+              <a:ea typeface="+mn-ea"/>
+              <a:cs typeface="+mn-cs"/>
+            </a:endParaRPr>
+          </a:p>
+        </p:txBody>
+      </p:sp>
+      <p:sp>
+        <p:nvSpPr>
+          <p:cNvPr id="7170" name="文本框 156"/>
+          <p:cNvSpPr txBox="1"/>
+          <p:nvPr/>
+        </p:nvSpPr>
+        <p:spPr>
+          <a:xfrm>
+            <a:off x="0" y="350838"/>
+            <a:ext cx="814388" cy="521970"/>
+          </a:xfrm>
+          <a:prstGeom prst="rect">
+            <a:avLst/>
+          </a:prstGeom>
+          <a:noFill/>
+          <a:ln w="9525">
+            <a:noFill/>
+          </a:ln>
+        </p:spPr>
+        <p:txBody>
+          <a:bodyPr anchor="t" anchorCtr="0">
+            <a:spAutoFit/>
+          </a:bodyPr>
+          <a:p>
+            <a:pPr>
+              <a:buFont typeface="Arial" panose="020B0604020202020204" pitchFamily="34" charset="0"/>
+            </a:pPr>
+            <a:r>
+              <a:rPr lang="en-US" altLang="zh-CN" sz="2800" b="1" dirty="0">
+                <a:solidFill>
+                  <a:schemeClr val="bg1"/>
+                </a:solidFill>
+                <a:latin typeface="Microsoft YaHei" panose="020B0503020204020204" pitchFamily="34" charset="-122"/>
+                <a:ea typeface="Microsoft YaHei" panose="020B0503020204020204" pitchFamily="34" charset="-122"/>
+              </a:rPr>
+              <a:t>1.1</a:t>
+            </a:r>
+            <a:endParaRPr lang="en-US" altLang="zh-CN" sz="2800" b="1" dirty="0">
+              <a:solidFill>
+                <a:schemeClr val="bg1"/>
+              </a:solidFill>
+              <a:latin typeface="Microsoft YaHei" panose="020B0503020204020204" pitchFamily="34" charset="-122"/>
+              <a:ea typeface="Microsoft YaHei" panose="020B0503020204020204" pitchFamily="34" charset="-122"/>
+            </a:endParaRPr>
+          </a:p>
+        </p:txBody>
+      </p:sp>
+      <p:sp>
+        <p:nvSpPr>
+          <p:cNvPr id="16" name="Rectangle 6"/>
+          <p:cNvSpPr>
+            <a:spLocks noChangeArrowheads="1"/>
+          </p:cNvSpPr>
+          <p:nvPr/>
+        </p:nvSpPr>
+        <p:spPr bwMode="black">
+          <a:xfrm>
+            <a:off x="1021080" y="351155"/>
+            <a:ext cx="6515735" cy="521970"/>
+          </a:xfrm>
+          <a:prstGeom prst="rect">
+            <a:avLst/>
+          </a:prstGeom>
+          <a:noFill/>
+          <a:ln>
+            <a:noFill/>
+          </a:ln>
+          <a:effectLst/>
+          <a:extLst>
+            <a:ext uri="{909E8E84-426E-40DD-AFC4-6F175D3DCCD1}">
+              <a14:hiddenFill xmlns:a14="http://schemas.microsoft.com/office/drawing/2010/main">
+                <a:solidFill>
+                  <a:schemeClr val="accent1"/>
+                </a:solidFill>
+              </a14:hiddenFill>
+            </a:ext>
+            <a:ext uri="{91240B29-F687-4F45-9708-019B960494DF}">
+              <a14:hiddenLine xmlns:a14="http://schemas.microsoft.com/office/drawing/2010/main" w="9525">
+                <a:solidFill>
+                  <a:schemeClr val="tx1"/>
+                </a:solidFill>
+                <a:miter lim="800000"/>
+                <a:headEnd/>
+                <a:tailEnd/>
+              </a14:hiddenLine>
+            </a:ext>
+            <a:ext uri="{AF507438-7753-43E0-B8FC-AC1667EBCBE1}">
+              <a14:hiddenEffects xmlns:a14="http://schemas.microsoft.com/office/drawing/2010/main">
+                <a:effectLst>
+                  <a:outerShdw dist="35921" dir="2700000" algn="ctr" rotWithShape="0">
+                    <a:schemeClr val="bg2"/>
+                  </a:outerShdw>
+                </a:effectLst>
+              </a14:hiddenEffects>
+            </a:ext>
+          </a:extLst>
+        </p:spPr>
+        <p:txBody>
+          <a:bodyPr wrap="square">
+            <a:spAutoFit/>
+          </a:bodyPr>
+          <a:lstStyle/>
+          <a:p>
+            <a:pPr marL="0" marR="0" lvl="0" indent="0" algn="l" defTabSz="914400" rtl="0" eaLnBrk="0" fontAlgn="auto" latinLnBrk="0" hangingPunct="0">
+              <a:lnSpc>
+                <a:spcPct val="100000"/>
+              </a:lnSpc>
+              <a:spcBef>
+                <a:spcPts val="0"/>
+              </a:spcBef>
+              <a:spcAft>
+                <a:spcPts val="0"/>
+              </a:spcAft>
+              <a:buClrTx/>
+              <a:buSzTx/>
+              <a:buFontTx/>
+              <a:buNone/>
+              <a:defRPr/>
+            </a:pPr>
+            <a:r>
+              <a:rPr kumimoji="0" lang="en-US" altLang="zh-CN" sz="2800" b="1" i="0" u="none" strike="noStrike" kern="1200" cap="none" spc="0" normalizeH="0" baseline="0" noProof="0" dirty="0">
+                <a:ln>
+                  <a:noFill/>
+                </a:ln>
+                <a:solidFill>
+                  <a:schemeClr val="tx1">
+                    <a:lumMod val="85000"/>
+                    <a:lumOff val="15000"/>
+                  </a:schemeClr>
+                </a:solidFill>
+                <a:effectLst/>
+                <a:uLnTx/>
+                <a:uFillTx/>
+                <a:latin typeface="Microsoft YaHei" panose="020B0503020204020204" pitchFamily="34" charset="-122"/>
+                <a:ea typeface="Microsoft YaHei" panose="020B0503020204020204" pitchFamily="34" charset="-122"/>
+                <a:cs typeface="+mn-cs"/>
+                <a:sym typeface="+mn-ea"/>
+              </a:rPr>
+              <a:t>LRU Cache</a:t>
+            </a:r>
+            <a:endParaRPr kumimoji="0" lang="en-US" altLang="zh-CN" sz="2800" b="1" i="0" u="none" strike="noStrike" kern="1200" cap="none" spc="0" normalizeH="0" baseline="0" noProof="0" dirty="0">
+              <a:ln>
+                <a:noFill/>
+              </a:ln>
+              <a:solidFill>
+                <a:schemeClr val="tx1">
+                  <a:lumMod val="85000"/>
+                  <a:lumOff val="15000"/>
+                </a:schemeClr>
+              </a:solidFill>
+              <a:effectLst/>
+              <a:uLnTx/>
+              <a:uFillTx/>
+              <a:latin typeface="Microsoft YaHei" panose="020B0503020204020204" pitchFamily="34" charset="-122"/>
+              <a:ea typeface="Microsoft YaHei" panose="020B0503020204020204" pitchFamily="34" charset="-122"/>
+              <a:cs typeface="+mn-cs"/>
+              <a:sym typeface="+mn-ea"/>
+            </a:endParaRPr>
+          </a:p>
+        </p:txBody>
+      </p:sp>
+      <p:sp>
+        <p:nvSpPr>
+          <p:cNvPr id="3" name="Content Placeholder 2"/>
+          <p:cNvSpPr/>
+          <p:nvPr>
+            <p:ph idx="1"/>
+          </p:nvPr>
+        </p:nvSpPr>
+        <p:spPr/>
+        <p:txBody>
+          <a:bodyPr/>
+          <a:p>
+            <a:endParaRPr lang="en-US"/>
+          </a:p>
+        </p:txBody>
+      </p:sp>
+    </p:spTree>
+  </p:cSld>
+  <p:clrMapOvr>
+    <a:masterClrMapping/>
+  </p:clrMapOvr>
+  <p:transition spd="slow">
+    <p:wipe/>
+  </p:transition>
+</p:sld>
+</file>
+
+<file path=ppt/slides/slide28.xml><?xml version="1.0" encoding="utf-8"?>
+<p:sld xmlns:a="http://schemas.openxmlformats.org/drawingml/2006/main" xmlns:r="http://schemas.openxmlformats.org/officeDocument/2006/relationships" xmlns:p="http://schemas.openxmlformats.org/presentationml/2006/main">
+  <p:cSld>
+    <p:spTree>
+      <p:nvGrpSpPr>
+        <p:cNvPr id="1" name=""/>
+        <p:cNvGrpSpPr/>
+        <p:nvPr/>
+      </p:nvGrpSpPr>
+      <p:grpSpPr/>
+      <p:sp>
+        <p:nvSpPr>
+          <p:cNvPr id="15" name="任意多边形 14"/>
+          <p:cNvSpPr/>
+          <p:nvPr/>
+        </p:nvSpPr>
+        <p:spPr>
+          <a:xfrm>
+            <a:off x="0" y="274638"/>
+            <a:ext cx="890588" cy="639763"/>
+          </a:xfrm>
+          <a:custGeom>
+            <a:avLst/>
+            <a:gdLst>
+              <a:gd name="connsiteX0" fmla="*/ 0 w 1029743"/>
+              <a:gd name="connsiteY0" fmla="*/ 0 h 739718"/>
+              <a:gd name="connsiteX1" fmla="*/ 659884 w 1029743"/>
+              <a:gd name="connsiteY1" fmla="*/ 0 h 739718"/>
+              <a:gd name="connsiteX2" fmla="*/ 1029743 w 1029743"/>
+              <a:gd name="connsiteY2" fmla="*/ 369859 h 739718"/>
+              <a:gd name="connsiteX3" fmla="*/ 659884 w 1029743"/>
+              <a:gd name="connsiteY3" fmla="*/ 739718 h 739718"/>
+              <a:gd name="connsiteX4" fmla="*/ 0 w 1029743"/>
+              <a:gd name="connsiteY4" fmla="*/ 739718 h 739718"/>
+            </a:gdLst>
+            <a:ahLst/>
+            <a:cxnLst>
+              <a:cxn ang="0">
+                <a:pos x="connsiteX0" y="connsiteY0"/>
+              </a:cxn>
+              <a:cxn ang="0">
+                <a:pos x="connsiteX1" y="connsiteY1"/>
+              </a:cxn>
+              <a:cxn ang="0">
+                <a:pos x="connsiteX2" y="connsiteY2"/>
+              </a:cxn>
+              <a:cxn ang="0">
+                <a:pos x="connsiteX3" y="connsiteY3"/>
+              </a:cxn>
+              <a:cxn ang="0">
+                <a:pos x="connsiteX4" y="connsiteY4"/>
+              </a:cxn>
+            </a:cxnLst>
+            <a:rect l="l" t="t" r="r" b="b"/>
+            <a:pathLst>
+              <a:path w="1029743" h="739718">
+                <a:moveTo>
+                  <a:pt x="0" y="0"/>
+                </a:moveTo>
+                <a:lnTo>
+                  <a:pt x="659884" y="0"/>
+                </a:lnTo>
+                <a:cubicBezTo>
+                  <a:pt x="864151" y="0"/>
+                  <a:pt x="1029743" y="165592"/>
+                  <a:pt x="1029743" y="369859"/>
+                </a:cubicBezTo>
+                <a:cubicBezTo>
+                  <a:pt x="1029743" y="574126"/>
+                  <a:pt x="864151" y="739718"/>
+                  <a:pt x="659884" y="739718"/>
+                </a:cubicBezTo>
+                <a:lnTo>
+                  <a:pt x="0" y="739718"/>
+                </a:lnTo>
+                <a:close/>
+              </a:path>
+            </a:pathLst>
+          </a:custGeom>
+          <a:solidFill>
+            <a:srgbClr val="05B780"/>
+          </a:solidFill>
+          <a:ln>
+            <a:noFill/>
+          </a:ln>
+        </p:spPr>
+        <p:style>
+          <a:lnRef idx="2">
+            <a:schemeClr val="accent1">
+              <a:shade val="50000"/>
+            </a:schemeClr>
+          </a:lnRef>
+          <a:fillRef idx="1">
+            <a:schemeClr val="accent1"/>
+          </a:fillRef>
+          <a:effectRef idx="0">
+            <a:schemeClr val="accent1"/>
+          </a:effectRef>
+          <a:fontRef idx="minor">
+            <a:schemeClr val="lt1"/>
+          </a:fontRef>
+        </p:style>
+        <p:txBody>
+          <a:bodyPr anchor="ctr"/>
+          <a:lstStyle/>
+          <a:p>
+            <a:pPr marL="0" marR="0" lvl="0" indent="0" algn="ctr" defTabSz="914400" rtl="0" eaLnBrk="1" fontAlgn="auto" latinLnBrk="0" hangingPunct="1">
+              <a:lnSpc>
+                <a:spcPct val="100000"/>
+              </a:lnSpc>
+              <a:spcBef>
+                <a:spcPts val="0"/>
+              </a:spcBef>
+              <a:spcAft>
+                <a:spcPts val="0"/>
+              </a:spcAft>
+              <a:buClrTx/>
+              <a:buSzTx/>
+              <a:buFontTx/>
+              <a:buNone/>
+              <a:defRPr/>
+            </a:pPr>
+            <a:endParaRPr kumimoji="0" lang="zh-CN" altLang="en-US" sz="1800" b="0" i="0" u="none" strike="noStrike" kern="1200" cap="none" spc="0" normalizeH="0" baseline="0" noProof="0">
+              <a:ln>
+                <a:noFill/>
+              </a:ln>
+              <a:solidFill>
+                <a:schemeClr val="bg1"/>
+              </a:solidFill>
+              <a:effectLst/>
+              <a:uLnTx/>
+              <a:uFillTx/>
+              <a:latin typeface="+mn-lt"/>
+              <a:ea typeface="+mn-ea"/>
+              <a:cs typeface="+mn-cs"/>
+            </a:endParaRPr>
+          </a:p>
+        </p:txBody>
+      </p:sp>
+      <p:sp>
+        <p:nvSpPr>
+          <p:cNvPr id="7170" name="文本框 156"/>
+          <p:cNvSpPr txBox="1"/>
+          <p:nvPr/>
+        </p:nvSpPr>
+        <p:spPr>
+          <a:xfrm>
+            <a:off x="0" y="350838"/>
+            <a:ext cx="814388" cy="521970"/>
+          </a:xfrm>
+          <a:prstGeom prst="rect">
+            <a:avLst/>
+          </a:prstGeom>
+          <a:noFill/>
+          <a:ln w="9525">
+            <a:noFill/>
+          </a:ln>
+        </p:spPr>
+        <p:txBody>
+          <a:bodyPr anchor="t" anchorCtr="0">
+            <a:spAutoFit/>
+          </a:bodyPr>
+          <a:p>
+            <a:pPr>
+              <a:buFont typeface="Arial" panose="020B0604020202020204" pitchFamily="34" charset="0"/>
+            </a:pPr>
+            <a:r>
+              <a:rPr lang="en-US" altLang="zh-CN" sz="2800" b="1" dirty="0">
+                <a:solidFill>
+                  <a:schemeClr val="bg1"/>
+                </a:solidFill>
+                <a:latin typeface="Microsoft YaHei" panose="020B0503020204020204" pitchFamily="34" charset="-122"/>
+                <a:ea typeface="Microsoft YaHei" panose="020B0503020204020204" pitchFamily="34" charset="-122"/>
+              </a:rPr>
+              <a:t>4.4</a:t>
+            </a:r>
+            <a:endParaRPr lang="en-US" altLang="zh-CN" sz="2800" b="1" dirty="0">
+              <a:solidFill>
+                <a:schemeClr val="bg1"/>
+              </a:solidFill>
+              <a:latin typeface="Microsoft YaHei" panose="020B0503020204020204" pitchFamily="34" charset="-122"/>
+              <a:ea typeface="Microsoft YaHei" panose="020B0503020204020204" pitchFamily="34" charset="-122"/>
+            </a:endParaRPr>
+          </a:p>
+        </p:txBody>
+      </p:sp>
+      <p:sp>
+        <p:nvSpPr>
+          <p:cNvPr id="16" name="Rectangle 6"/>
+          <p:cNvSpPr>
+            <a:spLocks noChangeArrowheads="1"/>
+          </p:cNvSpPr>
+          <p:nvPr/>
+        </p:nvSpPr>
+        <p:spPr bwMode="black">
+          <a:xfrm>
+            <a:off x="1021080" y="334010"/>
+            <a:ext cx="8777605" cy="521970"/>
+          </a:xfrm>
+          <a:prstGeom prst="rect">
+            <a:avLst/>
+          </a:prstGeom>
+          <a:noFill/>
+          <a:ln>
+            <a:noFill/>
+          </a:ln>
+          <a:effectLst/>
+          <a:extLst>
+            <a:ext uri="{909E8E84-426E-40DD-AFC4-6F175D3DCCD1}">
+              <a14:hiddenFill xmlns:a14="http://schemas.microsoft.com/office/drawing/2010/main">
+                <a:solidFill>
+                  <a:schemeClr val="accent1"/>
+                </a:solidFill>
+              </a14:hiddenFill>
+            </a:ext>
+            <a:ext uri="{91240B29-F687-4F45-9708-019B960494DF}">
+              <a14:hiddenLine xmlns:a14="http://schemas.microsoft.com/office/drawing/2010/main" w="9525">
+                <a:solidFill>
+                  <a:schemeClr val="tx1"/>
+                </a:solidFill>
+                <a:miter lim="800000"/>
+                <a:headEnd/>
+                <a:tailEnd/>
+              </a14:hiddenLine>
+            </a:ext>
+            <a:ext uri="{AF507438-7753-43E0-B8FC-AC1667EBCBE1}">
+              <a14:hiddenEffects xmlns:a14="http://schemas.microsoft.com/office/drawing/2010/main">
+                <a:effectLst>
+                  <a:outerShdw dist="35921" dir="2700000" algn="ctr" rotWithShape="0">
+                    <a:schemeClr val="bg2"/>
+                  </a:outerShdw>
+                </a:effectLst>
+              </a14:hiddenEffects>
+            </a:ext>
+          </a:extLst>
+        </p:spPr>
+        <p:txBody>
+          <a:bodyPr wrap="square">
+            <a:spAutoFit/>
+          </a:bodyPr>
+          <a:lstStyle/>
+          <a:p>
+            <a:pPr marL="0" marR="0" lvl="0" indent="0" algn="l" defTabSz="914400" rtl="0" eaLnBrk="0" fontAlgn="auto" latinLnBrk="0" hangingPunct="0">
+              <a:lnSpc>
+                <a:spcPct val="100000"/>
+              </a:lnSpc>
+              <a:spcBef>
+                <a:spcPts val="0"/>
+              </a:spcBef>
+              <a:spcAft>
+                <a:spcPts val="0"/>
+              </a:spcAft>
+              <a:buClrTx/>
+              <a:buSzTx/>
+              <a:buFontTx/>
+              <a:buNone/>
+              <a:defRPr/>
+            </a:pPr>
+            <a:r>
+              <a:rPr kumimoji="0" lang="en-US" altLang="zh-CN" sz="2800" b="1" i="0" u="none" strike="noStrike" kern="1200" cap="none" spc="0" normalizeH="0" baseline="0" noProof="0" dirty="0">
+                <a:ln>
+                  <a:noFill/>
+                </a:ln>
+                <a:solidFill>
+                  <a:schemeClr val="tx1">
+                    <a:lumMod val="85000"/>
+                    <a:lumOff val="15000"/>
+                  </a:schemeClr>
+                </a:solidFill>
+                <a:effectLst/>
+                <a:uLnTx/>
+                <a:uFillTx/>
+                <a:latin typeface="Microsoft YaHei" panose="020B0503020204020204" pitchFamily="34" charset="-122"/>
+                <a:ea typeface="Microsoft YaHei" panose="020B0503020204020204" pitchFamily="34" charset="-122"/>
+                <a:cs typeface="+mn-cs"/>
+                <a:sym typeface="+mn-ea"/>
+              </a:rPr>
+              <a:t>Homework</a:t>
+            </a:r>
+            <a:endParaRPr kumimoji="0" lang="en-US" altLang="zh-CN" sz="2800" b="1" i="0" u="none" strike="noStrike" kern="1200" cap="none" spc="0" normalizeH="0" baseline="0" noProof="0" dirty="0">
+              <a:ln>
+                <a:noFill/>
+              </a:ln>
+              <a:solidFill>
+                <a:schemeClr val="tx1">
+                  <a:lumMod val="85000"/>
+                  <a:lumOff val="15000"/>
+                </a:schemeClr>
+              </a:solidFill>
+              <a:effectLst/>
+              <a:uLnTx/>
+              <a:uFillTx/>
+              <a:latin typeface="Microsoft YaHei" panose="020B0503020204020204" pitchFamily="34" charset="-122"/>
+              <a:ea typeface="Microsoft YaHei" panose="020B0503020204020204" pitchFamily="34" charset="-122"/>
+              <a:cs typeface="+mn-cs"/>
+              <a:sym typeface="+mn-ea"/>
+            </a:endParaRPr>
+          </a:p>
+        </p:txBody>
+      </p:sp>
+      <p:sp>
+        <p:nvSpPr>
+          <p:cNvPr id="3" name="Content Placeholder 2"/>
+          <p:cNvSpPr/>
+          <p:nvPr>
+            <p:ph idx="1"/>
+          </p:nvPr>
+        </p:nvSpPr>
+        <p:spPr>
+          <a:xfrm>
+            <a:off x="890905" y="1183640"/>
+            <a:ext cx="10515600" cy="4351338"/>
+          </a:xfrm>
+        </p:spPr>
+        <p:txBody>
+          <a:bodyPr/>
+          <a:p>
+            <a:endParaRPr lang="en-US" sz="1710"/>
+          </a:p>
+        </p:txBody>
+      </p:sp>
+    </p:spTree>
+  </p:cSld>
+  <p:clrMapOvr>
+    <a:masterClrMapping/>
+  </p:clrMapOvr>
+  <p:transition spd="slow">
+    <p:wipe/>
+  </p:transition>
+</p:sld>
+</file>
+
+<file path=ppt/slides/slide29.xml><?xml version="1.0" encoding="utf-8"?>
+<p:sld xmlns:a="http://schemas.openxmlformats.org/drawingml/2006/main" xmlns:r="http://schemas.openxmlformats.org/officeDocument/2006/relationships" xmlns:p="http://schemas.openxmlformats.org/presentationml/2006/main">
+  <p:cSld>
+    <p:spTree>
+      <p:nvGrpSpPr>
+        <p:cNvPr id="1" name=""/>
+        <p:cNvGrpSpPr/>
+        <p:nvPr/>
+      </p:nvGrpSpPr>
+      <p:grpSpPr/>
+      <p:sp>
+        <p:nvSpPr>
+          <p:cNvPr id="27" name="任意多边形 26"/>
+          <p:cNvSpPr/>
+          <p:nvPr/>
+        </p:nvSpPr>
+        <p:spPr>
+          <a:xfrm rot="1105229">
+            <a:off x="879475" y="-420687"/>
+            <a:ext cx="10955338" cy="8162925"/>
+          </a:xfrm>
+          <a:custGeom>
+            <a:avLst/>
+            <a:gdLst>
+              <a:gd name="connsiteX0" fmla="*/ 592396 w 10955364"/>
+              <a:gd name="connsiteY0" fmla="*/ 1850814 h 8163749"/>
+              <a:gd name="connsiteX1" fmla="*/ 1543995 w 10955364"/>
+              <a:gd name="connsiteY1" fmla="*/ 1533881 h 8163749"/>
+              <a:gd name="connsiteX2" fmla="*/ 6955594 w 10955364"/>
+              <a:gd name="connsiteY2" fmla="*/ 1533882 h 8163749"/>
+              <a:gd name="connsiteX3" fmla="*/ 5829846 w 10955364"/>
+              <a:gd name="connsiteY3" fmla="*/ 106467 h 8163749"/>
+              <a:gd name="connsiteX4" fmla="*/ 6149516 w 10955364"/>
+              <a:gd name="connsiteY4" fmla="*/ 0 h 8163749"/>
+              <a:gd name="connsiteX5" fmla="*/ 9448032 w 10955364"/>
+              <a:gd name="connsiteY5" fmla="*/ 4182420 h 8163749"/>
+              <a:gd name="connsiteX6" fmla="*/ 10818039 w 10955364"/>
+              <a:gd name="connsiteY6" fmla="*/ 1649166 h 8163749"/>
+              <a:gd name="connsiteX7" fmla="*/ 10955364 w 10955364"/>
+              <a:gd name="connsiteY7" fmla="*/ 2061488 h 8163749"/>
+              <a:gd name="connsiteX8" fmla="*/ 8602988 w 10955364"/>
+              <a:gd name="connsiteY8" fmla="*/ 6411222 h 8163749"/>
+              <a:gd name="connsiteX9" fmla="*/ 8163520 w 10955364"/>
+              <a:gd name="connsiteY9" fmla="*/ 6557588 h 8163749"/>
+              <a:gd name="connsiteX10" fmla="*/ 9283839 w 10955364"/>
+              <a:gd name="connsiteY10" fmla="*/ 4486027 h 8163749"/>
+              <a:gd name="connsiteX11" fmla="*/ 7205549 w 10955364"/>
+              <a:gd name="connsiteY11" fmla="*/ 1850816 h 8163749"/>
+              <a:gd name="connsiteX12" fmla="*/ 3551417 w 10955364"/>
+              <a:gd name="connsiteY12" fmla="*/ 1850816 h 8163749"/>
+              <a:gd name="connsiteX13" fmla="*/ 1816446 w 10955364"/>
+              <a:gd name="connsiteY13" fmla="*/ 5058920 h 8163749"/>
+              <a:gd name="connsiteX14" fmla="*/ 4088911 w 10955364"/>
+              <a:gd name="connsiteY14" fmla="*/ 7914648 h 8163749"/>
+              <a:gd name="connsiteX15" fmla="*/ 3768735 w 10955364"/>
+              <a:gd name="connsiteY15" fmla="*/ 8021284 h 8163749"/>
+              <a:gd name="connsiteX16" fmla="*/ 1652559 w 10955364"/>
+              <a:gd name="connsiteY16" fmla="*/ 5361960 h 8163749"/>
+              <a:gd name="connsiteX17" fmla="*/ 137325 w 10955364"/>
+              <a:gd name="connsiteY17" fmla="*/ 8163749 h 8163749"/>
+              <a:gd name="connsiteX18" fmla="*/ 0 w 10955364"/>
+              <a:gd name="connsiteY18" fmla="*/ 7751427 h 8163749"/>
+              <a:gd name="connsiteX19" fmla="*/ 3191107 w 10955364"/>
+              <a:gd name="connsiteY19" fmla="*/ 1850815 h 8163749"/>
+            </a:gdLst>
+            <a:ahLst/>
+            <a:cxnLst>
+              <a:cxn ang="0">
+                <a:pos x="connsiteX0" y="connsiteY0"/>
+              </a:cxn>
+              <a:cxn ang="0">
+                <a:pos x="connsiteX1" y="connsiteY1"/>
+              </a:cxn>
+              <a:cxn ang="0">
+                <a:pos x="connsiteX2" y="connsiteY2"/>
+              </a:cxn>
+              <a:cxn ang="0">
+                <a:pos x="connsiteX3" y="connsiteY3"/>
+              </a:cxn>
+              <a:cxn ang="0">
+                <a:pos x="connsiteX4" y="connsiteY4"/>
+              </a:cxn>
+              <a:cxn ang="0">
+                <a:pos x="connsiteX5" y="connsiteY5"/>
+              </a:cxn>
+              <a:cxn ang="0">
+                <a:pos x="connsiteX6" y="connsiteY6"/>
+              </a:cxn>
+              <a:cxn ang="0">
+                <a:pos x="connsiteX7" y="connsiteY7"/>
+              </a:cxn>
+              <a:cxn ang="0">
+                <a:pos x="connsiteX8" y="connsiteY8"/>
+              </a:cxn>
+              <a:cxn ang="0">
+                <a:pos x="connsiteX9" y="connsiteY9"/>
+              </a:cxn>
+              <a:cxn ang="0">
+                <a:pos x="connsiteX10" y="connsiteY10"/>
+              </a:cxn>
+              <a:cxn ang="0">
+                <a:pos x="connsiteX11" y="connsiteY11"/>
+              </a:cxn>
+              <a:cxn ang="0">
+                <a:pos x="connsiteX12" y="connsiteY12"/>
+              </a:cxn>
+              <a:cxn ang="0">
+                <a:pos x="connsiteX13" y="connsiteY13"/>
+              </a:cxn>
+              <a:cxn ang="0">
+                <a:pos x="connsiteX14" y="connsiteY14"/>
+              </a:cxn>
+              <a:cxn ang="0">
+                <a:pos x="connsiteX15" y="connsiteY15"/>
+              </a:cxn>
+              <a:cxn ang="0">
+                <a:pos x="connsiteX16" y="connsiteY16"/>
+              </a:cxn>
+              <a:cxn ang="0">
+                <a:pos x="connsiteX17" y="connsiteY17"/>
+              </a:cxn>
+              <a:cxn ang="0">
+                <a:pos x="connsiteX18" y="connsiteY18"/>
+              </a:cxn>
+              <a:cxn ang="0">
+                <a:pos x="connsiteX19" y="connsiteY19"/>
+              </a:cxn>
+            </a:cxnLst>
+            <a:rect l="l" t="t" r="r" b="b"/>
+            <a:pathLst>
+              <a:path w="10955364" h="8163749">
+                <a:moveTo>
+                  <a:pt x="592396" y="1850814"/>
+                </a:moveTo>
+                <a:lnTo>
+                  <a:pt x="1543995" y="1533881"/>
+                </a:lnTo>
+                <a:lnTo>
+                  <a:pt x="6955594" y="1533882"/>
+                </a:lnTo>
+                <a:lnTo>
+                  <a:pt x="5829846" y="106467"/>
+                </a:lnTo>
+                <a:lnTo>
+                  <a:pt x="6149516" y="0"/>
+                </a:lnTo>
+                <a:lnTo>
+                  <a:pt x="9448032" y="4182420"/>
+                </a:lnTo>
+                <a:lnTo>
+                  <a:pt x="10818039" y="1649166"/>
+                </a:lnTo>
+                <a:lnTo>
+                  <a:pt x="10955364" y="2061488"/>
+                </a:lnTo>
+                <a:lnTo>
+                  <a:pt x="8602988" y="6411222"/>
+                </a:lnTo>
+                <a:lnTo>
+                  <a:pt x="8163520" y="6557588"/>
+                </a:lnTo>
+                <a:lnTo>
+                  <a:pt x="9283839" y="4486027"/>
+                </a:lnTo>
+                <a:lnTo>
+                  <a:pt x="7205549" y="1850816"/>
+                </a:lnTo>
+                <a:lnTo>
+                  <a:pt x="3551417" y="1850816"/>
+                </a:lnTo>
+                <a:lnTo>
+                  <a:pt x="1816446" y="5058920"/>
+                </a:lnTo>
+                <a:lnTo>
+                  <a:pt x="4088911" y="7914648"/>
+                </a:lnTo>
+                <a:lnTo>
+                  <a:pt x="3768735" y="8021284"/>
+                </a:lnTo>
+                <a:lnTo>
+                  <a:pt x="1652559" y="5361960"/>
+                </a:lnTo>
+                <a:lnTo>
+                  <a:pt x="137325" y="8163749"/>
+                </a:lnTo>
+                <a:lnTo>
+                  <a:pt x="0" y="7751427"/>
+                </a:lnTo>
+                <a:lnTo>
+                  <a:pt x="3191107" y="1850815"/>
+                </a:lnTo>
+                <a:close/>
+              </a:path>
+            </a:pathLst>
+          </a:custGeom>
+          <a:solidFill>
+            <a:srgbClr val="05B780"/>
+          </a:solidFill>
+          <a:ln>
+            <a:noFill/>
+          </a:ln>
+        </p:spPr>
+        <p:style>
+          <a:lnRef idx="2">
+            <a:schemeClr val="accent1">
+              <a:shade val="50000"/>
+            </a:schemeClr>
+          </a:lnRef>
+          <a:fillRef idx="1">
+            <a:schemeClr val="accent1"/>
+          </a:fillRef>
+          <a:effectRef idx="0">
+            <a:schemeClr val="accent1"/>
+          </a:effectRef>
+          <a:fontRef idx="minor">
+            <a:schemeClr val="lt1"/>
+          </a:fontRef>
+        </p:style>
+        <p:txBody>
+          <a:bodyPr anchor="ctr"/>
+          <a:lstStyle/>
+          <a:p>
+            <a:pPr marL="0" marR="0" lvl="0" indent="0" algn="ctr" defTabSz="914400" rtl="0" eaLnBrk="1" fontAlgn="auto" latinLnBrk="0" hangingPunct="1">
+              <a:lnSpc>
+                <a:spcPct val="100000"/>
+              </a:lnSpc>
+              <a:spcBef>
+                <a:spcPts val="0"/>
+              </a:spcBef>
+              <a:spcAft>
+                <a:spcPts val="0"/>
+              </a:spcAft>
+              <a:buClrTx/>
+              <a:buSzTx/>
+              <a:buFontTx/>
+              <a:buNone/>
+              <a:defRPr/>
+            </a:pPr>
+            <a:endParaRPr kumimoji="0" lang="zh-CN" altLang="en-US" sz="1800" b="0" i="0" u="none" strike="noStrike" kern="1200" cap="none" spc="0" normalizeH="0" baseline="0" noProof="0">
+              <a:ln>
+                <a:noFill/>
+              </a:ln>
+              <a:solidFill>
+                <a:schemeClr val="lt1"/>
+              </a:solidFill>
+              <a:effectLst/>
+              <a:uLnTx/>
+              <a:uFillTx/>
+              <a:latin typeface="+mn-lt"/>
+              <a:ea typeface="+mn-ea"/>
+              <a:cs typeface="+mn-cs"/>
+            </a:endParaRPr>
+          </a:p>
+        </p:txBody>
+      </p:sp>
+      <p:sp>
+        <p:nvSpPr>
+          <p:cNvPr id="33794" name="Freeform 21"/>
+          <p:cNvSpPr/>
+          <p:nvPr/>
+        </p:nvSpPr>
+        <p:spPr>
+          <a:xfrm>
+            <a:off x="5489575" y="2338388"/>
+            <a:ext cx="1212850" cy="844550"/>
+          </a:xfrm>
+          <a:custGeom>
+            <a:avLst/>
+            <a:gdLst/>
+            <a:ahLst/>
+            <a:cxnLst>
+              <a:cxn ang="0">
+                <a:pos x="1100886755" y="0"/>
+              </a:cxn>
+              <a:cxn ang="0">
+                <a:pos x="901305125" y="0"/>
+              </a:cxn>
+              <a:cxn ang="0">
+                <a:pos x="748202390" y="0"/>
+              </a:cxn>
+              <a:cxn ang="0">
+                <a:pos x="648867110" y="132852886"/>
+              </a:cxn>
+              <a:cxn ang="0">
+                <a:pos x="561379560" y="307852838"/>
+              </a:cxn>
+              <a:cxn ang="0">
+                <a:pos x="476625220" y="476439190"/>
+              </a:cxn>
+              <a:cxn ang="0">
+                <a:pos x="402807540" y="624868373"/>
+              </a:cxn>
+              <a:cxn ang="0">
+                <a:pos x="349039130" y="518586256"/>
+              </a:cxn>
+              <a:cxn ang="0">
+                <a:pos x="241502310" y="302355603"/>
+              </a:cxn>
+              <a:cxn ang="0">
+                <a:pos x="155837855" y="131937478"/>
+              </a:cxn>
+              <a:cxn ang="0">
+                <a:pos x="145813220" y="110863944"/>
+              </a:cxn>
+              <a:cxn ang="0">
+                <a:pos x="311674755" y="110863944"/>
+              </a:cxn>
+              <a:cxn ang="0">
+                <a:pos x="375467800" y="110863944"/>
+              </a:cxn>
+              <a:cxn ang="0">
+                <a:pos x="424679905" y="208900687"/>
+              </a:cxn>
+              <a:cxn ang="0">
+                <a:pos x="501231750" y="362827106"/>
+              </a:cxn>
+              <a:cxn ang="0">
+                <a:pos x="556822300" y="253795893"/>
+              </a:cxn>
+              <a:cxn ang="0">
+                <a:pos x="559556465" y="232722360"/>
+              </a:cxn>
+              <a:cxn ang="0">
+                <a:pos x="485738785" y="86125907"/>
+              </a:cxn>
+              <a:cxn ang="0">
+                <a:pos x="395517070" y="0"/>
+              </a:cxn>
+              <a:cxn ang="0">
+                <a:pos x="114827290" y="0"/>
+              </a:cxn>
+              <a:cxn ang="0">
+                <a:pos x="40098540" y="2749096"/>
+              </a:cxn>
+              <a:cxn ang="0">
+                <a:pos x="7290470" y="80628671"/>
+              </a:cxn>
+              <a:cxn ang="0">
+                <a:pos x="54679480" y="174999952"/>
+              </a:cxn>
+              <a:cxn ang="0">
+                <a:pos x="154925830" y="375654308"/>
+              </a:cxn>
+              <a:cxn ang="0">
+                <a:pos x="264285745" y="594633100"/>
+              </a:cxn>
+              <a:cxn ang="0">
+                <a:pos x="339926520" y="745811381"/>
+              </a:cxn>
+              <a:cxn ang="0">
+                <a:pos x="370000425" y="793454725"/>
+              </a:cxn>
+              <a:cxn ang="0">
+                <a:pos x="453842740" y="768716687"/>
+              </a:cxn>
+              <a:cxn ang="0">
+                <a:pos x="516723760" y="642277402"/>
+              </a:cxn>
+              <a:cxn ang="0">
+                <a:pos x="578694665" y="518586256"/>
+              </a:cxn>
+              <a:cxn ang="0">
+                <a:pos x="668916380" y="338089069"/>
+              </a:cxn>
+              <a:cxn ang="0">
+                <a:pos x="716305390" y="242800465"/>
+              </a:cxn>
+              <a:cxn ang="0">
+                <a:pos x="781921530" y="110863944"/>
+              </a:cxn>
+              <a:cxn ang="0">
+                <a:pos x="920443325" y="110863944"/>
+              </a:cxn>
+              <a:cxn ang="0">
+                <a:pos x="1010665040" y="110863944"/>
+              </a:cxn>
+              <a:cxn ang="0">
+                <a:pos x="986970535" y="162172751"/>
+              </a:cxn>
+              <a:cxn ang="0">
+                <a:pos x="888547280" y="359161644"/>
+              </a:cxn>
+              <a:cxn ang="0">
+                <a:pos x="786477835" y="561648731"/>
+              </a:cxn>
+              <a:cxn ang="0">
+                <a:pos x="755492860" y="623952008"/>
+              </a:cxn>
+              <a:cxn ang="0">
+                <a:pos x="668005310" y="450784787"/>
+              </a:cxn>
+              <a:cxn ang="0">
+                <a:pos x="597832865" y="543324294"/>
+              </a:cxn>
+              <a:cxn ang="0">
+                <a:pos x="634286170" y="629450201"/>
+              </a:cxn>
+              <a:cxn ang="0">
+                <a:pos x="708103850" y="776963019"/>
+              </a:cxn>
+              <a:cxn ang="0">
+                <a:pos x="808350200" y="764135817"/>
+              </a:cxn>
+              <a:cxn ang="0">
+                <a:pos x="873054315" y="636780167"/>
+              </a:cxn>
+              <a:cxn ang="0">
+                <a:pos x="985148395" y="411386816"/>
+              </a:cxn>
+              <a:cxn ang="0">
+                <a:pos x="1094507355" y="191491658"/>
+              </a:cxn>
+              <a:cxn ang="0">
+                <a:pos x="1150098860" y="81544079"/>
+              </a:cxn>
+            </a:cxnLst>
+            <a:pathLst>
+              <a:path w="1270" h="882">
+                <a:moveTo>
+                  <a:pt x="1268" y="57"/>
+                </a:moveTo>
+                <a:cubicBezTo>
+                  <a:pt x="1268" y="40"/>
+                  <a:pt x="1259" y="24"/>
+                  <a:pt x="1246" y="14"/>
+                </a:cubicBezTo>
+                <a:cubicBezTo>
+                  <a:pt x="1235" y="5"/>
+                  <a:pt x="1222" y="1"/>
+                  <a:pt x="1208" y="0"/>
+                </a:cubicBezTo>
+                <a:cubicBezTo>
+                  <a:pt x="1203" y="0"/>
+                  <a:pt x="1199" y="0"/>
+                  <a:pt x="1194" y="0"/>
+                </a:cubicBezTo>
+                <a:cubicBezTo>
+                  <a:pt x="1165" y="0"/>
+                  <a:pt x="1137" y="0"/>
+                  <a:pt x="1109" y="0"/>
+                </a:cubicBezTo>
+                <a:cubicBezTo>
+                  <a:pt x="1069" y="0"/>
+                  <a:pt x="1029" y="0"/>
+                  <a:pt x="989" y="0"/>
+                </a:cubicBezTo>
+                <a:cubicBezTo>
+                  <a:pt x="952" y="0"/>
+                  <a:pt x="915" y="0"/>
+                  <a:pt x="878" y="0"/>
+                </a:cubicBezTo>
+                <a:cubicBezTo>
+                  <a:pt x="859" y="0"/>
+                  <a:pt x="841" y="0"/>
+                  <a:pt x="822" y="0"/>
+                </a:cubicBezTo>
+                <a:cubicBezTo>
+                  <a:pt x="822" y="0"/>
+                  <a:pt x="822" y="0"/>
+                  <a:pt x="821" y="0"/>
+                </a:cubicBezTo>
+                <a:cubicBezTo>
+                  <a:pt x="798" y="1"/>
+                  <a:pt x="778" y="14"/>
+                  <a:pt x="767" y="35"/>
+                </a:cubicBezTo>
+                <a:cubicBezTo>
+                  <a:pt x="763" y="42"/>
+                  <a:pt x="760" y="49"/>
+                  <a:pt x="756" y="56"/>
+                </a:cubicBezTo>
+                <a:cubicBezTo>
+                  <a:pt x="741" y="86"/>
+                  <a:pt x="726" y="115"/>
+                  <a:pt x="712" y="145"/>
+                </a:cubicBezTo>
+                <a:cubicBezTo>
+                  <a:pt x="699" y="171"/>
+                  <a:pt x="686" y="197"/>
+                  <a:pt x="673" y="223"/>
+                </a:cubicBezTo>
+                <a:cubicBezTo>
+                  <a:pt x="668" y="232"/>
+                  <a:pt x="663" y="242"/>
+                  <a:pt x="658" y="251"/>
+                </a:cubicBezTo>
+                <a:cubicBezTo>
+                  <a:pt x="644" y="279"/>
+                  <a:pt x="630" y="308"/>
+                  <a:pt x="616" y="336"/>
+                </a:cubicBezTo>
+                <a:cubicBezTo>
+                  <a:pt x="601" y="365"/>
+                  <a:pt x="586" y="395"/>
+                  <a:pt x="571" y="424"/>
+                </a:cubicBezTo>
+                <a:cubicBezTo>
+                  <a:pt x="566" y="435"/>
+                  <a:pt x="561" y="445"/>
+                  <a:pt x="556" y="455"/>
+                </a:cubicBezTo>
+                <a:cubicBezTo>
+                  <a:pt x="545" y="477"/>
+                  <a:pt x="534" y="498"/>
+                  <a:pt x="523" y="520"/>
+                </a:cubicBezTo>
+                <a:cubicBezTo>
+                  <a:pt x="507" y="552"/>
+                  <a:pt x="491" y="584"/>
+                  <a:pt x="475" y="616"/>
+                </a:cubicBezTo>
+                <a:cubicBezTo>
+                  <a:pt x="464" y="637"/>
+                  <a:pt x="454" y="658"/>
+                  <a:pt x="443" y="679"/>
+                </a:cubicBezTo>
+                <a:cubicBezTo>
+                  <a:pt x="443" y="680"/>
+                  <a:pt x="442" y="681"/>
+                  <a:pt x="442" y="682"/>
+                </a:cubicBezTo>
+                <a:cubicBezTo>
+                  <a:pt x="439" y="677"/>
+                  <a:pt x="437" y="672"/>
+                  <a:pt x="434" y="667"/>
+                </a:cubicBezTo>
+                <a:cubicBezTo>
+                  <a:pt x="427" y="654"/>
+                  <a:pt x="421" y="640"/>
+                  <a:pt x="414" y="627"/>
+                </a:cubicBezTo>
+                <a:cubicBezTo>
+                  <a:pt x="404" y="606"/>
+                  <a:pt x="394" y="586"/>
+                  <a:pt x="383" y="566"/>
+                </a:cubicBezTo>
+                <a:cubicBezTo>
+                  <a:pt x="371" y="542"/>
+                  <a:pt x="359" y="517"/>
+                  <a:pt x="346" y="492"/>
+                </a:cubicBezTo>
+                <a:cubicBezTo>
+                  <a:pt x="333" y="466"/>
+                  <a:pt x="319" y="439"/>
+                  <a:pt x="306" y="412"/>
+                </a:cubicBezTo>
+                <a:cubicBezTo>
+                  <a:pt x="292" y="385"/>
+                  <a:pt x="279" y="357"/>
+                  <a:pt x="265" y="330"/>
+                </a:cubicBezTo>
+                <a:cubicBezTo>
+                  <a:pt x="252" y="305"/>
+                  <a:pt x="240" y="280"/>
+                  <a:pt x="227" y="254"/>
+                </a:cubicBezTo>
+                <a:cubicBezTo>
+                  <a:pt x="216" y="233"/>
+                  <a:pt x="205" y="211"/>
+                  <a:pt x="195" y="190"/>
+                </a:cubicBezTo>
+                <a:cubicBezTo>
+                  <a:pt x="187" y="175"/>
+                  <a:pt x="179" y="159"/>
+                  <a:pt x="171" y="144"/>
+                </a:cubicBezTo>
+                <a:cubicBezTo>
+                  <a:pt x="169" y="139"/>
+                  <a:pt x="167" y="134"/>
+                  <a:pt x="164" y="130"/>
+                </a:cubicBezTo>
+                <a:cubicBezTo>
+                  <a:pt x="163" y="127"/>
+                  <a:pt x="161" y="124"/>
+                  <a:pt x="160" y="122"/>
+                </a:cubicBezTo>
+                <a:cubicBezTo>
+                  <a:pt x="160" y="122"/>
+                  <a:pt x="160" y="121"/>
+                  <a:pt x="160" y="121"/>
+                </a:cubicBezTo>
+                <a:cubicBezTo>
+                  <a:pt x="170" y="121"/>
+                  <a:pt x="180" y="121"/>
+                  <a:pt x="191" y="121"/>
+                </a:cubicBezTo>
+                <a:cubicBezTo>
+                  <a:pt x="214" y="121"/>
+                  <a:pt x="238" y="121"/>
+                  <a:pt x="261" y="121"/>
+                </a:cubicBezTo>
+                <a:cubicBezTo>
+                  <a:pt x="288" y="121"/>
+                  <a:pt x="315" y="121"/>
+                  <a:pt x="342" y="121"/>
+                </a:cubicBezTo>
+                <a:cubicBezTo>
+                  <a:pt x="361" y="121"/>
+                  <a:pt x="381" y="121"/>
+                  <a:pt x="400" y="121"/>
+                </a:cubicBezTo>
+                <a:cubicBezTo>
+                  <a:pt x="403" y="121"/>
+                  <a:pt x="405" y="121"/>
+                  <a:pt x="408" y="121"/>
+                </a:cubicBezTo>
+                <a:cubicBezTo>
+                  <a:pt x="409" y="121"/>
+                  <a:pt x="411" y="121"/>
+                  <a:pt x="412" y="121"/>
+                </a:cubicBezTo>
+                <a:cubicBezTo>
+                  <a:pt x="413" y="122"/>
+                  <a:pt x="413" y="124"/>
+                  <a:pt x="414" y="125"/>
+                </a:cubicBezTo>
+                <a:cubicBezTo>
+                  <a:pt x="420" y="138"/>
+                  <a:pt x="427" y="151"/>
+                  <a:pt x="433" y="163"/>
+                </a:cubicBezTo>
+                <a:cubicBezTo>
+                  <a:pt x="444" y="185"/>
+                  <a:pt x="455" y="207"/>
+                  <a:pt x="466" y="228"/>
+                </a:cubicBezTo>
+                <a:cubicBezTo>
+                  <a:pt x="478" y="253"/>
+                  <a:pt x="490" y="277"/>
+                  <a:pt x="502" y="301"/>
+                </a:cubicBezTo>
+                <a:cubicBezTo>
+                  <a:pt x="513" y="322"/>
+                  <a:pt x="523" y="342"/>
+                  <a:pt x="533" y="363"/>
+                </a:cubicBezTo>
+                <a:cubicBezTo>
+                  <a:pt x="539" y="374"/>
+                  <a:pt x="544" y="385"/>
+                  <a:pt x="550" y="396"/>
+                </a:cubicBezTo>
+                <a:cubicBezTo>
+                  <a:pt x="550" y="396"/>
+                  <a:pt x="550" y="397"/>
+                  <a:pt x="551" y="397"/>
+                </a:cubicBezTo>
+                <a:cubicBezTo>
+                  <a:pt x="563" y="373"/>
+                  <a:pt x="575" y="348"/>
+                  <a:pt x="588" y="323"/>
+                </a:cubicBezTo>
+                <a:cubicBezTo>
+                  <a:pt x="596" y="308"/>
+                  <a:pt x="603" y="292"/>
+                  <a:pt x="611" y="277"/>
+                </a:cubicBezTo>
+                <a:cubicBezTo>
+                  <a:pt x="613" y="273"/>
+                  <a:pt x="615" y="269"/>
+                  <a:pt x="617" y="265"/>
+                </a:cubicBezTo>
+                <a:cubicBezTo>
+                  <a:pt x="618" y="263"/>
+                  <a:pt x="618" y="263"/>
+                  <a:pt x="618" y="262"/>
+                </a:cubicBezTo>
+                <a:cubicBezTo>
+                  <a:pt x="617" y="259"/>
+                  <a:pt x="615" y="257"/>
+                  <a:pt x="614" y="254"/>
+                </a:cubicBezTo>
+                <a:cubicBezTo>
+                  <a:pt x="612" y="250"/>
+                  <a:pt x="609" y="245"/>
+                  <a:pt x="607" y="240"/>
+                </a:cubicBezTo>
+                <a:cubicBezTo>
+                  <a:pt x="600" y="226"/>
+                  <a:pt x="593" y="212"/>
+                  <a:pt x="586" y="198"/>
+                </a:cubicBezTo>
+                <a:cubicBezTo>
+                  <a:pt x="568" y="163"/>
+                  <a:pt x="551" y="128"/>
+                  <a:pt x="533" y="94"/>
+                </a:cubicBezTo>
+                <a:cubicBezTo>
+                  <a:pt x="523" y="74"/>
+                  <a:pt x="514" y="54"/>
+                  <a:pt x="503" y="34"/>
+                </a:cubicBezTo>
+                <a:cubicBezTo>
+                  <a:pt x="492" y="13"/>
+                  <a:pt x="472" y="1"/>
+                  <a:pt x="449" y="0"/>
+                </a:cubicBezTo>
+                <a:cubicBezTo>
+                  <a:pt x="444" y="0"/>
+                  <a:pt x="439" y="0"/>
+                  <a:pt x="434" y="0"/>
+                </a:cubicBezTo>
+                <a:cubicBezTo>
+                  <a:pt x="406" y="0"/>
+                  <a:pt x="379" y="0"/>
+                  <a:pt x="352" y="0"/>
+                </a:cubicBezTo>
+                <a:cubicBezTo>
+                  <a:pt x="313" y="0"/>
+                  <a:pt x="274" y="0"/>
+                  <a:pt x="236" y="0"/>
+                </a:cubicBezTo>
+                <a:cubicBezTo>
+                  <a:pt x="199" y="0"/>
+                  <a:pt x="163" y="0"/>
+                  <a:pt x="126" y="0"/>
+                </a:cubicBezTo>
+                <a:cubicBezTo>
+                  <a:pt x="106" y="0"/>
+                  <a:pt x="85" y="0"/>
+                  <a:pt x="65" y="0"/>
+                </a:cubicBezTo>
+                <a:cubicBezTo>
+                  <a:pt x="64" y="0"/>
+                  <a:pt x="63" y="0"/>
+                  <a:pt x="62" y="0"/>
+                </a:cubicBezTo>
+                <a:cubicBezTo>
+                  <a:pt x="56" y="1"/>
+                  <a:pt x="50" y="1"/>
+                  <a:pt x="44" y="3"/>
+                </a:cubicBezTo>
+                <a:cubicBezTo>
+                  <a:pt x="38" y="5"/>
+                  <a:pt x="33" y="8"/>
+                  <a:pt x="28" y="11"/>
+                </a:cubicBezTo>
+                <a:cubicBezTo>
+                  <a:pt x="16" y="19"/>
+                  <a:pt x="8" y="31"/>
+                  <a:pt x="4" y="44"/>
+                </a:cubicBezTo>
+                <a:cubicBezTo>
+                  <a:pt x="0" y="60"/>
+                  <a:pt x="2" y="74"/>
+                  <a:pt x="8" y="88"/>
+                </a:cubicBezTo>
+                <a:cubicBezTo>
+                  <a:pt x="11" y="94"/>
+                  <a:pt x="14" y="99"/>
+                  <a:pt x="16" y="104"/>
+                </a:cubicBezTo>
+                <a:cubicBezTo>
+                  <a:pt x="22" y="116"/>
+                  <a:pt x="28" y="128"/>
+                  <a:pt x="34" y="139"/>
+                </a:cubicBezTo>
+                <a:cubicBezTo>
+                  <a:pt x="43" y="157"/>
+                  <a:pt x="52" y="174"/>
+                  <a:pt x="60" y="191"/>
+                </a:cubicBezTo>
+                <a:cubicBezTo>
+                  <a:pt x="71" y="213"/>
+                  <a:pt x="82" y="234"/>
+                  <a:pt x="93" y="256"/>
+                </a:cubicBezTo>
+                <a:cubicBezTo>
+                  <a:pt x="105" y="281"/>
+                  <a:pt x="118" y="305"/>
+                  <a:pt x="130" y="330"/>
+                </a:cubicBezTo>
+                <a:cubicBezTo>
+                  <a:pt x="143" y="357"/>
+                  <a:pt x="157" y="383"/>
+                  <a:pt x="170" y="410"/>
+                </a:cubicBezTo>
+                <a:cubicBezTo>
+                  <a:pt x="184" y="437"/>
+                  <a:pt x="198" y="465"/>
+                  <a:pt x="211" y="492"/>
+                </a:cubicBezTo>
+                <a:cubicBezTo>
+                  <a:pt x="225" y="519"/>
+                  <a:pt x="238" y="546"/>
+                  <a:pt x="252" y="573"/>
+                </a:cubicBezTo>
+                <a:cubicBezTo>
+                  <a:pt x="265" y="598"/>
+                  <a:pt x="277" y="624"/>
+                  <a:pt x="290" y="649"/>
+                </a:cubicBezTo>
+                <a:cubicBezTo>
+                  <a:pt x="302" y="672"/>
+                  <a:pt x="313" y="694"/>
+                  <a:pt x="324" y="717"/>
+                </a:cubicBezTo>
+                <a:cubicBezTo>
+                  <a:pt x="334" y="736"/>
+                  <a:pt x="343" y="755"/>
+                  <a:pt x="353" y="773"/>
+                </a:cubicBezTo>
+                <a:cubicBezTo>
+                  <a:pt x="359" y="787"/>
+                  <a:pt x="366" y="801"/>
+                  <a:pt x="373" y="814"/>
+                </a:cubicBezTo>
+                <a:cubicBezTo>
+                  <a:pt x="377" y="822"/>
+                  <a:pt x="381" y="829"/>
+                  <a:pt x="384" y="836"/>
+                </a:cubicBezTo>
+                <a:cubicBezTo>
+                  <a:pt x="385" y="837"/>
+                  <a:pt x="385" y="838"/>
+                  <a:pt x="386" y="839"/>
+                </a:cubicBezTo>
+                <a:cubicBezTo>
+                  <a:pt x="391" y="850"/>
+                  <a:pt x="397" y="859"/>
+                  <a:pt x="406" y="866"/>
+                </a:cubicBezTo>
+                <a:cubicBezTo>
+                  <a:pt x="417" y="874"/>
+                  <a:pt x="430" y="877"/>
+                  <a:pt x="442" y="877"/>
+                </a:cubicBezTo>
+                <a:cubicBezTo>
+                  <a:pt x="455" y="877"/>
+                  <a:pt x="467" y="873"/>
+                  <a:pt x="478" y="866"/>
+                </a:cubicBezTo>
+                <a:cubicBezTo>
+                  <a:pt x="487" y="859"/>
+                  <a:pt x="493" y="850"/>
+                  <a:pt x="498" y="839"/>
+                </a:cubicBezTo>
+                <a:cubicBezTo>
+                  <a:pt x="499" y="837"/>
+                  <a:pt x="500" y="834"/>
+                  <a:pt x="502" y="832"/>
+                </a:cubicBezTo>
+                <a:cubicBezTo>
+                  <a:pt x="510" y="814"/>
+                  <a:pt x="519" y="797"/>
+                  <a:pt x="528" y="780"/>
+                </a:cubicBezTo>
+                <a:cubicBezTo>
+                  <a:pt x="541" y="754"/>
+                  <a:pt x="554" y="728"/>
+                  <a:pt x="567" y="701"/>
+                </a:cubicBezTo>
+                <a:cubicBezTo>
+                  <a:pt x="580" y="676"/>
+                  <a:pt x="593" y="650"/>
+                  <a:pt x="606" y="624"/>
+                </a:cubicBezTo>
+                <a:cubicBezTo>
+                  <a:pt x="615" y="607"/>
+                  <a:pt x="623" y="590"/>
+                  <a:pt x="632" y="573"/>
+                </a:cubicBezTo>
+                <a:cubicBezTo>
+                  <a:pt x="633" y="570"/>
+                  <a:pt x="634" y="568"/>
+                  <a:pt x="635" y="566"/>
+                </a:cubicBezTo>
+                <a:cubicBezTo>
+                  <a:pt x="635" y="566"/>
+                  <a:pt x="635" y="566"/>
+                  <a:pt x="636" y="566"/>
+                </a:cubicBezTo>
+                <a:cubicBezTo>
+                  <a:pt x="648" y="541"/>
+                  <a:pt x="661" y="516"/>
+                  <a:pt x="673" y="490"/>
+                </a:cubicBezTo>
+                <a:cubicBezTo>
+                  <a:pt x="693" y="450"/>
+                  <a:pt x="714" y="410"/>
+                  <a:pt x="734" y="369"/>
+                </a:cubicBezTo>
+                <a:cubicBezTo>
+                  <a:pt x="738" y="360"/>
+                  <a:pt x="743" y="351"/>
+                  <a:pt x="748" y="341"/>
+                </a:cubicBezTo>
+                <a:cubicBezTo>
+                  <a:pt x="748" y="341"/>
+                  <a:pt x="748" y="341"/>
+                  <a:pt x="748" y="342"/>
+                </a:cubicBezTo>
+                <a:cubicBezTo>
+                  <a:pt x="761" y="316"/>
+                  <a:pt x="773" y="291"/>
+                  <a:pt x="786" y="265"/>
+                </a:cubicBezTo>
+                <a:cubicBezTo>
+                  <a:pt x="806" y="226"/>
+                  <a:pt x="826" y="186"/>
+                  <a:pt x="846" y="146"/>
+                </a:cubicBezTo>
+                <a:cubicBezTo>
+                  <a:pt x="849" y="140"/>
+                  <a:pt x="852" y="135"/>
+                  <a:pt x="855" y="129"/>
+                </a:cubicBezTo>
+                <a:cubicBezTo>
+                  <a:pt x="855" y="127"/>
+                  <a:pt x="857" y="122"/>
+                  <a:pt x="858" y="121"/>
+                </a:cubicBezTo>
+                <a:cubicBezTo>
+                  <a:pt x="859" y="121"/>
+                  <a:pt x="862" y="121"/>
+                  <a:pt x="864" y="121"/>
+                </a:cubicBezTo>
+                <a:cubicBezTo>
+                  <a:pt x="869" y="121"/>
+                  <a:pt x="875" y="121"/>
+                  <a:pt x="880" y="121"/>
+                </a:cubicBezTo>
+                <a:cubicBezTo>
+                  <a:pt x="923" y="121"/>
+                  <a:pt x="966" y="121"/>
+                  <a:pt x="1010" y="121"/>
+                </a:cubicBezTo>
+                <a:cubicBezTo>
+                  <a:pt x="1031" y="121"/>
+                  <a:pt x="1052" y="121"/>
+                  <a:pt x="1074" y="121"/>
+                </a:cubicBezTo>
+                <a:cubicBezTo>
+                  <a:pt x="1081" y="121"/>
+                  <a:pt x="1089" y="121"/>
+                  <a:pt x="1097" y="121"/>
+                </a:cubicBezTo>
+                <a:cubicBezTo>
+                  <a:pt x="1101" y="121"/>
+                  <a:pt x="1105" y="121"/>
+                  <a:pt x="1109" y="121"/>
+                </a:cubicBezTo>
+                <a:cubicBezTo>
+                  <a:pt x="1110" y="121"/>
+                  <a:pt x="1110" y="121"/>
+                  <a:pt x="1111" y="121"/>
+                </a:cubicBezTo>
+                <a:cubicBezTo>
+                  <a:pt x="1108" y="126"/>
+                  <a:pt x="1106" y="131"/>
+                  <a:pt x="1103" y="136"/>
+                </a:cubicBezTo>
+                <a:cubicBezTo>
+                  <a:pt x="1096" y="150"/>
+                  <a:pt x="1089" y="163"/>
+                  <a:pt x="1083" y="177"/>
+                </a:cubicBezTo>
+                <a:cubicBezTo>
+                  <a:pt x="1073" y="197"/>
+                  <a:pt x="1062" y="217"/>
+                  <a:pt x="1052" y="237"/>
+                </a:cubicBezTo>
+                <a:cubicBezTo>
+                  <a:pt x="1040" y="262"/>
+                  <a:pt x="1028" y="286"/>
+                  <a:pt x="1015" y="311"/>
+                </a:cubicBezTo>
+                <a:cubicBezTo>
+                  <a:pt x="1002" y="338"/>
+                  <a:pt x="988" y="365"/>
+                  <a:pt x="975" y="392"/>
+                </a:cubicBezTo>
+                <a:cubicBezTo>
+                  <a:pt x="961" y="419"/>
+                  <a:pt x="948" y="446"/>
+                  <a:pt x="934" y="473"/>
+                </a:cubicBezTo>
+                <a:cubicBezTo>
+                  <a:pt x="921" y="498"/>
+                  <a:pt x="908" y="524"/>
+                  <a:pt x="896" y="549"/>
+                </a:cubicBezTo>
+                <a:cubicBezTo>
+                  <a:pt x="885" y="570"/>
+                  <a:pt x="874" y="592"/>
+                  <a:pt x="863" y="613"/>
+                </a:cubicBezTo>
+                <a:cubicBezTo>
+                  <a:pt x="856" y="629"/>
+                  <a:pt x="848" y="644"/>
+                  <a:pt x="840" y="659"/>
+                </a:cubicBezTo>
+                <a:cubicBezTo>
+                  <a:pt x="838" y="664"/>
+                  <a:pt x="835" y="669"/>
+                  <a:pt x="833" y="674"/>
+                </a:cubicBezTo>
+                <a:cubicBezTo>
+                  <a:pt x="832" y="676"/>
+                  <a:pt x="831" y="679"/>
+                  <a:pt x="829" y="681"/>
+                </a:cubicBezTo>
+                <a:cubicBezTo>
+                  <a:pt x="829" y="682"/>
+                  <a:pt x="829" y="682"/>
+                  <a:pt x="829" y="682"/>
+                </a:cubicBezTo>
+                <a:cubicBezTo>
+                  <a:pt x="817" y="658"/>
+                  <a:pt x="804" y="633"/>
+                  <a:pt x="792" y="609"/>
+                </a:cubicBezTo>
+                <a:cubicBezTo>
+                  <a:pt x="772" y="570"/>
+                  <a:pt x="753" y="531"/>
+                  <a:pt x="733" y="492"/>
+                </a:cubicBezTo>
+                <a:cubicBezTo>
+                  <a:pt x="729" y="483"/>
+                  <a:pt x="724" y="474"/>
+                  <a:pt x="720" y="465"/>
+                </a:cubicBezTo>
+                <a:cubicBezTo>
+                  <a:pt x="711" y="483"/>
+                  <a:pt x="702" y="501"/>
+                  <a:pt x="693" y="519"/>
+                </a:cubicBezTo>
+                <a:cubicBezTo>
+                  <a:pt x="681" y="543"/>
+                  <a:pt x="668" y="568"/>
+                  <a:pt x="656" y="593"/>
+                </a:cubicBezTo>
+                <a:cubicBezTo>
+                  <a:pt x="655" y="596"/>
+                  <a:pt x="652" y="598"/>
+                  <a:pt x="653" y="601"/>
+                </a:cubicBezTo>
+                <a:cubicBezTo>
+                  <a:pt x="655" y="607"/>
+                  <a:pt x="659" y="612"/>
+                  <a:pt x="661" y="617"/>
+                </a:cubicBezTo>
+                <a:cubicBezTo>
+                  <a:pt x="673" y="641"/>
+                  <a:pt x="685" y="664"/>
+                  <a:pt x="696" y="687"/>
+                </a:cubicBezTo>
+                <a:cubicBezTo>
+                  <a:pt x="711" y="716"/>
+                  <a:pt x="725" y="744"/>
+                  <a:pt x="739" y="772"/>
+                </a:cubicBezTo>
+                <a:cubicBezTo>
+                  <a:pt x="749" y="792"/>
+                  <a:pt x="759" y="812"/>
+                  <a:pt x="769" y="832"/>
+                </a:cubicBezTo>
+                <a:cubicBezTo>
+                  <a:pt x="772" y="837"/>
+                  <a:pt x="774" y="843"/>
+                  <a:pt x="777" y="848"/>
+                </a:cubicBezTo>
+                <a:cubicBezTo>
+                  <a:pt x="791" y="871"/>
+                  <a:pt x="819" y="882"/>
+                  <a:pt x="846" y="875"/>
+                </a:cubicBezTo>
+                <a:cubicBezTo>
+                  <a:pt x="865" y="870"/>
+                  <a:pt x="877" y="857"/>
+                  <a:pt x="885" y="839"/>
+                </a:cubicBezTo>
+                <a:cubicBezTo>
+                  <a:pt x="886" y="838"/>
+                  <a:pt x="887" y="836"/>
+                  <a:pt x="887" y="834"/>
+                </a:cubicBezTo>
+                <a:cubicBezTo>
+                  <a:pt x="892" y="825"/>
+                  <a:pt x="897" y="816"/>
+                  <a:pt x="901" y="806"/>
+                </a:cubicBezTo>
+                <a:cubicBezTo>
+                  <a:pt x="909" y="791"/>
+                  <a:pt x="917" y="775"/>
+                  <a:pt x="925" y="759"/>
+                </a:cubicBezTo>
+                <a:cubicBezTo>
+                  <a:pt x="936" y="737"/>
+                  <a:pt x="947" y="716"/>
+                  <a:pt x="958" y="695"/>
+                </a:cubicBezTo>
+                <a:cubicBezTo>
+                  <a:pt x="970" y="669"/>
+                  <a:pt x="983" y="644"/>
+                  <a:pt x="996" y="619"/>
+                </a:cubicBezTo>
+                <a:cubicBezTo>
+                  <a:pt x="1010" y="591"/>
+                  <a:pt x="1024" y="563"/>
+                  <a:pt x="1038" y="535"/>
+                </a:cubicBezTo>
+                <a:cubicBezTo>
+                  <a:pt x="1052" y="507"/>
+                  <a:pt x="1067" y="478"/>
+                  <a:pt x="1081" y="449"/>
+                </a:cubicBezTo>
+                <a:cubicBezTo>
+                  <a:pt x="1096" y="420"/>
+                  <a:pt x="1110" y="391"/>
+                  <a:pt x="1124" y="363"/>
+                </a:cubicBezTo>
+                <a:cubicBezTo>
+                  <a:pt x="1138" y="335"/>
+                  <a:pt x="1152" y="308"/>
+                  <a:pt x="1165" y="281"/>
+                </a:cubicBezTo>
+                <a:cubicBezTo>
+                  <a:pt x="1177" y="257"/>
+                  <a:pt x="1189" y="233"/>
+                  <a:pt x="1201" y="209"/>
+                </a:cubicBezTo>
+                <a:cubicBezTo>
+                  <a:pt x="1211" y="189"/>
+                  <a:pt x="1221" y="170"/>
+                  <a:pt x="1231" y="150"/>
+                </a:cubicBezTo>
+                <a:cubicBezTo>
+                  <a:pt x="1238" y="136"/>
+                  <a:pt x="1245" y="123"/>
+                  <a:pt x="1252" y="109"/>
+                </a:cubicBezTo>
+                <a:cubicBezTo>
+                  <a:pt x="1255" y="102"/>
+                  <a:pt x="1259" y="96"/>
+                  <a:pt x="1262" y="89"/>
+                </a:cubicBezTo>
+                <a:cubicBezTo>
+                  <a:pt x="1266" y="79"/>
+                  <a:pt x="1270" y="68"/>
+                  <a:pt x="1268" y="57"/>
+                </a:cubicBezTo>
+                <a:cubicBezTo>
+                  <a:pt x="1268" y="55"/>
+                  <a:pt x="1268" y="58"/>
+                  <a:pt x="1268" y="57"/>
+                </a:cubicBezTo>
+                <a:close/>
+              </a:path>
+            </a:pathLst>
+          </a:custGeom>
+          <a:solidFill>
+            <a:srgbClr val="05B780"/>
+          </a:solidFill>
+          <a:ln w="9525">
+            <a:noFill/>
+          </a:ln>
+        </p:spPr>
+        <p:txBody>
+          <a:bodyPr/>
+          <a:p>
+            <a:endParaRPr lang="en-US"/>
+          </a:p>
+        </p:txBody>
+      </p:sp>
+      <p:sp>
+        <p:nvSpPr>
+          <p:cNvPr id="33795" name="文本框 29"/>
+          <p:cNvSpPr txBox="1"/>
+          <p:nvPr/>
+        </p:nvSpPr>
+        <p:spPr>
+          <a:xfrm>
+            <a:off x="3733800" y="4125913"/>
+            <a:ext cx="4722813" cy="708025"/>
+          </a:xfrm>
+          <a:prstGeom prst="rect">
+            <a:avLst/>
+          </a:prstGeom>
+          <a:noFill/>
+          <a:ln w="9525">
+            <a:noFill/>
+          </a:ln>
+        </p:spPr>
+        <p:txBody>
+          <a:bodyPr anchor="t" anchorCtr="0">
+            <a:spAutoFit/>
+          </a:bodyPr>
+          <a:p>
+            <a:pPr algn="dist"/>
+            <a:r>
+              <a:rPr lang="en-US" altLang="zh-CN" sz="4000" dirty="0">
+                <a:solidFill>
+                  <a:srgbClr val="262626"/>
+                </a:solidFill>
+                <a:latin typeface="Microsoft YaHei" panose="020B0503020204020204" pitchFamily="34" charset="-122"/>
+                <a:ea typeface="Microsoft YaHei" panose="020B0503020204020204" pitchFamily="34" charset="-122"/>
+              </a:rPr>
+              <a:t>THANK YOU</a:t>
+            </a:r>
+            <a:endParaRPr lang="zh-CN" altLang="en-US" sz="4000" dirty="0">
+              <a:solidFill>
+                <a:srgbClr val="262626"/>
+              </a:solidFill>
+              <a:latin typeface="Microsoft YaHei" panose="020B0503020204020204" pitchFamily="34" charset="-122"/>
+              <a:ea typeface="Microsoft YaHei" panose="020B0503020204020204" pitchFamily="34" charset="-122"/>
+            </a:endParaRPr>
+          </a:p>
+        </p:txBody>
+      </p:sp>
     </p:spTree>
   </p:cSld>
   <p:clrMapOvr>
@@ -10675,7 +15579,7 @@
                 <a:cs typeface="+mn-cs"/>
                 <a:sym typeface="+mn-ea"/>
               </a:rPr>
-              <a:t>Title</a:t>
+              <a:t>Week 3 Recap</a:t>
             </a:r>
             <a:endParaRPr kumimoji="0" lang="en-US" altLang="zh-CN" sz="2800" b="1" i="0" u="none" strike="noStrike" kern="1200" cap="none" spc="0" normalizeH="0" baseline="0" noProof="0" dirty="0">
               <a:ln>
@@ -10710,6 +15614,26 @@
         <p:txBody>
           <a:bodyPr/>
           <a:p>
+            <a:r>
+              <a:rPr lang="en-US"/>
+              <a:t>Abstract Data Structures</a:t>
+            </a:r>
+            <a:endParaRPr lang="en-US"/>
+          </a:p>
+          <a:p>
+            <a:pPr lvl="1"/>
+            <a:r>
+              <a:rPr lang="en-US"/>
+              <a:t>Stack (LIFO)</a:t>
+            </a:r>
+            <a:endParaRPr lang="en-US"/>
+          </a:p>
+          <a:p>
+            <a:pPr lvl="1"/>
+            <a:r>
+              <a:rPr lang="en-US"/>
+              <a:t>Queue (FIFO)</a:t>
+            </a:r>
             <a:endParaRPr lang="en-US"/>
           </a:p>
         </p:txBody>
@@ -11356,7 +16280,7 @@
                 <a:latin typeface="Microsoft YaHei" panose="020B0503020204020204" pitchFamily="34" charset="-122"/>
                 <a:ea typeface="Microsoft YaHei" panose="020B0503020204020204" pitchFamily="34" charset="-122"/>
               </a:rPr>
-              <a:t>1.1</a:t>
+              <a:t>1.2</a:t>
             </a:r>
             <a:endParaRPr lang="en-US" altLang="zh-CN" sz="2800" b="1" dirty="0">
               <a:solidFill>
@@ -11378,8 +16302,8 @@
         </p:nvSpPr>
         <p:spPr bwMode="black">
           <a:xfrm>
-            <a:off x="1021080" y="351155"/>
-            <a:ext cx="6515735" cy="521970"/>
+            <a:off x="1021080" y="334010"/>
+            <a:ext cx="8777605" cy="521970"/>
           </a:xfrm>
           <a:prstGeom prst="rect">
             <a:avLst/>
@@ -11459,7 +16383,7 @@
                 <a:cs typeface="+mn-cs"/>
                 <a:sym typeface="+mn-ea"/>
               </a:rPr>
-              <a:t>Title</a:t>
+              <a:t>Homework</a:t>
             </a:r>
             <a:endParaRPr kumimoji="0" lang="en-US" altLang="zh-CN" sz="2800" b="1" i="0" u="none" strike="noStrike" kern="1200" cap="none" spc="0" normalizeH="0" baseline="0" noProof="0" dirty="0">
               <a:ln>
@@ -11490,11 +16414,65 @@
             <p:ph idx="1"/>
           </p:nvPr>
         </p:nvSpPr>
-        <p:spPr/>
+        <p:spPr>
+          <a:xfrm>
+            <a:off x="890905" y="1183640"/>
+            <a:ext cx="10515600" cy="4351338"/>
+          </a:xfrm>
+        </p:spPr>
         <p:txBody>
           <a:bodyPr/>
           <a:p>
-            <a:endParaRPr lang="en-US"/>
+            <a:r>
+              <a:rPr lang="en-US" sz="2000"/>
+              <a:t>Implement the Fibonacci function using a stack data structure</a:t>
+            </a:r>
+            <a:endParaRPr lang="en-US" sz="2000"/>
+          </a:p>
+          <a:p>
+            <a:r>
+              <a:rPr lang="en-US" sz="2000"/>
+              <a:t>The function takes as input a single integer n</a:t>
+            </a:r>
+            <a:endParaRPr lang="en-US" sz="2000"/>
+          </a:p>
+          <a:p>
+            <a:r>
+              <a:rPr lang="en-US" sz="2000"/>
+              <a:t>The function returns as output a single integer, the nth number in the fibonacci sequence</a:t>
+            </a:r>
+            <a:endParaRPr lang="en-US" sz="2000"/>
+          </a:p>
+          <a:p>
+            <a:pPr lvl="1"/>
+            <a:r>
+              <a:rPr lang="en-US" sz="1710"/>
+              <a:t>Fibonacci sequence: 0, 1, 1, 2, 3, 5, 8...</a:t>
+            </a:r>
+            <a:endParaRPr lang="en-US" sz="1710"/>
+          </a:p>
+          <a:p>
+            <a:r>
+              <a:rPr lang="en-US" sz="2000"/>
+              <a:t>Example:</a:t>
+            </a:r>
+            <a:endParaRPr lang="en-US" sz="2000"/>
+          </a:p>
+          <a:p>
+            <a:pPr lvl="1"/>
+            <a:r>
+              <a:rPr lang="en-US" sz="1710"/>
+              <a:t>Input n=5, Output = 3</a:t>
+            </a:r>
+            <a:endParaRPr lang="en-US" sz="1710"/>
+          </a:p>
+          <a:p>
+            <a:pPr lvl="1"/>
+            <a:r>
+              <a:rPr lang="en-US" sz="1710"/>
+              <a:t>Input n=7, Output = 8</a:t>
+            </a:r>
+            <a:endParaRPr lang="en-US" sz="1710"/>
           </a:p>
         </p:txBody>
       </p:sp>
@@ -12244,7 +17222,7 @@
                 <a:cs typeface="+mn-cs"/>
                 <a:sym typeface="+mn-ea"/>
               </a:rPr>
-              <a:t>Title</a:t>
+              <a:t>Linked List</a:t>
             </a:r>
             <a:endParaRPr kumimoji="0" lang="en-US" altLang="zh-CN" sz="2800" b="1" i="0" u="none" strike="noStrike" kern="1200" cap="none" spc="0" normalizeH="0" baseline="0" noProof="0" dirty="0">
               <a:ln>
@@ -12279,10 +17257,54 @@
         <p:txBody>
           <a:bodyPr/>
           <a:p>
+            <a:r>
+              <a:rPr lang="en-US"/>
+              <a:t>Linked list, although the name contains a “list”, is actually operated via a Node data structure:</a:t>
+            </a:r>
+            <a:endParaRPr lang="en-US"/>
+          </a:p>
+          <a:p>
+            <a:pPr lvl="1"/>
+            <a:r>
+              <a:rPr lang="en-US"/>
+              <a:t>Data contains the value to be stored in the node</a:t>
+            </a:r>
+            <a:endParaRPr lang="en-US"/>
+          </a:p>
+          <a:p>
+            <a:pPr lvl="1"/>
+            <a:r>
+              <a:rPr lang="en-US"/>
+              <a:t>Next contains a reference/pointer to another node</a:t>
+            </a:r>
             <a:endParaRPr lang="en-US"/>
           </a:p>
         </p:txBody>
       </p:sp>
+      <p:pic>
+        <p:nvPicPr>
+          <p:cNvPr id="2" name="Picture 1"/>
+          <p:cNvPicPr>
+            <a:picLocks noChangeAspect="1"/>
+          </p:cNvPicPr>
+          <p:nvPr/>
+        </p:nvPicPr>
+        <p:blipFill>
+          <a:blip r:embed="rId1"/>
+          <a:stretch>
+            <a:fillRect/>
+          </a:stretch>
+        </p:blipFill>
+        <p:spPr>
+          <a:xfrm>
+            <a:off x="4946015" y="3705860"/>
+            <a:ext cx="2590800" cy="1343025"/>
+          </a:xfrm>
+          <a:prstGeom prst="rect">
+            <a:avLst/>
+          </a:prstGeom>
+        </p:spPr>
+      </p:pic>
     </p:spTree>
   </p:cSld>
   <p:clrMapOvr>
@@ -12306,27 +17328,27 @@
       <p:grpSpPr/>
       <p:sp>
         <p:nvSpPr>
-          <p:cNvPr id="46" name="任意多边形 45"/>
+          <p:cNvPr id="15" name="任意多边形 14"/>
           <p:cNvSpPr/>
           <p:nvPr/>
         </p:nvSpPr>
         <p:spPr>
           <a:xfrm>
-            <a:off x="0" y="260350"/>
-            <a:ext cx="3922395" cy="739775"/>
+            <a:off x="0" y="274638"/>
+            <a:ext cx="890588" cy="639763"/>
           </a:xfrm>
           <a:custGeom>
             <a:avLst/>
             <a:gdLst>
-              <a:gd name="connsiteX0" fmla="*/ 0 w 2091831"/>
+              <a:gd name="connsiteX0" fmla="*/ 0 w 1029743"/>
               <a:gd name="connsiteY0" fmla="*/ 0 h 739718"/>
-              <a:gd name="connsiteX1" fmla="*/ 1721972 w 2091831"/>
+              <a:gd name="connsiteX1" fmla="*/ 659884 w 1029743"/>
               <a:gd name="connsiteY1" fmla="*/ 0 h 739718"/>
-              <a:gd name="connsiteX2" fmla="*/ 2091831 w 2091831"/>
+              <a:gd name="connsiteX2" fmla="*/ 1029743 w 1029743"/>
               <a:gd name="connsiteY2" fmla="*/ 369859 h 739718"/>
-              <a:gd name="connsiteX3" fmla="*/ 1721972 w 2091831"/>
+              <a:gd name="connsiteX3" fmla="*/ 659884 w 1029743"/>
               <a:gd name="connsiteY3" fmla="*/ 739718 h 739718"/>
-              <a:gd name="connsiteX4" fmla="*/ 0 w 2091831"/>
+              <a:gd name="connsiteX4" fmla="*/ 0 w 1029743"/>
               <a:gd name="connsiteY4" fmla="*/ 739718 h 739718"/>
             </a:gdLst>
             <a:ahLst/>
@@ -12349,22 +17371,22 @@
             </a:cxnLst>
             <a:rect l="l" t="t" r="r" b="b"/>
             <a:pathLst>
-              <a:path w="2091831" h="739718">
+              <a:path w="1029743" h="739718">
                 <a:moveTo>
                   <a:pt x="0" y="0"/>
                 </a:moveTo>
                 <a:lnTo>
-                  <a:pt x="1721972" y="0"/>
+                  <a:pt x="659884" y="0"/>
                 </a:lnTo>
                 <a:cubicBezTo>
-                  <a:pt x="1926239" y="0"/>
-                  <a:pt x="2091831" y="165592"/>
-                  <a:pt x="2091831" y="369859"/>
-                </a:cubicBezTo>
-                <a:cubicBezTo>
-                  <a:pt x="2091831" y="574126"/>
-                  <a:pt x="1926239" y="739718"/>
-                  <a:pt x="1721972" y="739718"/>
+                  <a:pt x="864151" y="0"/>
+                  <a:pt x="1029743" y="165592"/>
+                  <a:pt x="1029743" y="369859"/>
+                </a:cubicBezTo>
+                <a:cubicBezTo>
+                  <a:pt x="1029743" y="574126"/>
+                  <a:pt x="864151" y="739718"/>
+                  <a:pt x="659884" y="739718"/>
                 </a:cubicBezTo>
                 <a:lnTo>
                   <a:pt x="0" y="739718"/>
@@ -12421,7 +17443,7 @@
                 <a:noFill/>
               </a:ln>
               <a:solidFill>
-                <a:schemeClr val="lt1"/>
+                <a:schemeClr val="bg1"/>
               </a:solidFill>
               <a:effectLst/>
               <a:uLnTx/>
@@ -12435,14 +17457,14 @@
       </p:sp>
       <p:sp>
         <p:nvSpPr>
-          <p:cNvPr id="6146" name="文本框 101"/>
+          <p:cNvPr id="7170" name="文本框 156"/>
           <p:cNvSpPr txBox="1"/>
           <p:nvPr/>
         </p:nvSpPr>
         <p:spPr>
           <a:xfrm>
-            <a:off x="0" y="338455"/>
-            <a:ext cx="3255645" cy="583565"/>
+            <a:off x="0" y="350838"/>
+            <a:ext cx="814388" cy="521970"/>
           </a:xfrm>
           <a:prstGeom prst="rect">
             <a:avLst/>
@@ -12453,7 +17475,7 @@
           </a:ln>
         </p:spPr>
         <p:txBody>
-          <a:bodyPr wrap="square" anchor="t" anchorCtr="0">
+          <a:bodyPr anchor="t" anchorCtr="0">
             <a:spAutoFit/>
           </a:bodyPr>
           <a:p>
@@ -12461,17 +17483,16 @@
               <a:buFont typeface="Arial" panose="020B0604020202020204" pitchFamily="34" charset="0"/>
             </a:pPr>
             <a:r>
-              <a:rPr lang="en-US" altLang="zh-CN" sz="3200" b="1" dirty="0">
+              <a:rPr lang="en-US" altLang="zh-CN" sz="2800" b="1" dirty="0">
                 <a:solidFill>
                   <a:schemeClr val="bg1"/>
                 </a:solidFill>
                 <a:latin typeface="Microsoft YaHei" panose="020B0503020204020204" pitchFamily="34" charset="-122"/>
                 <a:ea typeface="Microsoft YaHei" panose="020B0503020204020204" pitchFamily="34" charset="-122"/>
-                <a:sym typeface="+mn-ea"/>
               </a:rPr>
-              <a:t>Data Structure</a:t>
+              <a:t>1.1</a:t>
             </a:r>
-            <a:endParaRPr lang="en-US" altLang="zh-CN" sz="3200" b="1" dirty="0">
+            <a:endParaRPr lang="en-US" altLang="zh-CN" sz="2800" b="1" dirty="0">
               <a:solidFill>
                 <a:schemeClr val="bg1"/>
               </a:solidFill>
@@ -12483,46 +17504,61 @@
       </p:sp>
       <p:sp>
         <p:nvSpPr>
-          <p:cNvPr id="15" name="矩形 14"/>
-          <p:cNvSpPr/>
+          <p:cNvPr id="16" name="Rectangle 6"/>
+          <p:cNvSpPr>
+            <a:spLocks noChangeArrowheads="1"/>
+          </p:cNvSpPr>
           <p:nvPr/>
         </p:nvSpPr>
-        <p:spPr>
+        <p:spPr bwMode="black">
           <a:xfrm>
-            <a:off x="3719513" y="2454275"/>
-            <a:ext cx="5913438" cy="973138"/>
+            <a:off x="1021080" y="351155"/>
+            <a:ext cx="6515735" cy="521970"/>
           </a:xfrm>
           <a:prstGeom prst="rect">
             <a:avLst/>
           </a:prstGeom>
           <a:noFill/>
           <a:ln>
-            <a:solidFill>
-              <a:srgbClr val="05B780"/>
-            </a:solidFill>
+            <a:noFill/>
           </a:ln>
+          <a:effectLst/>
+          <a:extLst>
+            <a:ext uri="{909E8E84-426E-40DD-AFC4-6F175D3DCCD1}">
+              <a14:hiddenFill xmlns:a14="http://schemas.microsoft.com/office/drawing/2010/main">
+                <a:solidFill>
+                  <a:schemeClr val="accent1"/>
+                </a:solidFill>
+              </a14:hiddenFill>
+            </a:ext>
+            <a:ext uri="{91240B29-F687-4F45-9708-019B960494DF}">
+              <a14:hiddenLine xmlns:a14="http://schemas.microsoft.com/office/drawing/2010/main" w="9525">
+                <a:solidFill>
+                  <a:schemeClr val="tx1"/>
+                </a:solidFill>
+                <a:miter lim="800000"/>
+                <a:headEnd/>
+                <a:tailEnd/>
+              </a14:hiddenLine>
+            </a:ext>
+            <a:ext uri="{AF507438-7753-43E0-B8FC-AC1667EBCBE1}">
+              <a14:hiddenEffects xmlns:a14="http://schemas.microsoft.com/office/drawing/2010/main">
+                <a:effectLst>
+                  <a:outerShdw dist="35921" dir="2700000" algn="ctr" rotWithShape="0">
+                    <a:schemeClr val="bg2"/>
+                  </a:outerShdw>
+                </a:effectLst>
+              </a14:hiddenEffects>
+            </a:ext>
+          </a:extLst>
         </p:spPr>
-        <p:style>
-          <a:lnRef idx="2">
-            <a:schemeClr val="accent1">
-              <a:shade val="50000"/>
-            </a:schemeClr>
-          </a:lnRef>
-          <a:fillRef idx="1">
-            <a:schemeClr val="accent1"/>
-          </a:fillRef>
-          <a:effectRef idx="0">
-            <a:schemeClr val="accent1"/>
-          </a:effectRef>
-          <a:fontRef idx="minor">
-            <a:schemeClr val="lt1"/>
-          </a:fontRef>
-        </p:style>
         <p:txBody>
-          <a:bodyPr anchor="ctr"/>
+          <a:bodyPr wrap="square">
+            <a:spAutoFit/>
+          </a:bodyPr>
           <a:lstStyle/>
           <a:p>
-            <a:pPr marL="0" marR="0" lvl="0" indent="0" algn="ctr" defTabSz="914400" rtl="0" eaLnBrk="1" fontAlgn="auto" latinLnBrk="0" hangingPunct="1">
+            <a:pPr marL="0" marR="0" lvl="0" indent="0" algn="l" defTabSz="914400" rtl="0" eaLnBrk="0" fontAlgn="auto" latinLnBrk="0" hangingPunct="0">
               <a:lnSpc>
                 <a:spcPct val="100000"/>
               </a:lnSpc>
@@ -12538,209 +17574,106 @@
               <a:buNone/>
               <a:defRPr/>
             </a:pPr>
-            <a:endParaRPr kumimoji="0" lang="zh-CN" altLang="en-US" sz="4400" b="0" i="0" u="none" strike="noStrike" kern="1200" cap="none" spc="0" normalizeH="0" baseline="0" noProof="0">
+            <a:r>
+              <a:rPr kumimoji="0" lang="en-US" altLang="zh-CN" sz="2800" b="1" i="0" u="none" strike="noStrike" kern="1200" cap="none" spc="0" normalizeH="0" baseline="0" noProof="0" dirty="0">
+                <a:ln>
+                  <a:noFill/>
+                </a:ln>
+                <a:solidFill>
+                  <a:schemeClr val="tx1">
+                    <a:lumMod val="85000"/>
+                    <a:lumOff val="15000"/>
+                  </a:schemeClr>
+                </a:solidFill>
+                <a:effectLst/>
+                <a:uLnTx/>
+                <a:uFillTx/>
+                <a:latin typeface="Microsoft YaHei" panose="020B0503020204020204" pitchFamily="34" charset="-122"/>
+                <a:ea typeface="Microsoft YaHei" panose="020B0503020204020204" pitchFamily="34" charset="-122"/>
+                <a:cs typeface="+mn-cs"/>
+                <a:sym typeface="+mn-ea"/>
+              </a:rPr>
+              <a:t>Linked List</a:t>
+            </a:r>
+            <a:endParaRPr kumimoji="0" lang="en-US" altLang="zh-CN" sz="2800" b="1" i="0" u="none" strike="noStrike" kern="1200" cap="none" spc="0" normalizeH="0" baseline="0" noProof="0" dirty="0">
               <a:ln>
                 <a:noFill/>
               </a:ln>
               <a:solidFill>
-                <a:schemeClr val="lt1"/>
+                <a:schemeClr val="tx1">
+                  <a:lumMod val="85000"/>
+                  <a:lumOff val="15000"/>
+                </a:schemeClr>
               </a:solidFill>
               <a:effectLst/>
               <a:uLnTx/>
               <a:uFillTx/>
-              <a:latin typeface="+mn-lt"/>
-              <a:ea typeface="+mn-ea"/>
+              <a:latin typeface="Microsoft YaHei" panose="020B0503020204020204" pitchFamily="34" charset="-122"/>
+              <a:ea typeface="Microsoft YaHei" panose="020B0503020204020204" pitchFamily="34" charset="-122"/>
               <a:cs typeface="+mn-cs"/>
+              <a:sym typeface="+mn-ea"/>
             </a:endParaRPr>
           </a:p>
         </p:txBody>
       </p:sp>
       <p:sp>
         <p:nvSpPr>
-          <p:cNvPr id="6153" name="文本框 15"/>
-          <p:cNvSpPr txBox="1"/>
+          <p:cNvPr id="3" name="Content Placeholder 2"/>
+          <p:cNvSpPr/>
+          <p:nvPr>
+            <p:ph idx="1"/>
+          </p:nvPr>
+        </p:nvSpPr>
+        <p:spPr/>
+        <p:txBody>
+          <a:bodyPr/>
+          <a:p>
+            <a:r>
+              <a:rPr lang="en-US"/>
+              <a:t>An actual linked list is a collection of nodes</a:t>
+            </a:r>
+            <a:endParaRPr lang="en-US"/>
+          </a:p>
+          <a:p>
+            <a:r>
+              <a:rPr lang="en-US"/>
+              <a:t>The first node is called HEAD, and is the starting point for any iteration through the list</a:t>
+            </a:r>
+            <a:endParaRPr lang="en-US"/>
+          </a:p>
+          <a:p>
+            <a:r>
+              <a:rPr lang="en-US"/>
+              <a:t>The last node is called TAIL, and is the ending point of a full iteration through the list</a:t>
+            </a:r>
+            <a:endParaRPr lang="en-US"/>
+          </a:p>
+        </p:txBody>
+      </p:sp>
+      <p:pic>
+        <p:nvPicPr>
+          <p:cNvPr id="2" name="Picture 1"/>
+          <p:cNvPicPr>
+            <a:picLocks noChangeAspect="1"/>
+          </p:cNvPicPr>
           <p:nvPr/>
-        </p:nvSpPr>
+        </p:nvPicPr>
+        <p:blipFill>
+          <a:blip r:embed="rId1"/>
+          <a:stretch>
+            <a:fillRect/>
+          </a:stretch>
+        </p:blipFill>
         <p:spPr>
           <a:xfrm>
-            <a:off x="4319588" y="2498725"/>
-            <a:ext cx="5067300" cy="583565"/>
+            <a:off x="3743325" y="4335780"/>
+            <a:ext cx="4705350" cy="1771650"/>
           </a:xfrm>
           <a:prstGeom prst="rect">
             <a:avLst/>
           </a:prstGeom>
-          <a:noFill/>
-          <a:ln w="9525">
-            <a:noFill/>
-          </a:ln>
         </p:spPr>
-        <p:txBody>
-          <a:bodyPr wrap="square" anchor="t" anchorCtr="0">
-            <a:spAutoFit/>
-          </a:bodyPr>
-          <a:p>
-            <a:pPr>
-              <a:buFont typeface="Arial" panose="020B0604020202020204" pitchFamily="34" charset="0"/>
-            </a:pPr>
-            <a:r>
-              <a:rPr lang="en-US" altLang="zh-CN" sz="3200" b="1" dirty="0">
-                <a:solidFill>
-                  <a:srgbClr val="05B780"/>
-                </a:solidFill>
-                <a:latin typeface="Microsoft YaHei" panose="020B0503020204020204" pitchFamily="34" charset="-122"/>
-                <a:ea typeface="Microsoft YaHei" panose="020B0503020204020204" pitchFamily="34" charset="-122"/>
-              </a:rPr>
-              <a:t>Binary Tree</a:t>
-            </a:r>
-            <a:endParaRPr lang="en-US" altLang="zh-CN" sz="3200" b="1" dirty="0">
-              <a:solidFill>
-                <a:srgbClr val="05B780"/>
-              </a:solidFill>
-              <a:latin typeface="Microsoft YaHei" panose="020B0503020204020204" pitchFamily="34" charset="-122"/>
-              <a:ea typeface="Microsoft YaHei" panose="020B0503020204020204" pitchFamily="34" charset="-122"/>
-            </a:endParaRPr>
-          </a:p>
-        </p:txBody>
-      </p:sp>
-      <p:grpSp>
-        <p:nvGrpSpPr>
-          <p:cNvPr id="6154" name="组合 16"/>
-          <p:cNvGrpSpPr/>
-          <p:nvPr/>
-        </p:nvGrpSpPr>
-        <p:grpSpPr>
-          <a:xfrm>
-            <a:off x="2179628" y="2022465"/>
-            <a:ext cx="1742436" cy="1839913"/>
-            <a:chOff x="1473123" y="1521447"/>
-            <a:chExt cx="645926" cy="681967"/>
-          </a:xfrm>
-        </p:grpSpPr>
-        <p:sp>
-          <p:nvSpPr>
-            <p:cNvPr id="18" name="六边形 17"/>
-            <p:cNvSpPr/>
-            <p:nvPr/>
-          </p:nvSpPr>
-          <p:spPr>
-            <a:xfrm rot="5400000">
-              <a:off x="1426090" y="1568479"/>
-              <a:ext cx="681967" cy="587902"/>
-            </a:xfrm>
-            <a:prstGeom prst="hexagon">
-              <a:avLst>
-                <a:gd name="adj" fmla="val 27469"/>
-                <a:gd name="vf" fmla="val 115470"/>
-              </a:avLst>
-            </a:prstGeom>
-            <a:solidFill>
-              <a:srgbClr val="05B780"/>
-            </a:solidFill>
-            <a:ln>
-              <a:noFill/>
-            </a:ln>
-          </p:spPr>
-          <p:style>
-            <a:lnRef idx="2">
-              <a:schemeClr val="accent1">
-                <a:shade val="50000"/>
-              </a:schemeClr>
-            </a:lnRef>
-            <a:fillRef idx="1">
-              <a:schemeClr val="accent1"/>
-            </a:fillRef>
-            <a:effectRef idx="0">
-              <a:schemeClr val="accent1"/>
-            </a:effectRef>
-            <a:fontRef idx="minor">
-              <a:schemeClr val="lt1"/>
-            </a:fontRef>
-          </p:style>
-          <p:txBody>
-            <a:bodyPr anchor="ctr"/>
-            <a:lstStyle/>
-            <a:p>
-              <a:pPr marL="0" marR="0" lvl="0" indent="0" algn="ctr" defTabSz="914400" rtl="0" eaLnBrk="1" fontAlgn="auto" latinLnBrk="0" hangingPunct="1">
-                <a:lnSpc>
-                  <a:spcPct val="100000"/>
-                </a:lnSpc>
-                <a:spcBef>
-                  <a:spcPts val="0"/>
-                </a:spcBef>
-                <a:spcAft>
-                  <a:spcPts val="0"/>
-                </a:spcAft>
-                <a:buClrTx/>
-                <a:buSzTx/>
-                <a:buFontTx/>
-                <a:buNone/>
-                <a:defRPr/>
-              </a:pPr>
-              <a:endParaRPr kumimoji="0" lang="zh-CN" altLang="en-US" sz="4400" b="0" i="0" u="none" strike="noStrike" kern="1200" cap="none" spc="0" normalizeH="0" baseline="0" noProof="0">
-                <a:ln>
-                  <a:noFill/>
-                </a:ln>
-                <a:solidFill>
-                  <a:schemeClr val="lt1"/>
-                </a:solidFill>
-                <a:effectLst/>
-                <a:uLnTx/>
-                <a:uFillTx/>
-                <a:latin typeface="+mn-lt"/>
-                <a:ea typeface="+mn-ea"/>
-                <a:cs typeface="+mn-cs"/>
-              </a:endParaRPr>
-            </a:p>
-          </p:txBody>
-        </p:sp>
-        <p:sp>
-          <p:nvSpPr>
-            <p:cNvPr id="6156" name="文本框 18"/>
-            <p:cNvSpPr txBox="1"/>
-            <p:nvPr/>
-          </p:nvSpPr>
-          <p:spPr>
-            <a:xfrm>
-              <a:off x="1532912" y="1719387"/>
-              <a:ext cx="586137" cy="284790"/>
-            </a:xfrm>
-            <a:prstGeom prst="rect">
-              <a:avLst/>
-            </a:prstGeom>
-            <a:noFill/>
-            <a:ln w="9525">
-              <a:noFill/>
-            </a:ln>
-          </p:spPr>
-          <p:txBody>
-            <a:bodyPr wrap="square" anchor="t" anchorCtr="0">
-              <a:spAutoFit/>
-            </a:bodyPr>
-            <a:p>
-              <a:pPr>
-                <a:buFont typeface="Arial" panose="020B0604020202020204" pitchFamily="34" charset="0"/>
-              </a:pPr>
-              <a:r>
-                <a:rPr lang="en-US" altLang="zh-CN" sz="4400" b="1" dirty="0">
-                  <a:solidFill>
-                    <a:schemeClr val="bg1"/>
-                  </a:solidFill>
-                  <a:latin typeface="Microsoft YaHei" panose="020B0503020204020204" pitchFamily="34" charset="-122"/>
-                  <a:ea typeface="Microsoft YaHei" panose="020B0503020204020204" pitchFamily="34" charset="-122"/>
-                </a:rPr>
-                <a:t>03</a:t>
-              </a:r>
-              <a:endParaRPr lang="en-US" altLang="zh-CN" sz="4400" b="1" dirty="0">
-                <a:solidFill>
-                  <a:schemeClr val="bg1"/>
-                </a:solidFill>
-                <a:latin typeface="Microsoft YaHei" panose="020B0503020204020204" pitchFamily="34" charset="-122"/>
-                <a:ea typeface="Microsoft YaHei" panose="020B0503020204020204" pitchFamily="34" charset="-122"/>
-              </a:endParaRPr>
-            </a:p>
-          </p:txBody>
-        </p:sp>
-      </p:grpSp>
+      </p:pic>
     </p:spTree>
   </p:cSld>
   <p:clrMapOvr>

--- a/week4/week4_slides.pptx
+++ b/week4/week4_slides.pptx
@@ -6,10 +6,10 @@
     <p:sldMasterId id="2147483651" r:id="rId3"/>
   </p:sldMasterIdLst>
   <p:notesMasterIdLst>
-    <p:notesMasterId r:id="rId33"/>
+    <p:notesMasterId r:id="rId35"/>
   </p:notesMasterIdLst>
   <p:handoutMasterIdLst>
-    <p:handoutMasterId r:id="rId34"/>
+    <p:handoutMasterId r:id="rId36"/>
   </p:handoutMasterIdLst>
   <p:sldIdLst>
     <p:sldId id="256" r:id="rId4"/>
@@ -33,14 +33,16 @@
     <p:sldId id="497" r:id="rId22"/>
     <p:sldId id="496" r:id="rId23"/>
     <p:sldId id="478" r:id="rId24"/>
-    <p:sldId id="479" r:id="rId25"/>
-    <p:sldId id="498" r:id="rId26"/>
-    <p:sldId id="499" r:id="rId27"/>
-    <p:sldId id="378" r:id="rId28"/>
-    <p:sldId id="488" r:id="rId29"/>
-    <p:sldId id="480" r:id="rId30"/>
-    <p:sldId id="457" r:id="rId31"/>
-    <p:sldId id="289" r:id="rId32"/>
+    <p:sldId id="509" r:id="rId25"/>
+    <p:sldId id="479" r:id="rId26"/>
+    <p:sldId id="498" r:id="rId27"/>
+    <p:sldId id="499" r:id="rId28"/>
+    <p:sldId id="510" r:id="rId29"/>
+    <p:sldId id="378" r:id="rId30"/>
+    <p:sldId id="488" r:id="rId31"/>
+    <p:sldId id="480" r:id="rId32"/>
+    <p:sldId id="457" r:id="rId33"/>
+    <p:sldId id="289" r:id="rId34"/>
   </p:sldIdLst>
   <p:sldSz cx="12192000" cy="6858000"/>
   <p:notesSz cx="6858000" cy="9144000"/>
@@ -6419,6 +6421,12 @@
             </a:r>
             <a:endParaRPr lang="en-US"/>
           </a:p>
+          <a:p>
+            <a:pPr marL="457200" lvl="1" indent="0">
+              <a:buNone/>
+            </a:pPr>
+            <a:endParaRPr lang="en-US"/>
+          </a:p>
         </p:txBody>
       </p:sp>
     </p:spTree>
@@ -8717,14 +8725,95 @@
             <p:ph idx="1"/>
           </p:nvPr>
         </p:nvSpPr>
-        <p:spPr/>
+        <p:spPr>
+          <a:xfrm>
+            <a:off x="838200" y="1155065"/>
+            <a:ext cx="10515600" cy="5022215"/>
+          </a:xfrm>
+        </p:spPr>
         <p:txBody>
           <a:bodyPr/>
           <a:p>
+            <a:r>
+              <a:rPr lang="en-US"/>
+              <a:t>Binary trees are implemented using a special type of ADT called Nodes which operate similarily to linked list nodes</a:t>
+            </a:r>
             <a:endParaRPr lang="en-US"/>
+          </a:p>
+          <a:p>
+            <a:r>
+              <a:rPr lang="en-US"/>
+              <a:t>To represent a binary tree in python, we can again use lists</a:t>
+            </a:r>
+            <a:endParaRPr lang="en-US"/>
+          </a:p>
+          <a:p>
+            <a:r>
+              <a:rPr lang="en-US"/>
+              <a:t>Example Binary Tree</a:t>
+            </a:r>
+            <a:endParaRPr lang="en-US"/>
+          </a:p>
+          <a:p>
+            <a:endParaRPr lang="en-US"/>
+          </a:p>
+          <a:p>
+            <a:endParaRPr lang="en-US"/>
+          </a:p>
+          <a:p>
+            <a:endParaRPr lang="en-US"/>
+          </a:p>
+          <a:p>
+            <a:endParaRPr lang="en-US"/>
+          </a:p>
+          <a:p>
+            <a:endParaRPr lang="en-US"/>
+          </a:p>
+          <a:p>
+            <a:r>
+              <a:rPr lang="en-US"/>
+              <a:t>In List Representation: [5,4,3,x,x,8,x,x,6,x,x]</a:t>
+            </a:r>
+            <a:endParaRPr lang="en-US"/>
+          </a:p>
+          <a:p>
+            <a:pPr lvl="1"/>
+            <a:r>
+              <a:rPr lang="en-US"/>
+              <a:t>This approach leverages the </a:t>
+            </a:r>
+            <a:r>
+              <a:rPr lang="en-US" i="1"/>
+              <a:t>pre-order traversal</a:t>
+            </a:r>
+            <a:endParaRPr lang="en-US" i="1"/>
           </a:p>
         </p:txBody>
       </p:sp>
+      <p:pic>
+        <p:nvPicPr>
+          <p:cNvPr id="2" name="Picture 1"/>
+          <p:cNvPicPr>
+            <a:picLocks noChangeAspect="1"/>
+          </p:cNvPicPr>
+          <p:nvPr/>
+        </p:nvPicPr>
+        <p:blipFill>
+          <a:blip r:embed="rId1"/>
+          <a:stretch>
+            <a:fillRect/>
+          </a:stretch>
+        </p:blipFill>
+        <p:spPr>
+          <a:xfrm>
+            <a:off x="4469130" y="2633345"/>
+            <a:ext cx="2676525" cy="2914650"/>
+          </a:xfrm>
+          <a:prstGeom prst="rect">
+            <a:avLst/>
+          </a:prstGeom>
+        </p:spPr>
+      </p:pic>
     </p:spTree>
   </p:cSld>
   <p:clrMapOvr>
@@ -10688,22 +10777,289 @@
           </a:p>
         </p:txBody>
       </p:sp>
-      <p:sp>
-        <p:nvSpPr>
-          <p:cNvPr id="3" name="Content Placeholder 2"/>
-          <p:cNvSpPr/>
+      <p:pic>
+        <p:nvPicPr>
+          <p:cNvPr id="2" name="Content Placeholder 1"/>
+          <p:cNvPicPr>
+            <a:picLocks noChangeAspect="1"/>
+          </p:cNvPicPr>
           <p:nvPr>
             <p:ph idx="1"/>
           </p:nvPr>
+        </p:nvPicPr>
+        <p:blipFill>
+          <a:blip r:embed="rId1"/>
+          <a:stretch>
+            <a:fillRect/>
+          </a:stretch>
+        </p:blipFill>
+        <p:spPr>
+          <a:xfrm>
+            <a:off x="3494405" y="3965575"/>
+            <a:ext cx="2955925" cy="2556510"/>
+          </a:xfrm>
+          <a:prstGeom prst="rect">
+            <a:avLst/>
+          </a:prstGeom>
+        </p:spPr>
+      </p:pic>
+      <p:sp>
+        <p:nvSpPr>
+          <p:cNvPr id="4" name="Content Placeholder 2"/>
+          <p:cNvSpPr/>
+          <p:nvPr/>
         </p:nvSpPr>
-        <p:spPr/>
+        <p:spPr>
+          <a:xfrm>
+            <a:off x="890905" y="1416050"/>
+            <a:ext cx="10515600" cy="4351338"/>
+          </a:xfrm>
+          <a:prstGeom prst="rect">
+            <a:avLst/>
+          </a:prstGeom>
+          <a:noFill/>
+          <a:ln w="9525">
+            <a:noFill/>
+          </a:ln>
+        </p:spPr>
         <p:txBody>
-          <a:bodyPr/>
-          <a:p>
+          <a:bodyPr anchor="t" anchorCtr="0"/>
+          <a:lstStyle>
+            <a:lvl1pPr marL="228600" indent="-228600" algn="l" rtl="0" fontAlgn="base">
+              <a:lnSpc>
+                <a:spcPct val="90000"/>
+              </a:lnSpc>
+              <a:spcBef>
+                <a:spcPts val="1000"/>
+              </a:spcBef>
+              <a:spcAft>
+                <a:spcPct val="0"/>
+              </a:spcAft>
+              <a:buFont typeface="Arial" panose="020B0604020202020204" pitchFamily="34" charset="0"/>
+              <a:buChar char="•"/>
+              <a:defRPr sz="2800" kern="1200">
+                <a:solidFill>
+                  <a:schemeClr val="tx1"/>
+                </a:solidFill>
+                <a:latin typeface="+mn-lt"/>
+                <a:ea typeface="+mn-ea"/>
+                <a:cs typeface="+mn-cs"/>
+              </a:defRPr>
+            </a:lvl1pPr>
+            <a:lvl2pPr marL="685800" indent="-228600" algn="l" rtl="0" fontAlgn="base">
+              <a:lnSpc>
+                <a:spcPct val="90000"/>
+              </a:lnSpc>
+              <a:spcBef>
+                <a:spcPts val="500"/>
+              </a:spcBef>
+              <a:spcAft>
+                <a:spcPct val="0"/>
+              </a:spcAft>
+              <a:buFont typeface="Arial" panose="020B0604020202020204" pitchFamily="34" charset="0"/>
+              <a:buChar char="•"/>
+              <a:defRPr sz="2400" kern="1200">
+                <a:solidFill>
+                  <a:schemeClr val="tx1"/>
+                </a:solidFill>
+                <a:latin typeface="+mn-lt"/>
+                <a:ea typeface="+mn-ea"/>
+                <a:cs typeface="+mn-cs"/>
+              </a:defRPr>
+            </a:lvl2pPr>
+            <a:lvl3pPr marL="1143000" indent="-228600" algn="l" rtl="0" fontAlgn="base">
+              <a:lnSpc>
+                <a:spcPct val="90000"/>
+              </a:lnSpc>
+              <a:spcBef>
+                <a:spcPts val="500"/>
+              </a:spcBef>
+              <a:spcAft>
+                <a:spcPct val="0"/>
+              </a:spcAft>
+              <a:buFont typeface="Arial" panose="020B0604020202020204" pitchFamily="34" charset="0"/>
+              <a:buChar char="•"/>
+              <a:defRPr sz="2000" kern="1200">
+                <a:solidFill>
+                  <a:schemeClr val="tx1"/>
+                </a:solidFill>
+                <a:latin typeface="+mn-lt"/>
+                <a:ea typeface="+mn-ea"/>
+                <a:cs typeface="+mn-cs"/>
+              </a:defRPr>
+            </a:lvl3pPr>
+            <a:lvl4pPr marL="1600200" indent="-228600" algn="l" rtl="0" fontAlgn="base">
+              <a:lnSpc>
+                <a:spcPct val="90000"/>
+              </a:lnSpc>
+              <a:spcBef>
+                <a:spcPts val="500"/>
+              </a:spcBef>
+              <a:spcAft>
+                <a:spcPct val="0"/>
+              </a:spcAft>
+              <a:buFont typeface="Arial" panose="020B0604020202020204" pitchFamily="34" charset="0"/>
+              <a:buChar char="•"/>
+              <a:defRPr sz="2000" kern="1200">
+                <a:solidFill>
+                  <a:schemeClr val="tx1"/>
+                </a:solidFill>
+                <a:latin typeface="+mn-lt"/>
+                <a:ea typeface="+mn-ea"/>
+                <a:cs typeface="+mn-cs"/>
+              </a:defRPr>
+            </a:lvl4pPr>
+            <a:lvl5pPr marL="2057400" indent="-228600" algn="l" rtl="0" fontAlgn="base">
+              <a:lnSpc>
+                <a:spcPct val="90000"/>
+              </a:lnSpc>
+              <a:spcBef>
+                <a:spcPts val="500"/>
+              </a:spcBef>
+              <a:spcAft>
+                <a:spcPct val="0"/>
+              </a:spcAft>
+              <a:buFont typeface="Arial" panose="020B0604020202020204" pitchFamily="34" charset="0"/>
+              <a:buChar char="•"/>
+              <a:defRPr sz="2000" kern="1200">
+                <a:solidFill>
+                  <a:schemeClr val="tx1"/>
+                </a:solidFill>
+                <a:latin typeface="+mn-lt"/>
+                <a:ea typeface="+mn-ea"/>
+                <a:cs typeface="+mn-cs"/>
+              </a:defRPr>
+            </a:lvl5pPr>
+            <a:lvl6pPr marL="2514600" indent="-228600" algn="l" defTabSz="914400" rtl="0" eaLnBrk="1" latinLnBrk="0" hangingPunct="1">
+              <a:lnSpc>
+                <a:spcPct val="90000"/>
+              </a:lnSpc>
+              <a:spcBef>
+                <a:spcPts val="500"/>
+              </a:spcBef>
+              <a:buFont typeface="Arial" panose="020B0604020202020204" pitchFamily="34" charset="0"/>
+              <a:buChar char="•"/>
+              <a:defRPr sz="1800" kern="1200">
+                <a:solidFill>
+                  <a:schemeClr val="tx1"/>
+                </a:solidFill>
+                <a:latin typeface="+mn-lt"/>
+                <a:ea typeface="+mn-ea"/>
+                <a:cs typeface="+mn-cs"/>
+              </a:defRPr>
+            </a:lvl6pPr>
+            <a:lvl7pPr marL="2971800" indent="-228600" algn="l" defTabSz="914400" rtl="0" eaLnBrk="1" latinLnBrk="0" hangingPunct="1">
+              <a:lnSpc>
+                <a:spcPct val="90000"/>
+              </a:lnSpc>
+              <a:spcBef>
+                <a:spcPts val="500"/>
+              </a:spcBef>
+              <a:buFont typeface="Arial" panose="020B0604020202020204" pitchFamily="34" charset="0"/>
+              <a:buChar char="•"/>
+              <a:defRPr sz="1800" kern="1200">
+                <a:solidFill>
+                  <a:schemeClr val="tx1"/>
+                </a:solidFill>
+                <a:latin typeface="+mn-lt"/>
+                <a:ea typeface="+mn-ea"/>
+                <a:cs typeface="+mn-cs"/>
+              </a:defRPr>
+            </a:lvl7pPr>
+            <a:lvl8pPr marL="3429000" indent="-228600" algn="l" defTabSz="914400" rtl="0" eaLnBrk="1" latinLnBrk="0" hangingPunct="1">
+              <a:lnSpc>
+                <a:spcPct val="90000"/>
+              </a:lnSpc>
+              <a:spcBef>
+                <a:spcPts val="500"/>
+              </a:spcBef>
+              <a:buFont typeface="Arial" panose="020B0604020202020204" pitchFamily="34" charset="0"/>
+              <a:buChar char="•"/>
+              <a:defRPr sz="1800" kern="1200">
+                <a:solidFill>
+                  <a:schemeClr val="tx1"/>
+                </a:solidFill>
+                <a:latin typeface="+mn-lt"/>
+                <a:ea typeface="+mn-ea"/>
+                <a:cs typeface="+mn-cs"/>
+              </a:defRPr>
+            </a:lvl8pPr>
+            <a:lvl9pPr marL="3886200" indent="-228600" algn="l" defTabSz="914400" rtl="0" eaLnBrk="1" latinLnBrk="0" hangingPunct="1">
+              <a:lnSpc>
+                <a:spcPct val="90000"/>
+              </a:lnSpc>
+              <a:spcBef>
+                <a:spcPts val="500"/>
+              </a:spcBef>
+              <a:buFont typeface="Arial" panose="020B0604020202020204" pitchFamily="34" charset="0"/>
+              <a:buChar char="•"/>
+              <a:defRPr sz="1800" kern="1200">
+                <a:solidFill>
+                  <a:schemeClr val="tx1"/>
+                </a:solidFill>
+                <a:latin typeface="+mn-lt"/>
+                <a:ea typeface="+mn-ea"/>
+                <a:cs typeface="+mn-cs"/>
+              </a:defRPr>
+            </a:lvl9pPr>
+          </a:lstStyle>
+          <a:p>
+            <a:r>
+              <a:rPr lang="en-US"/>
+              <a:t>For trees that do not follow the “binary” structure, we consider them as N-Ary Trees</a:t>
+            </a:r>
+            <a:endParaRPr lang="en-US"/>
+          </a:p>
+          <a:p>
+            <a:r>
+              <a:rPr lang="en-US"/>
+              <a:t>N-Ary Trees can contain up to N (N&gt;2) number of children at each parent node</a:t>
+            </a:r>
+            <a:endParaRPr lang="en-US"/>
+          </a:p>
+          <a:p>
+            <a:pPr lvl="1"/>
+            <a:r>
+              <a:rPr lang="en-US" sz="2400"/>
+              <a:t>Implementation in python is nearly identical</a:t>
+            </a:r>
+            <a:endParaRPr lang="en-US"/>
+          </a:p>
+          <a:p>
+            <a:r>
+              <a:rPr lang="en-US"/>
+              <a:t>One of the most common applications is Prefix-Trie</a:t>
+            </a:r>
             <a:endParaRPr lang="en-US"/>
           </a:p>
         </p:txBody>
       </p:sp>
+      <p:pic>
+        <p:nvPicPr>
+          <p:cNvPr id="100" name="Picture 99"/>
+          <p:cNvPicPr/>
+          <p:nvPr/>
+        </p:nvPicPr>
+        <p:blipFill>
+          <a:blip r:embed="rId2"/>
+          <a:stretch>
+            <a:fillRect/>
+          </a:stretch>
+        </p:blipFill>
+        <p:spPr>
+          <a:xfrm>
+            <a:off x="8319135" y="3295015"/>
+            <a:ext cx="3461385" cy="2976880"/>
+          </a:xfrm>
+          <a:prstGeom prst="rect">
+            <a:avLst/>
+          </a:prstGeom>
+          <a:noFill/>
+          <a:ln w="9525">
+            <a:noFill/>
+          </a:ln>
+        </p:spPr>
+      </p:pic>
     </p:spTree>
   </p:cSld>
   <p:clrMapOvr>
@@ -11450,7 +11806,7 @@
                 <a:cs typeface="+mn-cs"/>
                 <a:sym typeface="+mn-ea"/>
               </a:rPr>
-              <a:t>In-order Traversal</a:t>
+              <a:t>Level-order Traversal</a:t>
             </a:r>
             <a:endParaRPr kumimoji="0" lang="en-US" altLang="zh-CN" sz="2800" b="1" i="0" u="none" strike="noStrike" kern="1200" cap="none" spc="0" normalizeH="0" baseline="0" noProof="0" dirty="0">
               <a:ln>
@@ -11473,18 +11829,237 @@
           </a:p>
         </p:txBody>
       </p:sp>
-      <p:sp>
-        <p:nvSpPr>
-          <p:cNvPr id="3" name="Content Placeholder 2"/>
-          <p:cNvSpPr/>
+      <p:pic>
+        <p:nvPicPr>
+          <p:cNvPr id="5" name="Content Placeholder 4"/>
+          <p:cNvPicPr>
+            <a:picLocks noChangeAspect="1"/>
+          </p:cNvPicPr>
           <p:nvPr>
             <p:ph idx="1"/>
           </p:nvPr>
+        </p:nvPicPr>
+        <p:blipFill>
+          <a:blip r:embed="rId1"/>
+          <a:stretch>
+            <a:fillRect/>
+          </a:stretch>
+        </p:blipFill>
+        <p:spPr>
+          <a:xfrm>
+            <a:off x="2565400" y="2980055"/>
+            <a:ext cx="6562725" cy="3467100"/>
+          </a:xfrm>
+          <a:prstGeom prst="rect">
+            <a:avLst/>
+          </a:prstGeom>
+        </p:spPr>
+      </p:pic>
+      <p:sp>
+        <p:nvSpPr>
+          <p:cNvPr id="6" name="Content Placeholder 2"/>
+          <p:cNvSpPr/>
+          <p:nvPr/>
         </p:nvSpPr>
-        <p:spPr/>
+        <p:spPr>
+          <a:xfrm>
+            <a:off x="838200" y="1252855"/>
+            <a:ext cx="10515600" cy="4351338"/>
+          </a:xfrm>
+          <a:prstGeom prst="rect">
+            <a:avLst/>
+          </a:prstGeom>
+          <a:noFill/>
+          <a:ln w="9525">
+            <a:noFill/>
+          </a:ln>
+        </p:spPr>
         <p:txBody>
-          <a:bodyPr/>
-          <a:p>
+          <a:bodyPr anchor="t" anchorCtr="0"/>
+          <a:lstStyle>
+            <a:lvl1pPr marL="228600" indent="-228600" algn="l" rtl="0" fontAlgn="base">
+              <a:lnSpc>
+                <a:spcPct val="90000"/>
+              </a:lnSpc>
+              <a:spcBef>
+                <a:spcPts val="1000"/>
+              </a:spcBef>
+              <a:spcAft>
+                <a:spcPct val="0"/>
+              </a:spcAft>
+              <a:buFont typeface="Arial" panose="020B0604020202020204" pitchFamily="34" charset="0"/>
+              <a:buChar char="•"/>
+              <a:defRPr sz="2800" kern="1200">
+                <a:solidFill>
+                  <a:schemeClr val="tx1"/>
+                </a:solidFill>
+                <a:latin typeface="+mn-lt"/>
+                <a:ea typeface="+mn-ea"/>
+                <a:cs typeface="+mn-cs"/>
+              </a:defRPr>
+            </a:lvl1pPr>
+            <a:lvl2pPr marL="685800" indent="-228600" algn="l" rtl="0" fontAlgn="base">
+              <a:lnSpc>
+                <a:spcPct val="90000"/>
+              </a:lnSpc>
+              <a:spcBef>
+                <a:spcPts val="500"/>
+              </a:spcBef>
+              <a:spcAft>
+                <a:spcPct val="0"/>
+              </a:spcAft>
+              <a:buFont typeface="Arial" panose="020B0604020202020204" pitchFamily="34" charset="0"/>
+              <a:buChar char="•"/>
+              <a:defRPr sz="2400" kern="1200">
+                <a:solidFill>
+                  <a:schemeClr val="tx1"/>
+                </a:solidFill>
+                <a:latin typeface="+mn-lt"/>
+                <a:ea typeface="+mn-ea"/>
+                <a:cs typeface="+mn-cs"/>
+              </a:defRPr>
+            </a:lvl2pPr>
+            <a:lvl3pPr marL="1143000" indent="-228600" algn="l" rtl="0" fontAlgn="base">
+              <a:lnSpc>
+                <a:spcPct val="90000"/>
+              </a:lnSpc>
+              <a:spcBef>
+                <a:spcPts val="500"/>
+              </a:spcBef>
+              <a:spcAft>
+                <a:spcPct val="0"/>
+              </a:spcAft>
+              <a:buFont typeface="Arial" panose="020B0604020202020204" pitchFamily="34" charset="0"/>
+              <a:buChar char="•"/>
+              <a:defRPr sz="2000" kern="1200">
+                <a:solidFill>
+                  <a:schemeClr val="tx1"/>
+                </a:solidFill>
+                <a:latin typeface="+mn-lt"/>
+                <a:ea typeface="+mn-ea"/>
+                <a:cs typeface="+mn-cs"/>
+              </a:defRPr>
+            </a:lvl3pPr>
+            <a:lvl4pPr marL="1600200" indent="-228600" algn="l" rtl="0" fontAlgn="base">
+              <a:lnSpc>
+                <a:spcPct val="90000"/>
+              </a:lnSpc>
+              <a:spcBef>
+                <a:spcPts val="500"/>
+              </a:spcBef>
+              <a:spcAft>
+                <a:spcPct val="0"/>
+              </a:spcAft>
+              <a:buFont typeface="Arial" panose="020B0604020202020204" pitchFamily="34" charset="0"/>
+              <a:buChar char="•"/>
+              <a:defRPr sz="2000" kern="1200">
+                <a:solidFill>
+                  <a:schemeClr val="tx1"/>
+                </a:solidFill>
+                <a:latin typeface="+mn-lt"/>
+                <a:ea typeface="+mn-ea"/>
+                <a:cs typeface="+mn-cs"/>
+              </a:defRPr>
+            </a:lvl4pPr>
+            <a:lvl5pPr marL="2057400" indent="-228600" algn="l" rtl="0" fontAlgn="base">
+              <a:lnSpc>
+                <a:spcPct val="90000"/>
+              </a:lnSpc>
+              <a:spcBef>
+                <a:spcPts val="500"/>
+              </a:spcBef>
+              <a:spcAft>
+                <a:spcPct val="0"/>
+              </a:spcAft>
+              <a:buFont typeface="Arial" panose="020B0604020202020204" pitchFamily="34" charset="0"/>
+              <a:buChar char="•"/>
+              <a:defRPr sz="2000" kern="1200">
+                <a:solidFill>
+                  <a:schemeClr val="tx1"/>
+                </a:solidFill>
+                <a:latin typeface="+mn-lt"/>
+                <a:ea typeface="+mn-ea"/>
+                <a:cs typeface="+mn-cs"/>
+              </a:defRPr>
+            </a:lvl5pPr>
+            <a:lvl6pPr marL="2514600" indent="-228600" algn="l" defTabSz="914400" rtl="0" eaLnBrk="1" latinLnBrk="0" hangingPunct="1">
+              <a:lnSpc>
+                <a:spcPct val="90000"/>
+              </a:lnSpc>
+              <a:spcBef>
+                <a:spcPts val="500"/>
+              </a:spcBef>
+              <a:buFont typeface="Arial" panose="020B0604020202020204" pitchFamily="34" charset="0"/>
+              <a:buChar char="•"/>
+              <a:defRPr sz="1800" kern="1200">
+                <a:solidFill>
+                  <a:schemeClr val="tx1"/>
+                </a:solidFill>
+                <a:latin typeface="+mn-lt"/>
+                <a:ea typeface="+mn-ea"/>
+                <a:cs typeface="+mn-cs"/>
+              </a:defRPr>
+            </a:lvl6pPr>
+            <a:lvl7pPr marL="2971800" indent="-228600" algn="l" defTabSz="914400" rtl="0" eaLnBrk="1" latinLnBrk="0" hangingPunct="1">
+              <a:lnSpc>
+                <a:spcPct val="90000"/>
+              </a:lnSpc>
+              <a:spcBef>
+                <a:spcPts val="500"/>
+              </a:spcBef>
+              <a:buFont typeface="Arial" panose="020B0604020202020204" pitchFamily="34" charset="0"/>
+              <a:buChar char="•"/>
+              <a:defRPr sz="1800" kern="1200">
+                <a:solidFill>
+                  <a:schemeClr val="tx1"/>
+                </a:solidFill>
+                <a:latin typeface="+mn-lt"/>
+                <a:ea typeface="+mn-ea"/>
+                <a:cs typeface="+mn-cs"/>
+              </a:defRPr>
+            </a:lvl7pPr>
+            <a:lvl8pPr marL="3429000" indent="-228600" algn="l" defTabSz="914400" rtl="0" eaLnBrk="1" latinLnBrk="0" hangingPunct="1">
+              <a:lnSpc>
+                <a:spcPct val="90000"/>
+              </a:lnSpc>
+              <a:spcBef>
+                <a:spcPts val="500"/>
+              </a:spcBef>
+              <a:buFont typeface="Arial" panose="020B0604020202020204" pitchFamily="34" charset="0"/>
+              <a:buChar char="•"/>
+              <a:defRPr sz="1800" kern="1200">
+                <a:solidFill>
+                  <a:schemeClr val="tx1"/>
+                </a:solidFill>
+                <a:latin typeface="+mn-lt"/>
+                <a:ea typeface="+mn-ea"/>
+                <a:cs typeface="+mn-cs"/>
+              </a:defRPr>
+            </a:lvl8pPr>
+            <a:lvl9pPr marL="3886200" indent="-228600" algn="l" defTabSz="914400" rtl="0" eaLnBrk="1" latinLnBrk="0" hangingPunct="1">
+              <a:lnSpc>
+                <a:spcPct val="90000"/>
+              </a:lnSpc>
+              <a:spcBef>
+                <a:spcPts val="500"/>
+              </a:spcBef>
+              <a:buFont typeface="Arial" panose="020B0604020202020204" pitchFamily="34" charset="0"/>
+              <a:buChar char="•"/>
+              <a:defRPr sz="1800" kern="1200">
+                <a:solidFill>
+                  <a:schemeClr val="tx1"/>
+                </a:solidFill>
+                <a:latin typeface="+mn-lt"/>
+                <a:ea typeface="+mn-ea"/>
+                <a:cs typeface="+mn-cs"/>
+              </a:defRPr>
+            </a:lvl9pPr>
+          </a:lstStyle>
+          <a:p>
+            <a:r>
+              <a:rPr lang="en-US"/>
+              <a:t>Level-order traversal starts at the root node, and visits each and every node from left to right, moving down a level when there is no more nodes to visit</a:t>
+            </a:r>
             <a:endParaRPr lang="en-US"/>
           </a:p>
         </p:txBody>
@@ -11777,7 +12352,7 @@
                 <a:cs typeface="+mn-cs"/>
                 <a:sym typeface="+mn-ea"/>
               </a:rPr>
-              <a:t>Pre-order Traversal</a:t>
+              <a:t>In-order Traversal</a:t>
             </a:r>
             <a:endParaRPr kumimoji="0" lang="en-US" altLang="zh-CN" sz="2800" b="1" i="0" u="none" strike="noStrike" kern="1200" cap="none" spc="0" normalizeH="0" baseline="0" noProof="0" dirty="0">
               <a:ln>
@@ -11808,14 +12383,62 @@
             <p:ph idx="1"/>
           </p:nvPr>
         </p:nvSpPr>
-        <p:spPr/>
+        <p:spPr>
+          <a:xfrm>
+            <a:off x="838200" y="1252855"/>
+            <a:ext cx="10515600" cy="4351338"/>
+          </a:xfrm>
+        </p:spPr>
         <p:txBody>
           <a:bodyPr/>
           <a:p>
+            <a:r>
+              <a:rPr lang="en-US"/>
+              <a:t>In-order traversal visits the left branch first, then the current node, and finally the right branch. </a:t>
+            </a:r>
+            <a:endParaRPr lang="en-US"/>
+          </a:p>
+          <a:p>
+            <a:pPr lvl="1"/>
+            <a:r>
+              <a:rPr lang="en-US" sz="2400"/>
+              <a:t>Left -&gt; Current -&gt; Right</a:t>
+            </a:r>
+            <a:endParaRPr lang="en-US"/>
+          </a:p>
+          <a:p>
+            <a:r>
+              <a:rPr lang="en-US"/>
+              <a:t>The diagram below shows the traversal order of an in-order traversal on a binary tree.</a:t>
+            </a:r>
             <a:endParaRPr lang="en-US"/>
           </a:p>
         </p:txBody>
       </p:sp>
+      <p:pic>
+        <p:nvPicPr>
+          <p:cNvPr id="2" name="Picture 1"/>
+          <p:cNvPicPr>
+            <a:picLocks noChangeAspect="1"/>
+          </p:cNvPicPr>
+          <p:nvPr/>
+        </p:nvPicPr>
+        <p:blipFill>
+          <a:blip r:embed="rId1"/>
+          <a:stretch>
+            <a:fillRect/>
+          </a:stretch>
+        </p:blipFill>
+        <p:spPr>
+          <a:xfrm>
+            <a:off x="3843655" y="3239135"/>
+            <a:ext cx="4773295" cy="3216275"/>
+          </a:xfrm>
+          <a:prstGeom prst="rect">
+            <a:avLst/>
+          </a:prstGeom>
+        </p:spPr>
+      </p:pic>
     </p:spTree>
   </p:cSld>
   <p:clrMapOvr>
@@ -12104,6 +12727,577 @@
                 <a:cs typeface="+mn-cs"/>
                 <a:sym typeface="+mn-ea"/>
               </a:rPr>
+              <a:t>Pre-order Traversal</a:t>
+            </a:r>
+            <a:endParaRPr kumimoji="0" lang="en-US" altLang="zh-CN" sz="2800" b="1" i="0" u="none" strike="noStrike" kern="1200" cap="none" spc="0" normalizeH="0" baseline="0" noProof="0" dirty="0">
+              <a:ln>
+                <a:noFill/>
+              </a:ln>
+              <a:solidFill>
+                <a:schemeClr val="tx1">
+                  <a:lumMod val="85000"/>
+                  <a:lumOff val="15000"/>
+                </a:schemeClr>
+              </a:solidFill>
+              <a:effectLst/>
+              <a:uLnTx/>
+              <a:uFillTx/>
+              <a:latin typeface="Microsoft YaHei" panose="020B0503020204020204" pitchFamily="34" charset="-122"/>
+              <a:ea typeface="Microsoft YaHei" panose="020B0503020204020204" pitchFamily="34" charset="-122"/>
+              <a:cs typeface="+mn-cs"/>
+              <a:sym typeface="+mn-ea"/>
+            </a:endParaRPr>
+          </a:p>
+        </p:txBody>
+      </p:sp>
+      <p:pic>
+        <p:nvPicPr>
+          <p:cNvPr id="2" name="Content Placeholder 1"/>
+          <p:cNvPicPr>
+            <a:picLocks noChangeAspect="1"/>
+          </p:cNvPicPr>
+          <p:nvPr>
+            <p:ph idx="1"/>
+          </p:nvPr>
+        </p:nvPicPr>
+        <p:blipFill>
+          <a:blip r:embed="rId1"/>
+          <a:stretch>
+            <a:fillRect/>
+          </a:stretch>
+        </p:blipFill>
+        <p:spPr>
+          <a:xfrm>
+            <a:off x="3359785" y="2924175"/>
+            <a:ext cx="5070475" cy="3526790"/>
+          </a:xfrm>
+          <a:prstGeom prst="rect">
+            <a:avLst/>
+          </a:prstGeom>
+        </p:spPr>
+      </p:pic>
+      <p:sp>
+        <p:nvSpPr>
+          <p:cNvPr id="5" name="Content Placeholder 2"/>
+          <p:cNvSpPr/>
+          <p:nvPr/>
+        </p:nvSpPr>
+        <p:spPr>
+          <a:xfrm>
+            <a:off x="838200" y="1252855"/>
+            <a:ext cx="10515600" cy="4351338"/>
+          </a:xfrm>
+          <a:prstGeom prst="rect">
+            <a:avLst/>
+          </a:prstGeom>
+          <a:noFill/>
+          <a:ln w="9525">
+            <a:noFill/>
+          </a:ln>
+        </p:spPr>
+        <p:txBody>
+          <a:bodyPr anchor="t" anchorCtr="0"/>
+          <a:lstStyle>
+            <a:lvl1pPr marL="228600" indent="-228600" algn="l" rtl="0" fontAlgn="base">
+              <a:lnSpc>
+                <a:spcPct val="90000"/>
+              </a:lnSpc>
+              <a:spcBef>
+                <a:spcPts val="1000"/>
+              </a:spcBef>
+              <a:spcAft>
+                <a:spcPct val="0"/>
+              </a:spcAft>
+              <a:buFont typeface="Arial" panose="020B0604020202020204" pitchFamily="34" charset="0"/>
+              <a:buChar char="•"/>
+              <a:defRPr sz="2800" kern="1200">
+                <a:solidFill>
+                  <a:schemeClr val="tx1"/>
+                </a:solidFill>
+                <a:latin typeface="+mn-lt"/>
+                <a:ea typeface="+mn-ea"/>
+                <a:cs typeface="+mn-cs"/>
+              </a:defRPr>
+            </a:lvl1pPr>
+            <a:lvl2pPr marL="685800" indent="-228600" algn="l" rtl="0" fontAlgn="base">
+              <a:lnSpc>
+                <a:spcPct val="90000"/>
+              </a:lnSpc>
+              <a:spcBef>
+                <a:spcPts val="500"/>
+              </a:spcBef>
+              <a:spcAft>
+                <a:spcPct val="0"/>
+              </a:spcAft>
+              <a:buFont typeface="Arial" panose="020B0604020202020204" pitchFamily="34" charset="0"/>
+              <a:buChar char="•"/>
+              <a:defRPr sz="2400" kern="1200">
+                <a:solidFill>
+                  <a:schemeClr val="tx1"/>
+                </a:solidFill>
+                <a:latin typeface="+mn-lt"/>
+                <a:ea typeface="+mn-ea"/>
+                <a:cs typeface="+mn-cs"/>
+              </a:defRPr>
+            </a:lvl2pPr>
+            <a:lvl3pPr marL="1143000" indent="-228600" algn="l" rtl="0" fontAlgn="base">
+              <a:lnSpc>
+                <a:spcPct val="90000"/>
+              </a:lnSpc>
+              <a:spcBef>
+                <a:spcPts val="500"/>
+              </a:spcBef>
+              <a:spcAft>
+                <a:spcPct val="0"/>
+              </a:spcAft>
+              <a:buFont typeface="Arial" panose="020B0604020202020204" pitchFamily="34" charset="0"/>
+              <a:buChar char="•"/>
+              <a:defRPr sz="2000" kern="1200">
+                <a:solidFill>
+                  <a:schemeClr val="tx1"/>
+                </a:solidFill>
+                <a:latin typeface="+mn-lt"/>
+                <a:ea typeface="+mn-ea"/>
+                <a:cs typeface="+mn-cs"/>
+              </a:defRPr>
+            </a:lvl3pPr>
+            <a:lvl4pPr marL="1600200" indent="-228600" algn="l" rtl="0" fontAlgn="base">
+              <a:lnSpc>
+                <a:spcPct val="90000"/>
+              </a:lnSpc>
+              <a:spcBef>
+                <a:spcPts val="500"/>
+              </a:spcBef>
+              <a:spcAft>
+                <a:spcPct val="0"/>
+              </a:spcAft>
+              <a:buFont typeface="Arial" panose="020B0604020202020204" pitchFamily="34" charset="0"/>
+              <a:buChar char="•"/>
+              <a:defRPr sz="2000" kern="1200">
+                <a:solidFill>
+                  <a:schemeClr val="tx1"/>
+                </a:solidFill>
+                <a:latin typeface="+mn-lt"/>
+                <a:ea typeface="+mn-ea"/>
+                <a:cs typeface="+mn-cs"/>
+              </a:defRPr>
+            </a:lvl4pPr>
+            <a:lvl5pPr marL="2057400" indent="-228600" algn="l" rtl="0" fontAlgn="base">
+              <a:lnSpc>
+                <a:spcPct val="90000"/>
+              </a:lnSpc>
+              <a:spcBef>
+                <a:spcPts val="500"/>
+              </a:spcBef>
+              <a:spcAft>
+                <a:spcPct val="0"/>
+              </a:spcAft>
+              <a:buFont typeface="Arial" panose="020B0604020202020204" pitchFamily="34" charset="0"/>
+              <a:buChar char="•"/>
+              <a:defRPr sz="2000" kern="1200">
+                <a:solidFill>
+                  <a:schemeClr val="tx1"/>
+                </a:solidFill>
+                <a:latin typeface="+mn-lt"/>
+                <a:ea typeface="+mn-ea"/>
+                <a:cs typeface="+mn-cs"/>
+              </a:defRPr>
+            </a:lvl5pPr>
+            <a:lvl6pPr marL="2514600" indent="-228600" algn="l" defTabSz="914400" rtl="0" eaLnBrk="1" latinLnBrk="0" hangingPunct="1">
+              <a:lnSpc>
+                <a:spcPct val="90000"/>
+              </a:lnSpc>
+              <a:spcBef>
+                <a:spcPts val="500"/>
+              </a:spcBef>
+              <a:buFont typeface="Arial" panose="020B0604020202020204" pitchFamily="34" charset="0"/>
+              <a:buChar char="•"/>
+              <a:defRPr sz="1800" kern="1200">
+                <a:solidFill>
+                  <a:schemeClr val="tx1"/>
+                </a:solidFill>
+                <a:latin typeface="+mn-lt"/>
+                <a:ea typeface="+mn-ea"/>
+                <a:cs typeface="+mn-cs"/>
+              </a:defRPr>
+            </a:lvl6pPr>
+            <a:lvl7pPr marL="2971800" indent="-228600" algn="l" defTabSz="914400" rtl="0" eaLnBrk="1" latinLnBrk="0" hangingPunct="1">
+              <a:lnSpc>
+                <a:spcPct val="90000"/>
+              </a:lnSpc>
+              <a:spcBef>
+                <a:spcPts val="500"/>
+              </a:spcBef>
+              <a:buFont typeface="Arial" panose="020B0604020202020204" pitchFamily="34" charset="0"/>
+              <a:buChar char="•"/>
+              <a:defRPr sz="1800" kern="1200">
+                <a:solidFill>
+                  <a:schemeClr val="tx1"/>
+                </a:solidFill>
+                <a:latin typeface="+mn-lt"/>
+                <a:ea typeface="+mn-ea"/>
+                <a:cs typeface="+mn-cs"/>
+              </a:defRPr>
+            </a:lvl7pPr>
+            <a:lvl8pPr marL="3429000" indent="-228600" algn="l" defTabSz="914400" rtl="0" eaLnBrk="1" latinLnBrk="0" hangingPunct="1">
+              <a:lnSpc>
+                <a:spcPct val="90000"/>
+              </a:lnSpc>
+              <a:spcBef>
+                <a:spcPts val="500"/>
+              </a:spcBef>
+              <a:buFont typeface="Arial" panose="020B0604020202020204" pitchFamily="34" charset="0"/>
+              <a:buChar char="•"/>
+              <a:defRPr sz="1800" kern="1200">
+                <a:solidFill>
+                  <a:schemeClr val="tx1"/>
+                </a:solidFill>
+                <a:latin typeface="+mn-lt"/>
+                <a:ea typeface="+mn-ea"/>
+                <a:cs typeface="+mn-cs"/>
+              </a:defRPr>
+            </a:lvl8pPr>
+            <a:lvl9pPr marL="3886200" indent="-228600" algn="l" defTabSz="914400" rtl="0" eaLnBrk="1" latinLnBrk="0" hangingPunct="1">
+              <a:lnSpc>
+                <a:spcPct val="90000"/>
+              </a:lnSpc>
+              <a:spcBef>
+                <a:spcPts val="500"/>
+              </a:spcBef>
+              <a:buFont typeface="Arial" panose="020B0604020202020204" pitchFamily="34" charset="0"/>
+              <a:buChar char="•"/>
+              <a:defRPr sz="1800" kern="1200">
+                <a:solidFill>
+                  <a:schemeClr val="tx1"/>
+                </a:solidFill>
+                <a:latin typeface="+mn-lt"/>
+                <a:ea typeface="+mn-ea"/>
+                <a:cs typeface="+mn-cs"/>
+              </a:defRPr>
+            </a:lvl9pPr>
+          </a:lstStyle>
+          <a:p>
+            <a:r>
+              <a:rPr lang="en-US">
+                <a:sym typeface="+mn-ea"/>
+              </a:rPr>
+              <a:t>Pre-order traversal visits the current node first, then the left subtree, and finally the right subtree. </a:t>
+            </a:r>
+            <a:endParaRPr lang="en-US">
+              <a:sym typeface="+mn-ea"/>
+            </a:endParaRPr>
+          </a:p>
+          <a:p>
+            <a:pPr lvl="1"/>
+            <a:r>
+              <a:rPr lang="en-US" sz="2400">
+                <a:sym typeface="+mn-ea"/>
+              </a:rPr>
+              <a:t>Current -&gt; Left -&gt; Right</a:t>
+            </a:r>
+            <a:endParaRPr lang="en-US">
+              <a:sym typeface="+mn-ea"/>
+            </a:endParaRPr>
+          </a:p>
+          <a:p>
+            <a:r>
+              <a:rPr lang="en-US">
+                <a:sym typeface="+mn-ea"/>
+              </a:rPr>
+              <a:t>The diagram below shows the traversal order of a pre-order traversal on a binary tree.</a:t>
+            </a:r>
+            <a:endParaRPr lang="en-US"/>
+          </a:p>
+        </p:txBody>
+      </p:sp>
+    </p:spTree>
+  </p:cSld>
+  <p:clrMapOvr>
+    <a:masterClrMapping/>
+  </p:clrMapOvr>
+  <p:transition spd="slow">
+    <p:wipe/>
+  </p:transition>
+</p:sld>
+</file>
+
+<file path=ppt/slides/slide25.xml><?xml version="1.0" encoding="utf-8"?>
+<p:sld xmlns:a="http://schemas.openxmlformats.org/drawingml/2006/main" xmlns:r="http://schemas.openxmlformats.org/officeDocument/2006/relationships" xmlns:p="http://schemas.openxmlformats.org/presentationml/2006/main">
+  <p:cSld>
+    <p:spTree>
+      <p:nvGrpSpPr>
+        <p:cNvPr id="1" name=""/>
+        <p:cNvGrpSpPr/>
+        <p:nvPr/>
+      </p:nvGrpSpPr>
+      <p:grpSpPr/>
+      <p:sp>
+        <p:nvSpPr>
+          <p:cNvPr id="15" name="任意多边形 14"/>
+          <p:cNvSpPr/>
+          <p:nvPr/>
+        </p:nvSpPr>
+        <p:spPr>
+          <a:xfrm>
+            <a:off x="0" y="274638"/>
+            <a:ext cx="890588" cy="639763"/>
+          </a:xfrm>
+          <a:custGeom>
+            <a:avLst/>
+            <a:gdLst>
+              <a:gd name="connsiteX0" fmla="*/ 0 w 1029743"/>
+              <a:gd name="connsiteY0" fmla="*/ 0 h 739718"/>
+              <a:gd name="connsiteX1" fmla="*/ 659884 w 1029743"/>
+              <a:gd name="connsiteY1" fmla="*/ 0 h 739718"/>
+              <a:gd name="connsiteX2" fmla="*/ 1029743 w 1029743"/>
+              <a:gd name="connsiteY2" fmla="*/ 369859 h 739718"/>
+              <a:gd name="connsiteX3" fmla="*/ 659884 w 1029743"/>
+              <a:gd name="connsiteY3" fmla="*/ 739718 h 739718"/>
+              <a:gd name="connsiteX4" fmla="*/ 0 w 1029743"/>
+              <a:gd name="connsiteY4" fmla="*/ 739718 h 739718"/>
+            </a:gdLst>
+            <a:ahLst/>
+            <a:cxnLst>
+              <a:cxn ang="0">
+                <a:pos x="connsiteX0" y="connsiteY0"/>
+              </a:cxn>
+              <a:cxn ang="0">
+                <a:pos x="connsiteX1" y="connsiteY1"/>
+              </a:cxn>
+              <a:cxn ang="0">
+                <a:pos x="connsiteX2" y="connsiteY2"/>
+              </a:cxn>
+              <a:cxn ang="0">
+                <a:pos x="connsiteX3" y="connsiteY3"/>
+              </a:cxn>
+              <a:cxn ang="0">
+                <a:pos x="connsiteX4" y="connsiteY4"/>
+              </a:cxn>
+            </a:cxnLst>
+            <a:rect l="l" t="t" r="r" b="b"/>
+            <a:pathLst>
+              <a:path w="1029743" h="739718">
+                <a:moveTo>
+                  <a:pt x="0" y="0"/>
+                </a:moveTo>
+                <a:lnTo>
+                  <a:pt x="659884" y="0"/>
+                </a:lnTo>
+                <a:cubicBezTo>
+                  <a:pt x="864151" y="0"/>
+                  <a:pt x="1029743" y="165592"/>
+                  <a:pt x="1029743" y="369859"/>
+                </a:cubicBezTo>
+                <a:cubicBezTo>
+                  <a:pt x="1029743" y="574126"/>
+                  <a:pt x="864151" y="739718"/>
+                  <a:pt x="659884" y="739718"/>
+                </a:cubicBezTo>
+                <a:lnTo>
+                  <a:pt x="0" y="739718"/>
+                </a:lnTo>
+                <a:close/>
+              </a:path>
+            </a:pathLst>
+          </a:custGeom>
+          <a:solidFill>
+            <a:srgbClr val="05B780"/>
+          </a:solidFill>
+          <a:ln>
+            <a:noFill/>
+          </a:ln>
+        </p:spPr>
+        <p:style>
+          <a:lnRef idx="2">
+            <a:schemeClr val="accent1">
+              <a:shade val="50000"/>
+            </a:schemeClr>
+          </a:lnRef>
+          <a:fillRef idx="1">
+            <a:schemeClr val="accent1"/>
+          </a:fillRef>
+          <a:effectRef idx="0">
+            <a:schemeClr val="accent1"/>
+          </a:effectRef>
+          <a:fontRef idx="minor">
+            <a:schemeClr val="lt1"/>
+          </a:fontRef>
+        </p:style>
+        <p:txBody>
+          <a:bodyPr anchor="ctr"/>
+          <a:lstStyle/>
+          <a:p>
+            <a:pPr marL="0" marR="0" lvl="0" indent="0" algn="ctr" defTabSz="914400" rtl="0" eaLnBrk="1" fontAlgn="auto" latinLnBrk="0" hangingPunct="1">
+              <a:lnSpc>
+                <a:spcPct val="100000"/>
+              </a:lnSpc>
+              <a:spcBef>
+                <a:spcPts val="0"/>
+              </a:spcBef>
+              <a:spcAft>
+                <a:spcPts val="0"/>
+              </a:spcAft>
+              <a:buClrTx/>
+              <a:buSzTx/>
+              <a:buFontTx/>
+              <a:buNone/>
+              <a:defRPr/>
+            </a:pPr>
+            <a:endParaRPr kumimoji="0" lang="zh-CN" altLang="en-US" sz="1800" b="0" i="0" u="none" strike="noStrike" kern="1200" cap="none" spc="0" normalizeH="0" baseline="0" noProof="0">
+              <a:ln>
+                <a:noFill/>
+              </a:ln>
+              <a:solidFill>
+                <a:schemeClr val="bg1"/>
+              </a:solidFill>
+              <a:effectLst/>
+              <a:uLnTx/>
+              <a:uFillTx/>
+              <a:latin typeface="+mn-lt"/>
+              <a:ea typeface="+mn-ea"/>
+              <a:cs typeface="+mn-cs"/>
+            </a:endParaRPr>
+          </a:p>
+        </p:txBody>
+      </p:sp>
+      <p:sp>
+        <p:nvSpPr>
+          <p:cNvPr id="7170" name="文本框 156"/>
+          <p:cNvSpPr txBox="1"/>
+          <p:nvPr/>
+        </p:nvSpPr>
+        <p:spPr>
+          <a:xfrm>
+            <a:off x="0" y="350838"/>
+            <a:ext cx="814388" cy="521970"/>
+          </a:xfrm>
+          <a:prstGeom prst="rect">
+            <a:avLst/>
+          </a:prstGeom>
+          <a:noFill/>
+          <a:ln w="9525">
+            <a:noFill/>
+          </a:ln>
+        </p:spPr>
+        <p:txBody>
+          <a:bodyPr anchor="t" anchorCtr="0">
+            <a:spAutoFit/>
+          </a:bodyPr>
+          <a:p>
+            <a:pPr>
+              <a:buFont typeface="Arial" panose="020B0604020202020204" pitchFamily="34" charset="0"/>
+            </a:pPr>
+            <a:r>
+              <a:rPr lang="en-US" altLang="zh-CN" sz="2800" b="1" dirty="0">
+                <a:solidFill>
+                  <a:schemeClr val="bg1"/>
+                </a:solidFill>
+                <a:latin typeface="Microsoft YaHei" panose="020B0503020204020204" pitchFamily="34" charset="-122"/>
+                <a:ea typeface="Microsoft YaHei" panose="020B0503020204020204" pitchFamily="34" charset="-122"/>
+              </a:rPr>
+              <a:t>1.1</a:t>
+            </a:r>
+            <a:endParaRPr lang="en-US" altLang="zh-CN" sz="2800" b="1" dirty="0">
+              <a:solidFill>
+                <a:schemeClr val="bg1"/>
+              </a:solidFill>
+              <a:latin typeface="Microsoft YaHei" panose="020B0503020204020204" pitchFamily="34" charset="-122"/>
+              <a:ea typeface="Microsoft YaHei" panose="020B0503020204020204" pitchFamily="34" charset="-122"/>
+            </a:endParaRPr>
+          </a:p>
+        </p:txBody>
+      </p:sp>
+      <p:sp>
+        <p:nvSpPr>
+          <p:cNvPr id="16" name="Rectangle 6"/>
+          <p:cNvSpPr>
+            <a:spLocks noChangeArrowheads="1"/>
+          </p:cNvSpPr>
+          <p:nvPr/>
+        </p:nvSpPr>
+        <p:spPr bwMode="black">
+          <a:xfrm>
+            <a:off x="1021080" y="351155"/>
+            <a:ext cx="6515735" cy="521970"/>
+          </a:xfrm>
+          <a:prstGeom prst="rect">
+            <a:avLst/>
+          </a:prstGeom>
+          <a:noFill/>
+          <a:ln>
+            <a:noFill/>
+          </a:ln>
+          <a:effectLst/>
+          <a:extLst>
+            <a:ext uri="{909E8E84-426E-40DD-AFC4-6F175D3DCCD1}">
+              <a14:hiddenFill xmlns:a14="http://schemas.microsoft.com/office/drawing/2010/main">
+                <a:solidFill>
+                  <a:schemeClr val="accent1"/>
+                </a:solidFill>
+              </a14:hiddenFill>
+            </a:ext>
+            <a:ext uri="{91240B29-F687-4F45-9708-019B960494DF}">
+              <a14:hiddenLine xmlns:a14="http://schemas.microsoft.com/office/drawing/2010/main" w="9525">
+                <a:solidFill>
+                  <a:schemeClr val="tx1"/>
+                </a:solidFill>
+                <a:miter lim="800000"/>
+                <a:headEnd/>
+                <a:tailEnd/>
+              </a14:hiddenLine>
+            </a:ext>
+            <a:ext uri="{AF507438-7753-43E0-B8FC-AC1667EBCBE1}">
+              <a14:hiddenEffects xmlns:a14="http://schemas.microsoft.com/office/drawing/2010/main">
+                <a:effectLst>
+                  <a:outerShdw dist="35921" dir="2700000" algn="ctr" rotWithShape="0">
+                    <a:schemeClr val="bg2"/>
+                  </a:outerShdw>
+                </a:effectLst>
+              </a14:hiddenEffects>
+            </a:ext>
+          </a:extLst>
+        </p:spPr>
+        <p:txBody>
+          <a:bodyPr wrap="square">
+            <a:spAutoFit/>
+          </a:bodyPr>
+          <a:lstStyle/>
+          <a:p>
+            <a:pPr marL="0" marR="0" lvl="0" indent="0" algn="l" defTabSz="914400" rtl="0" eaLnBrk="0" fontAlgn="auto" latinLnBrk="0" hangingPunct="0">
+              <a:lnSpc>
+                <a:spcPct val="100000"/>
+              </a:lnSpc>
+              <a:spcBef>
+                <a:spcPts val="0"/>
+              </a:spcBef>
+              <a:spcAft>
+                <a:spcPts val="0"/>
+              </a:spcAft>
+              <a:buClrTx/>
+              <a:buSzTx/>
+              <a:buFontTx/>
+              <a:buNone/>
+              <a:defRPr/>
+            </a:pPr>
+            <a:r>
+              <a:rPr kumimoji="0" lang="en-US" altLang="zh-CN" sz="2800" b="1" i="0" u="none" strike="noStrike" kern="1200" cap="none" spc="0" normalizeH="0" baseline="0" noProof="0" dirty="0">
+                <a:ln>
+                  <a:noFill/>
+                </a:ln>
+                <a:solidFill>
+                  <a:schemeClr val="tx1">
+                    <a:lumMod val="85000"/>
+                    <a:lumOff val="15000"/>
+                  </a:schemeClr>
+                </a:solidFill>
+                <a:effectLst/>
+                <a:uLnTx/>
+                <a:uFillTx/>
+                <a:latin typeface="Microsoft YaHei" panose="020B0503020204020204" pitchFamily="34" charset="-122"/>
+                <a:ea typeface="Microsoft YaHei" panose="020B0503020204020204" pitchFamily="34" charset="-122"/>
+                <a:cs typeface="+mn-cs"/>
+                <a:sym typeface="+mn-ea"/>
+              </a:rPr>
               <a:t>Post-order Traversal</a:t>
             </a:r>
             <a:endParaRPr kumimoji="0" lang="en-US" altLang="zh-CN" sz="2800" b="1" i="0" u="none" strike="noStrike" kern="1200" cap="none" spc="0" normalizeH="0" baseline="0" noProof="0" dirty="0">
@@ -12135,14 +13329,62 @@
             <p:ph idx="1"/>
           </p:nvPr>
         </p:nvSpPr>
-        <p:spPr/>
+        <p:spPr>
+          <a:xfrm>
+            <a:off x="890905" y="1394460"/>
+            <a:ext cx="10515600" cy="4351338"/>
+          </a:xfrm>
+        </p:spPr>
         <p:txBody>
           <a:bodyPr/>
           <a:p>
+            <a:r>
+              <a:rPr lang="en-US"/>
+              <a:t>Post-order traversal visits the left subtree first, then the right subtree, and finally the current node. </a:t>
+            </a:r>
+            <a:endParaRPr lang="en-US"/>
+          </a:p>
+          <a:p>
+            <a:pPr lvl="1"/>
+            <a:r>
+              <a:rPr lang="en-US" sz="2400"/>
+              <a:t>Left -&gt; Right -&gt; Current</a:t>
+            </a:r>
+            <a:endParaRPr lang="en-US"/>
+          </a:p>
+          <a:p>
+            <a:r>
+              <a:rPr lang="en-US"/>
+              <a:t>The diagram below shows the traversal order of a post-order traversal on a binary tree.</a:t>
+            </a:r>
             <a:endParaRPr lang="en-US"/>
           </a:p>
         </p:txBody>
       </p:sp>
+      <p:pic>
+        <p:nvPicPr>
+          <p:cNvPr id="2" name="Picture 1"/>
+          <p:cNvPicPr>
+            <a:picLocks noChangeAspect="1"/>
+          </p:cNvPicPr>
+          <p:nvPr/>
+        </p:nvPicPr>
+        <p:blipFill>
+          <a:blip r:embed="rId1"/>
+          <a:stretch>
+            <a:fillRect/>
+          </a:stretch>
+        </p:blipFill>
+        <p:spPr>
+          <a:xfrm>
+            <a:off x="3885565" y="3251835"/>
+            <a:ext cx="4707890" cy="3360420"/>
+          </a:xfrm>
+          <a:prstGeom prst="rect">
+            <a:avLst/>
+          </a:prstGeom>
+        </p:spPr>
+      </p:pic>
     </p:spTree>
   </p:cSld>
   <p:clrMapOvr>
@@ -12154,7 +13396,346 @@
 </p:sld>
 </file>
 
-<file path=ppt/slides/slide25.xml><?xml version="1.0" encoding="utf-8"?>
+<file path=ppt/slides/slide26.xml><?xml version="1.0" encoding="utf-8"?>
+<p:sld xmlns:a="http://schemas.openxmlformats.org/drawingml/2006/main" xmlns:r="http://schemas.openxmlformats.org/officeDocument/2006/relationships" xmlns:p="http://schemas.openxmlformats.org/presentationml/2006/main" show="0">
+  <p:cSld>
+    <p:spTree>
+      <p:nvGrpSpPr>
+        <p:cNvPr id="1" name=""/>
+        <p:cNvGrpSpPr/>
+        <p:nvPr/>
+      </p:nvGrpSpPr>
+      <p:grpSpPr/>
+      <p:sp>
+        <p:nvSpPr>
+          <p:cNvPr id="15" name="任意多边形 14"/>
+          <p:cNvSpPr/>
+          <p:nvPr/>
+        </p:nvSpPr>
+        <p:spPr>
+          <a:xfrm>
+            <a:off x="0" y="274638"/>
+            <a:ext cx="890588" cy="639763"/>
+          </a:xfrm>
+          <a:custGeom>
+            <a:avLst/>
+            <a:gdLst>
+              <a:gd name="connsiteX0" fmla="*/ 0 w 1029743"/>
+              <a:gd name="connsiteY0" fmla="*/ 0 h 739718"/>
+              <a:gd name="connsiteX1" fmla="*/ 659884 w 1029743"/>
+              <a:gd name="connsiteY1" fmla="*/ 0 h 739718"/>
+              <a:gd name="connsiteX2" fmla="*/ 1029743 w 1029743"/>
+              <a:gd name="connsiteY2" fmla="*/ 369859 h 739718"/>
+              <a:gd name="connsiteX3" fmla="*/ 659884 w 1029743"/>
+              <a:gd name="connsiteY3" fmla="*/ 739718 h 739718"/>
+              <a:gd name="connsiteX4" fmla="*/ 0 w 1029743"/>
+              <a:gd name="connsiteY4" fmla="*/ 739718 h 739718"/>
+            </a:gdLst>
+            <a:ahLst/>
+            <a:cxnLst>
+              <a:cxn ang="0">
+                <a:pos x="connsiteX0" y="connsiteY0"/>
+              </a:cxn>
+              <a:cxn ang="0">
+                <a:pos x="connsiteX1" y="connsiteY1"/>
+              </a:cxn>
+              <a:cxn ang="0">
+                <a:pos x="connsiteX2" y="connsiteY2"/>
+              </a:cxn>
+              <a:cxn ang="0">
+                <a:pos x="connsiteX3" y="connsiteY3"/>
+              </a:cxn>
+              <a:cxn ang="0">
+                <a:pos x="connsiteX4" y="connsiteY4"/>
+              </a:cxn>
+            </a:cxnLst>
+            <a:rect l="l" t="t" r="r" b="b"/>
+            <a:pathLst>
+              <a:path w="1029743" h="739718">
+                <a:moveTo>
+                  <a:pt x="0" y="0"/>
+                </a:moveTo>
+                <a:lnTo>
+                  <a:pt x="659884" y="0"/>
+                </a:lnTo>
+                <a:cubicBezTo>
+                  <a:pt x="864151" y="0"/>
+                  <a:pt x="1029743" y="165592"/>
+                  <a:pt x="1029743" y="369859"/>
+                </a:cubicBezTo>
+                <a:cubicBezTo>
+                  <a:pt x="1029743" y="574126"/>
+                  <a:pt x="864151" y="739718"/>
+                  <a:pt x="659884" y="739718"/>
+                </a:cubicBezTo>
+                <a:lnTo>
+                  <a:pt x="0" y="739718"/>
+                </a:lnTo>
+                <a:close/>
+              </a:path>
+            </a:pathLst>
+          </a:custGeom>
+          <a:solidFill>
+            <a:srgbClr val="05B780"/>
+          </a:solidFill>
+          <a:ln>
+            <a:noFill/>
+          </a:ln>
+        </p:spPr>
+        <p:style>
+          <a:lnRef idx="2">
+            <a:schemeClr val="accent1">
+              <a:shade val="50000"/>
+            </a:schemeClr>
+          </a:lnRef>
+          <a:fillRef idx="1">
+            <a:schemeClr val="accent1"/>
+          </a:fillRef>
+          <a:effectRef idx="0">
+            <a:schemeClr val="accent1"/>
+          </a:effectRef>
+          <a:fontRef idx="minor">
+            <a:schemeClr val="lt1"/>
+          </a:fontRef>
+        </p:style>
+        <p:txBody>
+          <a:bodyPr anchor="ctr"/>
+          <a:lstStyle/>
+          <a:p>
+            <a:pPr marL="0" marR="0" lvl="0" indent="0" algn="ctr" defTabSz="914400" rtl="0" eaLnBrk="1" fontAlgn="auto" latinLnBrk="0" hangingPunct="1">
+              <a:lnSpc>
+                <a:spcPct val="100000"/>
+              </a:lnSpc>
+              <a:spcBef>
+                <a:spcPts val="0"/>
+              </a:spcBef>
+              <a:spcAft>
+                <a:spcPts val="0"/>
+              </a:spcAft>
+              <a:buClrTx/>
+              <a:buSzTx/>
+              <a:buFontTx/>
+              <a:buNone/>
+              <a:defRPr/>
+            </a:pPr>
+            <a:endParaRPr kumimoji="0" lang="zh-CN" altLang="en-US" sz="1800" b="0" i="0" u="none" strike="noStrike" kern="1200" cap="none" spc="0" normalizeH="0" baseline="0" noProof="0">
+              <a:ln>
+                <a:noFill/>
+              </a:ln>
+              <a:solidFill>
+                <a:schemeClr val="bg1"/>
+              </a:solidFill>
+              <a:effectLst/>
+              <a:uLnTx/>
+              <a:uFillTx/>
+              <a:latin typeface="+mn-lt"/>
+              <a:ea typeface="+mn-ea"/>
+              <a:cs typeface="+mn-cs"/>
+            </a:endParaRPr>
+          </a:p>
+        </p:txBody>
+      </p:sp>
+      <p:sp>
+        <p:nvSpPr>
+          <p:cNvPr id="7170" name="文本框 156"/>
+          <p:cNvSpPr txBox="1"/>
+          <p:nvPr/>
+        </p:nvSpPr>
+        <p:spPr>
+          <a:xfrm>
+            <a:off x="0" y="350838"/>
+            <a:ext cx="814388" cy="521970"/>
+          </a:xfrm>
+          <a:prstGeom prst="rect">
+            <a:avLst/>
+          </a:prstGeom>
+          <a:noFill/>
+          <a:ln w="9525">
+            <a:noFill/>
+          </a:ln>
+        </p:spPr>
+        <p:txBody>
+          <a:bodyPr anchor="t" anchorCtr="0">
+            <a:spAutoFit/>
+          </a:bodyPr>
+          <a:p>
+            <a:pPr>
+              <a:buFont typeface="Arial" panose="020B0604020202020204" pitchFamily="34" charset="0"/>
+            </a:pPr>
+            <a:r>
+              <a:rPr lang="en-US" altLang="zh-CN" sz="2800" b="1" dirty="0">
+                <a:solidFill>
+                  <a:schemeClr val="bg1"/>
+                </a:solidFill>
+                <a:latin typeface="Microsoft YaHei" panose="020B0503020204020204" pitchFamily="34" charset="-122"/>
+                <a:ea typeface="Microsoft YaHei" panose="020B0503020204020204" pitchFamily="34" charset="-122"/>
+              </a:rPr>
+              <a:t>1.1</a:t>
+            </a:r>
+            <a:endParaRPr lang="en-US" altLang="zh-CN" sz="2800" b="1" dirty="0">
+              <a:solidFill>
+                <a:schemeClr val="bg1"/>
+              </a:solidFill>
+              <a:latin typeface="Microsoft YaHei" panose="020B0503020204020204" pitchFamily="34" charset="-122"/>
+              <a:ea typeface="Microsoft YaHei" panose="020B0503020204020204" pitchFamily="34" charset="-122"/>
+            </a:endParaRPr>
+          </a:p>
+        </p:txBody>
+      </p:sp>
+      <p:sp>
+        <p:nvSpPr>
+          <p:cNvPr id="16" name="Rectangle 6"/>
+          <p:cNvSpPr>
+            <a:spLocks noChangeArrowheads="1"/>
+          </p:cNvSpPr>
+          <p:nvPr/>
+        </p:nvSpPr>
+        <p:spPr bwMode="black">
+          <a:xfrm>
+            <a:off x="1021080" y="351155"/>
+            <a:ext cx="6515735" cy="521970"/>
+          </a:xfrm>
+          <a:prstGeom prst="rect">
+            <a:avLst/>
+          </a:prstGeom>
+          <a:noFill/>
+          <a:ln>
+            <a:noFill/>
+          </a:ln>
+          <a:effectLst/>
+          <a:extLst>
+            <a:ext uri="{909E8E84-426E-40DD-AFC4-6F175D3DCCD1}">
+              <a14:hiddenFill xmlns:a14="http://schemas.microsoft.com/office/drawing/2010/main">
+                <a:solidFill>
+                  <a:schemeClr val="accent1"/>
+                </a:solidFill>
+              </a14:hiddenFill>
+            </a:ext>
+            <a:ext uri="{91240B29-F687-4F45-9708-019B960494DF}">
+              <a14:hiddenLine xmlns:a14="http://schemas.microsoft.com/office/drawing/2010/main" w="9525">
+                <a:solidFill>
+                  <a:schemeClr val="tx1"/>
+                </a:solidFill>
+                <a:miter lim="800000"/>
+                <a:headEnd/>
+                <a:tailEnd/>
+              </a14:hiddenLine>
+            </a:ext>
+            <a:ext uri="{AF507438-7753-43E0-B8FC-AC1667EBCBE1}">
+              <a14:hiddenEffects xmlns:a14="http://schemas.microsoft.com/office/drawing/2010/main">
+                <a:effectLst>
+                  <a:outerShdw dist="35921" dir="2700000" algn="ctr" rotWithShape="0">
+                    <a:schemeClr val="bg2"/>
+                  </a:outerShdw>
+                </a:effectLst>
+              </a14:hiddenEffects>
+            </a:ext>
+          </a:extLst>
+        </p:spPr>
+        <p:txBody>
+          <a:bodyPr wrap="square">
+            <a:spAutoFit/>
+          </a:bodyPr>
+          <a:lstStyle/>
+          <a:p>
+            <a:pPr marL="0" marR="0" lvl="0" indent="0" algn="l" defTabSz="914400" rtl="0" eaLnBrk="0" fontAlgn="auto" latinLnBrk="0" hangingPunct="0">
+              <a:lnSpc>
+                <a:spcPct val="100000"/>
+              </a:lnSpc>
+              <a:spcBef>
+                <a:spcPts val="0"/>
+              </a:spcBef>
+              <a:spcAft>
+                <a:spcPts val="0"/>
+              </a:spcAft>
+              <a:buClrTx/>
+              <a:buSzTx/>
+              <a:buFontTx/>
+              <a:buNone/>
+              <a:defRPr/>
+            </a:pPr>
+            <a:r>
+              <a:rPr kumimoji="0" lang="en-US" altLang="zh-CN" sz="2800" b="1" i="0" u="none" strike="noStrike" kern="1200" cap="none" spc="0" normalizeH="0" baseline="0" noProof="0" dirty="0">
+                <a:ln>
+                  <a:noFill/>
+                </a:ln>
+                <a:solidFill>
+                  <a:schemeClr val="tx1">
+                    <a:lumMod val="85000"/>
+                    <a:lumOff val="15000"/>
+                  </a:schemeClr>
+                </a:solidFill>
+                <a:effectLst/>
+                <a:uLnTx/>
+                <a:uFillTx/>
+                <a:latin typeface="Microsoft YaHei" panose="020B0503020204020204" pitchFamily="34" charset="-122"/>
+                <a:ea typeface="Microsoft YaHei" panose="020B0503020204020204" pitchFamily="34" charset="-122"/>
+                <a:cs typeface="+mn-cs"/>
+                <a:sym typeface="+mn-ea"/>
+              </a:rPr>
+              <a:t>All Traversal Methods</a:t>
+            </a:r>
+            <a:endParaRPr kumimoji="0" lang="en-US" altLang="zh-CN" sz="2800" b="1" i="0" u="none" strike="noStrike" kern="1200" cap="none" spc="0" normalizeH="0" baseline="0" noProof="0" dirty="0">
+              <a:ln>
+                <a:noFill/>
+              </a:ln>
+              <a:solidFill>
+                <a:schemeClr val="tx1">
+                  <a:lumMod val="85000"/>
+                  <a:lumOff val="15000"/>
+                </a:schemeClr>
+              </a:solidFill>
+              <a:effectLst/>
+              <a:uLnTx/>
+              <a:uFillTx/>
+              <a:latin typeface="Microsoft YaHei" panose="020B0503020204020204" pitchFamily="34" charset="-122"/>
+              <a:ea typeface="Microsoft YaHei" panose="020B0503020204020204" pitchFamily="34" charset="-122"/>
+              <a:cs typeface="+mn-cs"/>
+              <a:sym typeface="+mn-ea"/>
+            </a:endParaRPr>
+          </a:p>
+        </p:txBody>
+      </p:sp>
+      <p:pic>
+        <p:nvPicPr>
+          <p:cNvPr id="101" name="Content Placeholder 100"/>
+          <p:cNvPicPr/>
+          <p:nvPr>
+            <p:ph idx="1"/>
+          </p:nvPr>
+        </p:nvPicPr>
+        <p:blipFill>
+          <a:blip r:embed="rId1"/>
+          <a:stretch>
+            <a:fillRect/>
+          </a:stretch>
+        </p:blipFill>
+        <p:spPr>
+          <a:xfrm>
+            <a:off x="890905" y="1557655"/>
+            <a:ext cx="10515600" cy="4351655"/>
+          </a:xfrm>
+          <a:prstGeom prst="rect">
+            <a:avLst/>
+          </a:prstGeom>
+          <a:noFill/>
+          <a:ln w="9525">
+            <a:noFill/>
+          </a:ln>
+        </p:spPr>
+      </p:pic>
+    </p:spTree>
+  </p:cSld>
+  <p:clrMapOvr>
+    <a:masterClrMapping/>
+  </p:clrMapOvr>
+  <p:transition spd="slow">
+    <p:wipe/>
+  </p:transition>
+</p:sld>
+</file>
+
+<file path=ppt/slides/slide27.xml><?xml version="1.0" encoding="utf-8"?>
 <p:sld xmlns:a="http://schemas.openxmlformats.org/drawingml/2006/main" xmlns:r="http://schemas.openxmlformats.org/officeDocument/2006/relationships" xmlns:p="http://schemas.openxmlformats.org/presentationml/2006/main">
   <p:cSld>
     <p:spTree>
@@ -12611,7 +14192,7 @@
 </p:sld>
 </file>
 
-<file path=ppt/slides/slide26.xml><?xml version="1.0" encoding="utf-8"?>
+<file path=ppt/slides/slide28.xml><?xml version="1.0" encoding="utf-8"?>
 <p:sld xmlns:a="http://schemas.openxmlformats.org/drawingml/2006/main" xmlns:r="http://schemas.openxmlformats.org/officeDocument/2006/relationships" xmlns:p="http://schemas.openxmlformats.org/presentationml/2006/main">
   <p:cSld>
     <p:spTree>
@@ -12966,7 +14547,7 @@
 </p:sld>
 </file>
 
-<file path=ppt/slides/slide27.xml><?xml version="1.0" encoding="utf-8"?>
+<file path=ppt/slides/slide29.xml><?xml version="1.0" encoding="utf-8"?>
 <p:sld xmlns:a="http://schemas.openxmlformats.org/drawingml/2006/main" xmlns:r="http://schemas.openxmlformats.org/officeDocument/2006/relationships" xmlns:p="http://schemas.openxmlformats.org/presentationml/2006/main">
   <p:cSld>
     <p:spTree>
@@ -13243,7 +14824,7 @@
                 <a:cs typeface="+mn-cs"/>
                 <a:sym typeface="+mn-ea"/>
               </a:rPr>
-              <a:t>LRU Cache</a:t>
+              <a:t>Tree Traversals - Demo Exercise</a:t>
             </a:r>
             <a:endParaRPr kumimoji="0" lang="en-US" altLang="zh-CN" sz="2800" b="1" i="0" u="none" strike="noStrike" kern="1200" cap="none" spc="0" normalizeH="0" baseline="0" noProof="0" dirty="0">
               <a:ln>
@@ -13278,1559 +14859,47 @@
         <p:txBody>
           <a:bodyPr/>
           <a:p>
+            <a:r>
+              <a:rPr lang="en-US"/>
+              <a:t>For each of the tree traversal methods, what data structure would you choose to implement it:</a:t>
+            </a:r>
             <a:endParaRPr lang="en-US"/>
           </a:p>
-        </p:txBody>
-      </p:sp>
-    </p:spTree>
-  </p:cSld>
-  <p:clrMapOvr>
-    <a:masterClrMapping/>
-  </p:clrMapOvr>
-  <p:transition spd="slow">
-    <p:wipe/>
-  </p:transition>
-</p:sld>
-</file>
-
-<file path=ppt/slides/slide28.xml><?xml version="1.0" encoding="utf-8"?>
-<p:sld xmlns:a="http://schemas.openxmlformats.org/drawingml/2006/main" xmlns:r="http://schemas.openxmlformats.org/officeDocument/2006/relationships" xmlns:p="http://schemas.openxmlformats.org/presentationml/2006/main">
-  <p:cSld>
-    <p:spTree>
-      <p:nvGrpSpPr>
-        <p:cNvPr id="1" name=""/>
-        <p:cNvGrpSpPr/>
-        <p:nvPr/>
-      </p:nvGrpSpPr>
-      <p:grpSpPr/>
-      <p:sp>
-        <p:nvSpPr>
-          <p:cNvPr id="15" name="任意多边形 14"/>
-          <p:cNvSpPr/>
-          <p:nvPr/>
-        </p:nvSpPr>
-        <p:spPr>
-          <a:xfrm>
-            <a:off x="0" y="274638"/>
-            <a:ext cx="890588" cy="639763"/>
-          </a:xfrm>
-          <a:custGeom>
-            <a:avLst/>
-            <a:gdLst>
-              <a:gd name="connsiteX0" fmla="*/ 0 w 1029743"/>
-              <a:gd name="connsiteY0" fmla="*/ 0 h 739718"/>
-              <a:gd name="connsiteX1" fmla="*/ 659884 w 1029743"/>
-              <a:gd name="connsiteY1" fmla="*/ 0 h 739718"/>
-              <a:gd name="connsiteX2" fmla="*/ 1029743 w 1029743"/>
-              <a:gd name="connsiteY2" fmla="*/ 369859 h 739718"/>
-              <a:gd name="connsiteX3" fmla="*/ 659884 w 1029743"/>
-              <a:gd name="connsiteY3" fmla="*/ 739718 h 739718"/>
-              <a:gd name="connsiteX4" fmla="*/ 0 w 1029743"/>
-              <a:gd name="connsiteY4" fmla="*/ 739718 h 739718"/>
-            </a:gdLst>
-            <a:ahLst/>
-            <a:cxnLst>
-              <a:cxn ang="0">
-                <a:pos x="connsiteX0" y="connsiteY0"/>
-              </a:cxn>
-              <a:cxn ang="0">
-                <a:pos x="connsiteX1" y="connsiteY1"/>
-              </a:cxn>
-              <a:cxn ang="0">
-                <a:pos x="connsiteX2" y="connsiteY2"/>
-              </a:cxn>
-              <a:cxn ang="0">
-                <a:pos x="connsiteX3" y="connsiteY3"/>
-              </a:cxn>
-              <a:cxn ang="0">
-                <a:pos x="connsiteX4" y="connsiteY4"/>
-              </a:cxn>
-            </a:cxnLst>
-            <a:rect l="l" t="t" r="r" b="b"/>
-            <a:pathLst>
-              <a:path w="1029743" h="739718">
-                <a:moveTo>
-                  <a:pt x="0" y="0"/>
-                </a:moveTo>
-                <a:lnTo>
-                  <a:pt x="659884" y="0"/>
-                </a:lnTo>
-                <a:cubicBezTo>
-                  <a:pt x="864151" y="0"/>
-                  <a:pt x="1029743" y="165592"/>
-                  <a:pt x="1029743" y="369859"/>
-                </a:cubicBezTo>
-                <a:cubicBezTo>
-                  <a:pt x="1029743" y="574126"/>
-                  <a:pt x="864151" y="739718"/>
-                  <a:pt x="659884" y="739718"/>
-                </a:cubicBezTo>
-                <a:lnTo>
-                  <a:pt x="0" y="739718"/>
-                </a:lnTo>
-                <a:close/>
-              </a:path>
-            </a:pathLst>
-          </a:custGeom>
-          <a:solidFill>
-            <a:srgbClr val="05B780"/>
-          </a:solidFill>
-          <a:ln>
-            <a:noFill/>
-          </a:ln>
-        </p:spPr>
-        <p:style>
-          <a:lnRef idx="2">
-            <a:schemeClr val="accent1">
-              <a:shade val="50000"/>
-            </a:schemeClr>
-          </a:lnRef>
-          <a:fillRef idx="1">
-            <a:schemeClr val="accent1"/>
-          </a:fillRef>
-          <a:effectRef idx="0">
-            <a:schemeClr val="accent1"/>
-          </a:effectRef>
-          <a:fontRef idx="minor">
-            <a:schemeClr val="lt1"/>
-          </a:fontRef>
-        </p:style>
-        <p:txBody>
-          <a:bodyPr anchor="ctr"/>
-          <a:lstStyle/>
-          <a:p>
-            <a:pPr marL="0" marR="0" lvl="0" indent="0" algn="ctr" defTabSz="914400" rtl="0" eaLnBrk="1" fontAlgn="auto" latinLnBrk="0" hangingPunct="1">
-              <a:lnSpc>
-                <a:spcPct val="100000"/>
-              </a:lnSpc>
-              <a:spcBef>
-                <a:spcPts val="0"/>
-              </a:spcBef>
-              <a:spcAft>
-                <a:spcPts val="0"/>
-              </a:spcAft>
-              <a:buClrTx/>
-              <a:buSzTx/>
-              <a:buFontTx/>
-              <a:buNone/>
-              <a:defRPr/>
-            </a:pPr>
-            <a:endParaRPr kumimoji="0" lang="zh-CN" altLang="en-US" sz="1800" b="0" i="0" u="none" strike="noStrike" kern="1200" cap="none" spc="0" normalizeH="0" baseline="0" noProof="0">
-              <a:ln>
-                <a:noFill/>
-              </a:ln>
-              <a:solidFill>
-                <a:schemeClr val="bg1"/>
-              </a:solidFill>
-              <a:effectLst/>
-              <a:uLnTx/>
-              <a:uFillTx/>
-              <a:latin typeface="+mn-lt"/>
-              <a:ea typeface="+mn-ea"/>
-              <a:cs typeface="+mn-cs"/>
-            </a:endParaRPr>
-          </a:p>
-        </p:txBody>
-      </p:sp>
-      <p:sp>
-        <p:nvSpPr>
-          <p:cNvPr id="7170" name="文本框 156"/>
-          <p:cNvSpPr txBox="1"/>
-          <p:nvPr/>
-        </p:nvSpPr>
-        <p:spPr>
-          <a:xfrm>
-            <a:off x="0" y="350838"/>
-            <a:ext cx="814388" cy="521970"/>
-          </a:xfrm>
-          <a:prstGeom prst="rect">
-            <a:avLst/>
-          </a:prstGeom>
-          <a:noFill/>
-          <a:ln w="9525">
-            <a:noFill/>
-          </a:ln>
-        </p:spPr>
-        <p:txBody>
-          <a:bodyPr anchor="t" anchorCtr="0">
-            <a:spAutoFit/>
-          </a:bodyPr>
-          <a:p>
-            <a:pPr>
-              <a:buFont typeface="Arial" panose="020B0604020202020204" pitchFamily="34" charset="0"/>
-            </a:pPr>
+          <a:p>
+            <a:pPr lvl="1"/>
             <a:r>
-              <a:rPr lang="en-US" altLang="zh-CN" sz="2800" b="1" dirty="0">
-                <a:solidFill>
-                  <a:schemeClr val="bg1"/>
-                </a:solidFill>
-                <a:latin typeface="Microsoft YaHei" panose="020B0503020204020204" pitchFamily="34" charset="-122"/>
-                <a:ea typeface="Microsoft YaHei" panose="020B0503020204020204" pitchFamily="34" charset="-122"/>
-              </a:rPr>
-              <a:t>4.4</a:t>
+              <a:rPr lang="en-US"/>
+              <a:t>Level order traversal</a:t>
             </a:r>
-            <a:endParaRPr lang="en-US" altLang="zh-CN" sz="2800" b="1" dirty="0">
-              <a:solidFill>
-                <a:schemeClr val="bg1"/>
-              </a:solidFill>
-              <a:latin typeface="Microsoft YaHei" panose="020B0503020204020204" pitchFamily="34" charset="-122"/>
-              <a:ea typeface="Microsoft YaHei" panose="020B0503020204020204" pitchFamily="34" charset="-122"/>
-            </a:endParaRPr>
-          </a:p>
-        </p:txBody>
-      </p:sp>
-      <p:sp>
-        <p:nvSpPr>
-          <p:cNvPr id="16" name="Rectangle 6"/>
-          <p:cNvSpPr>
-            <a:spLocks noChangeArrowheads="1"/>
-          </p:cNvSpPr>
-          <p:nvPr/>
-        </p:nvSpPr>
-        <p:spPr bwMode="black">
-          <a:xfrm>
-            <a:off x="1021080" y="334010"/>
-            <a:ext cx="8777605" cy="521970"/>
-          </a:xfrm>
-          <a:prstGeom prst="rect">
-            <a:avLst/>
-          </a:prstGeom>
-          <a:noFill/>
-          <a:ln>
-            <a:noFill/>
-          </a:ln>
-          <a:effectLst/>
-          <a:extLst>
-            <a:ext uri="{909E8E84-426E-40DD-AFC4-6F175D3DCCD1}">
-              <a14:hiddenFill xmlns:a14="http://schemas.microsoft.com/office/drawing/2010/main">
-                <a:solidFill>
-                  <a:schemeClr val="accent1"/>
-                </a:solidFill>
-              </a14:hiddenFill>
-            </a:ext>
-            <a:ext uri="{91240B29-F687-4F45-9708-019B960494DF}">
-              <a14:hiddenLine xmlns:a14="http://schemas.microsoft.com/office/drawing/2010/main" w="9525">
-                <a:solidFill>
-                  <a:schemeClr val="tx1"/>
-                </a:solidFill>
-                <a:miter lim="800000"/>
-                <a:headEnd/>
-                <a:tailEnd/>
-              </a14:hiddenLine>
-            </a:ext>
-            <a:ext uri="{AF507438-7753-43E0-B8FC-AC1667EBCBE1}">
-              <a14:hiddenEffects xmlns:a14="http://schemas.microsoft.com/office/drawing/2010/main">
-                <a:effectLst>
-                  <a:outerShdw dist="35921" dir="2700000" algn="ctr" rotWithShape="0">
-                    <a:schemeClr val="bg2"/>
-                  </a:outerShdw>
-                </a:effectLst>
-              </a14:hiddenEffects>
-            </a:ext>
-          </a:extLst>
-        </p:spPr>
-        <p:txBody>
-          <a:bodyPr wrap="square">
-            <a:spAutoFit/>
-          </a:bodyPr>
-          <a:lstStyle/>
-          <a:p>
-            <a:pPr marL="0" marR="0" lvl="0" indent="0" algn="l" defTabSz="914400" rtl="0" eaLnBrk="0" fontAlgn="auto" latinLnBrk="0" hangingPunct="0">
-              <a:lnSpc>
-                <a:spcPct val="100000"/>
-              </a:lnSpc>
-              <a:spcBef>
-                <a:spcPts val="0"/>
-              </a:spcBef>
-              <a:spcAft>
-                <a:spcPts val="0"/>
-              </a:spcAft>
-              <a:buClrTx/>
-              <a:buSzTx/>
-              <a:buFontTx/>
-              <a:buNone/>
-              <a:defRPr/>
-            </a:pPr>
+            <a:endParaRPr lang="en-US"/>
+          </a:p>
+          <a:p>
+            <a:pPr lvl="1"/>
             <a:r>
-              <a:rPr kumimoji="0" lang="en-US" altLang="zh-CN" sz="2800" b="1" i="0" u="none" strike="noStrike" kern="1200" cap="none" spc="0" normalizeH="0" baseline="0" noProof="0" dirty="0">
-                <a:ln>
-                  <a:noFill/>
-                </a:ln>
-                <a:solidFill>
-                  <a:schemeClr val="tx1">
-                    <a:lumMod val="85000"/>
-                    <a:lumOff val="15000"/>
-                  </a:schemeClr>
-                </a:solidFill>
-                <a:effectLst/>
-                <a:uLnTx/>
-                <a:uFillTx/>
-                <a:latin typeface="Microsoft YaHei" panose="020B0503020204020204" pitchFamily="34" charset="-122"/>
-                <a:ea typeface="Microsoft YaHei" panose="020B0503020204020204" pitchFamily="34" charset="-122"/>
-                <a:cs typeface="+mn-cs"/>
-                <a:sym typeface="+mn-ea"/>
-              </a:rPr>
-              <a:t>Homework</a:t>
+              <a:rPr lang="en-US"/>
+              <a:t>In order traversal</a:t>
             </a:r>
-            <a:endParaRPr kumimoji="0" lang="en-US" altLang="zh-CN" sz="2800" b="1" i="0" u="none" strike="noStrike" kern="1200" cap="none" spc="0" normalizeH="0" baseline="0" noProof="0" dirty="0">
-              <a:ln>
-                <a:noFill/>
-              </a:ln>
-              <a:solidFill>
-                <a:schemeClr val="tx1">
-                  <a:lumMod val="85000"/>
-                  <a:lumOff val="15000"/>
-                </a:schemeClr>
-              </a:solidFill>
-              <a:effectLst/>
-              <a:uLnTx/>
-              <a:uFillTx/>
-              <a:latin typeface="Microsoft YaHei" panose="020B0503020204020204" pitchFamily="34" charset="-122"/>
-              <a:ea typeface="Microsoft YaHei" panose="020B0503020204020204" pitchFamily="34" charset="-122"/>
-              <a:cs typeface="+mn-cs"/>
-              <a:sym typeface="+mn-ea"/>
-            </a:endParaRPr>
-          </a:p>
-        </p:txBody>
-      </p:sp>
-      <p:sp>
-        <p:nvSpPr>
-          <p:cNvPr id="3" name="Content Placeholder 2"/>
-          <p:cNvSpPr/>
-          <p:nvPr>
-            <p:ph idx="1"/>
-          </p:nvPr>
-        </p:nvSpPr>
-        <p:spPr>
-          <a:xfrm>
-            <a:off x="890905" y="1183640"/>
-            <a:ext cx="10515600" cy="4351338"/>
-          </a:xfrm>
-        </p:spPr>
-        <p:txBody>
-          <a:bodyPr/>
-          <a:p>
-            <a:endParaRPr lang="en-US" sz="1710"/>
-          </a:p>
-        </p:txBody>
-      </p:sp>
-    </p:spTree>
-  </p:cSld>
-  <p:clrMapOvr>
-    <a:masterClrMapping/>
-  </p:clrMapOvr>
-  <p:transition spd="slow">
-    <p:wipe/>
-  </p:transition>
-</p:sld>
-</file>
-
-<file path=ppt/slides/slide29.xml><?xml version="1.0" encoding="utf-8"?>
-<p:sld xmlns:a="http://schemas.openxmlformats.org/drawingml/2006/main" xmlns:r="http://schemas.openxmlformats.org/officeDocument/2006/relationships" xmlns:p="http://schemas.openxmlformats.org/presentationml/2006/main">
-  <p:cSld>
-    <p:spTree>
-      <p:nvGrpSpPr>
-        <p:cNvPr id="1" name=""/>
-        <p:cNvGrpSpPr/>
-        <p:nvPr/>
-      </p:nvGrpSpPr>
-      <p:grpSpPr/>
-      <p:sp>
-        <p:nvSpPr>
-          <p:cNvPr id="27" name="任意多边形 26"/>
-          <p:cNvSpPr/>
-          <p:nvPr/>
-        </p:nvSpPr>
-        <p:spPr>
-          <a:xfrm rot="1105229">
-            <a:off x="879475" y="-420687"/>
-            <a:ext cx="10955338" cy="8162925"/>
-          </a:xfrm>
-          <a:custGeom>
-            <a:avLst/>
-            <a:gdLst>
-              <a:gd name="connsiteX0" fmla="*/ 592396 w 10955364"/>
-              <a:gd name="connsiteY0" fmla="*/ 1850814 h 8163749"/>
-              <a:gd name="connsiteX1" fmla="*/ 1543995 w 10955364"/>
-              <a:gd name="connsiteY1" fmla="*/ 1533881 h 8163749"/>
-              <a:gd name="connsiteX2" fmla="*/ 6955594 w 10955364"/>
-              <a:gd name="connsiteY2" fmla="*/ 1533882 h 8163749"/>
-              <a:gd name="connsiteX3" fmla="*/ 5829846 w 10955364"/>
-              <a:gd name="connsiteY3" fmla="*/ 106467 h 8163749"/>
-              <a:gd name="connsiteX4" fmla="*/ 6149516 w 10955364"/>
-              <a:gd name="connsiteY4" fmla="*/ 0 h 8163749"/>
-              <a:gd name="connsiteX5" fmla="*/ 9448032 w 10955364"/>
-              <a:gd name="connsiteY5" fmla="*/ 4182420 h 8163749"/>
-              <a:gd name="connsiteX6" fmla="*/ 10818039 w 10955364"/>
-              <a:gd name="connsiteY6" fmla="*/ 1649166 h 8163749"/>
-              <a:gd name="connsiteX7" fmla="*/ 10955364 w 10955364"/>
-              <a:gd name="connsiteY7" fmla="*/ 2061488 h 8163749"/>
-              <a:gd name="connsiteX8" fmla="*/ 8602988 w 10955364"/>
-              <a:gd name="connsiteY8" fmla="*/ 6411222 h 8163749"/>
-              <a:gd name="connsiteX9" fmla="*/ 8163520 w 10955364"/>
-              <a:gd name="connsiteY9" fmla="*/ 6557588 h 8163749"/>
-              <a:gd name="connsiteX10" fmla="*/ 9283839 w 10955364"/>
-              <a:gd name="connsiteY10" fmla="*/ 4486027 h 8163749"/>
-              <a:gd name="connsiteX11" fmla="*/ 7205549 w 10955364"/>
-              <a:gd name="connsiteY11" fmla="*/ 1850816 h 8163749"/>
-              <a:gd name="connsiteX12" fmla="*/ 3551417 w 10955364"/>
-              <a:gd name="connsiteY12" fmla="*/ 1850816 h 8163749"/>
-              <a:gd name="connsiteX13" fmla="*/ 1816446 w 10955364"/>
-              <a:gd name="connsiteY13" fmla="*/ 5058920 h 8163749"/>
-              <a:gd name="connsiteX14" fmla="*/ 4088911 w 10955364"/>
-              <a:gd name="connsiteY14" fmla="*/ 7914648 h 8163749"/>
-              <a:gd name="connsiteX15" fmla="*/ 3768735 w 10955364"/>
-              <a:gd name="connsiteY15" fmla="*/ 8021284 h 8163749"/>
-              <a:gd name="connsiteX16" fmla="*/ 1652559 w 10955364"/>
-              <a:gd name="connsiteY16" fmla="*/ 5361960 h 8163749"/>
-              <a:gd name="connsiteX17" fmla="*/ 137325 w 10955364"/>
-              <a:gd name="connsiteY17" fmla="*/ 8163749 h 8163749"/>
-              <a:gd name="connsiteX18" fmla="*/ 0 w 10955364"/>
-              <a:gd name="connsiteY18" fmla="*/ 7751427 h 8163749"/>
-              <a:gd name="connsiteX19" fmla="*/ 3191107 w 10955364"/>
-              <a:gd name="connsiteY19" fmla="*/ 1850815 h 8163749"/>
-            </a:gdLst>
-            <a:ahLst/>
-            <a:cxnLst>
-              <a:cxn ang="0">
-                <a:pos x="connsiteX0" y="connsiteY0"/>
-              </a:cxn>
-              <a:cxn ang="0">
-                <a:pos x="connsiteX1" y="connsiteY1"/>
-              </a:cxn>
-              <a:cxn ang="0">
-                <a:pos x="connsiteX2" y="connsiteY2"/>
-              </a:cxn>
-              <a:cxn ang="0">
-                <a:pos x="connsiteX3" y="connsiteY3"/>
-              </a:cxn>
-              <a:cxn ang="0">
-                <a:pos x="connsiteX4" y="connsiteY4"/>
-              </a:cxn>
-              <a:cxn ang="0">
-                <a:pos x="connsiteX5" y="connsiteY5"/>
-              </a:cxn>
-              <a:cxn ang="0">
-                <a:pos x="connsiteX6" y="connsiteY6"/>
-              </a:cxn>
-              <a:cxn ang="0">
-                <a:pos x="connsiteX7" y="connsiteY7"/>
-              </a:cxn>
-              <a:cxn ang="0">
-                <a:pos x="connsiteX8" y="connsiteY8"/>
-              </a:cxn>
-              <a:cxn ang="0">
-                <a:pos x="connsiteX9" y="connsiteY9"/>
-              </a:cxn>
-              <a:cxn ang="0">
-                <a:pos x="connsiteX10" y="connsiteY10"/>
-              </a:cxn>
-              <a:cxn ang="0">
-                <a:pos x="connsiteX11" y="connsiteY11"/>
-              </a:cxn>
-              <a:cxn ang="0">
-                <a:pos x="connsiteX12" y="connsiteY12"/>
-              </a:cxn>
-              <a:cxn ang="0">
-                <a:pos x="connsiteX13" y="connsiteY13"/>
-              </a:cxn>
-              <a:cxn ang="0">
-                <a:pos x="connsiteX14" y="connsiteY14"/>
-              </a:cxn>
-              <a:cxn ang="0">
-                <a:pos x="connsiteX15" y="connsiteY15"/>
-              </a:cxn>
-              <a:cxn ang="0">
-                <a:pos x="connsiteX16" y="connsiteY16"/>
-              </a:cxn>
-              <a:cxn ang="0">
-                <a:pos x="connsiteX17" y="connsiteY17"/>
-              </a:cxn>
-              <a:cxn ang="0">
-                <a:pos x="connsiteX18" y="connsiteY18"/>
-              </a:cxn>
-              <a:cxn ang="0">
-                <a:pos x="connsiteX19" y="connsiteY19"/>
-              </a:cxn>
-            </a:cxnLst>
-            <a:rect l="l" t="t" r="r" b="b"/>
-            <a:pathLst>
-              <a:path w="10955364" h="8163749">
-                <a:moveTo>
-                  <a:pt x="592396" y="1850814"/>
-                </a:moveTo>
-                <a:lnTo>
-                  <a:pt x="1543995" y="1533881"/>
-                </a:lnTo>
-                <a:lnTo>
-                  <a:pt x="6955594" y="1533882"/>
-                </a:lnTo>
-                <a:lnTo>
-                  <a:pt x="5829846" y="106467"/>
-                </a:lnTo>
-                <a:lnTo>
-                  <a:pt x="6149516" y="0"/>
-                </a:lnTo>
-                <a:lnTo>
-                  <a:pt x="9448032" y="4182420"/>
-                </a:lnTo>
-                <a:lnTo>
-                  <a:pt x="10818039" y="1649166"/>
-                </a:lnTo>
-                <a:lnTo>
-                  <a:pt x="10955364" y="2061488"/>
-                </a:lnTo>
-                <a:lnTo>
-                  <a:pt x="8602988" y="6411222"/>
-                </a:lnTo>
-                <a:lnTo>
-                  <a:pt x="8163520" y="6557588"/>
-                </a:lnTo>
-                <a:lnTo>
-                  <a:pt x="9283839" y="4486027"/>
-                </a:lnTo>
-                <a:lnTo>
-                  <a:pt x="7205549" y="1850816"/>
-                </a:lnTo>
-                <a:lnTo>
-                  <a:pt x="3551417" y="1850816"/>
-                </a:lnTo>
-                <a:lnTo>
-                  <a:pt x="1816446" y="5058920"/>
-                </a:lnTo>
-                <a:lnTo>
-                  <a:pt x="4088911" y="7914648"/>
-                </a:lnTo>
-                <a:lnTo>
-                  <a:pt x="3768735" y="8021284"/>
-                </a:lnTo>
-                <a:lnTo>
-                  <a:pt x="1652559" y="5361960"/>
-                </a:lnTo>
-                <a:lnTo>
-                  <a:pt x="137325" y="8163749"/>
-                </a:lnTo>
-                <a:lnTo>
-                  <a:pt x="0" y="7751427"/>
-                </a:lnTo>
-                <a:lnTo>
-                  <a:pt x="3191107" y="1850815"/>
-                </a:lnTo>
-                <a:close/>
-              </a:path>
-            </a:pathLst>
-          </a:custGeom>
-          <a:solidFill>
-            <a:srgbClr val="05B780"/>
-          </a:solidFill>
-          <a:ln>
-            <a:noFill/>
-          </a:ln>
-        </p:spPr>
-        <p:style>
-          <a:lnRef idx="2">
-            <a:schemeClr val="accent1">
-              <a:shade val="50000"/>
-            </a:schemeClr>
-          </a:lnRef>
-          <a:fillRef idx="1">
-            <a:schemeClr val="accent1"/>
-          </a:fillRef>
-          <a:effectRef idx="0">
-            <a:schemeClr val="accent1"/>
-          </a:effectRef>
-          <a:fontRef idx="minor">
-            <a:schemeClr val="lt1"/>
-          </a:fontRef>
-        </p:style>
-        <p:txBody>
-          <a:bodyPr anchor="ctr"/>
-          <a:lstStyle/>
-          <a:p>
-            <a:pPr marL="0" marR="0" lvl="0" indent="0" algn="ctr" defTabSz="914400" rtl="0" eaLnBrk="1" fontAlgn="auto" latinLnBrk="0" hangingPunct="1">
-              <a:lnSpc>
-                <a:spcPct val="100000"/>
-              </a:lnSpc>
-              <a:spcBef>
-                <a:spcPts val="0"/>
-              </a:spcBef>
-              <a:spcAft>
-                <a:spcPts val="0"/>
-              </a:spcAft>
-              <a:buClrTx/>
-              <a:buSzTx/>
-              <a:buFontTx/>
-              <a:buNone/>
-              <a:defRPr/>
-            </a:pPr>
-            <a:endParaRPr kumimoji="0" lang="zh-CN" altLang="en-US" sz="1800" b="0" i="0" u="none" strike="noStrike" kern="1200" cap="none" spc="0" normalizeH="0" baseline="0" noProof="0">
-              <a:ln>
-                <a:noFill/>
-              </a:ln>
-              <a:solidFill>
-                <a:schemeClr val="lt1"/>
-              </a:solidFill>
-              <a:effectLst/>
-              <a:uLnTx/>
-              <a:uFillTx/>
-              <a:latin typeface="+mn-lt"/>
-              <a:ea typeface="+mn-ea"/>
-              <a:cs typeface="+mn-cs"/>
-            </a:endParaRPr>
-          </a:p>
-        </p:txBody>
-      </p:sp>
-      <p:sp>
-        <p:nvSpPr>
-          <p:cNvPr id="33794" name="Freeform 21"/>
-          <p:cNvSpPr/>
-          <p:nvPr/>
-        </p:nvSpPr>
-        <p:spPr>
-          <a:xfrm>
-            <a:off x="5489575" y="2338388"/>
-            <a:ext cx="1212850" cy="844550"/>
-          </a:xfrm>
-          <a:custGeom>
-            <a:avLst/>
-            <a:gdLst/>
-            <a:ahLst/>
-            <a:cxnLst>
-              <a:cxn ang="0">
-                <a:pos x="1100886755" y="0"/>
-              </a:cxn>
-              <a:cxn ang="0">
-                <a:pos x="901305125" y="0"/>
-              </a:cxn>
-              <a:cxn ang="0">
-                <a:pos x="748202390" y="0"/>
-              </a:cxn>
-              <a:cxn ang="0">
-                <a:pos x="648867110" y="132852886"/>
-              </a:cxn>
-              <a:cxn ang="0">
-                <a:pos x="561379560" y="307852838"/>
-              </a:cxn>
-              <a:cxn ang="0">
-                <a:pos x="476625220" y="476439190"/>
-              </a:cxn>
-              <a:cxn ang="0">
-                <a:pos x="402807540" y="624868373"/>
-              </a:cxn>
-              <a:cxn ang="0">
-                <a:pos x="349039130" y="518586256"/>
-              </a:cxn>
-              <a:cxn ang="0">
-                <a:pos x="241502310" y="302355603"/>
-              </a:cxn>
-              <a:cxn ang="0">
-                <a:pos x="155837855" y="131937478"/>
-              </a:cxn>
-              <a:cxn ang="0">
-                <a:pos x="145813220" y="110863944"/>
-              </a:cxn>
-              <a:cxn ang="0">
-                <a:pos x="311674755" y="110863944"/>
-              </a:cxn>
-              <a:cxn ang="0">
-                <a:pos x="375467800" y="110863944"/>
-              </a:cxn>
-              <a:cxn ang="0">
-                <a:pos x="424679905" y="208900687"/>
-              </a:cxn>
-              <a:cxn ang="0">
-                <a:pos x="501231750" y="362827106"/>
-              </a:cxn>
-              <a:cxn ang="0">
-                <a:pos x="556822300" y="253795893"/>
-              </a:cxn>
-              <a:cxn ang="0">
-                <a:pos x="559556465" y="232722360"/>
-              </a:cxn>
-              <a:cxn ang="0">
-                <a:pos x="485738785" y="86125907"/>
-              </a:cxn>
-              <a:cxn ang="0">
-                <a:pos x="395517070" y="0"/>
-              </a:cxn>
-              <a:cxn ang="0">
-                <a:pos x="114827290" y="0"/>
-              </a:cxn>
-              <a:cxn ang="0">
-                <a:pos x="40098540" y="2749096"/>
-              </a:cxn>
-              <a:cxn ang="0">
-                <a:pos x="7290470" y="80628671"/>
-              </a:cxn>
-              <a:cxn ang="0">
-                <a:pos x="54679480" y="174999952"/>
-              </a:cxn>
-              <a:cxn ang="0">
-                <a:pos x="154925830" y="375654308"/>
-              </a:cxn>
-              <a:cxn ang="0">
-                <a:pos x="264285745" y="594633100"/>
-              </a:cxn>
-              <a:cxn ang="0">
-                <a:pos x="339926520" y="745811381"/>
-              </a:cxn>
-              <a:cxn ang="0">
-                <a:pos x="370000425" y="793454725"/>
-              </a:cxn>
-              <a:cxn ang="0">
-                <a:pos x="453842740" y="768716687"/>
-              </a:cxn>
-              <a:cxn ang="0">
-                <a:pos x="516723760" y="642277402"/>
-              </a:cxn>
-              <a:cxn ang="0">
-                <a:pos x="578694665" y="518586256"/>
-              </a:cxn>
-              <a:cxn ang="0">
-                <a:pos x="668916380" y="338089069"/>
-              </a:cxn>
-              <a:cxn ang="0">
-                <a:pos x="716305390" y="242800465"/>
-              </a:cxn>
-              <a:cxn ang="0">
-                <a:pos x="781921530" y="110863944"/>
-              </a:cxn>
-              <a:cxn ang="0">
-                <a:pos x="920443325" y="110863944"/>
-              </a:cxn>
-              <a:cxn ang="0">
-                <a:pos x="1010665040" y="110863944"/>
-              </a:cxn>
-              <a:cxn ang="0">
-                <a:pos x="986970535" y="162172751"/>
-              </a:cxn>
-              <a:cxn ang="0">
-                <a:pos x="888547280" y="359161644"/>
-              </a:cxn>
-              <a:cxn ang="0">
-                <a:pos x="786477835" y="561648731"/>
-              </a:cxn>
-              <a:cxn ang="0">
-                <a:pos x="755492860" y="623952008"/>
-              </a:cxn>
-              <a:cxn ang="0">
-                <a:pos x="668005310" y="450784787"/>
-              </a:cxn>
-              <a:cxn ang="0">
-                <a:pos x="597832865" y="543324294"/>
-              </a:cxn>
-              <a:cxn ang="0">
-                <a:pos x="634286170" y="629450201"/>
-              </a:cxn>
-              <a:cxn ang="0">
-                <a:pos x="708103850" y="776963019"/>
-              </a:cxn>
-              <a:cxn ang="0">
-                <a:pos x="808350200" y="764135817"/>
-              </a:cxn>
-              <a:cxn ang="0">
-                <a:pos x="873054315" y="636780167"/>
-              </a:cxn>
-              <a:cxn ang="0">
-                <a:pos x="985148395" y="411386816"/>
-              </a:cxn>
-              <a:cxn ang="0">
-                <a:pos x="1094507355" y="191491658"/>
-              </a:cxn>
-              <a:cxn ang="0">
-                <a:pos x="1150098860" y="81544079"/>
-              </a:cxn>
-            </a:cxnLst>
-            <a:pathLst>
-              <a:path w="1270" h="882">
-                <a:moveTo>
-                  <a:pt x="1268" y="57"/>
-                </a:moveTo>
-                <a:cubicBezTo>
-                  <a:pt x="1268" y="40"/>
-                  <a:pt x="1259" y="24"/>
-                  <a:pt x="1246" y="14"/>
-                </a:cubicBezTo>
-                <a:cubicBezTo>
-                  <a:pt x="1235" y="5"/>
-                  <a:pt x="1222" y="1"/>
-                  <a:pt x="1208" y="0"/>
-                </a:cubicBezTo>
-                <a:cubicBezTo>
-                  <a:pt x="1203" y="0"/>
-                  <a:pt x="1199" y="0"/>
-                  <a:pt x="1194" y="0"/>
-                </a:cubicBezTo>
-                <a:cubicBezTo>
-                  <a:pt x="1165" y="0"/>
-                  <a:pt x="1137" y="0"/>
-                  <a:pt x="1109" y="0"/>
-                </a:cubicBezTo>
-                <a:cubicBezTo>
-                  <a:pt x="1069" y="0"/>
-                  <a:pt x="1029" y="0"/>
-                  <a:pt x="989" y="0"/>
-                </a:cubicBezTo>
-                <a:cubicBezTo>
-                  <a:pt x="952" y="0"/>
-                  <a:pt x="915" y="0"/>
-                  <a:pt x="878" y="0"/>
-                </a:cubicBezTo>
-                <a:cubicBezTo>
-                  <a:pt x="859" y="0"/>
-                  <a:pt x="841" y="0"/>
-                  <a:pt x="822" y="0"/>
-                </a:cubicBezTo>
-                <a:cubicBezTo>
-                  <a:pt x="822" y="0"/>
-                  <a:pt x="822" y="0"/>
-                  <a:pt x="821" y="0"/>
-                </a:cubicBezTo>
-                <a:cubicBezTo>
-                  <a:pt x="798" y="1"/>
-                  <a:pt x="778" y="14"/>
-                  <a:pt x="767" y="35"/>
-                </a:cubicBezTo>
-                <a:cubicBezTo>
-                  <a:pt x="763" y="42"/>
-                  <a:pt x="760" y="49"/>
-                  <a:pt x="756" y="56"/>
-                </a:cubicBezTo>
-                <a:cubicBezTo>
-                  <a:pt x="741" y="86"/>
-                  <a:pt x="726" y="115"/>
-                  <a:pt x="712" y="145"/>
-                </a:cubicBezTo>
-                <a:cubicBezTo>
-                  <a:pt x="699" y="171"/>
-                  <a:pt x="686" y="197"/>
-                  <a:pt x="673" y="223"/>
-                </a:cubicBezTo>
-                <a:cubicBezTo>
-                  <a:pt x="668" y="232"/>
-                  <a:pt x="663" y="242"/>
-                  <a:pt x="658" y="251"/>
-                </a:cubicBezTo>
-                <a:cubicBezTo>
-                  <a:pt x="644" y="279"/>
-                  <a:pt x="630" y="308"/>
-                  <a:pt x="616" y="336"/>
-                </a:cubicBezTo>
-                <a:cubicBezTo>
-                  <a:pt x="601" y="365"/>
-                  <a:pt x="586" y="395"/>
-                  <a:pt x="571" y="424"/>
-                </a:cubicBezTo>
-                <a:cubicBezTo>
-                  <a:pt x="566" y="435"/>
-                  <a:pt x="561" y="445"/>
-                  <a:pt x="556" y="455"/>
-                </a:cubicBezTo>
-                <a:cubicBezTo>
-                  <a:pt x="545" y="477"/>
-                  <a:pt x="534" y="498"/>
-                  <a:pt x="523" y="520"/>
-                </a:cubicBezTo>
-                <a:cubicBezTo>
-                  <a:pt x="507" y="552"/>
-                  <a:pt x="491" y="584"/>
-                  <a:pt x="475" y="616"/>
-                </a:cubicBezTo>
-                <a:cubicBezTo>
-                  <a:pt x="464" y="637"/>
-                  <a:pt x="454" y="658"/>
-                  <a:pt x="443" y="679"/>
-                </a:cubicBezTo>
-                <a:cubicBezTo>
-                  <a:pt x="443" y="680"/>
-                  <a:pt x="442" y="681"/>
-                  <a:pt x="442" y="682"/>
-                </a:cubicBezTo>
-                <a:cubicBezTo>
-                  <a:pt x="439" y="677"/>
-                  <a:pt x="437" y="672"/>
-                  <a:pt x="434" y="667"/>
-                </a:cubicBezTo>
-                <a:cubicBezTo>
-                  <a:pt x="427" y="654"/>
-                  <a:pt x="421" y="640"/>
-                  <a:pt x="414" y="627"/>
-                </a:cubicBezTo>
-                <a:cubicBezTo>
-                  <a:pt x="404" y="606"/>
-                  <a:pt x="394" y="586"/>
-                  <a:pt x="383" y="566"/>
-                </a:cubicBezTo>
-                <a:cubicBezTo>
-                  <a:pt x="371" y="542"/>
-                  <a:pt x="359" y="517"/>
-                  <a:pt x="346" y="492"/>
-                </a:cubicBezTo>
-                <a:cubicBezTo>
-                  <a:pt x="333" y="466"/>
-                  <a:pt x="319" y="439"/>
-                  <a:pt x="306" y="412"/>
-                </a:cubicBezTo>
-                <a:cubicBezTo>
-                  <a:pt x="292" y="385"/>
-                  <a:pt x="279" y="357"/>
-                  <a:pt x="265" y="330"/>
-                </a:cubicBezTo>
-                <a:cubicBezTo>
-                  <a:pt x="252" y="305"/>
-                  <a:pt x="240" y="280"/>
-                  <a:pt x="227" y="254"/>
-                </a:cubicBezTo>
-                <a:cubicBezTo>
-                  <a:pt x="216" y="233"/>
-                  <a:pt x="205" y="211"/>
-                  <a:pt x="195" y="190"/>
-                </a:cubicBezTo>
-                <a:cubicBezTo>
-                  <a:pt x="187" y="175"/>
-                  <a:pt x="179" y="159"/>
-                  <a:pt x="171" y="144"/>
-                </a:cubicBezTo>
-                <a:cubicBezTo>
-                  <a:pt x="169" y="139"/>
-                  <a:pt x="167" y="134"/>
-                  <a:pt x="164" y="130"/>
-                </a:cubicBezTo>
-                <a:cubicBezTo>
-                  <a:pt x="163" y="127"/>
-                  <a:pt x="161" y="124"/>
-                  <a:pt x="160" y="122"/>
-                </a:cubicBezTo>
-                <a:cubicBezTo>
-                  <a:pt x="160" y="122"/>
-                  <a:pt x="160" y="121"/>
-                  <a:pt x="160" y="121"/>
-                </a:cubicBezTo>
-                <a:cubicBezTo>
-                  <a:pt x="170" y="121"/>
-                  <a:pt x="180" y="121"/>
-                  <a:pt x="191" y="121"/>
-                </a:cubicBezTo>
-                <a:cubicBezTo>
-                  <a:pt x="214" y="121"/>
-                  <a:pt x="238" y="121"/>
-                  <a:pt x="261" y="121"/>
-                </a:cubicBezTo>
-                <a:cubicBezTo>
-                  <a:pt x="288" y="121"/>
-                  <a:pt x="315" y="121"/>
-                  <a:pt x="342" y="121"/>
-                </a:cubicBezTo>
-                <a:cubicBezTo>
-                  <a:pt x="361" y="121"/>
-                  <a:pt x="381" y="121"/>
-                  <a:pt x="400" y="121"/>
-                </a:cubicBezTo>
-                <a:cubicBezTo>
-                  <a:pt x="403" y="121"/>
-                  <a:pt x="405" y="121"/>
-                  <a:pt x="408" y="121"/>
-                </a:cubicBezTo>
-                <a:cubicBezTo>
-                  <a:pt x="409" y="121"/>
-                  <a:pt x="411" y="121"/>
-                  <a:pt x="412" y="121"/>
-                </a:cubicBezTo>
-                <a:cubicBezTo>
-                  <a:pt x="413" y="122"/>
-                  <a:pt x="413" y="124"/>
-                  <a:pt x="414" y="125"/>
-                </a:cubicBezTo>
-                <a:cubicBezTo>
-                  <a:pt x="420" y="138"/>
-                  <a:pt x="427" y="151"/>
-                  <a:pt x="433" y="163"/>
-                </a:cubicBezTo>
-                <a:cubicBezTo>
-                  <a:pt x="444" y="185"/>
-                  <a:pt x="455" y="207"/>
-                  <a:pt x="466" y="228"/>
-                </a:cubicBezTo>
-                <a:cubicBezTo>
-                  <a:pt x="478" y="253"/>
-                  <a:pt x="490" y="277"/>
-                  <a:pt x="502" y="301"/>
-                </a:cubicBezTo>
-                <a:cubicBezTo>
-                  <a:pt x="513" y="322"/>
-                  <a:pt x="523" y="342"/>
-                  <a:pt x="533" y="363"/>
-                </a:cubicBezTo>
-                <a:cubicBezTo>
-                  <a:pt x="539" y="374"/>
-                  <a:pt x="544" y="385"/>
-                  <a:pt x="550" y="396"/>
-                </a:cubicBezTo>
-                <a:cubicBezTo>
-                  <a:pt x="550" y="396"/>
-                  <a:pt x="550" y="397"/>
-                  <a:pt x="551" y="397"/>
-                </a:cubicBezTo>
-                <a:cubicBezTo>
-                  <a:pt x="563" y="373"/>
-                  <a:pt x="575" y="348"/>
-                  <a:pt x="588" y="323"/>
-                </a:cubicBezTo>
-                <a:cubicBezTo>
-                  <a:pt x="596" y="308"/>
-                  <a:pt x="603" y="292"/>
-                  <a:pt x="611" y="277"/>
-                </a:cubicBezTo>
-                <a:cubicBezTo>
-                  <a:pt x="613" y="273"/>
-                  <a:pt x="615" y="269"/>
-                  <a:pt x="617" y="265"/>
-                </a:cubicBezTo>
-                <a:cubicBezTo>
-                  <a:pt x="618" y="263"/>
-                  <a:pt x="618" y="263"/>
-                  <a:pt x="618" y="262"/>
-                </a:cubicBezTo>
-                <a:cubicBezTo>
-                  <a:pt x="617" y="259"/>
-                  <a:pt x="615" y="257"/>
-                  <a:pt x="614" y="254"/>
-                </a:cubicBezTo>
-                <a:cubicBezTo>
-                  <a:pt x="612" y="250"/>
-                  <a:pt x="609" y="245"/>
-                  <a:pt x="607" y="240"/>
-                </a:cubicBezTo>
-                <a:cubicBezTo>
-                  <a:pt x="600" y="226"/>
-                  <a:pt x="593" y="212"/>
-                  <a:pt x="586" y="198"/>
-                </a:cubicBezTo>
-                <a:cubicBezTo>
-                  <a:pt x="568" y="163"/>
-                  <a:pt x="551" y="128"/>
-                  <a:pt x="533" y="94"/>
-                </a:cubicBezTo>
-                <a:cubicBezTo>
-                  <a:pt x="523" y="74"/>
-                  <a:pt x="514" y="54"/>
-                  <a:pt x="503" y="34"/>
-                </a:cubicBezTo>
-                <a:cubicBezTo>
-                  <a:pt x="492" y="13"/>
-                  <a:pt x="472" y="1"/>
-                  <a:pt x="449" y="0"/>
-                </a:cubicBezTo>
-                <a:cubicBezTo>
-                  <a:pt x="444" y="0"/>
-                  <a:pt x="439" y="0"/>
-                  <a:pt x="434" y="0"/>
-                </a:cubicBezTo>
-                <a:cubicBezTo>
-                  <a:pt x="406" y="0"/>
-                  <a:pt x="379" y="0"/>
-                  <a:pt x="352" y="0"/>
-                </a:cubicBezTo>
-                <a:cubicBezTo>
-                  <a:pt x="313" y="0"/>
-                  <a:pt x="274" y="0"/>
-                  <a:pt x="236" y="0"/>
-                </a:cubicBezTo>
-                <a:cubicBezTo>
-                  <a:pt x="199" y="0"/>
-                  <a:pt x="163" y="0"/>
-                  <a:pt x="126" y="0"/>
-                </a:cubicBezTo>
-                <a:cubicBezTo>
-                  <a:pt x="106" y="0"/>
-                  <a:pt x="85" y="0"/>
-                  <a:pt x="65" y="0"/>
-                </a:cubicBezTo>
-                <a:cubicBezTo>
-                  <a:pt x="64" y="0"/>
-                  <a:pt x="63" y="0"/>
-                  <a:pt x="62" y="0"/>
-                </a:cubicBezTo>
-                <a:cubicBezTo>
-                  <a:pt x="56" y="1"/>
-                  <a:pt x="50" y="1"/>
-                  <a:pt x="44" y="3"/>
-                </a:cubicBezTo>
-                <a:cubicBezTo>
-                  <a:pt x="38" y="5"/>
-                  <a:pt x="33" y="8"/>
-                  <a:pt x="28" y="11"/>
-                </a:cubicBezTo>
-                <a:cubicBezTo>
-                  <a:pt x="16" y="19"/>
-                  <a:pt x="8" y="31"/>
-                  <a:pt x="4" y="44"/>
-                </a:cubicBezTo>
-                <a:cubicBezTo>
-                  <a:pt x="0" y="60"/>
-                  <a:pt x="2" y="74"/>
-                  <a:pt x="8" y="88"/>
-                </a:cubicBezTo>
-                <a:cubicBezTo>
-                  <a:pt x="11" y="94"/>
-                  <a:pt x="14" y="99"/>
-                  <a:pt x="16" y="104"/>
-                </a:cubicBezTo>
-                <a:cubicBezTo>
-                  <a:pt x="22" y="116"/>
-                  <a:pt x="28" y="128"/>
-                  <a:pt x="34" y="139"/>
-                </a:cubicBezTo>
-                <a:cubicBezTo>
-                  <a:pt x="43" y="157"/>
-                  <a:pt x="52" y="174"/>
-                  <a:pt x="60" y="191"/>
-                </a:cubicBezTo>
-                <a:cubicBezTo>
-                  <a:pt x="71" y="213"/>
-                  <a:pt x="82" y="234"/>
-                  <a:pt x="93" y="256"/>
-                </a:cubicBezTo>
-                <a:cubicBezTo>
-                  <a:pt x="105" y="281"/>
-                  <a:pt x="118" y="305"/>
-                  <a:pt x="130" y="330"/>
-                </a:cubicBezTo>
-                <a:cubicBezTo>
-                  <a:pt x="143" y="357"/>
-                  <a:pt x="157" y="383"/>
-                  <a:pt x="170" y="410"/>
-                </a:cubicBezTo>
-                <a:cubicBezTo>
-                  <a:pt x="184" y="437"/>
-                  <a:pt x="198" y="465"/>
-                  <a:pt x="211" y="492"/>
-                </a:cubicBezTo>
-                <a:cubicBezTo>
-                  <a:pt x="225" y="519"/>
-                  <a:pt x="238" y="546"/>
-                  <a:pt x="252" y="573"/>
-                </a:cubicBezTo>
-                <a:cubicBezTo>
-                  <a:pt x="265" y="598"/>
-                  <a:pt x="277" y="624"/>
-                  <a:pt x="290" y="649"/>
-                </a:cubicBezTo>
-                <a:cubicBezTo>
-                  <a:pt x="302" y="672"/>
-                  <a:pt x="313" y="694"/>
-                  <a:pt x="324" y="717"/>
-                </a:cubicBezTo>
-                <a:cubicBezTo>
-                  <a:pt x="334" y="736"/>
-                  <a:pt x="343" y="755"/>
-                  <a:pt x="353" y="773"/>
-                </a:cubicBezTo>
-                <a:cubicBezTo>
-                  <a:pt x="359" y="787"/>
-                  <a:pt x="366" y="801"/>
-                  <a:pt x="373" y="814"/>
-                </a:cubicBezTo>
-                <a:cubicBezTo>
-                  <a:pt x="377" y="822"/>
-                  <a:pt x="381" y="829"/>
-                  <a:pt x="384" y="836"/>
-                </a:cubicBezTo>
-                <a:cubicBezTo>
-                  <a:pt x="385" y="837"/>
-                  <a:pt x="385" y="838"/>
-                  <a:pt x="386" y="839"/>
-                </a:cubicBezTo>
-                <a:cubicBezTo>
-                  <a:pt x="391" y="850"/>
-                  <a:pt x="397" y="859"/>
-                  <a:pt x="406" y="866"/>
-                </a:cubicBezTo>
-                <a:cubicBezTo>
-                  <a:pt x="417" y="874"/>
-                  <a:pt x="430" y="877"/>
-                  <a:pt x="442" y="877"/>
-                </a:cubicBezTo>
-                <a:cubicBezTo>
-                  <a:pt x="455" y="877"/>
-                  <a:pt x="467" y="873"/>
-                  <a:pt x="478" y="866"/>
-                </a:cubicBezTo>
-                <a:cubicBezTo>
-                  <a:pt x="487" y="859"/>
-                  <a:pt x="493" y="850"/>
-                  <a:pt x="498" y="839"/>
-                </a:cubicBezTo>
-                <a:cubicBezTo>
-                  <a:pt x="499" y="837"/>
-                  <a:pt x="500" y="834"/>
-                  <a:pt x="502" y="832"/>
-                </a:cubicBezTo>
-                <a:cubicBezTo>
-                  <a:pt x="510" y="814"/>
-                  <a:pt x="519" y="797"/>
-                  <a:pt x="528" y="780"/>
-                </a:cubicBezTo>
-                <a:cubicBezTo>
-                  <a:pt x="541" y="754"/>
-                  <a:pt x="554" y="728"/>
-                  <a:pt x="567" y="701"/>
-                </a:cubicBezTo>
-                <a:cubicBezTo>
-                  <a:pt x="580" y="676"/>
-                  <a:pt x="593" y="650"/>
-                  <a:pt x="606" y="624"/>
-                </a:cubicBezTo>
-                <a:cubicBezTo>
-                  <a:pt x="615" y="607"/>
-                  <a:pt x="623" y="590"/>
-                  <a:pt x="632" y="573"/>
-                </a:cubicBezTo>
-                <a:cubicBezTo>
-                  <a:pt x="633" y="570"/>
-                  <a:pt x="634" y="568"/>
-                  <a:pt x="635" y="566"/>
-                </a:cubicBezTo>
-                <a:cubicBezTo>
-                  <a:pt x="635" y="566"/>
-                  <a:pt x="635" y="566"/>
-                  <a:pt x="636" y="566"/>
-                </a:cubicBezTo>
-                <a:cubicBezTo>
-                  <a:pt x="648" y="541"/>
-                  <a:pt x="661" y="516"/>
-                  <a:pt x="673" y="490"/>
-                </a:cubicBezTo>
-                <a:cubicBezTo>
-                  <a:pt x="693" y="450"/>
-                  <a:pt x="714" y="410"/>
-                  <a:pt x="734" y="369"/>
-                </a:cubicBezTo>
-                <a:cubicBezTo>
-                  <a:pt x="738" y="360"/>
-                  <a:pt x="743" y="351"/>
-                  <a:pt x="748" y="341"/>
-                </a:cubicBezTo>
-                <a:cubicBezTo>
-                  <a:pt x="748" y="341"/>
-                  <a:pt x="748" y="341"/>
-                  <a:pt x="748" y="342"/>
-                </a:cubicBezTo>
-                <a:cubicBezTo>
-                  <a:pt x="761" y="316"/>
-                  <a:pt x="773" y="291"/>
-                  <a:pt x="786" y="265"/>
-                </a:cubicBezTo>
-                <a:cubicBezTo>
-                  <a:pt x="806" y="226"/>
-                  <a:pt x="826" y="186"/>
-                  <a:pt x="846" y="146"/>
-                </a:cubicBezTo>
-                <a:cubicBezTo>
-                  <a:pt x="849" y="140"/>
-                  <a:pt x="852" y="135"/>
-                  <a:pt x="855" y="129"/>
-                </a:cubicBezTo>
-                <a:cubicBezTo>
-                  <a:pt x="855" y="127"/>
-                  <a:pt x="857" y="122"/>
-                  <a:pt x="858" y="121"/>
-                </a:cubicBezTo>
-                <a:cubicBezTo>
-                  <a:pt x="859" y="121"/>
-                  <a:pt x="862" y="121"/>
-                  <a:pt x="864" y="121"/>
-                </a:cubicBezTo>
-                <a:cubicBezTo>
-                  <a:pt x="869" y="121"/>
-                  <a:pt x="875" y="121"/>
-                  <a:pt x="880" y="121"/>
-                </a:cubicBezTo>
-                <a:cubicBezTo>
-                  <a:pt x="923" y="121"/>
-                  <a:pt x="966" y="121"/>
-                  <a:pt x="1010" y="121"/>
-                </a:cubicBezTo>
-                <a:cubicBezTo>
-                  <a:pt x="1031" y="121"/>
-                  <a:pt x="1052" y="121"/>
-                  <a:pt x="1074" y="121"/>
-                </a:cubicBezTo>
-                <a:cubicBezTo>
-                  <a:pt x="1081" y="121"/>
-                  <a:pt x="1089" y="121"/>
-                  <a:pt x="1097" y="121"/>
-                </a:cubicBezTo>
-                <a:cubicBezTo>
-                  <a:pt x="1101" y="121"/>
-                  <a:pt x="1105" y="121"/>
-                  <a:pt x="1109" y="121"/>
-                </a:cubicBezTo>
-                <a:cubicBezTo>
-                  <a:pt x="1110" y="121"/>
-                  <a:pt x="1110" y="121"/>
-                  <a:pt x="1111" y="121"/>
-                </a:cubicBezTo>
-                <a:cubicBezTo>
-                  <a:pt x="1108" y="126"/>
-                  <a:pt x="1106" y="131"/>
-                  <a:pt x="1103" y="136"/>
-                </a:cubicBezTo>
-                <a:cubicBezTo>
-                  <a:pt x="1096" y="150"/>
-                  <a:pt x="1089" y="163"/>
-                  <a:pt x="1083" y="177"/>
-                </a:cubicBezTo>
-                <a:cubicBezTo>
-                  <a:pt x="1073" y="197"/>
-                  <a:pt x="1062" y="217"/>
-                  <a:pt x="1052" y="237"/>
-                </a:cubicBezTo>
-                <a:cubicBezTo>
-                  <a:pt x="1040" y="262"/>
-                  <a:pt x="1028" y="286"/>
-                  <a:pt x="1015" y="311"/>
-                </a:cubicBezTo>
-                <a:cubicBezTo>
-                  <a:pt x="1002" y="338"/>
-                  <a:pt x="988" y="365"/>
-                  <a:pt x="975" y="392"/>
-                </a:cubicBezTo>
-                <a:cubicBezTo>
-                  <a:pt x="961" y="419"/>
-                  <a:pt x="948" y="446"/>
-                  <a:pt x="934" y="473"/>
-                </a:cubicBezTo>
-                <a:cubicBezTo>
-                  <a:pt x="921" y="498"/>
-                  <a:pt x="908" y="524"/>
-                  <a:pt x="896" y="549"/>
-                </a:cubicBezTo>
-                <a:cubicBezTo>
-                  <a:pt x="885" y="570"/>
-                  <a:pt x="874" y="592"/>
-                  <a:pt x="863" y="613"/>
-                </a:cubicBezTo>
-                <a:cubicBezTo>
-                  <a:pt x="856" y="629"/>
-                  <a:pt x="848" y="644"/>
-                  <a:pt x="840" y="659"/>
-                </a:cubicBezTo>
-                <a:cubicBezTo>
-                  <a:pt x="838" y="664"/>
-                  <a:pt x="835" y="669"/>
-                  <a:pt x="833" y="674"/>
-                </a:cubicBezTo>
-                <a:cubicBezTo>
-                  <a:pt x="832" y="676"/>
-                  <a:pt x="831" y="679"/>
-                  <a:pt x="829" y="681"/>
-                </a:cubicBezTo>
-                <a:cubicBezTo>
-                  <a:pt x="829" y="682"/>
-                  <a:pt x="829" y="682"/>
-                  <a:pt x="829" y="682"/>
-                </a:cubicBezTo>
-                <a:cubicBezTo>
-                  <a:pt x="817" y="658"/>
-                  <a:pt x="804" y="633"/>
-                  <a:pt x="792" y="609"/>
-                </a:cubicBezTo>
-                <a:cubicBezTo>
-                  <a:pt x="772" y="570"/>
-                  <a:pt x="753" y="531"/>
-                  <a:pt x="733" y="492"/>
-                </a:cubicBezTo>
-                <a:cubicBezTo>
-                  <a:pt x="729" y="483"/>
-                  <a:pt x="724" y="474"/>
-                  <a:pt x="720" y="465"/>
-                </a:cubicBezTo>
-                <a:cubicBezTo>
-                  <a:pt x="711" y="483"/>
-                  <a:pt x="702" y="501"/>
-                  <a:pt x="693" y="519"/>
-                </a:cubicBezTo>
-                <a:cubicBezTo>
-                  <a:pt x="681" y="543"/>
-                  <a:pt x="668" y="568"/>
-                  <a:pt x="656" y="593"/>
-                </a:cubicBezTo>
-                <a:cubicBezTo>
-                  <a:pt x="655" y="596"/>
-                  <a:pt x="652" y="598"/>
-                  <a:pt x="653" y="601"/>
-                </a:cubicBezTo>
-                <a:cubicBezTo>
-                  <a:pt x="655" y="607"/>
-                  <a:pt x="659" y="612"/>
-                  <a:pt x="661" y="617"/>
-                </a:cubicBezTo>
-                <a:cubicBezTo>
-                  <a:pt x="673" y="641"/>
-                  <a:pt x="685" y="664"/>
-                  <a:pt x="696" y="687"/>
-                </a:cubicBezTo>
-                <a:cubicBezTo>
-                  <a:pt x="711" y="716"/>
-                  <a:pt x="725" y="744"/>
-                  <a:pt x="739" y="772"/>
-                </a:cubicBezTo>
-                <a:cubicBezTo>
-                  <a:pt x="749" y="792"/>
-                  <a:pt x="759" y="812"/>
-                  <a:pt x="769" y="832"/>
-                </a:cubicBezTo>
-                <a:cubicBezTo>
-                  <a:pt x="772" y="837"/>
-                  <a:pt x="774" y="843"/>
-                  <a:pt x="777" y="848"/>
-                </a:cubicBezTo>
-                <a:cubicBezTo>
-                  <a:pt x="791" y="871"/>
-                  <a:pt x="819" y="882"/>
-                  <a:pt x="846" y="875"/>
-                </a:cubicBezTo>
-                <a:cubicBezTo>
-                  <a:pt x="865" y="870"/>
-                  <a:pt x="877" y="857"/>
-                  <a:pt x="885" y="839"/>
-                </a:cubicBezTo>
-                <a:cubicBezTo>
-                  <a:pt x="886" y="838"/>
-                  <a:pt x="887" y="836"/>
-                  <a:pt x="887" y="834"/>
-                </a:cubicBezTo>
-                <a:cubicBezTo>
-                  <a:pt x="892" y="825"/>
-                  <a:pt x="897" y="816"/>
-                  <a:pt x="901" y="806"/>
-                </a:cubicBezTo>
-                <a:cubicBezTo>
-                  <a:pt x="909" y="791"/>
-                  <a:pt x="917" y="775"/>
-                  <a:pt x="925" y="759"/>
-                </a:cubicBezTo>
-                <a:cubicBezTo>
-                  <a:pt x="936" y="737"/>
-                  <a:pt x="947" y="716"/>
-                  <a:pt x="958" y="695"/>
-                </a:cubicBezTo>
-                <a:cubicBezTo>
-                  <a:pt x="970" y="669"/>
-                  <a:pt x="983" y="644"/>
-                  <a:pt x="996" y="619"/>
-                </a:cubicBezTo>
-                <a:cubicBezTo>
-                  <a:pt x="1010" y="591"/>
-                  <a:pt x="1024" y="563"/>
-                  <a:pt x="1038" y="535"/>
-                </a:cubicBezTo>
-                <a:cubicBezTo>
-                  <a:pt x="1052" y="507"/>
-                  <a:pt x="1067" y="478"/>
-                  <a:pt x="1081" y="449"/>
-                </a:cubicBezTo>
-                <a:cubicBezTo>
-                  <a:pt x="1096" y="420"/>
-                  <a:pt x="1110" y="391"/>
-                  <a:pt x="1124" y="363"/>
-                </a:cubicBezTo>
-                <a:cubicBezTo>
-                  <a:pt x="1138" y="335"/>
-                  <a:pt x="1152" y="308"/>
-                  <a:pt x="1165" y="281"/>
-                </a:cubicBezTo>
-                <a:cubicBezTo>
-                  <a:pt x="1177" y="257"/>
-                  <a:pt x="1189" y="233"/>
-                  <a:pt x="1201" y="209"/>
-                </a:cubicBezTo>
-                <a:cubicBezTo>
-                  <a:pt x="1211" y="189"/>
-                  <a:pt x="1221" y="170"/>
-                  <a:pt x="1231" y="150"/>
-                </a:cubicBezTo>
-                <a:cubicBezTo>
-                  <a:pt x="1238" y="136"/>
-                  <a:pt x="1245" y="123"/>
-                  <a:pt x="1252" y="109"/>
-                </a:cubicBezTo>
-                <a:cubicBezTo>
-                  <a:pt x="1255" y="102"/>
-                  <a:pt x="1259" y="96"/>
-                  <a:pt x="1262" y="89"/>
-                </a:cubicBezTo>
-                <a:cubicBezTo>
-                  <a:pt x="1266" y="79"/>
-                  <a:pt x="1270" y="68"/>
-                  <a:pt x="1268" y="57"/>
-                </a:cubicBezTo>
-                <a:cubicBezTo>
-                  <a:pt x="1268" y="55"/>
-                  <a:pt x="1268" y="58"/>
-                  <a:pt x="1268" y="57"/>
-                </a:cubicBezTo>
-                <a:close/>
-              </a:path>
-            </a:pathLst>
-          </a:custGeom>
-          <a:solidFill>
-            <a:srgbClr val="05B780"/>
-          </a:solidFill>
-          <a:ln w="9525">
-            <a:noFill/>
-          </a:ln>
-        </p:spPr>
-        <p:txBody>
-          <a:bodyPr/>
-          <a:p>
             <a:endParaRPr lang="en-US"/>
           </a:p>
-        </p:txBody>
-      </p:sp>
-      <p:sp>
-        <p:nvSpPr>
-          <p:cNvPr id="33795" name="文本框 29"/>
-          <p:cNvSpPr txBox="1"/>
-          <p:nvPr/>
-        </p:nvSpPr>
-        <p:spPr>
-          <a:xfrm>
-            <a:off x="3733800" y="4125913"/>
-            <a:ext cx="4722813" cy="708025"/>
-          </a:xfrm>
-          <a:prstGeom prst="rect">
-            <a:avLst/>
-          </a:prstGeom>
-          <a:noFill/>
-          <a:ln w="9525">
-            <a:noFill/>
-          </a:ln>
-        </p:spPr>
-        <p:txBody>
-          <a:bodyPr anchor="t" anchorCtr="0">
-            <a:spAutoFit/>
-          </a:bodyPr>
-          <a:p>
-            <a:pPr algn="dist"/>
+          <a:p>
+            <a:pPr lvl="1"/>
             <a:r>
-              <a:rPr lang="en-US" altLang="zh-CN" sz="4000" dirty="0">
-                <a:solidFill>
-                  <a:srgbClr val="262626"/>
-                </a:solidFill>
-                <a:latin typeface="Microsoft YaHei" panose="020B0503020204020204" pitchFamily="34" charset="-122"/>
-                <a:ea typeface="Microsoft YaHei" panose="020B0503020204020204" pitchFamily="34" charset="-122"/>
-              </a:rPr>
-              <a:t>THANK YOU</a:t>
+              <a:rPr lang="en-US"/>
+              <a:t>Pre order traversal</a:t>
             </a:r>
-            <a:endParaRPr lang="zh-CN" altLang="en-US" sz="4000" dirty="0">
-              <a:solidFill>
-                <a:srgbClr val="262626"/>
-              </a:solidFill>
-              <a:latin typeface="Microsoft YaHei" panose="020B0503020204020204" pitchFamily="34" charset="-122"/>
-              <a:ea typeface="Microsoft YaHei" panose="020B0503020204020204" pitchFamily="34" charset="-122"/>
-            </a:endParaRPr>
+            <a:endParaRPr lang="en-US"/>
+          </a:p>
+          <a:p>
+            <a:pPr lvl="1"/>
+            <a:r>
+              <a:rPr lang="en-US"/>
+              <a:t>Post order traversal</a:t>
+            </a:r>
+            <a:endParaRPr lang="en-US"/>
+          </a:p>
+          <a:p>
+            <a:pPr lvl="0"/>
+            <a:endParaRPr lang="en-US"/>
           </a:p>
         </p:txBody>
       </p:sp>
@@ -15291,6 +15360,1558 @@
           </p:txBody>
         </p:sp>
       </p:grpSp>
+    </p:spTree>
+  </p:cSld>
+  <p:clrMapOvr>
+    <a:masterClrMapping/>
+  </p:clrMapOvr>
+  <p:transition spd="slow">
+    <p:wipe/>
+  </p:transition>
+</p:sld>
+</file>
+
+<file path=ppt/slides/slide30.xml><?xml version="1.0" encoding="utf-8"?>
+<p:sld xmlns:a="http://schemas.openxmlformats.org/drawingml/2006/main" xmlns:r="http://schemas.openxmlformats.org/officeDocument/2006/relationships" xmlns:p="http://schemas.openxmlformats.org/presentationml/2006/main">
+  <p:cSld>
+    <p:spTree>
+      <p:nvGrpSpPr>
+        <p:cNvPr id="1" name=""/>
+        <p:cNvGrpSpPr/>
+        <p:nvPr/>
+      </p:nvGrpSpPr>
+      <p:grpSpPr/>
+      <p:sp>
+        <p:nvSpPr>
+          <p:cNvPr id="15" name="任意多边形 14"/>
+          <p:cNvSpPr/>
+          <p:nvPr/>
+        </p:nvSpPr>
+        <p:spPr>
+          <a:xfrm>
+            <a:off x="0" y="274638"/>
+            <a:ext cx="890588" cy="639763"/>
+          </a:xfrm>
+          <a:custGeom>
+            <a:avLst/>
+            <a:gdLst>
+              <a:gd name="connsiteX0" fmla="*/ 0 w 1029743"/>
+              <a:gd name="connsiteY0" fmla="*/ 0 h 739718"/>
+              <a:gd name="connsiteX1" fmla="*/ 659884 w 1029743"/>
+              <a:gd name="connsiteY1" fmla="*/ 0 h 739718"/>
+              <a:gd name="connsiteX2" fmla="*/ 1029743 w 1029743"/>
+              <a:gd name="connsiteY2" fmla="*/ 369859 h 739718"/>
+              <a:gd name="connsiteX3" fmla="*/ 659884 w 1029743"/>
+              <a:gd name="connsiteY3" fmla="*/ 739718 h 739718"/>
+              <a:gd name="connsiteX4" fmla="*/ 0 w 1029743"/>
+              <a:gd name="connsiteY4" fmla="*/ 739718 h 739718"/>
+            </a:gdLst>
+            <a:ahLst/>
+            <a:cxnLst>
+              <a:cxn ang="0">
+                <a:pos x="connsiteX0" y="connsiteY0"/>
+              </a:cxn>
+              <a:cxn ang="0">
+                <a:pos x="connsiteX1" y="connsiteY1"/>
+              </a:cxn>
+              <a:cxn ang="0">
+                <a:pos x="connsiteX2" y="connsiteY2"/>
+              </a:cxn>
+              <a:cxn ang="0">
+                <a:pos x="connsiteX3" y="connsiteY3"/>
+              </a:cxn>
+              <a:cxn ang="0">
+                <a:pos x="connsiteX4" y="connsiteY4"/>
+              </a:cxn>
+            </a:cxnLst>
+            <a:rect l="l" t="t" r="r" b="b"/>
+            <a:pathLst>
+              <a:path w="1029743" h="739718">
+                <a:moveTo>
+                  <a:pt x="0" y="0"/>
+                </a:moveTo>
+                <a:lnTo>
+                  <a:pt x="659884" y="0"/>
+                </a:lnTo>
+                <a:cubicBezTo>
+                  <a:pt x="864151" y="0"/>
+                  <a:pt x="1029743" y="165592"/>
+                  <a:pt x="1029743" y="369859"/>
+                </a:cubicBezTo>
+                <a:cubicBezTo>
+                  <a:pt x="1029743" y="574126"/>
+                  <a:pt x="864151" y="739718"/>
+                  <a:pt x="659884" y="739718"/>
+                </a:cubicBezTo>
+                <a:lnTo>
+                  <a:pt x="0" y="739718"/>
+                </a:lnTo>
+                <a:close/>
+              </a:path>
+            </a:pathLst>
+          </a:custGeom>
+          <a:solidFill>
+            <a:srgbClr val="05B780"/>
+          </a:solidFill>
+          <a:ln>
+            <a:noFill/>
+          </a:ln>
+        </p:spPr>
+        <p:style>
+          <a:lnRef idx="2">
+            <a:schemeClr val="accent1">
+              <a:shade val="50000"/>
+            </a:schemeClr>
+          </a:lnRef>
+          <a:fillRef idx="1">
+            <a:schemeClr val="accent1"/>
+          </a:fillRef>
+          <a:effectRef idx="0">
+            <a:schemeClr val="accent1"/>
+          </a:effectRef>
+          <a:fontRef idx="minor">
+            <a:schemeClr val="lt1"/>
+          </a:fontRef>
+        </p:style>
+        <p:txBody>
+          <a:bodyPr anchor="ctr"/>
+          <a:lstStyle/>
+          <a:p>
+            <a:pPr marL="0" marR="0" lvl="0" indent="0" algn="ctr" defTabSz="914400" rtl="0" eaLnBrk="1" fontAlgn="auto" latinLnBrk="0" hangingPunct="1">
+              <a:lnSpc>
+                <a:spcPct val="100000"/>
+              </a:lnSpc>
+              <a:spcBef>
+                <a:spcPts val="0"/>
+              </a:spcBef>
+              <a:spcAft>
+                <a:spcPts val="0"/>
+              </a:spcAft>
+              <a:buClrTx/>
+              <a:buSzTx/>
+              <a:buFontTx/>
+              <a:buNone/>
+              <a:defRPr/>
+            </a:pPr>
+            <a:endParaRPr kumimoji="0" lang="zh-CN" altLang="en-US" sz="1800" b="0" i="0" u="none" strike="noStrike" kern="1200" cap="none" spc="0" normalizeH="0" baseline="0" noProof="0">
+              <a:ln>
+                <a:noFill/>
+              </a:ln>
+              <a:solidFill>
+                <a:schemeClr val="bg1"/>
+              </a:solidFill>
+              <a:effectLst/>
+              <a:uLnTx/>
+              <a:uFillTx/>
+              <a:latin typeface="+mn-lt"/>
+              <a:ea typeface="+mn-ea"/>
+              <a:cs typeface="+mn-cs"/>
+            </a:endParaRPr>
+          </a:p>
+        </p:txBody>
+      </p:sp>
+      <p:sp>
+        <p:nvSpPr>
+          <p:cNvPr id="7170" name="文本框 156"/>
+          <p:cNvSpPr txBox="1"/>
+          <p:nvPr/>
+        </p:nvSpPr>
+        <p:spPr>
+          <a:xfrm>
+            <a:off x="0" y="350838"/>
+            <a:ext cx="814388" cy="521970"/>
+          </a:xfrm>
+          <a:prstGeom prst="rect">
+            <a:avLst/>
+          </a:prstGeom>
+          <a:noFill/>
+          <a:ln w="9525">
+            <a:noFill/>
+          </a:ln>
+        </p:spPr>
+        <p:txBody>
+          <a:bodyPr anchor="t" anchorCtr="0">
+            <a:spAutoFit/>
+          </a:bodyPr>
+          <a:p>
+            <a:pPr>
+              <a:buFont typeface="Arial" panose="020B0604020202020204" pitchFamily="34" charset="0"/>
+            </a:pPr>
+            <a:r>
+              <a:rPr lang="en-US" altLang="zh-CN" sz="2800" b="1" dirty="0">
+                <a:solidFill>
+                  <a:schemeClr val="bg1"/>
+                </a:solidFill>
+                <a:latin typeface="Microsoft YaHei" panose="020B0503020204020204" pitchFamily="34" charset="-122"/>
+                <a:ea typeface="Microsoft YaHei" panose="020B0503020204020204" pitchFamily="34" charset="-122"/>
+              </a:rPr>
+              <a:t>4.4</a:t>
+            </a:r>
+            <a:endParaRPr lang="en-US" altLang="zh-CN" sz="2800" b="1" dirty="0">
+              <a:solidFill>
+                <a:schemeClr val="bg1"/>
+              </a:solidFill>
+              <a:latin typeface="Microsoft YaHei" panose="020B0503020204020204" pitchFamily="34" charset="-122"/>
+              <a:ea typeface="Microsoft YaHei" panose="020B0503020204020204" pitchFamily="34" charset="-122"/>
+            </a:endParaRPr>
+          </a:p>
+        </p:txBody>
+      </p:sp>
+      <p:sp>
+        <p:nvSpPr>
+          <p:cNvPr id="16" name="Rectangle 6"/>
+          <p:cNvSpPr>
+            <a:spLocks noChangeArrowheads="1"/>
+          </p:cNvSpPr>
+          <p:nvPr/>
+        </p:nvSpPr>
+        <p:spPr bwMode="black">
+          <a:xfrm>
+            <a:off x="1021080" y="334010"/>
+            <a:ext cx="8777605" cy="521970"/>
+          </a:xfrm>
+          <a:prstGeom prst="rect">
+            <a:avLst/>
+          </a:prstGeom>
+          <a:noFill/>
+          <a:ln>
+            <a:noFill/>
+          </a:ln>
+          <a:effectLst/>
+          <a:extLst>
+            <a:ext uri="{909E8E84-426E-40DD-AFC4-6F175D3DCCD1}">
+              <a14:hiddenFill xmlns:a14="http://schemas.microsoft.com/office/drawing/2010/main">
+                <a:solidFill>
+                  <a:schemeClr val="accent1"/>
+                </a:solidFill>
+              </a14:hiddenFill>
+            </a:ext>
+            <a:ext uri="{91240B29-F687-4F45-9708-019B960494DF}">
+              <a14:hiddenLine xmlns:a14="http://schemas.microsoft.com/office/drawing/2010/main" w="9525">
+                <a:solidFill>
+                  <a:schemeClr val="tx1"/>
+                </a:solidFill>
+                <a:miter lim="800000"/>
+                <a:headEnd/>
+                <a:tailEnd/>
+              </a14:hiddenLine>
+            </a:ext>
+            <a:ext uri="{AF507438-7753-43E0-B8FC-AC1667EBCBE1}">
+              <a14:hiddenEffects xmlns:a14="http://schemas.microsoft.com/office/drawing/2010/main">
+                <a:effectLst>
+                  <a:outerShdw dist="35921" dir="2700000" algn="ctr" rotWithShape="0">
+                    <a:schemeClr val="bg2"/>
+                  </a:outerShdw>
+                </a:effectLst>
+              </a14:hiddenEffects>
+            </a:ext>
+          </a:extLst>
+        </p:spPr>
+        <p:txBody>
+          <a:bodyPr wrap="square">
+            <a:spAutoFit/>
+          </a:bodyPr>
+          <a:lstStyle/>
+          <a:p>
+            <a:pPr marL="0" marR="0" lvl="0" indent="0" algn="l" defTabSz="914400" rtl="0" eaLnBrk="0" fontAlgn="auto" latinLnBrk="0" hangingPunct="0">
+              <a:lnSpc>
+                <a:spcPct val="100000"/>
+              </a:lnSpc>
+              <a:spcBef>
+                <a:spcPts val="0"/>
+              </a:spcBef>
+              <a:spcAft>
+                <a:spcPts val="0"/>
+              </a:spcAft>
+              <a:buClrTx/>
+              <a:buSzTx/>
+              <a:buFontTx/>
+              <a:buNone/>
+              <a:defRPr/>
+            </a:pPr>
+            <a:r>
+              <a:rPr kumimoji="0" lang="en-US" altLang="zh-CN" sz="2800" b="1" i="0" u="none" strike="noStrike" kern="1200" cap="none" spc="0" normalizeH="0" baseline="0" noProof="0" dirty="0">
+                <a:ln>
+                  <a:noFill/>
+                </a:ln>
+                <a:solidFill>
+                  <a:schemeClr val="tx1">
+                    <a:lumMod val="85000"/>
+                    <a:lumOff val="15000"/>
+                  </a:schemeClr>
+                </a:solidFill>
+                <a:effectLst/>
+                <a:uLnTx/>
+                <a:uFillTx/>
+                <a:latin typeface="Microsoft YaHei" panose="020B0503020204020204" pitchFamily="34" charset="-122"/>
+                <a:ea typeface="Microsoft YaHei" panose="020B0503020204020204" pitchFamily="34" charset="-122"/>
+                <a:cs typeface="+mn-cs"/>
+                <a:sym typeface="+mn-ea"/>
+              </a:rPr>
+              <a:t>Homework</a:t>
+            </a:r>
+            <a:endParaRPr kumimoji="0" lang="en-US" altLang="zh-CN" sz="2800" b="1" i="0" u="none" strike="noStrike" kern="1200" cap="none" spc="0" normalizeH="0" baseline="0" noProof="0" dirty="0">
+              <a:ln>
+                <a:noFill/>
+              </a:ln>
+              <a:solidFill>
+                <a:schemeClr val="tx1">
+                  <a:lumMod val="85000"/>
+                  <a:lumOff val="15000"/>
+                </a:schemeClr>
+              </a:solidFill>
+              <a:effectLst/>
+              <a:uLnTx/>
+              <a:uFillTx/>
+              <a:latin typeface="Microsoft YaHei" panose="020B0503020204020204" pitchFamily="34" charset="-122"/>
+              <a:ea typeface="Microsoft YaHei" panose="020B0503020204020204" pitchFamily="34" charset="-122"/>
+              <a:cs typeface="+mn-cs"/>
+              <a:sym typeface="+mn-ea"/>
+            </a:endParaRPr>
+          </a:p>
+        </p:txBody>
+      </p:sp>
+      <p:sp>
+        <p:nvSpPr>
+          <p:cNvPr id="3" name="Content Placeholder 2"/>
+          <p:cNvSpPr/>
+          <p:nvPr>
+            <p:ph idx="1"/>
+          </p:nvPr>
+        </p:nvSpPr>
+        <p:spPr>
+          <a:xfrm>
+            <a:off x="890905" y="1183640"/>
+            <a:ext cx="10515600" cy="4351338"/>
+          </a:xfrm>
+        </p:spPr>
+        <p:txBody>
+          <a:bodyPr/>
+          <a:p>
+            <a:endParaRPr lang="en-US" sz="1710"/>
+          </a:p>
+        </p:txBody>
+      </p:sp>
+    </p:spTree>
+  </p:cSld>
+  <p:clrMapOvr>
+    <a:masterClrMapping/>
+  </p:clrMapOvr>
+  <p:transition spd="slow">
+    <p:wipe/>
+  </p:transition>
+</p:sld>
+</file>
+
+<file path=ppt/slides/slide31.xml><?xml version="1.0" encoding="utf-8"?>
+<p:sld xmlns:a="http://schemas.openxmlformats.org/drawingml/2006/main" xmlns:r="http://schemas.openxmlformats.org/officeDocument/2006/relationships" xmlns:p="http://schemas.openxmlformats.org/presentationml/2006/main">
+  <p:cSld>
+    <p:spTree>
+      <p:nvGrpSpPr>
+        <p:cNvPr id="1" name=""/>
+        <p:cNvGrpSpPr/>
+        <p:nvPr/>
+      </p:nvGrpSpPr>
+      <p:grpSpPr/>
+      <p:sp>
+        <p:nvSpPr>
+          <p:cNvPr id="27" name="任意多边形 26"/>
+          <p:cNvSpPr/>
+          <p:nvPr/>
+        </p:nvSpPr>
+        <p:spPr>
+          <a:xfrm rot="1105229">
+            <a:off x="879475" y="-420687"/>
+            <a:ext cx="10955338" cy="8162925"/>
+          </a:xfrm>
+          <a:custGeom>
+            <a:avLst/>
+            <a:gdLst>
+              <a:gd name="connsiteX0" fmla="*/ 592396 w 10955364"/>
+              <a:gd name="connsiteY0" fmla="*/ 1850814 h 8163749"/>
+              <a:gd name="connsiteX1" fmla="*/ 1543995 w 10955364"/>
+              <a:gd name="connsiteY1" fmla="*/ 1533881 h 8163749"/>
+              <a:gd name="connsiteX2" fmla="*/ 6955594 w 10955364"/>
+              <a:gd name="connsiteY2" fmla="*/ 1533882 h 8163749"/>
+              <a:gd name="connsiteX3" fmla="*/ 5829846 w 10955364"/>
+              <a:gd name="connsiteY3" fmla="*/ 106467 h 8163749"/>
+              <a:gd name="connsiteX4" fmla="*/ 6149516 w 10955364"/>
+              <a:gd name="connsiteY4" fmla="*/ 0 h 8163749"/>
+              <a:gd name="connsiteX5" fmla="*/ 9448032 w 10955364"/>
+              <a:gd name="connsiteY5" fmla="*/ 4182420 h 8163749"/>
+              <a:gd name="connsiteX6" fmla="*/ 10818039 w 10955364"/>
+              <a:gd name="connsiteY6" fmla="*/ 1649166 h 8163749"/>
+              <a:gd name="connsiteX7" fmla="*/ 10955364 w 10955364"/>
+              <a:gd name="connsiteY7" fmla="*/ 2061488 h 8163749"/>
+              <a:gd name="connsiteX8" fmla="*/ 8602988 w 10955364"/>
+              <a:gd name="connsiteY8" fmla="*/ 6411222 h 8163749"/>
+              <a:gd name="connsiteX9" fmla="*/ 8163520 w 10955364"/>
+              <a:gd name="connsiteY9" fmla="*/ 6557588 h 8163749"/>
+              <a:gd name="connsiteX10" fmla="*/ 9283839 w 10955364"/>
+              <a:gd name="connsiteY10" fmla="*/ 4486027 h 8163749"/>
+              <a:gd name="connsiteX11" fmla="*/ 7205549 w 10955364"/>
+              <a:gd name="connsiteY11" fmla="*/ 1850816 h 8163749"/>
+              <a:gd name="connsiteX12" fmla="*/ 3551417 w 10955364"/>
+              <a:gd name="connsiteY12" fmla="*/ 1850816 h 8163749"/>
+              <a:gd name="connsiteX13" fmla="*/ 1816446 w 10955364"/>
+              <a:gd name="connsiteY13" fmla="*/ 5058920 h 8163749"/>
+              <a:gd name="connsiteX14" fmla="*/ 4088911 w 10955364"/>
+              <a:gd name="connsiteY14" fmla="*/ 7914648 h 8163749"/>
+              <a:gd name="connsiteX15" fmla="*/ 3768735 w 10955364"/>
+              <a:gd name="connsiteY15" fmla="*/ 8021284 h 8163749"/>
+              <a:gd name="connsiteX16" fmla="*/ 1652559 w 10955364"/>
+              <a:gd name="connsiteY16" fmla="*/ 5361960 h 8163749"/>
+              <a:gd name="connsiteX17" fmla="*/ 137325 w 10955364"/>
+              <a:gd name="connsiteY17" fmla="*/ 8163749 h 8163749"/>
+              <a:gd name="connsiteX18" fmla="*/ 0 w 10955364"/>
+              <a:gd name="connsiteY18" fmla="*/ 7751427 h 8163749"/>
+              <a:gd name="connsiteX19" fmla="*/ 3191107 w 10955364"/>
+              <a:gd name="connsiteY19" fmla="*/ 1850815 h 8163749"/>
+            </a:gdLst>
+            <a:ahLst/>
+            <a:cxnLst>
+              <a:cxn ang="0">
+                <a:pos x="connsiteX0" y="connsiteY0"/>
+              </a:cxn>
+              <a:cxn ang="0">
+                <a:pos x="connsiteX1" y="connsiteY1"/>
+              </a:cxn>
+              <a:cxn ang="0">
+                <a:pos x="connsiteX2" y="connsiteY2"/>
+              </a:cxn>
+              <a:cxn ang="0">
+                <a:pos x="connsiteX3" y="connsiteY3"/>
+              </a:cxn>
+              <a:cxn ang="0">
+                <a:pos x="connsiteX4" y="connsiteY4"/>
+              </a:cxn>
+              <a:cxn ang="0">
+                <a:pos x="connsiteX5" y="connsiteY5"/>
+              </a:cxn>
+              <a:cxn ang="0">
+                <a:pos x="connsiteX6" y="connsiteY6"/>
+              </a:cxn>
+              <a:cxn ang="0">
+                <a:pos x="connsiteX7" y="connsiteY7"/>
+              </a:cxn>
+              <a:cxn ang="0">
+                <a:pos x="connsiteX8" y="connsiteY8"/>
+              </a:cxn>
+              <a:cxn ang="0">
+                <a:pos x="connsiteX9" y="connsiteY9"/>
+              </a:cxn>
+              <a:cxn ang="0">
+                <a:pos x="connsiteX10" y="connsiteY10"/>
+              </a:cxn>
+              <a:cxn ang="0">
+                <a:pos x="connsiteX11" y="connsiteY11"/>
+              </a:cxn>
+              <a:cxn ang="0">
+                <a:pos x="connsiteX12" y="connsiteY12"/>
+              </a:cxn>
+              <a:cxn ang="0">
+                <a:pos x="connsiteX13" y="connsiteY13"/>
+              </a:cxn>
+              <a:cxn ang="0">
+                <a:pos x="connsiteX14" y="connsiteY14"/>
+              </a:cxn>
+              <a:cxn ang="0">
+                <a:pos x="connsiteX15" y="connsiteY15"/>
+              </a:cxn>
+              <a:cxn ang="0">
+                <a:pos x="connsiteX16" y="connsiteY16"/>
+              </a:cxn>
+              <a:cxn ang="0">
+                <a:pos x="connsiteX17" y="connsiteY17"/>
+              </a:cxn>
+              <a:cxn ang="0">
+                <a:pos x="connsiteX18" y="connsiteY18"/>
+              </a:cxn>
+              <a:cxn ang="0">
+                <a:pos x="connsiteX19" y="connsiteY19"/>
+              </a:cxn>
+            </a:cxnLst>
+            <a:rect l="l" t="t" r="r" b="b"/>
+            <a:pathLst>
+              <a:path w="10955364" h="8163749">
+                <a:moveTo>
+                  <a:pt x="592396" y="1850814"/>
+                </a:moveTo>
+                <a:lnTo>
+                  <a:pt x="1543995" y="1533881"/>
+                </a:lnTo>
+                <a:lnTo>
+                  <a:pt x="6955594" y="1533882"/>
+                </a:lnTo>
+                <a:lnTo>
+                  <a:pt x="5829846" y="106467"/>
+                </a:lnTo>
+                <a:lnTo>
+                  <a:pt x="6149516" y="0"/>
+                </a:lnTo>
+                <a:lnTo>
+                  <a:pt x="9448032" y="4182420"/>
+                </a:lnTo>
+                <a:lnTo>
+                  <a:pt x="10818039" y="1649166"/>
+                </a:lnTo>
+                <a:lnTo>
+                  <a:pt x="10955364" y="2061488"/>
+                </a:lnTo>
+                <a:lnTo>
+                  <a:pt x="8602988" y="6411222"/>
+                </a:lnTo>
+                <a:lnTo>
+                  <a:pt x="8163520" y="6557588"/>
+                </a:lnTo>
+                <a:lnTo>
+                  <a:pt x="9283839" y="4486027"/>
+                </a:lnTo>
+                <a:lnTo>
+                  <a:pt x="7205549" y="1850816"/>
+                </a:lnTo>
+                <a:lnTo>
+                  <a:pt x="3551417" y="1850816"/>
+                </a:lnTo>
+                <a:lnTo>
+                  <a:pt x="1816446" y="5058920"/>
+                </a:lnTo>
+                <a:lnTo>
+                  <a:pt x="4088911" y="7914648"/>
+                </a:lnTo>
+                <a:lnTo>
+                  <a:pt x="3768735" y="8021284"/>
+                </a:lnTo>
+                <a:lnTo>
+                  <a:pt x="1652559" y="5361960"/>
+                </a:lnTo>
+                <a:lnTo>
+                  <a:pt x="137325" y="8163749"/>
+                </a:lnTo>
+                <a:lnTo>
+                  <a:pt x="0" y="7751427"/>
+                </a:lnTo>
+                <a:lnTo>
+                  <a:pt x="3191107" y="1850815"/>
+                </a:lnTo>
+                <a:close/>
+              </a:path>
+            </a:pathLst>
+          </a:custGeom>
+          <a:solidFill>
+            <a:srgbClr val="05B780"/>
+          </a:solidFill>
+          <a:ln>
+            <a:noFill/>
+          </a:ln>
+        </p:spPr>
+        <p:style>
+          <a:lnRef idx="2">
+            <a:schemeClr val="accent1">
+              <a:shade val="50000"/>
+            </a:schemeClr>
+          </a:lnRef>
+          <a:fillRef idx="1">
+            <a:schemeClr val="accent1"/>
+          </a:fillRef>
+          <a:effectRef idx="0">
+            <a:schemeClr val="accent1"/>
+          </a:effectRef>
+          <a:fontRef idx="minor">
+            <a:schemeClr val="lt1"/>
+          </a:fontRef>
+        </p:style>
+        <p:txBody>
+          <a:bodyPr anchor="ctr"/>
+          <a:lstStyle/>
+          <a:p>
+            <a:pPr marL="0" marR="0" lvl="0" indent="0" algn="ctr" defTabSz="914400" rtl="0" eaLnBrk="1" fontAlgn="auto" latinLnBrk="0" hangingPunct="1">
+              <a:lnSpc>
+                <a:spcPct val="100000"/>
+              </a:lnSpc>
+              <a:spcBef>
+                <a:spcPts val="0"/>
+              </a:spcBef>
+              <a:spcAft>
+                <a:spcPts val="0"/>
+              </a:spcAft>
+              <a:buClrTx/>
+              <a:buSzTx/>
+              <a:buFontTx/>
+              <a:buNone/>
+              <a:defRPr/>
+            </a:pPr>
+            <a:endParaRPr kumimoji="0" lang="zh-CN" altLang="en-US" sz="1800" b="0" i="0" u="none" strike="noStrike" kern="1200" cap="none" spc="0" normalizeH="0" baseline="0" noProof="0">
+              <a:ln>
+                <a:noFill/>
+              </a:ln>
+              <a:solidFill>
+                <a:schemeClr val="lt1"/>
+              </a:solidFill>
+              <a:effectLst/>
+              <a:uLnTx/>
+              <a:uFillTx/>
+              <a:latin typeface="+mn-lt"/>
+              <a:ea typeface="+mn-ea"/>
+              <a:cs typeface="+mn-cs"/>
+            </a:endParaRPr>
+          </a:p>
+        </p:txBody>
+      </p:sp>
+      <p:sp>
+        <p:nvSpPr>
+          <p:cNvPr id="33794" name="Freeform 21"/>
+          <p:cNvSpPr/>
+          <p:nvPr/>
+        </p:nvSpPr>
+        <p:spPr>
+          <a:xfrm>
+            <a:off x="5489575" y="2338388"/>
+            <a:ext cx="1212850" cy="844550"/>
+          </a:xfrm>
+          <a:custGeom>
+            <a:avLst/>
+            <a:gdLst/>
+            <a:ahLst/>
+            <a:cxnLst>
+              <a:cxn ang="0">
+                <a:pos x="1100886755" y="0"/>
+              </a:cxn>
+              <a:cxn ang="0">
+                <a:pos x="901305125" y="0"/>
+              </a:cxn>
+              <a:cxn ang="0">
+                <a:pos x="748202390" y="0"/>
+              </a:cxn>
+              <a:cxn ang="0">
+                <a:pos x="648867110" y="132852886"/>
+              </a:cxn>
+              <a:cxn ang="0">
+                <a:pos x="561379560" y="307852838"/>
+              </a:cxn>
+              <a:cxn ang="0">
+                <a:pos x="476625220" y="476439190"/>
+              </a:cxn>
+              <a:cxn ang="0">
+                <a:pos x="402807540" y="624868373"/>
+              </a:cxn>
+              <a:cxn ang="0">
+                <a:pos x="349039130" y="518586256"/>
+              </a:cxn>
+              <a:cxn ang="0">
+                <a:pos x="241502310" y="302355603"/>
+              </a:cxn>
+              <a:cxn ang="0">
+                <a:pos x="155837855" y="131937478"/>
+              </a:cxn>
+              <a:cxn ang="0">
+                <a:pos x="145813220" y="110863944"/>
+              </a:cxn>
+              <a:cxn ang="0">
+                <a:pos x="311674755" y="110863944"/>
+              </a:cxn>
+              <a:cxn ang="0">
+                <a:pos x="375467800" y="110863944"/>
+              </a:cxn>
+              <a:cxn ang="0">
+                <a:pos x="424679905" y="208900687"/>
+              </a:cxn>
+              <a:cxn ang="0">
+                <a:pos x="501231750" y="362827106"/>
+              </a:cxn>
+              <a:cxn ang="0">
+                <a:pos x="556822300" y="253795893"/>
+              </a:cxn>
+              <a:cxn ang="0">
+                <a:pos x="559556465" y="232722360"/>
+              </a:cxn>
+              <a:cxn ang="0">
+                <a:pos x="485738785" y="86125907"/>
+              </a:cxn>
+              <a:cxn ang="0">
+                <a:pos x="395517070" y="0"/>
+              </a:cxn>
+              <a:cxn ang="0">
+                <a:pos x="114827290" y="0"/>
+              </a:cxn>
+              <a:cxn ang="0">
+                <a:pos x="40098540" y="2749096"/>
+              </a:cxn>
+              <a:cxn ang="0">
+                <a:pos x="7290470" y="80628671"/>
+              </a:cxn>
+              <a:cxn ang="0">
+                <a:pos x="54679480" y="174999952"/>
+              </a:cxn>
+              <a:cxn ang="0">
+                <a:pos x="154925830" y="375654308"/>
+              </a:cxn>
+              <a:cxn ang="0">
+                <a:pos x="264285745" y="594633100"/>
+              </a:cxn>
+              <a:cxn ang="0">
+                <a:pos x="339926520" y="745811381"/>
+              </a:cxn>
+              <a:cxn ang="0">
+                <a:pos x="370000425" y="793454725"/>
+              </a:cxn>
+              <a:cxn ang="0">
+                <a:pos x="453842740" y="768716687"/>
+              </a:cxn>
+              <a:cxn ang="0">
+                <a:pos x="516723760" y="642277402"/>
+              </a:cxn>
+              <a:cxn ang="0">
+                <a:pos x="578694665" y="518586256"/>
+              </a:cxn>
+              <a:cxn ang="0">
+                <a:pos x="668916380" y="338089069"/>
+              </a:cxn>
+              <a:cxn ang="0">
+                <a:pos x="716305390" y="242800465"/>
+              </a:cxn>
+              <a:cxn ang="0">
+                <a:pos x="781921530" y="110863944"/>
+              </a:cxn>
+              <a:cxn ang="0">
+                <a:pos x="920443325" y="110863944"/>
+              </a:cxn>
+              <a:cxn ang="0">
+                <a:pos x="1010665040" y="110863944"/>
+              </a:cxn>
+              <a:cxn ang="0">
+                <a:pos x="986970535" y="162172751"/>
+              </a:cxn>
+              <a:cxn ang="0">
+                <a:pos x="888547280" y="359161644"/>
+              </a:cxn>
+              <a:cxn ang="0">
+                <a:pos x="786477835" y="561648731"/>
+              </a:cxn>
+              <a:cxn ang="0">
+                <a:pos x="755492860" y="623952008"/>
+              </a:cxn>
+              <a:cxn ang="0">
+                <a:pos x="668005310" y="450784787"/>
+              </a:cxn>
+              <a:cxn ang="0">
+                <a:pos x="597832865" y="543324294"/>
+              </a:cxn>
+              <a:cxn ang="0">
+                <a:pos x="634286170" y="629450201"/>
+              </a:cxn>
+              <a:cxn ang="0">
+                <a:pos x="708103850" y="776963019"/>
+              </a:cxn>
+              <a:cxn ang="0">
+                <a:pos x="808350200" y="764135817"/>
+              </a:cxn>
+              <a:cxn ang="0">
+                <a:pos x="873054315" y="636780167"/>
+              </a:cxn>
+              <a:cxn ang="0">
+                <a:pos x="985148395" y="411386816"/>
+              </a:cxn>
+              <a:cxn ang="0">
+                <a:pos x="1094507355" y="191491658"/>
+              </a:cxn>
+              <a:cxn ang="0">
+                <a:pos x="1150098860" y="81544079"/>
+              </a:cxn>
+            </a:cxnLst>
+            <a:pathLst>
+              <a:path w="1270" h="882">
+                <a:moveTo>
+                  <a:pt x="1268" y="57"/>
+                </a:moveTo>
+                <a:cubicBezTo>
+                  <a:pt x="1268" y="40"/>
+                  <a:pt x="1259" y="24"/>
+                  <a:pt x="1246" y="14"/>
+                </a:cubicBezTo>
+                <a:cubicBezTo>
+                  <a:pt x="1235" y="5"/>
+                  <a:pt x="1222" y="1"/>
+                  <a:pt x="1208" y="0"/>
+                </a:cubicBezTo>
+                <a:cubicBezTo>
+                  <a:pt x="1203" y="0"/>
+                  <a:pt x="1199" y="0"/>
+                  <a:pt x="1194" y="0"/>
+                </a:cubicBezTo>
+                <a:cubicBezTo>
+                  <a:pt x="1165" y="0"/>
+                  <a:pt x="1137" y="0"/>
+                  <a:pt x="1109" y="0"/>
+                </a:cubicBezTo>
+                <a:cubicBezTo>
+                  <a:pt x="1069" y="0"/>
+                  <a:pt x="1029" y="0"/>
+                  <a:pt x="989" y="0"/>
+                </a:cubicBezTo>
+                <a:cubicBezTo>
+                  <a:pt x="952" y="0"/>
+                  <a:pt x="915" y="0"/>
+                  <a:pt x="878" y="0"/>
+                </a:cubicBezTo>
+                <a:cubicBezTo>
+                  <a:pt x="859" y="0"/>
+                  <a:pt x="841" y="0"/>
+                  <a:pt x="822" y="0"/>
+                </a:cubicBezTo>
+                <a:cubicBezTo>
+                  <a:pt x="822" y="0"/>
+                  <a:pt x="822" y="0"/>
+                  <a:pt x="821" y="0"/>
+                </a:cubicBezTo>
+                <a:cubicBezTo>
+                  <a:pt x="798" y="1"/>
+                  <a:pt x="778" y="14"/>
+                  <a:pt x="767" y="35"/>
+                </a:cubicBezTo>
+                <a:cubicBezTo>
+                  <a:pt x="763" y="42"/>
+                  <a:pt x="760" y="49"/>
+                  <a:pt x="756" y="56"/>
+                </a:cubicBezTo>
+                <a:cubicBezTo>
+                  <a:pt x="741" y="86"/>
+                  <a:pt x="726" y="115"/>
+                  <a:pt x="712" y="145"/>
+                </a:cubicBezTo>
+                <a:cubicBezTo>
+                  <a:pt x="699" y="171"/>
+                  <a:pt x="686" y="197"/>
+                  <a:pt x="673" y="223"/>
+                </a:cubicBezTo>
+                <a:cubicBezTo>
+                  <a:pt x="668" y="232"/>
+                  <a:pt x="663" y="242"/>
+                  <a:pt x="658" y="251"/>
+                </a:cubicBezTo>
+                <a:cubicBezTo>
+                  <a:pt x="644" y="279"/>
+                  <a:pt x="630" y="308"/>
+                  <a:pt x="616" y="336"/>
+                </a:cubicBezTo>
+                <a:cubicBezTo>
+                  <a:pt x="601" y="365"/>
+                  <a:pt x="586" y="395"/>
+                  <a:pt x="571" y="424"/>
+                </a:cubicBezTo>
+                <a:cubicBezTo>
+                  <a:pt x="566" y="435"/>
+                  <a:pt x="561" y="445"/>
+                  <a:pt x="556" y="455"/>
+                </a:cubicBezTo>
+                <a:cubicBezTo>
+                  <a:pt x="545" y="477"/>
+                  <a:pt x="534" y="498"/>
+                  <a:pt x="523" y="520"/>
+                </a:cubicBezTo>
+                <a:cubicBezTo>
+                  <a:pt x="507" y="552"/>
+                  <a:pt x="491" y="584"/>
+                  <a:pt x="475" y="616"/>
+                </a:cubicBezTo>
+                <a:cubicBezTo>
+                  <a:pt x="464" y="637"/>
+                  <a:pt x="454" y="658"/>
+                  <a:pt x="443" y="679"/>
+                </a:cubicBezTo>
+                <a:cubicBezTo>
+                  <a:pt x="443" y="680"/>
+                  <a:pt x="442" y="681"/>
+                  <a:pt x="442" y="682"/>
+                </a:cubicBezTo>
+                <a:cubicBezTo>
+                  <a:pt x="439" y="677"/>
+                  <a:pt x="437" y="672"/>
+                  <a:pt x="434" y="667"/>
+                </a:cubicBezTo>
+                <a:cubicBezTo>
+                  <a:pt x="427" y="654"/>
+                  <a:pt x="421" y="640"/>
+                  <a:pt x="414" y="627"/>
+                </a:cubicBezTo>
+                <a:cubicBezTo>
+                  <a:pt x="404" y="606"/>
+                  <a:pt x="394" y="586"/>
+                  <a:pt x="383" y="566"/>
+                </a:cubicBezTo>
+                <a:cubicBezTo>
+                  <a:pt x="371" y="542"/>
+                  <a:pt x="359" y="517"/>
+                  <a:pt x="346" y="492"/>
+                </a:cubicBezTo>
+                <a:cubicBezTo>
+                  <a:pt x="333" y="466"/>
+                  <a:pt x="319" y="439"/>
+                  <a:pt x="306" y="412"/>
+                </a:cubicBezTo>
+                <a:cubicBezTo>
+                  <a:pt x="292" y="385"/>
+                  <a:pt x="279" y="357"/>
+                  <a:pt x="265" y="330"/>
+                </a:cubicBezTo>
+                <a:cubicBezTo>
+                  <a:pt x="252" y="305"/>
+                  <a:pt x="240" y="280"/>
+                  <a:pt x="227" y="254"/>
+                </a:cubicBezTo>
+                <a:cubicBezTo>
+                  <a:pt x="216" y="233"/>
+                  <a:pt x="205" y="211"/>
+                  <a:pt x="195" y="190"/>
+                </a:cubicBezTo>
+                <a:cubicBezTo>
+                  <a:pt x="187" y="175"/>
+                  <a:pt x="179" y="159"/>
+                  <a:pt x="171" y="144"/>
+                </a:cubicBezTo>
+                <a:cubicBezTo>
+                  <a:pt x="169" y="139"/>
+                  <a:pt x="167" y="134"/>
+                  <a:pt x="164" y="130"/>
+                </a:cubicBezTo>
+                <a:cubicBezTo>
+                  <a:pt x="163" y="127"/>
+                  <a:pt x="161" y="124"/>
+                  <a:pt x="160" y="122"/>
+                </a:cubicBezTo>
+                <a:cubicBezTo>
+                  <a:pt x="160" y="122"/>
+                  <a:pt x="160" y="121"/>
+                  <a:pt x="160" y="121"/>
+                </a:cubicBezTo>
+                <a:cubicBezTo>
+                  <a:pt x="170" y="121"/>
+                  <a:pt x="180" y="121"/>
+                  <a:pt x="191" y="121"/>
+                </a:cubicBezTo>
+                <a:cubicBezTo>
+                  <a:pt x="214" y="121"/>
+                  <a:pt x="238" y="121"/>
+                  <a:pt x="261" y="121"/>
+                </a:cubicBezTo>
+                <a:cubicBezTo>
+                  <a:pt x="288" y="121"/>
+                  <a:pt x="315" y="121"/>
+                  <a:pt x="342" y="121"/>
+                </a:cubicBezTo>
+                <a:cubicBezTo>
+                  <a:pt x="361" y="121"/>
+                  <a:pt x="381" y="121"/>
+                  <a:pt x="400" y="121"/>
+                </a:cubicBezTo>
+                <a:cubicBezTo>
+                  <a:pt x="403" y="121"/>
+                  <a:pt x="405" y="121"/>
+                  <a:pt x="408" y="121"/>
+                </a:cubicBezTo>
+                <a:cubicBezTo>
+                  <a:pt x="409" y="121"/>
+                  <a:pt x="411" y="121"/>
+                  <a:pt x="412" y="121"/>
+                </a:cubicBezTo>
+                <a:cubicBezTo>
+                  <a:pt x="413" y="122"/>
+                  <a:pt x="413" y="124"/>
+                  <a:pt x="414" y="125"/>
+                </a:cubicBezTo>
+                <a:cubicBezTo>
+                  <a:pt x="420" y="138"/>
+                  <a:pt x="427" y="151"/>
+                  <a:pt x="433" y="163"/>
+                </a:cubicBezTo>
+                <a:cubicBezTo>
+                  <a:pt x="444" y="185"/>
+                  <a:pt x="455" y="207"/>
+                  <a:pt x="466" y="228"/>
+                </a:cubicBezTo>
+                <a:cubicBezTo>
+                  <a:pt x="478" y="253"/>
+                  <a:pt x="490" y="277"/>
+                  <a:pt x="502" y="301"/>
+                </a:cubicBezTo>
+                <a:cubicBezTo>
+                  <a:pt x="513" y="322"/>
+                  <a:pt x="523" y="342"/>
+                  <a:pt x="533" y="363"/>
+                </a:cubicBezTo>
+                <a:cubicBezTo>
+                  <a:pt x="539" y="374"/>
+                  <a:pt x="544" y="385"/>
+                  <a:pt x="550" y="396"/>
+                </a:cubicBezTo>
+                <a:cubicBezTo>
+                  <a:pt x="550" y="396"/>
+                  <a:pt x="550" y="397"/>
+                  <a:pt x="551" y="397"/>
+                </a:cubicBezTo>
+                <a:cubicBezTo>
+                  <a:pt x="563" y="373"/>
+                  <a:pt x="575" y="348"/>
+                  <a:pt x="588" y="323"/>
+                </a:cubicBezTo>
+                <a:cubicBezTo>
+                  <a:pt x="596" y="308"/>
+                  <a:pt x="603" y="292"/>
+                  <a:pt x="611" y="277"/>
+                </a:cubicBezTo>
+                <a:cubicBezTo>
+                  <a:pt x="613" y="273"/>
+                  <a:pt x="615" y="269"/>
+                  <a:pt x="617" y="265"/>
+                </a:cubicBezTo>
+                <a:cubicBezTo>
+                  <a:pt x="618" y="263"/>
+                  <a:pt x="618" y="263"/>
+                  <a:pt x="618" y="262"/>
+                </a:cubicBezTo>
+                <a:cubicBezTo>
+                  <a:pt x="617" y="259"/>
+                  <a:pt x="615" y="257"/>
+                  <a:pt x="614" y="254"/>
+                </a:cubicBezTo>
+                <a:cubicBezTo>
+                  <a:pt x="612" y="250"/>
+                  <a:pt x="609" y="245"/>
+                  <a:pt x="607" y="240"/>
+                </a:cubicBezTo>
+                <a:cubicBezTo>
+                  <a:pt x="600" y="226"/>
+                  <a:pt x="593" y="212"/>
+                  <a:pt x="586" y="198"/>
+                </a:cubicBezTo>
+                <a:cubicBezTo>
+                  <a:pt x="568" y="163"/>
+                  <a:pt x="551" y="128"/>
+                  <a:pt x="533" y="94"/>
+                </a:cubicBezTo>
+                <a:cubicBezTo>
+                  <a:pt x="523" y="74"/>
+                  <a:pt x="514" y="54"/>
+                  <a:pt x="503" y="34"/>
+                </a:cubicBezTo>
+                <a:cubicBezTo>
+                  <a:pt x="492" y="13"/>
+                  <a:pt x="472" y="1"/>
+                  <a:pt x="449" y="0"/>
+                </a:cubicBezTo>
+                <a:cubicBezTo>
+                  <a:pt x="444" y="0"/>
+                  <a:pt x="439" y="0"/>
+                  <a:pt x="434" y="0"/>
+                </a:cubicBezTo>
+                <a:cubicBezTo>
+                  <a:pt x="406" y="0"/>
+                  <a:pt x="379" y="0"/>
+                  <a:pt x="352" y="0"/>
+                </a:cubicBezTo>
+                <a:cubicBezTo>
+                  <a:pt x="313" y="0"/>
+                  <a:pt x="274" y="0"/>
+                  <a:pt x="236" y="0"/>
+                </a:cubicBezTo>
+                <a:cubicBezTo>
+                  <a:pt x="199" y="0"/>
+                  <a:pt x="163" y="0"/>
+                  <a:pt x="126" y="0"/>
+                </a:cubicBezTo>
+                <a:cubicBezTo>
+                  <a:pt x="106" y="0"/>
+                  <a:pt x="85" y="0"/>
+                  <a:pt x="65" y="0"/>
+                </a:cubicBezTo>
+                <a:cubicBezTo>
+                  <a:pt x="64" y="0"/>
+                  <a:pt x="63" y="0"/>
+                  <a:pt x="62" y="0"/>
+                </a:cubicBezTo>
+                <a:cubicBezTo>
+                  <a:pt x="56" y="1"/>
+                  <a:pt x="50" y="1"/>
+                  <a:pt x="44" y="3"/>
+                </a:cubicBezTo>
+                <a:cubicBezTo>
+                  <a:pt x="38" y="5"/>
+                  <a:pt x="33" y="8"/>
+                  <a:pt x="28" y="11"/>
+                </a:cubicBezTo>
+                <a:cubicBezTo>
+                  <a:pt x="16" y="19"/>
+                  <a:pt x="8" y="31"/>
+                  <a:pt x="4" y="44"/>
+                </a:cubicBezTo>
+                <a:cubicBezTo>
+                  <a:pt x="0" y="60"/>
+                  <a:pt x="2" y="74"/>
+                  <a:pt x="8" y="88"/>
+                </a:cubicBezTo>
+                <a:cubicBezTo>
+                  <a:pt x="11" y="94"/>
+                  <a:pt x="14" y="99"/>
+                  <a:pt x="16" y="104"/>
+                </a:cubicBezTo>
+                <a:cubicBezTo>
+                  <a:pt x="22" y="116"/>
+                  <a:pt x="28" y="128"/>
+                  <a:pt x="34" y="139"/>
+                </a:cubicBezTo>
+                <a:cubicBezTo>
+                  <a:pt x="43" y="157"/>
+                  <a:pt x="52" y="174"/>
+                  <a:pt x="60" y="191"/>
+                </a:cubicBezTo>
+                <a:cubicBezTo>
+                  <a:pt x="71" y="213"/>
+                  <a:pt x="82" y="234"/>
+                  <a:pt x="93" y="256"/>
+                </a:cubicBezTo>
+                <a:cubicBezTo>
+                  <a:pt x="105" y="281"/>
+                  <a:pt x="118" y="305"/>
+                  <a:pt x="130" y="330"/>
+                </a:cubicBezTo>
+                <a:cubicBezTo>
+                  <a:pt x="143" y="357"/>
+                  <a:pt x="157" y="383"/>
+                  <a:pt x="170" y="410"/>
+                </a:cubicBezTo>
+                <a:cubicBezTo>
+                  <a:pt x="184" y="437"/>
+                  <a:pt x="198" y="465"/>
+                  <a:pt x="211" y="492"/>
+                </a:cubicBezTo>
+                <a:cubicBezTo>
+                  <a:pt x="225" y="519"/>
+                  <a:pt x="238" y="546"/>
+                  <a:pt x="252" y="573"/>
+                </a:cubicBezTo>
+                <a:cubicBezTo>
+                  <a:pt x="265" y="598"/>
+                  <a:pt x="277" y="624"/>
+                  <a:pt x="290" y="649"/>
+                </a:cubicBezTo>
+                <a:cubicBezTo>
+                  <a:pt x="302" y="672"/>
+                  <a:pt x="313" y="694"/>
+                  <a:pt x="324" y="717"/>
+                </a:cubicBezTo>
+                <a:cubicBezTo>
+                  <a:pt x="334" y="736"/>
+                  <a:pt x="343" y="755"/>
+                  <a:pt x="353" y="773"/>
+                </a:cubicBezTo>
+                <a:cubicBezTo>
+                  <a:pt x="359" y="787"/>
+                  <a:pt x="366" y="801"/>
+                  <a:pt x="373" y="814"/>
+                </a:cubicBezTo>
+                <a:cubicBezTo>
+                  <a:pt x="377" y="822"/>
+                  <a:pt x="381" y="829"/>
+                  <a:pt x="384" y="836"/>
+                </a:cubicBezTo>
+                <a:cubicBezTo>
+                  <a:pt x="385" y="837"/>
+                  <a:pt x="385" y="838"/>
+                  <a:pt x="386" y="839"/>
+                </a:cubicBezTo>
+                <a:cubicBezTo>
+                  <a:pt x="391" y="850"/>
+                  <a:pt x="397" y="859"/>
+                  <a:pt x="406" y="866"/>
+                </a:cubicBezTo>
+                <a:cubicBezTo>
+                  <a:pt x="417" y="874"/>
+                  <a:pt x="430" y="877"/>
+                  <a:pt x="442" y="877"/>
+                </a:cubicBezTo>
+                <a:cubicBezTo>
+                  <a:pt x="455" y="877"/>
+                  <a:pt x="467" y="873"/>
+                  <a:pt x="478" y="866"/>
+                </a:cubicBezTo>
+                <a:cubicBezTo>
+                  <a:pt x="487" y="859"/>
+                  <a:pt x="493" y="850"/>
+                  <a:pt x="498" y="839"/>
+                </a:cubicBezTo>
+                <a:cubicBezTo>
+                  <a:pt x="499" y="837"/>
+                  <a:pt x="500" y="834"/>
+                  <a:pt x="502" y="832"/>
+                </a:cubicBezTo>
+                <a:cubicBezTo>
+                  <a:pt x="510" y="814"/>
+                  <a:pt x="519" y="797"/>
+                  <a:pt x="528" y="780"/>
+                </a:cubicBezTo>
+                <a:cubicBezTo>
+                  <a:pt x="541" y="754"/>
+                  <a:pt x="554" y="728"/>
+                  <a:pt x="567" y="701"/>
+                </a:cubicBezTo>
+                <a:cubicBezTo>
+                  <a:pt x="580" y="676"/>
+                  <a:pt x="593" y="650"/>
+                  <a:pt x="606" y="624"/>
+                </a:cubicBezTo>
+                <a:cubicBezTo>
+                  <a:pt x="615" y="607"/>
+                  <a:pt x="623" y="590"/>
+                  <a:pt x="632" y="573"/>
+                </a:cubicBezTo>
+                <a:cubicBezTo>
+                  <a:pt x="633" y="570"/>
+                  <a:pt x="634" y="568"/>
+                  <a:pt x="635" y="566"/>
+                </a:cubicBezTo>
+                <a:cubicBezTo>
+                  <a:pt x="635" y="566"/>
+                  <a:pt x="635" y="566"/>
+                  <a:pt x="636" y="566"/>
+                </a:cubicBezTo>
+                <a:cubicBezTo>
+                  <a:pt x="648" y="541"/>
+                  <a:pt x="661" y="516"/>
+                  <a:pt x="673" y="490"/>
+                </a:cubicBezTo>
+                <a:cubicBezTo>
+                  <a:pt x="693" y="450"/>
+                  <a:pt x="714" y="410"/>
+                  <a:pt x="734" y="369"/>
+                </a:cubicBezTo>
+                <a:cubicBezTo>
+                  <a:pt x="738" y="360"/>
+                  <a:pt x="743" y="351"/>
+                  <a:pt x="748" y="341"/>
+                </a:cubicBezTo>
+                <a:cubicBezTo>
+                  <a:pt x="748" y="341"/>
+                  <a:pt x="748" y="341"/>
+                  <a:pt x="748" y="342"/>
+                </a:cubicBezTo>
+                <a:cubicBezTo>
+                  <a:pt x="761" y="316"/>
+                  <a:pt x="773" y="291"/>
+                  <a:pt x="786" y="265"/>
+                </a:cubicBezTo>
+                <a:cubicBezTo>
+                  <a:pt x="806" y="226"/>
+                  <a:pt x="826" y="186"/>
+                  <a:pt x="846" y="146"/>
+                </a:cubicBezTo>
+                <a:cubicBezTo>
+                  <a:pt x="849" y="140"/>
+                  <a:pt x="852" y="135"/>
+                  <a:pt x="855" y="129"/>
+                </a:cubicBezTo>
+                <a:cubicBezTo>
+                  <a:pt x="855" y="127"/>
+                  <a:pt x="857" y="122"/>
+                  <a:pt x="858" y="121"/>
+                </a:cubicBezTo>
+                <a:cubicBezTo>
+                  <a:pt x="859" y="121"/>
+                  <a:pt x="862" y="121"/>
+                  <a:pt x="864" y="121"/>
+                </a:cubicBezTo>
+                <a:cubicBezTo>
+                  <a:pt x="869" y="121"/>
+                  <a:pt x="875" y="121"/>
+                  <a:pt x="880" y="121"/>
+                </a:cubicBezTo>
+                <a:cubicBezTo>
+                  <a:pt x="923" y="121"/>
+                  <a:pt x="966" y="121"/>
+                  <a:pt x="1010" y="121"/>
+                </a:cubicBezTo>
+                <a:cubicBezTo>
+                  <a:pt x="1031" y="121"/>
+                  <a:pt x="1052" y="121"/>
+                  <a:pt x="1074" y="121"/>
+                </a:cubicBezTo>
+                <a:cubicBezTo>
+                  <a:pt x="1081" y="121"/>
+                  <a:pt x="1089" y="121"/>
+                  <a:pt x="1097" y="121"/>
+                </a:cubicBezTo>
+                <a:cubicBezTo>
+                  <a:pt x="1101" y="121"/>
+                  <a:pt x="1105" y="121"/>
+                  <a:pt x="1109" y="121"/>
+                </a:cubicBezTo>
+                <a:cubicBezTo>
+                  <a:pt x="1110" y="121"/>
+                  <a:pt x="1110" y="121"/>
+                  <a:pt x="1111" y="121"/>
+                </a:cubicBezTo>
+                <a:cubicBezTo>
+                  <a:pt x="1108" y="126"/>
+                  <a:pt x="1106" y="131"/>
+                  <a:pt x="1103" y="136"/>
+                </a:cubicBezTo>
+                <a:cubicBezTo>
+                  <a:pt x="1096" y="150"/>
+                  <a:pt x="1089" y="163"/>
+                  <a:pt x="1083" y="177"/>
+                </a:cubicBezTo>
+                <a:cubicBezTo>
+                  <a:pt x="1073" y="197"/>
+                  <a:pt x="1062" y="217"/>
+                  <a:pt x="1052" y="237"/>
+                </a:cubicBezTo>
+                <a:cubicBezTo>
+                  <a:pt x="1040" y="262"/>
+                  <a:pt x="1028" y="286"/>
+                  <a:pt x="1015" y="311"/>
+                </a:cubicBezTo>
+                <a:cubicBezTo>
+                  <a:pt x="1002" y="338"/>
+                  <a:pt x="988" y="365"/>
+                  <a:pt x="975" y="392"/>
+                </a:cubicBezTo>
+                <a:cubicBezTo>
+                  <a:pt x="961" y="419"/>
+                  <a:pt x="948" y="446"/>
+                  <a:pt x="934" y="473"/>
+                </a:cubicBezTo>
+                <a:cubicBezTo>
+                  <a:pt x="921" y="498"/>
+                  <a:pt x="908" y="524"/>
+                  <a:pt x="896" y="549"/>
+                </a:cubicBezTo>
+                <a:cubicBezTo>
+                  <a:pt x="885" y="570"/>
+                  <a:pt x="874" y="592"/>
+                  <a:pt x="863" y="613"/>
+                </a:cubicBezTo>
+                <a:cubicBezTo>
+                  <a:pt x="856" y="629"/>
+                  <a:pt x="848" y="644"/>
+                  <a:pt x="840" y="659"/>
+                </a:cubicBezTo>
+                <a:cubicBezTo>
+                  <a:pt x="838" y="664"/>
+                  <a:pt x="835" y="669"/>
+                  <a:pt x="833" y="674"/>
+                </a:cubicBezTo>
+                <a:cubicBezTo>
+                  <a:pt x="832" y="676"/>
+                  <a:pt x="831" y="679"/>
+                  <a:pt x="829" y="681"/>
+                </a:cubicBezTo>
+                <a:cubicBezTo>
+                  <a:pt x="829" y="682"/>
+                  <a:pt x="829" y="682"/>
+                  <a:pt x="829" y="682"/>
+                </a:cubicBezTo>
+                <a:cubicBezTo>
+                  <a:pt x="817" y="658"/>
+                  <a:pt x="804" y="633"/>
+                  <a:pt x="792" y="609"/>
+                </a:cubicBezTo>
+                <a:cubicBezTo>
+                  <a:pt x="772" y="570"/>
+                  <a:pt x="753" y="531"/>
+                  <a:pt x="733" y="492"/>
+                </a:cubicBezTo>
+                <a:cubicBezTo>
+                  <a:pt x="729" y="483"/>
+                  <a:pt x="724" y="474"/>
+                  <a:pt x="720" y="465"/>
+                </a:cubicBezTo>
+                <a:cubicBezTo>
+                  <a:pt x="711" y="483"/>
+                  <a:pt x="702" y="501"/>
+                  <a:pt x="693" y="519"/>
+                </a:cubicBezTo>
+                <a:cubicBezTo>
+                  <a:pt x="681" y="543"/>
+                  <a:pt x="668" y="568"/>
+                  <a:pt x="656" y="593"/>
+                </a:cubicBezTo>
+                <a:cubicBezTo>
+                  <a:pt x="655" y="596"/>
+                  <a:pt x="652" y="598"/>
+                  <a:pt x="653" y="601"/>
+                </a:cubicBezTo>
+                <a:cubicBezTo>
+                  <a:pt x="655" y="607"/>
+                  <a:pt x="659" y="612"/>
+                  <a:pt x="661" y="617"/>
+                </a:cubicBezTo>
+                <a:cubicBezTo>
+                  <a:pt x="673" y="641"/>
+                  <a:pt x="685" y="664"/>
+                  <a:pt x="696" y="687"/>
+                </a:cubicBezTo>
+                <a:cubicBezTo>
+                  <a:pt x="711" y="716"/>
+                  <a:pt x="725" y="744"/>
+                  <a:pt x="739" y="772"/>
+                </a:cubicBezTo>
+                <a:cubicBezTo>
+                  <a:pt x="749" y="792"/>
+                  <a:pt x="759" y="812"/>
+                  <a:pt x="769" y="832"/>
+                </a:cubicBezTo>
+                <a:cubicBezTo>
+                  <a:pt x="772" y="837"/>
+                  <a:pt x="774" y="843"/>
+                  <a:pt x="777" y="848"/>
+                </a:cubicBezTo>
+                <a:cubicBezTo>
+                  <a:pt x="791" y="871"/>
+                  <a:pt x="819" y="882"/>
+                  <a:pt x="846" y="875"/>
+                </a:cubicBezTo>
+                <a:cubicBezTo>
+                  <a:pt x="865" y="870"/>
+                  <a:pt x="877" y="857"/>
+                  <a:pt x="885" y="839"/>
+                </a:cubicBezTo>
+                <a:cubicBezTo>
+                  <a:pt x="886" y="838"/>
+                  <a:pt x="887" y="836"/>
+                  <a:pt x="887" y="834"/>
+                </a:cubicBezTo>
+                <a:cubicBezTo>
+                  <a:pt x="892" y="825"/>
+                  <a:pt x="897" y="816"/>
+                  <a:pt x="901" y="806"/>
+                </a:cubicBezTo>
+                <a:cubicBezTo>
+                  <a:pt x="909" y="791"/>
+                  <a:pt x="917" y="775"/>
+                  <a:pt x="925" y="759"/>
+                </a:cubicBezTo>
+                <a:cubicBezTo>
+                  <a:pt x="936" y="737"/>
+                  <a:pt x="947" y="716"/>
+                  <a:pt x="958" y="695"/>
+                </a:cubicBezTo>
+                <a:cubicBezTo>
+                  <a:pt x="970" y="669"/>
+                  <a:pt x="983" y="644"/>
+                  <a:pt x="996" y="619"/>
+                </a:cubicBezTo>
+                <a:cubicBezTo>
+                  <a:pt x="1010" y="591"/>
+                  <a:pt x="1024" y="563"/>
+                  <a:pt x="1038" y="535"/>
+                </a:cubicBezTo>
+                <a:cubicBezTo>
+                  <a:pt x="1052" y="507"/>
+                  <a:pt x="1067" y="478"/>
+                  <a:pt x="1081" y="449"/>
+                </a:cubicBezTo>
+                <a:cubicBezTo>
+                  <a:pt x="1096" y="420"/>
+                  <a:pt x="1110" y="391"/>
+                  <a:pt x="1124" y="363"/>
+                </a:cubicBezTo>
+                <a:cubicBezTo>
+                  <a:pt x="1138" y="335"/>
+                  <a:pt x="1152" y="308"/>
+                  <a:pt x="1165" y="281"/>
+                </a:cubicBezTo>
+                <a:cubicBezTo>
+                  <a:pt x="1177" y="257"/>
+                  <a:pt x="1189" y="233"/>
+                  <a:pt x="1201" y="209"/>
+                </a:cubicBezTo>
+                <a:cubicBezTo>
+                  <a:pt x="1211" y="189"/>
+                  <a:pt x="1221" y="170"/>
+                  <a:pt x="1231" y="150"/>
+                </a:cubicBezTo>
+                <a:cubicBezTo>
+                  <a:pt x="1238" y="136"/>
+                  <a:pt x="1245" y="123"/>
+                  <a:pt x="1252" y="109"/>
+                </a:cubicBezTo>
+                <a:cubicBezTo>
+                  <a:pt x="1255" y="102"/>
+                  <a:pt x="1259" y="96"/>
+                  <a:pt x="1262" y="89"/>
+                </a:cubicBezTo>
+                <a:cubicBezTo>
+                  <a:pt x="1266" y="79"/>
+                  <a:pt x="1270" y="68"/>
+                  <a:pt x="1268" y="57"/>
+                </a:cubicBezTo>
+                <a:cubicBezTo>
+                  <a:pt x="1268" y="55"/>
+                  <a:pt x="1268" y="58"/>
+                  <a:pt x="1268" y="57"/>
+                </a:cubicBezTo>
+                <a:close/>
+              </a:path>
+            </a:pathLst>
+          </a:custGeom>
+          <a:solidFill>
+            <a:srgbClr val="05B780"/>
+          </a:solidFill>
+          <a:ln w="9525">
+            <a:noFill/>
+          </a:ln>
+        </p:spPr>
+        <p:txBody>
+          <a:bodyPr/>
+          <a:p>
+            <a:endParaRPr lang="en-US"/>
+          </a:p>
+        </p:txBody>
+      </p:sp>
+      <p:sp>
+        <p:nvSpPr>
+          <p:cNvPr id="33795" name="文本框 29"/>
+          <p:cNvSpPr txBox="1"/>
+          <p:nvPr/>
+        </p:nvSpPr>
+        <p:spPr>
+          <a:xfrm>
+            <a:off x="3733800" y="4125913"/>
+            <a:ext cx="4722813" cy="708025"/>
+          </a:xfrm>
+          <a:prstGeom prst="rect">
+            <a:avLst/>
+          </a:prstGeom>
+          <a:noFill/>
+          <a:ln w="9525">
+            <a:noFill/>
+          </a:ln>
+        </p:spPr>
+        <p:txBody>
+          <a:bodyPr anchor="t" anchorCtr="0">
+            <a:spAutoFit/>
+          </a:bodyPr>
+          <a:p>
+            <a:pPr algn="dist"/>
+            <a:r>
+              <a:rPr lang="en-US" altLang="zh-CN" sz="4000" dirty="0">
+                <a:solidFill>
+                  <a:srgbClr val="262626"/>
+                </a:solidFill>
+                <a:latin typeface="Microsoft YaHei" panose="020B0503020204020204" pitchFamily="34" charset="-122"/>
+                <a:ea typeface="Microsoft YaHei" panose="020B0503020204020204" pitchFamily="34" charset="-122"/>
+              </a:rPr>
+              <a:t>THANK YOU</a:t>
+            </a:r>
+            <a:endParaRPr lang="zh-CN" altLang="en-US" sz="4000" dirty="0">
+              <a:solidFill>
+                <a:srgbClr val="262626"/>
+              </a:solidFill>
+              <a:latin typeface="Microsoft YaHei" panose="020B0503020204020204" pitchFamily="34" charset="-122"/>
+              <a:ea typeface="Microsoft YaHei" panose="020B0503020204020204" pitchFamily="34" charset="-122"/>
+            </a:endParaRPr>
+          </a:p>
+        </p:txBody>
+      </p:sp>
     </p:spTree>
   </p:cSld>
   <p:clrMapOvr>

--- a/week4/week4_slides.pptx
+++ b/week4/week4_slides.pptx
@@ -3,26 +3,27 @@
 <p:presentation xmlns:a="http://schemas.openxmlformats.org/drawingml/2006/main" xmlns:r="http://schemas.openxmlformats.org/officeDocument/2006/relationships" xmlns:p="http://schemas.openxmlformats.org/presentationml/2006/main">
   <p:sldMasterIdLst>
     <p:sldMasterId id="2147483648" r:id="rId1"/>
-    <p:sldMasterId id="2147483651" r:id="rId3"/>
+    <p:sldMasterId id="2147483651" r:id="rId2"/>
   </p:sldMasterIdLst>
   <p:notesMasterIdLst>
-    <p:notesMasterId r:id="rId35"/>
+    <p:notesMasterId r:id="rId36"/>
   </p:notesMasterIdLst>
   <p:handoutMasterIdLst>
-    <p:handoutMasterId r:id="rId36"/>
+    <p:handoutMasterId r:id="rId37"/>
   </p:handoutMasterIdLst>
   <p:sldIdLst>
-    <p:sldId id="256" r:id="rId4"/>
-    <p:sldId id="257" r:id="rId5"/>
-    <p:sldId id="293" r:id="rId6"/>
-    <p:sldId id="442" r:id="rId7"/>
-    <p:sldId id="441" r:id="rId8"/>
-    <p:sldId id="484" r:id="rId9"/>
-    <p:sldId id="443" r:id="rId10"/>
-    <p:sldId id="474" r:id="rId11"/>
-    <p:sldId id="485" r:id="rId12"/>
-    <p:sldId id="486" r:id="rId13"/>
-    <p:sldId id="490" r:id="rId14"/>
+    <p:sldId id="256" r:id="rId3"/>
+    <p:sldId id="257" r:id="rId4"/>
+    <p:sldId id="293" r:id="rId5"/>
+    <p:sldId id="442" r:id="rId6"/>
+    <p:sldId id="441" r:id="rId7"/>
+    <p:sldId id="484" r:id="rId8"/>
+    <p:sldId id="443" r:id="rId9"/>
+    <p:sldId id="474" r:id="rId10"/>
+    <p:sldId id="485" r:id="rId11"/>
+    <p:sldId id="486" r:id="rId12"/>
+    <p:sldId id="490" r:id="rId13"/>
+    <p:sldId id="511" r:id="rId14"/>
     <p:sldId id="444" r:id="rId15"/>
     <p:sldId id="475" r:id="rId16"/>
     <p:sldId id="491" r:id="rId17"/>
@@ -32,17 +33,18 @@
     <p:sldId id="494" r:id="rId21"/>
     <p:sldId id="497" r:id="rId22"/>
     <p:sldId id="496" r:id="rId23"/>
-    <p:sldId id="478" r:id="rId24"/>
-    <p:sldId id="509" r:id="rId25"/>
-    <p:sldId id="479" r:id="rId26"/>
-    <p:sldId id="498" r:id="rId27"/>
-    <p:sldId id="499" r:id="rId28"/>
-    <p:sldId id="510" r:id="rId29"/>
-    <p:sldId id="378" r:id="rId30"/>
-    <p:sldId id="488" r:id="rId31"/>
-    <p:sldId id="480" r:id="rId32"/>
-    <p:sldId id="457" r:id="rId33"/>
-    <p:sldId id="289" r:id="rId34"/>
+    <p:sldId id="512" r:id="rId24"/>
+    <p:sldId id="478" r:id="rId25"/>
+    <p:sldId id="509" r:id="rId26"/>
+    <p:sldId id="479" r:id="rId27"/>
+    <p:sldId id="498" r:id="rId28"/>
+    <p:sldId id="499" r:id="rId29"/>
+    <p:sldId id="510" r:id="rId30"/>
+    <p:sldId id="378" r:id="rId31"/>
+    <p:sldId id="488" r:id="rId32"/>
+    <p:sldId id="480" r:id="rId33"/>
+    <p:sldId id="457" r:id="rId34"/>
+    <p:sldId id="289" r:id="rId35"/>
   </p:sldIdLst>
   <p:sldSz cx="12192000" cy="6858000"/>
   <p:notesSz cx="6858000" cy="9144000"/>
@@ -239,6 +241,22 @@
       </a:defRPr>
     </a:lvl9pPr>
   </p:defaultTextStyle>
+  <p:extLst>
+    <p:ext uri="{EFAFB233-063F-42B5-8137-9DF3F51BA10A}">
+      <p15:sldGuideLst xmlns:p15="http://schemas.microsoft.com/office/powerpoint/2012/main">
+        <p15:guide id="1" orient="horz" pos="2116">
+          <p15:clr>
+            <a:srgbClr val="A4A3A4"/>
+          </p15:clr>
+        </p15:guide>
+        <p15:guide id="2" pos="2907">
+          <p15:clr>
+            <a:srgbClr val="A4A3A4"/>
+          </p15:clr>
+        </p15:guide>
+      </p15:sldGuideLst>
+    </p:ext>
+  </p:extLst>
 </p:presentation>
 </file>
 
@@ -256,7 +274,14 @@
         <p:cNvGrpSpPr/>
         <p:nvPr/>
       </p:nvGrpSpPr>
-      <p:grpSpPr/>
+      <p:grpSpPr>
+        <a:xfrm>
+          <a:off x="0" y="0"/>
+          <a:ext cx="0" cy="0"/>
+          <a:chOff x="0" y="0"/>
+          <a:chExt cx="0" cy="0"/>
+        </a:xfrm>
+      </p:grpSpPr>
       <p:sp>
         <p:nvSpPr>
           <p:cNvPr id="2" name="页眉占位符 1"/>
@@ -323,6 +348,7 @@
                 <a:ea typeface="SimSun" panose="02010600030101010101" pitchFamily="2" charset="-122"/>
                 <a:cs typeface="+mn-cs"/>
               </a:rPr>
+              <a:t>2022/10/11</a:t>
             </a:fld>
             <a:endParaRPr lang="zh-CN" altLang="en-US" strike="noStrike" noProof="1"/>
           </a:p>
@@ -394,12 +420,18 @@
                 <a:ea typeface="SimSun" panose="02010600030101010101" pitchFamily="2" charset="-122"/>
                 <a:cs typeface="+mn-cs"/>
               </a:rPr>
+              <a:t>‹#›</a:t>
             </a:fld>
             <a:endParaRPr lang="zh-CN" altLang="en-US" strike="noStrike" noProof="1"/>
           </a:p>
         </p:txBody>
       </p:sp>
     </p:spTree>
+    <p:extLst>
+      <p:ext uri="{BB962C8B-B14F-4D97-AF65-F5344CB8AC3E}">
+        <p14:creationId xmlns:p14="http://schemas.microsoft.com/office/powerpoint/2010/main" val="1"/>
+      </p:ext>
+    </p:extLst>
   </p:cSld>
   <p:clrMap bg1="lt1" tx1="dk1" bg2="lt2" tx2="dk2" accent1="accent1" accent2="accent2" accent3="accent3" accent4="accent4" accent5="accent5" accent6="accent6" hlink="hlink" folHlink="folHlink"/>
 </p:handoutMaster>
@@ -419,7 +451,14 @@
         <p:cNvGrpSpPr/>
         <p:nvPr/>
       </p:nvGrpSpPr>
-      <p:grpSpPr/>
+      <p:grpSpPr>
+        <a:xfrm>
+          <a:off x="0" y="0"/>
+          <a:ext cx="0" cy="0"/>
+          <a:chOff x="0" y="0"/>
+          <a:chExt cx="0" cy="0"/>
+        </a:xfrm>
+      </p:grpSpPr>
       <p:sp>
         <p:nvSpPr>
           <p:cNvPr id="2" name="页眉占位符 1"/>
@@ -486,6 +525,7 @@
                 <a:ea typeface="SimSun" panose="02010600030101010101" pitchFamily="2" charset="-122"/>
                 <a:cs typeface="+mn-cs"/>
               </a:rPr>
+              <a:t>2022/10/11</a:t>
             </a:fld>
             <a:endParaRPr lang="zh-CN" altLang="en-US" strike="noStrike" noProof="1"/>
           </a:p>
@@ -546,13 +586,13 @@
         </p:spPr>
         <p:txBody>
           <a:bodyPr lIns="91440" tIns="45720" rIns="91440" bIns="45720" anchor="t" anchorCtr="0"/>
+          <a:lstStyle/>
           <a:p>
             <a:pPr lvl="0"/>
             <a:r>
               <a:rPr lang="zh-CN" altLang="en-US"/>
               <a:t>Click to edit Master text style</a:t>
             </a:r>
-            <a:endParaRPr lang="zh-CN" altLang="en-US"/>
           </a:p>
           <a:p>
             <a:pPr lvl="1"/>
@@ -560,7 +600,6 @@
               <a:rPr lang="zh-CN" altLang="en-US"/>
               <a:t>Second level</a:t>
             </a:r>
-            <a:endParaRPr lang="zh-CN" altLang="en-US"/>
           </a:p>
           <a:p>
             <a:pPr lvl="2"/>
@@ -568,7 +607,6 @@
               <a:rPr lang="zh-CN" altLang="en-US"/>
               <a:t>Third level</a:t>
             </a:r>
-            <a:endParaRPr lang="zh-CN" altLang="en-US"/>
           </a:p>
           <a:p>
             <a:pPr lvl="3"/>
@@ -576,7 +614,6 @@
               <a:rPr lang="zh-CN" altLang="en-US"/>
               <a:t>Fourth level</a:t>
             </a:r>
-            <a:endParaRPr lang="zh-CN" altLang="en-US"/>
           </a:p>
           <a:p>
             <a:pPr lvl="4"/>
@@ -584,7 +621,6 @@
               <a:rPr lang="zh-CN" altLang="en-US"/>
               <a:t>Fifth level</a:t>
             </a:r>
-            <a:endParaRPr lang="zh-CN" altLang="en-US"/>
           </a:p>
         </p:txBody>
       </p:sp>
@@ -654,6 +690,7 @@
                 <a:ea typeface="SimSun" panose="02010600030101010101" pitchFamily="2" charset="-122"/>
                 <a:cs typeface="+mn-cs"/>
               </a:rPr>
+              <a:t>‹#›</a:t>
             </a:fld>
             <a:endParaRPr lang="zh-CN" altLang="en-US" strike="noStrike" noProof="1"/>
           </a:p>
@@ -801,10 +838,9 @@
           <a:p>
             <a:pPr fontAlgn="base"/>
             <a:r>
-              <a:rPr lang="zh-CN" altLang="en-US" strike="noStrike" noProof="1" smtClean="0"/>
+              <a:rPr lang="zh-CN" altLang="en-US" strike="noStrike" noProof="1"/>
               <a:t>Click to edit Master title style</a:t>
             </a:r>
-            <a:endParaRPr lang="zh-CN" altLang="en-US" strike="noStrike" noProof="1" smtClean="0"/>
           </a:p>
         </p:txBody>
       </p:sp>
@@ -867,10 +903,9 @@
           <a:p>
             <a:pPr fontAlgn="base"/>
             <a:r>
-              <a:rPr lang="zh-CN" altLang="en-US" strike="noStrike" noProof="1" smtClean="0"/>
+              <a:rPr lang="zh-CN" altLang="en-US" strike="noStrike" noProof="1"/>
               <a:t>Click to edit Master title style</a:t>
             </a:r>
-            <a:endParaRPr lang="zh-CN" altLang="en-US" strike="noStrike" noProof="1" smtClean="0"/>
           </a:p>
         </p:txBody>
       </p:sp>
@@ -887,6 +922,7 @@
         <p:spPr/>
         <p:txBody>
           <a:bodyPr/>
+          <a:lstStyle/>
           <a:p>
             <a:pPr marL="0" marR="0" lvl="0" indent="0" algn="l" defTabSz="914400" rtl="0" eaLnBrk="1" fontAlgn="auto" latinLnBrk="0" hangingPunct="1">
               <a:lnSpc>
@@ -936,6 +972,7 @@
         <p:spPr/>
         <p:txBody>
           <a:bodyPr/>
+          <a:lstStyle/>
           <a:p>
             <a:pPr marL="0" marR="0" lvl="0" indent="0" algn="ctr" defTabSz="914400" rtl="0" eaLnBrk="1" fontAlgn="auto" latinLnBrk="0" hangingPunct="1">
               <a:lnSpc>
@@ -985,6 +1022,7 @@
         <p:spPr/>
         <p:txBody>
           <a:bodyPr/>
+          <a:lstStyle/>
           <a:p>
             <a:pPr marL="0" marR="0" lvl="0" indent="0" algn="r" defTabSz="914400" rtl="0" eaLnBrk="1" fontAlgn="auto" latinLnBrk="0" hangingPunct="1">
               <a:lnSpc>
@@ -1019,6 +1057,7 @@
                 <a:ea typeface="+mn-ea"/>
                 <a:cs typeface="+mn-cs"/>
               </a:rPr>
+              <a:t>‹#›</a:t>
             </a:fld>
             <a:endParaRPr kumimoji="0" lang="zh-CN" altLang="en-US" sz="1200" b="0" i="0" u="none" strike="noStrike" kern="1200" cap="none" spc="0" normalizeH="0" baseline="0" noProof="0">
               <a:ln>
@@ -1084,10 +1123,9 @@
           <a:p>
             <a:pPr fontAlgn="base"/>
             <a:r>
-              <a:rPr lang="zh-CN" altLang="en-US" strike="noStrike" noProof="1" smtClean="0"/>
+              <a:rPr lang="zh-CN" altLang="en-US" strike="noStrike" noProof="1"/>
               <a:t>Click to edit Master title style</a:t>
             </a:r>
-            <a:endParaRPr lang="zh-CN" altLang="en-US" strike="noStrike" noProof="1" smtClean="0"/>
           </a:p>
         </p:txBody>
       </p:sp>
@@ -1108,42 +1146,37 @@
           <a:p>
             <a:pPr lvl="0" fontAlgn="base"/>
             <a:r>
-              <a:rPr lang="zh-CN" altLang="en-US" strike="noStrike" noProof="1" smtClean="0"/>
+              <a:rPr lang="zh-CN" altLang="en-US" strike="noStrike" noProof="1"/>
               <a:t>Click to edit Master text style</a:t>
             </a:r>
-            <a:endParaRPr lang="zh-CN" altLang="en-US" strike="noStrike" noProof="1" smtClean="0"/>
           </a:p>
           <a:p>
             <a:pPr lvl="1" fontAlgn="base"/>
             <a:r>
-              <a:rPr lang="zh-CN" altLang="en-US" strike="noStrike" noProof="1" smtClean="0"/>
+              <a:rPr lang="zh-CN" altLang="en-US" strike="noStrike" noProof="1"/>
               <a:t>Second level</a:t>
             </a:r>
-            <a:endParaRPr lang="zh-CN" altLang="en-US" strike="noStrike" noProof="1" smtClean="0"/>
           </a:p>
           <a:p>
             <a:pPr lvl="2" fontAlgn="base"/>
             <a:r>
-              <a:rPr lang="zh-CN" altLang="en-US" strike="noStrike" noProof="1" smtClean="0"/>
+              <a:rPr lang="zh-CN" altLang="en-US" strike="noStrike" noProof="1"/>
               <a:t>Third level</a:t>
             </a:r>
-            <a:endParaRPr lang="zh-CN" altLang="en-US" strike="noStrike" noProof="1" smtClean="0"/>
           </a:p>
           <a:p>
             <a:pPr lvl="3" fontAlgn="base"/>
             <a:r>
-              <a:rPr lang="zh-CN" altLang="en-US" strike="noStrike" noProof="1" smtClean="0"/>
+              <a:rPr lang="zh-CN" altLang="en-US" strike="noStrike" noProof="1"/>
               <a:t>Fourth level</a:t>
             </a:r>
-            <a:endParaRPr lang="zh-CN" altLang="en-US" strike="noStrike" noProof="1" smtClean="0"/>
           </a:p>
           <a:p>
             <a:pPr lvl="4" fontAlgn="base"/>
             <a:r>
-              <a:rPr lang="zh-CN" altLang="en-US" strike="noStrike" noProof="1" smtClean="0"/>
+              <a:rPr lang="zh-CN" altLang="en-US" strike="noStrike" noProof="1"/>
               <a:t>Fifth level</a:t>
             </a:r>
-            <a:endParaRPr lang="zh-CN" altLang="en-US" strike="noStrike" noProof="1" smtClean="0"/>
           </a:p>
         </p:txBody>
       </p:sp>
@@ -1160,6 +1193,7 @@
         <p:spPr/>
         <p:txBody>
           <a:bodyPr/>
+          <a:lstStyle/>
           <a:p>
             <a:pPr marL="0" marR="0" lvl="0" indent="0" algn="l" defTabSz="914400" rtl="0" eaLnBrk="1" fontAlgn="auto" latinLnBrk="0" hangingPunct="1">
               <a:lnSpc>
@@ -1209,6 +1243,7 @@
         <p:spPr/>
         <p:txBody>
           <a:bodyPr/>
+          <a:lstStyle/>
           <a:p>
             <a:pPr marL="0" marR="0" lvl="0" indent="0" algn="ctr" defTabSz="914400" rtl="0" eaLnBrk="1" fontAlgn="auto" latinLnBrk="0" hangingPunct="1">
               <a:lnSpc>
@@ -1258,6 +1293,7 @@
         <p:spPr/>
         <p:txBody>
           <a:bodyPr/>
+          <a:lstStyle/>
           <a:p>
             <a:pPr marL="0" marR="0" lvl="0" indent="0" algn="r" defTabSz="914400" rtl="0" eaLnBrk="1" fontAlgn="auto" latinLnBrk="0" hangingPunct="1">
               <a:lnSpc>
@@ -1292,6 +1328,7 @@
                 <a:ea typeface="+mn-ea"/>
                 <a:cs typeface="+mn-cs"/>
               </a:rPr>
+              <a:t>‹#›</a:t>
             </a:fld>
             <a:endParaRPr kumimoji="0" lang="zh-CN" altLang="en-US" sz="1200" b="0" i="0" u="none" strike="noStrike" kern="1200" cap="none" spc="0" normalizeH="0" baseline="0" noProof="0">
               <a:ln>
@@ -1366,10 +1403,9 @@
           <a:p>
             <a:pPr fontAlgn="base"/>
             <a:r>
-              <a:rPr lang="zh-CN" altLang="en-US" strike="noStrike" noProof="1" smtClean="0"/>
+              <a:rPr lang="zh-CN" altLang="en-US" strike="noStrike" noProof="1"/>
               <a:t>Click to edit Master title style</a:t>
             </a:r>
-            <a:endParaRPr lang="zh-CN" altLang="en-US" strike="noStrike" noProof="1" smtClean="0"/>
           </a:p>
         </p:txBody>
       </p:sp>
@@ -1432,10 +1468,9 @@
           <a:p>
             <a:pPr fontAlgn="base"/>
             <a:r>
-              <a:rPr lang="zh-CN" altLang="en-US" strike="noStrike" noProof="1" smtClean="0"/>
+              <a:rPr lang="zh-CN" altLang="en-US" strike="noStrike" noProof="1"/>
               <a:t>Click to edit Master title style</a:t>
             </a:r>
-            <a:endParaRPr lang="zh-CN" altLang="en-US" strike="noStrike" noProof="1" smtClean="0"/>
           </a:p>
         </p:txBody>
       </p:sp>
@@ -1452,6 +1487,7 @@
         <p:spPr/>
         <p:txBody>
           <a:bodyPr/>
+          <a:lstStyle/>
           <a:p>
             <a:pPr marL="0" marR="0" lvl="0" indent="0" algn="l" defTabSz="914400" rtl="0" eaLnBrk="1" fontAlgn="auto" latinLnBrk="0" hangingPunct="1">
               <a:lnSpc>
@@ -1501,6 +1537,7 @@
         <p:spPr/>
         <p:txBody>
           <a:bodyPr/>
+          <a:lstStyle/>
           <a:p>
             <a:pPr marL="0" marR="0" lvl="0" indent="0" algn="ctr" defTabSz="914400" rtl="0" eaLnBrk="1" fontAlgn="auto" latinLnBrk="0" hangingPunct="1">
               <a:lnSpc>
@@ -1550,6 +1587,7 @@
         <p:spPr/>
         <p:txBody>
           <a:bodyPr/>
+          <a:lstStyle/>
           <a:p>
             <a:pPr marL="0" marR="0" lvl="0" indent="0" algn="r" defTabSz="914400" rtl="0" eaLnBrk="1" fontAlgn="auto" latinLnBrk="0" hangingPunct="1">
               <a:lnSpc>
@@ -1584,6 +1622,7 @@
                 <a:ea typeface="+mn-ea"/>
                 <a:cs typeface="+mn-cs"/>
               </a:rPr>
+              <a:t>‹#›</a:t>
             </a:fld>
             <a:endParaRPr kumimoji="0" lang="zh-CN" altLang="en-US" sz="1200" b="0" i="0" u="none" strike="noStrike" kern="1200" cap="none" spc="0" normalizeH="0" baseline="0" noProof="0">
               <a:ln>
@@ -1649,10 +1688,9 @@
           <a:p>
             <a:pPr fontAlgn="base"/>
             <a:r>
-              <a:rPr lang="zh-CN" altLang="en-US" strike="noStrike" noProof="1" smtClean="0"/>
+              <a:rPr lang="zh-CN" altLang="en-US" strike="noStrike" noProof="1"/>
               <a:t>Click to edit Master title style</a:t>
             </a:r>
-            <a:endParaRPr lang="zh-CN" altLang="en-US" strike="noStrike" noProof="1" smtClean="0"/>
           </a:p>
         </p:txBody>
       </p:sp>
@@ -1673,42 +1711,37 @@
           <a:p>
             <a:pPr lvl="0" fontAlgn="base"/>
             <a:r>
-              <a:rPr lang="zh-CN" altLang="en-US" strike="noStrike" noProof="1" smtClean="0"/>
+              <a:rPr lang="zh-CN" altLang="en-US" strike="noStrike" noProof="1"/>
               <a:t>Click to edit Master text style</a:t>
             </a:r>
-            <a:endParaRPr lang="zh-CN" altLang="en-US" strike="noStrike" noProof="1" smtClean="0"/>
           </a:p>
           <a:p>
             <a:pPr lvl="1" fontAlgn="base"/>
             <a:r>
-              <a:rPr lang="zh-CN" altLang="en-US" strike="noStrike" noProof="1" smtClean="0"/>
+              <a:rPr lang="zh-CN" altLang="en-US" strike="noStrike" noProof="1"/>
               <a:t>Second level</a:t>
             </a:r>
-            <a:endParaRPr lang="zh-CN" altLang="en-US" strike="noStrike" noProof="1" smtClean="0"/>
           </a:p>
           <a:p>
             <a:pPr lvl="2" fontAlgn="base"/>
             <a:r>
-              <a:rPr lang="zh-CN" altLang="en-US" strike="noStrike" noProof="1" smtClean="0"/>
+              <a:rPr lang="zh-CN" altLang="en-US" strike="noStrike" noProof="1"/>
               <a:t>Third level</a:t>
             </a:r>
-            <a:endParaRPr lang="zh-CN" altLang="en-US" strike="noStrike" noProof="1" smtClean="0"/>
           </a:p>
           <a:p>
             <a:pPr lvl="3" fontAlgn="base"/>
             <a:r>
-              <a:rPr lang="zh-CN" altLang="en-US" strike="noStrike" noProof="1" smtClean="0"/>
+              <a:rPr lang="zh-CN" altLang="en-US" strike="noStrike" noProof="1"/>
               <a:t>Fourth level</a:t>
             </a:r>
-            <a:endParaRPr lang="zh-CN" altLang="en-US" strike="noStrike" noProof="1" smtClean="0"/>
           </a:p>
           <a:p>
             <a:pPr lvl="4" fontAlgn="base"/>
             <a:r>
-              <a:rPr lang="zh-CN" altLang="en-US" strike="noStrike" noProof="1" smtClean="0"/>
+              <a:rPr lang="zh-CN" altLang="en-US" strike="noStrike" noProof="1"/>
               <a:t>Fifth level</a:t>
             </a:r>
-            <a:endParaRPr lang="zh-CN" altLang="en-US" strike="noStrike" noProof="1" smtClean="0"/>
           </a:p>
         </p:txBody>
       </p:sp>
@@ -1725,6 +1758,7 @@
         <p:spPr/>
         <p:txBody>
           <a:bodyPr/>
+          <a:lstStyle/>
           <a:p>
             <a:pPr marL="0" marR="0" lvl="0" indent="0" algn="l" defTabSz="914400" rtl="0" eaLnBrk="1" fontAlgn="auto" latinLnBrk="0" hangingPunct="1">
               <a:lnSpc>
@@ -1774,6 +1808,7 @@
         <p:spPr/>
         <p:txBody>
           <a:bodyPr/>
+          <a:lstStyle/>
           <a:p>
             <a:pPr marL="0" marR="0" lvl="0" indent="0" algn="ctr" defTabSz="914400" rtl="0" eaLnBrk="1" fontAlgn="auto" latinLnBrk="0" hangingPunct="1">
               <a:lnSpc>
@@ -1823,6 +1858,7 @@
         <p:spPr/>
         <p:txBody>
           <a:bodyPr/>
+          <a:lstStyle/>
           <a:p>
             <a:pPr marL="0" marR="0" lvl="0" indent="0" algn="r" defTabSz="914400" rtl="0" eaLnBrk="1" fontAlgn="auto" latinLnBrk="0" hangingPunct="1">
               <a:lnSpc>
@@ -1857,6 +1893,7 @@
                 <a:ea typeface="+mn-ea"/>
                 <a:cs typeface="+mn-cs"/>
               </a:rPr>
+              <a:t>‹#›</a:t>
             </a:fld>
             <a:endParaRPr kumimoji="0" lang="zh-CN" altLang="en-US" sz="1200" b="0" i="0" u="none" strike="noStrike" kern="1200" cap="none" spc="0" normalizeH="0" baseline="0" noProof="0">
               <a:ln>
@@ -1905,7 +1942,14 @@
         <p:cNvGrpSpPr/>
         <p:nvPr/>
       </p:nvGrpSpPr>
-      <p:grpSpPr/>
+      <p:grpSpPr>
+        <a:xfrm>
+          <a:off x="0" y="0"/>
+          <a:ext cx="0" cy="0"/>
+          <a:chOff x="0" y="0"/>
+          <a:chExt cx="0" cy="0"/>
+        </a:xfrm>
+      </p:grpSpPr>
       <p:sp>
         <p:nvSpPr>
           <p:cNvPr id="1026" name="标题占位符 1"/>
@@ -1931,13 +1975,13 @@
         </p:spPr>
         <p:txBody>
           <a:bodyPr anchor="ctr" anchorCtr="0"/>
+          <a:lstStyle/>
           <a:p>
             <a:pPr lvl="0"/>
             <a:r>
               <a:rPr lang="zh-CN" altLang="en-US" dirty="0"/>
               <a:t>Click to edit Master title style</a:t>
             </a:r>
-            <a:endParaRPr lang="zh-CN" altLang="en-US" dirty="0"/>
           </a:p>
         </p:txBody>
       </p:sp>
@@ -1966,13 +2010,13 @@
         </p:spPr>
         <p:txBody>
           <a:bodyPr anchor="t" anchorCtr="0"/>
+          <a:lstStyle/>
           <a:p>
             <a:pPr lvl="0"/>
             <a:r>
               <a:rPr lang="zh-CN" altLang="en-US" dirty="0"/>
               <a:t>Click to edit Master text style</a:t>
             </a:r>
-            <a:endParaRPr lang="zh-CN" altLang="en-US" dirty="0"/>
           </a:p>
           <a:p>
             <a:pPr lvl="1"/>
@@ -1980,7 +2024,6 @@
               <a:rPr lang="zh-CN" altLang="en-US" dirty="0"/>
               <a:t>Second level</a:t>
             </a:r>
-            <a:endParaRPr lang="zh-CN" altLang="en-US" dirty="0"/>
           </a:p>
           <a:p>
             <a:pPr lvl="2"/>
@@ -1988,7 +2031,6 @@
               <a:rPr lang="zh-CN" altLang="en-US" dirty="0"/>
               <a:t>Third level</a:t>
             </a:r>
-            <a:endParaRPr lang="zh-CN" altLang="en-US" dirty="0"/>
           </a:p>
           <a:p>
             <a:pPr lvl="3"/>
@@ -1996,7 +2038,6 @@
               <a:rPr lang="zh-CN" altLang="en-US" dirty="0"/>
               <a:t>Fourth level</a:t>
             </a:r>
-            <a:endParaRPr lang="zh-CN" altLang="en-US" dirty="0"/>
           </a:p>
           <a:p>
             <a:pPr lvl="4"/>
@@ -2004,7 +2045,6 @@
               <a:rPr lang="zh-CN" altLang="en-US" dirty="0"/>
               <a:t>Fifth level</a:t>
             </a:r>
-            <a:endParaRPr lang="zh-CN" altLang="en-US" dirty="0"/>
           </a:p>
         </p:txBody>
       </p:sp>
@@ -2234,6 +2274,7 @@
                 <a:ea typeface="+mn-ea"/>
                 <a:cs typeface="+mn-cs"/>
               </a:rPr>
+              <a:t>‹#›</a:t>
             </a:fld>
             <a:endParaRPr kumimoji="0" lang="zh-CN" altLang="en-US" sz="1200" b="0" i="0" u="none" strike="noStrike" kern="1200" cap="none" spc="0" normalizeH="0" baseline="0" noProof="0">
               <a:ln>
@@ -2726,7 +2767,14 @@
         <p:cNvGrpSpPr/>
         <p:nvPr/>
       </p:nvGrpSpPr>
-      <p:grpSpPr/>
+      <p:grpSpPr>
+        <a:xfrm>
+          <a:off x="0" y="0"/>
+          <a:ext cx="0" cy="0"/>
+          <a:chOff x="0" y="0"/>
+          <a:chExt cx="0" cy="0"/>
+        </a:xfrm>
+      </p:grpSpPr>
       <p:sp>
         <p:nvSpPr>
           <p:cNvPr id="1026" name="标题占位符 1"/>
@@ -2752,13 +2800,13 @@
         </p:spPr>
         <p:txBody>
           <a:bodyPr anchor="ctr" anchorCtr="0"/>
+          <a:lstStyle/>
           <a:p>
             <a:pPr lvl="0"/>
             <a:r>
               <a:rPr lang="zh-CN" altLang="en-US" dirty="0"/>
               <a:t>Click to edit Master title style</a:t>
             </a:r>
-            <a:endParaRPr lang="zh-CN" altLang="en-US" dirty="0"/>
           </a:p>
         </p:txBody>
       </p:sp>
@@ -2787,13 +2835,13 @@
         </p:spPr>
         <p:txBody>
           <a:bodyPr anchor="t" anchorCtr="0"/>
+          <a:lstStyle/>
           <a:p>
             <a:pPr lvl="0"/>
             <a:r>
               <a:rPr lang="zh-CN" altLang="en-US" dirty="0"/>
               <a:t>Click to edit Master text style</a:t>
             </a:r>
-            <a:endParaRPr lang="zh-CN" altLang="en-US" dirty="0"/>
           </a:p>
           <a:p>
             <a:pPr lvl="1"/>
@@ -2801,7 +2849,6 @@
               <a:rPr lang="zh-CN" altLang="en-US" dirty="0"/>
               <a:t>Second level</a:t>
             </a:r>
-            <a:endParaRPr lang="zh-CN" altLang="en-US" dirty="0"/>
           </a:p>
           <a:p>
             <a:pPr lvl="2"/>
@@ -2809,7 +2856,6 @@
               <a:rPr lang="zh-CN" altLang="en-US" dirty="0"/>
               <a:t>Third level</a:t>
             </a:r>
-            <a:endParaRPr lang="zh-CN" altLang="en-US" dirty="0"/>
           </a:p>
           <a:p>
             <a:pPr lvl="3"/>
@@ -2817,7 +2863,6 @@
               <a:rPr lang="zh-CN" altLang="en-US" dirty="0"/>
               <a:t>Fourth level</a:t>
             </a:r>
-            <a:endParaRPr lang="zh-CN" altLang="en-US" dirty="0"/>
           </a:p>
           <a:p>
             <a:pPr lvl="4"/>
@@ -2825,7 +2870,6 @@
               <a:rPr lang="zh-CN" altLang="en-US" dirty="0"/>
               <a:t>Fifth level</a:t>
             </a:r>
-            <a:endParaRPr lang="zh-CN" altLang="en-US" dirty="0"/>
           </a:p>
         </p:txBody>
       </p:sp>
@@ -3055,6 +3099,7 @@
                 <a:ea typeface="+mn-ea"/>
                 <a:cs typeface="+mn-cs"/>
               </a:rPr>
+              <a:t>‹#›</a:t>
             </a:fld>
             <a:endParaRPr kumimoji="0" lang="zh-CN" altLang="en-US" sz="1200" b="0" i="0" u="none" strike="noStrike" kern="1200" cap="none" spc="0" normalizeH="0" baseline="0" noProof="0">
               <a:ln>
@@ -3539,7 +3584,14 @@
         <p:cNvGrpSpPr/>
         <p:nvPr/>
       </p:nvGrpSpPr>
-      <p:grpSpPr/>
+      <p:grpSpPr>
+        <a:xfrm>
+          <a:off x="0" y="0"/>
+          <a:ext cx="0" cy="0"/>
+          <a:chOff x="0" y="0"/>
+          <a:chExt cx="0" cy="0"/>
+        </a:xfrm>
+      </p:grpSpPr>
       <p:sp>
         <p:nvSpPr>
           <p:cNvPr id="27" name="任意多边形 26"/>
@@ -3808,6 +3860,7 @@
           <a:bodyPr wrap="square" anchor="t" anchorCtr="0">
             <a:spAutoFit/>
           </a:bodyPr>
+          <a:lstStyle/>
           <a:p>
             <a:r>
               <a:rPr lang="en-US" altLang="zh-CN" sz="3200" b="1" dirty="0">
@@ -3819,13 +3872,6 @@
               </a:rPr>
               <a:t>H.A.C.C.</a:t>
             </a:r>
-            <a:endParaRPr lang="en-US" altLang="zh-CN" sz="3200" b="1" dirty="0">
-              <a:solidFill>
-                <a:srgbClr val="262626"/>
-              </a:solidFill>
-              <a:latin typeface="Microsoft YaHei" panose="020B0503020204020204" pitchFamily="34" charset="-122"/>
-              <a:ea typeface="Microsoft YaHei" panose="020B0503020204020204" pitchFamily="34" charset="-122"/>
-            </a:endParaRPr>
           </a:p>
           <a:p>
             <a:r>
@@ -3838,13 +3884,6 @@
               </a:rPr>
               <a:t>Data Structures and Algorithms</a:t>
             </a:r>
-            <a:endParaRPr lang="en-US" altLang="zh-CN" sz="3200" b="1" dirty="0">
-              <a:solidFill>
-                <a:srgbClr val="262626"/>
-              </a:solidFill>
-              <a:latin typeface="Microsoft YaHei" panose="020B0503020204020204" pitchFamily="34" charset="-122"/>
-              <a:ea typeface="Microsoft YaHei" panose="020B0503020204020204" pitchFamily="34" charset="-122"/>
-            </a:endParaRPr>
           </a:p>
         </p:txBody>
       </p:sp>
@@ -4009,6 +4048,7 @@
                 <a:pos x="1150098860" y="81544079"/>
               </a:cxn>
             </a:cxnLst>
+            <a:rect l="0" t="0" r="0" b="0"/>
             <a:pathLst>
               <a:path w="1270" h="882">
                 <a:moveTo>
@@ -4752,6 +4792,7 @@
         </p:spPr>
         <p:txBody>
           <a:bodyPr/>
+          <a:lstStyle/>
           <a:p>
             <a:endParaRPr lang="en-US"/>
           </a:p>
@@ -4780,6 +4821,7 @@
           <a:bodyPr anchor="t" anchorCtr="0">
             <a:spAutoFit/>
           </a:bodyPr>
+          <a:lstStyle/>
           <a:p>
             <a:r>
               <a:rPr lang="en-US" altLang="zh-CN" dirty="0">
@@ -4791,13 +4833,6 @@
               </a:rPr>
               <a:t>Jimmy Zhang</a:t>
             </a:r>
-            <a:endParaRPr lang="en-US" altLang="zh-CN" dirty="0">
-              <a:solidFill>
-                <a:srgbClr val="262626"/>
-              </a:solidFill>
-              <a:latin typeface="Microsoft YaHei" panose="020B0503020204020204" pitchFamily="34" charset="-122"/>
-              <a:ea typeface="Microsoft YaHei" panose="020B0503020204020204" pitchFamily="34" charset="-122"/>
-            </a:endParaRPr>
           </a:p>
         </p:txBody>
       </p:sp>
@@ -4824,6 +4859,7 @@
           <a:bodyPr anchor="t" anchorCtr="0">
             <a:spAutoFit/>
           </a:bodyPr>
+          <a:lstStyle/>
           <a:p>
             <a:r>
               <a:rPr lang="en-US" altLang="zh-CN" dirty="0">
@@ -4835,13 +4871,6 @@
               </a:rPr>
               <a:t>Fall 2022</a:t>
             </a:r>
-            <a:endParaRPr lang="en-US" altLang="zh-CN" dirty="0">
-              <a:solidFill>
-                <a:srgbClr val="262626"/>
-              </a:solidFill>
-              <a:latin typeface="Microsoft YaHei" panose="020B0503020204020204" pitchFamily="34" charset="-122"/>
-              <a:ea typeface="Microsoft YaHei" panose="020B0503020204020204" pitchFamily="34" charset="-122"/>
-            </a:endParaRPr>
           </a:p>
         </p:txBody>
       </p:sp>
@@ -4865,7 +4894,14 @@
         <p:cNvGrpSpPr/>
         <p:nvPr/>
       </p:nvGrpSpPr>
-      <p:grpSpPr/>
+      <p:grpSpPr>
+        <a:xfrm>
+          <a:off x="0" y="0"/>
+          <a:ext cx="0" cy="0"/>
+          <a:chOff x="0" y="0"/>
+          <a:chExt cx="0" cy="0"/>
+        </a:xfrm>
+      </p:grpSpPr>
       <p:sp>
         <p:nvSpPr>
           <p:cNvPr id="15" name="任意多边形 14"/>
@@ -5018,6 +5054,7 @@
           <a:bodyPr anchor="t" anchorCtr="0">
             <a:spAutoFit/>
           </a:bodyPr>
+          <a:lstStyle/>
           <a:p>
             <a:pPr>
               <a:buFont typeface="Arial" panose="020B0604020202020204" pitchFamily="34" charset="0"/>
@@ -5030,15 +5067,8 @@
                 <a:latin typeface="Microsoft YaHei" panose="020B0503020204020204" pitchFamily="34" charset="-122"/>
                 <a:ea typeface="Microsoft YaHei" panose="020B0503020204020204" pitchFamily="34" charset="-122"/>
               </a:rPr>
-              <a:t>1.1</a:t>
+              <a:t>2.3</a:t>
             </a:r>
-            <a:endParaRPr lang="en-US" altLang="zh-CN" sz="2800" b="1" dirty="0">
-              <a:solidFill>
-                <a:schemeClr val="bg1"/>
-              </a:solidFill>
-              <a:latin typeface="Microsoft YaHei" panose="020B0503020204020204" pitchFamily="34" charset="-122"/>
-              <a:ea typeface="Microsoft YaHei" panose="020B0503020204020204" pitchFamily="34" charset="-122"/>
-            </a:endParaRPr>
           </a:p>
         </p:txBody>
       </p:sp>
@@ -5135,31 +5165,15 @@
               </a:rPr>
               <a:t>Linked List</a:t>
             </a:r>
-            <a:endParaRPr kumimoji="0" lang="en-US" altLang="zh-CN" sz="2800" b="1" i="0" u="none" strike="noStrike" kern="1200" cap="none" spc="0" normalizeH="0" baseline="0" noProof="0" dirty="0">
-              <a:ln>
-                <a:noFill/>
-              </a:ln>
-              <a:solidFill>
-                <a:schemeClr val="tx1">
-                  <a:lumMod val="85000"/>
-                  <a:lumOff val="15000"/>
-                </a:schemeClr>
-              </a:solidFill>
-              <a:effectLst/>
-              <a:uLnTx/>
-              <a:uFillTx/>
-              <a:latin typeface="Microsoft YaHei" panose="020B0503020204020204" pitchFamily="34" charset="-122"/>
-              <a:ea typeface="Microsoft YaHei" panose="020B0503020204020204" pitchFamily="34" charset="-122"/>
-              <a:cs typeface="+mn-cs"/>
-              <a:sym typeface="+mn-ea"/>
-            </a:endParaRPr>
           </a:p>
         </p:txBody>
       </p:sp>
       <p:sp>
         <p:nvSpPr>
           <p:cNvPr id="3" name="Content Placeholder 2"/>
-          <p:cNvSpPr/>
+          <p:cNvSpPr>
+            <a:spLocks noGrp="1"/>
+          </p:cNvSpPr>
           <p:nvPr>
             <p:ph idx="1"/>
           </p:nvPr>
@@ -5167,19 +5181,18 @@
         <p:spPr/>
         <p:txBody>
           <a:bodyPr/>
+          <a:lstStyle/>
           <a:p>
             <a:r>
               <a:rPr lang="en-US"/>
               <a:t>Specifically in Python, linked lists and array lists have very similar memory performance</a:t>
             </a:r>
-            <a:endParaRPr lang="en-US"/>
           </a:p>
           <a:p>
             <a:r>
               <a:rPr lang="en-US"/>
               <a:t>No native indexing (ie retrieve value at index n), but there are workarounds</a:t>
             </a:r>
-            <a:endParaRPr lang="en-US"/>
           </a:p>
           <a:p>
             <a:pPr lvl="1"/>
@@ -5187,21 +5200,18 @@
               <a:rPr lang="en-US"/>
               <a:t>Basic implementation of Linked Lists has O(n) retrieval/search time</a:t>
             </a:r>
-            <a:endParaRPr lang="en-US"/>
           </a:p>
           <a:p>
             <a:r>
               <a:rPr lang="en-US"/>
               <a:t>O(1) Insertion/Deletion of elements, anywhere in the list</a:t>
             </a:r>
-            <a:endParaRPr lang="en-US"/>
           </a:p>
           <a:p>
             <a:r>
               <a:rPr lang="en-US"/>
               <a:t>Linked Lists are especially useful for implementing:</a:t>
             </a:r>
-            <a:endParaRPr lang="en-US"/>
           </a:p>
           <a:p>
             <a:pPr lvl="1"/>
@@ -5209,7 +5219,6 @@
               <a:rPr lang="en-US" sz="2400"/>
               <a:t>Stacks and Queues</a:t>
             </a:r>
-            <a:endParaRPr lang="en-US" sz="2400"/>
           </a:p>
           <a:p>
             <a:pPr lvl="1"/>
@@ -5217,7 +5226,6 @@
               <a:rPr lang="en-US"/>
               <a:t>Hashtables (in some cases)</a:t>
             </a:r>
-            <a:endParaRPr lang="en-US"/>
           </a:p>
           <a:p>
             <a:pPr lvl="1"/>
@@ -5225,7 +5233,6 @@
               <a:rPr lang="en-US"/>
               <a:t>Trees and Graphs</a:t>
             </a:r>
-            <a:endParaRPr lang="en-US"/>
           </a:p>
           <a:p>
             <a:endParaRPr lang="en-US"/>
@@ -5252,7 +5259,14 @@
         <p:cNvGrpSpPr/>
         <p:nvPr/>
       </p:nvGrpSpPr>
-      <p:grpSpPr/>
+      <p:grpSpPr>
+        <a:xfrm>
+          <a:off x="0" y="0"/>
+          <a:ext cx="0" cy="0"/>
+          <a:chOff x="0" y="0"/>
+          <a:chExt cx="0" cy="0"/>
+        </a:xfrm>
+      </p:grpSpPr>
       <p:sp>
         <p:nvSpPr>
           <p:cNvPr id="15" name="任意多边形 14"/>
@@ -5405,6 +5419,7 @@
           <a:bodyPr anchor="t" anchorCtr="0">
             <a:spAutoFit/>
           </a:bodyPr>
+          <a:lstStyle/>
           <a:p>
             <a:pPr>
               <a:buFont typeface="Arial" panose="020B0604020202020204" pitchFamily="34" charset="0"/>
@@ -5417,15 +5432,8 @@
                 <a:latin typeface="Microsoft YaHei" panose="020B0503020204020204" pitchFamily="34" charset="-122"/>
                 <a:ea typeface="Microsoft YaHei" panose="020B0503020204020204" pitchFamily="34" charset="-122"/>
               </a:rPr>
-              <a:t>1.1</a:t>
+              <a:t>2.4</a:t>
             </a:r>
-            <a:endParaRPr lang="en-US" altLang="zh-CN" sz="2800" b="1" dirty="0">
-              <a:solidFill>
-                <a:schemeClr val="bg1"/>
-              </a:solidFill>
-              <a:latin typeface="Microsoft YaHei" panose="020B0503020204020204" pitchFamily="34" charset="-122"/>
-              <a:ea typeface="Microsoft YaHei" panose="020B0503020204020204" pitchFamily="34" charset="-122"/>
-            </a:endParaRPr>
           </a:p>
         </p:txBody>
       </p:sp>
@@ -5522,31 +5530,15 @@
               </a:rPr>
               <a:t>Hybrid Data Structures</a:t>
             </a:r>
-            <a:endParaRPr kumimoji="0" lang="en-US" altLang="zh-CN" sz="2800" b="1" i="0" u="none" strike="noStrike" kern="1200" cap="none" spc="0" normalizeH="0" baseline="0" noProof="0" dirty="0">
-              <a:ln>
-                <a:noFill/>
-              </a:ln>
-              <a:solidFill>
-                <a:schemeClr val="tx1">
-                  <a:lumMod val="85000"/>
-                  <a:lumOff val="15000"/>
-                </a:schemeClr>
-              </a:solidFill>
-              <a:effectLst/>
-              <a:uLnTx/>
-              <a:uFillTx/>
-              <a:latin typeface="Microsoft YaHei" panose="020B0503020204020204" pitchFamily="34" charset="-122"/>
-              <a:ea typeface="Microsoft YaHei" panose="020B0503020204020204" pitchFamily="34" charset="-122"/>
-              <a:cs typeface="+mn-cs"/>
-              <a:sym typeface="+mn-ea"/>
-            </a:endParaRPr>
           </a:p>
         </p:txBody>
       </p:sp>
       <p:sp>
         <p:nvSpPr>
           <p:cNvPr id="3" name="Content Placeholder 2"/>
-          <p:cNvSpPr/>
+          <p:cNvSpPr>
+            <a:spLocks noGrp="1"/>
+          </p:cNvSpPr>
           <p:nvPr>
             <p:ph idx="1"/>
           </p:nvPr>
@@ -5554,12 +5546,12 @@
         <p:spPr/>
         <p:txBody>
           <a:bodyPr/>
+          <a:lstStyle/>
           <a:p>
             <a:r>
               <a:rPr lang="en-US"/>
               <a:t>Many basic data structures are often provided by the programming language libraries.</a:t>
             </a:r>
-            <a:endParaRPr lang="en-US"/>
           </a:p>
           <a:p>
             <a:pPr lvl="1"/>
@@ -5567,14 +5559,12 @@
               <a:rPr lang="en-US"/>
               <a:t>List, dequeue, dictionary, and so on</a:t>
             </a:r>
-            <a:endParaRPr lang="en-US"/>
           </a:p>
           <a:p>
             <a:r>
               <a:rPr lang="en-US"/>
               <a:t>But sometimes a hybrid structure needs to be implemented for a particular application.</a:t>
             </a:r>
-            <a:endParaRPr lang="en-US"/>
           </a:p>
           <a:p>
             <a:pPr lvl="1"/>
@@ -5582,7 +5572,6 @@
               <a:rPr lang="en-US"/>
               <a:t>We need fast lookup of names but also want to maintain the order in which the names were entered into the system</a:t>
             </a:r>
-            <a:endParaRPr lang="en-US"/>
           </a:p>
           <a:p>
             <a:pPr lvl="2"/>
@@ -5590,7 +5579,6 @@
               <a:rPr lang="en-US"/>
               <a:t>Linked list running through a hash table</a:t>
             </a:r>
-            <a:endParaRPr lang="en-US"/>
           </a:p>
         </p:txBody>
       </p:sp>
@@ -5614,30 +5602,37 @@
         <p:cNvGrpSpPr/>
         <p:nvPr/>
       </p:nvGrpSpPr>
-      <p:grpSpPr/>
+      <p:grpSpPr>
+        <a:xfrm>
+          <a:off x="0" y="0"/>
+          <a:ext cx="0" cy="0"/>
+          <a:chOff x="0" y="0"/>
+          <a:chExt cx="0" cy="0"/>
+        </a:xfrm>
+      </p:grpSpPr>
       <p:sp>
         <p:nvSpPr>
-          <p:cNvPr id="46" name="任意多边形 45"/>
+          <p:cNvPr id="15" name="任意多边形 14"/>
           <p:cNvSpPr/>
           <p:nvPr/>
         </p:nvSpPr>
         <p:spPr>
           <a:xfrm>
-            <a:off x="0" y="260350"/>
-            <a:ext cx="3922395" cy="739775"/>
+            <a:off x="0" y="274638"/>
+            <a:ext cx="890588" cy="639763"/>
           </a:xfrm>
           <a:custGeom>
             <a:avLst/>
             <a:gdLst>
-              <a:gd name="connsiteX0" fmla="*/ 0 w 2091831"/>
+              <a:gd name="connsiteX0" fmla="*/ 0 w 1029743"/>
               <a:gd name="connsiteY0" fmla="*/ 0 h 739718"/>
-              <a:gd name="connsiteX1" fmla="*/ 1721972 w 2091831"/>
+              <a:gd name="connsiteX1" fmla="*/ 659884 w 1029743"/>
               <a:gd name="connsiteY1" fmla="*/ 0 h 739718"/>
-              <a:gd name="connsiteX2" fmla="*/ 2091831 w 2091831"/>
+              <a:gd name="connsiteX2" fmla="*/ 1029743 w 1029743"/>
               <a:gd name="connsiteY2" fmla="*/ 369859 h 739718"/>
-              <a:gd name="connsiteX3" fmla="*/ 1721972 w 2091831"/>
+              <a:gd name="connsiteX3" fmla="*/ 659884 w 1029743"/>
               <a:gd name="connsiteY3" fmla="*/ 739718 h 739718"/>
-              <a:gd name="connsiteX4" fmla="*/ 0 w 2091831"/>
+              <a:gd name="connsiteX4" fmla="*/ 0 w 1029743"/>
               <a:gd name="connsiteY4" fmla="*/ 739718 h 739718"/>
             </a:gdLst>
             <a:ahLst/>
@@ -5660,22 +5655,22 @@
             </a:cxnLst>
             <a:rect l="l" t="t" r="r" b="b"/>
             <a:pathLst>
-              <a:path w="2091831" h="739718">
+              <a:path w="1029743" h="739718">
                 <a:moveTo>
                   <a:pt x="0" y="0"/>
                 </a:moveTo>
                 <a:lnTo>
-                  <a:pt x="1721972" y="0"/>
+                  <a:pt x="659884" y="0"/>
                 </a:lnTo>
                 <a:cubicBezTo>
-                  <a:pt x="1926239" y="0"/>
-                  <a:pt x="2091831" y="165592"/>
-                  <a:pt x="2091831" y="369859"/>
-                </a:cubicBezTo>
-                <a:cubicBezTo>
-                  <a:pt x="2091831" y="574126"/>
-                  <a:pt x="1926239" y="739718"/>
-                  <a:pt x="1721972" y="739718"/>
+                  <a:pt x="864151" y="0"/>
+                  <a:pt x="1029743" y="165592"/>
+                  <a:pt x="1029743" y="369859"/>
+                </a:cubicBezTo>
+                <a:cubicBezTo>
+                  <a:pt x="1029743" y="574126"/>
+                  <a:pt x="864151" y="739718"/>
+                  <a:pt x="659884" y="739718"/>
                 </a:cubicBezTo>
                 <a:lnTo>
                   <a:pt x="0" y="739718"/>
@@ -5732,6 +5727,325 @@
                 <a:noFill/>
               </a:ln>
               <a:solidFill>
+                <a:schemeClr val="bg1"/>
+              </a:solidFill>
+              <a:effectLst/>
+              <a:uLnTx/>
+              <a:uFillTx/>
+              <a:latin typeface="+mn-lt"/>
+              <a:ea typeface="+mn-ea"/>
+              <a:cs typeface="+mn-cs"/>
+            </a:endParaRPr>
+          </a:p>
+        </p:txBody>
+      </p:sp>
+      <p:sp>
+        <p:nvSpPr>
+          <p:cNvPr id="7170" name="文本框 156"/>
+          <p:cNvSpPr txBox="1"/>
+          <p:nvPr/>
+        </p:nvSpPr>
+        <p:spPr>
+          <a:xfrm>
+            <a:off x="0" y="350838"/>
+            <a:ext cx="814388" cy="521970"/>
+          </a:xfrm>
+          <a:prstGeom prst="rect">
+            <a:avLst/>
+          </a:prstGeom>
+          <a:noFill/>
+          <a:ln w="9525">
+            <a:noFill/>
+          </a:ln>
+        </p:spPr>
+        <p:txBody>
+          <a:bodyPr anchor="t" anchorCtr="0">
+            <a:spAutoFit/>
+          </a:bodyPr>
+          <a:lstStyle/>
+          <a:p>
+            <a:pPr>
+              <a:buFont typeface="Arial" panose="020B0604020202020204" pitchFamily="34" charset="0"/>
+            </a:pPr>
+            <a:r>
+              <a:rPr lang="en-US" altLang="zh-CN" sz="2800" b="1" dirty="0">
+                <a:solidFill>
+                  <a:schemeClr val="bg1"/>
+                </a:solidFill>
+                <a:latin typeface="Microsoft YaHei" panose="020B0503020204020204" pitchFamily="34" charset="-122"/>
+                <a:ea typeface="Microsoft YaHei" panose="020B0503020204020204" pitchFamily="34" charset="-122"/>
+              </a:rPr>
+              <a:t>2.5</a:t>
+            </a:r>
+          </a:p>
+        </p:txBody>
+      </p:sp>
+      <p:sp>
+        <p:nvSpPr>
+          <p:cNvPr id="16" name="Rectangle 6"/>
+          <p:cNvSpPr>
+            <a:spLocks noChangeArrowheads="1"/>
+          </p:cNvSpPr>
+          <p:nvPr/>
+        </p:nvSpPr>
+        <p:spPr bwMode="black">
+          <a:xfrm>
+            <a:off x="1021080" y="351155"/>
+            <a:ext cx="6515735" cy="521970"/>
+          </a:xfrm>
+          <a:prstGeom prst="rect">
+            <a:avLst/>
+          </a:prstGeom>
+          <a:noFill/>
+          <a:ln>
+            <a:noFill/>
+          </a:ln>
+          <a:effectLst/>
+          <a:extLst>
+            <a:ext uri="{909E8E84-426E-40DD-AFC4-6F175D3DCCD1}">
+              <a14:hiddenFill xmlns:a14="http://schemas.microsoft.com/office/drawing/2010/main">
+                <a:solidFill>
+                  <a:schemeClr val="accent1"/>
+                </a:solidFill>
+              </a14:hiddenFill>
+            </a:ext>
+            <a:ext uri="{91240B29-F687-4F45-9708-019B960494DF}">
+              <a14:hiddenLine xmlns:a14="http://schemas.microsoft.com/office/drawing/2010/main" w="9525">
+                <a:solidFill>
+                  <a:schemeClr val="tx1"/>
+                </a:solidFill>
+                <a:miter lim="800000"/>
+                <a:headEnd/>
+                <a:tailEnd/>
+              </a14:hiddenLine>
+            </a:ext>
+            <a:ext uri="{AF507438-7753-43E0-B8FC-AC1667EBCBE1}">
+              <a14:hiddenEffects xmlns:a14="http://schemas.microsoft.com/office/drawing/2010/main">
+                <a:effectLst>
+                  <a:outerShdw dist="35921" dir="2700000" algn="ctr" rotWithShape="0">
+                    <a:schemeClr val="bg2"/>
+                  </a:outerShdw>
+                </a:effectLst>
+              </a14:hiddenEffects>
+            </a:ext>
+          </a:extLst>
+        </p:spPr>
+        <p:txBody>
+          <a:bodyPr wrap="square">
+            <a:spAutoFit/>
+          </a:bodyPr>
+          <a:lstStyle/>
+          <a:p>
+            <a:pPr marL="0" marR="0" lvl="0" indent="0" algn="l" defTabSz="914400" rtl="0" eaLnBrk="0" fontAlgn="auto" latinLnBrk="0" hangingPunct="0">
+              <a:lnSpc>
+                <a:spcPct val="100000"/>
+              </a:lnSpc>
+              <a:spcBef>
+                <a:spcPts val="0"/>
+              </a:spcBef>
+              <a:spcAft>
+                <a:spcPts val="0"/>
+              </a:spcAft>
+              <a:buClrTx/>
+              <a:buSzTx/>
+              <a:buFontTx/>
+              <a:buNone/>
+              <a:defRPr/>
+            </a:pPr>
+            <a:r>
+              <a:rPr kumimoji="0" lang="en-US" altLang="zh-CN" sz="2800" b="1" i="0" u="none" strike="noStrike" kern="1200" cap="none" spc="0" normalizeH="0" baseline="0" noProof="0" dirty="0">
+                <a:ln>
+                  <a:noFill/>
+                </a:ln>
+                <a:solidFill>
+                  <a:schemeClr val="tx1">
+                    <a:lumMod val="85000"/>
+                    <a:lumOff val="15000"/>
+                  </a:schemeClr>
+                </a:solidFill>
+                <a:effectLst/>
+                <a:uLnTx/>
+                <a:uFillTx/>
+                <a:latin typeface="Microsoft YaHei" panose="020B0503020204020204" pitchFamily="34" charset="-122"/>
+                <a:ea typeface="Microsoft YaHei" panose="020B0503020204020204" pitchFamily="34" charset="-122"/>
+                <a:cs typeface="+mn-cs"/>
+                <a:sym typeface="+mn-ea"/>
+              </a:rPr>
+              <a:t>Linked List - Demo Exercise</a:t>
+            </a:r>
+          </a:p>
+        </p:txBody>
+      </p:sp>
+      <p:sp>
+        <p:nvSpPr>
+          <p:cNvPr id="3" name="Content Placeholder 2"/>
+          <p:cNvSpPr>
+            <a:spLocks noGrp="1"/>
+          </p:cNvSpPr>
+          <p:nvPr>
+            <p:ph idx="1"/>
+          </p:nvPr>
+        </p:nvSpPr>
+        <p:spPr/>
+        <p:txBody>
+          <a:bodyPr/>
+          <a:lstStyle/>
+          <a:p>
+            <a:pPr lvl="0"/>
+            <a:endParaRPr lang="en-US" dirty="0"/>
+          </a:p>
+        </p:txBody>
+      </p:sp>
+    </p:spTree>
+    <p:extLst>
+      <p:ext uri="{BB962C8B-B14F-4D97-AF65-F5344CB8AC3E}">
+        <p14:creationId xmlns:p14="http://schemas.microsoft.com/office/powerpoint/2010/main" val="3114258392"/>
+      </p:ext>
+    </p:extLst>
+  </p:cSld>
+  <p:clrMapOvr>
+    <a:masterClrMapping/>
+  </p:clrMapOvr>
+  <p:transition spd="slow">
+    <p:wipe/>
+  </p:transition>
+</p:sld>
+</file>
+
+<file path=ppt/slides/slide13.xml><?xml version="1.0" encoding="utf-8"?>
+<p:sld xmlns:a="http://schemas.openxmlformats.org/drawingml/2006/main" xmlns:r="http://schemas.openxmlformats.org/officeDocument/2006/relationships" xmlns:p="http://schemas.openxmlformats.org/presentationml/2006/main">
+  <p:cSld>
+    <p:spTree>
+      <p:nvGrpSpPr>
+        <p:cNvPr id="1" name=""/>
+        <p:cNvGrpSpPr/>
+        <p:nvPr/>
+      </p:nvGrpSpPr>
+      <p:grpSpPr>
+        <a:xfrm>
+          <a:off x="0" y="0"/>
+          <a:ext cx="0" cy="0"/>
+          <a:chOff x="0" y="0"/>
+          <a:chExt cx="0" cy="0"/>
+        </a:xfrm>
+      </p:grpSpPr>
+      <p:sp>
+        <p:nvSpPr>
+          <p:cNvPr id="46" name="任意多边形 45"/>
+          <p:cNvSpPr/>
+          <p:nvPr/>
+        </p:nvSpPr>
+        <p:spPr>
+          <a:xfrm>
+            <a:off x="0" y="260350"/>
+            <a:ext cx="3922395" cy="739775"/>
+          </a:xfrm>
+          <a:custGeom>
+            <a:avLst/>
+            <a:gdLst>
+              <a:gd name="connsiteX0" fmla="*/ 0 w 2091831"/>
+              <a:gd name="connsiteY0" fmla="*/ 0 h 739718"/>
+              <a:gd name="connsiteX1" fmla="*/ 1721972 w 2091831"/>
+              <a:gd name="connsiteY1" fmla="*/ 0 h 739718"/>
+              <a:gd name="connsiteX2" fmla="*/ 2091831 w 2091831"/>
+              <a:gd name="connsiteY2" fmla="*/ 369859 h 739718"/>
+              <a:gd name="connsiteX3" fmla="*/ 1721972 w 2091831"/>
+              <a:gd name="connsiteY3" fmla="*/ 739718 h 739718"/>
+              <a:gd name="connsiteX4" fmla="*/ 0 w 2091831"/>
+              <a:gd name="connsiteY4" fmla="*/ 739718 h 739718"/>
+            </a:gdLst>
+            <a:ahLst/>
+            <a:cxnLst>
+              <a:cxn ang="0">
+                <a:pos x="connsiteX0" y="connsiteY0"/>
+              </a:cxn>
+              <a:cxn ang="0">
+                <a:pos x="connsiteX1" y="connsiteY1"/>
+              </a:cxn>
+              <a:cxn ang="0">
+                <a:pos x="connsiteX2" y="connsiteY2"/>
+              </a:cxn>
+              <a:cxn ang="0">
+                <a:pos x="connsiteX3" y="connsiteY3"/>
+              </a:cxn>
+              <a:cxn ang="0">
+                <a:pos x="connsiteX4" y="connsiteY4"/>
+              </a:cxn>
+            </a:cxnLst>
+            <a:rect l="l" t="t" r="r" b="b"/>
+            <a:pathLst>
+              <a:path w="2091831" h="739718">
+                <a:moveTo>
+                  <a:pt x="0" y="0"/>
+                </a:moveTo>
+                <a:lnTo>
+                  <a:pt x="1721972" y="0"/>
+                </a:lnTo>
+                <a:cubicBezTo>
+                  <a:pt x="1926239" y="0"/>
+                  <a:pt x="2091831" y="165592"/>
+                  <a:pt x="2091831" y="369859"/>
+                </a:cubicBezTo>
+                <a:cubicBezTo>
+                  <a:pt x="2091831" y="574126"/>
+                  <a:pt x="1926239" y="739718"/>
+                  <a:pt x="1721972" y="739718"/>
+                </a:cubicBezTo>
+                <a:lnTo>
+                  <a:pt x="0" y="739718"/>
+                </a:lnTo>
+                <a:close/>
+              </a:path>
+            </a:pathLst>
+          </a:custGeom>
+          <a:solidFill>
+            <a:srgbClr val="05B780"/>
+          </a:solidFill>
+          <a:ln>
+            <a:noFill/>
+          </a:ln>
+        </p:spPr>
+        <p:style>
+          <a:lnRef idx="2">
+            <a:schemeClr val="accent1">
+              <a:shade val="50000"/>
+            </a:schemeClr>
+          </a:lnRef>
+          <a:fillRef idx="1">
+            <a:schemeClr val="accent1"/>
+          </a:fillRef>
+          <a:effectRef idx="0">
+            <a:schemeClr val="accent1"/>
+          </a:effectRef>
+          <a:fontRef idx="minor">
+            <a:schemeClr val="lt1"/>
+          </a:fontRef>
+        </p:style>
+        <p:txBody>
+          <a:bodyPr anchor="ctr"/>
+          <a:lstStyle/>
+          <a:p>
+            <a:pPr marL="0" marR="0" lvl="0" indent="0" algn="ctr" defTabSz="914400" rtl="0" eaLnBrk="1" fontAlgn="auto" latinLnBrk="0" hangingPunct="1">
+              <a:lnSpc>
+                <a:spcPct val="100000"/>
+              </a:lnSpc>
+              <a:spcBef>
+                <a:spcPts val="0"/>
+              </a:spcBef>
+              <a:spcAft>
+                <a:spcPts val="0"/>
+              </a:spcAft>
+              <a:buClrTx/>
+              <a:buSzTx/>
+              <a:buFontTx/>
+              <a:buNone/>
+              <a:defRPr/>
+            </a:pPr>
+            <a:endParaRPr kumimoji="0" lang="zh-CN" altLang="en-US" sz="1800" b="0" i="0" u="none" strike="noStrike" kern="1200" cap="none" spc="0" normalizeH="0" baseline="0" noProof="0">
+              <a:ln>
+                <a:noFill/>
+              </a:ln>
+              <a:solidFill>
                 <a:schemeClr val="lt1"/>
               </a:solidFill>
               <a:effectLst/>
@@ -5767,6 +6081,7 @@
           <a:bodyPr wrap="square" anchor="t" anchorCtr="0">
             <a:spAutoFit/>
           </a:bodyPr>
+          <a:lstStyle/>
           <a:p>
             <a:pPr>
               <a:buFont typeface="Arial" panose="020B0604020202020204" pitchFamily="34" charset="0"/>
@@ -5889,6 +6204,7 @@
           <a:bodyPr wrap="square" anchor="t" anchorCtr="0">
             <a:spAutoFit/>
           </a:bodyPr>
+          <a:lstStyle/>
           <a:p>
             <a:pPr>
               <a:buFont typeface="Arial" panose="020B0604020202020204" pitchFamily="34" charset="0"/>
@@ -5903,13 +6219,6 @@
               </a:rPr>
               <a:t>Binary Tree</a:t>
             </a:r>
-            <a:endParaRPr lang="en-US" altLang="zh-CN" sz="3200" b="1" dirty="0">
-              <a:solidFill>
-                <a:srgbClr val="05B780"/>
-              </a:solidFill>
-              <a:latin typeface="Microsoft YaHei" panose="020B0503020204020204" pitchFamily="34" charset="-122"/>
-              <a:ea typeface="Microsoft YaHei" panose="020B0503020204020204" pitchFamily="34" charset="-122"/>
-            </a:endParaRPr>
           </a:p>
         </p:txBody>
       </p:sp>
@@ -6027,6 +6336,7 @@
             <a:bodyPr wrap="square" anchor="t" anchorCtr="0">
               <a:spAutoFit/>
             </a:bodyPr>
+            <a:lstStyle/>
             <a:p>
               <a:pPr>
                 <a:buFont typeface="Arial" panose="020B0604020202020204" pitchFamily="34" charset="0"/>
@@ -6041,13 +6351,6 @@
                 </a:rPr>
                 <a:t>03</a:t>
               </a:r>
-              <a:endParaRPr lang="en-US" altLang="zh-CN" sz="4400" b="1" dirty="0">
-                <a:solidFill>
-                  <a:schemeClr val="bg1"/>
-                </a:solidFill>
-                <a:latin typeface="Microsoft YaHei" panose="020B0503020204020204" pitchFamily="34" charset="-122"/>
-                <a:ea typeface="Microsoft YaHei" panose="020B0503020204020204" pitchFamily="34" charset="-122"/>
-              </a:endParaRPr>
             </a:p>
           </p:txBody>
         </p:sp>
@@ -6063,7 +6366,7 @@
 </p:sld>
 </file>
 
-<file path=ppt/slides/slide13.xml><?xml version="1.0" encoding="utf-8"?>
+<file path=ppt/slides/slide14.xml><?xml version="1.0" encoding="utf-8"?>
 <p:sld xmlns:a="http://schemas.openxmlformats.org/drawingml/2006/main" xmlns:r="http://schemas.openxmlformats.org/officeDocument/2006/relationships" xmlns:p="http://schemas.openxmlformats.org/presentationml/2006/main">
   <p:cSld>
     <p:spTree>
@@ -6072,7 +6375,14 @@
         <p:cNvGrpSpPr/>
         <p:nvPr/>
       </p:nvGrpSpPr>
-      <p:grpSpPr/>
+      <p:grpSpPr>
+        <a:xfrm>
+          <a:off x="0" y="0"/>
+          <a:ext cx="0" cy="0"/>
+          <a:chOff x="0" y="0"/>
+          <a:chExt cx="0" cy="0"/>
+        </a:xfrm>
+      </p:grpSpPr>
       <p:sp>
         <p:nvSpPr>
           <p:cNvPr id="15" name="任意多边形 14"/>
@@ -6225,6 +6535,7 @@
           <a:bodyPr anchor="t" anchorCtr="0">
             <a:spAutoFit/>
           </a:bodyPr>
+          <a:lstStyle/>
           <a:p>
             <a:pPr>
               <a:buFont typeface="Arial" panose="020B0604020202020204" pitchFamily="34" charset="0"/>
@@ -6237,15 +6548,8 @@
                 <a:latin typeface="Microsoft YaHei" panose="020B0503020204020204" pitchFamily="34" charset="-122"/>
                 <a:ea typeface="Microsoft YaHei" panose="020B0503020204020204" pitchFamily="34" charset="-122"/>
               </a:rPr>
-              <a:t>1.1</a:t>
+              <a:t>3.1</a:t>
             </a:r>
-            <a:endParaRPr lang="en-US" altLang="zh-CN" sz="2800" b="1" dirty="0">
-              <a:solidFill>
-                <a:schemeClr val="bg1"/>
-              </a:solidFill>
-              <a:latin typeface="Microsoft YaHei" panose="020B0503020204020204" pitchFamily="34" charset="-122"/>
-              <a:ea typeface="Microsoft YaHei" panose="020B0503020204020204" pitchFamily="34" charset="-122"/>
-            </a:endParaRPr>
           </a:p>
         </p:txBody>
       </p:sp>
@@ -6342,31 +6646,15 @@
               </a:rPr>
               <a:t>Binary Tree</a:t>
             </a:r>
-            <a:endParaRPr kumimoji="0" lang="en-US" altLang="zh-CN" sz="2800" b="1" i="0" u="none" strike="noStrike" kern="1200" cap="none" spc="0" normalizeH="0" baseline="0" noProof="0" dirty="0">
-              <a:ln>
-                <a:noFill/>
-              </a:ln>
-              <a:solidFill>
-                <a:schemeClr val="tx1">
-                  <a:lumMod val="85000"/>
-                  <a:lumOff val="15000"/>
-                </a:schemeClr>
-              </a:solidFill>
-              <a:effectLst/>
-              <a:uLnTx/>
-              <a:uFillTx/>
-              <a:latin typeface="Microsoft YaHei" panose="020B0503020204020204" pitchFamily="34" charset="-122"/>
-              <a:ea typeface="Microsoft YaHei" panose="020B0503020204020204" pitchFamily="34" charset="-122"/>
-              <a:cs typeface="+mn-cs"/>
-              <a:sym typeface="+mn-ea"/>
-            </a:endParaRPr>
           </a:p>
         </p:txBody>
       </p:sp>
       <p:sp>
         <p:nvSpPr>
           <p:cNvPr id="3" name="Content Placeholder 2"/>
-          <p:cNvSpPr/>
+          <p:cNvSpPr>
+            <a:spLocks noGrp="1"/>
+          </p:cNvSpPr>
           <p:nvPr>
             <p:ph idx="1"/>
           </p:nvPr>
@@ -6374,58 +6662,53 @@
         <p:spPr/>
         <p:txBody>
           <a:bodyPr/>
+          <a:lstStyle/>
           <a:p>
             <a:r>
-              <a:rPr lang="en-US"/>
+              <a:rPr lang="en-US" dirty="0"/>
               <a:t>Terminology: Tree</a:t>
             </a:r>
-            <a:endParaRPr lang="en-US"/>
           </a:p>
           <a:p>
             <a:pPr lvl="1"/>
             <a:r>
-              <a:rPr lang="en-US"/>
+              <a:rPr lang="en-US" dirty="0"/>
               <a:t>A tree is a directed graph with no cycles</a:t>
             </a:r>
-            <a:endParaRPr lang="en-US"/>
           </a:p>
           <a:p>
             <a:pPr lvl="1"/>
             <a:r>
-              <a:rPr lang="en-US"/>
+              <a:rPr lang="en-US" dirty="0"/>
               <a:t>Trees, like Graphs, are non-linear data structures that represent nodes connected by edges</a:t>
             </a:r>
-            <a:endParaRPr lang="en-US"/>
           </a:p>
           <a:p>
             <a:pPr lvl="0"/>
             <a:r>
-              <a:rPr lang="en-US"/>
+              <a:rPr lang="en-US" dirty="0"/>
               <a:t>In the case of binary trees, every parent node will have up to two child nodes</a:t>
             </a:r>
-            <a:endParaRPr lang="en-US"/>
           </a:p>
           <a:p>
             <a:pPr lvl="0"/>
             <a:r>
-              <a:rPr lang="en-US"/>
+              <a:rPr lang="en-US" dirty="0"/>
               <a:t>Some other terminologies:</a:t>
             </a:r>
-            <a:endParaRPr lang="en-US"/>
           </a:p>
           <a:p>
             <a:pPr lvl="1"/>
             <a:r>
-              <a:rPr lang="en-US"/>
+              <a:rPr lang="en-US" dirty="0"/>
               <a:t>Leaf, internal node, sibling, parent, child, ancestor, descendant, degree, full tree, complete tree, height, depth</a:t>
             </a:r>
-            <a:endParaRPr lang="en-US"/>
           </a:p>
           <a:p>
             <a:pPr marL="457200" lvl="1" indent="0">
               <a:buNone/>
             </a:pPr>
-            <a:endParaRPr lang="en-US"/>
+            <a:endParaRPr lang="en-US" dirty="0"/>
           </a:p>
         </p:txBody>
       </p:sp>
@@ -6440,7 +6723,7 @@
 </p:sld>
 </file>
 
-<file path=ppt/slides/slide14.xml><?xml version="1.0" encoding="utf-8"?>
+<file path=ppt/slides/slide15.xml><?xml version="1.0" encoding="utf-8"?>
 <p:sld xmlns:a="http://schemas.openxmlformats.org/drawingml/2006/main" xmlns:r="http://schemas.openxmlformats.org/officeDocument/2006/relationships" xmlns:p="http://schemas.openxmlformats.org/presentationml/2006/main">
   <p:cSld>
     <p:spTree>
@@ -6449,7 +6732,14 @@
         <p:cNvGrpSpPr/>
         <p:nvPr/>
       </p:nvGrpSpPr>
-      <p:grpSpPr/>
+      <p:grpSpPr>
+        <a:xfrm>
+          <a:off x="0" y="0"/>
+          <a:ext cx="0" cy="0"/>
+          <a:chOff x="0" y="0"/>
+          <a:chExt cx="0" cy="0"/>
+        </a:xfrm>
+      </p:grpSpPr>
       <p:sp>
         <p:nvSpPr>
           <p:cNvPr id="15" name="任意多边形 14"/>
@@ -6602,6 +6892,7 @@
           <a:bodyPr anchor="t" anchorCtr="0">
             <a:spAutoFit/>
           </a:bodyPr>
+          <a:lstStyle/>
           <a:p>
             <a:pPr>
               <a:buFont typeface="Arial" panose="020B0604020202020204" pitchFamily="34" charset="0"/>
@@ -6614,15 +6905,8 @@
                 <a:latin typeface="Microsoft YaHei" panose="020B0503020204020204" pitchFamily="34" charset="-122"/>
                 <a:ea typeface="Microsoft YaHei" panose="020B0503020204020204" pitchFamily="34" charset="-122"/>
               </a:rPr>
-              <a:t>1.1</a:t>
+              <a:t>3.2</a:t>
             </a:r>
-            <a:endParaRPr lang="en-US" altLang="zh-CN" sz="2800" b="1" dirty="0">
-              <a:solidFill>
-                <a:schemeClr val="bg1"/>
-              </a:solidFill>
-              <a:latin typeface="Microsoft YaHei" panose="020B0503020204020204" pitchFamily="34" charset="-122"/>
-              <a:ea typeface="Microsoft YaHei" panose="020B0503020204020204" pitchFamily="34" charset="-122"/>
-            </a:endParaRPr>
           </a:p>
         </p:txBody>
       </p:sp>
@@ -6719,31 +7003,15 @@
               </a:rPr>
               <a:t>Definitions</a:t>
             </a:r>
-            <a:endParaRPr kumimoji="0" lang="en-US" altLang="zh-CN" sz="2800" b="1" i="0" u="none" strike="noStrike" kern="1200" cap="none" spc="0" normalizeH="0" baseline="0" noProof="0" dirty="0">
-              <a:ln>
-                <a:noFill/>
-              </a:ln>
-              <a:solidFill>
-                <a:schemeClr val="tx1">
-                  <a:lumMod val="85000"/>
-                  <a:lumOff val="15000"/>
-                </a:schemeClr>
-              </a:solidFill>
-              <a:effectLst/>
-              <a:uLnTx/>
-              <a:uFillTx/>
-              <a:latin typeface="Microsoft YaHei" panose="020B0503020204020204" pitchFamily="34" charset="-122"/>
-              <a:ea typeface="Microsoft YaHei" panose="020B0503020204020204" pitchFamily="34" charset="-122"/>
-              <a:cs typeface="+mn-cs"/>
-              <a:sym typeface="+mn-ea"/>
-            </a:endParaRPr>
           </a:p>
         </p:txBody>
       </p:sp>
       <p:sp>
         <p:nvSpPr>
           <p:cNvPr id="3" name="Content Placeholder 2"/>
-          <p:cNvSpPr/>
+          <p:cNvSpPr>
+            <a:spLocks noGrp="1"/>
+          </p:cNvSpPr>
           <p:nvPr>
             <p:ph idx="1"/>
           </p:nvPr>
@@ -6756,33 +7024,30 @@
         </p:spPr>
         <p:txBody>
           <a:bodyPr/>
+          <a:lstStyle/>
           <a:p>
             <a:r>
               <a:rPr lang="en-US"/>
               <a:t>There exists a path from the root to any node</a:t>
             </a:r>
-            <a:endParaRPr lang="en-US"/>
           </a:p>
           <a:p>
             <a:r>
               <a:rPr lang="en-US"/>
               <a:t>The tree has N-1 Edges, where N is the number of nodes in the tree</a:t>
             </a:r>
-            <a:endParaRPr lang="en-US"/>
           </a:p>
           <a:p>
             <a:r>
               <a:rPr lang="en-US"/>
               <a:t>Each node has exactly one parent node, except the root node</a:t>
             </a:r>
-            <a:endParaRPr lang="en-US"/>
           </a:p>
           <a:p>
             <a:r>
               <a:rPr lang="en-US"/>
               <a:t>Each parent has up to two children nodes</a:t>
             </a:r>
-            <a:endParaRPr lang="en-US"/>
           </a:p>
         </p:txBody>
       </p:sp>
@@ -6795,7 +7060,7 @@
           <p:nvPr/>
         </p:nvPicPr>
         <p:blipFill>
-          <a:blip r:embed="rId1"/>
+          <a:blip r:embed="rId2"/>
           <a:stretch>
             <a:fillRect/>
           </a:stretch>
@@ -6819,7 +7084,7 @@
           <p:nvPr/>
         </p:nvPicPr>
         <p:blipFill>
-          <a:blip r:embed="rId2"/>
+          <a:blip r:embed="rId3"/>
           <a:stretch>
             <a:fillRect/>
           </a:stretch>
@@ -6845,7 +7110,7 @@
 </p:sld>
 </file>
 
-<file path=ppt/slides/slide15.xml><?xml version="1.0" encoding="utf-8"?>
+<file path=ppt/slides/slide16.xml><?xml version="1.0" encoding="utf-8"?>
 <p:sld xmlns:a="http://schemas.openxmlformats.org/drawingml/2006/main" xmlns:r="http://schemas.openxmlformats.org/officeDocument/2006/relationships" xmlns:p="http://schemas.openxmlformats.org/presentationml/2006/main">
   <p:cSld>
     <p:spTree>
@@ -6854,7 +7119,14 @@
         <p:cNvGrpSpPr/>
         <p:nvPr/>
       </p:nvGrpSpPr>
-      <p:grpSpPr/>
+      <p:grpSpPr>
+        <a:xfrm>
+          <a:off x="0" y="0"/>
+          <a:ext cx="0" cy="0"/>
+          <a:chOff x="0" y="0"/>
+          <a:chExt cx="0" cy="0"/>
+        </a:xfrm>
+      </p:grpSpPr>
       <p:sp>
         <p:nvSpPr>
           <p:cNvPr id="15" name="任意多边形 14"/>
@@ -7007,6 +7279,7 @@
           <a:bodyPr anchor="t" anchorCtr="0">
             <a:spAutoFit/>
           </a:bodyPr>
+          <a:lstStyle/>
           <a:p>
             <a:pPr>
               <a:buFont typeface="Arial" panose="020B0604020202020204" pitchFamily="34" charset="0"/>
@@ -7019,15 +7292,8 @@
                 <a:latin typeface="Microsoft YaHei" panose="020B0503020204020204" pitchFamily="34" charset="-122"/>
                 <a:ea typeface="Microsoft YaHei" panose="020B0503020204020204" pitchFamily="34" charset="-122"/>
               </a:rPr>
-              <a:t>1.1</a:t>
+              <a:t>3.3</a:t>
             </a:r>
-            <a:endParaRPr lang="en-US" altLang="zh-CN" sz="2800" b="1" dirty="0">
-              <a:solidFill>
-                <a:schemeClr val="bg1"/>
-              </a:solidFill>
-              <a:latin typeface="Microsoft YaHei" panose="020B0503020204020204" pitchFamily="34" charset="-122"/>
-              <a:ea typeface="Microsoft YaHei" panose="020B0503020204020204" pitchFamily="34" charset="-122"/>
-            </a:endParaRPr>
           </a:p>
         </p:txBody>
       </p:sp>
@@ -7124,24 +7390,6 @@
               </a:rPr>
               <a:t>Definitions</a:t>
             </a:r>
-            <a:endParaRPr kumimoji="0" lang="en-US" altLang="zh-CN" sz="2800" b="1" i="0" u="none" strike="noStrike" kern="1200" cap="none" spc="0" normalizeH="0" baseline="0" noProof="0" dirty="0">
-              <a:ln>
-                <a:noFill/>
-              </a:ln>
-              <a:solidFill>
-                <a:schemeClr val="tx1">
-                  <a:lumMod val="85000"/>
-                  <a:lumOff val="15000"/>
-                </a:schemeClr>
-              </a:solidFill>
-              <a:effectLst/>
-              <a:uLnTx/>
-              <a:uFillTx/>
-              <a:latin typeface="Microsoft YaHei" panose="020B0503020204020204" pitchFamily="34" charset="-122"/>
-              <a:ea typeface="Microsoft YaHei" panose="020B0503020204020204" pitchFamily="34" charset="-122"/>
-              <a:cs typeface="+mn-cs"/>
-              <a:sym typeface="+mn-ea"/>
-            </a:endParaRPr>
           </a:p>
         </p:txBody>
       </p:sp>
@@ -7149,14 +7397,14 @@
         <p:nvPicPr>
           <p:cNvPr id="2" name="Content Placeholder 1"/>
           <p:cNvPicPr>
-            <a:picLocks noChangeAspect="1"/>
+            <a:picLocks noGrp="1" noChangeAspect="1"/>
           </p:cNvPicPr>
           <p:nvPr>
             <p:ph idx="1"/>
           </p:nvPr>
         </p:nvPicPr>
         <p:blipFill>
-          <a:blip r:embed="rId1"/>
+          <a:blip r:embed="rId2"/>
           <a:stretch>
             <a:fillRect/>
           </a:stretch>
@@ -7180,7 +7428,7 @@
           <p:nvPr/>
         </p:nvPicPr>
         <p:blipFill>
-          <a:blip r:embed="rId2"/>
+          <a:blip r:embed="rId3"/>
           <a:stretch>
             <a:fillRect/>
           </a:stretch>
@@ -7215,6 +7463,7 @@
           <a:bodyPr wrap="square" rtlCol="0" anchor="t">
             <a:spAutoFit/>
           </a:bodyPr>
+          <a:lstStyle/>
           <a:p>
             <a:r>
               <a:rPr lang="en-US" b="1"/>
@@ -7224,7 +7473,6 @@
               <a:rPr lang="en-US"/>
               <a:t>: every node in a tree that has at least one child node.</a:t>
             </a:r>
-            <a:endParaRPr lang="en-US"/>
           </a:p>
           <a:p>
             <a:r>
@@ -7235,7 +7483,6 @@
               <a:rPr lang="en-US"/>
               <a:t>: every node in a tree that has no child nodes.</a:t>
             </a:r>
-            <a:endParaRPr lang="en-US"/>
           </a:p>
         </p:txBody>
       </p:sp>
@@ -7250,7 +7497,7 @@
 </p:sld>
 </file>
 
-<file path=ppt/slides/slide16.xml><?xml version="1.0" encoding="utf-8"?>
+<file path=ppt/slides/slide17.xml><?xml version="1.0" encoding="utf-8"?>
 <p:sld xmlns:a="http://schemas.openxmlformats.org/drawingml/2006/main" xmlns:r="http://schemas.openxmlformats.org/officeDocument/2006/relationships" xmlns:p="http://schemas.openxmlformats.org/presentationml/2006/main">
   <p:cSld>
     <p:spTree>
@@ -7259,7 +7506,14 @@
         <p:cNvGrpSpPr/>
         <p:nvPr/>
       </p:nvGrpSpPr>
-      <p:grpSpPr/>
+      <p:grpSpPr>
+        <a:xfrm>
+          <a:off x="0" y="0"/>
+          <a:ext cx="0" cy="0"/>
+          <a:chOff x="0" y="0"/>
+          <a:chExt cx="0" cy="0"/>
+        </a:xfrm>
+      </p:grpSpPr>
       <p:sp>
         <p:nvSpPr>
           <p:cNvPr id="15" name="任意多边形 14"/>
@@ -7412,6 +7666,7 @@
           <a:bodyPr anchor="t" anchorCtr="0">
             <a:spAutoFit/>
           </a:bodyPr>
+          <a:lstStyle/>
           <a:p>
             <a:pPr>
               <a:buFont typeface="Arial" panose="020B0604020202020204" pitchFamily="34" charset="0"/>
@@ -7424,15 +7679,8 @@
                 <a:latin typeface="Microsoft YaHei" panose="020B0503020204020204" pitchFamily="34" charset="-122"/>
                 <a:ea typeface="Microsoft YaHei" panose="020B0503020204020204" pitchFamily="34" charset="-122"/>
               </a:rPr>
-              <a:t>1.1</a:t>
+              <a:t>3.4</a:t>
             </a:r>
-            <a:endParaRPr lang="en-US" altLang="zh-CN" sz="2800" b="1" dirty="0">
-              <a:solidFill>
-                <a:schemeClr val="bg1"/>
-              </a:solidFill>
-              <a:latin typeface="Microsoft YaHei" panose="020B0503020204020204" pitchFamily="34" charset="-122"/>
-              <a:ea typeface="Microsoft YaHei" panose="020B0503020204020204" pitchFamily="34" charset="-122"/>
-            </a:endParaRPr>
           </a:p>
         </p:txBody>
       </p:sp>
@@ -7529,24 +7777,6 @@
               </a:rPr>
               <a:t>Definitions</a:t>
             </a:r>
-            <a:endParaRPr kumimoji="0" lang="en-US" altLang="zh-CN" sz="2800" b="1" i="0" u="none" strike="noStrike" kern="1200" cap="none" spc="0" normalizeH="0" baseline="0" noProof="0" dirty="0">
-              <a:ln>
-                <a:noFill/>
-              </a:ln>
-              <a:solidFill>
-                <a:schemeClr val="tx1">
-                  <a:lumMod val="85000"/>
-                  <a:lumOff val="15000"/>
-                </a:schemeClr>
-              </a:solidFill>
-              <a:effectLst/>
-              <a:uLnTx/>
-              <a:uFillTx/>
-              <a:latin typeface="Microsoft YaHei" panose="020B0503020204020204" pitchFamily="34" charset="-122"/>
-              <a:ea typeface="Microsoft YaHei" panose="020B0503020204020204" pitchFamily="34" charset="-122"/>
-              <a:cs typeface="+mn-cs"/>
-              <a:sym typeface="+mn-ea"/>
-            </a:endParaRPr>
           </a:p>
         </p:txBody>
       </p:sp>
@@ -7554,14 +7784,14 @@
         <p:nvPicPr>
           <p:cNvPr id="6" name="Content Placeholder 5"/>
           <p:cNvPicPr>
-            <a:picLocks noChangeAspect="1"/>
+            <a:picLocks noGrp="1" noChangeAspect="1"/>
           </p:cNvPicPr>
           <p:nvPr>
             <p:ph idx="1"/>
           </p:nvPr>
         </p:nvPicPr>
         <p:blipFill>
-          <a:blip r:embed="rId1"/>
+          <a:blip r:embed="rId2"/>
           <a:stretch>
             <a:fillRect/>
           </a:stretch>
@@ -7585,7 +7815,7 @@
           <p:nvPr/>
         </p:nvPicPr>
         <p:blipFill>
-          <a:blip r:embed="rId2"/>
+          <a:blip r:embed="rId3"/>
           <a:stretch>
             <a:fillRect/>
           </a:stretch>
@@ -7620,6 +7850,7 @@
           <a:bodyPr wrap="square" rtlCol="0" anchor="t">
             <a:spAutoFit/>
           </a:bodyPr>
+          <a:lstStyle/>
           <a:p>
             <a:r>
               <a:rPr lang="en-US" b="1"/>
@@ -7629,7 +7860,6 @@
               <a:rPr lang="en-US"/>
               <a:t>: all the nodes that are between the path from the root to the current node are the ancestors of the current node. An ancestor node of the current node is either the parent of the current node or the parent of another ancestor of the node.</a:t>
             </a:r>
-            <a:endParaRPr lang="en-US"/>
           </a:p>
           <a:p>
             <a:r>
@@ -7640,7 +7870,6 @@
               <a:rPr lang="en-US"/>
               <a:t>: all the nodes that are reachable from the current node when moving down the tree are the descendants of the current node. A descendant of the current node is either a child of the node or a child of another descendant of the node.</a:t>
             </a:r>
-            <a:endParaRPr lang="en-US"/>
           </a:p>
         </p:txBody>
       </p:sp>
@@ -7655,7 +7884,7 @@
 </p:sld>
 </file>
 
-<file path=ppt/slides/slide17.xml><?xml version="1.0" encoding="utf-8"?>
+<file path=ppt/slides/slide18.xml><?xml version="1.0" encoding="utf-8"?>
 <p:sld xmlns:a="http://schemas.openxmlformats.org/drawingml/2006/main" xmlns:r="http://schemas.openxmlformats.org/officeDocument/2006/relationships" xmlns:p="http://schemas.openxmlformats.org/presentationml/2006/main">
   <p:cSld>
     <p:spTree>
@@ -7664,7 +7893,14 @@
         <p:cNvGrpSpPr/>
         <p:nvPr/>
       </p:nvGrpSpPr>
-      <p:grpSpPr/>
+      <p:grpSpPr>
+        <a:xfrm>
+          <a:off x="0" y="0"/>
+          <a:ext cx="0" cy="0"/>
+          <a:chOff x="0" y="0"/>
+          <a:chExt cx="0" cy="0"/>
+        </a:xfrm>
+      </p:grpSpPr>
       <p:sp>
         <p:nvSpPr>
           <p:cNvPr id="15" name="任意多边形 14"/>
@@ -7817,6 +8053,7 @@
           <a:bodyPr anchor="t" anchorCtr="0">
             <a:spAutoFit/>
           </a:bodyPr>
+          <a:lstStyle/>
           <a:p>
             <a:pPr>
               <a:buFont typeface="Arial" panose="020B0604020202020204" pitchFamily="34" charset="0"/>
@@ -7829,15 +8066,8 @@
                 <a:latin typeface="Microsoft YaHei" panose="020B0503020204020204" pitchFamily="34" charset="-122"/>
                 <a:ea typeface="Microsoft YaHei" panose="020B0503020204020204" pitchFamily="34" charset="-122"/>
               </a:rPr>
-              <a:t>1.1</a:t>
+              <a:t>3.5</a:t>
             </a:r>
-            <a:endParaRPr lang="en-US" altLang="zh-CN" sz="2800" b="1" dirty="0">
-              <a:solidFill>
-                <a:schemeClr val="bg1"/>
-              </a:solidFill>
-              <a:latin typeface="Microsoft YaHei" panose="020B0503020204020204" pitchFamily="34" charset="-122"/>
-              <a:ea typeface="Microsoft YaHei" panose="020B0503020204020204" pitchFamily="34" charset="-122"/>
-            </a:endParaRPr>
           </a:p>
         </p:txBody>
       </p:sp>
@@ -7934,24 +8164,6 @@
               </a:rPr>
               <a:t>Definitions</a:t>
             </a:r>
-            <a:endParaRPr kumimoji="0" lang="en-US" altLang="zh-CN" sz="2800" b="1" i="0" u="none" strike="noStrike" kern="1200" cap="none" spc="0" normalizeH="0" baseline="0" noProof="0" dirty="0">
-              <a:ln>
-                <a:noFill/>
-              </a:ln>
-              <a:solidFill>
-                <a:schemeClr val="tx1">
-                  <a:lumMod val="85000"/>
-                  <a:lumOff val="15000"/>
-                </a:schemeClr>
-              </a:solidFill>
-              <a:effectLst/>
-              <a:uLnTx/>
-              <a:uFillTx/>
-              <a:latin typeface="Microsoft YaHei" panose="020B0503020204020204" pitchFamily="34" charset="-122"/>
-              <a:ea typeface="Microsoft YaHei" panose="020B0503020204020204" pitchFamily="34" charset="-122"/>
-              <a:cs typeface="+mn-cs"/>
-              <a:sym typeface="+mn-ea"/>
-            </a:endParaRPr>
           </a:p>
         </p:txBody>
       </p:sp>
@@ -7959,14 +8171,14 @@
         <p:nvPicPr>
           <p:cNvPr id="3" name="Content Placeholder 2"/>
           <p:cNvPicPr>
-            <a:picLocks noChangeAspect="1"/>
+            <a:picLocks noGrp="1" noChangeAspect="1"/>
           </p:cNvPicPr>
           <p:nvPr>
             <p:ph idx="1"/>
           </p:nvPr>
         </p:nvPicPr>
         <p:blipFill>
-          <a:blip r:embed="rId1"/>
+          <a:blip r:embed="rId2"/>
           <a:stretch>
             <a:fillRect/>
           </a:stretch>
@@ -7990,7 +8202,7 @@
           <p:nvPr/>
         </p:nvPicPr>
         <p:blipFill>
-          <a:blip r:embed="rId2"/>
+          <a:blip r:embed="rId3"/>
           <a:stretch>
             <a:fillRect/>
           </a:stretch>
@@ -8025,6 +8237,7 @@
           <a:bodyPr wrap="square" rtlCol="0" anchor="t">
             <a:spAutoFit/>
           </a:bodyPr>
+          <a:lstStyle/>
           <a:p>
             <a:r>
               <a:rPr lang="en-US" b="1"/>
@@ -8034,7 +8247,6 @@
               <a:rPr lang="en-US"/>
               <a:t>: the depth of a node is the number of edges on the path from the root to that node.</a:t>
             </a:r>
-            <a:endParaRPr lang="en-US"/>
           </a:p>
         </p:txBody>
       </p:sp>
@@ -8049,7 +8261,7 @@
 </p:sld>
 </file>
 
-<file path=ppt/slides/slide18.xml><?xml version="1.0" encoding="utf-8"?>
+<file path=ppt/slides/slide19.xml><?xml version="1.0" encoding="utf-8"?>
 <p:sld xmlns:a="http://schemas.openxmlformats.org/drawingml/2006/main" xmlns:r="http://schemas.openxmlformats.org/officeDocument/2006/relationships" xmlns:p="http://schemas.openxmlformats.org/presentationml/2006/main">
   <p:cSld>
     <p:spTree>
@@ -8058,7 +8270,14 @@
         <p:cNvGrpSpPr/>
         <p:nvPr/>
       </p:nvGrpSpPr>
-      <p:grpSpPr/>
+      <p:grpSpPr>
+        <a:xfrm>
+          <a:off x="0" y="0"/>
+          <a:ext cx="0" cy="0"/>
+          <a:chOff x="0" y="0"/>
+          <a:chExt cx="0" cy="0"/>
+        </a:xfrm>
+      </p:grpSpPr>
       <p:sp>
         <p:nvSpPr>
           <p:cNvPr id="15" name="任意多边形 14"/>
@@ -8211,6 +8430,7 @@
           <a:bodyPr anchor="t" anchorCtr="0">
             <a:spAutoFit/>
           </a:bodyPr>
+          <a:lstStyle/>
           <a:p>
             <a:pPr>
               <a:buFont typeface="Arial" panose="020B0604020202020204" pitchFamily="34" charset="0"/>
@@ -8223,15 +8443,8 @@
                 <a:latin typeface="Microsoft YaHei" panose="020B0503020204020204" pitchFamily="34" charset="-122"/>
                 <a:ea typeface="Microsoft YaHei" panose="020B0503020204020204" pitchFamily="34" charset="-122"/>
               </a:rPr>
-              <a:t>1.1</a:t>
+              <a:t>3.6</a:t>
             </a:r>
-            <a:endParaRPr lang="en-US" altLang="zh-CN" sz="2800" b="1" dirty="0">
-              <a:solidFill>
-                <a:schemeClr val="bg1"/>
-              </a:solidFill>
-              <a:latin typeface="Microsoft YaHei" panose="020B0503020204020204" pitchFamily="34" charset="-122"/>
-              <a:ea typeface="Microsoft YaHei" panose="020B0503020204020204" pitchFamily="34" charset="-122"/>
-            </a:endParaRPr>
           </a:p>
         </p:txBody>
       </p:sp>
@@ -8328,31 +8541,15 @@
               </a:rPr>
               <a:t>Balanced Binary Trees</a:t>
             </a:r>
-            <a:endParaRPr kumimoji="0" lang="en-US" altLang="zh-CN" sz="2800" b="1" i="0" u="none" strike="noStrike" kern="1200" cap="none" spc="0" normalizeH="0" baseline="0" noProof="0" dirty="0">
-              <a:ln>
-                <a:noFill/>
-              </a:ln>
-              <a:solidFill>
-                <a:schemeClr val="tx1">
-                  <a:lumMod val="85000"/>
-                  <a:lumOff val="15000"/>
-                </a:schemeClr>
-              </a:solidFill>
-              <a:effectLst/>
-              <a:uLnTx/>
-              <a:uFillTx/>
-              <a:latin typeface="Microsoft YaHei" panose="020B0503020204020204" pitchFamily="34" charset="-122"/>
-              <a:ea typeface="Microsoft YaHei" panose="020B0503020204020204" pitchFamily="34" charset="-122"/>
-              <a:cs typeface="+mn-cs"/>
-              <a:sym typeface="+mn-ea"/>
-            </a:endParaRPr>
           </a:p>
         </p:txBody>
       </p:sp>
       <p:sp>
         <p:nvSpPr>
           <p:cNvPr id="2" name="Content Placeholder 1"/>
-          <p:cNvSpPr/>
+          <p:cNvSpPr>
+            <a:spLocks noGrp="1"/>
+          </p:cNvSpPr>
           <p:nvPr>
             <p:ph idx="1"/>
           </p:nvPr>
@@ -8365,20 +8562,27 @@
         </p:spPr>
         <p:txBody>
           <a:bodyPr/>
+          <a:lstStyle/>
           <a:p>
             <a:r>
-              <a:rPr lang="en-US"/>
-              <a:t>Every node in a balanced binary tree fullfills the condition</a:t>
+              <a:rPr lang="en-US" dirty="0"/>
+              <a:t>Every node in a balanced binary tree </a:t>
             </a:r>
-            <a:endParaRPr lang="en-US"/>
+            <a:r>
+              <a:rPr lang="en-US" dirty="0" err="1"/>
+              <a:t>fullfills</a:t>
+            </a:r>
+            <a:r>
+              <a:rPr lang="en-US" dirty="0"/>
+              <a:t> the condition</a:t>
+            </a:r>
           </a:p>
           <a:p>
             <a:pPr lvl="1"/>
             <a:r>
-              <a:rPr lang="en-US"/>
+              <a:rPr lang="en-US" dirty="0"/>
               <a:t>the height difference of the left and right subtree of the node is not more than 1. Searching, insertion, and deletion in a balanced binary tree takes O(log n) instead of O(n) in an unbalanced binary tree. This is an example of a balanced binary tree:</a:t>
             </a:r>
-            <a:endParaRPr lang="en-US"/>
           </a:p>
         </p:txBody>
       </p:sp>
@@ -8391,14 +8595,14 @@
           <p:nvPr/>
         </p:nvPicPr>
         <p:blipFill>
-          <a:blip r:embed="rId1"/>
+          <a:blip r:embed="rId2"/>
           <a:stretch>
             <a:fillRect/>
           </a:stretch>
         </p:blipFill>
         <p:spPr>
           <a:xfrm>
-            <a:off x="5167630" y="2607945"/>
+            <a:off x="6566685" y="2678967"/>
             <a:ext cx="3524250" cy="4114800"/>
           </a:xfrm>
           <a:prstGeom prst="rect">
@@ -8406,414 +8610,342 @@
           </a:prstGeom>
         </p:spPr>
       </p:pic>
-    </p:spTree>
-  </p:cSld>
-  <p:clrMapOvr>
-    <a:masterClrMapping/>
-  </p:clrMapOvr>
-  <p:transition spd="slow">
-    <p:wipe/>
-  </p:transition>
-</p:sld>
-</file>
-
-<file path=ppt/slides/slide19.xml><?xml version="1.0" encoding="utf-8"?>
-<p:sld xmlns:a="http://schemas.openxmlformats.org/drawingml/2006/main" xmlns:r="http://schemas.openxmlformats.org/officeDocument/2006/relationships" xmlns:p="http://schemas.openxmlformats.org/presentationml/2006/main">
-  <p:cSld>
-    <p:spTree>
-      <p:nvGrpSpPr>
-        <p:cNvPr id="1" name=""/>
-        <p:cNvGrpSpPr/>
-        <p:nvPr/>
-      </p:nvGrpSpPr>
-      <p:grpSpPr/>
+      <p:graphicFrame>
+        <p:nvGraphicFramePr>
+          <p:cNvPr id="4" name="Table 4">
+            <a:extLst>
+              <a:ext uri="{FF2B5EF4-FFF2-40B4-BE49-F238E27FC236}">
+                <a16:creationId xmlns:a16="http://schemas.microsoft.com/office/drawing/2014/main" id="{7F309775-78B4-49C1-8117-3F003E9BECFC}"/>
+              </a:ext>
+            </a:extLst>
+          </p:cNvPr>
+          <p:cNvGraphicFramePr>
+            <a:graphicFrameLocks noGrp="1"/>
+          </p:cNvGraphicFramePr>
+          <p:nvPr>
+            <p:extLst>
+              <p:ext uri="{D42A27DB-BD31-4B8C-83A1-F6EECF244321}">
+                <p14:modId xmlns:p14="http://schemas.microsoft.com/office/powerpoint/2010/main" val="4016101483"/>
+              </p:ext>
+            </p:extLst>
+          </p:nvPr>
+        </p:nvGraphicFramePr>
+        <p:xfrm>
+          <a:off x="445294" y="3321795"/>
+          <a:ext cx="6011169" cy="1854200"/>
+        </p:xfrm>
+        <a:graphic>
+          <a:graphicData uri="http://schemas.openxmlformats.org/drawingml/2006/table">
+            <a:tbl>
+              <a:tblPr firstRow="1" bandRow="1">
+                <a:tableStyleId>{5C22544A-7EE6-4342-B048-85BDC9FD1C3A}</a:tableStyleId>
+              </a:tblPr>
+              <a:tblGrid>
+                <a:gridCol w="2003723">
+                  <a:extLst>
+                    <a:ext uri="{9D8B030D-6E8A-4147-A177-3AD203B41FA5}">
+                      <a16:colId xmlns:a16="http://schemas.microsoft.com/office/drawing/2014/main" val="1080149800"/>
+                    </a:ext>
+                  </a:extLst>
+                </a:gridCol>
+                <a:gridCol w="2003723">
+                  <a:extLst>
+                    <a:ext uri="{9D8B030D-6E8A-4147-A177-3AD203B41FA5}">
+                      <a16:colId xmlns:a16="http://schemas.microsoft.com/office/drawing/2014/main" val="194965647"/>
+                    </a:ext>
+                  </a:extLst>
+                </a:gridCol>
+                <a:gridCol w="2003723">
+                  <a:extLst>
+                    <a:ext uri="{9D8B030D-6E8A-4147-A177-3AD203B41FA5}">
+                      <a16:colId xmlns:a16="http://schemas.microsoft.com/office/drawing/2014/main" val="2272444882"/>
+                    </a:ext>
+                  </a:extLst>
+                </a:gridCol>
+              </a:tblGrid>
+              <a:tr h="370840">
+                <a:tc>
+                  <a:txBody>
+                    <a:bodyPr/>
+                    <a:lstStyle/>
+                    <a:p>
+                      <a:r>
+                        <a:rPr lang="en-US" dirty="0"/>
+                        <a:t>Height</a:t>
+                      </a:r>
+                    </a:p>
+                  </a:txBody>
+                  <a:tcPr/>
+                </a:tc>
+                <a:tc>
+                  <a:txBody>
+                    <a:bodyPr/>
+                    <a:lstStyle/>
+                    <a:p>
+                      <a:r>
+                        <a:rPr lang="en-US" dirty="0"/>
+                        <a:t>Nodes</a:t>
+                      </a:r>
+                    </a:p>
+                  </a:txBody>
+                  <a:tcPr/>
+                </a:tc>
+                <a:tc>
+                  <a:txBody>
+                    <a:bodyPr/>
+                    <a:lstStyle/>
+                    <a:p>
+                      <a:r>
+                        <a:rPr lang="en-US" dirty="0"/>
+                        <a:t>Log Calculation</a:t>
+                      </a:r>
+                    </a:p>
+                  </a:txBody>
+                  <a:tcPr/>
+                </a:tc>
+                <a:extLst>
+                  <a:ext uri="{0D108BD9-81ED-4DB2-BD59-A6C34878D82A}">
+                    <a16:rowId xmlns:a16="http://schemas.microsoft.com/office/drawing/2014/main" val="2910413645"/>
+                  </a:ext>
+                </a:extLst>
+              </a:tr>
+              <a:tr h="370840">
+                <a:tc>
+                  <a:txBody>
+                    <a:bodyPr/>
+                    <a:lstStyle/>
+                    <a:p>
+                      <a:r>
+                        <a:rPr lang="en-US" dirty="0"/>
+                        <a:t>0</a:t>
+                      </a:r>
+                    </a:p>
+                  </a:txBody>
+                  <a:tcPr/>
+                </a:tc>
+                <a:tc>
+                  <a:txBody>
+                    <a:bodyPr/>
+                    <a:lstStyle/>
+                    <a:p>
+                      <a:r>
+                        <a:rPr lang="en-US" dirty="0"/>
+                        <a:t>1</a:t>
+                      </a:r>
+                    </a:p>
+                  </a:txBody>
+                  <a:tcPr/>
+                </a:tc>
+                <a:tc>
+                  <a:txBody>
+                    <a:bodyPr/>
+                    <a:lstStyle/>
+                    <a:p>
+                      <a:r>
+                        <a:rPr lang="en-US" dirty="0"/>
+                        <a:t>Log1 = 0</a:t>
+                      </a:r>
+                    </a:p>
+                  </a:txBody>
+                  <a:tcPr/>
+                </a:tc>
+                <a:extLst>
+                  <a:ext uri="{0D108BD9-81ED-4DB2-BD59-A6C34878D82A}">
+                    <a16:rowId xmlns:a16="http://schemas.microsoft.com/office/drawing/2014/main" val="3423574449"/>
+                  </a:ext>
+                </a:extLst>
+              </a:tr>
+              <a:tr h="370840">
+                <a:tc>
+                  <a:txBody>
+                    <a:bodyPr/>
+                    <a:lstStyle/>
+                    <a:p>
+                      <a:r>
+                        <a:rPr lang="en-US" dirty="0"/>
+                        <a:t>1</a:t>
+                      </a:r>
+                    </a:p>
+                  </a:txBody>
+                  <a:tcPr/>
+                </a:tc>
+                <a:tc>
+                  <a:txBody>
+                    <a:bodyPr/>
+                    <a:lstStyle/>
+                    <a:p>
+                      <a:r>
+                        <a:rPr lang="en-US" dirty="0"/>
+                        <a:t>3</a:t>
+                      </a:r>
+                    </a:p>
+                  </a:txBody>
+                  <a:tcPr/>
+                </a:tc>
+                <a:tc>
+                  <a:txBody>
+                    <a:bodyPr/>
+                    <a:lstStyle/>
+                    <a:p>
+                      <a:r>
+                        <a:rPr lang="en-US" dirty="0"/>
+                        <a:t>Log3 ~= 1</a:t>
+                      </a:r>
+                    </a:p>
+                  </a:txBody>
+                  <a:tcPr/>
+                </a:tc>
+                <a:extLst>
+                  <a:ext uri="{0D108BD9-81ED-4DB2-BD59-A6C34878D82A}">
+                    <a16:rowId xmlns:a16="http://schemas.microsoft.com/office/drawing/2014/main" val="271035320"/>
+                  </a:ext>
+                </a:extLst>
+              </a:tr>
+              <a:tr h="370840">
+                <a:tc>
+                  <a:txBody>
+                    <a:bodyPr/>
+                    <a:lstStyle/>
+                    <a:p>
+                      <a:r>
+                        <a:rPr lang="en-US" dirty="0"/>
+                        <a:t>2</a:t>
+                      </a:r>
+                    </a:p>
+                  </a:txBody>
+                  <a:tcPr/>
+                </a:tc>
+                <a:tc>
+                  <a:txBody>
+                    <a:bodyPr/>
+                    <a:lstStyle/>
+                    <a:p>
+                      <a:r>
+                        <a:rPr lang="en-US" dirty="0"/>
+                        <a:t>7</a:t>
+                      </a:r>
+                    </a:p>
+                  </a:txBody>
+                  <a:tcPr/>
+                </a:tc>
+                <a:tc>
+                  <a:txBody>
+                    <a:bodyPr/>
+                    <a:lstStyle/>
+                    <a:p>
+                      <a:r>
+                        <a:rPr lang="en-US" dirty="0"/>
+                        <a:t>Log7 ~= 2</a:t>
+                      </a:r>
+                    </a:p>
+                  </a:txBody>
+                  <a:tcPr/>
+                </a:tc>
+                <a:extLst>
+                  <a:ext uri="{0D108BD9-81ED-4DB2-BD59-A6C34878D82A}">
+                    <a16:rowId xmlns:a16="http://schemas.microsoft.com/office/drawing/2014/main" val="2159768438"/>
+                  </a:ext>
+                </a:extLst>
+              </a:tr>
+              <a:tr h="370840">
+                <a:tc>
+                  <a:txBody>
+                    <a:bodyPr/>
+                    <a:lstStyle/>
+                    <a:p>
+                      <a:r>
+                        <a:rPr lang="en-US" dirty="0"/>
+                        <a:t>3</a:t>
+                      </a:r>
+                    </a:p>
+                  </a:txBody>
+                  <a:tcPr/>
+                </a:tc>
+                <a:tc>
+                  <a:txBody>
+                    <a:bodyPr/>
+                    <a:lstStyle/>
+                    <a:p>
+                      <a:r>
+                        <a:rPr lang="en-US" dirty="0"/>
+                        <a:t>15</a:t>
+                      </a:r>
+                    </a:p>
+                  </a:txBody>
+                  <a:tcPr/>
+                </a:tc>
+                <a:tc>
+                  <a:txBody>
+                    <a:bodyPr/>
+                    <a:lstStyle/>
+                    <a:p>
+                      <a:r>
+                        <a:rPr lang="en-US" dirty="0"/>
+                        <a:t>Log15 ~= 3</a:t>
+                      </a:r>
+                    </a:p>
+                  </a:txBody>
+                  <a:tcPr/>
+                </a:tc>
+                <a:extLst>
+                  <a:ext uri="{0D108BD9-81ED-4DB2-BD59-A6C34878D82A}">
+                    <a16:rowId xmlns:a16="http://schemas.microsoft.com/office/drawing/2014/main" val="2099846479"/>
+                  </a:ext>
+                </a:extLst>
+              </a:tr>
+            </a:tbl>
+          </a:graphicData>
+        </a:graphic>
+      </p:graphicFrame>
       <p:sp>
         <p:nvSpPr>
-          <p:cNvPr id="15" name="任意多边形 14"/>
-          <p:cNvSpPr/>
-          <p:nvPr/>
-        </p:nvSpPr>
-        <p:spPr>
-          <a:xfrm>
-            <a:off x="0" y="274638"/>
-            <a:ext cx="890588" cy="639763"/>
-          </a:xfrm>
-          <a:custGeom>
-            <a:avLst/>
-            <a:gdLst>
-              <a:gd name="connsiteX0" fmla="*/ 0 w 1029743"/>
-              <a:gd name="connsiteY0" fmla="*/ 0 h 739718"/>
-              <a:gd name="connsiteX1" fmla="*/ 659884 w 1029743"/>
-              <a:gd name="connsiteY1" fmla="*/ 0 h 739718"/>
-              <a:gd name="connsiteX2" fmla="*/ 1029743 w 1029743"/>
-              <a:gd name="connsiteY2" fmla="*/ 369859 h 739718"/>
-              <a:gd name="connsiteX3" fmla="*/ 659884 w 1029743"/>
-              <a:gd name="connsiteY3" fmla="*/ 739718 h 739718"/>
-              <a:gd name="connsiteX4" fmla="*/ 0 w 1029743"/>
-              <a:gd name="connsiteY4" fmla="*/ 739718 h 739718"/>
-            </a:gdLst>
-            <a:ahLst/>
-            <a:cxnLst>
-              <a:cxn ang="0">
-                <a:pos x="connsiteX0" y="connsiteY0"/>
-              </a:cxn>
-              <a:cxn ang="0">
-                <a:pos x="connsiteX1" y="connsiteY1"/>
-              </a:cxn>
-              <a:cxn ang="0">
-                <a:pos x="connsiteX2" y="connsiteY2"/>
-              </a:cxn>
-              <a:cxn ang="0">
-                <a:pos x="connsiteX3" y="connsiteY3"/>
-              </a:cxn>
-              <a:cxn ang="0">
-                <a:pos x="connsiteX4" y="connsiteY4"/>
-              </a:cxn>
-            </a:cxnLst>
-            <a:rect l="l" t="t" r="r" b="b"/>
-            <a:pathLst>
-              <a:path w="1029743" h="739718">
-                <a:moveTo>
-                  <a:pt x="0" y="0"/>
-                </a:moveTo>
-                <a:lnTo>
-                  <a:pt x="659884" y="0"/>
-                </a:lnTo>
-                <a:cubicBezTo>
-                  <a:pt x="864151" y="0"/>
-                  <a:pt x="1029743" y="165592"/>
-                  <a:pt x="1029743" y="369859"/>
-                </a:cubicBezTo>
-                <a:cubicBezTo>
-                  <a:pt x="1029743" y="574126"/>
-                  <a:pt x="864151" y="739718"/>
-                  <a:pt x="659884" y="739718"/>
-                </a:cubicBezTo>
-                <a:lnTo>
-                  <a:pt x="0" y="739718"/>
-                </a:lnTo>
-                <a:close/>
-              </a:path>
-            </a:pathLst>
-          </a:custGeom>
-          <a:solidFill>
-            <a:srgbClr val="05B780"/>
-          </a:solidFill>
-          <a:ln>
-            <a:noFill/>
-          </a:ln>
-        </p:spPr>
-        <p:style>
-          <a:lnRef idx="2">
-            <a:schemeClr val="accent1">
-              <a:shade val="50000"/>
-            </a:schemeClr>
-          </a:lnRef>
-          <a:fillRef idx="1">
-            <a:schemeClr val="accent1"/>
-          </a:fillRef>
-          <a:effectRef idx="0">
-            <a:schemeClr val="accent1"/>
-          </a:effectRef>
-          <a:fontRef idx="minor">
-            <a:schemeClr val="lt1"/>
-          </a:fontRef>
-        </p:style>
-        <p:txBody>
-          <a:bodyPr anchor="ctr"/>
-          <a:lstStyle/>
-          <a:p>
-            <a:pPr marL="0" marR="0" lvl="0" indent="0" algn="ctr" defTabSz="914400" rtl="0" eaLnBrk="1" fontAlgn="auto" latinLnBrk="0" hangingPunct="1">
-              <a:lnSpc>
-                <a:spcPct val="100000"/>
-              </a:lnSpc>
-              <a:spcBef>
-                <a:spcPts val="0"/>
-              </a:spcBef>
-              <a:spcAft>
-                <a:spcPts val="0"/>
-              </a:spcAft>
-              <a:buClrTx/>
-              <a:buSzTx/>
-              <a:buFontTx/>
-              <a:buNone/>
-              <a:defRPr/>
-            </a:pPr>
-            <a:endParaRPr kumimoji="0" lang="zh-CN" altLang="en-US" sz="1800" b="0" i="0" u="none" strike="noStrike" kern="1200" cap="none" spc="0" normalizeH="0" baseline="0" noProof="0">
-              <a:ln>
-                <a:noFill/>
-              </a:ln>
-              <a:solidFill>
-                <a:schemeClr val="bg1"/>
-              </a:solidFill>
-              <a:effectLst/>
-              <a:uLnTx/>
-              <a:uFillTx/>
-              <a:latin typeface="+mn-lt"/>
-              <a:ea typeface="+mn-ea"/>
-              <a:cs typeface="+mn-cs"/>
-            </a:endParaRPr>
-          </a:p>
-        </p:txBody>
-      </p:sp>
-      <p:sp>
-        <p:nvSpPr>
-          <p:cNvPr id="7170" name="文本框 156"/>
+          <p:cNvPr id="5" name="TextBox 4">
+            <a:extLst>
+              <a:ext uri="{FF2B5EF4-FFF2-40B4-BE49-F238E27FC236}">
+                <a16:creationId xmlns:a16="http://schemas.microsoft.com/office/drawing/2014/main" id="{5DCB2DFF-F7D9-4EFB-8A80-8C1285EE8B8D}"/>
+              </a:ext>
+            </a:extLst>
+          </p:cNvPr>
           <p:cNvSpPr txBox="1"/>
           <p:nvPr/>
         </p:nvSpPr>
         <p:spPr>
           <a:xfrm>
-            <a:off x="0" y="350838"/>
-            <a:ext cx="814388" cy="521970"/>
+            <a:off x="814388" y="5860514"/>
+            <a:ext cx="7137499" cy="646331"/>
           </a:xfrm>
           <a:prstGeom prst="rect">
             <a:avLst/>
           </a:prstGeom>
           <a:noFill/>
-          <a:ln w="9525">
-            <a:noFill/>
-          </a:ln>
         </p:spPr>
         <p:txBody>
-          <a:bodyPr anchor="t" anchorCtr="0">
-            <a:spAutoFit/>
-          </a:bodyPr>
-          <a:p>
-            <a:pPr>
-              <a:buFont typeface="Arial" panose="020B0604020202020204" pitchFamily="34" charset="0"/>
-            </a:pPr>
-            <a:r>
-              <a:rPr lang="en-US" altLang="zh-CN" sz="2800" b="1" dirty="0">
-                <a:solidFill>
-                  <a:schemeClr val="bg1"/>
-                </a:solidFill>
-                <a:latin typeface="Microsoft YaHei" panose="020B0503020204020204" pitchFamily="34" charset="-122"/>
-                <a:ea typeface="Microsoft YaHei" panose="020B0503020204020204" pitchFamily="34" charset="-122"/>
-              </a:rPr>
-              <a:t>1.1</a:t>
-            </a:r>
-            <a:endParaRPr lang="en-US" altLang="zh-CN" sz="2800" b="1" dirty="0">
-              <a:solidFill>
-                <a:schemeClr val="bg1"/>
-              </a:solidFill>
-              <a:latin typeface="Microsoft YaHei" panose="020B0503020204020204" pitchFamily="34" charset="-122"/>
-              <a:ea typeface="Microsoft YaHei" panose="020B0503020204020204" pitchFamily="34" charset="-122"/>
-            </a:endParaRPr>
-          </a:p>
-        </p:txBody>
-      </p:sp>
-      <p:sp>
-        <p:nvSpPr>
-          <p:cNvPr id="16" name="Rectangle 6"/>
-          <p:cNvSpPr>
-            <a:spLocks noChangeArrowheads="1"/>
-          </p:cNvSpPr>
-          <p:nvPr/>
-        </p:nvSpPr>
-        <p:spPr bwMode="black">
-          <a:xfrm>
-            <a:off x="1021080" y="351155"/>
-            <a:ext cx="6515735" cy="521970"/>
-          </a:xfrm>
-          <a:prstGeom prst="rect">
-            <a:avLst/>
-          </a:prstGeom>
-          <a:noFill/>
-          <a:ln>
-            <a:noFill/>
-          </a:ln>
-          <a:effectLst/>
-          <a:extLst>
-            <a:ext uri="{909E8E84-426E-40DD-AFC4-6F175D3DCCD1}">
-              <a14:hiddenFill xmlns:a14="http://schemas.microsoft.com/office/drawing/2010/main">
-                <a:solidFill>
-                  <a:schemeClr val="accent1"/>
-                </a:solidFill>
-              </a14:hiddenFill>
-            </a:ext>
-            <a:ext uri="{91240B29-F687-4F45-9708-019B960494DF}">
-              <a14:hiddenLine xmlns:a14="http://schemas.microsoft.com/office/drawing/2010/main" w="9525">
-                <a:solidFill>
-                  <a:schemeClr val="tx1"/>
-                </a:solidFill>
-                <a:miter lim="800000"/>
-                <a:headEnd/>
-                <a:tailEnd/>
-              </a14:hiddenLine>
-            </a:ext>
-            <a:ext uri="{AF507438-7753-43E0-B8FC-AC1667EBCBE1}">
-              <a14:hiddenEffects xmlns:a14="http://schemas.microsoft.com/office/drawing/2010/main">
-                <a:effectLst>
-                  <a:outerShdw dist="35921" dir="2700000" algn="ctr" rotWithShape="0">
-                    <a:schemeClr val="bg2"/>
-                  </a:outerShdw>
-                </a:effectLst>
-              </a14:hiddenEffects>
-            </a:ext>
-          </a:extLst>
-        </p:spPr>
-        <p:txBody>
-          <a:bodyPr wrap="square">
+          <a:bodyPr wrap="square" rtlCol="0">
             <a:spAutoFit/>
           </a:bodyPr>
           <a:lstStyle/>
           <a:p>
-            <a:pPr marL="0" marR="0" lvl="0" indent="0" algn="l" defTabSz="914400" rtl="0" eaLnBrk="0" fontAlgn="auto" latinLnBrk="0" hangingPunct="0">
-              <a:lnSpc>
-                <a:spcPct val="100000"/>
-              </a:lnSpc>
-              <a:spcBef>
-                <a:spcPts val="0"/>
-              </a:spcBef>
-              <a:spcAft>
-                <a:spcPts val="0"/>
-              </a:spcAft>
-              <a:buClrTx/>
-              <a:buSzTx/>
-              <a:buFontTx/>
-              <a:buNone/>
-              <a:defRPr/>
-            </a:pPr>
             <a:r>
-              <a:rPr kumimoji="0" lang="en-US" altLang="zh-CN" sz="2800" b="1" i="0" u="none" strike="noStrike" kern="1200" cap="none" spc="0" normalizeH="0" baseline="0" noProof="0" dirty="0">
-                <a:ln>
-                  <a:noFill/>
-                </a:ln>
-                <a:solidFill>
-                  <a:schemeClr val="tx1">
-                    <a:lumMod val="85000"/>
-                    <a:lumOff val="15000"/>
-                  </a:schemeClr>
-                </a:solidFill>
-                <a:effectLst/>
-                <a:uLnTx/>
-                <a:uFillTx/>
-                <a:latin typeface="Microsoft YaHei" panose="020B0503020204020204" pitchFamily="34" charset="-122"/>
-                <a:ea typeface="Microsoft YaHei" panose="020B0503020204020204" pitchFamily="34" charset="-122"/>
-                <a:cs typeface="+mn-cs"/>
-                <a:sym typeface="+mn-ea"/>
-              </a:rPr>
-              <a:t>Implementation of Binary Trees</a:t>
+              <a:rPr lang="en-US" dirty="0"/>
+              <a:t>*Computers work in binary, hence log base 2</a:t>
             </a:r>
-            <a:endParaRPr kumimoji="0" lang="en-US" altLang="zh-CN" sz="2800" b="1" i="0" u="none" strike="noStrike" kern="1200" cap="none" spc="0" normalizeH="0" baseline="0" noProof="0" dirty="0">
-              <a:ln>
-                <a:noFill/>
-              </a:ln>
-              <a:solidFill>
-                <a:schemeClr val="tx1">
-                  <a:lumMod val="85000"/>
-                  <a:lumOff val="15000"/>
-                </a:schemeClr>
-              </a:solidFill>
-              <a:effectLst/>
-              <a:uLnTx/>
-              <a:uFillTx/>
-              <a:latin typeface="Microsoft YaHei" panose="020B0503020204020204" pitchFamily="34" charset="-122"/>
-              <a:ea typeface="Microsoft YaHei" panose="020B0503020204020204" pitchFamily="34" charset="-122"/>
-              <a:cs typeface="+mn-cs"/>
-              <a:sym typeface="+mn-ea"/>
-            </a:endParaRPr>
+          </a:p>
+          <a:p>
+            <a:r>
+              <a:rPr lang="en-US" dirty="0"/>
+              <a:t>*</a:t>
+            </a:r>
+            <a:r>
+              <a:rPr lang="en-US" dirty="0" err="1"/>
+              <a:t>ie</a:t>
+            </a:r>
+            <a:r>
+              <a:rPr lang="en-US" dirty="0"/>
+              <a:t> Log2 of any number from 7 to 15, rounded down to integer, will be 3</a:t>
+            </a:r>
           </a:p>
         </p:txBody>
       </p:sp>
-      <p:sp>
-        <p:nvSpPr>
-          <p:cNvPr id="3" name="Content Placeholder 2"/>
-          <p:cNvSpPr/>
-          <p:nvPr>
-            <p:ph idx="1"/>
-          </p:nvPr>
-        </p:nvSpPr>
-        <p:spPr>
-          <a:xfrm>
-            <a:off x="838200" y="1155065"/>
-            <a:ext cx="10515600" cy="5022215"/>
-          </a:xfrm>
-        </p:spPr>
-        <p:txBody>
-          <a:bodyPr/>
-          <a:p>
-            <a:r>
-              <a:rPr lang="en-US"/>
-              <a:t>Binary trees are implemented using a special type of ADT called Nodes which operate similarily to linked list nodes</a:t>
-            </a:r>
-            <a:endParaRPr lang="en-US"/>
-          </a:p>
-          <a:p>
-            <a:r>
-              <a:rPr lang="en-US"/>
-              <a:t>To represent a binary tree in python, we can again use lists</a:t>
-            </a:r>
-            <a:endParaRPr lang="en-US"/>
-          </a:p>
-          <a:p>
-            <a:r>
-              <a:rPr lang="en-US"/>
-              <a:t>Example Binary Tree</a:t>
-            </a:r>
-            <a:endParaRPr lang="en-US"/>
-          </a:p>
-          <a:p>
-            <a:endParaRPr lang="en-US"/>
-          </a:p>
-          <a:p>
-            <a:endParaRPr lang="en-US"/>
-          </a:p>
-          <a:p>
-            <a:endParaRPr lang="en-US"/>
-          </a:p>
-          <a:p>
-            <a:endParaRPr lang="en-US"/>
-          </a:p>
-          <a:p>
-            <a:endParaRPr lang="en-US"/>
-          </a:p>
-          <a:p>
-            <a:r>
-              <a:rPr lang="en-US"/>
-              <a:t>In List Representation: [5,4,3,x,x,8,x,x,6,x,x]</a:t>
-            </a:r>
-            <a:endParaRPr lang="en-US"/>
-          </a:p>
-          <a:p>
-            <a:pPr lvl="1"/>
-            <a:r>
-              <a:rPr lang="en-US"/>
-              <a:t>This approach leverages the </a:t>
-            </a:r>
-            <a:r>
-              <a:rPr lang="en-US" i="1"/>
-              <a:t>pre-order traversal</a:t>
-            </a:r>
-            <a:endParaRPr lang="en-US" i="1"/>
-          </a:p>
-        </p:txBody>
-      </p:sp>
-      <p:pic>
-        <p:nvPicPr>
-          <p:cNvPr id="2" name="Picture 1"/>
-          <p:cNvPicPr>
-            <a:picLocks noChangeAspect="1"/>
-          </p:cNvPicPr>
-          <p:nvPr/>
-        </p:nvPicPr>
-        <p:blipFill>
-          <a:blip r:embed="rId1"/>
-          <a:stretch>
-            <a:fillRect/>
-          </a:stretch>
-        </p:blipFill>
-        <p:spPr>
-          <a:xfrm>
-            <a:off x="4469130" y="2633345"/>
-            <a:ext cx="2676525" cy="2914650"/>
-          </a:xfrm>
-          <a:prstGeom prst="rect">
-            <a:avLst/>
-          </a:prstGeom>
-        </p:spPr>
-      </p:pic>
     </p:spTree>
   </p:cSld>
   <p:clrMapOvr>
@@ -8834,7 +8966,14 @@
         <p:cNvGrpSpPr/>
         <p:nvPr/>
       </p:nvGrpSpPr>
-      <p:grpSpPr/>
+      <p:grpSpPr>
+        <a:xfrm>
+          <a:off x="0" y="0"/>
+          <a:ext cx="0" cy="0"/>
+          <a:chOff x="0" y="0"/>
+          <a:chExt cx="0" cy="0"/>
+        </a:xfrm>
+      </p:grpSpPr>
       <p:sp>
         <p:nvSpPr>
           <p:cNvPr id="6" name="矩形 5"/>
@@ -8932,6 +9071,7 @@
           <a:bodyPr wrap="square" anchor="t" anchorCtr="0">
             <a:spAutoFit/>
           </a:bodyPr>
+          <a:lstStyle/>
           <a:p>
             <a:pPr>
               <a:buFont typeface="Arial" panose="020B0604020202020204" pitchFamily="34" charset="0"/>
@@ -8946,13 +9086,6 @@
               </a:rPr>
               <a:t>Week 3 Recap</a:t>
             </a:r>
-            <a:endParaRPr lang="en-US" altLang="zh-CN" sz="2400" b="1" dirty="0">
-              <a:solidFill>
-                <a:srgbClr val="05B780"/>
-              </a:solidFill>
-              <a:latin typeface="Microsoft YaHei" panose="020B0503020204020204" pitchFamily="34" charset="-122"/>
-              <a:ea typeface="Microsoft YaHei" panose="020B0503020204020204" pitchFamily="34" charset="-122"/>
-            </a:endParaRPr>
           </a:p>
         </p:txBody>
       </p:sp>
@@ -8979,6 +9112,7 @@
           <a:bodyPr anchor="t" anchorCtr="0">
             <a:spAutoFit/>
           </a:bodyPr>
+          <a:lstStyle/>
           <a:p>
             <a:pPr marL="342900" indent="-342900" eaLnBrk="0" hangingPunct="0">
               <a:buFont typeface="Arial" panose="020B0604020202020204" pitchFamily="34" charset="0"/>
@@ -8994,13 +9128,6 @@
               </a:rPr>
               <a:t>竞争对手分析</a:t>
             </a:r>
-            <a:endParaRPr lang="zh-CN" altLang="en-US" dirty="0">
-              <a:solidFill>
-                <a:schemeClr val="bg1"/>
-              </a:solidFill>
-              <a:latin typeface="Microsoft YaHei" panose="020B0503020204020204" pitchFamily="34" charset="-122"/>
-              <a:ea typeface="Microsoft YaHei" panose="020B0503020204020204" pitchFamily="34" charset="-122"/>
-            </a:endParaRPr>
           </a:p>
         </p:txBody>
       </p:sp>
@@ -9027,6 +9154,7 @@
           <a:bodyPr anchor="t" anchorCtr="0">
             <a:spAutoFit/>
           </a:bodyPr>
+          <a:lstStyle/>
           <a:p>
             <a:pPr marL="342900" indent="-342900" eaLnBrk="0" hangingPunct="0">
               <a:buFont typeface="Arial" panose="020B0604020202020204" pitchFamily="34" charset="0"/>
@@ -9042,13 +9170,6 @@
               </a:rPr>
               <a:t>产品定位分析</a:t>
             </a:r>
-            <a:endParaRPr lang="zh-CN" altLang="en-US" dirty="0">
-              <a:solidFill>
-                <a:schemeClr val="bg1"/>
-              </a:solidFill>
-              <a:latin typeface="Microsoft YaHei" panose="020B0503020204020204" pitchFamily="34" charset="-122"/>
-              <a:ea typeface="Microsoft YaHei" panose="020B0503020204020204" pitchFamily="34" charset="-122"/>
-            </a:endParaRPr>
           </a:p>
         </p:txBody>
       </p:sp>
@@ -9220,6 +9341,7 @@
           <a:bodyPr anchor="t" anchorCtr="0">
             <a:spAutoFit/>
           </a:bodyPr>
+          <a:lstStyle/>
           <a:p>
             <a:pPr>
               <a:buFont typeface="Arial" panose="020B0604020202020204" pitchFamily="34" charset="0"/>
@@ -9358,6 +9480,7 @@
             <a:bodyPr anchor="t" anchorCtr="0">
               <a:spAutoFit/>
             </a:bodyPr>
+            <a:lstStyle/>
             <a:p>
               <a:pPr>
                 <a:buFont typeface="Arial" panose="020B0604020202020204" pitchFamily="34" charset="0"/>
@@ -9480,6 +9603,7 @@
           <a:bodyPr wrap="square" anchor="t" anchorCtr="0">
             <a:spAutoFit/>
           </a:bodyPr>
+          <a:lstStyle/>
           <a:p>
             <a:pPr>
               <a:buFont typeface="Arial" panose="020B0604020202020204" pitchFamily="34" charset="0"/>
@@ -9494,13 +9618,6 @@
               </a:rPr>
               <a:t>Class Exercise</a:t>
             </a:r>
-            <a:endParaRPr lang="en-US" altLang="zh-CN" sz="2400" b="1" dirty="0">
-              <a:solidFill>
-                <a:srgbClr val="05B780"/>
-              </a:solidFill>
-              <a:latin typeface="Microsoft YaHei" panose="020B0503020204020204" pitchFamily="34" charset="-122"/>
-              <a:ea typeface="Microsoft YaHei" panose="020B0503020204020204" pitchFamily="34" charset="-122"/>
-            </a:endParaRPr>
           </a:p>
         </p:txBody>
       </p:sp>
@@ -9618,6 +9735,7 @@
             <a:bodyPr anchor="t" anchorCtr="0">
               <a:spAutoFit/>
             </a:bodyPr>
+            <a:lstStyle/>
             <a:p>
               <a:pPr>
                 <a:buFont typeface="Arial" panose="020B0604020202020204" pitchFamily="34" charset="0"/>
@@ -9666,6 +9784,7 @@
           <a:bodyPr anchor="t" anchorCtr="0">
             <a:spAutoFit/>
           </a:bodyPr>
+          <a:lstStyle/>
           <a:p>
             <a:pPr>
               <a:buFont typeface="Arial" panose="020B0604020202020204" pitchFamily="34" charset="0"/>
@@ -9729,6 +9848,7 @@
         </p:style>
         <p:txBody>
           <a:bodyPr anchor="ctr"/>
+          <a:lstStyle/>
           <a:p>
             <a:pPr marL="0" marR="0" lvl="0" indent="0" algn="ctr" defTabSz="914400" rtl="0" eaLnBrk="1" fontAlgn="auto" latinLnBrk="0" hangingPunct="1">
               <a:lnSpc>
@@ -9786,6 +9906,7 @@
           <a:bodyPr wrap="square" anchor="t" anchorCtr="0">
             <a:spAutoFit/>
           </a:bodyPr>
+          <a:lstStyle/>
           <a:p>
             <a:pPr>
               <a:buFont typeface="Arial" panose="020B0604020202020204" pitchFamily="34" charset="0"/>
@@ -9800,13 +9921,6 @@
               </a:rPr>
               <a:t>Linked List</a:t>
             </a:r>
-            <a:endParaRPr lang="en-US" altLang="zh-CN" sz="2400" b="1" dirty="0">
-              <a:solidFill>
-                <a:srgbClr val="05B780"/>
-              </a:solidFill>
-              <a:latin typeface="Microsoft YaHei" panose="020B0503020204020204" pitchFamily="34" charset="-122"/>
-              <a:ea typeface="Microsoft YaHei" panose="020B0503020204020204" pitchFamily="34" charset="-122"/>
-            </a:endParaRPr>
           </a:p>
         </p:txBody>
       </p:sp>
@@ -9866,6 +9980,7 @@
           </p:style>
           <p:txBody>
             <a:bodyPr anchor="ctr"/>
+            <a:lstStyle/>
             <a:p>
               <a:pPr marL="0" marR="0" lvl="0" indent="0" algn="ctr" defTabSz="914400" rtl="0" eaLnBrk="1" fontAlgn="auto" latinLnBrk="0" hangingPunct="1">
                 <a:lnSpc>
@@ -9923,6 +10038,7 @@
             <a:bodyPr anchor="t" anchorCtr="0">
               <a:spAutoFit/>
             </a:bodyPr>
+            <a:lstStyle/>
             <a:p>
               <a:pPr>
                 <a:buFont typeface="Arial" panose="020B0604020202020204" pitchFamily="34" charset="0"/>
@@ -10045,6 +10161,7 @@
           <a:bodyPr wrap="square" anchor="t" anchorCtr="0">
             <a:spAutoFit/>
           </a:bodyPr>
+          <a:lstStyle/>
           <a:p>
             <a:pPr>
               <a:buFont typeface="Arial" panose="020B0604020202020204" pitchFamily="34" charset="0"/>
@@ -10059,13 +10176,6 @@
               </a:rPr>
               <a:t>Binary/N-ary Tree</a:t>
             </a:r>
-            <a:endParaRPr lang="en-US" altLang="zh-CN" sz="2400" b="1" dirty="0">
-              <a:solidFill>
-                <a:srgbClr val="05B780"/>
-              </a:solidFill>
-              <a:latin typeface="Microsoft YaHei" panose="020B0503020204020204" pitchFamily="34" charset="-122"/>
-              <a:ea typeface="Microsoft YaHei" panose="020B0503020204020204" pitchFamily="34" charset="-122"/>
-            </a:endParaRPr>
           </a:p>
         </p:txBody>
       </p:sp>
@@ -10183,6 +10293,7 @@
             <a:bodyPr anchor="t" anchorCtr="0">
               <a:spAutoFit/>
             </a:bodyPr>
+            <a:lstStyle/>
             <a:p>
               <a:pPr>
                 <a:buFont typeface="Arial" panose="020B0604020202020204" pitchFamily="34" charset="0"/>
@@ -10247,6 +10358,7 @@
         </p:style>
         <p:txBody>
           <a:bodyPr anchor="ctr"/>
+          <a:lstStyle/>
           <a:p>
             <a:pPr marL="0" marR="0" lvl="0" indent="0" algn="ctr" defTabSz="914400" rtl="0" eaLnBrk="1" fontAlgn="auto" latinLnBrk="0" hangingPunct="1">
               <a:lnSpc>
@@ -10304,6 +10416,7 @@
           <a:bodyPr wrap="square" anchor="t" anchorCtr="0">
             <a:spAutoFit/>
           </a:bodyPr>
+          <a:lstStyle/>
           <a:p>
             <a:pPr>
               <a:buFont typeface="Arial" panose="020B0604020202020204" pitchFamily="34" charset="0"/>
@@ -10318,13 +10431,6 @@
               </a:rPr>
               <a:t>Tree Traversal</a:t>
             </a:r>
-            <a:endParaRPr lang="en-US" altLang="zh-CN" sz="2400" b="1" dirty="0">
-              <a:solidFill>
-                <a:srgbClr val="05B780"/>
-              </a:solidFill>
-              <a:latin typeface="Microsoft YaHei" panose="020B0503020204020204" pitchFamily="34" charset="-122"/>
-              <a:ea typeface="Microsoft YaHei" panose="020B0503020204020204" pitchFamily="34" charset="-122"/>
-            </a:endParaRPr>
           </a:p>
         </p:txBody>
       </p:sp>
@@ -10384,6 +10490,7 @@
           </p:style>
           <p:txBody>
             <a:bodyPr anchor="ctr"/>
+            <a:lstStyle/>
             <a:p>
               <a:pPr marL="0" marR="0" lvl="0" indent="0" algn="ctr" defTabSz="914400" rtl="0" eaLnBrk="1" fontAlgn="auto" latinLnBrk="0" hangingPunct="1">
                 <a:lnSpc>
@@ -10441,6 +10548,7 @@
             <a:bodyPr anchor="t" anchorCtr="0">
               <a:spAutoFit/>
             </a:bodyPr>
+            <a:lstStyle/>
             <a:p>
               <a:pPr>
                 <a:buFont typeface="Arial" panose="020B0604020202020204" pitchFamily="34" charset="0"/>
@@ -10486,7 +10594,14 @@
         <p:cNvGrpSpPr/>
         <p:nvPr/>
       </p:nvGrpSpPr>
-      <p:grpSpPr/>
+      <p:grpSpPr>
+        <a:xfrm>
+          <a:off x="0" y="0"/>
+          <a:ext cx="0" cy="0"/>
+          <a:chOff x="0" y="0"/>
+          <a:chExt cx="0" cy="0"/>
+        </a:xfrm>
+      </p:grpSpPr>
       <p:sp>
         <p:nvSpPr>
           <p:cNvPr id="15" name="任意多边形 14"/>
@@ -10639,6 +10754,7 @@
           <a:bodyPr anchor="t" anchorCtr="0">
             <a:spAutoFit/>
           </a:bodyPr>
+          <a:lstStyle/>
           <a:p>
             <a:pPr>
               <a:buFont typeface="Arial" panose="020B0604020202020204" pitchFamily="34" charset="0"/>
@@ -10651,15 +10767,8 @@
                 <a:latin typeface="Microsoft YaHei" panose="020B0503020204020204" pitchFamily="34" charset="-122"/>
                 <a:ea typeface="Microsoft YaHei" panose="020B0503020204020204" pitchFamily="34" charset="-122"/>
               </a:rPr>
-              <a:t>1.1</a:t>
+              <a:t>3.7</a:t>
             </a:r>
-            <a:endParaRPr lang="en-US" altLang="zh-CN" sz="2800" b="1" dirty="0">
-              <a:solidFill>
-                <a:schemeClr val="bg1"/>
-              </a:solidFill>
-              <a:latin typeface="Microsoft YaHei" panose="020B0503020204020204" pitchFamily="34" charset="-122"/>
-              <a:ea typeface="Microsoft YaHei" panose="020B0503020204020204" pitchFamily="34" charset="-122"/>
-            </a:endParaRPr>
           </a:p>
         </p:txBody>
       </p:sp>
@@ -10754,26 +10863,397 @@
                 <a:cs typeface="+mn-cs"/>
                 <a:sym typeface="+mn-ea"/>
               </a:rPr>
-              <a:t>N-Ary Trees</a:t>
+              <a:t>Implementation of Binary Trees</a:t>
             </a:r>
-            <a:endParaRPr kumimoji="0" lang="en-US" altLang="zh-CN" sz="2800" b="1" i="0" u="none" strike="noStrike" kern="1200" cap="none" spc="0" normalizeH="0" baseline="0" noProof="0" dirty="0">
+          </a:p>
+        </p:txBody>
+      </p:sp>
+      <p:sp>
+        <p:nvSpPr>
+          <p:cNvPr id="3" name="Content Placeholder 2"/>
+          <p:cNvSpPr>
+            <a:spLocks noGrp="1"/>
+          </p:cNvSpPr>
+          <p:nvPr>
+            <p:ph idx="1"/>
+          </p:nvPr>
+        </p:nvSpPr>
+        <p:spPr>
+          <a:xfrm>
+            <a:off x="838200" y="1155065"/>
+            <a:ext cx="10515600" cy="5022215"/>
+          </a:xfrm>
+        </p:spPr>
+        <p:txBody>
+          <a:bodyPr/>
+          <a:lstStyle/>
+          <a:p>
+            <a:r>
+              <a:rPr lang="en-US"/>
+              <a:t>Binary trees are implemented using a special type of ADT called Nodes which operate similarily to linked list nodes</a:t>
+            </a:r>
+          </a:p>
+          <a:p>
+            <a:r>
+              <a:rPr lang="en-US"/>
+              <a:t>To represent a binary tree in python, we can again use lists</a:t>
+            </a:r>
+          </a:p>
+          <a:p>
+            <a:r>
+              <a:rPr lang="en-US"/>
+              <a:t>Example Binary Tree</a:t>
+            </a:r>
+          </a:p>
+          <a:p>
+            <a:endParaRPr lang="en-US"/>
+          </a:p>
+          <a:p>
+            <a:endParaRPr lang="en-US"/>
+          </a:p>
+          <a:p>
+            <a:endParaRPr lang="en-US"/>
+          </a:p>
+          <a:p>
+            <a:endParaRPr lang="en-US"/>
+          </a:p>
+          <a:p>
+            <a:endParaRPr lang="en-US"/>
+          </a:p>
+          <a:p>
+            <a:r>
+              <a:rPr lang="en-US"/>
+              <a:t>In List Representation: [5,4,3,x,x,8,x,x,6,x,x]</a:t>
+            </a:r>
+          </a:p>
+          <a:p>
+            <a:pPr lvl="1"/>
+            <a:r>
+              <a:rPr lang="en-US"/>
+              <a:t>This approach leverages the </a:t>
+            </a:r>
+            <a:r>
+              <a:rPr lang="en-US" i="1"/>
+              <a:t>pre-order traversal</a:t>
+            </a:r>
+          </a:p>
+        </p:txBody>
+      </p:sp>
+      <p:pic>
+        <p:nvPicPr>
+          <p:cNvPr id="2" name="Picture 1"/>
+          <p:cNvPicPr>
+            <a:picLocks noChangeAspect="1"/>
+          </p:cNvPicPr>
+          <p:nvPr/>
+        </p:nvPicPr>
+        <p:blipFill>
+          <a:blip r:embed="rId2"/>
+          <a:stretch>
+            <a:fillRect/>
+          </a:stretch>
+        </p:blipFill>
+        <p:spPr>
+          <a:xfrm>
+            <a:off x="4469130" y="2633345"/>
+            <a:ext cx="2676525" cy="2914650"/>
+          </a:xfrm>
+          <a:prstGeom prst="rect">
+            <a:avLst/>
+          </a:prstGeom>
+        </p:spPr>
+      </p:pic>
+    </p:spTree>
+  </p:cSld>
+  <p:clrMapOvr>
+    <a:masterClrMapping/>
+  </p:clrMapOvr>
+  <p:transition spd="slow">
+    <p:wipe/>
+  </p:transition>
+</p:sld>
+</file>
+
+<file path=ppt/slides/slide21.xml><?xml version="1.0" encoding="utf-8"?>
+<p:sld xmlns:a="http://schemas.openxmlformats.org/drawingml/2006/main" xmlns:r="http://schemas.openxmlformats.org/officeDocument/2006/relationships" xmlns:p="http://schemas.openxmlformats.org/presentationml/2006/main">
+  <p:cSld>
+    <p:spTree>
+      <p:nvGrpSpPr>
+        <p:cNvPr id="1" name=""/>
+        <p:cNvGrpSpPr/>
+        <p:nvPr/>
+      </p:nvGrpSpPr>
+      <p:grpSpPr>
+        <a:xfrm>
+          <a:off x="0" y="0"/>
+          <a:ext cx="0" cy="0"/>
+          <a:chOff x="0" y="0"/>
+          <a:chExt cx="0" cy="0"/>
+        </a:xfrm>
+      </p:grpSpPr>
+      <p:sp>
+        <p:nvSpPr>
+          <p:cNvPr id="15" name="任意多边形 14"/>
+          <p:cNvSpPr/>
+          <p:nvPr/>
+        </p:nvSpPr>
+        <p:spPr>
+          <a:xfrm>
+            <a:off x="0" y="274638"/>
+            <a:ext cx="890588" cy="639763"/>
+          </a:xfrm>
+          <a:custGeom>
+            <a:avLst/>
+            <a:gdLst>
+              <a:gd name="connsiteX0" fmla="*/ 0 w 1029743"/>
+              <a:gd name="connsiteY0" fmla="*/ 0 h 739718"/>
+              <a:gd name="connsiteX1" fmla="*/ 659884 w 1029743"/>
+              <a:gd name="connsiteY1" fmla="*/ 0 h 739718"/>
+              <a:gd name="connsiteX2" fmla="*/ 1029743 w 1029743"/>
+              <a:gd name="connsiteY2" fmla="*/ 369859 h 739718"/>
+              <a:gd name="connsiteX3" fmla="*/ 659884 w 1029743"/>
+              <a:gd name="connsiteY3" fmla="*/ 739718 h 739718"/>
+              <a:gd name="connsiteX4" fmla="*/ 0 w 1029743"/>
+              <a:gd name="connsiteY4" fmla="*/ 739718 h 739718"/>
+            </a:gdLst>
+            <a:ahLst/>
+            <a:cxnLst>
+              <a:cxn ang="0">
+                <a:pos x="connsiteX0" y="connsiteY0"/>
+              </a:cxn>
+              <a:cxn ang="0">
+                <a:pos x="connsiteX1" y="connsiteY1"/>
+              </a:cxn>
+              <a:cxn ang="0">
+                <a:pos x="connsiteX2" y="connsiteY2"/>
+              </a:cxn>
+              <a:cxn ang="0">
+                <a:pos x="connsiteX3" y="connsiteY3"/>
+              </a:cxn>
+              <a:cxn ang="0">
+                <a:pos x="connsiteX4" y="connsiteY4"/>
+              </a:cxn>
+            </a:cxnLst>
+            <a:rect l="l" t="t" r="r" b="b"/>
+            <a:pathLst>
+              <a:path w="1029743" h="739718">
+                <a:moveTo>
+                  <a:pt x="0" y="0"/>
+                </a:moveTo>
+                <a:lnTo>
+                  <a:pt x="659884" y="0"/>
+                </a:lnTo>
+                <a:cubicBezTo>
+                  <a:pt x="864151" y="0"/>
+                  <a:pt x="1029743" y="165592"/>
+                  <a:pt x="1029743" y="369859"/>
+                </a:cubicBezTo>
+                <a:cubicBezTo>
+                  <a:pt x="1029743" y="574126"/>
+                  <a:pt x="864151" y="739718"/>
+                  <a:pt x="659884" y="739718"/>
+                </a:cubicBezTo>
+                <a:lnTo>
+                  <a:pt x="0" y="739718"/>
+                </a:lnTo>
+                <a:close/>
+              </a:path>
+            </a:pathLst>
+          </a:custGeom>
+          <a:solidFill>
+            <a:srgbClr val="05B780"/>
+          </a:solidFill>
+          <a:ln>
+            <a:noFill/>
+          </a:ln>
+        </p:spPr>
+        <p:style>
+          <a:lnRef idx="2">
+            <a:schemeClr val="accent1">
+              <a:shade val="50000"/>
+            </a:schemeClr>
+          </a:lnRef>
+          <a:fillRef idx="1">
+            <a:schemeClr val="accent1"/>
+          </a:fillRef>
+          <a:effectRef idx="0">
+            <a:schemeClr val="accent1"/>
+          </a:effectRef>
+          <a:fontRef idx="minor">
+            <a:schemeClr val="lt1"/>
+          </a:fontRef>
+        </p:style>
+        <p:txBody>
+          <a:bodyPr anchor="ctr"/>
+          <a:lstStyle/>
+          <a:p>
+            <a:pPr marL="0" marR="0" lvl="0" indent="0" algn="ctr" defTabSz="914400" rtl="0" eaLnBrk="1" fontAlgn="auto" latinLnBrk="0" hangingPunct="1">
+              <a:lnSpc>
+                <a:spcPct val="100000"/>
+              </a:lnSpc>
+              <a:spcBef>
+                <a:spcPts val="0"/>
+              </a:spcBef>
+              <a:spcAft>
+                <a:spcPts val="0"/>
+              </a:spcAft>
+              <a:buClrTx/>
+              <a:buSzTx/>
+              <a:buFontTx/>
+              <a:buNone/>
+              <a:defRPr/>
+            </a:pPr>
+            <a:endParaRPr kumimoji="0" lang="zh-CN" altLang="en-US" sz="1800" b="0" i="0" u="none" strike="noStrike" kern="1200" cap="none" spc="0" normalizeH="0" baseline="0" noProof="0">
               <a:ln>
                 <a:noFill/>
               </a:ln>
               <a:solidFill>
-                <a:schemeClr val="tx1">
-                  <a:lumMod val="85000"/>
-                  <a:lumOff val="15000"/>
-                </a:schemeClr>
+                <a:schemeClr val="bg1"/>
               </a:solidFill>
               <a:effectLst/>
               <a:uLnTx/>
               <a:uFillTx/>
-              <a:latin typeface="Microsoft YaHei" panose="020B0503020204020204" pitchFamily="34" charset="-122"/>
-              <a:ea typeface="Microsoft YaHei" panose="020B0503020204020204" pitchFamily="34" charset="-122"/>
+              <a:latin typeface="+mn-lt"/>
+              <a:ea typeface="+mn-ea"/>
               <a:cs typeface="+mn-cs"/>
-              <a:sym typeface="+mn-ea"/>
             </a:endParaRPr>
+          </a:p>
+        </p:txBody>
+      </p:sp>
+      <p:sp>
+        <p:nvSpPr>
+          <p:cNvPr id="7170" name="文本框 156"/>
+          <p:cNvSpPr txBox="1"/>
+          <p:nvPr/>
+        </p:nvSpPr>
+        <p:spPr>
+          <a:xfrm>
+            <a:off x="0" y="350838"/>
+            <a:ext cx="814388" cy="521970"/>
+          </a:xfrm>
+          <a:prstGeom prst="rect">
+            <a:avLst/>
+          </a:prstGeom>
+          <a:noFill/>
+          <a:ln w="9525">
+            <a:noFill/>
+          </a:ln>
+        </p:spPr>
+        <p:txBody>
+          <a:bodyPr anchor="t" anchorCtr="0">
+            <a:spAutoFit/>
+          </a:bodyPr>
+          <a:lstStyle/>
+          <a:p>
+            <a:pPr>
+              <a:buFont typeface="Arial" panose="020B0604020202020204" pitchFamily="34" charset="0"/>
+            </a:pPr>
+            <a:r>
+              <a:rPr lang="en-US" altLang="zh-CN" sz="2800" b="1" dirty="0">
+                <a:solidFill>
+                  <a:schemeClr val="bg1"/>
+                </a:solidFill>
+                <a:latin typeface="Microsoft YaHei" panose="020B0503020204020204" pitchFamily="34" charset="-122"/>
+                <a:ea typeface="Microsoft YaHei" panose="020B0503020204020204" pitchFamily="34" charset="-122"/>
+              </a:rPr>
+              <a:t>3.8</a:t>
+            </a:r>
+          </a:p>
+        </p:txBody>
+      </p:sp>
+      <p:sp>
+        <p:nvSpPr>
+          <p:cNvPr id="16" name="Rectangle 6"/>
+          <p:cNvSpPr>
+            <a:spLocks noChangeArrowheads="1"/>
+          </p:cNvSpPr>
+          <p:nvPr/>
+        </p:nvSpPr>
+        <p:spPr bwMode="black">
+          <a:xfrm>
+            <a:off x="1021080" y="351155"/>
+            <a:ext cx="6515735" cy="521970"/>
+          </a:xfrm>
+          <a:prstGeom prst="rect">
+            <a:avLst/>
+          </a:prstGeom>
+          <a:noFill/>
+          <a:ln>
+            <a:noFill/>
+          </a:ln>
+          <a:effectLst/>
+          <a:extLst>
+            <a:ext uri="{909E8E84-426E-40DD-AFC4-6F175D3DCCD1}">
+              <a14:hiddenFill xmlns:a14="http://schemas.microsoft.com/office/drawing/2010/main">
+                <a:solidFill>
+                  <a:schemeClr val="accent1"/>
+                </a:solidFill>
+              </a14:hiddenFill>
+            </a:ext>
+            <a:ext uri="{91240B29-F687-4F45-9708-019B960494DF}">
+              <a14:hiddenLine xmlns:a14="http://schemas.microsoft.com/office/drawing/2010/main" w="9525">
+                <a:solidFill>
+                  <a:schemeClr val="tx1"/>
+                </a:solidFill>
+                <a:miter lim="800000"/>
+                <a:headEnd/>
+                <a:tailEnd/>
+              </a14:hiddenLine>
+            </a:ext>
+            <a:ext uri="{AF507438-7753-43E0-B8FC-AC1667EBCBE1}">
+              <a14:hiddenEffects xmlns:a14="http://schemas.microsoft.com/office/drawing/2010/main">
+                <a:effectLst>
+                  <a:outerShdw dist="35921" dir="2700000" algn="ctr" rotWithShape="0">
+                    <a:schemeClr val="bg2"/>
+                  </a:outerShdw>
+                </a:effectLst>
+              </a14:hiddenEffects>
+            </a:ext>
+          </a:extLst>
+        </p:spPr>
+        <p:txBody>
+          <a:bodyPr wrap="square">
+            <a:spAutoFit/>
+          </a:bodyPr>
+          <a:lstStyle/>
+          <a:p>
+            <a:pPr marL="0" marR="0" lvl="0" indent="0" algn="l" defTabSz="914400" rtl="0" eaLnBrk="0" fontAlgn="auto" latinLnBrk="0" hangingPunct="0">
+              <a:lnSpc>
+                <a:spcPct val="100000"/>
+              </a:lnSpc>
+              <a:spcBef>
+                <a:spcPts val="0"/>
+              </a:spcBef>
+              <a:spcAft>
+                <a:spcPts val="0"/>
+              </a:spcAft>
+              <a:buClrTx/>
+              <a:buSzTx/>
+              <a:buFontTx/>
+              <a:buNone/>
+              <a:defRPr/>
+            </a:pPr>
+            <a:r>
+              <a:rPr kumimoji="0" lang="en-US" altLang="zh-CN" sz="2800" b="1" i="0" u="none" strike="noStrike" kern="1200" cap="none" spc="0" normalizeH="0" baseline="0" noProof="0" dirty="0">
+                <a:ln>
+                  <a:noFill/>
+                </a:ln>
+                <a:solidFill>
+                  <a:schemeClr val="tx1">
+                    <a:lumMod val="85000"/>
+                    <a:lumOff val="15000"/>
+                  </a:schemeClr>
+                </a:solidFill>
+                <a:effectLst/>
+                <a:uLnTx/>
+                <a:uFillTx/>
+                <a:latin typeface="Microsoft YaHei" panose="020B0503020204020204" pitchFamily="34" charset="-122"/>
+                <a:ea typeface="Microsoft YaHei" panose="020B0503020204020204" pitchFamily="34" charset="-122"/>
+                <a:cs typeface="+mn-cs"/>
+                <a:sym typeface="+mn-ea"/>
+              </a:rPr>
+              <a:t>N-Ary Trees</a:t>
+            </a:r>
           </a:p>
         </p:txBody>
       </p:sp>
@@ -10781,14 +11261,14 @@
         <p:nvPicPr>
           <p:cNvPr id="2" name="Content Placeholder 1"/>
           <p:cNvPicPr>
-            <a:picLocks noChangeAspect="1"/>
+            <a:picLocks noGrp="1" noChangeAspect="1"/>
           </p:cNvPicPr>
           <p:nvPr>
             <p:ph idx="1"/>
           </p:nvPr>
         </p:nvPicPr>
         <p:blipFill>
-          <a:blip r:embed="rId1"/>
+          <a:blip r:embed="rId2"/>
           <a:stretch>
             <a:fillRect/>
           </a:stretch>
@@ -11008,14 +11488,12 @@
               <a:rPr lang="en-US"/>
               <a:t>For trees that do not follow the “binary” structure, we consider them as N-Ary Trees</a:t>
             </a:r>
-            <a:endParaRPr lang="en-US"/>
           </a:p>
           <a:p>
             <a:r>
               <a:rPr lang="en-US"/>
               <a:t>N-Ary Trees can contain up to N (N&gt;2) number of children at each parent node</a:t>
             </a:r>
-            <a:endParaRPr lang="en-US"/>
           </a:p>
           <a:p>
             <a:pPr lvl="1"/>
@@ -11030,7 +11508,6 @@
               <a:rPr lang="en-US"/>
               <a:t>One of the most common applications is Prefix-Trie</a:t>
             </a:r>
-            <a:endParaRPr lang="en-US"/>
           </a:p>
         </p:txBody>
       </p:sp>
@@ -11041,7 +11518,7 @@
           <p:nvPr/>
         </p:nvPicPr>
         <p:blipFill>
-          <a:blip r:embed="rId2"/>
+          <a:blip r:embed="rId3"/>
           <a:stretch>
             <a:fillRect/>
           </a:stretch>
@@ -11071,7 +11548,7 @@
 </p:sld>
 </file>
 
-<file path=ppt/slides/slide21.xml><?xml version="1.0" encoding="utf-8"?>
+<file path=ppt/slides/slide22.xml><?xml version="1.0" encoding="utf-8"?>
 <p:sld xmlns:a="http://schemas.openxmlformats.org/drawingml/2006/main" xmlns:r="http://schemas.openxmlformats.org/officeDocument/2006/relationships" xmlns:p="http://schemas.openxmlformats.org/presentationml/2006/main">
   <p:cSld>
     <p:spTree>
@@ -11080,30 +11557,37 @@
         <p:cNvGrpSpPr/>
         <p:nvPr/>
       </p:nvGrpSpPr>
-      <p:grpSpPr/>
+      <p:grpSpPr>
+        <a:xfrm>
+          <a:off x="0" y="0"/>
+          <a:ext cx="0" cy="0"/>
+          <a:chOff x="0" y="0"/>
+          <a:chExt cx="0" cy="0"/>
+        </a:xfrm>
+      </p:grpSpPr>
       <p:sp>
         <p:nvSpPr>
-          <p:cNvPr id="46" name="任意多边形 45"/>
+          <p:cNvPr id="15" name="任意多边形 14"/>
           <p:cNvSpPr/>
           <p:nvPr/>
         </p:nvSpPr>
         <p:spPr>
           <a:xfrm>
-            <a:off x="0" y="260350"/>
-            <a:ext cx="3922395" cy="739775"/>
+            <a:off x="0" y="274638"/>
+            <a:ext cx="890588" cy="639763"/>
           </a:xfrm>
           <a:custGeom>
             <a:avLst/>
             <a:gdLst>
-              <a:gd name="connsiteX0" fmla="*/ 0 w 2091831"/>
+              <a:gd name="connsiteX0" fmla="*/ 0 w 1029743"/>
               <a:gd name="connsiteY0" fmla="*/ 0 h 739718"/>
-              <a:gd name="connsiteX1" fmla="*/ 1721972 w 2091831"/>
+              <a:gd name="connsiteX1" fmla="*/ 659884 w 1029743"/>
               <a:gd name="connsiteY1" fmla="*/ 0 h 739718"/>
-              <a:gd name="connsiteX2" fmla="*/ 2091831 w 2091831"/>
+              <a:gd name="connsiteX2" fmla="*/ 1029743 w 1029743"/>
               <a:gd name="connsiteY2" fmla="*/ 369859 h 739718"/>
-              <a:gd name="connsiteX3" fmla="*/ 1721972 w 2091831"/>
+              <a:gd name="connsiteX3" fmla="*/ 659884 w 1029743"/>
               <a:gd name="connsiteY3" fmla="*/ 739718 h 739718"/>
-              <a:gd name="connsiteX4" fmla="*/ 0 w 2091831"/>
+              <a:gd name="connsiteX4" fmla="*/ 0 w 1029743"/>
               <a:gd name="connsiteY4" fmla="*/ 739718 h 739718"/>
             </a:gdLst>
             <a:ahLst/>
@@ -11126,22 +11610,22 @@
             </a:cxnLst>
             <a:rect l="l" t="t" r="r" b="b"/>
             <a:pathLst>
-              <a:path w="2091831" h="739718">
+              <a:path w="1029743" h="739718">
                 <a:moveTo>
                   <a:pt x="0" y="0"/>
                 </a:moveTo>
                 <a:lnTo>
-                  <a:pt x="1721972" y="0"/>
+                  <a:pt x="659884" y="0"/>
                 </a:lnTo>
                 <a:cubicBezTo>
-                  <a:pt x="1926239" y="0"/>
-                  <a:pt x="2091831" y="165592"/>
-                  <a:pt x="2091831" y="369859"/>
-                </a:cubicBezTo>
-                <a:cubicBezTo>
-                  <a:pt x="2091831" y="574126"/>
-                  <a:pt x="1926239" y="739718"/>
-                  <a:pt x="1721972" y="739718"/>
+                  <a:pt x="864151" y="0"/>
+                  <a:pt x="1029743" y="165592"/>
+                  <a:pt x="1029743" y="369859"/>
+                </a:cubicBezTo>
+                <a:cubicBezTo>
+                  <a:pt x="1029743" y="574126"/>
+                  <a:pt x="864151" y="739718"/>
+                  <a:pt x="659884" y="739718"/>
                 </a:cubicBezTo>
                 <a:lnTo>
                   <a:pt x="0" y="739718"/>
@@ -11198,6 +11682,325 @@
                 <a:noFill/>
               </a:ln>
               <a:solidFill>
+                <a:schemeClr val="bg1"/>
+              </a:solidFill>
+              <a:effectLst/>
+              <a:uLnTx/>
+              <a:uFillTx/>
+              <a:latin typeface="+mn-lt"/>
+              <a:ea typeface="+mn-ea"/>
+              <a:cs typeface="+mn-cs"/>
+            </a:endParaRPr>
+          </a:p>
+        </p:txBody>
+      </p:sp>
+      <p:sp>
+        <p:nvSpPr>
+          <p:cNvPr id="7170" name="文本框 156"/>
+          <p:cNvSpPr txBox="1"/>
+          <p:nvPr/>
+        </p:nvSpPr>
+        <p:spPr>
+          <a:xfrm>
+            <a:off x="0" y="350838"/>
+            <a:ext cx="814388" cy="521970"/>
+          </a:xfrm>
+          <a:prstGeom prst="rect">
+            <a:avLst/>
+          </a:prstGeom>
+          <a:noFill/>
+          <a:ln w="9525">
+            <a:noFill/>
+          </a:ln>
+        </p:spPr>
+        <p:txBody>
+          <a:bodyPr anchor="t" anchorCtr="0">
+            <a:spAutoFit/>
+          </a:bodyPr>
+          <a:lstStyle/>
+          <a:p>
+            <a:pPr>
+              <a:buFont typeface="Arial" panose="020B0604020202020204" pitchFamily="34" charset="0"/>
+            </a:pPr>
+            <a:r>
+              <a:rPr lang="en-US" altLang="zh-CN" sz="2800" b="1" dirty="0">
+                <a:solidFill>
+                  <a:schemeClr val="bg1"/>
+                </a:solidFill>
+                <a:latin typeface="Microsoft YaHei" panose="020B0503020204020204" pitchFamily="34" charset="-122"/>
+                <a:ea typeface="Microsoft YaHei" panose="020B0503020204020204" pitchFamily="34" charset="-122"/>
+              </a:rPr>
+              <a:t>3.9</a:t>
+            </a:r>
+          </a:p>
+        </p:txBody>
+      </p:sp>
+      <p:sp>
+        <p:nvSpPr>
+          <p:cNvPr id="16" name="Rectangle 6"/>
+          <p:cNvSpPr>
+            <a:spLocks noChangeArrowheads="1"/>
+          </p:cNvSpPr>
+          <p:nvPr/>
+        </p:nvSpPr>
+        <p:spPr bwMode="black">
+          <a:xfrm>
+            <a:off x="1021080" y="351155"/>
+            <a:ext cx="6515735" cy="521970"/>
+          </a:xfrm>
+          <a:prstGeom prst="rect">
+            <a:avLst/>
+          </a:prstGeom>
+          <a:noFill/>
+          <a:ln>
+            <a:noFill/>
+          </a:ln>
+          <a:effectLst/>
+          <a:extLst>
+            <a:ext uri="{909E8E84-426E-40DD-AFC4-6F175D3DCCD1}">
+              <a14:hiddenFill xmlns:a14="http://schemas.microsoft.com/office/drawing/2010/main">
+                <a:solidFill>
+                  <a:schemeClr val="accent1"/>
+                </a:solidFill>
+              </a14:hiddenFill>
+            </a:ext>
+            <a:ext uri="{91240B29-F687-4F45-9708-019B960494DF}">
+              <a14:hiddenLine xmlns:a14="http://schemas.microsoft.com/office/drawing/2010/main" w="9525">
+                <a:solidFill>
+                  <a:schemeClr val="tx1"/>
+                </a:solidFill>
+                <a:miter lim="800000"/>
+                <a:headEnd/>
+                <a:tailEnd/>
+              </a14:hiddenLine>
+            </a:ext>
+            <a:ext uri="{AF507438-7753-43E0-B8FC-AC1667EBCBE1}">
+              <a14:hiddenEffects xmlns:a14="http://schemas.microsoft.com/office/drawing/2010/main">
+                <a:effectLst>
+                  <a:outerShdw dist="35921" dir="2700000" algn="ctr" rotWithShape="0">
+                    <a:schemeClr val="bg2"/>
+                  </a:outerShdw>
+                </a:effectLst>
+              </a14:hiddenEffects>
+            </a:ext>
+          </a:extLst>
+        </p:spPr>
+        <p:txBody>
+          <a:bodyPr wrap="square">
+            <a:spAutoFit/>
+          </a:bodyPr>
+          <a:lstStyle/>
+          <a:p>
+            <a:pPr marL="0" marR="0" lvl="0" indent="0" algn="l" defTabSz="914400" rtl="0" eaLnBrk="0" fontAlgn="auto" latinLnBrk="0" hangingPunct="0">
+              <a:lnSpc>
+                <a:spcPct val="100000"/>
+              </a:lnSpc>
+              <a:spcBef>
+                <a:spcPts val="0"/>
+              </a:spcBef>
+              <a:spcAft>
+                <a:spcPts val="0"/>
+              </a:spcAft>
+              <a:buClrTx/>
+              <a:buSzTx/>
+              <a:buFontTx/>
+              <a:buNone/>
+              <a:defRPr/>
+            </a:pPr>
+            <a:r>
+              <a:rPr kumimoji="0" lang="en-US" altLang="zh-CN" sz="2800" b="1" i="0" u="none" strike="noStrike" kern="1200" cap="none" spc="0" normalizeH="0" baseline="0" noProof="0" dirty="0">
+                <a:ln>
+                  <a:noFill/>
+                </a:ln>
+                <a:solidFill>
+                  <a:schemeClr val="tx1">
+                    <a:lumMod val="85000"/>
+                    <a:lumOff val="15000"/>
+                  </a:schemeClr>
+                </a:solidFill>
+                <a:effectLst/>
+                <a:uLnTx/>
+                <a:uFillTx/>
+                <a:latin typeface="Microsoft YaHei" panose="020B0503020204020204" pitchFamily="34" charset="-122"/>
+                <a:ea typeface="Microsoft YaHei" panose="020B0503020204020204" pitchFamily="34" charset="-122"/>
+                <a:cs typeface="+mn-cs"/>
+                <a:sym typeface="+mn-ea"/>
+              </a:rPr>
+              <a:t>Binary Tree - Demo Exercise</a:t>
+            </a:r>
+          </a:p>
+        </p:txBody>
+      </p:sp>
+      <p:sp>
+        <p:nvSpPr>
+          <p:cNvPr id="3" name="Content Placeholder 2"/>
+          <p:cNvSpPr>
+            <a:spLocks noGrp="1"/>
+          </p:cNvSpPr>
+          <p:nvPr>
+            <p:ph idx="1"/>
+          </p:nvPr>
+        </p:nvSpPr>
+        <p:spPr/>
+        <p:txBody>
+          <a:bodyPr/>
+          <a:lstStyle/>
+          <a:p>
+            <a:pPr lvl="0"/>
+            <a:endParaRPr lang="en-US" dirty="0"/>
+          </a:p>
+        </p:txBody>
+      </p:sp>
+    </p:spTree>
+    <p:extLst>
+      <p:ext uri="{BB962C8B-B14F-4D97-AF65-F5344CB8AC3E}">
+        <p14:creationId xmlns:p14="http://schemas.microsoft.com/office/powerpoint/2010/main" val="1352099935"/>
+      </p:ext>
+    </p:extLst>
+  </p:cSld>
+  <p:clrMapOvr>
+    <a:masterClrMapping/>
+  </p:clrMapOvr>
+  <p:transition spd="slow">
+    <p:wipe/>
+  </p:transition>
+</p:sld>
+</file>
+
+<file path=ppt/slides/slide23.xml><?xml version="1.0" encoding="utf-8"?>
+<p:sld xmlns:a="http://schemas.openxmlformats.org/drawingml/2006/main" xmlns:r="http://schemas.openxmlformats.org/officeDocument/2006/relationships" xmlns:p="http://schemas.openxmlformats.org/presentationml/2006/main">
+  <p:cSld>
+    <p:spTree>
+      <p:nvGrpSpPr>
+        <p:cNvPr id="1" name=""/>
+        <p:cNvGrpSpPr/>
+        <p:nvPr/>
+      </p:nvGrpSpPr>
+      <p:grpSpPr>
+        <a:xfrm>
+          <a:off x="0" y="0"/>
+          <a:ext cx="0" cy="0"/>
+          <a:chOff x="0" y="0"/>
+          <a:chExt cx="0" cy="0"/>
+        </a:xfrm>
+      </p:grpSpPr>
+      <p:sp>
+        <p:nvSpPr>
+          <p:cNvPr id="46" name="任意多边形 45"/>
+          <p:cNvSpPr/>
+          <p:nvPr/>
+        </p:nvSpPr>
+        <p:spPr>
+          <a:xfrm>
+            <a:off x="0" y="260350"/>
+            <a:ext cx="3922395" cy="739775"/>
+          </a:xfrm>
+          <a:custGeom>
+            <a:avLst/>
+            <a:gdLst>
+              <a:gd name="connsiteX0" fmla="*/ 0 w 2091831"/>
+              <a:gd name="connsiteY0" fmla="*/ 0 h 739718"/>
+              <a:gd name="connsiteX1" fmla="*/ 1721972 w 2091831"/>
+              <a:gd name="connsiteY1" fmla="*/ 0 h 739718"/>
+              <a:gd name="connsiteX2" fmla="*/ 2091831 w 2091831"/>
+              <a:gd name="connsiteY2" fmla="*/ 369859 h 739718"/>
+              <a:gd name="connsiteX3" fmla="*/ 1721972 w 2091831"/>
+              <a:gd name="connsiteY3" fmla="*/ 739718 h 739718"/>
+              <a:gd name="connsiteX4" fmla="*/ 0 w 2091831"/>
+              <a:gd name="connsiteY4" fmla="*/ 739718 h 739718"/>
+            </a:gdLst>
+            <a:ahLst/>
+            <a:cxnLst>
+              <a:cxn ang="0">
+                <a:pos x="connsiteX0" y="connsiteY0"/>
+              </a:cxn>
+              <a:cxn ang="0">
+                <a:pos x="connsiteX1" y="connsiteY1"/>
+              </a:cxn>
+              <a:cxn ang="0">
+                <a:pos x="connsiteX2" y="connsiteY2"/>
+              </a:cxn>
+              <a:cxn ang="0">
+                <a:pos x="connsiteX3" y="connsiteY3"/>
+              </a:cxn>
+              <a:cxn ang="0">
+                <a:pos x="connsiteX4" y="connsiteY4"/>
+              </a:cxn>
+            </a:cxnLst>
+            <a:rect l="l" t="t" r="r" b="b"/>
+            <a:pathLst>
+              <a:path w="2091831" h="739718">
+                <a:moveTo>
+                  <a:pt x="0" y="0"/>
+                </a:moveTo>
+                <a:lnTo>
+                  <a:pt x="1721972" y="0"/>
+                </a:lnTo>
+                <a:cubicBezTo>
+                  <a:pt x="1926239" y="0"/>
+                  <a:pt x="2091831" y="165592"/>
+                  <a:pt x="2091831" y="369859"/>
+                </a:cubicBezTo>
+                <a:cubicBezTo>
+                  <a:pt x="2091831" y="574126"/>
+                  <a:pt x="1926239" y="739718"/>
+                  <a:pt x="1721972" y="739718"/>
+                </a:cubicBezTo>
+                <a:lnTo>
+                  <a:pt x="0" y="739718"/>
+                </a:lnTo>
+                <a:close/>
+              </a:path>
+            </a:pathLst>
+          </a:custGeom>
+          <a:solidFill>
+            <a:srgbClr val="05B780"/>
+          </a:solidFill>
+          <a:ln>
+            <a:noFill/>
+          </a:ln>
+        </p:spPr>
+        <p:style>
+          <a:lnRef idx="2">
+            <a:schemeClr val="accent1">
+              <a:shade val="50000"/>
+            </a:schemeClr>
+          </a:lnRef>
+          <a:fillRef idx="1">
+            <a:schemeClr val="accent1"/>
+          </a:fillRef>
+          <a:effectRef idx="0">
+            <a:schemeClr val="accent1"/>
+          </a:effectRef>
+          <a:fontRef idx="minor">
+            <a:schemeClr val="lt1"/>
+          </a:fontRef>
+        </p:style>
+        <p:txBody>
+          <a:bodyPr anchor="ctr"/>
+          <a:lstStyle/>
+          <a:p>
+            <a:pPr marL="0" marR="0" lvl="0" indent="0" algn="ctr" defTabSz="914400" rtl="0" eaLnBrk="1" fontAlgn="auto" latinLnBrk="0" hangingPunct="1">
+              <a:lnSpc>
+                <a:spcPct val="100000"/>
+              </a:lnSpc>
+              <a:spcBef>
+                <a:spcPts val="0"/>
+              </a:spcBef>
+              <a:spcAft>
+                <a:spcPts val="0"/>
+              </a:spcAft>
+              <a:buClrTx/>
+              <a:buSzTx/>
+              <a:buFontTx/>
+              <a:buNone/>
+              <a:defRPr/>
+            </a:pPr>
+            <a:endParaRPr kumimoji="0" lang="zh-CN" altLang="en-US" sz="1800" b="0" i="0" u="none" strike="noStrike" kern="1200" cap="none" spc="0" normalizeH="0" baseline="0" noProof="0">
+              <a:ln>
+                <a:noFill/>
+              </a:ln>
+              <a:solidFill>
                 <a:schemeClr val="lt1"/>
               </a:solidFill>
               <a:effectLst/>
@@ -11233,6 +12036,7 @@
           <a:bodyPr wrap="square" anchor="t" anchorCtr="0">
             <a:spAutoFit/>
           </a:bodyPr>
+          <a:lstStyle/>
           <a:p>
             <a:pPr>
               <a:buFont typeface="Arial" panose="020B0604020202020204" pitchFamily="34" charset="0"/>
@@ -11355,6 +12159,7 @@
           <a:bodyPr wrap="square" anchor="t" anchorCtr="0">
             <a:spAutoFit/>
           </a:bodyPr>
+          <a:lstStyle/>
           <a:p>
             <a:pPr>
               <a:buFont typeface="Arial" panose="020B0604020202020204" pitchFamily="34" charset="0"/>
@@ -11369,13 +12174,6 @@
               </a:rPr>
               <a:t>Tree Traversal</a:t>
             </a:r>
-            <a:endParaRPr lang="en-US" altLang="zh-CN" sz="3200" b="1" dirty="0">
-              <a:solidFill>
-                <a:srgbClr val="05B780"/>
-              </a:solidFill>
-              <a:latin typeface="Microsoft YaHei" panose="020B0503020204020204" pitchFamily="34" charset="-122"/>
-              <a:ea typeface="Microsoft YaHei" panose="020B0503020204020204" pitchFamily="34" charset="-122"/>
-            </a:endParaRPr>
           </a:p>
         </p:txBody>
       </p:sp>
@@ -11493,6 +12291,7 @@
             <a:bodyPr wrap="square" anchor="t" anchorCtr="0">
               <a:spAutoFit/>
             </a:bodyPr>
+            <a:lstStyle/>
             <a:p>
               <a:pPr>
                 <a:buFont typeface="Arial" panose="020B0604020202020204" pitchFamily="34" charset="0"/>
@@ -11507,13 +12306,6 @@
                 </a:rPr>
                 <a:t>03</a:t>
               </a:r>
-              <a:endParaRPr lang="en-US" altLang="zh-CN" sz="4400" b="1" dirty="0">
-                <a:solidFill>
-                  <a:schemeClr val="bg1"/>
-                </a:solidFill>
-                <a:latin typeface="Microsoft YaHei" panose="020B0503020204020204" pitchFamily="34" charset="-122"/>
-                <a:ea typeface="Microsoft YaHei" panose="020B0503020204020204" pitchFamily="34" charset="-122"/>
-              </a:endParaRPr>
             </a:p>
           </p:txBody>
         </p:sp>
@@ -11529,7 +12321,7 @@
 </p:sld>
 </file>
 
-<file path=ppt/slides/slide22.xml><?xml version="1.0" encoding="utf-8"?>
+<file path=ppt/slides/slide24.xml><?xml version="1.0" encoding="utf-8"?>
 <p:sld xmlns:a="http://schemas.openxmlformats.org/drawingml/2006/main" xmlns:r="http://schemas.openxmlformats.org/officeDocument/2006/relationships" xmlns:p="http://schemas.openxmlformats.org/presentationml/2006/main">
   <p:cSld>
     <p:spTree>
@@ -11538,7 +12330,14 @@
         <p:cNvGrpSpPr/>
         <p:nvPr/>
       </p:nvGrpSpPr>
-      <p:grpSpPr/>
+      <p:grpSpPr>
+        <a:xfrm>
+          <a:off x="0" y="0"/>
+          <a:ext cx="0" cy="0"/>
+          <a:chOff x="0" y="0"/>
+          <a:chExt cx="0" cy="0"/>
+        </a:xfrm>
+      </p:grpSpPr>
       <p:sp>
         <p:nvSpPr>
           <p:cNvPr id="15" name="任意多边形 14"/>
@@ -11677,7 +12476,7 @@
         <p:spPr>
           <a:xfrm>
             <a:off x="0" y="350838"/>
-            <a:ext cx="814388" cy="521970"/>
+            <a:ext cx="1021080" cy="523220"/>
           </a:xfrm>
           <a:prstGeom prst="rect">
             <a:avLst/>
@@ -11688,9 +12487,10 @@
           </a:ln>
         </p:spPr>
         <p:txBody>
-          <a:bodyPr anchor="t" anchorCtr="0">
+          <a:bodyPr wrap="square" anchor="t" anchorCtr="0">
             <a:spAutoFit/>
           </a:bodyPr>
+          <a:lstStyle/>
           <a:p>
             <a:pPr>
               <a:buFont typeface="Arial" panose="020B0604020202020204" pitchFamily="34" charset="0"/>
@@ -11703,15 +12503,8 @@
                 <a:latin typeface="Microsoft YaHei" panose="020B0503020204020204" pitchFamily="34" charset="-122"/>
                 <a:ea typeface="Microsoft YaHei" panose="020B0503020204020204" pitchFamily="34" charset="-122"/>
               </a:rPr>
-              <a:t>1.1</a:t>
+              <a:t>3.10</a:t>
             </a:r>
-            <a:endParaRPr lang="en-US" altLang="zh-CN" sz="2800" b="1" dirty="0">
-              <a:solidFill>
-                <a:schemeClr val="bg1"/>
-              </a:solidFill>
-              <a:latin typeface="Microsoft YaHei" panose="020B0503020204020204" pitchFamily="34" charset="-122"/>
-              <a:ea typeface="Microsoft YaHei" panose="020B0503020204020204" pitchFamily="34" charset="-122"/>
-            </a:endParaRPr>
           </a:p>
         </p:txBody>
       </p:sp>
@@ -11808,24 +12601,6 @@
               </a:rPr>
               <a:t>Level-order Traversal</a:t>
             </a:r>
-            <a:endParaRPr kumimoji="0" lang="en-US" altLang="zh-CN" sz="2800" b="1" i="0" u="none" strike="noStrike" kern="1200" cap="none" spc="0" normalizeH="0" baseline="0" noProof="0" dirty="0">
-              <a:ln>
-                <a:noFill/>
-              </a:ln>
-              <a:solidFill>
-                <a:schemeClr val="tx1">
-                  <a:lumMod val="85000"/>
-                  <a:lumOff val="15000"/>
-                </a:schemeClr>
-              </a:solidFill>
-              <a:effectLst/>
-              <a:uLnTx/>
-              <a:uFillTx/>
-              <a:latin typeface="Microsoft YaHei" panose="020B0503020204020204" pitchFamily="34" charset="-122"/>
-              <a:ea typeface="Microsoft YaHei" panose="020B0503020204020204" pitchFamily="34" charset="-122"/>
-              <a:cs typeface="+mn-cs"/>
-              <a:sym typeface="+mn-ea"/>
-            </a:endParaRPr>
           </a:p>
         </p:txBody>
       </p:sp>
@@ -11833,14 +12608,14 @@
         <p:nvPicPr>
           <p:cNvPr id="5" name="Content Placeholder 4"/>
           <p:cNvPicPr>
-            <a:picLocks noChangeAspect="1"/>
+            <a:picLocks noGrp="1" noChangeAspect="1"/>
           </p:cNvPicPr>
           <p:nvPr>
             <p:ph idx="1"/>
           </p:nvPr>
         </p:nvPicPr>
         <p:blipFill>
-          <a:blip r:embed="rId1"/>
+          <a:blip r:embed="rId2"/>
           <a:stretch>
             <a:fillRect/>
           </a:stretch>
@@ -12060,7 +12835,6 @@
               <a:rPr lang="en-US"/>
               <a:t>Level-order traversal starts at the root node, and visits each and every node from left to right, moving down a level when there is no more nodes to visit</a:t>
             </a:r>
-            <a:endParaRPr lang="en-US"/>
           </a:p>
         </p:txBody>
       </p:sp>
@@ -12075,7 +12849,7 @@
 </p:sld>
 </file>
 
-<file path=ppt/slides/slide23.xml><?xml version="1.0" encoding="utf-8"?>
+<file path=ppt/slides/slide25.xml><?xml version="1.0" encoding="utf-8"?>
 <p:sld xmlns:a="http://schemas.openxmlformats.org/drawingml/2006/main" xmlns:r="http://schemas.openxmlformats.org/officeDocument/2006/relationships" xmlns:p="http://schemas.openxmlformats.org/presentationml/2006/main">
   <p:cSld>
     <p:spTree>
@@ -12084,7 +12858,14 @@
         <p:cNvGrpSpPr/>
         <p:nvPr/>
       </p:nvGrpSpPr>
-      <p:grpSpPr/>
+      <p:grpSpPr>
+        <a:xfrm>
+          <a:off x="0" y="0"/>
+          <a:ext cx="0" cy="0"/>
+          <a:chOff x="0" y="0"/>
+          <a:chExt cx="0" cy="0"/>
+        </a:xfrm>
+      </p:grpSpPr>
       <p:sp>
         <p:nvSpPr>
           <p:cNvPr id="15" name="任意多边形 14"/>
@@ -12223,7 +13004,7 @@
         <p:spPr>
           <a:xfrm>
             <a:off x="0" y="350838"/>
-            <a:ext cx="814388" cy="521970"/>
+            <a:ext cx="1021080" cy="523220"/>
           </a:xfrm>
           <a:prstGeom prst="rect">
             <a:avLst/>
@@ -12234,9 +13015,10 @@
           </a:ln>
         </p:spPr>
         <p:txBody>
-          <a:bodyPr anchor="t" anchorCtr="0">
+          <a:bodyPr wrap="square" anchor="t" anchorCtr="0">
             <a:spAutoFit/>
           </a:bodyPr>
+          <a:lstStyle/>
           <a:p>
             <a:pPr>
               <a:buFont typeface="Arial" panose="020B0604020202020204" pitchFamily="34" charset="0"/>
@@ -12249,15 +13031,8 @@
                 <a:latin typeface="Microsoft YaHei" panose="020B0503020204020204" pitchFamily="34" charset="-122"/>
                 <a:ea typeface="Microsoft YaHei" panose="020B0503020204020204" pitchFamily="34" charset="-122"/>
               </a:rPr>
-              <a:t>1.1</a:t>
+              <a:t>3.11</a:t>
             </a:r>
-            <a:endParaRPr lang="en-US" altLang="zh-CN" sz="2800" b="1" dirty="0">
-              <a:solidFill>
-                <a:schemeClr val="bg1"/>
-              </a:solidFill>
-              <a:latin typeface="Microsoft YaHei" panose="020B0503020204020204" pitchFamily="34" charset="-122"/>
-              <a:ea typeface="Microsoft YaHei" panose="020B0503020204020204" pitchFamily="34" charset="-122"/>
-            </a:endParaRPr>
           </a:p>
         </p:txBody>
       </p:sp>
@@ -12354,31 +13129,15 @@
               </a:rPr>
               <a:t>In-order Traversal</a:t>
             </a:r>
-            <a:endParaRPr kumimoji="0" lang="en-US" altLang="zh-CN" sz="2800" b="1" i="0" u="none" strike="noStrike" kern="1200" cap="none" spc="0" normalizeH="0" baseline="0" noProof="0" dirty="0">
-              <a:ln>
-                <a:noFill/>
-              </a:ln>
-              <a:solidFill>
-                <a:schemeClr val="tx1">
-                  <a:lumMod val="85000"/>
-                  <a:lumOff val="15000"/>
-                </a:schemeClr>
-              </a:solidFill>
-              <a:effectLst/>
-              <a:uLnTx/>
-              <a:uFillTx/>
-              <a:latin typeface="Microsoft YaHei" panose="020B0503020204020204" pitchFamily="34" charset="-122"/>
-              <a:ea typeface="Microsoft YaHei" panose="020B0503020204020204" pitchFamily="34" charset="-122"/>
-              <a:cs typeface="+mn-cs"/>
-              <a:sym typeface="+mn-ea"/>
-            </a:endParaRPr>
           </a:p>
         </p:txBody>
       </p:sp>
       <p:sp>
         <p:nvSpPr>
           <p:cNvPr id="3" name="Content Placeholder 2"/>
-          <p:cNvSpPr/>
+          <p:cNvSpPr>
+            <a:spLocks noGrp="1"/>
+          </p:cNvSpPr>
           <p:nvPr>
             <p:ph idx="1"/>
           </p:nvPr>
@@ -12391,12 +13150,12 @@
         </p:spPr>
         <p:txBody>
           <a:bodyPr/>
+          <a:lstStyle/>
           <a:p>
             <a:r>
               <a:rPr lang="en-US"/>
               <a:t>In-order traversal visits the left branch first, then the current node, and finally the right branch. </a:t>
             </a:r>
-            <a:endParaRPr lang="en-US"/>
           </a:p>
           <a:p>
             <a:pPr lvl="1"/>
@@ -12411,7 +13170,6 @@
               <a:rPr lang="en-US"/>
               <a:t>The diagram below shows the traversal order of an in-order traversal on a binary tree.</a:t>
             </a:r>
-            <a:endParaRPr lang="en-US"/>
           </a:p>
         </p:txBody>
       </p:sp>
@@ -12424,7 +13182,7 @@
           <p:nvPr/>
         </p:nvPicPr>
         <p:blipFill>
-          <a:blip r:embed="rId1"/>
+          <a:blip r:embed="rId2"/>
           <a:stretch>
             <a:fillRect/>
           </a:stretch>
@@ -12450,7 +13208,7 @@
 </p:sld>
 </file>
 
-<file path=ppt/slides/slide24.xml><?xml version="1.0" encoding="utf-8"?>
+<file path=ppt/slides/slide26.xml><?xml version="1.0" encoding="utf-8"?>
 <p:sld xmlns:a="http://schemas.openxmlformats.org/drawingml/2006/main" xmlns:r="http://schemas.openxmlformats.org/officeDocument/2006/relationships" xmlns:p="http://schemas.openxmlformats.org/presentationml/2006/main">
   <p:cSld>
     <p:spTree>
@@ -12459,7 +13217,14 @@
         <p:cNvGrpSpPr/>
         <p:nvPr/>
       </p:nvGrpSpPr>
-      <p:grpSpPr/>
+      <p:grpSpPr>
+        <a:xfrm>
+          <a:off x="0" y="0"/>
+          <a:ext cx="0" cy="0"/>
+          <a:chOff x="0" y="0"/>
+          <a:chExt cx="0" cy="0"/>
+        </a:xfrm>
+      </p:grpSpPr>
       <p:sp>
         <p:nvSpPr>
           <p:cNvPr id="15" name="任意多边形 14"/>
@@ -12598,7 +13363,7 @@
         <p:spPr>
           <a:xfrm>
             <a:off x="0" y="350838"/>
-            <a:ext cx="814388" cy="521970"/>
+            <a:ext cx="1021080" cy="523220"/>
           </a:xfrm>
           <a:prstGeom prst="rect">
             <a:avLst/>
@@ -12609,9 +13374,10 @@
           </a:ln>
         </p:spPr>
         <p:txBody>
-          <a:bodyPr anchor="t" anchorCtr="0">
+          <a:bodyPr wrap="square" anchor="t" anchorCtr="0">
             <a:spAutoFit/>
           </a:bodyPr>
+          <a:lstStyle/>
           <a:p>
             <a:pPr>
               <a:buFont typeface="Arial" panose="020B0604020202020204" pitchFamily="34" charset="0"/>
@@ -12624,15 +13390,8 @@
                 <a:latin typeface="Microsoft YaHei" panose="020B0503020204020204" pitchFamily="34" charset="-122"/>
                 <a:ea typeface="Microsoft YaHei" panose="020B0503020204020204" pitchFamily="34" charset="-122"/>
               </a:rPr>
-              <a:t>1.1</a:t>
+              <a:t>3.12</a:t>
             </a:r>
-            <a:endParaRPr lang="en-US" altLang="zh-CN" sz="2800" b="1" dirty="0">
-              <a:solidFill>
-                <a:schemeClr val="bg1"/>
-              </a:solidFill>
-              <a:latin typeface="Microsoft YaHei" panose="020B0503020204020204" pitchFamily="34" charset="-122"/>
-              <a:ea typeface="Microsoft YaHei" panose="020B0503020204020204" pitchFamily="34" charset="-122"/>
-            </a:endParaRPr>
           </a:p>
         </p:txBody>
       </p:sp>
@@ -12729,24 +13488,6 @@
               </a:rPr>
               <a:t>Pre-order Traversal</a:t>
             </a:r>
-            <a:endParaRPr kumimoji="0" lang="en-US" altLang="zh-CN" sz="2800" b="1" i="0" u="none" strike="noStrike" kern="1200" cap="none" spc="0" normalizeH="0" baseline="0" noProof="0" dirty="0">
-              <a:ln>
-                <a:noFill/>
-              </a:ln>
-              <a:solidFill>
-                <a:schemeClr val="tx1">
-                  <a:lumMod val="85000"/>
-                  <a:lumOff val="15000"/>
-                </a:schemeClr>
-              </a:solidFill>
-              <a:effectLst/>
-              <a:uLnTx/>
-              <a:uFillTx/>
-              <a:latin typeface="Microsoft YaHei" panose="020B0503020204020204" pitchFamily="34" charset="-122"/>
-              <a:ea typeface="Microsoft YaHei" panose="020B0503020204020204" pitchFamily="34" charset="-122"/>
-              <a:cs typeface="+mn-cs"/>
-              <a:sym typeface="+mn-ea"/>
-            </a:endParaRPr>
           </a:p>
         </p:txBody>
       </p:sp>
@@ -12754,14 +13495,14 @@
         <p:nvPicPr>
           <p:cNvPr id="2" name="Content Placeholder 1"/>
           <p:cNvPicPr>
-            <a:picLocks noChangeAspect="1"/>
+            <a:picLocks noGrp="1" noChangeAspect="1"/>
           </p:cNvPicPr>
           <p:nvPr>
             <p:ph idx="1"/>
           </p:nvPr>
         </p:nvPicPr>
         <p:blipFill>
-          <a:blip r:embed="rId1"/>
+          <a:blip r:embed="rId2"/>
           <a:stretch>
             <a:fillRect/>
           </a:stretch>
@@ -12983,9 +13724,6 @@
               </a:rPr>
               <a:t>Pre-order traversal visits the current node first, then the left subtree, and finally the right subtree. </a:t>
             </a:r>
-            <a:endParaRPr lang="en-US">
-              <a:sym typeface="+mn-ea"/>
-            </a:endParaRPr>
           </a:p>
           <a:p>
             <a:pPr lvl="1"/>
@@ -13021,7 +13759,7 @@
 </p:sld>
 </file>
 
-<file path=ppt/slides/slide25.xml><?xml version="1.0" encoding="utf-8"?>
+<file path=ppt/slides/slide27.xml><?xml version="1.0" encoding="utf-8"?>
 <p:sld xmlns:a="http://schemas.openxmlformats.org/drawingml/2006/main" xmlns:r="http://schemas.openxmlformats.org/officeDocument/2006/relationships" xmlns:p="http://schemas.openxmlformats.org/presentationml/2006/main">
   <p:cSld>
     <p:spTree>
@@ -13030,7 +13768,14 @@
         <p:cNvGrpSpPr/>
         <p:nvPr/>
       </p:nvGrpSpPr>
-      <p:grpSpPr/>
+      <p:grpSpPr>
+        <a:xfrm>
+          <a:off x="0" y="0"/>
+          <a:ext cx="0" cy="0"/>
+          <a:chOff x="0" y="0"/>
+          <a:chExt cx="0" cy="0"/>
+        </a:xfrm>
+      </p:grpSpPr>
       <p:sp>
         <p:nvSpPr>
           <p:cNvPr id="15" name="任意多边形 14"/>
@@ -13169,7 +13914,7 @@
         <p:spPr>
           <a:xfrm>
             <a:off x="0" y="350838"/>
-            <a:ext cx="814388" cy="521970"/>
+            <a:ext cx="1021080" cy="523220"/>
           </a:xfrm>
           <a:prstGeom prst="rect">
             <a:avLst/>
@@ -13180,9 +13925,10 @@
           </a:ln>
         </p:spPr>
         <p:txBody>
-          <a:bodyPr anchor="t" anchorCtr="0">
+          <a:bodyPr wrap="square" anchor="t" anchorCtr="0">
             <a:spAutoFit/>
           </a:bodyPr>
+          <a:lstStyle/>
           <a:p>
             <a:pPr>
               <a:buFont typeface="Arial" panose="020B0604020202020204" pitchFamily="34" charset="0"/>
@@ -13195,15 +13941,8 @@
                 <a:latin typeface="Microsoft YaHei" panose="020B0503020204020204" pitchFamily="34" charset="-122"/>
                 <a:ea typeface="Microsoft YaHei" panose="020B0503020204020204" pitchFamily="34" charset="-122"/>
               </a:rPr>
-              <a:t>1.1</a:t>
+              <a:t>3.13</a:t>
             </a:r>
-            <a:endParaRPr lang="en-US" altLang="zh-CN" sz="2800" b="1" dirty="0">
-              <a:solidFill>
-                <a:schemeClr val="bg1"/>
-              </a:solidFill>
-              <a:latin typeface="Microsoft YaHei" panose="020B0503020204020204" pitchFamily="34" charset="-122"/>
-              <a:ea typeface="Microsoft YaHei" panose="020B0503020204020204" pitchFamily="34" charset="-122"/>
-            </a:endParaRPr>
           </a:p>
         </p:txBody>
       </p:sp>
@@ -13300,31 +14039,15 @@
               </a:rPr>
               <a:t>Post-order Traversal</a:t>
             </a:r>
-            <a:endParaRPr kumimoji="0" lang="en-US" altLang="zh-CN" sz="2800" b="1" i="0" u="none" strike="noStrike" kern="1200" cap="none" spc="0" normalizeH="0" baseline="0" noProof="0" dirty="0">
-              <a:ln>
-                <a:noFill/>
-              </a:ln>
-              <a:solidFill>
-                <a:schemeClr val="tx1">
-                  <a:lumMod val="85000"/>
-                  <a:lumOff val="15000"/>
-                </a:schemeClr>
-              </a:solidFill>
-              <a:effectLst/>
-              <a:uLnTx/>
-              <a:uFillTx/>
-              <a:latin typeface="Microsoft YaHei" panose="020B0503020204020204" pitchFamily="34" charset="-122"/>
-              <a:ea typeface="Microsoft YaHei" panose="020B0503020204020204" pitchFamily="34" charset="-122"/>
-              <a:cs typeface="+mn-cs"/>
-              <a:sym typeface="+mn-ea"/>
-            </a:endParaRPr>
           </a:p>
         </p:txBody>
       </p:sp>
       <p:sp>
         <p:nvSpPr>
           <p:cNvPr id="3" name="Content Placeholder 2"/>
-          <p:cNvSpPr/>
+          <p:cNvSpPr>
+            <a:spLocks noGrp="1"/>
+          </p:cNvSpPr>
           <p:nvPr>
             <p:ph idx="1"/>
           </p:nvPr>
@@ -13337,12 +14060,12 @@
         </p:spPr>
         <p:txBody>
           <a:bodyPr/>
+          <a:lstStyle/>
           <a:p>
             <a:r>
               <a:rPr lang="en-US"/>
               <a:t>Post-order traversal visits the left subtree first, then the right subtree, and finally the current node. </a:t>
             </a:r>
-            <a:endParaRPr lang="en-US"/>
           </a:p>
           <a:p>
             <a:pPr lvl="1"/>
@@ -13357,7 +14080,6 @@
               <a:rPr lang="en-US"/>
               <a:t>The diagram below shows the traversal order of a post-order traversal on a binary tree.</a:t>
             </a:r>
-            <a:endParaRPr lang="en-US"/>
           </a:p>
         </p:txBody>
       </p:sp>
@@ -13370,7 +14092,7 @@
           <p:nvPr/>
         </p:nvPicPr>
         <p:blipFill>
-          <a:blip r:embed="rId1"/>
+          <a:blip r:embed="rId2"/>
           <a:stretch>
             <a:fillRect/>
           </a:stretch>
@@ -13396,7 +14118,7 @@
 </p:sld>
 </file>
 
-<file path=ppt/slides/slide26.xml><?xml version="1.0" encoding="utf-8"?>
+<file path=ppt/slides/slide28.xml><?xml version="1.0" encoding="utf-8"?>
 <p:sld xmlns:a="http://schemas.openxmlformats.org/drawingml/2006/main" xmlns:r="http://schemas.openxmlformats.org/officeDocument/2006/relationships" xmlns:p="http://schemas.openxmlformats.org/presentationml/2006/main" show="0">
   <p:cSld>
     <p:spTree>
@@ -13405,7 +14127,14 @@
         <p:cNvGrpSpPr/>
         <p:nvPr/>
       </p:nvGrpSpPr>
-      <p:grpSpPr/>
+      <p:grpSpPr>
+        <a:xfrm>
+          <a:off x="0" y="0"/>
+          <a:ext cx="0" cy="0"/>
+          <a:chOff x="0" y="0"/>
+          <a:chExt cx="0" cy="0"/>
+        </a:xfrm>
+      </p:grpSpPr>
       <p:sp>
         <p:nvSpPr>
           <p:cNvPr id="15" name="任意多边形 14"/>
@@ -13544,7 +14273,7 @@
         <p:spPr>
           <a:xfrm>
             <a:off x="0" y="350838"/>
-            <a:ext cx="814388" cy="521970"/>
+            <a:ext cx="1225118" cy="523220"/>
           </a:xfrm>
           <a:prstGeom prst="rect">
             <a:avLst/>
@@ -13555,9 +14284,10 @@
           </a:ln>
         </p:spPr>
         <p:txBody>
-          <a:bodyPr anchor="t" anchorCtr="0">
+          <a:bodyPr wrap="square" anchor="t" anchorCtr="0">
             <a:spAutoFit/>
           </a:bodyPr>
+          <a:lstStyle/>
           <a:p>
             <a:pPr>
               <a:buFont typeface="Arial" panose="020B0604020202020204" pitchFamily="34" charset="0"/>
@@ -13570,15 +14300,8 @@
                 <a:latin typeface="Microsoft YaHei" panose="020B0503020204020204" pitchFamily="34" charset="-122"/>
                 <a:ea typeface="Microsoft YaHei" panose="020B0503020204020204" pitchFamily="34" charset="-122"/>
               </a:rPr>
-              <a:t>1.1</a:t>
+              <a:t>3.14</a:t>
             </a:r>
-            <a:endParaRPr lang="en-US" altLang="zh-CN" sz="2800" b="1" dirty="0">
-              <a:solidFill>
-                <a:schemeClr val="bg1"/>
-              </a:solidFill>
-              <a:latin typeface="Microsoft YaHei" panose="020B0503020204020204" pitchFamily="34" charset="-122"/>
-              <a:ea typeface="Microsoft YaHei" panose="020B0503020204020204" pitchFamily="34" charset="-122"/>
-            </a:endParaRPr>
           </a:p>
         </p:txBody>
       </p:sp>
@@ -13675,37 +14398,21 @@
               </a:rPr>
               <a:t>All Traversal Methods</a:t>
             </a:r>
-            <a:endParaRPr kumimoji="0" lang="en-US" altLang="zh-CN" sz="2800" b="1" i="0" u="none" strike="noStrike" kern="1200" cap="none" spc="0" normalizeH="0" baseline="0" noProof="0" dirty="0">
-              <a:ln>
-                <a:noFill/>
-              </a:ln>
-              <a:solidFill>
-                <a:schemeClr val="tx1">
-                  <a:lumMod val="85000"/>
-                  <a:lumOff val="15000"/>
-                </a:schemeClr>
-              </a:solidFill>
-              <a:effectLst/>
-              <a:uLnTx/>
-              <a:uFillTx/>
-              <a:latin typeface="Microsoft YaHei" panose="020B0503020204020204" pitchFamily="34" charset="-122"/>
-              <a:ea typeface="Microsoft YaHei" panose="020B0503020204020204" pitchFamily="34" charset="-122"/>
-              <a:cs typeface="+mn-cs"/>
-              <a:sym typeface="+mn-ea"/>
-            </a:endParaRPr>
           </a:p>
         </p:txBody>
       </p:sp>
       <p:pic>
         <p:nvPicPr>
           <p:cNvPr id="101" name="Content Placeholder 100"/>
-          <p:cNvPicPr/>
+          <p:cNvPicPr>
+            <a:picLocks noGrp="1"/>
+          </p:cNvPicPr>
           <p:nvPr>
             <p:ph idx="1"/>
           </p:nvPr>
         </p:nvPicPr>
         <p:blipFill>
-          <a:blip r:embed="rId1"/>
+          <a:blip r:embed="rId2"/>
           <a:stretch>
             <a:fillRect/>
           </a:stretch>
@@ -13735,7 +14442,7 @@
 </p:sld>
 </file>
 
-<file path=ppt/slides/slide27.xml><?xml version="1.0" encoding="utf-8"?>
+<file path=ppt/slides/slide29.xml><?xml version="1.0" encoding="utf-8"?>
 <p:sld xmlns:a="http://schemas.openxmlformats.org/drawingml/2006/main" xmlns:r="http://schemas.openxmlformats.org/officeDocument/2006/relationships" xmlns:p="http://schemas.openxmlformats.org/presentationml/2006/main">
   <p:cSld>
     <p:spTree>
@@ -13744,7 +14451,14 @@
         <p:cNvGrpSpPr/>
         <p:nvPr/>
       </p:nvGrpSpPr>
-      <p:grpSpPr/>
+      <p:grpSpPr>
+        <a:xfrm>
+          <a:off x="0" y="0"/>
+          <a:ext cx="0" cy="0"/>
+          <a:chOff x="0" y="0"/>
+          <a:chExt cx="0" cy="0"/>
+        </a:xfrm>
+      </p:grpSpPr>
       <p:sp>
         <p:nvSpPr>
           <p:cNvPr id="46" name="任意多边形 45"/>
@@ -13897,6 +14611,7 @@
           <a:bodyPr wrap="square" anchor="t" anchorCtr="0">
             <a:spAutoFit/>
           </a:bodyPr>
+          <a:lstStyle/>
           <a:p>
             <a:pPr>
               <a:buFont typeface="Arial" panose="020B0604020202020204" pitchFamily="34" charset="0"/>
@@ -13911,13 +14626,6 @@
               </a:rPr>
               <a:t>Class Exercise</a:t>
             </a:r>
-            <a:endParaRPr lang="en-US" altLang="zh-CN" sz="3200" b="1" dirty="0">
-              <a:solidFill>
-                <a:schemeClr val="bg1"/>
-              </a:solidFill>
-              <a:latin typeface="Microsoft YaHei" panose="020B0503020204020204" pitchFamily="34" charset="-122"/>
-              <a:ea typeface="Microsoft YaHei" panose="020B0503020204020204" pitchFamily="34" charset="-122"/>
-            </a:endParaRPr>
           </a:p>
         </p:txBody>
       </p:sp>
@@ -14018,6 +14726,7 @@
           <a:bodyPr wrap="square" anchor="t" anchorCtr="0">
             <a:spAutoFit/>
           </a:bodyPr>
+          <a:lstStyle/>
           <a:p>
             <a:pPr>
               <a:buFont typeface="Arial" panose="020B0604020202020204" pitchFamily="34" charset="0"/>
@@ -14032,13 +14741,6 @@
               </a:rPr>
               <a:t>Class Exercises</a:t>
             </a:r>
-            <a:endParaRPr lang="en-US" altLang="zh-CN" sz="3200" b="1" dirty="0">
-              <a:solidFill>
-                <a:srgbClr val="05B780"/>
-              </a:solidFill>
-              <a:latin typeface="Microsoft YaHei" panose="020B0503020204020204" pitchFamily="34" charset="-122"/>
-              <a:ea typeface="Microsoft YaHei" panose="020B0503020204020204" pitchFamily="34" charset="-122"/>
-            </a:endParaRPr>
           </a:p>
         </p:txBody>
       </p:sp>
@@ -14156,6 +14858,7 @@
             <a:bodyPr wrap="square" anchor="t" anchorCtr="0">
               <a:spAutoFit/>
             </a:bodyPr>
+            <a:lstStyle/>
             <a:p>
               <a:pPr>
                 <a:buFont typeface="Arial" panose="020B0604020202020204" pitchFamily="34" charset="0"/>
@@ -14170,13 +14873,6 @@
                 </a:rPr>
                 <a:t>04</a:t>
               </a:r>
-              <a:endParaRPr lang="en-US" altLang="zh-CN" sz="4400" b="1" dirty="0">
-                <a:solidFill>
-                  <a:schemeClr val="bg1"/>
-                </a:solidFill>
-                <a:latin typeface="Microsoft YaHei" panose="020B0503020204020204" pitchFamily="34" charset="-122"/>
-                <a:ea typeface="Microsoft YaHei" panose="020B0503020204020204" pitchFamily="34" charset="-122"/>
-              </a:endParaRPr>
             </a:p>
           </p:txBody>
         </p:sp>
@@ -14192,7 +14888,7 @@
 </p:sld>
 </file>
 
-<file path=ppt/slides/slide28.xml><?xml version="1.0" encoding="utf-8"?>
+<file path=ppt/slides/slide3.xml><?xml version="1.0" encoding="utf-8"?>
 <p:sld xmlns:a="http://schemas.openxmlformats.org/drawingml/2006/main" xmlns:r="http://schemas.openxmlformats.org/officeDocument/2006/relationships" xmlns:p="http://schemas.openxmlformats.org/presentationml/2006/main">
   <p:cSld>
     <p:spTree>
@@ -14201,30 +14897,37 @@
         <p:cNvGrpSpPr/>
         <p:nvPr/>
       </p:nvGrpSpPr>
-      <p:grpSpPr/>
+      <p:grpSpPr>
+        <a:xfrm>
+          <a:off x="0" y="0"/>
+          <a:ext cx="0" cy="0"/>
+          <a:chOff x="0" y="0"/>
+          <a:chExt cx="0" cy="0"/>
+        </a:xfrm>
+      </p:grpSpPr>
       <p:sp>
         <p:nvSpPr>
-          <p:cNvPr id="15" name="任意多边形 14"/>
+          <p:cNvPr id="46" name="任意多边形 45"/>
           <p:cNvSpPr/>
           <p:nvPr/>
         </p:nvSpPr>
         <p:spPr>
           <a:xfrm>
-            <a:off x="0" y="274638"/>
-            <a:ext cx="890588" cy="639763"/>
+            <a:off x="0" y="260350"/>
+            <a:ext cx="3922395" cy="739775"/>
           </a:xfrm>
           <a:custGeom>
             <a:avLst/>
             <a:gdLst>
-              <a:gd name="connsiteX0" fmla="*/ 0 w 1029743"/>
+              <a:gd name="connsiteX0" fmla="*/ 0 w 2091831"/>
               <a:gd name="connsiteY0" fmla="*/ 0 h 739718"/>
-              <a:gd name="connsiteX1" fmla="*/ 659884 w 1029743"/>
+              <a:gd name="connsiteX1" fmla="*/ 1721972 w 2091831"/>
               <a:gd name="connsiteY1" fmla="*/ 0 h 739718"/>
-              <a:gd name="connsiteX2" fmla="*/ 1029743 w 1029743"/>
+              <a:gd name="connsiteX2" fmla="*/ 2091831 w 2091831"/>
               <a:gd name="connsiteY2" fmla="*/ 369859 h 739718"/>
-              <a:gd name="connsiteX3" fmla="*/ 659884 w 1029743"/>
+              <a:gd name="connsiteX3" fmla="*/ 1721972 w 2091831"/>
               <a:gd name="connsiteY3" fmla="*/ 739718 h 739718"/>
-              <a:gd name="connsiteX4" fmla="*/ 0 w 1029743"/>
+              <a:gd name="connsiteX4" fmla="*/ 0 w 2091831"/>
               <a:gd name="connsiteY4" fmla="*/ 739718 h 739718"/>
             </a:gdLst>
             <a:ahLst/>
@@ -14247,22 +14950,22 @@
             </a:cxnLst>
             <a:rect l="l" t="t" r="r" b="b"/>
             <a:pathLst>
-              <a:path w="1029743" h="739718">
+              <a:path w="2091831" h="739718">
                 <a:moveTo>
                   <a:pt x="0" y="0"/>
                 </a:moveTo>
                 <a:lnTo>
-                  <a:pt x="659884" y="0"/>
+                  <a:pt x="1721972" y="0"/>
                 </a:lnTo>
                 <a:cubicBezTo>
-                  <a:pt x="864151" y="0"/>
-                  <a:pt x="1029743" y="165592"/>
-                  <a:pt x="1029743" y="369859"/>
-                </a:cubicBezTo>
-                <a:cubicBezTo>
-                  <a:pt x="1029743" y="574126"/>
-                  <a:pt x="864151" y="739718"/>
-                  <a:pt x="659884" y="739718"/>
+                  <a:pt x="1926239" y="0"/>
+                  <a:pt x="2091831" y="165592"/>
+                  <a:pt x="2091831" y="369859"/>
+                </a:cubicBezTo>
+                <a:cubicBezTo>
+                  <a:pt x="2091831" y="574126"/>
+                  <a:pt x="1926239" y="739718"/>
+                  <a:pt x="1721972" y="739718"/>
                 </a:cubicBezTo>
                 <a:lnTo>
                   <a:pt x="0" y="739718"/>
@@ -14319,728 +15022,6 @@
                 <a:noFill/>
               </a:ln>
               <a:solidFill>
-                <a:schemeClr val="bg1"/>
-              </a:solidFill>
-              <a:effectLst/>
-              <a:uLnTx/>
-              <a:uFillTx/>
-              <a:latin typeface="+mn-lt"/>
-              <a:ea typeface="+mn-ea"/>
-              <a:cs typeface="+mn-cs"/>
-            </a:endParaRPr>
-          </a:p>
-        </p:txBody>
-      </p:sp>
-      <p:sp>
-        <p:nvSpPr>
-          <p:cNvPr id="7170" name="文本框 156"/>
-          <p:cNvSpPr txBox="1"/>
-          <p:nvPr/>
-        </p:nvSpPr>
-        <p:spPr>
-          <a:xfrm>
-            <a:off x="0" y="350838"/>
-            <a:ext cx="814388" cy="521970"/>
-          </a:xfrm>
-          <a:prstGeom prst="rect">
-            <a:avLst/>
-          </a:prstGeom>
-          <a:noFill/>
-          <a:ln w="9525">
-            <a:noFill/>
-          </a:ln>
-        </p:spPr>
-        <p:txBody>
-          <a:bodyPr anchor="t" anchorCtr="0">
-            <a:spAutoFit/>
-          </a:bodyPr>
-          <a:p>
-            <a:pPr>
-              <a:buFont typeface="Arial" panose="020B0604020202020204" pitchFamily="34" charset="0"/>
-            </a:pPr>
-            <a:r>
-              <a:rPr lang="en-US" altLang="zh-CN" sz="2800" b="1" dirty="0">
-                <a:solidFill>
-                  <a:schemeClr val="bg1"/>
-                </a:solidFill>
-                <a:latin typeface="Microsoft YaHei" panose="020B0503020204020204" pitchFamily="34" charset="-122"/>
-                <a:ea typeface="Microsoft YaHei" panose="020B0503020204020204" pitchFamily="34" charset="-122"/>
-              </a:rPr>
-              <a:t>1.1</a:t>
-            </a:r>
-            <a:endParaRPr lang="en-US" altLang="zh-CN" sz="2800" b="1" dirty="0">
-              <a:solidFill>
-                <a:schemeClr val="bg1"/>
-              </a:solidFill>
-              <a:latin typeface="Microsoft YaHei" panose="020B0503020204020204" pitchFamily="34" charset="-122"/>
-              <a:ea typeface="Microsoft YaHei" panose="020B0503020204020204" pitchFamily="34" charset="-122"/>
-            </a:endParaRPr>
-          </a:p>
-        </p:txBody>
-      </p:sp>
-      <p:sp>
-        <p:nvSpPr>
-          <p:cNvPr id="16" name="Rectangle 6"/>
-          <p:cNvSpPr>
-            <a:spLocks noChangeArrowheads="1"/>
-          </p:cNvSpPr>
-          <p:nvPr/>
-        </p:nvSpPr>
-        <p:spPr bwMode="black">
-          <a:xfrm>
-            <a:off x="1021080" y="351155"/>
-            <a:ext cx="6515735" cy="521970"/>
-          </a:xfrm>
-          <a:prstGeom prst="rect">
-            <a:avLst/>
-          </a:prstGeom>
-          <a:noFill/>
-          <a:ln>
-            <a:noFill/>
-          </a:ln>
-          <a:effectLst/>
-          <a:extLst>
-            <a:ext uri="{909E8E84-426E-40DD-AFC4-6F175D3DCCD1}">
-              <a14:hiddenFill xmlns:a14="http://schemas.microsoft.com/office/drawing/2010/main">
-                <a:solidFill>
-                  <a:schemeClr val="accent1"/>
-                </a:solidFill>
-              </a14:hiddenFill>
-            </a:ext>
-            <a:ext uri="{91240B29-F687-4F45-9708-019B960494DF}">
-              <a14:hiddenLine xmlns:a14="http://schemas.microsoft.com/office/drawing/2010/main" w="9525">
-                <a:solidFill>
-                  <a:schemeClr val="tx1"/>
-                </a:solidFill>
-                <a:miter lim="800000"/>
-                <a:headEnd/>
-                <a:tailEnd/>
-              </a14:hiddenLine>
-            </a:ext>
-            <a:ext uri="{AF507438-7753-43E0-B8FC-AC1667EBCBE1}">
-              <a14:hiddenEffects xmlns:a14="http://schemas.microsoft.com/office/drawing/2010/main">
-                <a:effectLst>
-                  <a:outerShdw dist="35921" dir="2700000" algn="ctr" rotWithShape="0">
-                    <a:schemeClr val="bg2"/>
-                  </a:outerShdw>
-                </a:effectLst>
-              </a14:hiddenEffects>
-            </a:ext>
-          </a:extLst>
-        </p:spPr>
-        <p:txBody>
-          <a:bodyPr wrap="square">
-            <a:spAutoFit/>
-          </a:bodyPr>
-          <a:lstStyle/>
-          <a:p>
-            <a:pPr marL="0" marR="0" lvl="0" indent="0" algn="l" defTabSz="914400" rtl="0" eaLnBrk="0" fontAlgn="auto" latinLnBrk="0" hangingPunct="0">
-              <a:lnSpc>
-                <a:spcPct val="100000"/>
-              </a:lnSpc>
-              <a:spcBef>
-                <a:spcPts val="0"/>
-              </a:spcBef>
-              <a:spcAft>
-                <a:spcPts val="0"/>
-              </a:spcAft>
-              <a:buClrTx/>
-              <a:buSzTx/>
-              <a:buFontTx/>
-              <a:buNone/>
-              <a:defRPr/>
-            </a:pPr>
-            <a:r>
-              <a:rPr kumimoji="0" lang="en-US" altLang="zh-CN" sz="2800" b="1" i="0" u="none" strike="noStrike" kern="1200" cap="none" spc="0" normalizeH="0" baseline="0" noProof="0" dirty="0">
-                <a:ln>
-                  <a:noFill/>
-                </a:ln>
-                <a:solidFill>
-                  <a:schemeClr val="tx1">
-                    <a:lumMod val="85000"/>
-                    <a:lumOff val="15000"/>
-                  </a:schemeClr>
-                </a:solidFill>
-                <a:effectLst/>
-                <a:uLnTx/>
-                <a:uFillTx/>
-                <a:latin typeface="Microsoft YaHei" panose="020B0503020204020204" pitchFamily="34" charset="-122"/>
-                <a:ea typeface="Microsoft YaHei" panose="020B0503020204020204" pitchFamily="34" charset="-122"/>
-                <a:cs typeface="+mn-cs"/>
-                <a:sym typeface="+mn-ea"/>
-              </a:rPr>
-              <a:t>Delete Duplicates in Linked List</a:t>
-            </a:r>
-            <a:endParaRPr kumimoji="0" lang="en-US" altLang="zh-CN" sz="2800" b="1" i="0" u="none" strike="noStrike" kern="1200" cap="none" spc="0" normalizeH="0" baseline="0" noProof="0" dirty="0">
-              <a:ln>
-                <a:noFill/>
-              </a:ln>
-              <a:solidFill>
-                <a:schemeClr val="tx1">
-                  <a:lumMod val="85000"/>
-                  <a:lumOff val="15000"/>
-                </a:schemeClr>
-              </a:solidFill>
-              <a:effectLst/>
-              <a:uLnTx/>
-              <a:uFillTx/>
-              <a:latin typeface="Microsoft YaHei" panose="020B0503020204020204" pitchFamily="34" charset="-122"/>
-              <a:ea typeface="Microsoft YaHei" panose="020B0503020204020204" pitchFamily="34" charset="-122"/>
-              <a:cs typeface="+mn-cs"/>
-              <a:sym typeface="+mn-ea"/>
-            </a:endParaRPr>
-          </a:p>
-        </p:txBody>
-      </p:sp>
-      <p:sp>
-        <p:nvSpPr>
-          <p:cNvPr id="3" name="Content Placeholder 2"/>
-          <p:cNvSpPr/>
-          <p:nvPr>
-            <p:ph idx="1"/>
-          </p:nvPr>
-        </p:nvSpPr>
-        <p:spPr/>
-        <p:txBody>
-          <a:bodyPr/>
-          <a:p>
-            <a:r>
-              <a:rPr lang="en-US"/>
-              <a:t>Given the head of a sorted linked list, delete all duplicates such that each element appears only once. Return the linked list sorted as well.</a:t>
-            </a:r>
-            <a:endParaRPr lang="en-US"/>
-          </a:p>
-        </p:txBody>
-      </p:sp>
-      <p:pic>
-        <p:nvPicPr>
-          <p:cNvPr id="2" name="Picture 1"/>
-          <p:cNvPicPr>
-            <a:picLocks noChangeAspect="1"/>
-          </p:cNvPicPr>
-          <p:nvPr/>
-        </p:nvPicPr>
-        <p:blipFill>
-          <a:blip r:embed="rId1"/>
-          <a:stretch>
-            <a:fillRect/>
-          </a:stretch>
-        </p:blipFill>
-        <p:spPr>
-          <a:xfrm>
-            <a:off x="3463290" y="2954020"/>
-            <a:ext cx="5534025" cy="3057525"/>
-          </a:xfrm>
-          <a:prstGeom prst="rect">
-            <a:avLst/>
-          </a:prstGeom>
-        </p:spPr>
-      </p:pic>
-    </p:spTree>
-  </p:cSld>
-  <p:clrMapOvr>
-    <a:masterClrMapping/>
-  </p:clrMapOvr>
-  <p:transition spd="slow">
-    <p:wipe/>
-  </p:transition>
-</p:sld>
-</file>
-
-<file path=ppt/slides/slide29.xml><?xml version="1.0" encoding="utf-8"?>
-<p:sld xmlns:a="http://schemas.openxmlformats.org/drawingml/2006/main" xmlns:r="http://schemas.openxmlformats.org/officeDocument/2006/relationships" xmlns:p="http://schemas.openxmlformats.org/presentationml/2006/main">
-  <p:cSld>
-    <p:spTree>
-      <p:nvGrpSpPr>
-        <p:cNvPr id="1" name=""/>
-        <p:cNvGrpSpPr/>
-        <p:nvPr/>
-      </p:nvGrpSpPr>
-      <p:grpSpPr/>
-      <p:sp>
-        <p:nvSpPr>
-          <p:cNvPr id="15" name="任意多边形 14"/>
-          <p:cNvSpPr/>
-          <p:nvPr/>
-        </p:nvSpPr>
-        <p:spPr>
-          <a:xfrm>
-            <a:off x="0" y="274638"/>
-            <a:ext cx="890588" cy="639763"/>
-          </a:xfrm>
-          <a:custGeom>
-            <a:avLst/>
-            <a:gdLst>
-              <a:gd name="connsiteX0" fmla="*/ 0 w 1029743"/>
-              <a:gd name="connsiteY0" fmla="*/ 0 h 739718"/>
-              <a:gd name="connsiteX1" fmla="*/ 659884 w 1029743"/>
-              <a:gd name="connsiteY1" fmla="*/ 0 h 739718"/>
-              <a:gd name="connsiteX2" fmla="*/ 1029743 w 1029743"/>
-              <a:gd name="connsiteY2" fmla="*/ 369859 h 739718"/>
-              <a:gd name="connsiteX3" fmla="*/ 659884 w 1029743"/>
-              <a:gd name="connsiteY3" fmla="*/ 739718 h 739718"/>
-              <a:gd name="connsiteX4" fmla="*/ 0 w 1029743"/>
-              <a:gd name="connsiteY4" fmla="*/ 739718 h 739718"/>
-            </a:gdLst>
-            <a:ahLst/>
-            <a:cxnLst>
-              <a:cxn ang="0">
-                <a:pos x="connsiteX0" y="connsiteY0"/>
-              </a:cxn>
-              <a:cxn ang="0">
-                <a:pos x="connsiteX1" y="connsiteY1"/>
-              </a:cxn>
-              <a:cxn ang="0">
-                <a:pos x="connsiteX2" y="connsiteY2"/>
-              </a:cxn>
-              <a:cxn ang="0">
-                <a:pos x="connsiteX3" y="connsiteY3"/>
-              </a:cxn>
-              <a:cxn ang="0">
-                <a:pos x="connsiteX4" y="connsiteY4"/>
-              </a:cxn>
-            </a:cxnLst>
-            <a:rect l="l" t="t" r="r" b="b"/>
-            <a:pathLst>
-              <a:path w="1029743" h="739718">
-                <a:moveTo>
-                  <a:pt x="0" y="0"/>
-                </a:moveTo>
-                <a:lnTo>
-                  <a:pt x="659884" y="0"/>
-                </a:lnTo>
-                <a:cubicBezTo>
-                  <a:pt x="864151" y="0"/>
-                  <a:pt x="1029743" y="165592"/>
-                  <a:pt x="1029743" y="369859"/>
-                </a:cubicBezTo>
-                <a:cubicBezTo>
-                  <a:pt x="1029743" y="574126"/>
-                  <a:pt x="864151" y="739718"/>
-                  <a:pt x="659884" y="739718"/>
-                </a:cubicBezTo>
-                <a:lnTo>
-                  <a:pt x="0" y="739718"/>
-                </a:lnTo>
-                <a:close/>
-              </a:path>
-            </a:pathLst>
-          </a:custGeom>
-          <a:solidFill>
-            <a:srgbClr val="05B780"/>
-          </a:solidFill>
-          <a:ln>
-            <a:noFill/>
-          </a:ln>
-        </p:spPr>
-        <p:style>
-          <a:lnRef idx="2">
-            <a:schemeClr val="accent1">
-              <a:shade val="50000"/>
-            </a:schemeClr>
-          </a:lnRef>
-          <a:fillRef idx="1">
-            <a:schemeClr val="accent1"/>
-          </a:fillRef>
-          <a:effectRef idx="0">
-            <a:schemeClr val="accent1"/>
-          </a:effectRef>
-          <a:fontRef idx="minor">
-            <a:schemeClr val="lt1"/>
-          </a:fontRef>
-        </p:style>
-        <p:txBody>
-          <a:bodyPr anchor="ctr"/>
-          <a:lstStyle/>
-          <a:p>
-            <a:pPr marL="0" marR="0" lvl="0" indent="0" algn="ctr" defTabSz="914400" rtl="0" eaLnBrk="1" fontAlgn="auto" latinLnBrk="0" hangingPunct="1">
-              <a:lnSpc>
-                <a:spcPct val="100000"/>
-              </a:lnSpc>
-              <a:spcBef>
-                <a:spcPts val="0"/>
-              </a:spcBef>
-              <a:spcAft>
-                <a:spcPts val="0"/>
-              </a:spcAft>
-              <a:buClrTx/>
-              <a:buSzTx/>
-              <a:buFontTx/>
-              <a:buNone/>
-              <a:defRPr/>
-            </a:pPr>
-            <a:endParaRPr kumimoji="0" lang="zh-CN" altLang="en-US" sz="1800" b="0" i="0" u="none" strike="noStrike" kern="1200" cap="none" spc="0" normalizeH="0" baseline="0" noProof="0">
-              <a:ln>
-                <a:noFill/>
-              </a:ln>
-              <a:solidFill>
-                <a:schemeClr val="bg1"/>
-              </a:solidFill>
-              <a:effectLst/>
-              <a:uLnTx/>
-              <a:uFillTx/>
-              <a:latin typeface="+mn-lt"/>
-              <a:ea typeface="+mn-ea"/>
-              <a:cs typeface="+mn-cs"/>
-            </a:endParaRPr>
-          </a:p>
-        </p:txBody>
-      </p:sp>
-      <p:sp>
-        <p:nvSpPr>
-          <p:cNvPr id="7170" name="文本框 156"/>
-          <p:cNvSpPr txBox="1"/>
-          <p:nvPr/>
-        </p:nvSpPr>
-        <p:spPr>
-          <a:xfrm>
-            <a:off x="0" y="350838"/>
-            <a:ext cx="814388" cy="521970"/>
-          </a:xfrm>
-          <a:prstGeom prst="rect">
-            <a:avLst/>
-          </a:prstGeom>
-          <a:noFill/>
-          <a:ln w="9525">
-            <a:noFill/>
-          </a:ln>
-        </p:spPr>
-        <p:txBody>
-          <a:bodyPr anchor="t" anchorCtr="0">
-            <a:spAutoFit/>
-          </a:bodyPr>
-          <a:p>
-            <a:pPr>
-              <a:buFont typeface="Arial" panose="020B0604020202020204" pitchFamily="34" charset="0"/>
-            </a:pPr>
-            <a:r>
-              <a:rPr lang="en-US" altLang="zh-CN" sz="2800" b="1" dirty="0">
-                <a:solidFill>
-                  <a:schemeClr val="bg1"/>
-                </a:solidFill>
-                <a:latin typeface="Microsoft YaHei" panose="020B0503020204020204" pitchFamily="34" charset="-122"/>
-                <a:ea typeface="Microsoft YaHei" panose="020B0503020204020204" pitchFamily="34" charset="-122"/>
-              </a:rPr>
-              <a:t>1.1</a:t>
-            </a:r>
-            <a:endParaRPr lang="en-US" altLang="zh-CN" sz="2800" b="1" dirty="0">
-              <a:solidFill>
-                <a:schemeClr val="bg1"/>
-              </a:solidFill>
-              <a:latin typeface="Microsoft YaHei" panose="020B0503020204020204" pitchFamily="34" charset="-122"/>
-              <a:ea typeface="Microsoft YaHei" panose="020B0503020204020204" pitchFamily="34" charset="-122"/>
-            </a:endParaRPr>
-          </a:p>
-        </p:txBody>
-      </p:sp>
-      <p:sp>
-        <p:nvSpPr>
-          <p:cNvPr id="16" name="Rectangle 6"/>
-          <p:cNvSpPr>
-            <a:spLocks noChangeArrowheads="1"/>
-          </p:cNvSpPr>
-          <p:nvPr/>
-        </p:nvSpPr>
-        <p:spPr bwMode="black">
-          <a:xfrm>
-            <a:off x="1021080" y="351155"/>
-            <a:ext cx="6515735" cy="521970"/>
-          </a:xfrm>
-          <a:prstGeom prst="rect">
-            <a:avLst/>
-          </a:prstGeom>
-          <a:noFill/>
-          <a:ln>
-            <a:noFill/>
-          </a:ln>
-          <a:effectLst/>
-          <a:extLst>
-            <a:ext uri="{909E8E84-426E-40DD-AFC4-6F175D3DCCD1}">
-              <a14:hiddenFill xmlns:a14="http://schemas.microsoft.com/office/drawing/2010/main">
-                <a:solidFill>
-                  <a:schemeClr val="accent1"/>
-                </a:solidFill>
-              </a14:hiddenFill>
-            </a:ext>
-            <a:ext uri="{91240B29-F687-4F45-9708-019B960494DF}">
-              <a14:hiddenLine xmlns:a14="http://schemas.microsoft.com/office/drawing/2010/main" w="9525">
-                <a:solidFill>
-                  <a:schemeClr val="tx1"/>
-                </a:solidFill>
-                <a:miter lim="800000"/>
-                <a:headEnd/>
-                <a:tailEnd/>
-              </a14:hiddenLine>
-            </a:ext>
-            <a:ext uri="{AF507438-7753-43E0-B8FC-AC1667EBCBE1}">
-              <a14:hiddenEffects xmlns:a14="http://schemas.microsoft.com/office/drawing/2010/main">
-                <a:effectLst>
-                  <a:outerShdw dist="35921" dir="2700000" algn="ctr" rotWithShape="0">
-                    <a:schemeClr val="bg2"/>
-                  </a:outerShdw>
-                </a:effectLst>
-              </a14:hiddenEffects>
-            </a:ext>
-          </a:extLst>
-        </p:spPr>
-        <p:txBody>
-          <a:bodyPr wrap="square">
-            <a:spAutoFit/>
-          </a:bodyPr>
-          <a:lstStyle/>
-          <a:p>
-            <a:pPr marL="0" marR="0" lvl="0" indent="0" algn="l" defTabSz="914400" rtl="0" eaLnBrk="0" fontAlgn="auto" latinLnBrk="0" hangingPunct="0">
-              <a:lnSpc>
-                <a:spcPct val="100000"/>
-              </a:lnSpc>
-              <a:spcBef>
-                <a:spcPts val="0"/>
-              </a:spcBef>
-              <a:spcAft>
-                <a:spcPts val="0"/>
-              </a:spcAft>
-              <a:buClrTx/>
-              <a:buSzTx/>
-              <a:buFontTx/>
-              <a:buNone/>
-              <a:defRPr/>
-            </a:pPr>
-            <a:r>
-              <a:rPr kumimoji="0" lang="en-US" altLang="zh-CN" sz="2800" b="1" i="0" u="none" strike="noStrike" kern="1200" cap="none" spc="0" normalizeH="0" baseline="0" noProof="0" dirty="0">
-                <a:ln>
-                  <a:noFill/>
-                </a:ln>
-                <a:solidFill>
-                  <a:schemeClr val="tx1">
-                    <a:lumMod val="85000"/>
-                    <a:lumOff val="15000"/>
-                  </a:schemeClr>
-                </a:solidFill>
-                <a:effectLst/>
-                <a:uLnTx/>
-                <a:uFillTx/>
-                <a:latin typeface="Microsoft YaHei" panose="020B0503020204020204" pitchFamily="34" charset="-122"/>
-                <a:ea typeface="Microsoft YaHei" panose="020B0503020204020204" pitchFamily="34" charset="-122"/>
-                <a:cs typeface="+mn-cs"/>
-                <a:sym typeface="+mn-ea"/>
-              </a:rPr>
-              <a:t>Tree Traversals - Demo Exercise</a:t>
-            </a:r>
-            <a:endParaRPr kumimoji="0" lang="en-US" altLang="zh-CN" sz="2800" b="1" i="0" u="none" strike="noStrike" kern="1200" cap="none" spc="0" normalizeH="0" baseline="0" noProof="0" dirty="0">
-              <a:ln>
-                <a:noFill/>
-              </a:ln>
-              <a:solidFill>
-                <a:schemeClr val="tx1">
-                  <a:lumMod val="85000"/>
-                  <a:lumOff val="15000"/>
-                </a:schemeClr>
-              </a:solidFill>
-              <a:effectLst/>
-              <a:uLnTx/>
-              <a:uFillTx/>
-              <a:latin typeface="Microsoft YaHei" panose="020B0503020204020204" pitchFamily="34" charset="-122"/>
-              <a:ea typeface="Microsoft YaHei" panose="020B0503020204020204" pitchFamily="34" charset="-122"/>
-              <a:cs typeface="+mn-cs"/>
-              <a:sym typeface="+mn-ea"/>
-            </a:endParaRPr>
-          </a:p>
-        </p:txBody>
-      </p:sp>
-      <p:sp>
-        <p:nvSpPr>
-          <p:cNvPr id="3" name="Content Placeholder 2"/>
-          <p:cNvSpPr/>
-          <p:nvPr>
-            <p:ph idx="1"/>
-          </p:nvPr>
-        </p:nvSpPr>
-        <p:spPr/>
-        <p:txBody>
-          <a:bodyPr/>
-          <a:p>
-            <a:r>
-              <a:rPr lang="en-US"/>
-              <a:t>For each of the tree traversal methods, what data structure would you choose to implement it:</a:t>
-            </a:r>
-            <a:endParaRPr lang="en-US"/>
-          </a:p>
-          <a:p>
-            <a:pPr lvl="1"/>
-            <a:r>
-              <a:rPr lang="en-US"/>
-              <a:t>Level order traversal</a:t>
-            </a:r>
-            <a:endParaRPr lang="en-US"/>
-          </a:p>
-          <a:p>
-            <a:pPr lvl="1"/>
-            <a:r>
-              <a:rPr lang="en-US"/>
-              <a:t>In order traversal</a:t>
-            </a:r>
-            <a:endParaRPr lang="en-US"/>
-          </a:p>
-          <a:p>
-            <a:pPr lvl="1"/>
-            <a:r>
-              <a:rPr lang="en-US"/>
-              <a:t>Pre order traversal</a:t>
-            </a:r>
-            <a:endParaRPr lang="en-US"/>
-          </a:p>
-          <a:p>
-            <a:pPr lvl="1"/>
-            <a:r>
-              <a:rPr lang="en-US"/>
-              <a:t>Post order traversal</a:t>
-            </a:r>
-            <a:endParaRPr lang="en-US"/>
-          </a:p>
-          <a:p>
-            <a:pPr lvl="0"/>
-            <a:endParaRPr lang="en-US"/>
-          </a:p>
-        </p:txBody>
-      </p:sp>
-    </p:spTree>
-  </p:cSld>
-  <p:clrMapOvr>
-    <a:masterClrMapping/>
-  </p:clrMapOvr>
-  <p:transition spd="slow">
-    <p:wipe/>
-  </p:transition>
-</p:sld>
-</file>
-
-<file path=ppt/slides/slide3.xml><?xml version="1.0" encoding="utf-8"?>
-<p:sld xmlns:a="http://schemas.openxmlformats.org/drawingml/2006/main" xmlns:r="http://schemas.openxmlformats.org/officeDocument/2006/relationships" xmlns:p="http://schemas.openxmlformats.org/presentationml/2006/main">
-  <p:cSld>
-    <p:spTree>
-      <p:nvGrpSpPr>
-        <p:cNvPr id="1" name=""/>
-        <p:cNvGrpSpPr/>
-        <p:nvPr/>
-      </p:nvGrpSpPr>
-      <p:grpSpPr/>
-      <p:sp>
-        <p:nvSpPr>
-          <p:cNvPr id="46" name="任意多边形 45"/>
-          <p:cNvSpPr/>
-          <p:nvPr/>
-        </p:nvSpPr>
-        <p:spPr>
-          <a:xfrm>
-            <a:off x="0" y="260350"/>
-            <a:ext cx="3922395" cy="739775"/>
-          </a:xfrm>
-          <a:custGeom>
-            <a:avLst/>
-            <a:gdLst>
-              <a:gd name="connsiteX0" fmla="*/ 0 w 2091831"/>
-              <a:gd name="connsiteY0" fmla="*/ 0 h 739718"/>
-              <a:gd name="connsiteX1" fmla="*/ 1721972 w 2091831"/>
-              <a:gd name="connsiteY1" fmla="*/ 0 h 739718"/>
-              <a:gd name="connsiteX2" fmla="*/ 2091831 w 2091831"/>
-              <a:gd name="connsiteY2" fmla="*/ 369859 h 739718"/>
-              <a:gd name="connsiteX3" fmla="*/ 1721972 w 2091831"/>
-              <a:gd name="connsiteY3" fmla="*/ 739718 h 739718"/>
-              <a:gd name="connsiteX4" fmla="*/ 0 w 2091831"/>
-              <a:gd name="connsiteY4" fmla="*/ 739718 h 739718"/>
-            </a:gdLst>
-            <a:ahLst/>
-            <a:cxnLst>
-              <a:cxn ang="0">
-                <a:pos x="connsiteX0" y="connsiteY0"/>
-              </a:cxn>
-              <a:cxn ang="0">
-                <a:pos x="connsiteX1" y="connsiteY1"/>
-              </a:cxn>
-              <a:cxn ang="0">
-                <a:pos x="connsiteX2" y="connsiteY2"/>
-              </a:cxn>
-              <a:cxn ang="0">
-                <a:pos x="connsiteX3" y="connsiteY3"/>
-              </a:cxn>
-              <a:cxn ang="0">
-                <a:pos x="connsiteX4" y="connsiteY4"/>
-              </a:cxn>
-            </a:cxnLst>
-            <a:rect l="l" t="t" r="r" b="b"/>
-            <a:pathLst>
-              <a:path w="2091831" h="739718">
-                <a:moveTo>
-                  <a:pt x="0" y="0"/>
-                </a:moveTo>
-                <a:lnTo>
-                  <a:pt x="1721972" y="0"/>
-                </a:lnTo>
-                <a:cubicBezTo>
-                  <a:pt x="1926239" y="0"/>
-                  <a:pt x="2091831" y="165592"/>
-                  <a:pt x="2091831" y="369859"/>
-                </a:cubicBezTo>
-                <a:cubicBezTo>
-                  <a:pt x="2091831" y="574126"/>
-                  <a:pt x="1926239" y="739718"/>
-                  <a:pt x="1721972" y="739718"/>
-                </a:cubicBezTo>
-                <a:lnTo>
-                  <a:pt x="0" y="739718"/>
-                </a:lnTo>
-                <a:close/>
-              </a:path>
-            </a:pathLst>
-          </a:custGeom>
-          <a:solidFill>
-            <a:srgbClr val="05B780"/>
-          </a:solidFill>
-          <a:ln>
-            <a:noFill/>
-          </a:ln>
-        </p:spPr>
-        <p:style>
-          <a:lnRef idx="2">
-            <a:schemeClr val="accent1">
-              <a:shade val="50000"/>
-            </a:schemeClr>
-          </a:lnRef>
-          <a:fillRef idx="1">
-            <a:schemeClr val="accent1"/>
-          </a:fillRef>
-          <a:effectRef idx="0">
-            <a:schemeClr val="accent1"/>
-          </a:effectRef>
-          <a:fontRef idx="minor">
-            <a:schemeClr val="lt1"/>
-          </a:fontRef>
-        </p:style>
-        <p:txBody>
-          <a:bodyPr anchor="ctr"/>
-          <a:lstStyle/>
-          <a:p>
-            <a:pPr marL="0" marR="0" lvl="0" indent="0" algn="ctr" defTabSz="914400" rtl="0" eaLnBrk="1" fontAlgn="auto" latinLnBrk="0" hangingPunct="1">
-              <a:lnSpc>
-                <a:spcPct val="100000"/>
-              </a:lnSpc>
-              <a:spcBef>
-                <a:spcPts val="0"/>
-              </a:spcBef>
-              <a:spcAft>
-                <a:spcPts val="0"/>
-              </a:spcAft>
-              <a:buClrTx/>
-              <a:buSzTx/>
-              <a:buFontTx/>
-              <a:buNone/>
-              <a:defRPr/>
-            </a:pPr>
-            <a:endParaRPr kumimoji="0" lang="zh-CN" altLang="en-US" sz="1800" b="0" i="0" u="none" strike="noStrike" kern="1200" cap="none" spc="0" normalizeH="0" baseline="0" noProof="0">
-              <a:ln>
-                <a:noFill/>
-              </a:ln>
-              <a:solidFill>
                 <a:schemeClr val="lt1"/>
               </a:solidFill>
               <a:effectLst/>
@@ -15076,6 +15057,7 @@
           <a:bodyPr wrap="square" anchor="t" anchorCtr="0">
             <a:spAutoFit/>
           </a:bodyPr>
+          <a:lstStyle/>
           <a:p>
             <a:pPr>
               <a:buFont typeface="Arial" panose="020B0604020202020204" pitchFamily="34" charset="0"/>
@@ -15090,13 +15072,6 @@
               </a:rPr>
               <a:t>Week3 Recap</a:t>
             </a:r>
-            <a:endParaRPr lang="en-US" altLang="zh-CN" sz="3200" b="1" dirty="0">
-              <a:solidFill>
-                <a:schemeClr val="bg1"/>
-              </a:solidFill>
-              <a:latin typeface="Microsoft YaHei" panose="020B0503020204020204" pitchFamily="34" charset="-122"/>
-              <a:ea typeface="Microsoft YaHei" panose="020B0503020204020204" pitchFamily="34" charset="-122"/>
-            </a:endParaRPr>
           </a:p>
         </p:txBody>
       </p:sp>
@@ -15197,6 +15172,7 @@
           <a:bodyPr wrap="square" anchor="t" anchorCtr="0">
             <a:spAutoFit/>
           </a:bodyPr>
+          <a:lstStyle/>
           <a:p>
             <a:pPr>
               <a:buFont typeface="Arial" panose="020B0604020202020204" pitchFamily="34" charset="0"/>
@@ -15211,13 +15187,6 @@
               </a:rPr>
               <a:t>Week 3 Recap</a:t>
             </a:r>
-            <a:endParaRPr lang="en-US" altLang="zh-CN" sz="3200" b="1" dirty="0">
-              <a:solidFill>
-                <a:srgbClr val="05B780"/>
-              </a:solidFill>
-              <a:latin typeface="Microsoft YaHei" panose="020B0503020204020204" pitchFamily="34" charset="-122"/>
-              <a:ea typeface="Microsoft YaHei" panose="020B0503020204020204" pitchFamily="34" charset="-122"/>
-            </a:endParaRPr>
           </a:p>
         </p:txBody>
       </p:sp>
@@ -15335,6 +15304,7 @@
             <a:bodyPr wrap="square" anchor="t" anchorCtr="0">
               <a:spAutoFit/>
             </a:bodyPr>
+            <a:lstStyle/>
             <a:p>
               <a:pPr>
                 <a:buFont typeface="Arial" panose="020B0604020202020204" pitchFamily="34" charset="0"/>
@@ -15349,13 +15319,6 @@
                 </a:rPr>
                 <a:t>01a</a:t>
               </a:r>
-              <a:endParaRPr lang="en-US" altLang="zh-CN" sz="4400" b="1" dirty="0">
-                <a:solidFill>
-                  <a:schemeClr val="bg1"/>
-                </a:solidFill>
-                <a:latin typeface="Microsoft YaHei" panose="020B0503020204020204" pitchFamily="34" charset="-122"/>
-                <a:ea typeface="Microsoft YaHei" panose="020B0503020204020204" pitchFamily="34" charset="-122"/>
-              </a:endParaRPr>
             </a:p>
           </p:txBody>
         </p:sp>
@@ -15380,7 +15343,14 @@
         <p:cNvGrpSpPr/>
         <p:nvPr/>
       </p:nvGrpSpPr>
-      <p:grpSpPr/>
+      <p:grpSpPr>
+        <a:xfrm>
+          <a:off x="0" y="0"/>
+          <a:ext cx="0" cy="0"/>
+          <a:chOff x="0" y="0"/>
+          <a:chExt cx="0" cy="0"/>
+        </a:xfrm>
+      </p:grpSpPr>
       <p:sp>
         <p:nvSpPr>
           <p:cNvPr id="15" name="任意多边形 14"/>
@@ -15533,6 +15503,7 @@
           <a:bodyPr anchor="t" anchorCtr="0">
             <a:spAutoFit/>
           </a:bodyPr>
+          <a:lstStyle/>
           <a:p>
             <a:pPr>
               <a:buFont typeface="Arial" panose="020B0604020202020204" pitchFamily="34" charset="0"/>
@@ -15545,15 +15516,696 @@
                 <a:latin typeface="Microsoft YaHei" panose="020B0503020204020204" pitchFamily="34" charset="-122"/>
                 <a:ea typeface="Microsoft YaHei" panose="020B0503020204020204" pitchFamily="34" charset="-122"/>
               </a:rPr>
-              <a:t>4.4</a:t>
+              <a:t>4.1</a:t>
             </a:r>
-            <a:endParaRPr lang="en-US" altLang="zh-CN" sz="2800" b="1" dirty="0">
+          </a:p>
+        </p:txBody>
+      </p:sp>
+      <p:sp>
+        <p:nvSpPr>
+          <p:cNvPr id="16" name="Rectangle 6"/>
+          <p:cNvSpPr>
+            <a:spLocks noChangeArrowheads="1"/>
+          </p:cNvSpPr>
+          <p:nvPr/>
+        </p:nvSpPr>
+        <p:spPr bwMode="black">
+          <a:xfrm>
+            <a:off x="1021080" y="351155"/>
+            <a:ext cx="6515735" cy="521970"/>
+          </a:xfrm>
+          <a:prstGeom prst="rect">
+            <a:avLst/>
+          </a:prstGeom>
+          <a:noFill/>
+          <a:ln>
+            <a:noFill/>
+          </a:ln>
+          <a:effectLst/>
+          <a:extLst>
+            <a:ext uri="{909E8E84-426E-40DD-AFC4-6F175D3DCCD1}">
+              <a14:hiddenFill xmlns:a14="http://schemas.microsoft.com/office/drawing/2010/main">
+                <a:solidFill>
+                  <a:schemeClr val="accent1"/>
+                </a:solidFill>
+              </a14:hiddenFill>
+            </a:ext>
+            <a:ext uri="{91240B29-F687-4F45-9708-019B960494DF}">
+              <a14:hiddenLine xmlns:a14="http://schemas.microsoft.com/office/drawing/2010/main" w="9525">
+                <a:solidFill>
+                  <a:schemeClr val="tx1"/>
+                </a:solidFill>
+                <a:miter lim="800000"/>
+                <a:headEnd/>
+                <a:tailEnd/>
+              </a14:hiddenLine>
+            </a:ext>
+            <a:ext uri="{AF507438-7753-43E0-B8FC-AC1667EBCBE1}">
+              <a14:hiddenEffects xmlns:a14="http://schemas.microsoft.com/office/drawing/2010/main">
+                <a:effectLst>
+                  <a:outerShdw dist="35921" dir="2700000" algn="ctr" rotWithShape="0">
+                    <a:schemeClr val="bg2"/>
+                  </a:outerShdw>
+                </a:effectLst>
+              </a14:hiddenEffects>
+            </a:ext>
+          </a:extLst>
+        </p:spPr>
+        <p:txBody>
+          <a:bodyPr wrap="square">
+            <a:spAutoFit/>
+          </a:bodyPr>
+          <a:lstStyle/>
+          <a:p>
+            <a:pPr marL="0" marR="0" lvl="0" indent="0" algn="l" defTabSz="914400" rtl="0" eaLnBrk="0" fontAlgn="auto" latinLnBrk="0" hangingPunct="0">
+              <a:lnSpc>
+                <a:spcPct val="100000"/>
+              </a:lnSpc>
+              <a:spcBef>
+                <a:spcPts val="0"/>
+              </a:spcBef>
+              <a:spcAft>
+                <a:spcPts val="0"/>
+              </a:spcAft>
+              <a:buClrTx/>
+              <a:buSzTx/>
+              <a:buFontTx/>
+              <a:buNone/>
+              <a:defRPr/>
+            </a:pPr>
+            <a:r>
+              <a:rPr kumimoji="0" lang="en-US" altLang="zh-CN" sz="2800" b="1" i="0" u="none" strike="noStrike" kern="1200" cap="none" spc="0" normalizeH="0" baseline="0" noProof="0" dirty="0">
+                <a:ln>
+                  <a:noFill/>
+                </a:ln>
+                <a:solidFill>
+                  <a:schemeClr val="tx1">
+                    <a:lumMod val="85000"/>
+                    <a:lumOff val="15000"/>
+                  </a:schemeClr>
+                </a:solidFill>
+                <a:effectLst/>
+                <a:uLnTx/>
+                <a:uFillTx/>
+                <a:latin typeface="Microsoft YaHei" panose="020B0503020204020204" pitchFamily="34" charset="-122"/>
+                <a:ea typeface="Microsoft YaHei" panose="020B0503020204020204" pitchFamily="34" charset="-122"/>
+                <a:cs typeface="+mn-cs"/>
+                <a:sym typeface="+mn-ea"/>
+              </a:rPr>
+              <a:t>Delete Duplicates in Linked List</a:t>
+            </a:r>
+          </a:p>
+        </p:txBody>
+      </p:sp>
+      <p:sp>
+        <p:nvSpPr>
+          <p:cNvPr id="3" name="Content Placeholder 2"/>
+          <p:cNvSpPr>
+            <a:spLocks noGrp="1"/>
+          </p:cNvSpPr>
+          <p:nvPr>
+            <p:ph idx="1"/>
+          </p:nvPr>
+        </p:nvSpPr>
+        <p:spPr/>
+        <p:txBody>
+          <a:bodyPr/>
+          <a:lstStyle/>
+          <a:p>
+            <a:r>
+              <a:rPr lang="en-US"/>
+              <a:t>Given the head of a sorted linked list, delete all duplicates such that each element appears only once. Return the linked list sorted as well.</a:t>
+            </a:r>
+          </a:p>
+        </p:txBody>
+      </p:sp>
+      <p:pic>
+        <p:nvPicPr>
+          <p:cNvPr id="2" name="Picture 1"/>
+          <p:cNvPicPr>
+            <a:picLocks noChangeAspect="1"/>
+          </p:cNvPicPr>
+          <p:nvPr/>
+        </p:nvPicPr>
+        <p:blipFill>
+          <a:blip r:embed="rId2"/>
+          <a:stretch>
+            <a:fillRect/>
+          </a:stretch>
+        </p:blipFill>
+        <p:spPr>
+          <a:xfrm>
+            <a:off x="3463290" y="2954020"/>
+            <a:ext cx="5534025" cy="3057525"/>
+          </a:xfrm>
+          <a:prstGeom prst="rect">
+            <a:avLst/>
+          </a:prstGeom>
+        </p:spPr>
+      </p:pic>
+    </p:spTree>
+  </p:cSld>
+  <p:clrMapOvr>
+    <a:masterClrMapping/>
+  </p:clrMapOvr>
+  <p:transition spd="slow">
+    <p:wipe/>
+  </p:transition>
+</p:sld>
+</file>
+
+<file path=ppt/slides/slide31.xml><?xml version="1.0" encoding="utf-8"?>
+<p:sld xmlns:a="http://schemas.openxmlformats.org/drawingml/2006/main" xmlns:r="http://schemas.openxmlformats.org/officeDocument/2006/relationships" xmlns:p="http://schemas.openxmlformats.org/presentationml/2006/main">
+  <p:cSld>
+    <p:spTree>
+      <p:nvGrpSpPr>
+        <p:cNvPr id="1" name=""/>
+        <p:cNvGrpSpPr/>
+        <p:nvPr/>
+      </p:nvGrpSpPr>
+      <p:grpSpPr>
+        <a:xfrm>
+          <a:off x="0" y="0"/>
+          <a:ext cx="0" cy="0"/>
+          <a:chOff x="0" y="0"/>
+          <a:chExt cx="0" cy="0"/>
+        </a:xfrm>
+      </p:grpSpPr>
+      <p:sp>
+        <p:nvSpPr>
+          <p:cNvPr id="15" name="任意多边形 14"/>
+          <p:cNvSpPr/>
+          <p:nvPr/>
+        </p:nvSpPr>
+        <p:spPr>
+          <a:xfrm>
+            <a:off x="0" y="274638"/>
+            <a:ext cx="890588" cy="639763"/>
+          </a:xfrm>
+          <a:custGeom>
+            <a:avLst/>
+            <a:gdLst>
+              <a:gd name="connsiteX0" fmla="*/ 0 w 1029743"/>
+              <a:gd name="connsiteY0" fmla="*/ 0 h 739718"/>
+              <a:gd name="connsiteX1" fmla="*/ 659884 w 1029743"/>
+              <a:gd name="connsiteY1" fmla="*/ 0 h 739718"/>
+              <a:gd name="connsiteX2" fmla="*/ 1029743 w 1029743"/>
+              <a:gd name="connsiteY2" fmla="*/ 369859 h 739718"/>
+              <a:gd name="connsiteX3" fmla="*/ 659884 w 1029743"/>
+              <a:gd name="connsiteY3" fmla="*/ 739718 h 739718"/>
+              <a:gd name="connsiteX4" fmla="*/ 0 w 1029743"/>
+              <a:gd name="connsiteY4" fmla="*/ 739718 h 739718"/>
+            </a:gdLst>
+            <a:ahLst/>
+            <a:cxnLst>
+              <a:cxn ang="0">
+                <a:pos x="connsiteX0" y="connsiteY0"/>
+              </a:cxn>
+              <a:cxn ang="0">
+                <a:pos x="connsiteX1" y="connsiteY1"/>
+              </a:cxn>
+              <a:cxn ang="0">
+                <a:pos x="connsiteX2" y="connsiteY2"/>
+              </a:cxn>
+              <a:cxn ang="0">
+                <a:pos x="connsiteX3" y="connsiteY3"/>
+              </a:cxn>
+              <a:cxn ang="0">
+                <a:pos x="connsiteX4" y="connsiteY4"/>
+              </a:cxn>
+            </a:cxnLst>
+            <a:rect l="l" t="t" r="r" b="b"/>
+            <a:pathLst>
+              <a:path w="1029743" h="739718">
+                <a:moveTo>
+                  <a:pt x="0" y="0"/>
+                </a:moveTo>
+                <a:lnTo>
+                  <a:pt x="659884" y="0"/>
+                </a:lnTo>
+                <a:cubicBezTo>
+                  <a:pt x="864151" y="0"/>
+                  <a:pt x="1029743" y="165592"/>
+                  <a:pt x="1029743" y="369859"/>
+                </a:cubicBezTo>
+                <a:cubicBezTo>
+                  <a:pt x="1029743" y="574126"/>
+                  <a:pt x="864151" y="739718"/>
+                  <a:pt x="659884" y="739718"/>
+                </a:cubicBezTo>
+                <a:lnTo>
+                  <a:pt x="0" y="739718"/>
+                </a:lnTo>
+                <a:close/>
+              </a:path>
+            </a:pathLst>
+          </a:custGeom>
+          <a:solidFill>
+            <a:srgbClr val="05B780"/>
+          </a:solidFill>
+          <a:ln>
+            <a:noFill/>
+          </a:ln>
+        </p:spPr>
+        <p:style>
+          <a:lnRef idx="2">
+            <a:schemeClr val="accent1">
+              <a:shade val="50000"/>
+            </a:schemeClr>
+          </a:lnRef>
+          <a:fillRef idx="1">
+            <a:schemeClr val="accent1"/>
+          </a:fillRef>
+          <a:effectRef idx="0">
+            <a:schemeClr val="accent1"/>
+          </a:effectRef>
+          <a:fontRef idx="minor">
+            <a:schemeClr val="lt1"/>
+          </a:fontRef>
+        </p:style>
+        <p:txBody>
+          <a:bodyPr anchor="ctr"/>
+          <a:lstStyle/>
+          <a:p>
+            <a:pPr marL="0" marR="0" lvl="0" indent="0" algn="ctr" defTabSz="914400" rtl="0" eaLnBrk="1" fontAlgn="auto" latinLnBrk="0" hangingPunct="1">
+              <a:lnSpc>
+                <a:spcPct val="100000"/>
+              </a:lnSpc>
+              <a:spcBef>
+                <a:spcPts val="0"/>
+              </a:spcBef>
+              <a:spcAft>
+                <a:spcPts val="0"/>
+              </a:spcAft>
+              <a:buClrTx/>
+              <a:buSzTx/>
+              <a:buFontTx/>
+              <a:buNone/>
+              <a:defRPr/>
+            </a:pPr>
+            <a:endParaRPr kumimoji="0" lang="zh-CN" altLang="en-US" sz="1800" b="0" i="0" u="none" strike="noStrike" kern="1200" cap="none" spc="0" normalizeH="0" baseline="0" noProof="0">
+              <a:ln>
+                <a:noFill/>
+              </a:ln>
               <a:solidFill>
                 <a:schemeClr val="bg1"/>
               </a:solidFill>
-              <a:latin typeface="Microsoft YaHei" panose="020B0503020204020204" pitchFamily="34" charset="-122"/>
-              <a:ea typeface="Microsoft YaHei" panose="020B0503020204020204" pitchFamily="34" charset="-122"/>
+              <a:effectLst/>
+              <a:uLnTx/>
+              <a:uFillTx/>
+              <a:latin typeface="+mn-lt"/>
+              <a:ea typeface="+mn-ea"/>
+              <a:cs typeface="+mn-cs"/>
             </a:endParaRPr>
+          </a:p>
+        </p:txBody>
+      </p:sp>
+      <p:sp>
+        <p:nvSpPr>
+          <p:cNvPr id="7170" name="文本框 156"/>
+          <p:cNvSpPr txBox="1"/>
+          <p:nvPr/>
+        </p:nvSpPr>
+        <p:spPr>
+          <a:xfrm>
+            <a:off x="0" y="350838"/>
+            <a:ext cx="814388" cy="521970"/>
+          </a:xfrm>
+          <a:prstGeom prst="rect">
+            <a:avLst/>
+          </a:prstGeom>
+          <a:noFill/>
+          <a:ln w="9525">
+            <a:noFill/>
+          </a:ln>
+        </p:spPr>
+        <p:txBody>
+          <a:bodyPr anchor="t" anchorCtr="0">
+            <a:spAutoFit/>
+          </a:bodyPr>
+          <a:lstStyle/>
+          <a:p>
+            <a:pPr>
+              <a:buFont typeface="Arial" panose="020B0604020202020204" pitchFamily="34" charset="0"/>
+            </a:pPr>
+            <a:r>
+              <a:rPr lang="en-US" altLang="zh-CN" sz="2800" b="1" dirty="0">
+                <a:solidFill>
+                  <a:schemeClr val="bg1"/>
+                </a:solidFill>
+                <a:latin typeface="Microsoft YaHei" panose="020B0503020204020204" pitchFamily="34" charset="-122"/>
+                <a:ea typeface="Microsoft YaHei" panose="020B0503020204020204" pitchFamily="34" charset="-122"/>
+              </a:rPr>
+              <a:t>4.2</a:t>
+            </a:r>
+          </a:p>
+        </p:txBody>
+      </p:sp>
+      <p:sp>
+        <p:nvSpPr>
+          <p:cNvPr id="16" name="Rectangle 6"/>
+          <p:cNvSpPr>
+            <a:spLocks noChangeArrowheads="1"/>
+          </p:cNvSpPr>
+          <p:nvPr/>
+        </p:nvSpPr>
+        <p:spPr bwMode="black">
+          <a:xfrm>
+            <a:off x="1021080" y="351155"/>
+            <a:ext cx="6515735" cy="521970"/>
+          </a:xfrm>
+          <a:prstGeom prst="rect">
+            <a:avLst/>
+          </a:prstGeom>
+          <a:noFill/>
+          <a:ln>
+            <a:noFill/>
+          </a:ln>
+          <a:effectLst/>
+          <a:extLst>
+            <a:ext uri="{909E8E84-426E-40DD-AFC4-6F175D3DCCD1}">
+              <a14:hiddenFill xmlns:a14="http://schemas.microsoft.com/office/drawing/2010/main">
+                <a:solidFill>
+                  <a:schemeClr val="accent1"/>
+                </a:solidFill>
+              </a14:hiddenFill>
+            </a:ext>
+            <a:ext uri="{91240B29-F687-4F45-9708-019B960494DF}">
+              <a14:hiddenLine xmlns:a14="http://schemas.microsoft.com/office/drawing/2010/main" w="9525">
+                <a:solidFill>
+                  <a:schemeClr val="tx1"/>
+                </a:solidFill>
+                <a:miter lim="800000"/>
+                <a:headEnd/>
+                <a:tailEnd/>
+              </a14:hiddenLine>
+            </a:ext>
+            <a:ext uri="{AF507438-7753-43E0-B8FC-AC1667EBCBE1}">
+              <a14:hiddenEffects xmlns:a14="http://schemas.microsoft.com/office/drawing/2010/main">
+                <a:effectLst>
+                  <a:outerShdw dist="35921" dir="2700000" algn="ctr" rotWithShape="0">
+                    <a:schemeClr val="bg2"/>
+                  </a:outerShdw>
+                </a:effectLst>
+              </a14:hiddenEffects>
+            </a:ext>
+          </a:extLst>
+        </p:spPr>
+        <p:txBody>
+          <a:bodyPr wrap="square">
+            <a:spAutoFit/>
+          </a:bodyPr>
+          <a:lstStyle/>
+          <a:p>
+            <a:pPr marL="0" marR="0" lvl="0" indent="0" algn="l" defTabSz="914400" rtl="0" eaLnBrk="0" fontAlgn="auto" latinLnBrk="0" hangingPunct="0">
+              <a:lnSpc>
+                <a:spcPct val="100000"/>
+              </a:lnSpc>
+              <a:spcBef>
+                <a:spcPts val="0"/>
+              </a:spcBef>
+              <a:spcAft>
+                <a:spcPts val="0"/>
+              </a:spcAft>
+              <a:buClrTx/>
+              <a:buSzTx/>
+              <a:buFontTx/>
+              <a:buNone/>
+              <a:defRPr/>
+            </a:pPr>
+            <a:r>
+              <a:rPr kumimoji="0" lang="en-US" altLang="zh-CN" sz="2800" b="1" i="0" u="none" strike="noStrike" kern="1200" cap="none" spc="0" normalizeH="0" baseline="0" noProof="0" dirty="0">
+                <a:ln>
+                  <a:noFill/>
+                </a:ln>
+                <a:solidFill>
+                  <a:schemeClr val="tx1">
+                    <a:lumMod val="85000"/>
+                    <a:lumOff val="15000"/>
+                  </a:schemeClr>
+                </a:solidFill>
+                <a:effectLst/>
+                <a:uLnTx/>
+                <a:uFillTx/>
+                <a:latin typeface="Microsoft YaHei" panose="020B0503020204020204" pitchFamily="34" charset="-122"/>
+                <a:ea typeface="Microsoft YaHei" panose="020B0503020204020204" pitchFamily="34" charset="-122"/>
+                <a:cs typeface="+mn-cs"/>
+                <a:sym typeface="+mn-ea"/>
+              </a:rPr>
+              <a:t>Tree Traversals - Demo Exercise</a:t>
+            </a:r>
+          </a:p>
+        </p:txBody>
+      </p:sp>
+      <p:sp>
+        <p:nvSpPr>
+          <p:cNvPr id="3" name="Content Placeholder 2"/>
+          <p:cNvSpPr>
+            <a:spLocks noGrp="1"/>
+          </p:cNvSpPr>
+          <p:nvPr>
+            <p:ph idx="1"/>
+          </p:nvPr>
+        </p:nvSpPr>
+        <p:spPr/>
+        <p:txBody>
+          <a:bodyPr/>
+          <a:lstStyle/>
+          <a:p>
+            <a:r>
+              <a:rPr lang="en-US"/>
+              <a:t>For each of the tree traversal methods, what data structure would you choose to implement it:</a:t>
+            </a:r>
+          </a:p>
+          <a:p>
+            <a:pPr lvl="1"/>
+            <a:r>
+              <a:rPr lang="en-US"/>
+              <a:t>Level order traversal</a:t>
+            </a:r>
+          </a:p>
+          <a:p>
+            <a:pPr lvl="1"/>
+            <a:r>
+              <a:rPr lang="en-US"/>
+              <a:t>In order traversal</a:t>
+            </a:r>
+          </a:p>
+          <a:p>
+            <a:pPr lvl="1"/>
+            <a:r>
+              <a:rPr lang="en-US"/>
+              <a:t>Pre order traversal</a:t>
+            </a:r>
+          </a:p>
+          <a:p>
+            <a:pPr lvl="1"/>
+            <a:r>
+              <a:rPr lang="en-US"/>
+              <a:t>Post order traversal</a:t>
+            </a:r>
+          </a:p>
+          <a:p>
+            <a:pPr lvl="0"/>
+            <a:endParaRPr lang="en-US"/>
+          </a:p>
+        </p:txBody>
+      </p:sp>
+    </p:spTree>
+  </p:cSld>
+  <p:clrMapOvr>
+    <a:masterClrMapping/>
+  </p:clrMapOvr>
+  <p:transition spd="slow">
+    <p:wipe/>
+  </p:transition>
+</p:sld>
+</file>
+
+<file path=ppt/slides/slide32.xml><?xml version="1.0" encoding="utf-8"?>
+<p:sld xmlns:a="http://schemas.openxmlformats.org/drawingml/2006/main" xmlns:r="http://schemas.openxmlformats.org/officeDocument/2006/relationships" xmlns:p="http://schemas.openxmlformats.org/presentationml/2006/main">
+  <p:cSld>
+    <p:spTree>
+      <p:nvGrpSpPr>
+        <p:cNvPr id="1" name=""/>
+        <p:cNvGrpSpPr/>
+        <p:nvPr/>
+      </p:nvGrpSpPr>
+      <p:grpSpPr>
+        <a:xfrm>
+          <a:off x="0" y="0"/>
+          <a:ext cx="0" cy="0"/>
+          <a:chOff x="0" y="0"/>
+          <a:chExt cx="0" cy="0"/>
+        </a:xfrm>
+      </p:grpSpPr>
+      <p:sp>
+        <p:nvSpPr>
+          <p:cNvPr id="15" name="任意多边形 14"/>
+          <p:cNvSpPr/>
+          <p:nvPr/>
+        </p:nvSpPr>
+        <p:spPr>
+          <a:xfrm>
+            <a:off x="0" y="274638"/>
+            <a:ext cx="890588" cy="639763"/>
+          </a:xfrm>
+          <a:custGeom>
+            <a:avLst/>
+            <a:gdLst>
+              <a:gd name="connsiteX0" fmla="*/ 0 w 1029743"/>
+              <a:gd name="connsiteY0" fmla="*/ 0 h 739718"/>
+              <a:gd name="connsiteX1" fmla="*/ 659884 w 1029743"/>
+              <a:gd name="connsiteY1" fmla="*/ 0 h 739718"/>
+              <a:gd name="connsiteX2" fmla="*/ 1029743 w 1029743"/>
+              <a:gd name="connsiteY2" fmla="*/ 369859 h 739718"/>
+              <a:gd name="connsiteX3" fmla="*/ 659884 w 1029743"/>
+              <a:gd name="connsiteY3" fmla="*/ 739718 h 739718"/>
+              <a:gd name="connsiteX4" fmla="*/ 0 w 1029743"/>
+              <a:gd name="connsiteY4" fmla="*/ 739718 h 739718"/>
+            </a:gdLst>
+            <a:ahLst/>
+            <a:cxnLst>
+              <a:cxn ang="0">
+                <a:pos x="connsiteX0" y="connsiteY0"/>
+              </a:cxn>
+              <a:cxn ang="0">
+                <a:pos x="connsiteX1" y="connsiteY1"/>
+              </a:cxn>
+              <a:cxn ang="0">
+                <a:pos x="connsiteX2" y="connsiteY2"/>
+              </a:cxn>
+              <a:cxn ang="0">
+                <a:pos x="connsiteX3" y="connsiteY3"/>
+              </a:cxn>
+              <a:cxn ang="0">
+                <a:pos x="connsiteX4" y="connsiteY4"/>
+              </a:cxn>
+            </a:cxnLst>
+            <a:rect l="l" t="t" r="r" b="b"/>
+            <a:pathLst>
+              <a:path w="1029743" h="739718">
+                <a:moveTo>
+                  <a:pt x="0" y="0"/>
+                </a:moveTo>
+                <a:lnTo>
+                  <a:pt x="659884" y="0"/>
+                </a:lnTo>
+                <a:cubicBezTo>
+                  <a:pt x="864151" y="0"/>
+                  <a:pt x="1029743" y="165592"/>
+                  <a:pt x="1029743" y="369859"/>
+                </a:cubicBezTo>
+                <a:cubicBezTo>
+                  <a:pt x="1029743" y="574126"/>
+                  <a:pt x="864151" y="739718"/>
+                  <a:pt x="659884" y="739718"/>
+                </a:cubicBezTo>
+                <a:lnTo>
+                  <a:pt x="0" y="739718"/>
+                </a:lnTo>
+                <a:close/>
+              </a:path>
+            </a:pathLst>
+          </a:custGeom>
+          <a:solidFill>
+            <a:srgbClr val="05B780"/>
+          </a:solidFill>
+          <a:ln>
+            <a:noFill/>
+          </a:ln>
+        </p:spPr>
+        <p:style>
+          <a:lnRef idx="2">
+            <a:schemeClr val="accent1">
+              <a:shade val="50000"/>
+            </a:schemeClr>
+          </a:lnRef>
+          <a:fillRef idx="1">
+            <a:schemeClr val="accent1"/>
+          </a:fillRef>
+          <a:effectRef idx="0">
+            <a:schemeClr val="accent1"/>
+          </a:effectRef>
+          <a:fontRef idx="minor">
+            <a:schemeClr val="lt1"/>
+          </a:fontRef>
+        </p:style>
+        <p:txBody>
+          <a:bodyPr anchor="ctr"/>
+          <a:lstStyle/>
+          <a:p>
+            <a:pPr marL="0" marR="0" lvl="0" indent="0" algn="ctr" defTabSz="914400" rtl="0" eaLnBrk="1" fontAlgn="auto" latinLnBrk="0" hangingPunct="1">
+              <a:lnSpc>
+                <a:spcPct val="100000"/>
+              </a:lnSpc>
+              <a:spcBef>
+                <a:spcPts val="0"/>
+              </a:spcBef>
+              <a:spcAft>
+                <a:spcPts val="0"/>
+              </a:spcAft>
+              <a:buClrTx/>
+              <a:buSzTx/>
+              <a:buFontTx/>
+              <a:buNone/>
+              <a:defRPr/>
+            </a:pPr>
+            <a:endParaRPr kumimoji="0" lang="zh-CN" altLang="en-US" sz="1800" b="0" i="0" u="none" strike="noStrike" kern="1200" cap="none" spc="0" normalizeH="0" baseline="0" noProof="0">
+              <a:ln>
+                <a:noFill/>
+              </a:ln>
+              <a:solidFill>
+                <a:schemeClr val="bg1"/>
+              </a:solidFill>
+              <a:effectLst/>
+              <a:uLnTx/>
+              <a:uFillTx/>
+              <a:latin typeface="+mn-lt"/>
+              <a:ea typeface="+mn-ea"/>
+              <a:cs typeface="+mn-cs"/>
+            </a:endParaRPr>
+          </a:p>
+        </p:txBody>
+      </p:sp>
+      <p:sp>
+        <p:nvSpPr>
+          <p:cNvPr id="7170" name="文本框 156"/>
+          <p:cNvSpPr txBox="1"/>
+          <p:nvPr/>
+        </p:nvSpPr>
+        <p:spPr>
+          <a:xfrm>
+            <a:off x="0" y="350838"/>
+            <a:ext cx="814388" cy="521970"/>
+          </a:xfrm>
+          <a:prstGeom prst="rect">
+            <a:avLst/>
+          </a:prstGeom>
+          <a:noFill/>
+          <a:ln w="9525">
+            <a:noFill/>
+          </a:ln>
+        </p:spPr>
+        <p:txBody>
+          <a:bodyPr anchor="t" anchorCtr="0">
+            <a:spAutoFit/>
+          </a:bodyPr>
+          <a:lstStyle/>
+          <a:p>
+            <a:pPr>
+              <a:buFont typeface="Arial" panose="020B0604020202020204" pitchFamily="34" charset="0"/>
+            </a:pPr>
+            <a:r>
+              <a:rPr lang="en-US" altLang="zh-CN" sz="2800" b="1" dirty="0">
+                <a:solidFill>
+                  <a:schemeClr val="bg1"/>
+                </a:solidFill>
+                <a:latin typeface="Microsoft YaHei" panose="020B0503020204020204" pitchFamily="34" charset="-122"/>
+                <a:ea typeface="Microsoft YaHei" panose="020B0503020204020204" pitchFamily="34" charset="-122"/>
+              </a:rPr>
+              <a:t>4.3</a:t>
+            </a:r>
           </a:p>
         </p:txBody>
       </p:sp>
@@ -15648,33 +16300,17 @@
                 <a:cs typeface="+mn-cs"/>
                 <a:sym typeface="+mn-ea"/>
               </a:rPr>
-              <a:t>Homework</a:t>
+              <a:t>Homework: Find Value in Binary Tree</a:t>
             </a:r>
-            <a:endParaRPr kumimoji="0" lang="en-US" altLang="zh-CN" sz="2800" b="1" i="0" u="none" strike="noStrike" kern="1200" cap="none" spc="0" normalizeH="0" baseline="0" noProof="0" dirty="0">
-              <a:ln>
-                <a:noFill/>
-              </a:ln>
-              <a:solidFill>
-                <a:schemeClr val="tx1">
-                  <a:lumMod val="85000"/>
-                  <a:lumOff val="15000"/>
-                </a:schemeClr>
-              </a:solidFill>
-              <a:effectLst/>
-              <a:uLnTx/>
-              <a:uFillTx/>
-              <a:latin typeface="Microsoft YaHei" panose="020B0503020204020204" pitchFamily="34" charset="-122"/>
-              <a:ea typeface="Microsoft YaHei" panose="020B0503020204020204" pitchFamily="34" charset="-122"/>
-              <a:cs typeface="+mn-cs"/>
-              <a:sym typeface="+mn-ea"/>
-            </a:endParaRPr>
           </a:p>
         </p:txBody>
       </p:sp>
       <p:sp>
         <p:nvSpPr>
           <p:cNvPr id="3" name="Content Placeholder 2"/>
-          <p:cNvSpPr/>
+          <p:cNvSpPr>
+            <a:spLocks noGrp="1"/>
+          </p:cNvSpPr>
           <p:nvPr>
             <p:ph idx="1"/>
           </p:nvPr>
@@ -15687,8 +16323,125 @@
         </p:spPr>
         <p:txBody>
           <a:bodyPr/>
-          <a:p>
-            <a:endParaRPr lang="en-US" sz="1710"/>
+          <a:lstStyle/>
+          <a:p>
+            <a:r>
+              <a:rPr lang="en-US" sz="2400" dirty="0"/>
+              <a:t>Given the starting (root) node of a Binary Tree, search and check if a given value exists in this tree:</a:t>
+            </a:r>
+          </a:p>
+          <a:p>
+            <a:pPr lvl="1"/>
+            <a:r>
+              <a:rPr lang="en-US" sz="1800" dirty="0"/>
+              <a:t>Note the values of every node is in “</a:t>
+            </a:r>
+            <a:r>
+              <a:rPr lang="en-US" sz="1800" dirty="0" err="1"/>
+              <a:t>node.value</a:t>
+            </a:r>
+            <a:r>
+              <a:rPr lang="en-US" sz="1800" dirty="0"/>
+              <a:t>”</a:t>
+            </a:r>
+          </a:p>
+          <a:p>
+            <a:r>
+              <a:rPr lang="en-US" sz="2200" dirty="0"/>
+              <a:t>Return True if the value exists in the binary tree, otherwise return False</a:t>
+            </a:r>
+          </a:p>
+          <a:p>
+            <a:r>
+              <a:rPr lang="en-US" sz="2200" dirty="0"/>
+              <a:t>Example:</a:t>
+            </a:r>
+          </a:p>
+        </p:txBody>
+      </p:sp>
+      <p:pic>
+        <p:nvPicPr>
+          <p:cNvPr id="4" name="Picture 3">
+            <a:extLst>
+              <a:ext uri="{FF2B5EF4-FFF2-40B4-BE49-F238E27FC236}">
+                <a16:creationId xmlns:a16="http://schemas.microsoft.com/office/drawing/2014/main" id="{3D5AB17E-2DD6-4D88-90A5-49DE05370802}"/>
+              </a:ext>
+            </a:extLst>
+          </p:cNvPr>
+          <p:cNvPicPr>
+            <a:picLocks noChangeAspect="1"/>
+          </p:cNvPicPr>
+          <p:nvPr/>
+        </p:nvPicPr>
+        <p:blipFill>
+          <a:blip r:embed="rId2"/>
+          <a:stretch>
+            <a:fillRect/>
+          </a:stretch>
+        </p:blipFill>
+        <p:spPr>
+          <a:xfrm>
+            <a:off x="1628961" y="3313590"/>
+            <a:ext cx="3632625" cy="2831514"/>
+          </a:xfrm>
+          <a:prstGeom prst="rect">
+            <a:avLst/>
+          </a:prstGeom>
+        </p:spPr>
+      </p:pic>
+      <p:sp>
+        <p:nvSpPr>
+          <p:cNvPr id="7" name="TextBox 6">
+            <a:extLst>
+              <a:ext uri="{FF2B5EF4-FFF2-40B4-BE49-F238E27FC236}">
+                <a16:creationId xmlns:a16="http://schemas.microsoft.com/office/drawing/2014/main" id="{A341566E-CDC5-493F-9B41-A056B46223A1}"/>
+              </a:ext>
+            </a:extLst>
+          </p:cNvPr>
+          <p:cNvSpPr txBox="1"/>
+          <p:nvPr/>
+        </p:nvSpPr>
+        <p:spPr>
+          <a:xfrm>
+            <a:off x="6897950" y="4101483"/>
+            <a:ext cx="2698811" cy="1477328"/>
+          </a:xfrm>
+          <a:prstGeom prst="rect">
+            <a:avLst/>
+          </a:prstGeom>
+          <a:noFill/>
+        </p:spPr>
+        <p:txBody>
+          <a:bodyPr wrap="square" rtlCol="0">
+            <a:spAutoFit/>
+          </a:bodyPr>
+          <a:lstStyle/>
+          <a:p>
+            <a:r>
+              <a:rPr lang="en-US" dirty="0"/>
+              <a:t>Input: Value = 4</a:t>
+            </a:r>
+          </a:p>
+          <a:p>
+            <a:r>
+              <a:rPr lang="en-US" dirty="0"/>
+              <a:t>Output: True</a:t>
+            </a:r>
+          </a:p>
+          <a:p>
+            <a:endParaRPr lang="en-US" dirty="0"/>
+          </a:p>
+          <a:p>
+            <a:r>
+              <a:rPr lang="en-US" dirty="0"/>
+              <a:t>Input: Value = 20</a:t>
+            </a:r>
+          </a:p>
+          <a:p>
+            <a:r>
+              <a:rPr lang="en-US" dirty="0"/>
+              <a:t>Output: False</a:t>
+            </a:r>
           </a:p>
         </p:txBody>
       </p:sp>
@@ -15703,7 +16456,7 @@
 </p:sld>
 </file>
 
-<file path=ppt/slides/slide31.xml><?xml version="1.0" encoding="utf-8"?>
+<file path=ppt/slides/slide33.xml><?xml version="1.0" encoding="utf-8"?>
 <p:sld xmlns:a="http://schemas.openxmlformats.org/drawingml/2006/main" xmlns:r="http://schemas.openxmlformats.org/officeDocument/2006/relationships" xmlns:p="http://schemas.openxmlformats.org/presentationml/2006/main">
   <p:cSld>
     <p:spTree>
@@ -15712,7 +16465,14 @@
         <p:cNvGrpSpPr/>
         <p:nvPr/>
       </p:nvGrpSpPr>
-      <p:grpSpPr/>
+      <p:grpSpPr>
+        <a:xfrm>
+          <a:off x="0" y="0"/>
+          <a:ext cx="0" cy="0"/>
+          <a:chOff x="0" y="0"/>
+          <a:chExt cx="0" cy="0"/>
+        </a:xfrm>
+      </p:grpSpPr>
       <p:sp>
         <p:nvSpPr>
           <p:cNvPr id="27" name="任意多边形 26"/>
@@ -16119,6 +16879,7 @@
                 <a:pos x="1150098860" y="81544079"/>
               </a:cxn>
             </a:cxnLst>
+            <a:rect l="0" t="0" r="0" b="0"/>
             <a:pathLst>
               <a:path w="1270" h="882">
                 <a:moveTo>
@@ -16862,6 +17623,7 @@
         </p:spPr>
         <p:txBody>
           <a:bodyPr/>
+          <a:lstStyle/>
           <a:p>
             <a:endParaRPr lang="en-US"/>
           </a:p>
@@ -16890,6 +17652,7 @@
           <a:bodyPr anchor="t" anchorCtr="0">
             <a:spAutoFit/>
           </a:bodyPr>
+          <a:lstStyle/>
           <a:p>
             <a:pPr algn="dist"/>
             <a:r>
@@ -16932,7 +17695,14 @@
         <p:cNvGrpSpPr/>
         <p:nvPr/>
       </p:nvGrpSpPr>
-      <p:grpSpPr/>
+      <p:grpSpPr>
+        <a:xfrm>
+          <a:off x="0" y="0"/>
+          <a:ext cx="0" cy="0"/>
+          <a:chOff x="0" y="0"/>
+          <a:chExt cx="0" cy="0"/>
+        </a:xfrm>
+      </p:grpSpPr>
       <p:sp>
         <p:nvSpPr>
           <p:cNvPr id="15" name="任意多边形 14"/>
@@ -17085,6 +17855,7 @@
           <a:bodyPr anchor="t" anchorCtr="0">
             <a:spAutoFit/>
           </a:bodyPr>
+          <a:lstStyle/>
           <a:p>
             <a:pPr>
               <a:buFont typeface="Arial" panose="020B0604020202020204" pitchFamily="34" charset="0"/>
@@ -17099,13 +17870,6 @@
               </a:rPr>
               <a:t>1.1</a:t>
             </a:r>
-            <a:endParaRPr lang="en-US" altLang="zh-CN" sz="2800" b="1" dirty="0">
-              <a:solidFill>
-                <a:schemeClr val="bg1"/>
-              </a:solidFill>
-              <a:latin typeface="Microsoft YaHei" panose="020B0503020204020204" pitchFamily="34" charset="-122"/>
-              <a:ea typeface="Microsoft YaHei" panose="020B0503020204020204" pitchFamily="34" charset="-122"/>
-            </a:endParaRPr>
           </a:p>
         </p:txBody>
       </p:sp>
@@ -17202,31 +17966,15 @@
               </a:rPr>
               <a:t>Week 3 Recap</a:t>
             </a:r>
-            <a:endParaRPr kumimoji="0" lang="en-US" altLang="zh-CN" sz="2800" b="1" i="0" u="none" strike="noStrike" kern="1200" cap="none" spc="0" normalizeH="0" baseline="0" noProof="0" dirty="0">
-              <a:ln>
-                <a:noFill/>
-              </a:ln>
-              <a:solidFill>
-                <a:schemeClr val="tx1">
-                  <a:lumMod val="85000"/>
-                  <a:lumOff val="15000"/>
-                </a:schemeClr>
-              </a:solidFill>
-              <a:effectLst/>
-              <a:uLnTx/>
-              <a:uFillTx/>
-              <a:latin typeface="Microsoft YaHei" panose="020B0503020204020204" pitchFamily="34" charset="-122"/>
-              <a:ea typeface="Microsoft YaHei" panose="020B0503020204020204" pitchFamily="34" charset="-122"/>
-              <a:cs typeface="+mn-cs"/>
-              <a:sym typeface="+mn-ea"/>
-            </a:endParaRPr>
           </a:p>
         </p:txBody>
       </p:sp>
       <p:sp>
         <p:nvSpPr>
           <p:cNvPr id="3" name="Content Placeholder 2"/>
-          <p:cNvSpPr/>
+          <p:cNvSpPr>
+            <a:spLocks noGrp="1"/>
+          </p:cNvSpPr>
           <p:nvPr>
             <p:ph idx="1"/>
           </p:nvPr>
@@ -17234,28 +17982,26 @@
         <p:spPr/>
         <p:txBody>
           <a:bodyPr/>
+          <a:lstStyle/>
           <a:p>
             <a:r>
-              <a:rPr lang="en-US"/>
+              <a:rPr lang="en-US" dirty="0"/>
               <a:t>Abstract Data Structures</a:t>
             </a:r>
-            <a:endParaRPr lang="en-US"/>
           </a:p>
           <a:p>
             <a:pPr lvl="1"/>
             <a:r>
-              <a:rPr lang="en-US"/>
+              <a:rPr lang="en-US" dirty="0"/>
               <a:t>Stack (LIFO)</a:t>
             </a:r>
-            <a:endParaRPr lang="en-US"/>
           </a:p>
           <a:p>
             <a:pPr lvl="1"/>
             <a:r>
-              <a:rPr lang="en-US"/>
+              <a:rPr lang="en-US" dirty="0"/>
               <a:t>Queue (FIFO)</a:t>
             </a:r>
-            <a:endParaRPr lang="en-US"/>
           </a:p>
         </p:txBody>
       </p:sp>
@@ -17279,7 +18025,14 @@
         <p:cNvGrpSpPr/>
         <p:nvPr/>
       </p:nvGrpSpPr>
-      <p:grpSpPr/>
+      <p:grpSpPr>
+        <a:xfrm>
+          <a:off x="0" y="0"/>
+          <a:ext cx="0" cy="0"/>
+          <a:chOff x="0" y="0"/>
+          <a:chExt cx="0" cy="0"/>
+        </a:xfrm>
+      </p:grpSpPr>
       <p:sp>
         <p:nvSpPr>
           <p:cNvPr id="46" name="任意多边形 45"/>
@@ -17432,6 +18185,7 @@
           <a:bodyPr wrap="square" anchor="t" anchorCtr="0">
             <a:spAutoFit/>
           </a:bodyPr>
+          <a:lstStyle/>
           <a:p>
             <a:pPr>
               <a:buFont typeface="Arial" panose="020B0604020202020204" pitchFamily="34" charset="0"/>
@@ -17446,13 +18200,6 @@
               </a:rPr>
               <a:t>Week3 Recap</a:t>
             </a:r>
-            <a:endParaRPr lang="en-US" altLang="zh-CN" sz="3200" b="1" dirty="0">
-              <a:solidFill>
-                <a:schemeClr val="bg1"/>
-              </a:solidFill>
-              <a:latin typeface="Microsoft YaHei" panose="020B0503020204020204" pitchFamily="34" charset="-122"/>
-              <a:ea typeface="Microsoft YaHei" panose="020B0503020204020204" pitchFamily="34" charset="-122"/>
-            </a:endParaRPr>
           </a:p>
         </p:txBody>
       </p:sp>
@@ -17553,6 +18300,7 @@
           <a:bodyPr wrap="square" anchor="t" anchorCtr="0">
             <a:spAutoFit/>
           </a:bodyPr>
+          <a:lstStyle/>
           <a:p>
             <a:pPr>
               <a:buFont typeface="Arial" panose="020B0604020202020204" pitchFamily="34" charset="0"/>
@@ -17567,13 +18315,6 @@
               </a:rPr>
               <a:t>Homework Recap</a:t>
             </a:r>
-            <a:endParaRPr lang="en-US" altLang="zh-CN" sz="3200" b="1" dirty="0">
-              <a:solidFill>
-                <a:srgbClr val="05B780"/>
-              </a:solidFill>
-              <a:latin typeface="Microsoft YaHei" panose="020B0503020204020204" pitchFamily="34" charset="-122"/>
-              <a:ea typeface="Microsoft YaHei" panose="020B0503020204020204" pitchFamily="34" charset="-122"/>
-            </a:endParaRPr>
           </a:p>
         </p:txBody>
       </p:sp>
@@ -17691,6 +18432,7 @@
             <a:bodyPr wrap="square" anchor="t" anchorCtr="0">
               <a:spAutoFit/>
             </a:bodyPr>
+            <a:lstStyle/>
             <a:p>
               <a:pPr>
                 <a:buFont typeface="Arial" panose="020B0604020202020204" pitchFamily="34" charset="0"/>
@@ -17705,13 +18447,6 @@
                 </a:rPr>
                 <a:t>01b</a:t>
               </a:r>
-              <a:endParaRPr lang="en-US" altLang="zh-CN" sz="4400" b="1" dirty="0">
-                <a:solidFill>
-                  <a:schemeClr val="bg1"/>
-                </a:solidFill>
-                <a:latin typeface="Microsoft YaHei" panose="020B0503020204020204" pitchFamily="34" charset="-122"/>
-                <a:ea typeface="Microsoft YaHei" panose="020B0503020204020204" pitchFamily="34" charset="-122"/>
-              </a:endParaRPr>
             </a:p>
           </p:txBody>
         </p:sp>
@@ -17736,7 +18471,14 @@
         <p:cNvGrpSpPr/>
         <p:nvPr/>
       </p:nvGrpSpPr>
-      <p:grpSpPr/>
+      <p:grpSpPr>
+        <a:xfrm>
+          <a:off x="0" y="0"/>
+          <a:ext cx="0" cy="0"/>
+          <a:chOff x="0" y="0"/>
+          <a:chExt cx="0" cy="0"/>
+        </a:xfrm>
+      </p:grpSpPr>
       <p:sp>
         <p:nvSpPr>
           <p:cNvPr id="15" name="任意多边形 14"/>
@@ -17889,6 +18631,7 @@
           <a:bodyPr anchor="t" anchorCtr="0">
             <a:spAutoFit/>
           </a:bodyPr>
+          <a:lstStyle/>
           <a:p>
             <a:pPr>
               <a:buFont typeface="Arial" panose="020B0604020202020204" pitchFamily="34" charset="0"/>
@@ -17903,13 +18646,6 @@
               </a:rPr>
               <a:t>1.2</a:t>
             </a:r>
-            <a:endParaRPr lang="en-US" altLang="zh-CN" sz="2800" b="1" dirty="0">
-              <a:solidFill>
-                <a:schemeClr val="bg1"/>
-              </a:solidFill>
-              <a:latin typeface="Microsoft YaHei" panose="020B0503020204020204" pitchFamily="34" charset="-122"/>
-              <a:ea typeface="Microsoft YaHei" panose="020B0503020204020204" pitchFamily="34" charset="-122"/>
-            </a:endParaRPr>
           </a:p>
         </p:txBody>
       </p:sp>
@@ -18006,31 +18742,15 @@
               </a:rPr>
               <a:t>Homework</a:t>
             </a:r>
-            <a:endParaRPr kumimoji="0" lang="en-US" altLang="zh-CN" sz="2800" b="1" i="0" u="none" strike="noStrike" kern="1200" cap="none" spc="0" normalizeH="0" baseline="0" noProof="0" dirty="0">
-              <a:ln>
-                <a:noFill/>
-              </a:ln>
-              <a:solidFill>
-                <a:schemeClr val="tx1">
-                  <a:lumMod val="85000"/>
-                  <a:lumOff val="15000"/>
-                </a:schemeClr>
-              </a:solidFill>
-              <a:effectLst/>
-              <a:uLnTx/>
-              <a:uFillTx/>
-              <a:latin typeface="Microsoft YaHei" panose="020B0503020204020204" pitchFamily="34" charset="-122"/>
-              <a:ea typeface="Microsoft YaHei" panose="020B0503020204020204" pitchFamily="34" charset="-122"/>
-              <a:cs typeface="+mn-cs"/>
-              <a:sym typeface="+mn-ea"/>
-            </a:endParaRPr>
           </a:p>
         </p:txBody>
       </p:sp>
       <p:sp>
         <p:nvSpPr>
           <p:cNvPr id="3" name="Content Placeholder 2"/>
-          <p:cNvSpPr/>
+          <p:cNvSpPr>
+            <a:spLocks noGrp="1"/>
+          </p:cNvSpPr>
           <p:nvPr>
             <p:ph idx="1"/>
           </p:nvPr>
@@ -18043,26 +18763,24 @@
         </p:spPr>
         <p:txBody>
           <a:bodyPr/>
+          <a:lstStyle/>
           <a:p>
             <a:r>
               <a:rPr lang="en-US" sz="2000"/>
               <a:t>Implement the Fibonacci function using a stack data structure</a:t>
             </a:r>
-            <a:endParaRPr lang="en-US" sz="2000"/>
           </a:p>
           <a:p>
             <a:r>
               <a:rPr lang="en-US" sz="2000"/>
               <a:t>The function takes as input a single integer n</a:t>
             </a:r>
-            <a:endParaRPr lang="en-US" sz="2000"/>
           </a:p>
           <a:p>
             <a:r>
               <a:rPr lang="en-US" sz="2000"/>
               <a:t>The function returns as output a single integer, the nth number in the fibonacci sequence</a:t>
             </a:r>
-            <a:endParaRPr lang="en-US" sz="2000"/>
           </a:p>
           <a:p>
             <a:pPr lvl="1"/>
@@ -18070,14 +18788,12 @@
               <a:rPr lang="en-US" sz="1710"/>
               <a:t>Fibonacci sequence: 0, 1, 1, 2, 3, 5, 8...</a:t>
             </a:r>
-            <a:endParaRPr lang="en-US" sz="1710"/>
           </a:p>
           <a:p>
             <a:r>
               <a:rPr lang="en-US" sz="2000"/>
               <a:t>Example:</a:t>
             </a:r>
-            <a:endParaRPr lang="en-US" sz="2000"/>
           </a:p>
           <a:p>
             <a:pPr lvl="1"/>
@@ -18085,7 +18801,6 @@
               <a:rPr lang="en-US" sz="1710"/>
               <a:t>Input n=5, Output = 3</a:t>
             </a:r>
-            <a:endParaRPr lang="en-US" sz="1710"/>
           </a:p>
           <a:p>
             <a:pPr lvl="1"/>
@@ -18093,7 +18808,6 @@
               <a:rPr lang="en-US" sz="1710"/>
               <a:t>Input n=7, Output = 8</a:t>
             </a:r>
-            <a:endParaRPr lang="en-US" sz="1710"/>
           </a:p>
         </p:txBody>
       </p:sp>
@@ -18117,7 +18831,14 @@
         <p:cNvGrpSpPr/>
         <p:nvPr/>
       </p:nvGrpSpPr>
-      <p:grpSpPr/>
+      <p:grpSpPr>
+        <a:xfrm>
+          <a:off x="0" y="0"/>
+          <a:ext cx="0" cy="0"/>
+          <a:chOff x="0" y="0"/>
+          <a:chExt cx="0" cy="0"/>
+        </a:xfrm>
+      </p:grpSpPr>
       <p:sp>
         <p:nvSpPr>
           <p:cNvPr id="46" name="任意多边形 45"/>
@@ -18270,6 +18991,7 @@
           <a:bodyPr wrap="square" anchor="t" anchorCtr="0">
             <a:spAutoFit/>
           </a:bodyPr>
+          <a:lstStyle/>
           <a:p>
             <a:pPr>
               <a:buFont typeface="Arial" panose="020B0604020202020204" pitchFamily="34" charset="0"/>
@@ -18392,6 +19114,7 @@
           <a:bodyPr wrap="square" anchor="t" anchorCtr="0">
             <a:spAutoFit/>
           </a:bodyPr>
+          <a:lstStyle/>
           <a:p>
             <a:pPr>
               <a:buFont typeface="Arial" panose="020B0604020202020204" pitchFamily="34" charset="0"/>
@@ -18406,13 +19129,6 @@
               </a:rPr>
               <a:t>Linked List</a:t>
             </a:r>
-            <a:endParaRPr lang="en-US" altLang="zh-CN" sz="3200" b="1" dirty="0">
-              <a:solidFill>
-                <a:srgbClr val="05B780"/>
-              </a:solidFill>
-              <a:latin typeface="Microsoft YaHei" panose="020B0503020204020204" pitchFamily="34" charset="-122"/>
-              <a:ea typeface="Microsoft YaHei" panose="020B0503020204020204" pitchFamily="34" charset="-122"/>
-            </a:endParaRPr>
           </a:p>
         </p:txBody>
       </p:sp>
@@ -18530,6 +19246,7 @@
             <a:bodyPr wrap="square" anchor="t" anchorCtr="0">
               <a:spAutoFit/>
             </a:bodyPr>
+            <a:lstStyle/>
             <a:p>
               <a:pPr>
                 <a:buFont typeface="Arial" panose="020B0604020202020204" pitchFamily="34" charset="0"/>
@@ -18544,13 +19261,6 @@
                 </a:rPr>
                 <a:t>02</a:t>
               </a:r>
-              <a:endParaRPr lang="en-US" altLang="zh-CN" sz="4400" b="1" dirty="0">
-                <a:solidFill>
-                  <a:schemeClr val="bg1"/>
-                </a:solidFill>
-                <a:latin typeface="Microsoft YaHei" panose="020B0503020204020204" pitchFamily="34" charset="-122"/>
-                <a:ea typeface="Microsoft YaHei" panose="020B0503020204020204" pitchFamily="34" charset="-122"/>
-              </a:endParaRPr>
             </a:p>
           </p:txBody>
         </p:sp>
@@ -18575,7 +19285,14 @@
         <p:cNvGrpSpPr/>
         <p:nvPr/>
       </p:nvGrpSpPr>
-      <p:grpSpPr/>
+      <p:grpSpPr>
+        <a:xfrm>
+          <a:off x="0" y="0"/>
+          <a:ext cx="0" cy="0"/>
+          <a:chOff x="0" y="0"/>
+          <a:chExt cx="0" cy="0"/>
+        </a:xfrm>
+      </p:grpSpPr>
       <p:sp>
         <p:nvSpPr>
           <p:cNvPr id="15" name="任意多边形 14"/>
@@ -18728,6 +19445,7 @@
           <a:bodyPr anchor="t" anchorCtr="0">
             <a:spAutoFit/>
           </a:bodyPr>
+          <a:lstStyle/>
           <a:p>
             <a:pPr>
               <a:buFont typeface="Arial" panose="020B0604020202020204" pitchFamily="34" charset="0"/>
@@ -18740,15 +19458,8 @@
                 <a:latin typeface="Microsoft YaHei" panose="020B0503020204020204" pitchFamily="34" charset="-122"/>
                 <a:ea typeface="Microsoft YaHei" panose="020B0503020204020204" pitchFamily="34" charset="-122"/>
               </a:rPr>
-              <a:t>1.1</a:t>
+              <a:t>2.1</a:t>
             </a:r>
-            <a:endParaRPr lang="en-US" altLang="zh-CN" sz="2800" b="1" dirty="0">
-              <a:solidFill>
-                <a:schemeClr val="bg1"/>
-              </a:solidFill>
-              <a:latin typeface="Microsoft YaHei" panose="020B0503020204020204" pitchFamily="34" charset="-122"/>
-              <a:ea typeface="Microsoft YaHei" panose="020B0503020204020204" pitchFamily="34" charset="-122"/>
-            </a:endParaRPr>
           </a:p>
         </p:txBody>
       </p:sp>
@@ -18845,31 +19556,15 @@
               </a:rPr>
               <a:t>Linked List</a:t>
             </a:r>
-            <a:endParaRPr kumimoji="0" lang="en-US" altLang="zh-CN" sz="2800" b="1" i="0" u="none" strike="noStrike" kern="1200" cap="none" spc="0" normalizeH="0" baseline="0" noProof="0" dirty="0">
-              <a:ln>
-                <a:noFill/>
-              </a:ln>
-              <a:solidFill>
-                <a:schemeClr val="tx1">
-                  <a:lumMod val="85000"/>
-                  <a:lumOff val="15000"/>
-                </a:schemeClr>
-              </a:solidFill>
-              <a:effectLst/>
-              <a:uLnTx/>
-              <a:uFillTx/>
-              <a:latin typeface="Microsoft YaHei" panose="020B0503020204020204" pitchFamily="34" charset="-122"/>
-              <a:ea typeface="Microsoft YaHei" panose="020B0503020204020204" pitchFamily="34" charset="-122"/>
-              <a:cs typeface="+mn-cs"/>
-              <a:sym typeface="+mn-ea"/>
-            </a:endParaRPr>
           </a:p>
         </p:txBody>
       </p:sp>
       <p:sp>
         <p:nvSpPr>
           <p:cNvPr id="3" name="Content Placeholder 2"/>
-          <p:cNvSpPr/>
+          <p:cNvSpPr>
+            <a:spLocks noGrp="1"/>
+          </p:cNvSpPr>
           <p:nvPr>
             <p:ph idx="1"/>
           </p:nvPr>
@@ -18877,12 +19572,12 @@
         <p:spPr/>
         <p:txBody>
           <a:bodyPr/>
+          <a:lstStyle/>
           <a:p>
             <a:r>
               <a:rPr lang="en-US"/>
               <a:t>Linked list, although the name contains a “list”, is actually operated via a Node data structure:</a:t>
             </a:r>
-            <a:endParaRPr lang="en-US"/>
           </a:p>
           <a:p>
             <a:pPr lvl="1"/>
@@ -18890,7 +19585,6 @@
               <a:rPr lang="en-US"/>
               <a:t>Data contains the value to be stored in the node</a:t>
             </a:r>
-            <a:endParaRPr lang="en-US"/>
           </a:p>
           <a:p>
             <a:pPr lvl="1"/>
@@ -18898,7 +19592,6 @@
               <a:rPr lang="en-US"/>
               <a:t>Next contains a reference/pointer to another node</a:t>
             </a:r>
-            <a:endParaRPr lang="en-US"/>
           </a:p>
         </p:txBody>
       </p:sp>
@@ -18911,7 +19604,7 @@
           <p:nvPr/>
         </p:nvPicPr>
         <p:blipFill>
-          <a:blip r:embed="rId1"/>
+          <a:blip r:embed="rId2"/>
           <a:stretch>
             <a:fillRect/>
           </a:stretch>
@@ -18946,7 +19639,14 @@
         <p:cNvGrpSpPr/>
         <p:nvPr/>
       </p:nvGrpSpPr>
-      <p:grpSpPr/>
+      <p:grpSpPr>
+        <a:xfrm>
+          <a:off x="0" y="0"/>
+          <a:ext cx="0" cy="0"/>
+          <a:chOff x="0" y="0"/>
+          <a:chExt cx="0" cy="0"/>
+        </a:xfrm>
+      </p:grpSpPr>
       <p:sp>
         <p:nvSpPr>
           <p:cNvPr id="15" name="任意多边形 14"/>
@@ -19099,6 +19799,7 @@
           <a:bodyPr anchor="t" anchorCtr="0">
             <a:spAutoFit/>
           </a:bodyPr>
+          <a:lstStyle/>
           <a:p>
             <a:pPr>
               <a:buFont typeface="Arial" panose="020B0604020202020204" pitchFamily="34" charset="0"/>
@@ -19111,15 +19812,8 @@
                 <a:latin typeface="Microsoft YaHei" panose="020B0503020204020204" pitchFamily="34" charset="-122"/>
                 <a:ea typeface="Microsoft YaHei" panose="020B0503020204020204" pitchFamily="34" charset="-122"/>
               </a:rPr>
-              <a:t>1.1</a:t>
+              <a:t>2.2</a:t>
             </a:r>
-            <a:endParaRPr lang="en-US" altLang="zh-CN" sz="2800" b="1" dirty="0">
-              <a:solidFill>
-                <a:schemeClr val="bg1"/>
-              </a:solidFill>
-              <a:latin typeface="Microsoft YaHei" panose="020B0503020204020204" pitchFamily="34" charset="-122"/>
-              <a:ea typeface="Microsoft YaHei" panose="020B0503020204020204" pitchFamily="34" charset="-122"/>
-            </a:endParaRPr>
           </a:p>
         </p:txBody>
       </p:sp>
@@ -19216,31 +19910,15 @@
               </a:rPr>
               <a:t>Linked List</a:t>
             </a:r>
-            <a:endParaRPr kumimoji="0" lang="en-US" altLang="zh-CN" sz="2800" b="1" i="0" u="none" strike="noStrike" kern="1200" cap="none" spc="0" normalizeH="0" baseline="0" noProof="0" dirty="0">
-              <a:ln>
-                <a:noFill/>
-              </a:ln>
-              <a:solidFill>
-                <a:schemeClr val="tx1">
-                  <a:lumMod val="85000"/>
-                  <a:lumOff val="15000"/>
-                </a:schemeClr>
-              </a:solidFill>
-              <a:effectLst/>
-              <a:uLnTx/>
-              <a:uFillTx/>
-              <a:latin typeface="Microsoft YaHei" panose="020B0503020204020204" pitchFamily="34" charset="-122"/>
-              <a:ea typeface="Microsoft YaHei" panose="020B0503020204020204" pitchFamily="34" charset="-122"/>
-              <a:cs typeface="+mn-cs"/>
-              <a:sym typeface="+mn-ea"/>
-            </a:endParaRPr>
           </a:p>
         </p:txBody>
       </p:sp>
       <p:sp>
         <p:nvSpPr>
           <p:cNvPr id="3" name="Content Placeholder 2"/>
-          <p:cNvSpPr/>
+          <p:cNvSpPr>
+            <a:spLocks noGrp="1"/>
+          </p:cNvSpPr>
           <p:nvPr>
             <p:ph idx="1"/>
           </p:nvPr>
@@ -19248,26 +19926,24 @@
         <p:spPr/>
         <p:txBody>
           <a:bodyPr/>
+          <a:lstStyle/>
           <a:p>
             <a:r>
               <a:rPr lang="en-US"/>
               <a:t>An actual linked list is a collection of nodes</a:t>
             </a:r>
-            <a:endParaRPr lang="en-US"/>
           </a:p>
           <a:p>
             <a:r>
               <a:rPr lang="en-US"/>
               <a:t>The first node is called HEAD, and is the starting point for any iteration through the list</a:t>
             </a:r>
-            <a:endParaRPr lang="en-US"/>
           </a:p>
           <a:p>
             <a:r>
               <a:rPr lang="en-US"/>
               <a:t>The last node is called TAIL, and is the ending point of a full iteration through the list</a:t>
             </a:r>
-            <a:endParaRPr lang="en-US"/>
           </a:p>
         </p:txBody>
       </p:sp>
@@ -19280,7 +19956,7 @@
           <p:nvPr/>
         </p:nvPicPr>
         <p:blipFill>
-          <a:blip r:embed="rId1"/>
+          <a:blip r:embed="rId2"/>
           <a:stretch>
             <a:fillRect/>
           </a:stretch>
@@ -19557,6 +20233,8 @@
       </a:bgFillStyleLst>
     </a:fmtScheme>
   </a:themeElements>
+  <a:objectDefaults/>
+  <a:extraClrSchemeLst/>
   <a:extLst>
     <a:ext uri="{05A4C25C-085E-4340-85A3-A5531E510DB2}">
       <thm15:themeFamily xmlns:thm15="http://schemas.microsoft.com/office/thememl/2012/main" name="Office Theme" id="{62F939B6-93AF-4DB8-9C6B-D6C7DFDC589F}" vid="{4A3C46E8-61CC-4603-A589-7422A47A8E4A}"/>
@@ -19816,6 +20494,8 @@
       </a:bgFillStyleLst>
     </a:fmtScheme>
   </a:themeElements>
+  <a:objectDefaults/>
+  <a:extraClrSchemeLst/>
   <a:extLst>
     <a:ext uri="{05A4C25C-085E-4340-85A3-A5531E510DB2}">
       <thm15:themeFamily xmlns:thm15="http://schemas.microsoft.com/office/thememl/2012/main" name="Office Theme" id="{62F939B6-93AF-4DB8-9C6B-D6C7DFDC589F}" vid="{4A3C46E8-61CC-4603-A589-7422A47A8E4A}"/>
@@ -20075,6 +20755,8 @@
       </a:bgFillStyleLst>
     </a:fmtScheme>
   </a:themeElements>
+  <a:objectDefaults/>
+  <a:extraClrSchemeLst/>
   <a:extLst>
     <a:ext uri="{05A4C25C-085E-4340-85A3-A5531E510DB2}">
       <thm15:themeFamily xmlns:thm15="http://schemas.microsoft.com/office/thememl/2012/main" name="Office Theme" id="{62F939B6-93AF-4DB8-9C6B-D6C7DFDC589F}" vid="{4A3C46E8-61CC-4603-A589-7422A47A8E4A}"/>
@@ -20334,6 +21016,8 @@
       </a:bgFillStyleLst>
     </a:fmtScheme>
   </a:themeElements>
+  <a:objectDefaults/>
+  <a:extraClrSchemeLst/>
   <a:extLst>
     <a:ext uri="{05A4C25C-085E-4340-85A3-A5531E510DB2}">
       <thm15:themeFamily xmlns:thm15="http://schemas.microsoft.com/office/thememl/2012/main" name="Office Theme" id="{62F939B6-93AF-4DB8-9C6B-D6C7DFDC589F}" vid="{4A3C46E8-61CC-4603-A589-7422A47A8E4A}"/>
